--- a/IoT final presentation.pptx
+++ b/IoT final presentation.pptx
@@ -5,14 +5,19 @@
     <p:sldMasterId id="2147483648" r:id="rId1"/>
   </p:sldMasterIdLst>
   <p:notesMasterIdLst>
-    <p:notesMasterId r:id="rId7"/>
+    <p:notesMasterId r:id="rId12"/>
   </p:notesMasterIdLst>
   <p:sldIdLst>
     <p:sldId id="256" r:id="rId2"/>
-    <p:sldId id="258" r:id="rId3"/>
-    <p:sldId id="263" r:id="rId4"/>
-    <p:sldId id="260" r:id="rId5"/>
-    <p:sldId id="261" r:id="rId6"/>
+    <p:sldId id="264" r:id="rId3"/>
+    <p:sldId id="258" r:id="rId4"/>
+    <p:sldId id="266" r:id="rId5"/>
+    <p:sldId id="268" r:id="rId6"/>
+    <p:sldId id="269" r:id="rId7"/>
+    <p:sldId id="265" r:id="rId8"/>
+    <p:sldId id="263" r:id="rId9"/>
+    <p:sldId id="260" r:id="rId10"/>
+    <p:sldId id="261" r:id="rId11"/>
   </p:sldIdLst>
   <p:sldSz cx="12192000" cy="6858000"/>
   <p:notesSz cx="6797675" cy="9874250"/>
@@ -275,7 +280,7 @@
       </p15:notesGuideLst>
     </p:ext>
     <p:ext uri="http://customooxmlschemas.google.com/">
-      <go:slidesCustomData xmlns:go="http://customooxmlschemas.google.com/" xmlns:ahyp="http://schemas.microsoft.com/office/drawing/2018/hyperlinkcolor" xmlns:p15="http://schemas.microsoft.com/office/powerpoint/2012/main" xmlns:p14="http://schemas.microsoft.com/office/powerpoint/2010/main" xmlns:com="http://schemas.openxmlformats.org/drawingml/2006/compatibility" xmlns:pvml="urn:schemas-microsoft-com:office:powerpoint" xmlns:v="urn:schemas-microsoft-com:vml" xmlns:o="urn:schemas-microsoft-com:office:office" xmlns:dgm="http://schemas.openxmlformats.org/drawingml/2006/diagram" xmlns:c="http://schemas.openxmlformats.org/drawingml/2006/chart" xmlns:mv="urn:schemas-microsoft-com:mac:vml" xmlns:mc="http://schemas.openxmlformats.org/markup-compatibility/2006" xmlns="" r:id="rId10" roundtripDataSignature="AMtx7mhIVCKhCGkd0QHfOARwTtCSWg78Gg=="/>
+      <go:slidesCustomData xmlns="" xmlns:mc="http://schemas.openxmlformats.org/markup-compatibility/2006" xmlns:mv="urn:schemas-microsoft-com:mac:vml" xmlns:c="http://schemas.openxmlformats.org/drawingml/2006/chart" xmlns:dgm="http://schemas.openxmlformats.org/drawingml/2006/diagram" xmlns:o="urn:schemas-microsoft-com:office:office" xmlns:v="urn:schemas-microsoft-com:vml" xmlns:pvml="urn:schemas-microsoft-com:office:powerpoint" xmlns:com="http://schemas.openxmlformats.org/drawingml/2006/compatibility" xmlns:p14="http://schemas.microsoft.com/office/powerpoint/2010/main" xmlns:p15="http://schemas.microsoft.com/office/powerpoint/2012/main" xmlns:ahyp="http://schemas.microsoft.com/office/drawing/2018/hyperlinkcolor" xmlns:go="http://customooxmlschemas.google.com/" r:id="rId13" roundtripDataSignature="AMtx7mhIVCKhCGkd0QHfOARwTtCSWg78Gg=="/>
     </p:ext>
   </p:extLst>
 </p:presentation>
@@ -1993,7 +1998,7 @@
             </a:pPr>
             <a:fld id="{00000000-1234-1234-1234-123412341234}" type="slidenum">
               <a:rPr lang="de-DE"/>
-              <a:t>2</a:t>
+              <a:t>3</a:t>
             </a:fld>
             <a:endParaRPr/>
           </a:p>
@@ -2153,7 +2158,7 @@
     </p:spTree>
     <p:extLst>
       <p:ext uri="{BB962C8B-B14F-4D97-AF65-F5344CB8AC3E}">
-        <p14:creationId xmlns:p14="http://schemas.microsoft.com/office/powerpoint/2010/main" val="1097994239"/>
+        <p14:creationId xmlns:p14="http://schemas.microsoft.com/office/powerpoint/2010/main" val="156758907"/>
       </p:ext>
     </p:extLst>
   </p:cSld>
@@ -2301,6 +2306,630 @@
             <a:fld id="{00000000-1234-1234-1234-123412341234}" type="slidenum">
               <a:rPr lang="de-DE"/>
               <a:t>5</a:t>
+            </a:fld>
+            <a:endParaRPr/>
+          </a:p>
+        </p:txBody>
+      </p:sp>
+    </p:spTree>
+    <p:extLst>
+      <p:ext uri="{BB962C8B-B14F-4D97-AF65-F5344CB8AC3E}">
+        <p14:creationId xmlns:p14="http://schemas.microsoft.com/office/powerpoint/2010/main" val="522559170"/>
+      </p:ext>
+    </p:extLst>
+  </p:cSld>
+  <p:clrMapOvr>
+    <a:masterClrMapping/>
+  </p:clrMapOvr>
+</p:notes>
+</file>
+
+<file path=ppt/notesSlides/notesSlide5.xml><?xml version="1.0" encoding="utf-8"?>
+<p:notes xmlns:a="http://schemas.openxmlformats.org/drawingml/2006/main" xmlns:r="http://schemas.openxmlformats.org/officeDocument/2006/relationships" xmlns:p="http://schemas.openxmlformats.org/presentationml/2006/main" showMasterSp="0" showMasterPhAnim="0">
+  <p:cSld>
+    <p:spTree>
+      <p:nvGrpSpPr>
+        <p:cNvPr id="1" name="Shape 65"/>
+        <p:cNvGrpSpPr/>
+        <p:nvPr/>
+      </p:nvGrpSpPr>
+      <p:grpSpPr>
+        <a:xfrm>
+          <a:off x="0" y="0"/>
+          <a:ext cx="0" cy="0"/>
+          <a:chOff x="0" y="0"/>
+          <a:chExt cx="0" cy="0"/>
+        </a:xfrm>
+      </p:grpSpPr>
+      <p:sp>
+        <p:nvSpPr>
+          <p:cNvPr id="66" name="Google Shape;66;gb9e2de6e95_0_1:notes"/>
+          <p:cNvSpPr>
+            <a:spLocks noGrp="1" noRot="1" noChangeAspect="1"/>
+          </p:cNvSpPr>
+          <p:nvPr>
+            <p:ph type="sldImg" idx="2"/>
+          </p:nvPr>
+        </p:nvSpPr>
+        <p:spPr>
+          <a:xfrm>
+            <a:off x="111125" y="742950"/>
+            <a:ext cx="6577013" cy="3700463"/>
+          </a:xfrm>
+          <a:custGeom>
+            <a:avLst/>
+            <a:gdLst/>
+            <a:ahLst/>
+            <a:cxnLst/>
+            <a:rect l="l" t="t" r="r" b="b"/>
+            <a:pathLst>
+              <a:path w="120000" h="120000" extrusionOk="0">
+                <a:moveTo>
+                  <a:pt x="0" y="0"/>
+                </a:moveTo>
+                <a:lnTo>
+                  <a:pt x="120000" y="0"/>
+                </a:lnTo>
+                <a:lnTo>
+                  <a:pt x="120000" y="120000"/>
+                </a:lnTo>
+                <a:lnTo>
+                  <a:pt x="0" y="120000"/>
+                </a:lnTo>
+                <a:close/>
+              </a:path>
+            </a:pathLst>
+          </a:custGeom>
+        </p:spPr>
+      </p:sp>
+      <p:sp>
+        <p:nvSpPr>
+          <p:cNvPr id="67" name="Google Shape;67;gb9e2de6e95_0_1:notes"/>
+          <p:cNvSpPr txBox="1">
+            <a:spLocks noGrp="1"/>
+          </p:cNvSpPr>
+          <p:nvPr>
+            <p:ph type="body" idx="1"/>
+          </p:nvPr>
+        </p:nvSpPr>
+        <p:spPr>
+          <a:xfrm>
+            <a:off x="905952" y="4689775"/>
+            <a:ext cx="4985700" cy="4443300"/>
+          </a:xfrm>
+          <a:prstGeom prst="rect">
+            <a:avLst/>
+          </a:prstGeom>
+        </p:spPr>
+        <p:txBody>
+          <a:bodyPr spcFirstLastPara="1" wrap="square" lIns="91125" tIns="45550" rIns="91125" bIns="45550" anchor="t" anchorCtr="0">
+            <a:noAutofit/>
+          </a:bodyPr>
+          <a:lstStyle/>
+          <a:p>
+            <a:pPr marL="0" lvl="0" indent="0" algn="l" rtl="0">
+              <a:spcBef>
+                <a:spcPts val="360"/>
+              </a:spcBef>
+              <a:spcAft>
+                <a:spcPts val="0"/>
+              </a:spcAft>
+              <a:buNone/>
+            </a:pPr>
+            <a:endParaRPr/>
+          </a:p>
+        </p:txBody>
+      </p:sp>
+      <p:sp>
+        <p:nvSpPr>
+          <p:cNvPr id="68" name="Google Shape;68;gb9e2de6e95_0_1:notes"/>
+          <p:cNvSpPr txBox="1">
+            <a:spLocks noGrp="1"/>
+          </p:cNvSpPr>
+          <p:nvPr>
+            <p:ph type="sldNum" idx="12"/>
+          </p:nvPr>
+        </p:nvSpPr>
+        <p:spPr>
+          <a:xfrm>
+            <a:off x="3851815" y="9381081"/>
+            <a:ext cx="2946000" cy="493200"/>
+          </a:xfrm>
+          <a:prstGeom prst="rect">
+            <a:avLst/>
+          </a:prstGeom>
+        </p:spPr>
+        <p:txBody>
+          <a:bodyPr spcFirstLastPara="1" wrap="square" lIns="91125" tIns="45550" rIns="91125" bIns="45550" anchor="b" anchorCtr="0">
+            <a:noAutofit/>
+          </a:bodyPr>
+          <a:lstStyle/>
+          <a:p>
+            <a:pPr marL="0" lvl="0" indent="0" algn="r" rtl="0">
+              <a:spcBef>
+                <a:spcPts val="0"/>
+              </a:spcBef>
+              <a:spcAft>
+                <a:spcPts val="0"/>
+              </a:spcAft>
+              <a:buClr>
+                <a:srgbClr val="000000"/>
+              </a:buClr>
+              <a:buSzPts val="1200"/>
+              <a:buFont typeface="Arial"/>
+              <a:buNone/>
+            </a:pPr>
+            <a:fld id="{00000000-1234-1234-1234-123412341234}" type="slidenum">
+              <a:rPr lang="de-DE"/>
+              <a:t>6</a:t>
+            </a:fld>
+            <a:endParaRPr/>
+          </a:p>
+        </p:txBody>
+      </p:sp>
+    </p:spTree>
+    <p:extLst>
+      <p:ext uri="{BB962C8B-B14F-4D97-AF65-F5344CB8AC3E}">
+        <p14:creationId xmlns:p14="http://schemas.microsoft.com/office/powerpoint/2010/main" val="301625471"/>
+      </p:ext>
+    </p:extLst>
+  </p:cSld>
+  <p:clrMapOvr>
+    <a:masterClrMapping/>
+  </p:clrMapOvr>
+</p:notes>
+</file>
+
+<file path=ppt/notesSlides/notesSlide6.xml><?xml version="1.0" encoding="utf-8"?>
+<p:notes xmlns:a="http://schemas.openxmlformats.org/drawingml/2006/main" xmlns:r="http://schemas.openxmlformats.org/officeDocument/2006/relationships" xmlns:p="http://schemas.openxmlformats.org/presentationml/2006/main" showMasterSp="0" showMasterPhAnim="0">
+  <p:cSld>
+    <p:spTree>
+      <p:nvGrpSpPr>
+        <p:cNvPr id="1" name="Shape 65"/>
+        <p:cNvGrpSpPr/>
+        <p:nvPr/>
+      </p:nvGrpSpPr>
+      <p:grpSpPr>
+        <a:xfrm>
+          <a:off x="0" y="0"/>
+          <a:ext cx="0" cy="0"/>
+          <a:chOff x="0" y="0"/>
+          <a:chExt cx="0" cy="0"/>
+        </a:xfrm>
+      </p:grpSpPr>
+      <p:sp>
+        <p:nvSpPr>
+          <p:cNvPr id="66" name="Google Shape;66;gb9e2de6e95_0_1:notes"/>
+          <p:cNvSpPr>
+            <a:spLocks noGrp="1" noRot="1" noChangeAspect="1"/>
+          </p:cNvSpPr>
+          <p:nvPr>
+            <p:ph type="sldImg" idx="2"/>
+          </p:nvPr>
+        </p:nvSpPr>
+        <p:spPr>
+          <a:xfrm>
+            <a:off x="111125" y="742950"/>
+            <a:ext cx="6577013" cy="3700463"/>
+          </a:xfrm>
+          <a:custGeom>
+            <a:avLst/>
+            <a:gdLst/>
+            <a:ahLst/>
+            <a:cxnLst/>
+            <a:rect l="l" t="t" r="r" b="b"/>
+            <a:pathLst>
+              <a:path w="120000" h="120000" extrusionOk="0">
+                <a:moveTo>
+                  <a:pt x="0" y="0"/>
+                </a:moveTo>
+                <a:lnTo>
+                  <a:pt x="120000" y="0"/>
+                </a:lnTo>
+                <a:lnTo>
+                  <a:pt x="120000" y="120000"/>
+                </a:lnTo>
+                <a:lnTo>
+                  <a:pt x="0" y="120000"/>
+                </a:lnTo>
+                <a:close/>
+              </a:path>
+            </a:pathLst>
+          </a:custGeom>
+        </p:spPr>
+      </p:sp>
+      <p:sp>
+        <p:nvSpPr>
+          <p:cNvPr id="67" name="Google Shape;67;gb9e2de6e95_0_1:notes"/>
+          <p:cNvSpPr txBox="1">
+            <a:spLocks noGrp="1"/>
+          </p:cNvSpPr>
+          <p:nvPr>
+            <p:ph type="body" idx="1"/>
+          </p:nvPr>
+        </p:nvSpPr>
+        <p:spPr>
+          <a:xfrm>
+            <a:off x="905952" y="4689775"/>
+            <a:ext cx="4985700" cy="4443300"/>
+          </a:xfrm>
+          <a:prstGeom prst="rect">
+            <a:avLst/>
+          </a:prstGeom>
+        </p:spPr>
+        <p:txBody>
+          <a:bodyPr spcFirstLastPara="1" wrap="square" lIns="91125" tIns="45550" rIns="91125" bIns="45550" anchor="t" anchorCtr="0">
+            <a:noAutofit/>
+          </a:bodyPr>
+          <a:lstStyle/>
+          <a:p>
+            <a:pPr marL="0" lvl="0" indent="0" algn="l" rtl="0">
+              <a:spcBef>
+                <a:spcPts val="360"/>
+              </a:spcBef>
+              <a:spcAft>
+                <a:spcPts val="0"/>
+              </a:spcAft>
+              <a:buNone/>
+            </a:pPr>
+            <a:endParaRPr/>
+          </a:p>
+        </p:txBody>
+      </p:sp>
+      <p:sp>
+        <p:nvSpPr>
+          <p:cNvPr id="68" name="Google Shape;68;gb9e2de6e95_0_1:notes"/>
+          <p:cNvSpPr txBox="1">
+            <a:spLocks noGrp="1"/>
+          </p:cNvSpPr>
+          <p:nvPr>
+            <p:ph type="sldNum" idx="12"/>
+          </p:nvPr>
+        </p:nvSpPr>
+        <p:spPr>
+          <a:xfrm>
+            <a:off x="3851815" y="9381081"/>
+            <a:ext cx="2946000" cy="493200"/>
+          </a:xfrm>
+          <a:prstGeom prst="rect">
+            <a:avLst/>
+          </a:prstGeom>
+        </p:spPr>
+        <p:txBody>
+          <a:bodyPr spcFirstLastPara="1" wrap="square" lIns="91125" tIns="45550" rIns="91125" bIns="45550" anchor="b" anchorCtr="0">
+            <a:noAutofit/>
+          </a:bodyPr>
+          <a:lstStyle/>
+          <a:p>
+            <a:pPr marL="0" lvl="0" indent="0" algn="r" rtl="0">
+              <a:spcBef>
+                <a:spcPts val="0"/>
+              </a:spcBef>
+              <a:spcAft>
+                <a:spcPts val="0"/>
+              </a:spcAft>
+              <a:buClr>
+                <a:srgbClr val="000000"/>
+              </a:buClr>
+              <a:buSzPts val="1200"/>
+              <a:buFont typeface="Arial"/>
+              <a:buNone/>
+            </a:pPr>
+            <a:fld id="{00000000-1234-1234-1234-123412341234}" type="slidenum">
+              <a:rPr lang="de-DE"/>
+              <a:t>7</a:t>
+            </a:fld>
+            <a:endParaRPr/>
+          </a:p>
+        </p:txBody>
+      </p:sp>
+    </p:spTree>
+    <p:extLst>
+      <p:ext uri="{BB962C8B-B14F-4D97-AF65-F5344CB8AC3E}">
+        <p14:creationId xmlns:p14="http://schemas.microsoft.com/office/powerpoint/2010/main" val="3468180757"/>
+      </p:ext>
+    </p:extLst>
+  </p:cSld>
+  <p:clrMapOvr>
+    <a:masterClrMapping/>
+  </p:clrMapOvr>
+</p:notes>
+</file>
+
+<file path=ppt/notesSlides/notesSlide7.xml><?xml version="1.0" encoding="utf-8"?>
+<p:notes xmlns:a="http://schemas.openxmlformats.org/drawingml/2006/main" xmlns:r="http://schemas.openxmlformats.org/officeDocument/2006/relationships" xmlns:p="http://schemas.openxmlformats.org/presentationml/2006/main" showMasterSp="0" showMasterPhAnim="0">
+  <p:cSld>
+    <p:spTree>
+      <p:nvGrpSpPr>
+        <p:cNvPr id="1" name="Shape 65"/>
+        <p:cNvGrpSpPr/>
+        <p:nvPr/>
+      </p:nvGrpSpPr>
+      <p:grpSpPr>
+        <a:xfrm>
+          <a:off x="0" y="0"/>
+          <a:ext cx="0" cy="0"/>
+          <a:chOff x="0" y="0"/>
+          <a:chExt cx="0" cy="0"/>
+        </a:xfrm>
+      </p:grpSpPr>
+      <p:sp>
+        <p:nvSpPr>
+          <p:cNvPr id="66" name="Google Shape;66;gb9e2de6e95_0_1:notes"/>
+          <p:cNvSpPr>
+            <a:spLocks noGrp="1" noRot="1" noChangeAspect="1"/>
+          </p:cNvSpPr>
+          <p:nvPr>
+            <p:ph type="sldImg" idx="2"/>
+          </p:nvPr>
+        </p:nvSpPr>
+        <p:spPr>
+          <a:xfrm>
+            <a:off x="111125" y="742950"/>
+            <a:ext cx="6577013" cy="3700463"/>
+          </a:xfrm>
+          <a:custGeom>
+            <a:avLst/>
+            <a:gdLst/>
+            <a:ahLst/>
+            <a:cxnLst/>
+            <a:rect l="l" t="t" r="r" b="b"/>
+            <a:pathLst>
+              <a:path w="120000" h="120000" extrusionOk="0">
+                <a:moveTo>
+                  <a:pt x="0" y="0"/>
+                </a:moveTo>
+                <a:lnTo>
+                  <a:pt x="120000" y="0"/>
+                </a:lnTo>
+                <a:lnTo>
+                  <a:pt x="120000" y="120000"/>
+                </a:lnTo>
+                <a:lnTo>
+                  <a:pt x="0" y="120000"/>
+                </a:lnTo>
+                <a:close/>
+              </a:path>
+            </a:pathLst>
+          </a:custGeom>
+        </p:spPr>
+      </p:sp>
+      <p:sp>
+        <p:nvSpPr>
+          <p:cNvPr id="67" name="Google Shape;67;gb9e2de6e95_0_1:notes"/>
+          <p:cNvSpPr txBox="1">
+            <a:spLocks noGrp="1"/>
+          </p:cNvSpPr>
+          <p:nvPr>
+            <p:ph type="body" idx="1"/>
+          </p:nvPr>
+        </p:nvSpPr>
+        <p:spPr>
+          <a:xfrm>
+            <a:off x="905952" y="4689775"/>
+            <a:ext cx="4985700" cy="4443300"/>
+          </a:xfrm>
+          <a:prstGeom prst="rect">
+            <a:avLst/>
+          </a:prstGeom>
+        </p:spPr>
+        <p:txBody>
+          <a:bodyPr spcFirstLastPara="1" wrap="square" lIns="91125" tIns="45550" rIns="91125" bIns="45550" anchor="t" anchorCtr="0">
+            <a:noAutofit/>
+          </a:bodyPr>
+          <a:lstStyle/>
+          <a:p>
+            <a:pPr marL="0" lvl="0" indent="0" algn="l" rtl="0">
+              <a:spcBef>
+                <a:spcPts val="360"/>
+              </a:spcBef>
+              <a:spcAft>
+                <a:spcPts val="0"/>
+              </a:spcAft>
+              <a:buNone/>
+            </a:pPr>
+            <a:endParaRPr/>
+          </a:p>
+        </p:txBody>
+      </p:sp>
+      <p:sp>
+        <p:nvSpPr>
+          <p:cNvPr id="68" name="Google Shape;68;gb9e2de6e95_0_1:notes"/>
+          <p:cNvSpPr txBox="1">
+            <a:spLocks noGrp="1"/>
+          </p:cNvSpPr>
+          <p:nvPr>
+            <p:ph type="sldNum" idx="12"/>
+          </p:nvPr>
+        </p:nvSpPr>
+        <p:spPr>
+          <a:xfrm>
+            <a:off x="3851815" y="9381081"/>
+            <a:ext cx="2946000" cy="493200"/>
+          </a:xfrm>
+          <a:prstGeom prst="rect">
+            <a:avLst/>
+          </a:prstGeom>
+        </p:spPr>
+        <p:txBody>
+          <a:bodyPr spcFirstLastPara="1" wrap="square" lIns="91125" tIns="45550" rIns="91125" bIns="45550" anchor="b" anchorCtr="0">
+            <a:noAutofit/>
+          </a:bodyPr>
+          <a:lstStyle/>
+          <a:p>
+            <a:pPr marL="0" lvl="0" indent="0" algn="r" rtl="0">
+              <a:spcBef>
+                <a:spcPts val="0"/>
+              </a:spcBef>
+              <a:spcAft>
+                <a:spcPts val="0"/>
+              </a:spcAft>
+              <a:buClr>
+                <a:srgbClr val="000000"/>
+              </a:buClr>
+              <a:buSzPts val="1200"/>
+              <a:buFont typeface="Arial"/>
+              <a:buNone/>
+            </a:pPr>
+            <a:fld id="{00000000-1234-1234-1234-123412341234}" type="slidenum">
+              <a:rPr lang="de-DE"/>
+              <a:t>9</a:t>
+            </a:fld>
+            <a:endParaRPr/>
+          </a:p>
+        </p:txBody>
+      </p:sp>
+    </p:spTree>
+    <p:extLst>
+      <p:ext uri="{BB962C8B-B14F-4D97-AF65-F5344CB8AC3E}">
+        <p14:creationId xmlns:p14="http://schemas.microsoft.com/office/powerpoint/2010/main" val="1097994239"/>
+      </p:ext>
+    </p:extLst>
+  </p:cSld>
+  <p:clrMapOvr>
+    <a:masterClrMapping/>
+  </p:clrMapOvr>
+</p:notes>
+</file>
+
+<file path=ppt/notesSlides/notesSlide8.xml><?xml version="1.0" encoding="utf-8"?>
+<p:notes xmlns:a="http://schemas.openxmlformats.org/drawingml/2006/main" xmlns:r="http://schemas.openxmlformats.org/officeDocument/2006/relationships" xmlns:p="http://schemas.openxmlformats.org/presentationml/2006/main" showMasterSp="0" showMasterPhAnim="0">
+  <p:cSld>
+    <p:spTree>
+      <p:nvGrpSpPr>
+        <p:cNvPr id="1" name="Shape 65"/>
+        <p:cNvGrpSpPr/>
+        <p:nvPr/>
+      </p:nvGrpSpPr>
+      <p:grpSpPr>
+        <a:xfrm>
+          <a:off x="0" y="0"/>
+          <a:ext cx="0" cy="0"/>
+          <a:chOff x="0" y="0"/>
+          <a:chExt cx="0" cy="0"/>
+        </a:xfrm>
+      </p:grpSpPr>
+      <p:sp>
+        <p:nvSpPr>
+          <p:cNvPr id="66" name="Google Shape;66;gb9e2de6e95_0_1:notes"/>
+          <p:cNvSpPr>
+            <a:spLocks noGrp="1" noRot="1" noChangeAspect="1"/>
+          </p:cNvSpPr>
+          <p:nvPr>
+            <p:ph type="sldImg" idx="2"/>
+          </p:nvPr>
+        </p:nvSpPr>
+        <p:spPr>
+          <a:xfrm>
+            <a:off x="111125" y="742950"/>
+            <a:ext cx="6577013" cy="3700463"/>
+          </a:xfrm>
+          <a:custGeom>
+            <a:avLst/>
+            <a:gdLst/>
+            <a:ahLst/>
+            <a:cxnLst/>
+            <a:rect l="l" t="t" r="r" b="b"/>
+            <a:pathLst>
+              <a:path w="120000" h="120000" extrusionOk="0">
+                <a:moveTo>
+                  <a:pt x="0" y="0"/>
+                </a:moveTo>
+                <a:lnTo>
+                  <a:pt x="120000" y="0"/>
+                </a:lnTo>
+                <a:lnTo>
+                  <a:pt x="120000" y="120000"/>
+                </a:lnTo>
+                <a:lnTo>
+                  <a:pt x="0" y="120000"/>
+                </a:lnTo>
+                <a:close/>
+              </a:path>
+            </a:pathLst>
+          </a:custGeom>
+        </p:spPr>
+      </p:sp>
+      <p:sp>
+        <p:nvSpPr>
+          <p:cNvPr id="67" name="Google Shape;67;gb9e2de6e95_0_1:notes"/>
+          <p:cNvSpPr txBox="1">
+            <a:spLocks noGrp="1"/>
+          </p:cNvSpPr>
+          <p:nvPr>
+            <p:ph type="body" idx="1"/>
+          </p:nvPr>
+        </p:nvSpPr>
+        <p:spPr>
+          <a:xfrm>
+            <a:off x="905952" y="4689775"/>
+            <a:ext cx="4985700" cy="4443300"/>
+          </a:xfrm>
+          <a:prstGeom prst="rect">
+            <a:avLst/>
+          </a:prstGeom>
+        </p:spPr>
+        <p:txBody>
+          <a:bodyPr spcFirstLastPara="1" wrap="square" lIns="91125" tIns="45550" rIns="91125" bIns="45550" anchor="t" anchorCtr="0">
+            <a:noAutofit/>
+          </a:bodyPr>
+          <a:lstStyle/>
+          <a:p>
+            <a:pPr marL="0" lvl="0" indent="0" algn="l" rtl="0">
+              <a:spcBef>
+                <a:spcPts val="360"/>
+              </a:spcBef>
+              <a:spcAft>
+                <a:spcPts val="0"/>
+              </a:spcAft>
+              <a:buNone/>
+            </a:pPr>
+            <a:endParaRPr/>
+          </a:p>
+        </p:txBody>
+      </p:sp>
+      <p:sp>
+        <p:nvSpPr>
+          <p:cNvPr id="68" name="Google Shape;68;gb9e2de6e95_0_1:notes"/>
+          <p:cNvSpPr txBox="1">
+            <a:spLocks noGrp="1"/>
+          </p:cNvSpPr>
+          <p:nvPr>
+            <p:ph type="sldNum" idx="12"/>
+          </p:nvPr>
+        </p:nvSpPr>
+        <p:spPr>
+          <a:xfrm>
+            <a:off x="3851815" y="9381081"/>
+            <a:ext cx="2946000" cy="493200"/>
+          </a:xfrm>
+          <a:prstGeom prst="rect">
+            <a:avLst/>
+          </a:prstGeom>
+        </p:spPr>
+        <p:txBody>
+          <a:bodyPr spcFirstLastPara="1" wrap="square" lIns="91125" tIns="45550" rIns="91125" bIns="45550" anchor="b" anchorCtr="0">
+            <a:noAutofit/>
+          </a:bodyPr>
+          <a:lstStyle/>
+          <a:p>
+            <a:pPr marL="0" lvl="0" indent="0" algn="r" rtl="0">
+              <a:spcBef>
+                <a:spcPts val="0"/>
+              </a:spcBef>
+              <a:spcAft>
+                <a:spcPts val="0"/>
+              </a:spcAft>
+              <a:buClr>
+                <a:srgbClr val="000000"/>
+              </a:buClr>
+              <a:buSzPts val="1200"/>
+              <a:buFont typeface="Arial"/>
+              <a:buNone/>
+            </a:pPr>
+            <a:fld id="{00000000-1234-1234-1234-123412341234}" type="slidenum">
+              <a:rPr lang="de-DE"/>
+              <a:t>10</a:t>
             </a:fld>
             <a:endParaRPr/>
           </a:p>
@@ -7730,7 +8359,7 @@
             </a:pPr>
             <a:r>
               <a:rPr lang="en-US" sz="3200" dirty="0"/>
-              <a:t>A Survey on IoT as Enabler for Sustainable Supply Chains</a:t>
+              <a:t>A Survey on Internet of Things as Enabler for Sustainable Supply Chains</a:t>
             </a:r>
             <a:endParaRPr sz="3200" dirty="0"/>
           </a:p>
@@ -7747,7 +8376,1189 @@
 </p:sld>
 </file>
 
+<file path=ppt/slides/slide10.xml><?xml version="1.0" encoding="utf-8"?>
+<p:sld xmlns:a="http://schemas.openxmlformats.org/drawingml/2006/main" xmlns:r="http://schemas.openxmlformats.org/officeDocument/2006/relationships" xmlns:p="http://schemas.openxmlformats.org/presentationml/2006/main" show="0">
+  <p:cSld>
+    <p:spTree>
+      <p:nvGrpSpPr>
+        <p:cNvPr id="1" name="Shape 69"/>
+        <p:cNvGrpSpPr/>
+        <p:nvPr/>
+      </p:nvGrpSpPr>
+      <p:grpSpPr>
+        <a:xfrm>
+          <a:off x="0" y="0"/>
+          <a:ext cx="0" cy="0"/>
+          <a:chOff x="0" y="0"/>
+          <a:chExt cx="0" cy="0"/>
+        </a:xfrm>
+      </p:grpSpPr>
+      <p:sp>
+        <p:nvSpPr>
+          <p:cNvPr id="70" name="Google Shape;70;gb9e2de6e95_0_1"/>
+          <p:cNvSpPr txBox="1">
+            <a:spLocks noGrp="1"/>
+          </p:cNvSpPr>
+          <p:nvPr>
+            <p:ph type="body" idx="1"/>
+          </p:nvPr>
+        </p:nvSpPr>
+        <p:spPr>
+          <a:xfrm>
+            <a:off x="696000" y="1274422"/>
+            <a:ext cx="10800000" cy="5040000"/>
+          </a:xfrm>
+          <a:prstGeom prst="rect">
+            <a:avLst/>
+          </a:prstGeom>
+        </p:spPr>
+        <p:txBody>
+          <a:bodyPr spcFirstLastPara="1" wrap="square" lIns="0" tIns="0" rIns="0" bIns="0" anchor="t" anchorCtr="0">
+            <a:noAutofit/>
+          </a:bodyPr>
+          <a:lstStyle/>
+          <a:p>
+            <a:pPr marL="0" lvl="0" indent="0" algn="l" rtl="0">
+              <a:spcBef>
+                <a:spcPts val="500"/>
+              </a:spcBef>
+              <a:spcAft>
+                <a:spcPts val="0"/>
+              </a:spcAft>
+              <a:buNone/>
+            </a:pPr>
+            <a:r>
+              <a:rPr lang="en-US" b="0" dirty="0"/>
+              <a:t>Jagtap, Sandeep &amp; Garcia-Garcia, Guillermo &amp; </a:t>
+            </a:r>
+            <a:r>
+              <a:rPr lang="en-US" b="0" dirty="0" err="1"/>
+              <a:t>Rahimifard</a:t>
+            </a:r>
+            <a:r>
+              <a:rPr lang="en-US" b="0" dirty="0"/>
+              <a:t>, Shahin. (2021). </a:t>
+            </a:r>
+            <a:r>
+              <a:rPr lang="en-US" dirty="0" err="1"/>
+              <a:t>Optimisation</a:t>
+            </a:r>
+            <a:r>
+              <a:rPr lang="en-US" dirty="0"/>
+              <a:t> of the resource efficiency of food manufacturing via the Internet of Things</a:t>
+            </a:r>
+            <a:r>
+              <a:rPr lang="en-US" b="0" dirty="0"/>
+              <a:t>. Computers in Industry. 127. 10.1016/j.compind.2021.103397. </a:t>
+            </a:r>
+          </a:p>
+          <a:p>
+            <a:pPr marL="0" lvl="0" indent="0" algn="l" rtl="0">
+              <a:spcBef>
+                <a:spcPts val="500"/>
+              </a:spcBef>
+              <a:spcAft>
+                <a:spcPts val="0"/>
+              </a:spcAft>
+              <a:buNone/>
+            </a:pPr>
+            <a:endParaRPr lang="en-US" b="0" dirty="0"/>
+          </a:p>
+          <a:p>
+            <a:pPr marL="285750" lvl="0" indent="-285750" algn="l" rtl="0">
+              <a:spcBef>
+                <a:spcPts val="500"/>
+              </a:spcBef>
+              <a:spcAft>
+                <a:spcPts val="0"/>
+              </a:spcAft>
+              <a:buFont typeface="Arial" panose="020B0604020202020204" pitchFamily="34" charset="0"/>
+              <a:buChar char="•"/>
+            </a:pPr>
+            <a:r>
+              <a:rPr lang="en-US" b="0" dirty="0"/>
+              <a:t>inefficient food supply chain, large amount of food waste, volumes of water and energy used</a:t>
+            </a:r>
+          </a:p>
+          <a:p>
+            <a:pPr marL="285750" lvl="0" indent="-285750" algn="l" rtl="0">
+              <a:spcBef>
+                <a:spcPts val="500"/>
+              </a:spcBef>
+              <a:spcAft>
+                <a:spcPts val="0"/>
+              </a:spcAft>
+              <a:buFont typeface="Arial" panose="020B0604020202020204" pitchFamily="34" charset="0"/>
+              <a:buChar char="•"/>
+            </a:pPr>
+            <a:r>
+              <a:rPr lang="en-US" b="0" dirty="0"/>
+              <a:t>stricter regulations on the disposal and treatment of food waste, carbon emissions and wastewater discharge</a:t>
+            </a:r>
+          </a:p>
+          <a:p>
+            <a:pPr marL="285750" lvl="0" indent="-285750" algn="l" rtl="0">
+              <a:spcBef>
+                <a:spcPts val="500"/>
+              </a:spcBef>
+              <a:spcAft>
+                <a:spcPts val="0"/>
+              </a:spcAft>
+              <a:buFont typeface="Arial" panose="020B0604020202020204" pitchFamily="34" charset="0"/>
+              <a:buChar char="•"/>
+            </a:pPr>
+            <a:r>
+              <a:rPr lang="en-US" b="0" dirty="0"/>
+              <a:t>accurate real-time monitoring </a:t>
+            </a:r>
+            <a:r>
+              <a:rPr lang="en-US" b="0" dirty="0">
+                <a:sym typeface="Wingdings" panose="05000000000000000000" pitchFamily="2" charset="2"/>
+              </a:rPr>
+              <a:t> help food manufacturers to redesign their processes</a:t>
+            </a:r>
+          </a:p>
+          <a:p>
+            <a:pPr marL="285750" lvl="0" indent="-285750" algn="l" rtl="0">
+              <a:spcBef>
+                <a:spcPts val="500"/>
+              </a:spcBef>
+              <a:spcAft>
+                <a:spcPts val="0"/>
+              </a:spcAft>
+              <a:buFont typeface="Arial" panose="020B0604020202020204" pitchFamily="34" charset="0"/>
+              <a:buChar char="•"/>
+            </a:pPr>
+            <a:r>
+              <a:rPr lang="en-US" b="0" dirty="0"/>
+              <a:t>Paper presents:</a:t>
+            </a:r>
+            <a:br>
+              <a:rPr lang="en-US" b="0" dirty="0"/>
+            </a:br>
+            <a:r>
+              <a:rPr lang="en-US" dirty="0"/>
+              <a:t>IoT-based framework for monitoring the generation of food waste and the use of energy and water in the food sector</a:t>
+            </a:r>
+          </a:p>
+        </p:txBody>
+      </p:sp>
+      <p:sp>
+        <p:nvSpPr>
+          <p:cNvPr id="71" name="Google Shape;71;gb9e2de6e95_0_1"/>
+          <p:cNvSpPr txBox="1">
+            <a:spLocks noGrp="1"/>
+          </p:cNvSpPr>
+          <p:nvPr>
+            <p:ph type="title"/>
+          </p:nvPr>
+        </p:nvSpPr>
+        <p:spPr>
+          <a:xfrm>
+            <a:off x="696000" y="637107"/>
+            <a:ext cx="9020100" cy="392400"/>
+          </a:xfrm>
+          <a:prstGeom prst="rect">
+            <a:avLst/>
+          </a:prstGeom>
+        </p:spPr>
+        <p:txBody>
+          <a:bodyPr spcFirstLastPara="1" wrap="square" lIns="0" tIns="0" rIns="0" bIns="0" anchor="b" anchorCtr="0">
+            <a:noAutofit/>
+          </a:bodyPr>
+          <a:lstStyle/>
+          <a:p>
+            <a:pPr marL="0" lvl="0" indent="0" algn="l" rtl="0">
+              <a:spcBef>
+                <a:spcPts val="0"/>
+              </a:spcBef>
+              <a:spcAft>
+                <a:spcPts val="0"/>
+              </a:spcAft>
+              <a:buNone/>
+            </a:pPr>
+            <a:r>
+              <a:rPr lang="de-DE" sz="2800" dirty="0"/>
+              <a:t>4. Focus on a </a:t>
+            </a:r>
+            <a:r>
+              <a:rPr lang="de-DE" sz="2800" dirty="0" err="1"/>
+              <a:t>particular</a:t>
+            </a:r>
+            <a:r>
+              <a:rPr lang="de-DE" sz="2800" dirty="0"/>
+              <a:t> </a:t>
+            </a:r>
+            <a:r>
+              <a:rPr lang="de-DE" sz="2800" dirty="0" err="1"/>
+              <a:t>solution</a:t>
+            </a:r>
+            <a:r>
+              <a:rPr lang="de-DE" sz="2800" dirty="0"/>
+              <a:t> („</a:t>
+            </a:r>
+            <a:r>
+              <a:rPr lang="de-DE" sz="2800" dirty="0" err="1"/>
+              <a:t>depth</a:t>
+            </a:r>
+            <a:r>
+              <a:rPr lang="de-DE" sz="2800" dirty="0"/>
+              <a:t>“ </a:t>
+            </a:r>
+            <a:r>
+              <a:rPr lang="de-DE" sz="2800" dirty="0" err="1"/>
+              <a:t>coverage</a:t>
+            </a:r>
+            <a:r>
+              <a:rPr lang="de-DE" sz="2800" dirty="0"/>
+              <a:t>)</a:t>
+            </a:r>
+            <a:endParaRPr sz="2800" dirty="0"/>
+          </a:p>
+        </p:txBody>
+      </p:sp>
+    </p:spTree>
+    <p:extLst>
+      <p:ext uri="{BB962C8B-B14F-4D97-AF65-F5344CB8AC3E}">
+        <p14:creationId xmlns:p14="http://schemas.microsoft.com/office/powerpoint/2010/main" val="3819392064"/>
+      </p:ext>
+    </p:extLst>
+  </p:cSld>
+  <p:clrMapOvr>
+    <a:masterClrMapping/>
+  </p:clrMapOvr>
+</p:sld>
+</file>
+
 <file path=ppt/slides/slide2.xml><?xml version="1.0" encoding="utf-8"?>
+<p:sld xmlns:a="http://schemas.openxmlformats.org/drawingml/2006/main" xmlns:r="http://schemas.openxmlformats.org/officeDocument/2006/relationships" xmlns:p="http://schemas.openxmlformats.org/presentationml/2006/main">
+  <p:cSld>
+    <p:spTree>
+      <p:nvGrpSpPr>
+        <p:cNvPr id="1" name=""/>
+        <p:cNvGrpSpPr/>
+        <p:nvPr/>
+      </p:nvGrpSpPr>
+      <p:grpSpPr>
+        <a:xfrm>
+          <a:off x="0" y="0"/>
+          <a:ext cx="0" cy="0"/>
+          <a:chOff x="0" y="0"/>
+          <a:chExt cx="0" cy="0"/>
+        </a:xfrm>
+      </p:grpSpPr>
+      <p:sp>
+        <p:nvSpPr>
+          <p:cNvPr id="2" name="Textplatzhalter 1">
+            <a:extLst>
+              <a:ext uri="{FF2B5EF4-FFF2-40B4-BE49-F238E27FC236}">
+                <a16:creationId xmlns:a16="http://schemas.microsoft.com/office/drawing/2014/main" id="{537C7C4F-289E-401C-A3A5-3BC13C85440A}"/>
+              </a:ext>
+            </a:extLst>
+          </p:cNvPr>
+          <p:cNvSpPr>
+            <a:spLocks noGrp="1"/>
+          </p:cNvSpPr>
+          <p:nvPr>
+            <p:ph type="body" idx="1"/>
+          </p:nvPr>
+        </p:nvSpPr>
+        <p:spPr/>
+        <p:txBody>
+          <a:bodyPr/>
+          <a:lstStyle/>
+          <a:p>
+            <a:pPr marL="571500" indent="-342900">
+              <a:buFont typeface="+mj-lt"/>
+              <a:buAutoNum type="arabicPeriod"/>
+            </a:pPr>
+            <a:r>
+              <a:rPr lang="de-DE" sz="2000" b="0" dirty="0"/>
+              <a:t>Motivation</a:t>
+            </a:r>
+          </a:p>
+          <a:p>
+            <a:pPr marL="571500" indent="-342900">
+              <a:buFont typeface="+mj-lt"/>
+              <a:buAutoNum type="arabicPeriod"/>
+            </a:pPr>
+            <a:r>
+              <a:rPr lang="de-DE" sz="2000" b="0" dirty="0" err="1"/>
+              <a:t>Preliminaries</a:t>
+            </a:r>
+            <a:endParaRPr lang="de-DE" sz="2000" b="0" dirty="0"/>
+          </a:p>
+          <a:p>
+            <a:pPr marL="571500" indent="-342900">
+              <a:buFont typeface="+mj-lt"/>
+              <a:buAutoNum type="arabicPeriod"/>
+            </a:pPr>
+            <a:r>
+              <a:rPr lang="de-DE" sz="2000" b="0" dirty="0" err="1"/>
+              <a:t>Methodology</a:t>
+            </a:r>
+            <a:endParaRPr lang="de-DE" sz="2000" b="0" dirty="0"/>
+          </a:p>
+          <a:p>
+            <a:pPr marL="571500" indent="-342900">
+              <a:buFont typeface="+mj-lt"/>
+              <a:buAutoNum type="arabicPeriod"/>
+            </a:pPr>
+            <a:r>
+              <a:rPr lang="de-DE" sz="2000" b="0" dirty="0" err="1"/>
+              <a:t>Literature</a:t>
+            </a:r>
+            <a:r>
+              <a:rPr lang="de-DE" sz="2000" b="0" dirty="0"/>
+              <a:t> review</a:t>
+            </a:r>
+          </a:p>
+          <a:p>
+            <a:pPr marL="571500" indent="-342900">
+              <a:buFont typeface="+mj-lt"/>
+              <a:buAutoNum type="arabicPeriod"/>
+            </a:pPr>
+            <a:r>
+              <a:rPr lang="de-DE" sz="2000" b="0" dirty="0"/>
+              <a:t>Solution </a:t>
+            </a:r>
+            <a:r>
+              <a:rPr lang="de-DE" sz="2000" b="0" dirty="0" err="1"/>
+              <a:t>categorization</a:t>
+            </a:r>
+            <a:endParaRPr lang="de-DE" sz="2000" b="0" dirty="0"/>
+          </a:p>
+          <a:p>
+            <a:pPr marL="571500" indent="-342900">
+              <a:buFont typeface="+mj-lt"/>
+              <a:buAutoNum type="arabicPeriod"/>
+            </a:pPr>
+            <a:r>
+              <a:rPr lang="de-DE" sz="2000" b="0" dirty="0" err="1"/>
+              <a:t>IoTs</a:t>
+            </a:r>
+            <a:r>
+              <a:rPr lang="de-DE" sz="2000" b="0" dirty="0"/>
+              <a:t> own </a:t>
+            </a:r>
+            <a:r>
+              <a:rPr lang="de-DE" sz="2000" b="0" dirty="0" err="1"/>
+              <a:t>footprint</a:t>
+            </a:r>
+            <a:endParaRPr lang="de-DE" sz="2000" b="0" dirty="0"/>
+          </a:p>
+          <a:p>
+            <a:pPr marL="571500" indent="-342900">
+              <a:buFont typeface="+mj-lt"/>
+              <a:buAutoNum type="arabicPeriod"/>
+            </a:pPr>
+            <a:r>
+              <a:rPr lang="de-DE" sz="2000" b="0" dirty="0"/>
+              <a:t>IoT in </a:t>
+            </a:r>
+            <a:r>
+              <a:rPr lang="de-DE" sz="2000" b="0" dirty="0" err="1"/>
+              <a:t>food</a:t>
+            </a:r>
+            <a:r>
+              <a:rPr lang="de-DE" sz="2000" b="0" dirty="0"/>
+              <a:t> </a:t>
+            </a:r>
+            <a:r>
+              <a:rPr lang="de-DE" sz="2000" b="0" dirty="0" err="1"/>
+              <a:t>manufacturing</a:t>
+            </a:r>
+            <a:endParaRPr lang="de-DE" sz="2000" b="0" dirty="0"/>
+          </a:p>
+          <a:p>
+            <a:pPr marL="571500" indent="-342900">
+              <a:buFont typeface="+mj-lt"/>
+              <a:buAutoNum type="arabicPeriod"/>
+            </a:pPr>
+            <a:r>
+              <a:rPr lang="de-DE" sz="2000" b="0" dirty="0" err="1"/>
+              <a:t>Discussion</a:t>
+            </a:r>
+            <a:endParaRPr lang="de-DE" sz="2000" b="0" dirty="0"/>
+          </a:p>
+          <a:p>
+            <a:pPr marL="571500" indent="-342900">
+              <a:buFont typeface="+mj-lt"/>
+              <a:buAutoNum type="arabicPeriod"/>
+            </a:pPr>
+            <a:r>
+              <a:rPr lang="de-DE" sz="2000" b="0" dirty="0" err="1"/>
+              <a:t>Conclusion</a:t>
+            </a:r>
+            <a:endParaRPr lang="de-DE" sz="2000" b="0" dirty="0"/>
+          </a:p>
+        </p:txBody>
+      </p:sp>
+      <p:sp>
+        <p:nvSpPr>
+          <p:cNvPr id="3" name="Titel 2">
+            <a:extLst>
+              <a:ext uri="{FF2B5EF4-FFF2-40B4-BE49-F238E27FC236}">
+                <a16:creationId xmlns:a16="http://schemas.microsoft.com/office/drawing/2014/main" id="{F880F976-CB33-49AC-90A8-33FA18BF14DD}"/>
+              </a:ext>
+            </a:extLst>
+          </p:cNvPr>
+          <p:cNvSpPr>
+            <a:spLocks noGrp="1"/>
+          </p:cNvSpPr>
+          <p:nvPr>
+            <p:ph type="title"/>
+          </p:nvPr>
+        </p:nvSpPr>
+        <p:spPr/>
+        <p:txBody>
+          <a:bodyPr/>
+          <a:lstStyle/>
+          <a:p>
+            <a:r>
+              <a:rPr lang="de-DE" dirty="0"/>
+              <a:t>Agenda</a:t>
+            </a:r>
+          </a:p>
+        </p:txBody>
+      </p:sp>
+    </p:spTree>
+    <p:extLst>
+      <p:ext uri="{BB962C8B-B14F-4D97-AF65-F5344CB8AC3E}">
+        <p14:creationId xmlns:p14="http://schemas.microsoft.com/office/powerpoint/2010/main" val="3757377087"/>
+      </p:ext>
+    </p:extLst>
+  </p:cSld>
+  <p:clrMapOvr>
+    <a:masterClrMapping/>
+  </p:clrMapOvr>
+  <p:transition>
+    <p:fade/>
+  </p:transition>
+</p:sld>
+</file>
+
+<file path=ppt/slides/slide3.xml><?xml version="1.0" encoding="utf-8"?>
+<p:sld xmlns:a="http://schemas.openxmlformats.org/drawingml/2006/main" xmlns:r="http://schemas.openxmlformats.org/officeDocument/2006/relationships" xmlns:p="http://schemas.openxmlformats.org/presentationml/2006/main">
+  <p:cSld>
+    <p:spTree>
+      <p:nvGrpSpPr>
+        <p:cNvPr id="1" name="Shape 69"/>
+        <p:cNvGrpSpPr/>
+        <p:nvPr/>
+      </p:nvGrpSpPr>
+      <p:grpSpPr>
+        <a:xfrm>
+          <a:off x="0" y="0"/>
+          <a:ext cx="0" cy="0"/>
+          <a:chOff x="0" y="0"/>
+          <a:chExt cx="0" cy="0"/>
+        </a:xfrm>
+      </p:grpSpPr>
+      <p:sp>
+        <p:nvSpPr>
+          <p:cNvPr id="70" name="Google Shape;70;gb9e2de6e95_0_1"/>
+          <p:cNvSpPr txBox="1">
+            <a:spLocks noGrp="1"/>
+          </p:cNvSpPr>
+          <p:nvPr>
+            <p:ph type="body" idx="1"/>
+          </p:nvPr>
+        </p:nvSpPr>
+        <p:spPr>
+          <a:xfrm>
+            <a:off x="696000" y="1274422"/>
+            <a:ext cx="6573480" cy="2154578"/>
+          </a:xfrm>
+          <a:prstGeom prst="rect">
+            <a:avLst/>
+          </a:prstGeom>
+        </p:spPr>
+        <p:txBody>
+          <a:bodyPr spcFirstLastPara="1" wrap="square" lIns="0" tIns="0" rIns="0" bIns="0" anchor="t" anchorCtr="0">
+            <a:noAutofit/>
+          </a:bodyPr>
+          <a:lstStyle/>
+          <a:p>
+            <a:pPr marL="0" lvl="0" indent="0" algn="l" rtl="0">
+              <a:spcBef>
+                <a:spcPts val="500"/>
+              </a:spcBef>
+              <a:spcAft>
+                <a:spcPts val="0"/>
+              </a:spcAft>
+              <a:buNone/>
+            </a:pPr>
+            <a:r>
+              <a:rPr lang="de-DE" dirty="0"/>
+              <a:t>Paris Agreement:</a:t>
+            </a:r>
+          </a:p>
+          <a:p>
+            <a:pPr marL="285750" lvl="0" indent="-285750" algn="l" rtl="0">
+              <a:spcBef>
+                <a:spcPts val="500"/>
+              </a:spcBef>
+              <a:spcAft>
+                <a:spcPts val="0"/>
+              </a:spcAft>
+              <a:buFont typeface="Arial" panose="020B0604020202020204" pitchFamily="34" charset="0"/>
+              <a:buChar char="•"/>
+            </a:pPr>
+            <a:r>
+              <a:rPr lang="en-US" b="0" dirty="0"/>
+              <a:t>Preventing irreversible damage from man-made climate change</a:t>
+            </a:r>
+            <a:endParaRPr lang="de-DE" b="0" dirty="0"/>
+          </a:p>
+          <a:p>
+            <a:pPr marL="285750" lvl="0" indent="-285750" algn="l" rtl="0">
+              <a:spcBef>
+                <a:spcPts val="500"/>
+              </a:spcBef>
+              <a:spcAft>
+                <a:spcPts val="0"/>
+              </a:spcAft>
+              <a:buFont typeface="Arial" panose="020B0604020202020204" pitchFamily="34" charset="0"/>
+              <a:buChar char="•"/>
+            </a:pPr>
+            <a:r>
+              <a:rPr lang="en-US" b="0" dirty="0"/>
+              <a:t>Upper limit of the CO2 budget that may still be emitted</a:t>
+            </a:r>
+          </a:p>
+          <a:p>
+            <a:pPr marL="285750" lvl="0" indent="-285750" algn="l" rtl="0">
+              <a:spcBef>
+                <a:spcPts val="500"/>
+              </a:spcBef>
+              <a:spcAft>
+                <a:spcPts val="0"/>
+              </a:spcAft>
+              <a:buFont typeface="Arial" panose="020B0604020202020204" pitchFamily="34" charset="0"/>
+              <a:buChar char="•"/>
+            </a:pPr>
+            <a:r>
+              <a:rPr lang="en-US" b="0" dirty="0"/>
+              <a:t>Massive reduction of carbon emissions</a:t>
+            </a:r>
+          </a:p>
+          <a:p>
+            <a:pPr marL="285750" lvl="0" indent="-285750" algn="l" rtl="0">
+              <a:spcBef>
+                <a:spcPts val="500"/>
+              </a:spcBef>
+              <a:spcAft>
+                <a:spcPts val="0"/>
+              </a:spcAft>
+              <a:buFont typeface="Arial" panose="020B0604020202020204" pitchFamily="34" charset="0"/>
+              <a:buChar char="•"/>
+            </a:pPr>
+            <a:r>
+              <a:rPr lang="de-DE" b="0" dirty="0"/>
+              <a:t>Limitation </a:t>
+            </a:r>
+            <a:r>
+              <a:rPr lang="de-DE" b="0" dirty="0" err="1"/>
+              <a:t>of</a:t>
+            </a:r>
+            <a:r>
+              <a:rPr lang="de-DE" b="0" dirty="0"/>
+              <a:t> global </a:t>
+            </a:r>
+            <a:r>
+              <a:rPr lang="de-DE" b="0" dirty="0" err="1"/>
+              <a:t>warming</a:t>
+            </a:r>
+            <a:r>
+              <a:rPr lang="de-DE" b="0" dirty="0"/>
+              <a:t> </a:t>
+            </a:r>
+            <a:r>
+              <a:rPr lang="de-DE" b="0" dirty="0" err="1"/>
+              <a:t>to</a:t>
+            </a:r>
+            <a:r>
+              <a:rPr lang="de-DE" b="0" dirty="0"/>
+              <a:t> 1.5 </a:t>
+            </a:r>
+            <a:r>
+              <a:rPr lang="de-DE" b="0" dirty="0" err="1"/>
+              <a:t>degree</a:t>
+            </a:r>
+            <a:endParaRPr lang="en-US" b="0" dirty="0"/>
+          </a:p>
+        </p:txBody>
+      </p:sp>
+      <p:sp>
+        <p:nvSpPr>
+          <p:cNvPr id="71" name="Google Shape;71;gb9e2de6e95_0_1"/>
+          <p:cNvSpPr txBox="1">
+            <a:spLocks noGrp="1"/>
+          </p:cNvSpPr>
+          <p:nvPr>
+            <p:ph type="title"/>
+          </p:nvPr>
+        </p:nvSpPr>
+        <p:spPr>
+          <a:xfrm>
+            <a:off x="696000" y="637107"/>
+            <a:ext cx="9020100" cy="392400"/>
+          </a:xfrm>
+          <a:prstGeom prst="rect">
+            <a:avLst/>
+          </a:prstGeom>
+        </p:spPr>
+        <p:txBody>
+          <a:bodyPr spcFirstLastPara="1" wrap="square" lIns="0" tIns="0" rIns="0" bIns="0" anchor="b" anchorCtr="0">
+            <a:noAutofit/>
+          </a:bodyPr>
+          <a:lstStyle/>
+          <a:p>
+            <a:pPr marL="0" lvl="0" indent="0" algn="l" rtl="0">
+              <a:spcBef>
+                <a:spcPts val="0"/>
+              </a:spcBef>
+              <a:spcAft>
+                <a:spcPts val="0"/>
+              </a:spcAft>
+              <a:buNone/>
+            </a:pPr>
+            <a:r>
+              <a:rPr lang="de-DE" dirty="0"/>
+              <a:t>1. Motivation</a:t>
+            </a:r>
+            <a:endParaRPr dirty="0"/>
+          </a:p>
+        </p:txBody>
+      </p:sp>
+      <p:sp>
+        <p:nvSpPr>
+          <p:cNvPr id="2" name="Textfeld 1">
+            <a:extLst>
+              <a:ext uri="{FF2B5EF4-FFF2-40B4-BE49-F238E27FC236}">
+                <a16:creationId xmlns:a16="http://schemas.microsoft.com/office/drawing/2014/main" id="{30A035FF-45D1-4988-A980-898865FFE32B}"/>
+              </a:ext>
+            </a:extLst>
+          </p:cNvPr>
+          <p:cNvSpPr txBox="1"/>
+          <p:nvPr/>
+        </p:nvSpPr>
+        <p:spPr>
+          <a:xfrm>
+            <a:off x="566058" y="6629048"/>
+            <a:ext cx="12115800" cy="261610"/>
+          </a:xfrm>
+          <a:prstGeom prst="rect">
+            <a:avLst/>
+          </a:prstGeom>
+          <a:noFill/>
+        </p:spPr>
+        <p:txBody>
+          <a:bodyPr wrap="square" rtlCol="0">
+            <a:spAutoFit/>
+          </a:bodyPr>
+          <a:lstStyle/>
+          <a:p>
+            <a:r>
+              <a:rPr lang="de-DE" sz="1100" b="1" dirty="0"/>
+              <a:t>Motivation |</a:t>
+            </a:r>
+            <a:r>
+              <a:rPr lang="de-DE" sz="1100" dirty="0"/>
+              <a:t> </a:t>
+            </a:r>
+            <a:r>
+              <a:rPr lang="de-DE" sz="1100" dirty="0" err="1"/>
+              <a:t>Preliminaries</a:t>
+            </a:r>
+            <a:r>
+              <a:rPr lang="de-DE" sz="1100" dirty="0"/>
+              <a:t> </a:t>
+            </a:r>
+            <a:r>
+              <a:rPr lang="de-DE" sz="1100" b="1" dirty="0"/>
+              <a:t>|</a:t>
+            </a:r>
+            <a:r>
+              <a:rPr lang="de-DE" sz="1100" dirty="0"/>
+              <a:t> </a:t>
+            </a:r>
+            <a:r>
+              <a:rPr lang="de-DE" sz="1100" dirty="0" err="1"/>
+              <a:t>Methodology</a:t>
+            </a:r>
+            <a:r>
+              <a:rPr lang="de-DE" sz="1100" dirty="0"/>
+              <a:t> </a:t>
+            </a:r>
+            <a:r>
+              <a:rPr lang="de-DE" sz="1100" b="1" dirty="0"/>
+              <a:t>|</a:t>
+            </a:r>
+            <a:r>
+              <a:rPr lang="de-DE" sz="1100" dirty="0"/>
+              <a:t> </a:t>
+            </a:r>
+            <a:r>
+              <a:rPr lang="de-DE" sz="1100" dirty="0" err="1"/>
+              <a:t>Literature</a:t>
+            </a:r>
+            <a:r>
+              <a:rPr lang="de-DE" sz="1100" dirty="0"/>
+              <a:t> review </a:t>
+            </a:r>
+            <a:r>
+              <a:rPr lang="de-DE" sz="1100" b="1" dirty="0"/>
+              <a:t>|</a:t>
+            </a:r>
+            <a:r>
+              <a:rPr lang="de-DE" sz="1100" dirty="0"/>
+              <a:t> Solution </a:t>
+            </a:r>
+            <a:r>
+              <a:rPr lang="de-DE" sz="1100" dirty="0" err="1"/>
+              <a:t>categorization</a:t>
+            </a:r>
+            <a:r>
+              <a:rPr lang="de-DE" sz="1100" dirty="0"/>
+              <a:t> </a:t>
+            </a:r>
+            <a:r>
+              <a:rPr lang="de-DE" sz="1100" b="1" dirty="0"/>
+              <a:t>|</a:t>
+            </a:r>
+            <a:r>
+              <a:rPr lang="de-DE" sz="1100" dirty="0"/>
+              <a:t> </a:t>
+            </a:r>
+            <a:r>
+              <a:rPr lang="de-DE" sz="1100" dirty="0" err="1"/>
+              <a:t>IoTs</a:t>
+            </a:r>
+            <a:r>
+              <a:rPr lang="de-DE" sz="1100" dirty="0"/>
+              <a:t> own </a:t>
+            </a:r>
+            <a:r>
+              <a:rPr lang="de-DE" sz="1100" dirty="0" err="1"/>
+              <a:t>footprint</a:t>
+            </a:r>
+            <a:r>
+              <a:rPr lang="de-DE" sz="1100" dirty="0"/>
+              <a:t> </a:t>
+            </a:r>
+            <a:r>
+              <a:rPr lang="de-DE" sz="1100" b="1" dirty="0"/>
+              <a:t>|</a:t>
+            </a:r>
+            <a:r>
+              <a:rPr lang="de-DE" sz="1100" dirty="0"/>
+              <a:t> IoT in </a:t>
+            </a:r>
+            <a:r>
+              <a:rPr lang="de-DE" sz="1100" dirty="0" err="1"/>
+              <a:t>food</a:t>
+            </a:r>
+            <a:r>
+              <a:rPr lang="de-DE" sz="1100" dirty="0"/>
+              <a:t> </a:t>
+            </a:r>
+            <a:r>
+              <a:rPr lang="de-DE" sz="1100" dirty="0" err="1"/>
+              <a:t>manufacturing</a:t>
+            </a:r>
+            <a:r>
+              <a:rPr lang="de-DE" sz="1100" dirty="0"/>
+              <a:t> </a:t>
+            </a:r>
+            <a:r>
+              <a:rPr lang="de-DE" sz="1100" b="1" dirty="0"/>
+              <a:t>|</a:t>
+            </a:r>
+            <a:r>
+              <a:rPr lang="de-DE" sz="1100" dirty="0"/>
+              <a:t> </a:t>
+            </a:r>
+            <a:r>
+              <a:rPr lang="de-DE" sz="1100" dirty="0" err="1"/>
+              <a:t>Discussion</a:t>
+            </a:r>
+            <a:r>
+              <a:rPr lang="de-DE" sz="1100" dirty="0"/>
+              <a:t> </a:t>
+            </a:r>
+            <a:r>
+              <a:rPr lang="de-DE" sz="1100" b="1" dirty="0"/>
+              <a:t>|</a:t>
+            </a:r>
+            <a:r>
+              <a:rPr lang="de-DE" sz="1100" dirty="0"/>
+              <a:t> </a:t>
+            </a:r>
+            <a:r>
+              <a:rPr lang="de-DE" sz="1100" dirty="0" err="1"/>
+              <a:t>Conclusion</a:t>
+            </a:r>
+            <a:endParaRPr lang="de-DE" sz="1100" dirty="0"/>
+          </a:p>
+        </p:txBody>
+      </p:sp>
+      <p:pic>
+        <p:nvPicPr>
+          <p:cNvPr id="4" name="Grafik 3" descr="Ein Bild, das Tisch enthält.&#10;&#10;Automatisch generierte Beschreibung">
+            <a:extLst>
+              <a:ext uri="{FF2B5EF4-FFF2-40B4-BE49-F238E27FC236}">
+                <a16:creationId xmlns:a16="http://schemas.microsoft.com/office/drawing/2014/main" id="{E1C9BD35-A4EB-469D-8C43-2F342EB8D6E7}"/>
+              </a:ext>
+            </a:extLst>
+          </p:cNvPr>
+          <p:cNvPicPr>
+            <a:picLocks noChangeAspect="1"/>
+          </p:cNvPicPr>
+          <p:nvPr/>
+        </p:nvPicPr>
+        <p:blipFill rotWithShape="1">
+          <a:blip r:embed="rId3"/>
+          <a:srcRect l="88484"/>
+          <a:stretch/>
+        </p:blipFill>
+        <p:spPr>
+          <a:xfrm>
+            <a:off x="11034771" y="1067232"/>
+            <a:ext cx="821494" cy="2888352"/>
+          </a:xfrm>
+          <a:prstGeom prst="rect">
+            <a:avLst/>
+          </a:prstGeom>
+        </p:spPr>
+      </p:pic>
+      <p:pic>
+        <p:nvPicPr>
+          <p:cNvPr id="7" name="Grafik 6" descr="Ein Bild, das Tisch enthält.&#10;&#10;Automatisch generierte Beschreibung">
+            <a:extLst>
+              <a:ext uri="{FF2B5EF4-FFF2-40B4-BE49-F238E27FC236}">
+                <a16:creationId xmlns:a16="http://schemas.microsoft.com/office/drawing/2014/main" id="{D14F919A-DFAD-4A06-8C67-7F7A51072133}"/>
+              </a:ext>
+            </a:extLst>
+          </p:cNvPr>
+          <p:cNvPicPr>
+            <a:picLocks noChangeAspect="1"/>
+          </p:cNvPicPr>
+          <p:nvPr/>
+        </p:nvPicPr>
+        <p:blipFill rotWithShape="1">
+          <a:blip r:embed="rId3"/>
+          <a:srcRect l="555" r="48091"/>
+          <a:stretch/>
+        </p:blipFill>
+        <p:spPr>
+          <a:xfrm>
+            <a:off x="7424928" y="1067133"/>
+            <a:ext cx="3663261" cy="2888353"/>
+          </a:xfrm>
+          <a:prstGeom prst="rect">
+            <a:avLst/>
+          </a:prstGeom>
+        </p:spPr>
+      </p:pic>
+      <p:sp>
+        <p:nvSpPr>
+          <p:cNvPr id="8" name="Google Shape;70;gb9e2de6e95_0_1">
+            <a:extLst>
+              <a:ext uri="{FF2B5EF4-FFF2-40B4-BE49-F238E27FC236}">
+                <a16:creationId xmlns:a16="http://schemas.microsoft.com/office/drawing/2014/main" id="{F112CD7F-B055-4849-A52D-78605FFAB8EB}"/>
+              </a:ext>
+            </a:extLst>
+          </p:cNvPr>
+          <p:cNvSpPr txBox="1">
+            <a:spLocks/>
+          </p:cNvSpPr>
+          <p:nvPr/>
+        </p:nvSpPr>
+        <p:spPr>
+          <a:xfrm>
+            <a:off x="566058" y="4369311"/>
+            <a:ext cx="6573480" cy="2154578"/>
+          </a:xfrm>
+          <a:prstGeom prst="rect">
+            <a:avLst/>
+          </a:prstGeom>
+          <a:noFill/>
+          <a:ln>
+            <a:noFill/>
+          </a:ln>
+        </p:spPr>
+        <p:txBody>
+          <a:bodyPr spcFirstLastPara="1" wrap="square" lIns="0" tIns="0" rIns="0" bIns="0" anchor="t" anchorCtr="0">
+            <a:noAutofit/>
+          </a:bodyPr>
+          <a:lstStyle>
+            <a:defPPr marR="0" lvl="0" algn="l" rtl="0">
+              <a:lnSpc>
+                <a:spcPct val="100000"/>
+              </a:lnSpc>
+              <a:spcBef>
+                <a:spcPts val="0"/>
+              </a:spcBef>
+              <a:spcAft>
+                <a:spcPts val="0"/>
+              </a:spcAft>
+            </a:defPPr>
+            <a:lvl1pPr marL="457200" marR="0" lvl="0" indent="-228600" algn="l" rtl="0">
+              <a:lnSpc>
+                <a:spcPct val="102000"/>
+              </a:lnSpc>
+              <a:spcBef>
+                <a:spcPts val="500"/>
+              </a:spcBef>
+              <a:spcAft>
+                <a:spcPts val="0"/>
+              </a:spcAft>
+              <a:buClr>
+                <a:srgbClr val="000000"/>
+              </a:buClr>
+              <a:buSzPts val="1400"/>
+              <a:buFont typeface="Arial"/>
+              <a:buNone/>
+              <a:defRPr sz="1800" b="1" i="0" u="none" strike="noStrike" cap="none">
+                <a:solidFill>
+                  <a:srgbClr val="000000"/>
+                </a:solidFill>
+                <a:latin typeface="Arial"/>
+                <a:ea typeface="Arial"/>
+                <a:cs typeface="Arial"/>
+                <a:sym typeface="Arial"/>
+              </a:defRPr>
+            </a:lvl1pPr>
+            <a:lvl2pPr marL="914400" marR="0" lvl="1" indent="-342900" algn="l" rtl="0">
+              <a:lnSpc>
+                <a:spcPct val="100000"/>
+              </a:lnSpc>
+              <a:spcBef>
+                <a:spcPts val="500"/>
+              </a:spcBef>
+              <a:spcAft>
+                <a:spcPts val="0"/>
+              </a:spcAft>
+              <a:buClr>
+                <a:schemeClr val="accent6"/>
+              </a:buClr>
+              <a:buSzPts val="1800"/>
+              <a:buFont typeface="Arial"/>
+              <a:buChar char="•"/>
+              <a:defRPr sz="1800" b="0" i="0" u="none" strike="noStrike" cap="none">
+                <a:solidFill>
+                  <a:srgbClr val="404040"/>
+                </a:solidFill>
+                <a:latin typeface="Arial"/>
+                <a:ea typeface="Arial"/>
+                <a:cs typeface="Arial"/>
+                <a:sym typeface="Arial"/>
+              </a:defRPr>
+            </a:lvl2pPr>
+            <a:lvl3pPr marL="1371600" marR="0" lvl="2" indent="-342900" algn="l" rtl="0">
+              <a:lnSpc>
+                <a:spcPct val="102000"/>
+              </a:lnSpc>
+              <a:spcBef>
+                <a:spcPts val="500"/>
+              </a:spcBef>
+              <a:spcAft>
+                <a:spcPts val="0"/>
+              </a:spcAft>
+              <a:buClr>
+                <a:schemeClr val="accent6"/>
+              </a:buClr>
+              <a:buSzPts val="1800"/>
+              <a:buFont typeface="Arial"/>
+              <a:buChar char="•"/>
+              <a:defRPr sz="1800" b="0" i="0" u="none" strike="noStrike" cap="none">
+                <a:solidFill>
+                  <a:srgbClr val="404040"/>
+                </a:solidFill>
+                <a:latin typeface="Arial"/>
+                <a:ea typeface="Arial"/>
+                <a:cs typeface="Arial"/>
+                <a:sym typeface="Arial"/>
+              </a:defRPr>
+            </a:lvl3pPr>
+            <a:lvl4pPr marL="1828800" marR="0" lvl="3" indent="-342900" algn="l" rtl="0">
+              <a:lnSpc>
+                <a:spcPct val="102000"/>
+              </a:lnSpc>
+              <a:spcBef>
+                <a:spcPts val="500"/>
+              </a:spcBef>
+              <a:spcAft>
+                <a:spcPts val="0"/>
+              </a:spcAft>
+              <a:buClr>
+                <a:schemeClr val="accent6"/>
+              </a:buClr>
+              <a:buSzPts val="1800"/>
+              <a:buFont typeface="Arial"/>
+              <a:buChar char="•"/>
+              <a:defRPr sz="1800" b="0" i="0" u="none" strike="noStrike" cap="none">
+                <a:solidFill>
+                  <a:srgbClr val="404040"/>
+                </a:solidFill>
+                <a:latin typeface="Arial"/>
+                <a:ea typeface="Arial"/>
+                <a:cs typeface="Arial"/>
+                <a:sym typeface="Arial"/>
+              </a:defRPr>
+            </a:lvl4pPr>
+            <a:lvl5pPr marL="2286000" marR="0" lvl="4" indent="-342900" algn="l" rtl="0">
+              <a:lnSpc>
+                <a:spcPct val="102000"/>
+              </a:lnSpc>
+              <a:spcBef>
+                <a:spcPts val="500"/>
+              </a:spcBef>
+              <a:spcAft>
+                <a:spcPts val="0"/>
+              </a:spcAft>
+              <a:buClr>
+                <a:schemeClr val="accent6"/>
+              </a:buClr>
+              <a:buSzPts val="1800"/>
+              <a:buFont typeface="Arial"/>
+              <a:buChar char="•"/>
+              <a:defRPr sz="1800" b="0" i="0" u="none" strike="noStrike" cap="none">
+                <a:solidFill>
+                  <a:srgbClr val="404040"/>
+                </a:solidFill>
+                <a:latin typeface="Arial"/>
+                <a:ea typeface="Arial"/>
+                <a:cs typeface="Arial"/>
+                <a:sym typeface="Arial"/>
+              </a:defRPr>
+            </a:lvl5pPr>
+            <a:lvl6pPr marL="2743200" marR="0" lvl="5" indent="-331470" algn="l" rtl="0">
+              <a:lnSpc>
+                <a:spcPct val="102000"/>
+              </a:lnSpc>
+              <a:spcBef>
+                <a:spcPts val="500"/>
+              </a:spcBef>
+              <a:spcAft>
+                <a:spcPts val="0"/>
+              </a:spcAft>
+              <a:buClr>
+                <a:schemeClr val="dk1"/>
+              </a:buClr>
+              <a:buSzPts val="1620"/>
+              <a:buFont typeface="Arial"/>
+              <a:buChar char="-"/>
+              <a:defRPr sz="1800" b="0" i="0" u="none" strike="noStrike" cap="none">
+                <a:solidFill>
+                  <a:schemeClr val="dk1"/>
+                </a:solidFill>
+                <a:latin typeface="Arial"/>
+                <a:ea typeface="Arial"/>
+                <a:cs typeface="Arial"/>
+                <a:sym typeface="Arial"/>
+              </a:defRPr>
+            </a:lvl6pPr>
+            <a:lvl7pPr marL="3200400" marR="0" lvl="6" indent="-331470" algn="l" rtl="0">
+              <a:lnSpc>
+                <a:spcPct val="102000"/>
+              </a:lnSpc>
+              <a:spcBef>
+                <a:spcPts val="500"/>
+              </a:spcBef>
+              <a:spcAft>
+                <a:spcPts val="0"/>
+              </a:spcAft>
+              <a:buClr>
+                <a:schemeClr val="dk1"/>
+              </a:buClr>
+              <a:buSzPts val="1620"/>
+              <a:buFont typeface="Arial"/>
+              <a:buChar char="-"/>
+              <a:defRPr sz="1800" b="0" i="0" u="none" strike="noStrike" cap="none">
+                <a:solidFill>
+                  <a:schemeClr val="dk1"/>
+                </a:solidFill>
+                <a:latin typeface="Arial"/>
+                <a:ea typeface="Arial"/>
+                <a:cs typeface="Arial"/>
+                <a:sym typeface="Arial"/>
+              </a:defRPr>
+            </a:lvl7pPr>
+            <a:lvl8pPr marL="3657600" marR="0" lvl="7" indent="-331470" algn="l" rtl="0">
+              <a:lnSpc>
+                <a:spcPct val="102000"/>
+              </a:lnSpc>
+              <a:spcBef>
+                <a:spcPts val="500"/>
+              </a:spcBef>
+              <a:spcAft>
+                <a:spcPts val="0"/>
+              </a:spcAft>
+              <a:buClr>
+                <a:schemeClr val="dk1"/>
+              </a:buClr>
+              <a:buSzPts val="1620"/>
+              <a:buFont typeface="Arial"/>
+              <a:buChar char="-"/>
+              <a:defRPr sz="1800" b="0" i="0" u="none" strike="noStrike" cap="none">
+                <a:solidFill>
+                  <a:schemeClr val="dk1"/>
+                </a:solidFill>
+                <a:latin typeface="Arial"/>
+                <a:ea typeface="Arial"/>
+                <a:cs typeface="Arial"/>
+                <a:sym typeface="Arial"/>
+              </a:defRPr>
+            </a:lvl8pPr>
+            <a:lvl9pPr marL="4114800" marR="0" lvl="8" indent="-331470" algn="l" rtl="0">
+              <a:lnSpc>
+                <a:spcPct val="102000"/>
+              </a:lnSpc>
+              <a:spcBef>
+                <a:spcPts val="500"/>
+              </a:spcBef>
+              <a:spcAft>
+                <a:spcPts val="0"/>
+              </a:spcAft>
+              <a:buClr>
+                <a:schemeClr val="dk1"/>
+              </a:buClr>
+              <a:buSzPts val="1620"/>
+              <a:buFont typeface="Arial"/>
+              <a:buChar char="-"/>
+              <a:defRPr sz="1800" b="0" i="0" u="none" strike="noStrike" cap="none">
+                <a:solidFill>
+                  <a:schemeClr val="dk1"/>
+                </a:solidFill>
+                <a:latin typeface="Arial"/>
+                <a:ea typeface="Arial"/>
+                <a:cs typeface="Arial"/>
+                <a:sym typeface="Arial"/>
+              </a:defRPr>
+            </a:lvl9pPr>
+          </a:lstStyle>
+          <a:p>
+            <a:pPr marL="0" indent="0"/>
+            <a:r>
+              <a:rPr lang="de-DE" dirty="0" err="1"/>
+              <a:t>text</a:t>
+            </a:r>
+            <a:endParaRPr lang="en-US" b="0" dirty="0"/>
+          </a:p>
+        </p:txBody>
+      </p:sp>
+    </p:spTree>
+  </p:cSld>
+  <p:clrMapOvr>
+    <a:masterClrMapping/>
+  </p:clrMapOvr>
+</p:sld>
+</file>
+
+<file path=ppt/slides/slide4.xml><?xml version="1.0" encoding="utf-8"?>
 <p:sld xmlns:a="http://schemas.openxmlformats.org/drawingml/2006/main" xmlns:r="http://schemas.openxmlformats.org/officeDocument/2006/relationships" xmlns:p="http://schemas.openxmlformats.org/presentationml/2006/main">
   <p:cSld>
     <p:spTree>
@@ -7799,103 +9610,619 @@
               <a:buNone/>
             </a:pPr>
             <a:r>
+              <a:rPr lang="de-DE" dirty="0" err="1"/>
+              <a:t>text</a:t>
+            </a:r>
+            <a:endParaRPr dirty="0"/>
+          </a:p>
+        </p:txBody>
+      </p:sp>
+      <p:sp>
+        <p:nvSpPr>
+          <p:cNvPr id="71" name="Google Shape;71;gb9e2de6e95_0_1"/>
+          <p:cNvSpPr txBox="1">
+            <a:spLocks noGrp="1"/>
+          </p:cNvSpPr>
+          <p:nvPr>
+            <p:ph type="title"/>
+          </p:nvPr>
+        </p:nvSpPr>
+        <p:spPr>
+          <a:xfrm>
+            <a:off x="696000" y="637107"/>
+            <a:ext cx="9020100" cy="392400"/>
+          </a:xfrm>
+          <a:prstGeom prst="rect">
+            <a:avLst/>
+          </a:prstGeom>
+        </p:spPr>
+        <p:txBody>
+          <a:bodyPr spcFirstLastPara="1" wrap="square" lIns="0" tIns="0" rIns="0" bIns="0" anchor="b" anchorCtr="0">
+            <a:noAutofit/>
+          </a:bodyPr>
+          <a:lstStyle/>
+          <a:p>
+            <a:pPr marL="0" lvl="0" indent="0" algn="l" rtl="0">
+              <a:spcBef>
+                <a:spcPts val="0"/>
+              </a:spcBef>
+              <a:spcAft>
+                <a:spcPts val="0"/>
+              </a:spcAft>
+              <a:buNone/>
+            </a:pPr>
+            <a:r>
               <a:rPr lang="de-DE" dirty="0"/>
-              <a:t>Paris Agreement:</a:t>
-            </a:r>
+              <a:t>2. </a:t>
+            </a:r>
+            <a:r>
+              <a:rPr lang="de-DE" dirty="0" err="1"/>
+              <a:t>Preliminaries</a:t>
+            </a:r>
+            <a:endParaRPr dirty="0"/>
           </a:p>
+        </p:txBody>
+      </p:sp>
+      <p:sp>
+        <p:nvSpPr>
+          <p:cNvPr id="2" name="Textfeld 1">
+            <a:extLst>
+              <a:ext uri="{FF2B5EF4-FFF2-40B4-BE49-F238E27FC236}">
+                <a16:creationId xmlns:a16="http://schemas.microsoft.com/office/drawing/2014/main" id="{30A035FF-45D1-4988-A980-898865FFE32B}"/>
+              </a:ext>
+            </a:extLst>
+          </p:cNvPr>
+          <p:cNvSpPr txBox="1"/>
+          <p:nvPr/>
+        </p:nvSpPr>
+        <p:spPr>
+          <a:xfrm>
+            <a:off x="566058" y="6629048"/>
+            <a:ext cx="12115800" cy="261610"/>
+          </a:xfrm>
+          <a:prstGeom prst="rect">
+            <a:avLst/>
+          </a:prstGeom>
+          <a:noFill/>
+        </p:spPr>
+        <p:txBody>
+          <a:bodyPr wrap="square" rtlCol="0">
+            <a:spAutoFit/>
+          </a:bodyPr>
+          <a:lstStyle/>
           <a:p>
-            <a:pPr marL="285750" lvl="0" indent="-285750" algn="l" rtl="0">
-              <a:spcBef>
-                <a:spcPts val="500"/>
-              </a:spcBef>
-              <a:spcAft>
-                <a:spcPts val="0"/>
-              </a:spcAft>
-              <a:buFont typeface="Arial" panose="020B0604020202020204" pitchFamily="34" charset="0"/>
-              <a:buChar char="•"/>
+            <a:r>
+              <a:rPr lang="de-DE" sz="1100" dirty="0"/>
+              <a:t>Motivation</a:t>
+            </a:r>
+            <a:r>
+              <a:rPr lang="de-DE" sz="1100" b="1" dirty="0"/>
+              <a:t> |</a:t>
+            </a:r>
+            <a:r>
+              <a:rPr lang="de-DE" sz="1100" dirty="0"/>
+              <a:t> </a:t>
+            </a:r>
+            <a:r>
+              <a:rPr lang="de-DE" sz="1100" b="1" dirty="0" err="1"/>
+              <a:t>Preliminaries</a:t>
+            </a:r>
+            <a:r>
+              <a:rPr lang="de-DE" sz="1100" dirty="0"/>
+              <a:t> </a:t>
+            </a:r>
+            <a:r>
+              <a:rPr lang="de-DE" sz="1100" b="1" dirty="0"/>
+              <a:t>|</a:t>
+            </a:r>
+            <a:r>
+              <a:rPr lang="de-DE" sz="1100" dirty="0"/>
+              <a:t> </a:t>
+            </a:r>
+            <a:r>
+              <a:rPr lang="de-DE" sz="1100" dirty="0" err="1"/>
+              <a:t>Methodology</a:t>
+            </a:r>
+            <a:r>
+              <a:rPr lang="de-DE" sz="1100" dirty="0"/>
+              <a:t> </a:t>
+            </a:r>
+            <a:r>
+              <a:rPr lang="de-DE" sz="1100" b="1" dirty="0"/>
+              <a:t>|</a:t>
+            </a:r>
+            <a:r>
+              <a:rPr lang="de-DE" sz="1100" dirty="0"/>
+              <a:t> </a:t>
+            </a:r>
+            <a:r>
+              <a:rPr lang="de-DE" sz="1100" dirty="0" err="1"/>
+              <a:t>Literature</a:t>
+            </a:r>
+            <a:r>
+              <a:rPr lang="de-DE" sz="1100" dirty="0"/>
+              <a:t> review </a:t>
+            </a:r>
+            <a:r>
+              <a:rPr lang="de-DE" sz="1100" b="1" dirty="0"/>
+              <a:t>|</a:t>
+            </a:r>
+            <a:r>
+              <a:rPr lang="de-DE" sz="1100" dirty="0"/>
+              <a:t> Solution </a:t>
+            </a:r>
+            <a:r>
+              <a:rPr lang="de-DE" sz="1100" dirty="0" err="1"/>
+              <a:t>categorization</a:t>
+            </a:r>
+            <a:r>
+              <a:rPr lang="de-DE" sz="1100" dirty="0"/>
+              <a:t> </a:t>
+            </a:r>
+            <a:r>
+              <a:rPr lang="de-DE" sz="1100" b="1" dirty="0"/>
+              <a:t>|</a:t>
+            </a:r>
+            <a:r>
+              <a:rPr lang="de-DE" sz="1100" dirty="0"/>
+              <a:t> </a:t>
+            </a:r>
+            <a:r>
+              <a:rPr lang="de-DE" sz="1100" dirty="0" err="1"/>
+              <a:t>IoTs</a:t>
+            </a:r>
+            <a:r>
+              <a:rPr lang="de-DE" sz="1100" dirty="0"/>
+              <a:t> own </a:t>
+            </a:r>
+            <a:r>
+              <a:rPr lang="de-DE" sz="1100" dirty="0" err="1"/>
+              <a:t>footprint</a:t>
+            </a:r>
+            <a:r>
+              <a:rPr lang="de-DE" sz="1100" dirty="0"/>
+              <a:t> </a:t>
+            </a:r>
+            <a:r>
+              <a:rPr lang="de-DE" sz="1100" b="1" dirty="0"/>
+              <a:t>|</a:t>
+            </a:r>
+            <a:r>
+              <a:rPr lang="de-DE" sz="1100" dirty="0"/>
+              <a:t> IoT in </a:t>
+            </a:r>
+            <a:r>
+              <a:rPr lang="de-DE" sz="1100" dirty="0" err="1"/>
+              <a:t>food</a:t>
+            </a:r>
+            <a:r>
+              <a:rPr lang="de-DE" sz="1100" dirty="0"/>
+              <a:t> </a:t>
+            </a:r>
+            <a:r>
+              <a:rPr lang="de-DE" sz="1100" dirty="0" err="1"/>
+              <a:t>manufacturing</a:t>
+            </a:r>
+            <a:r>
+              <a:rPr lang="de-DE" sz="1100" dirty="0"/>
+              <a:t> </a:t>
+            </a:r>
+            <a:r>
+              <a:rPr lang="de-DE" sz="1100" b="1" dirty="0"/>
+              <a:t>|</a:t>
+            </a:r>
+            <a:r>
+              <a:rPr lang="de-DE" sz="1100" dirty="0"/>
+              <a:t> </a:t>
+            </a:r>
+            <a:r>
+              <a:rPr lang="de-DE" sz="1100" dirty="0" err="1"/>
+              <a:t>Discussion</a:t>
+            </a:r>
+            <a:r>
+              <a:rPr lang="de-DE" sz="1100" dirty="0"/>
+              <a:t> </a:t>
+            </a:r>
+            <a:r>
+              <a:rPr lang="de-DE" sz="1100" b="1" dirty="0"/>
+              <a:t>|</a:t>
+            </a:r>
+            <a:r>
+              <a:rPr lang="de-DE" sz="1100" dirty="0"/>
+              <a:t> </a:t>
+            </a:r>
+            <a:r>
+              <a:rPr lang="de-DE" sz="1100" dirty="0" err="1"/>
+              <a:t>Conclusion</a:t>
+            </a:r>
+            <a:endParaRPr lang="de-DE" sz="1100" dirty="0"/>
+          </a:p>
+        </p:txBody>
+      </p:sp>
+    </p:spTree>
+    <p:extLst>
+      <p:ext uri="{BB962C8B-B14F-4D97-AF65-F5344CB8AC3E}">
+        <p14:creationId xmlns:p14="http://schemas.microsoft.com/office/powerpoint/2010/main" val="2137708799"/>
+      </p:ext>
+    </p:extLst>
+  </p:cSld>
+  <p:clrMapOvr>
+    <a:masterClrMapping/>
+  </p:clrMapOvr>
+</p:sld>
+</file>
+
+<file path=ppt/slides/slide5.xml><?xml version="1.0" encoding="utf-8"?>
+<p:sld xmlns:a="http://schemas.openxmlformats.org/drawingml/2006/main" xmlns:r="http://schemas.openxmlformats.org/officeDocument/2006/relationships" xmlns:p="http://schemas.openxmlformats.org/presentationml/2006/main">
+  <p:cSld>
+    <p:spTree>
+      <p:nvGrpSpPr>
+        <p:cNvPr id="1" name="Shape 69"/>
+        <p:cNvGrpSpPr/>
+        <p:nvPr/>
+      </p:nvGrpSpPr>
+      <p:grpSpPr>
+        <a:xfrm>
+          <a:off x="0" y="0"/>
+          <a:ext cx="0" cy="0"/>
+          <a:chOff x="0" y="0"/>
+          <a:chExt cx="0" cy="0"/>
+        </a:xfrm>
+      </p:grpSpPr>
+      <p:sp>
+        <p:nvSpPr>
+          <p:cNvPr id="70" name="Google Shape;70;gb9e2de6e95_0_1"/>
+          <p:cNvSpPr txBox="1">
+            <a:spLocks noGrp="1"/>
+          </p:cNvSpPr>
+          <p:nvPr>
+            <p:ph type="body" idx="1"/>
+          </p:nvPr>
+        </p:nvSpPr>
+        <p:spPr>
+          <a:xfrm>
+            <a:off x="696000" y="1274422"/>
+            <a:ext cx="10800000" cy="5040000"/>
+          </a:xfrm>
+          <a:prstGeom prst="rect">
+            <a:avLst/>
+          </a:prstGeom>
+        </p:spPr>
+        <p:txBody>
+          <a:bodyPr spcFirstLastPara="1" wrap="square" lIns="0" tIns="0" rIns="0" bIns="0" anchor="t" anchorCtr="0">
+            <a:noAutofit/>
+          </a:bodyPr>
+          <a:lstStyle/>
+          <a:p>
+            <a:pPr marL="0" lvl="0" indent="0" algn="l" rtl="0">
+              <a:spcBef>
+                <a:spcPts val="500"/>
+              </a:spcBef>
+              <a:spcAft>
+                <a:spcPts val="0"/>
+              </a:spcAft>
+              <a:buNone/>
             </a:pPr>
             <a:r>
-              <a:rPr lang="en-US" b="0" dirty="0"/>
-              <a:t>Preventing irreversible damage from man-made climate change</a:t>
-            </a:r>
-            <a:endParaRPr lang="de-DE" b="0" dirty="0"/>
+              <a:rPr lang="de-DE" dirty="0" err="1"/>
+              <a:t>text</a:t>
+            </a:r>
+            <a:endParaRPr dirty="0"/>
           </a:p>
+        </p:txBody>
+      </p:sp>
+      <p:sp>
+        <p:nvSpPr>
+          <p:cNvPr id="71" name="Google Shape;71;gb9e2de6e95_0_1"/>
+          <p:cNvSpPr txBox="1">
+            <a:spLocks noGrp="1"/>
+          </p:cNvSpPr>
+          <p:nvPr>
+            <p:ph type="title"/>
+          </p:nvPr>
+        </p:nvSpPr>
+        <p:spPr>
+          <a:xfrm>
+            <a:off x="696000" y="637107"/>
+            <a:ext cx="9020100" cy="392400"/>
+          </a:xfrm>
+          <a:prstGeom prst="rect">
+            <a:avLst/>
+          </a:prstGeom>
+        </p:spPr>
+        <p:txBody>
+          <a:bodyPr spcFirstLastPara="1" wrap="square" lIns="0" tIns="0" rIns="0" bIns="0" anchor="b" anchorCtr="0">
+            <a:noAutofit/>
+          </a:bodyPr>
+          <a:lstStyle/>
           <a:p>
-            <a:pPr marL="285750" lvl="0" indent="-285750" algn="l" rtl="0">
-              <a:spcBef>
-                <a:spcPts val="500"/>
-              </a:spcBef>
-              <a:spcAft>
-                <a:spcPts val="0"/>
-              </a:spcAft>
-              <a:buFont typeface="Arial" panose="020B0604020202020204" pitchFamily="34" charset="0"/>
-              <a:buChar char="•"/>
+            <a:pPr marL="0" lvl="0" indent="0" algn="l" rtl="0">
+              <a:spcBef>
+                <a:spcPts val="0"/>
+              </a:spcBef>
+              <a:spcAft>
+                <a:spcPts val="0"/>
+              </a:spcAft>
+              <a:buNone/>
             </a:pPr>
             <a:r>
-              <a:rPr lang="en-US" b="0" dirty="0"/>
-              <a:t>Upper limit of the CO2 budget that may still be emitted</a:t>
-            </a:r>
+              <a:rPr lang="de-DE" dirty="0"/>
+              <a:t>3. </a:t>
+            </a:r>
+            <a:r>
+              <a:rPr lang="de-DE" dirty="0" err="1"/>
+              <a:t>Methodology</a:t>
+            </a:r>
+            <a:endParaRPr dirty="0"/>
           </a:p>
+        </p:txBody>
+      </p:sp>
+      <p:sp>
+        <p:nvSpPr>
+          <p:cNvPr id="2" name="Textfeld 1">
+            <a:extLst>
+              <a:ext uri="{FF2B5EF4-FFF2-40B4-BE49-F238E27FC236}">
+                <a16:creationId xmlns:a16="http://schemas.microsoft.com/office/drawing/2014/main" id="{30A035FF-45D1-4988-A980-898865FFE32B}"/>
+              </a:ext>
+            </a:extLst>
+          </p:cNvPr>
+          <p:cNvSpPr txBox="1"/>
+          <p:nvPr/>
+        </p:nvSpPr>
+        <p:spPr>
+          <a:xfrm>
+            <a:off x="566058" y="6629048"/>
+            <a:ext cx="12115800" cy="261610"/>
+          </a:xfrm>
+          <a:prstGeom prst="rect">
+            <a:avLst/>
+          </a:prstGeom>
+          <a:noFill/>
+        </p:spPr>
+        <p:txBody>
+          <a:bodyPr wrap="square" rtlCol="0">
+            <a:spAutoFit/>
+          </a:bodyPr>
+          <a:lstStyle/>
           <a:p>
-            <a:pPr marL="285750" lvl="0" indent="-285750" algn="l" rtl="0">
-              <a:spcBef>
-                <a:spcPts val="500"/>
-              </a:spcBef>
-              <a:spcAft>
-                <a:spcPts val="0"/>
-              </a:spcAft>
-              <a:buFont typeface="Arial" panose="020B0604020202020204" pitchFamily="34" charset="0"/>
-              <a:buChar char="•"/>
-            </a:pPr>
-            <a:r>
-              <a:rPr lang="en-US" b="0" dirty="0"/>
-              <a:t>Massive reduction of carbon emissions</a:t>
-            </a:r>
+            <a:r>
+              <a:rPr lang="de-DE" sz="1100" dirty="0"/>
+              <a:t>Motivation</a:t>
+            </a:r>
+            <a:r>
+              <a:rPr lang="de-DE" sz="1100" b="1" dirty="0"/>
+              <a:t> |</a:t>
+            </a:r>
+            <a:r>
+              <a:rPr lang="de-DE" sz="1100" dirty="0"/>
+              <a:t> </a:t>
+            </a:r>
+            <a:r>
+              <a:rPr lang="de-DE" sz="1100" dirty="0" err="1"/>
+              <a:t>Preliminaries</a:t>
+            </a:r>
+            <a:r>
+              <a:rPr lang="de-DE" sz="1100" dirty="0"/>
+              <a:t> </a:t>
+            </a:r>
+            <a:r>
+              <a:rPr lang="de-DE" sz="1100" b="1" dirty="0"/>
+              <a:t>|</a:t>
+            </a:r>
+            <a:r>
+              <a:rPr lang="de-DE" sz="1100" dirty="0"/>
+              <a:t> </a:t>
+            </a:r>
+            <a:r>
+              <a:rPr lang="de-DE" sz="1100" b="1" dirty="0" err="1"/>
+              <a:t>Methodology</a:t>
+            </a:r>
+            <a:r>
+              <a:rPr lang="de-DE" sz="1100" dirty="0"/>
+              <a:t> </a:t>
+            </a:r>
+            <a:r>
+              <a:rPr lang="de-DE" sz="1100" b="1" dirty="0"/>
+              <a:t>|</a:t>
+            </a:r>
+            <a:r>
+              <a:rPr lang="de-DE" sz="1100" dirty="0"/>
+              <a:t> </a:t>
+            </a:r>
+            <a:r>
+              <a:rPr lang="de-DE" sz="1100" dirty="0" err="1"/>
+              <a:t>Literature</a:t>
+            </a:r>
+            <a:r>
+              <a:rPr lang="de-DE" sz="1100" dirty="0"/>
+              <a:t> review </a:t>
+            </a:r>
+            <a:r>
+              <a:rPr lang="de-DE" sz="1100" b="1" dirty="0"/>
+              <a:t>|</a:t>
+            </a:r>
+            <a:r>
+              <a:rPr lang="de-DE" sz="1100" dirty="0"/>
+              <a:t> Solution </a:t>
+            </a:r>
+            <a:r>
+              <a:rPr lang="de-DE" sz="1100" dirty="0" err="1"/>
+              <a:t>categorization</a:t>
+            </a:r>
+            <a:r>
+              <a:rPr lang="de-DE" sz="1100" dirty="0"/>
+              <a:t> </a:t>
+            </a:r>
+            <a:r>
+              <a:rPr lang="de-DE" sz="1100" b="1" dirty="0"/>
+              <a:t>|</a:t>
+            </a:r>
+            <a:r>
+              <a:rPr lang="de-DE" sz="1100" dirty="0"/>
+              <a:t> </a:t>
+            </a:r>
+            <a:r>
+              <a:rPr lang="de-DE" sz="1100" dirty="0" err="1"/>
+              <a:t>IoTs</a:t>
+            </a:r>
+            <a:r>
+              <a:rPr lang="de-DE" sz="1100" dirty="0"/>
+              <a:t> own </a:t>
+            </a:r>
+            <a:r>
+              <a:rPr lang="de-DE" sz="1100" dirty="0" err="1"/>
+              <a:t>footprint</a:t>
+            </a:r>
+            <a:r>
+              <a:rPr lang="de-DE" sz="1100" dirty="0"/>
+              <a:t> </a:t>
+            </a:r>
+            <a:r>
+              <a:rPr lang="de-DE" sz="1100" b="1" dirty="0"/>
+              <a:t>|</a:t>
+            </a:r>
+            <a:r>
+              <a:rPr lang="de-DE" sz="1100" dirty="0"/>
+              <a:t> IoT in </a:t>
+            </a:r>
+            <a:r>
+              <a:rPr lang="de-DE" sz="1100" dirty="0" err="1"/>
+              <a:t>food</a:t>
+            </a:r>
+            <a:r>
+              <a:rPr lang="de-DE" sz="1100" dirty="0"/>
+              <a:t> </a:t>
+            </a:r>
+            <a:r>
+              <a:rPr lang="de-DE" sz="1100" dirty="0" err="1"/>
+              <a:t>manufacturing</a:t>
+            </a:r>
+            <a:r>
+              <a:rPr lang="de-DE" sz="1100" dirty="0"/>
+              <a:t> </a:t>
+            </a:r>
+            <a:r>
+              <a:rPr lang="de-DE" sz="1100" b="1" dirty="0"/>
+              <a:t>|</a:t>
+            </a:r>
+            <a:r>
+              <a:rPr lang="de-DE" sz="1100" dirty="0"/>
+              <a:t> </a:t>
+            </a:r>
+            <a:r>
+              <a:rPr lang="de-DE" sz="1100" dirty="0" err="1"/>
+              <a:t>Discussion</a:t>
+            </a:r>
+            <a:r>
+              <a:rPr lang="de-DE" sz="1100" dirty="0"/>
+              <a:t> </a:t>
+            </a:r>
+            <a:r>
+              <a:rPr lang="de-DE" sz="1100" b="1" dirty="0"/>
+              <a:t>|</a:t>
+            </a:r>
+            <a:r>
+              <a:rPr lang="de-DE" sz="1100" dirty="0"/>
+              <a:t> </a:t>
+            </a:r>
+            <a:r>
+              <a:rPr lang="de-DE" sz="1100" dirty="0" err="1"/>
+              <a:t>Conclusion</a:t>
+            </a:r>
+            <a:endParaRPr lang="de-DE" sz="1100" dirty="0"/>
           </a:p>
+        </p:txBody>
+      </p:sp>
+      <p:pic>
+        <p:nvPicPr>
+          <p:cNvPr id="4" name="Grafik 3">
+            <a:extLst>
+              <a:ext uri="{FF2B5EF4-FFF2-40B4-BE49-F238E27FC236}">
+                <a16:creationId xmlns:a16="http://schemas.microsoft.com/office/drawing/2014/main" id="{00C2E069-81A2-4AE8-8C2B-0526C7E627D6}"/>
+              </a:ext>
+            </a:extLst>
+          </p:cNvPr>
+          <p:cNvPicPr>
+            <a:picLocks noChangeAspect="1"/>
+          </p:cNvPicPr>
+          <p:nvPr/>
+        </p:nvPicPr>
+        <p:blipFill>
+          <a:blip r:embed="rId3"/>
+          <a:stretch>
+            <a:fillRect/>
+          </a:stretch>
+        </p:blipFill>
+        <p:spPr>
+          <a:xfrm>
+            <a:off x="6845803" y="3794422"/>
+            <a:ext cx="4748794" cy="2356109"/>
+          </a:xfrm>
+          <a:prstGeom prst="rect">
+            <a:avLst/>
+          </a:prstGeom>
+        </p:spPr>
+      </p:pic>
+    </p:spTree>
+    <p:extLst>
+      <p:ext uri="{BB962C8B-B14F-4D97-AF65-F5344CB8AC3E}">
+        <p14:creationId xmlns:p14="http://schemas.microsoft.com/office/powerpoint/2010/main" val="2243267153"/>
+      </p:ext>
+    </p:extLst>
+  </p:cSld>
+  <p:clrMapOvr>
+    <a:masterClrMapping/>
+  </p:clrMapOvr>
+</p:sld>
+</file>
+
+<file path=ppt/slides/slide6.xml><?xml version="1.0" encoding="utf-8"?>
+<p:sld xmlns:a="http://schemas.openxmlformats.org/drawingml/2006/main" xmlns:r="http://schemas.openxmlformats.org/officeDocument/2006/relationships" xmlns:p="http://schemas.openxmlformats.org/presentationml/2006/main">
+  <p:cSld>
+    <p:spTree>
+      <p:nvGrpSpPr>
+        <p:cNvPr id="1" name="Shape 69"/>
+        <p:cNvGrpSpPr/>
+        <p:nvPr/>
+      </p:nvGrpSpPr>
+      <p:grpSpPr>
+        <a:xfrm>
+          <a:off x="0" y="0"/>
+          <a:ext cx="0" cy="0"/>
+          <a:chOff x="0" y="0"/>
+          <a:chExt cx="0" cy="0"/>
+        </a:xfrm>
+      </p:grpSpPr>
+      <p:sp>
+        <p:nvSpPr>
+          <p:cNvPr id="70" name="Google Shape;70;gb9e2de6e95_0_1"/>
+          <p:cNvSpPr txBox="1">
+            <a:spLocks noGrp="1"/>
+          </p:cNvSpPr>
+          <p:nvPr>
+            <p:ph type="body" idx="1"/>
+          </p:nvPr>
+        </p:nvSpPr>
+        <p:spPr>
+          <a:xfrm>
+            <a:off x="696000" y="1274422"/>
+            <a:ext cx="10800000" cy="5040000"/>
+          </a:xfrm>
+          <a:prstGeom prst="rect">
+            <a:avLst/>
+          </a:prstGeom>
+        </p:spPr>
+        <p:txBody>
+          <a:bodyPr spcFirstLastPara="1" wrap="square" lIns="0" tIns="0" rIns="0" bIns="0" anchor="t" anchorCtr="0">
+            <a:noAutofit/>
+          </a:bodyPr>
+          <a:lstStyle/>
           <a:p>
-            <a:pPr marL="285750" lvl="0" indent="-285750" algn="l" rtl="0">
-              <a:spcBef>
-                <a:spcPts val="500"/>
-              </a:spcBef>
-              <a:spcAft>
-                <a:spcPts val="0"/>
-              </a:spcAft>
-              <a:buFont typeface="Arial" panose="020B0604020202020204" pitchFamily="34" charset="0"/>
-              <a:buChar char="•"/>
-            </a:pPr>
-            <a:r>
-              <a:rPr lang="de-DE" b="0" dirty="0"/>
-              <a:t>Limitation </a:t>
-            </a:r>
-            <a:r>
-              <a:rPr lang="de-DE" b="0" dirty="0" err="1"/>
-              <a:t>of</a:t>
-            </a:r>
-            <a:r>
-              <a:rPr lang="de-DE" b="0" dirty="0"/>
-              <a:t> global </a:t>
-            </a:r>
-            <a:r>
-              <a:rPr lang="de-DE" b="0" dirty="0" err="1"/>
-              <a:t>warming</a:t>
-            </a:r>
-            <a:r>
-              <a:rPr lang="de-DE" b="0" dirty="0"/>
-              <a:t> </a:t>
-            </a:r>
-            <a:r>
-              <a:rPr lang="de-DE" b="0" dirty="0" err="1"/>
-              <a:t>to</a:t>
-            </a:r>
-            <a:r>
-              <a:rPr lang="de-DE" b="0" dirty="0"/>
-              <a:t> 1.5 </a:t>
-            </a:r>
-            <a:r>
-              <a:rPr lang="de-DE" b="0" dirty="0" err="1"/>
-              <a:t>degree</a:t>
-            </a:r>
-            <a:endParaRPr lang="en-US" b="0" dirty="0"/>
+            <a:pPr marL="0" indent="0"/>
+            <a:r>
+              <a:rPr lang="de-DE" dirty="0"/>
+              <a:t>Ilic et al. (2009)</a:t>
+            </a:r>
           </a:p>
           <a:p>
             <a:pPr marL="0" lvl="0" indent="0" algn="l" rtl="0">
@@ -7905,188 +10232,7 @@
               <a:spcAft>
                 <a:spcPts val="0"/>
               </a:spcAft>
-            </a:pPr>
-            <a:endParaRPr lang="de-DE" dirty="0"/>
-          </a:p>
-          <a:p>
-            <a:pPr marL="0" lvl="0" indent="0" algn="l" rtl="0">
-              <a:spcBef>
-                <a:spcPts val="500"/>
-              </a:spcBef>
-              <a:spcAft>
-                <a:spcPts val="0"/>
-              </a:spcAft>
-            </a:pPr>
-            <a:r>
-              <a:rPr lang="de-DE" dirty="0"/>
-              <a:t>McKinsey (2016):</a:t>
-            </a:r>
-          </a:p>
-          <a:p>
-            <a:pPr marL="285750" lvl="0" indent="-285750" algn="l" rtl="0">
-              <a:spcBef>
-                <a:spcPts val="500"/>
-              </a:spcBef>
-              <a:spcAft>
-                <a:spcPts val="0"/>
-              </a:spcAft>
-              <a:buFont typeface="Arial" panose="020B0604020202020204" pitchFamily="34" charset="0"/>
-              <a:buChar char="•"/>
-            </a:pPr>
-            <a:r>
-              <a:rPr lang="en-US" b="0" dirty="0"/>
-              <a:t>Consumer-packaged goods (CPG) companies are responsible for roughly 33 gigatons of CO2</a:t>
-            </a:r>
-          </a:p>
-          <a:p>
-            <a:pPr marL="285750" lvl="0" indent="-285750" algn="l" rtl="0">
-              <a:spcBef>
-                <a:spcPts val="500"/>
-              </a:spcBef>
-              <a:spcAft>
-                <a:spcPts val="0"/>
-              </a:spcAft>
-              <a:buFont typeface="Arial" panose="020B0604020202020204" pitchFamily="34" charset="0"/>
-              <a:buChar char="•"/>
-            </a:pPr>
-            <a:endParaRPr lang="en-US" b="0" dirty="0"/>
-          </a:p>
-          <a:p>
-            <a:pPr marL="0" lvl="0" indent="0" algn="l" rtl="0">
-              <a:spcBef>
-                <a:spcPts val="500"/>
-              </a:spcBef>
-              <a:spcAft>
-                <a:spcPts val="0"/>
-              </a:spcAft>
-            </a:pPr>
-            <a:r>
-              <a:rPr lang="en-US" dirty="0"/>
-              <a:t>Supply chain monitoring:</a:t>
-            </a:r>
-          </a:p>
-          <a:p>
-            <a:pPr marL="285750" lvl="0" indent="-285750" algn="l" rtl="0">
-              <a:spcBef>
-                <a:spcPts val="500"/>
-              </a:spcBef>
-              <a:spcAft>
-                <a:spcPts val="0"/>
-              </a:spcAft>
-              <a:buFont typeface="Arial" panose="020B0604020202020204" pitchFamily="34" charset="0"/>
-              <a:buChar char="•"/>
-            </a:pPr>
-            <a:r>
-              <a:rPr lang="de-DE" b="0" dirty="0"/>
-              <a:t>Many </a:t>
-            </a:r>
-            <a:r>
-              <a:rPr lang="de-DE" b="0" dirty="0" err="1"/>
-              <a:t>unknown</a:t>
-            </a:r>
-            <a:r>
-              <a:rPr lang="de-DE" b="0" dirty="0"/>
-              <a:t> </a:t>
-            </a:r>
-            <a:r>
-              <a:rPr lang="de-DE" b="0" dirty="0" err="1"/>
-              <a:t>parameters</a:t>
-            </a:r>
-            <a:endParaRPr lang="de-DE" b="0" dirty="0"/>
-          </a:p>
-          <a:p>
-            <a:pPr marL="285750" lvl="0" indent="-285750" algn="l" rtl="0">
-              <a:spcBef>
-                <a:spcPts val="500"/>
-              </a:spcBef>
-              <a:spcAft>
-                <a:spcPts val="0"/>
-              </a:spcAft>
-              <a:buFont typeface="Arial" panose="020B0604020202020204" pitchFamily="34" charset="0"/>
-              <a:buChar char="•"/>
-            </a:pPr>
-            <a:r>
-              <a:rPr lang="de-DE" b="0" dirty="0" err="1"/>
-              <a:t>Scope</a:t>
-            </a:r>
-            <a:r>
-              <a:rPr lang="de-DE" b="0" dirty="0"/>
-              <a:t> 3 </a:t>
-            </a:r>
-            <a:r>
-              <a:rPr lang="de-DE" b="0" dirty="0" err="1"/>
-              <a:t>emissions</a:t>
-            </a:r>
-            <a:r>
-              <a:rPr lang="de-DE" b="0" dirty="0"/>
-              <a:t> </a:t>
-            </a:r>
-            <a:r>
-              <a:rPr lang="de-DE" b="0" dirty="0" err="1"/>
-              <a:t>hard</a:t>
-            </a:r>
-            <a:r>
-              <a:rPr lang="de-DE" b="0" dirty="0"/>
-              <a:t> </a:t>
-            </a:r>
-            <a:r>
-              <a:rPr lang="de-DE" b="0" dirty="0" err="1"/>
-              <a:t>to</a:t>
-            </a:r>
-            <a:r>
-              <a:rPr lang="de-DE" b="0" dirty="0"/>
-              <a:t> </a:t>
-            </a:r>
-            <a:r>
-              <a:rPr lang="de-DE" b="0" dirty="0" err="1"/>
-              <a:t>measure</a:t>
-            </a:r>
-            <a:endParaRPr lang="de-DE" b="0" dirty="0"/>
-          </a:p>
-          <a:p>
-            <a:pPr marL="285750" lvl="0" indent="-285750" algn="l" rtl="0">
-              <a:spcBef>
-                <a:spcPts val="500"/>
-              </a:spcBef>
-              <a:spcAft>
-                <a:spcPts val="0"/>
-              </a:spcAft>
-              <a:buFont typeface="Arial" panose="020B0604020202020204" pitchFamily="34" charset="0"/>
-              <a:buChar char="•"/>
-            </a:pPr>
-            <a:r>
-              <a:rPr lang="en-US" b="0" dirty="0"/>
-              <a:t>Short-term profit maximization is often seen as more important than long-term emissions reduction</a:t>
-            </a:r>
-            <a:endParaRPr lang="de-DE" b="0" dirty="0"/>
-          </a:p>
-          <a:p>
-            <a:pPr marL="0" lvl="0" indent="0" algn="l" rtl="0">
-              <a:spcBef>
-                <a:spcPts val="500"/>
-              </a:spcBef>
-              <a:spcAft>
-                <a:spcPts val="0"/>
-              </a:spcAft>
-            </a:pPr>
-            <a:r>
-              <a:rPr lang="de-DE" b="0" dirty="0"/>
-              <a:t>BUT: </a:t>
-            </a:r>
-            <a:r>
-              <a:rPr lang="en-US" b="0" dirty="0"/>
-              <a:t>No climate protection is more expensive in the long term than introducing appropriate measures to reduce emissions</a:t>
-            </a:r>
-            <a:endParaRPr lang="de-DE" b="0" dirty="0"/>
-          </a:p>
-          <a:p>
-            <a:pPr marL="0" lvl="0" indent="0" algn="l" rtl="0">
-              <a:spcBef>
-                <a:spcPts val="500"/>
-              </a:spcBef>
-              <a:spcAft>
-                <a:spcPts val="0"/>
-              </a:spcAft>
+              <a:buNone/>
             </a:pPr>
             <a:endParaRPr dirty="0"/>
           </a:p>
@@ -8128,13 +10274,236 @@
             </a:pPr>
             <a:r>
               <a:rPr lang="de-DE" dirty="0"/>
-              <a:t>1. Motivation</a:t>
+              <a:t>6. </a:t>
+            </a:r>
+            <a:r>
+              <a:rPr lang="de-DE" dirty="0" err="1"/>
+              <a:t>IoTs</a:t>
+            </a:r>
+            <a:r>
+              <a:rPr lang="de-DE" dirty="0"/>
+              <a:t> own </a:t>
+            </a:r>
+            <a:r>
+              <a:rPr lang="de-DE" dirty="0" err="1"/>
+              <a:t>footprint</a:t>
             </a:r>
             <a:endParaRPr dirty="0"/>
           </a:p>
         </p:txBody>
       </p:sp>
+      <p:sp>
+        <p:nvSpPr>
+          <p:cNvPr id="2" name="Textfeld 1">
+            <a:extLst>
+              <a:ext uri="{FF2B5EF4-FFF2-40B4-BE49-F238E27FC236}">
+                <a16:creationId xmlns:a16="http://schemas.microsoft.com/office/drawing/2014/main" id="{30A035FF-45D1-4988-A980-898865FFE32B}"/>
+              </a:ext>
+            </a:extLst>
+          </p:cNvPr>
+          <p:cNvSpPr txBox="1"/>
+          <p:nvPr/>
+        </p:nvSpPr>
+        <p:spPr>
+          <a:xfrm>
+            <a:off x="566058" y="6629048"/>
+            <a:ext cx="12115800" cy="261610"/>
+          </a:xfrm>
+          <a:prstGeom prst="rect">
+            <a:avLst/>
+          </a:prstGeom>
+          <a:noFill/>
+        </p:spPr>
+        <p:txBody>
+          <a:bodyPr wrap="square" rtlCol="0">
+            <a:spAutoFit/>
+          </a:bodyPr>
+          <a:lstStyle/>
+          <a:p>
+            <a:r>
+              <a:rPr lang="de-DE" sz="1100" dirty="0"/>
+              <a:t>Motivation</a:t>
+            </a:r>
+            <a:r>
+              <a:rPr lang="de-DE" sz="1100" b="1" dirty="0"/>
+              <a:t> |</a:t>
+            </a:r>
+            <a:r>
+              <a:rPr lang="de-DE" sz="1100" dirty="0"/>
+              <a:t> </a:t>
+            </a:r>
+            <a:r>
+              <a:rPr lang="de-DE" sz="1100" dirty="0" err="1"/>
+              <a:t>Preliminaries</a:t>
+            </a:r>
+            <a:r>
+              <a:rPr lang="de-DE" sz="1100" dirty="0"/>
+              <a:t> </a:t>
+            </a:r>
+            <a:r>
+              <a:rPr lang="de-DE" sz="1100" b="1" dirty="0"/>
+              <a:t>|</a:t>
+            </a:r>
+            <a:r>
+              <a:rPr lang="de-DE" sz="1100" dirty="0"/>
+              <a:t> </a:t>
+            </a:r>
+            <a:r>
+              <a:rPr lang="de-DE" sz="1100" dirty="0" err="1"/>
+              <a:t>Methodology</a:t>
+            </a:r>
+            <a:r>
+              <a:rPr lang="de-DE" sz="1100" dirty="0"/>
+              <a:t> </a:t>
+            </a:r>
+            <a:r>
+              <a:rPr lang="de-DE" sz="1100" b="1" dirty="0"/>
+              <a:t>|</a:t>
+            </a:r>
+            <a:r>
+              <a:rPr lang="de-DE" sz="1100" dirty="0"/>
+              <a:t> </a:t>
+            </a:r>
+            <a:r>
+              <a:rPr lang="de-DE" sz="1100" dirty="0" err="1"/>
+              <a:t>Literature</a:t>
+            </a:r>
+            <a:r>
+              <a:rPr lang="de-DE" sz="1100" dirty="0"/>
+              <a:t> review </a:t>
+            </a:r>
+            <a:r>
+              <a:rPr lang="de-DE" sz="1100" b="1" dirty="0"/>
+              <a:t>|</a:t>
+            </a:r>
+            <a:r>
+              <a:rPr lang="de-DE" sz="1100" dirty="0"/>
+              <a:t> Solution </a:t>
+            </a:r>
+            <a:r>
+              <a:rPr lang="de-DE" sz="1100" dirty="0" err="1"/>
+              <a:t>categorization</a:t>
+            </a:r>
+            <a:r>
+              <a:rPr lang="de-DE" sz="1100" dirty="0"/>
+              <a:t> </a:t>
+            </a:r>
+            <a:r>
+              <a:rPr lang="de-DE" sz="1100" b="1" dirty="0"/>
+              <a:t>|</a:t>
+            </a:r>
+            <a:r>
+              <a:rPr lang="de-DE" sz="1100" dirty="0"/>
+              <a:t> </a:t>
+            </a:r>
+            <a:r>
+              <a:rPr lang="de-DE" sz="1100" b="1" dirty="0" err="1"/>
+              <a:t>IoTs</a:t>
+            </a:r>
+            <a:r>
+              <a:rPr lang="de-DE" sz="1100" b="1" dirty="0"/>
+              <a:t> own </a:t>
+            </a:r>
+            <a:r>
+              <a:rPr lang="de-DE" sz="1100" b="1" dirty="0" err="1"/>
+              <a:t>footprint</a:t>
+            </a:r>
+            <a:r>
+              <a:rPr lang="de-DE" sz="1100" dirty="0"/>
+              <a:t> </a:t>
+            </a:r>
+            <a:r>
+              <a:rPr lang="de-DE" sz="1100" b="1" dirty="0"/>
+              <a:t>|</a:t>
+            </a:r>
+            <a:r>
+              <a:rPr lang="de-DE" sz="1100" dirty="0"/>
+              <a:t> IoT in </a:t>
+            </a:r>
+            <a:r>
+              <a:rPr lang="de-DE" sz="1100" dirty="0" err="1"/>
+              <a:t>food</a:t>
+            </a:r>
+            <a:r>
+              <a:rPr lang="de-DE" sz="1100" dirty="0"/>
+              <a:t> </a:t>
+            </a:r>
+            <a:r>
+              <a:rPr lang="de-DE" sz="1100" dirty="0" err="1"/>
+              <a:t>manufacturing</a:t>
+            </a:r>
+            <a:r>
+              <a:rPr lang="de-DE" sz="1100" dirty="0"/>
+              <a:t> </a:t>
+            </a:r>
+            <a:r>
+              <a:rPr lang="de-DE" sz="1100" b="1" dirty="0"/>
+              <a:t>|</a:t>
+            </a:r>
+            <a:r>
+              <a:rPr lang="de-DE" sz="1100" dirty="0"/>
+              <a:t> </a:t>
+            </a:r>
+            <a:r>
+              <a:rPr lang="de-DE" sz="1100" dirty="0" err="1"/>
+              <a:t>Discussion</a:t>
+            </a:r>
+            <a:r>
+              <a:rPr lang="de-DE" sz="1100" dirty="0"/>
+              <a:t> </a:t>
+            </a:r>
+            <a:r>
+              <a:rPr lang="de-DE" sz="1100" b="1" dirty="0"/>
+              <a:t>|</a:t>
+            </a:r>
+            <a:r>
+              <a:rPr lang="de-DE" sz="1100" dirty="0"/>
+              <a:t> </a:t>
+            </a:r>
+            <a:r>
+              <a:rPr lang="de-DE" sz="1100" dirty="0" err="1"/>
+              <a:t>Conclusion</a:t>
+            </a:r>
+            <a:endParaRPr lang="de-DE" sz="1100" dirty="0"/>
+          </a:p>
+        </p:txBody>
+      </p:sp>
+      <p:pic>
+        <p:nvPicPr>
+          <p:cNvPr id="5" name="Grafik 4">
+            <a:extLst>
+              <a:ext uri="{FF2B5EF4-FFF2-40B4-BE49-F238E27FC236}">
+                <a16:creationId xmlns:a16="http://schemas.microsoft.com/office/drawing/2014/main" id="{9DC9AA32-89BD-4D09-8AC9-AB44AF73FBAC}"/>
+              </a:ext>
+            </a:extLst>
+          </p:cNvPr>
+          <p:cNvPicPr>
+            <a:picLocks noChangeAspect="1"/>
+          </p:cNvPicPr>
+          <p:nvPr/>
+        </p:nvPicPr>
+        <p:blipFill>
+          <a:blip r:embed="rId3"/>
+          <a:stretch>
+            <a:fillRect/>
+          </a:stretch>
+        </p:blipFill>
+        <p:spPr>
+          <a:xfrm>
+            <a:off x="4981954" y="1560543"/>
+            <a:ext cx="3770160" cy="4467758"/>
+          </a:xfrm>
+          <a:prstGeom prst="rect">
+            <a:avLst/>
+          </a:prstGeom>
+        </p:spPr>
+      </p:pic>
     </p:spTree>
+    <p:extLst>
+      <p:ext uri="{BB962C8B-B14F-4D97-AF65-F5344CB8AC3E}">
+        <p14:creationId xmlns:p14="http://schemas.microsoft.com/office/powerpoint/2010/main" val="1881193725"/>
+      </p:ext>
+    </p:extLst>
   </p:cSld>
   <p:clrMapOvr>
     <a:masterClrMapping/>
@@ -8142,8 +10511,365 @@
 </p:sld>
 </file>
 
-<file path=ppt/slides/slide3.xml><?xml version="1.0" encoding="utf-8"?>
-<p:sld xmlns:a="http://schemas.openxmlformats.org/drawingml/2006/main" xmlns:r="http://schemas.openxmlformats.org/officeDocument/2006/relationships" xmlns:p="http://schemas.openxmlformats.org/presentationml/2006/main">
+<file path=ppt/slides/slide7.xml><?xml version="1.0" encoding="utf-8"?>
+<p:sld xmlns:a="http://schemas.openxmlformats.org/drawingml/2006/main" xmlns:r="http://schemas.openxmlformats.org/officeDocument/2006/relationships" xmlns:p="http://schemas.openxmlformats.org/presentationml/2006/main" show="0">
+  <p:cSld>
+    <p:spTree>
+      <p:nvGrpSpPr>
+        <p:cNvPr id="1" name="Shape 69"/>
+        <p:cNvGrpSpPr/>
+        <p:nvPr/>
+      </p:nvGrpSpPr>
+      <p:grpSpPr>
+        <a:xfrm>
+          <a:off x="0" y="0"/>
+          <a:ext cx="0" cy="0"/>
+          <a:chOff x="0" y="0"/>
+          <a:chExt cx="0" cy="0"/>
+        </a:xfrm>
+      </p:grpSpPr>
+      <p:sp>
+        <p:nvSpPr>
+          <p:cNvPr id="70" name="Google Shape;70;gb9e2de6e95_0_1"/>
+          <p:cNvSpPr txBox="1">
+            <a:spLocks noGrp="1"/>
+          </p:cNvSpPr>
+          <p:nvPr>
+            <p:ph type="body" idx="1"/>
+          </p:nvPr>
+        </p:nvSpPr>
+        <p:spPr>
+          <a:xfrm>
+            <a:off x="696000" y="1274422"/>
+            <a:ext cx="10800000" cy="5040000"/>
+          </a:xfrm>
+          <a:prstGeom prst="rect">
+            <a:avLst/>
+          </a:prstGeom>
+        </p:spPr>
+        <p:txBody>
+          <a:bodyPr spcFirstLastPara="1" wrap="square" lIns="0" tIns="0" rIns="0" bIns="0" anchor="t" anchorCtr="0">
+            <a:noAutofit/>
+          </a:bodyPr>
+          <a:lstStyle/>
+          <a:p>
+            <a:pPr marL="0" lvl="0" indent="0" algn="l" rtl="0">
+              <a:spcBef>
+                <a:spcPts val="500"/>
+              </a:spcBef>
+              <a:spcAft>
+                <a:spcPts val="0"/>
+              </a:spcAft>
+              <a:buNone/>
+            </a:pPr>
+            <a:r>
+              <a:rPr lang="de-DE" dirty="0"/>
+              <a:t>Paris Agreement:</a:t>
+            </a:r>
+          </a:p>
+          <a:p>
+            <a:pPr marL="285750" lvl="0" indent="-285750" algn="l" rtl="0">
+              <a:spcBef>
+                <a:spcPts val="500"/>
+              </a:spcBef>
+              <a:spcAft>
+                <a:spcPts val="0"/>
+              </a:spcAft>
+              <a:buFont typeface="Arial" panose="020B0604020202020204" pitchFamily="34" charset="0"/>
+              <a:buChar char="•"/>
+            </a:pPr>
+            <a:r>
+              <a:rPr lang="en-US" b="0" dirty="0"/>
+              <a:t>Preventing irreversible damage from man-made climate change</a:t>
+            </a:r>
+            <a:endParaRPr lang="de-DE" b="0" dirty="0"/>
+          </a:p>
+          <a:p>
+            <a:pPr marL="285750" lvl="0" indent="-285750" algn="l" rtl="0">
+              <a:spcBef>
+                <a:spcPts val="500"/>
+              </a:spcBef>
+              <a:spcAft>
+                <a:spcPts val="0"/>
+              </a:spcAft>
+              <a:buFont typeface="Arial" panose="020B0604020202020204" pitchFamily="34" charset="0"/>
+              <a:buChar char="•"/>
+            </a:pPr>
+            <a:r>
+              <a:rPr lang="en-US" b="0" dirty="0"/>
+              <a:t>Upper limit of the CO2 budget that may still be emitted</a:t>
+            </a:r>
+          </a:p>
+          <a:p>
+            <a:pPr marL="285750" lvl="0" indent="-285750" algn="l" rtl="0">
+              <a:spcBef>
+                <a:spcPts val="500"/>
+              </a:spcBef>
+              <a:spcAft>
+                <a:spcPts val="0"/>
+              </a:spcAft>
+              <a:buFont typeface="Arial" panose="020B0604020202020204" pitchFamily="34" charset="0"/>
+              <a:buChar char="•"/>
+            </a:pPr>
+            <a:r>
+              <a:rPr lang="en-US" b="0" dirty="0"/>
+              <a:t>Massive reduction of carbon emissions</a:t>
+            </a:r>
+          </a:p>
+          <a:p>
+            <a:pPr marL="285750" lvl="0" indent="-285750" algn="l" rtl="0">
+              <a:spcBef>
+                <a:spcPts val="500"/>
+              </a:spcBef>
+              <a:spcAft>
+                <a:spcPts val="0"/>
+              </a:spcAft>
+              <a:buFont typeface="Arial" panose="020B0604020202020204" pitchFamily="34" charset="0"/>
+              <a:buChar char="•"/>
+            </a:pPr>
+            <a:r>
+              <a:rPr lang="de-DE" b="0" dirty="0"/>
+              <a:t>Limitation </a:t>
+            </a:r>
+            <a:r>
+              <a:rPr lang="de-DE" b="0" dirty="0" err="1"/>
+              <a:t>of</a:t>
+            </a:r>
+            <a:r>
+              <a:rPr lang="de-DE" b="0" dirty="0"/>
+              <a:t> global </a:t>
+            </a:r>
+            <a:r>
+              <a:rPr lang="de-DE" b="0" dirty="0" err="1"/>
+              <a:t>warming</a:t>
+            </a:r>
+            <a:r>
+              <a:rPr lang="de-DE" b="0" dirty="0"/>
+              <a:t> </a:t>
+            </a:r>
+            <a:r>
+              <a:rPr lang="de-DE" b="0" dirty="0" err="1"/>
+              <a:t>to</a:t>
+            </a:r>
+            <a:r>
+              <a:rPr lang="de-DE" b="0" dirty="0"/>
+              <a:t> 1.5 </a:t>
+            </a:r>
+            <a:r>
+              <a:rPr lang="de-DE" b="0" dirty="0" err="1"/>
+              <a:t>degree</a:t>
+            </a:r>
+            <a:endParaRPr lang="en-US" b="0" dirty="0"/>
+          </a:p>
+          <a:p>
+            <a:pPr marL="0" lvl="0" indent="0" algn="l" rtl="0">
+              <a:spcBef>
+                <a:spcPts val="500"/>
+              </a:spcBef>
+              <a:spcAft>
+                <a:spcPts val="0"/>
+              </a:spcAft>
+            </a:pPr>
+            <a:endParaRPr lang="en-US" b="0" dirty="0"/>
+          </a:p>
+          <a:p>
+            <a:pPr marL="0" lvl="0" indent="0" algn="l" rtl="0">
+              <a:spcBef>
+                <a:spcPts val="500"/>
+              </a:spcBef>
+              <a:spcAft>
+                <a:spcPts val="0"/>
+              </a:spcAft>
+            </a:pPr>
+            <a:r>
+              <a:rPr lang="en-US" dirty="0"/>
+              <a:t>Supply chain monitoring:</a:t>
+            </a:r>
+          </a:p>
+          <a:p>
+            <a:pPr marL="285750" lvl="0" indent="-285750" algn="l" rtl="0">
+              <a:spcBef>
+                <a:spcPts val="500"/>
+              </a:spcBef>
+              <a:spcAft>
+                <a:spcPts val="0"/>
+              </a:spcAft>
+              <a:buFont typeface="Arial" panose="020B0604020202020204" pitchFamily="34" charset="0"/>
+              <a:buChar char="•"/>
+            </a:pPr>
+            <a:r>
+              <a:rPr lang="de-DE" b="0" dirty="0"/>
+              <a:t>Many </a:t>
+            </a:r>
+            <a:r>
+              <a:rPr lang="de-DE" b="0" dirty="0" err="1"/>
+              <a:t>unknown</a:t>
+            </a:r>
+            <a:r>
+              <a:rPr lang="de-DE" b="0" dirty="0"/>
+              <a:t> </a:t>
+            </a:r>
+            <a:r>
+              <a:rPr lang="de-DE" b="0" dirty="0" err="1"/>
+              <a:t>parameters</a:t>
+            </a:r>
+            <a:endParaRPr lang="de-DE" b="0" dirty="0"/>
+          </a:p>
+          <a:p>
+            <a:pPr marL="285750" lvl="0" indent="-285750" algn="l" rtl="0">
+              <a:spcBef>
+                <a:spcPts val="500"/>
+              </a:spcBef>
+              <a:spcAft>
+                <a:spcPts val="0"/>
+              </a:spcAft>
+              <a:buFont typeface="Arial" panose="020B0604020202020204" pitchFamily="34" charset="0"/>
+              <a:buChar char="•"/>
+            </a:pPr>
+            <a:r>
+              <a:rPr lang="de-DE" b="0" dirty="0" err="1"/>
+              <a:t>Scope</a:t>
+            </a:r>
+            <a:r>
+              <a:rPr lang="de-DE" b="0" dirty="0"/>
+              <a:t> 3 </a:t>
+            </a:r>
+            <a:r>
+              <a:rPr lang="de-DE" b="0" dirty="0" err="1"/>
+              <a:t>emissions</a:t>
+            </a:r>
+            <a:r>
+              <a:rPr lang="de-DE" b="0" dirty="0"/>
+              <a:t> </a:t>
+            </a:r>
+            <a:r>
+              <a:rPr lang="de-DE" b="0" dirty="0" err="1"/>
+              <a:t>hard</a:t>
+            </a:r>
+            <a:r>
+              <a:rPr lang="de-DE" b="0" dirty="0"/>
+              <a:t> </a:t>
+            </a:r>
+            <a:r>
+              <a:rPr lang="de-DE" b="0" dirty="0" err="1"/>
+              <a:t>to</a:t>
+            </a:r>
+            <a:r>
+              <a:rPr lang="de-DE" b="0" dirty="0"/>
+              <a:t> </a:t>
+            </a:r>
+            <a:r>
+              <a:rPr lang="de-DE" b="0" dirty="0" err="1"/>
+              <a:t>measure</a:t>
+            </a:r>
+            <a:endParaRPr lang="de-DE" b="0" dirty="0"/>
+          </a:p>
+          <a:p>
+            <a:pPr marL="285750" lvl="0" indent="-285750" algn="l" rtl="0">
+              <a:spcBef>
+                <a:spcPts val="500"/>
+              </a:spcBef>
+              <a:spcAft>
+                <a:spcPts val="0"/>
+              </a:spcAft>
+              <a:buFont typeface="Arial" panose="020B0604020202020204" pitchFamily="34" charset="0"/>
+              <a:buChar char="•"/>
+            </a:pPr>
+            <a:r>
+              <a:rPr lang="en-US" b="0" dirty="0"/>
+              <a:t>Short-term profit maximization is often seen as more important than long-term emissions reduction</a:t>
+            </a:r>
+            <a:endParaRPr lang="de-DE" b="0" dirty="0"/>
+          </a:p>
+          <a:p>
+            <a:pPr marL="0" lvl="0" indent="0" algn="l" rtl="0">
+              <a:spcBef>
+                <a:spcPts val="500"/>
+              </a:spcBef>
+              <a:spcAft>
+                <a:spcPts val="0"/>
+              </a:spcAft>
+            </a:pPr>
+            <a:r>
+              <a:rPr lang="de-DE" b="0" dirty="0"/>
+              <a:t>BUT: </a:t>
+            </a:r>
+            <a:r>
+              <a:rPr lang="en-US" b="0" dirty="0"/>
+              <a:t>No climate protection is more expensive in the long term than introducing appropriate measures to reduce emissions</a:t>
+            </a:r>
+            <a:endParaRPr lang="de-DE" b="0" dirty="0"/>
+          </a:p>
+          <a:p>
+            <a:pPr marL="0" lvl="0" indent="0" algn="l" rtl="0">
+              <a:spcBef>
+                <a:spcPts val="500"/>
+              </a:spcBef>
+              <a:spcAft>
+                <a:spcPts val="0"/>
+              </a:spcAft>
+            </a:pPr>
+            <a:endParaRPr dirty="0"/>
+          </a:p>
+        </p:txBody>
+      </p:sp>
+      <p:sp>
+        <p:nvSpPr>
+          <p:cNvPr id="71" name="Google Shape;71;gb9e2de6e95_0_1"/>
+          <p:cNvSpPr txBox="1">
+            <a:spLocks noGrp="1"/>
+          </p:cNvSpPr>
+          <p:nvPr>
+            <p:ph type="title"/>
+          </p:nvPr>
+        </p:nvSpPr>
+        <p:spPr>
+          <a:xfrm>
+            <a:off x="696000" y="637107"/>
+            <a:ext cx="9020100" cy="392400"/>
+          </a:xfrm>
+          <a:prstGeom prst="rect">
+            <a:avLst/>
+          </a:prstGeom>
+        </p:spPr>
+        <p:txBody>
+          <a:bodyPr spcFirstLastPara="1" wrap="square" lIns="0" tIns="0" rIns="0" bIns="0" anchor="b" anchorCtr="0">
+            <a:noAutofit/>
+          </a:bodyPr>
+          <a:lstStyle/>
+          <a:p>
+            <a:pPr marL="0" lvl="0" indent="0" algn="l" rtl="0">
+              <a:spcBef>
+                <a:spcPts val="0"/>
+              </a:spcBef>
+              <a:spcAft>
+                <a:spcPts val="0"/>
+              </a:spcAft>
+              <a:buNone/>
+            </a:pPr>
+            <a:r>
+              <a:rPr lang="de-DE" dirty="0"/>
+              <a:t>1. Motivation</a:t>
+            </a:r>
+            <a:endParaRPr dirty="0"/>
+          </a:p>
+        </p:txBody>
+      </p:sp>
+    </p:spTree>
+    <p:extLst>
+      <p:ext uri="{BB962C8B-B14F-4D97-AF65-F5344CB8AC3E}">
+        <p14:creationId xmlns:p14="http://schemas.microsoft.com/office/powerpoint/2010/main" val="1512319246"/>
+      </p:ext>
+    </p:extLst>
+  </p:cSld>
+  <p:clrMapOvr>
+    <a:masterClrMapping/>
+  </p:clrMapOvr>
+</p:sld>
+</file>
+
+<file path=ppt/slides/slide8.xml><?xml version="1.0" encoding="utf-8"?>
+<p:sld xmlns:a="http://schemas.openxmlformats.org/drawingml/2006/main" xmlns:r="http://schemas.openxmlformats.org/officeDocument/2006/relationships" xmlns:p="http://schemas.openxmlformats.org/presentationml/2006/main" show="0">
   <p:cSld>
     <p:spTree>
       <p:nvGrpSpPr>
@@ -8255,8 +10981,8 @@
 </p:sld>
 </file>
 
-<file path=ppt/slides/slide4.xml><?xml version="1.0" encoding="utf-8"?>
-<p:sld xmlns:a="http://schemas.openxmlformats.org/drawingml/2006/main" xmlns:r="http://schemas.openxmlformats.org/officeDocument/2006/relationships" xmlns:p="http://schemas.openxmlformats.org/presentationml/2006/main">
+<file path=ppt/slides/slide9.xml><?xml version="1.0" encoding="utf-8"?>
+<p:sld xmlns:a="http://schemas.openxmlformats.org/drawingml/2006/main" xmlns:r="http://schemas.openxmlformats.org/officeDocument/2006/relationships" xmlns:p="http://schemas.openxmlformats.org/presentationml/2006/main" show="0">
   <p:cSld>
     <p:spTree>
       <p:nvGrpSpPr>
@@ -8828,260 +11554,6 @@
     <p:extLst>
       <p:ext uri="{BB962C8B-B14F-4D97-AF65-F5344CB8AC3E}">
         <p14:creationId xmlns:p14="http://schemas.microsoft.com/office/powerpoint/2010/main" val="1465616488"/>
-      </p:ext>
-    </p:extLst>
-  </p:cSld>
-  <p:clrMapOvr>
-    <a:masterClrMapping/>
-  </p:clrMapOvr>
-</p:sld>
-</file>
-
-<file path=ppt/slides/slide5.xml><?xml version="1.0" encoding="utf-8"?>
-<p:sld xmlns:a="http://schemas.openxmlformats.org/drawingml/2006/main" xmlns:r="http://schemas.openxmlformats.org/officeDocument/2006/relationships" xmlns:p="http://schemas.openxmlformats.org/presentationml/2006/main">
-  <p:cSld>
-    <p:spTree>
-      <p:nvGrpSpPr>
-        <p:cNvPr id="1" name="Shape 69"/>
-        <p:cNvGrpSpPr/>
-        <p:nvPr/>
-      </p:nvGrpSpPr>
-      <p:grpSpPr>
-        <a:xfrm>
-          <a:off x="0" y="0"/>
-          <a:ext cx="0" cy="0"/>
-          <a:chOff x="0" y="0"/>
-          <a:chExt cx="0" cy="0"/>
-        </a:xfrm>
-      </p:grpSpPr>
-      <p:sp>
-        <p:nvSpPr>
-          <p:cNvPr id="70" name="Google Shape;70;gb9e2de6e95_0_1"/>
-          <p:cNvSpPr txBox="1">
-            <a:spLocks noGrp="1"/>
-          </p:cNvSpPr>
-          <p:nvPr>
-            <p:ph type="body" idx="1"/>
-          </p:nvPr>
-        </p:nvSpPr>
-        <p:spPr>
-          <a:xfrm>
-            <a:off x="696000" y="1274422"/>
-            <a:ext cx="10800000" cy="5040000"/>
-          </a:xfrm>
-          <a:prstGeom prst="rect">
-            <a:avLst/>
-          </a:prstGeom>
-        </p:spPr>
-        <p:txBody>
-          <a:bodyPr spcFirstLastPara="1" wrap="square" lIns="0" tIns="0" rIns="0" bIns="0" anchor="t" anchorCtr="0">
-            <a:noAutofit/>
-          </a:bodyPr>
-          <a:lstStyle/>
-          <a:p>
-            <a:pPr marL="0" lvl="0" indent="0" algn="l" rtl="0">
-              <a:spcBef>
-                <a:spcPts val="500"/>
-              </a:spcBef>
-              <a:spcAft>
-                <a:spcPts val="0"/>
-              </a:spcAft>
-              <a:buNone/>
-            </a:pPr>
-            <a:r>
-              <a:rPr lang="en-US" b="0" dirty="0"/>
-              <a:t>Jagtap, Sandeep &amp; Garcia-Garcia, Guillermo &amp; </a:t>
-            </a:r>
-            <a:r>
-              <a:rPr lang="en-US" b="0" dirty="0" err="1"/>
-              <a:t>Rahimifard</a:t>
-            </a:r>
-            <a:r>
-              <a:rPr lang="en-US" b="0" dirty="0"/>
-              <a:t>, Shahin. (2021). </a:t>
-            </a:r>
-            <a:r>
-              <a:rPr lang="en-US" dirty="0" err="1"/>
-              <a:t>Optimisation</a:t>
-            </a:r>
-            <a:r>
-              <a:rPr lang="en-US" dirty="0"/>
-              <a:t> of the resource efficiency of food manufacturing via the Internet of Things</a:t>
-            </a:r>
-            <a:r>
-              <a:rPr lang="en-US" b="0" dirty="0"/>
-              <a:t>. Computers in Industry. 127. 10.1016/j.compind.2021.103397. </a:t>
-            </a:r>
-          </a:p>
-          <a:p>
-            <a:pPr marL="0" lvl="0" indent="0" algn="l" rtl="0">
-              <a:spcBef>
-                <a:spcPts val="500"/>
-              </a:spcBef>
-              <a:spcAft>
-                <a:spcPts val="0"/>
-              </a:spcAft>
-              <a:buNone/>
-            </a:pPr>
-            <a:endParaRPr lang="en-US" b="0" dirty="0"/>
-          </a:p>
-          <a:p>
-            <a:pPr marL="285750" lvl="0" indent="-285750" algn="l" rtl="0">
-              <a:spcBef>
-                <a:spcPts val="500"/>
-              </a:spcBef>
-              <a:spcAft>
-                <a:spcPts val="0"/>
-              </a:spcAft>
-              <a:buFont typeface="Arial" panose="020B0604020202020204" pitchFamily="34" charset="0"/>
-              <a:buChar char="•"/>
-            </a:pPr>
-            <a:r>
-              <a:rPr lang="en-US" b="0" dirty="0"/>
-              <a:t>inefficient food supply chain, large amount of food waste, volumes of water and energy used</a:t>
-            </a:r>
-          </a:p>
-          <a:p>
-            <a:pPr marL="285750" lvl="0" indent="-285750" algn="l" rtl="0">
-              <a:spcBef>
-                <a:spcPts val="500"/>
-              </a:spcBef>
-              <a:spcAft>
-                <a:spcPts val="0"/>
-              </a:spcAft>
-              <a:buFont typeface="Arial" panose="020B0604020202020204" pitchFamily="34" charset="0"/>
-              <a:buChar char="•"/>
-            </a:pPr>
-            <a:r>
-              <a:rPr lang="en-US" b="0" dirty="0"/>
-              <a:t>stricter regulations on the disposal and treatment of food waste, carbon emissions and wastewater discharge</a:t>
-            </a:r>
-          </a:p>
-          <a:p>
-            <a:pPr marL="285750" lvl="0" indent="-285750" algn="l" rtl="0">
-              <a:spcBef>
-                <a:spcPts val="500"/>
-              </a:spcBef>
-              <a:spcAft>
-                <a:spcPts val="0"/>
-              </a:spcAft>
-              <a:buFont typeface="Arial" panose="020B0604020202020204" pitchFamily="34" charset="0"/>
-              <a:buChar char="•"/>
-            </a:pPr>
-            <a:r>
-              <a:rPr lang="en-US" b="0" dirty="0"/>
-              <a:t>accurate real-time monitoring </a:t>
-            </a:r>
-            <a:r>
-              <a:rPr lang="en-US" b="0" dirty="0">
-                <a:sym typeface="Wingdings" panose="05000000000000000000" pitchFamily="2" charset="2"/>
-              </a:rPr>
-              <a:t> help food manufacturers to redesign their processes</a:t>
-            </a:r>
-          </a:p>
-          <a:p>
-            <a:pPr marL="285750" lvl="0" indent="-285750" algn="l" rtl="0">
-              <a:spcBef>
-                <a:spcPts val="500"/>
-              </a:spcBef>
-              <a:spcAft>
-                <a:spcPts val="0"/>
-              </a:spcAft>
-              <a:buFont typeface="Arial" panose="020B0604020202020204" pitchFamily="34" charset="0"/>
-              <a:buChar char="•"/>
-            </a:pPr>
-            <a:r>
-              <a:rPr lang="en-US" b="0" dirty="0"/>
-              <a:t>Paper presents:</a:t>
-            </a:r>
-            <a:br>
-              <a:rPr lang="en-US" b="0" dirty="0"/>
-            </a:br>
-            <a:r>
-              <a:rPr lang="en-US" dirty="0"/>
-              <a:t>IoT-based framework for monitoring the generation of food waste and the use of energy and water in the food sector</a:t>
-            </a:r>
-          </a:p>
-        </p:txBody>
-      </p:sp>
-      <p:sp>
-        <p:nvSpPr>
-          <p:cNvPr id="71" name="Google Shape;71;gb9e2de6e95_0_1"/>
-          <p:cNvSpPr txBox="1">
-            <a:spLocks noGrp="1"/>
-          </p:cNvSpPr>
-          <p:nvPr>
-            <p:ph type="title"/>
-          </p:nvPr>
-        </p:nvSpPr>
-        <p:spPr>
-          <a:xfrm>
-            <a:off x="696000" y="637107"/>
-            <a:ext cx="9020100" cy="392400"/>
-          </a:xfrm>
-          <a:prstGeom prst="rect">
-            <a:avLst/>
-          </a:prstGeom>
-        </p:spPr>
-        <p:txBody>
-          <a:bodyPr spcFirstLastPara="1" wrap="square" lIns="0" tIns="0" rIns="0" bIns="0" anchor="b" anchorCtr="0">
-            <a:noAutofit/>
-          </a:bodyPr>
-          <a:lstStyle/>
-          <a:p>
-            <a:pPr marL="0" lvl="0" indent="0" algn="l" rtl="0">
-              <a:spcBef>
-                <a:spcPts val="0"/>
-              </a:spcBef>
-              <a:spcAft>
-                <a:spcPts val="0"/>
-              </a:spcAft>
-              <a:buNone/>
-            </a:pPr>
-            <a:r>
-              <a:rPr lang="de-DE" sz="2800" dirty="0"/>
-              <a:t>4. Focus on a </a:t>
-            </a:r>
-            <a:r>
-              <a:rPr lang="de-DE" sz="2800" dirty="0" err="1"/>
-              <a:t>particular</a:t>
-            </a:r>
-            <a:r>
-              <a:rPr lang="de-DE" sz="2800" dirty="0"/>
-              <a:t> </a:t>
-            </a:r>
-            <a:r>
-              <a:rPr lang="de-DE" sz="2800" dirty="0" err="1"/>
-              <a:t>solution</a:t>
-            </a:r>
-            <a:r>
-              <a:rPr lang="de-DE" sz="2800" dirty="0"/>
-              <a:t> („</a:t>
-            </a:r>
-            <a:r>
-              <a:rPr lang="de-DE" sz="2800" dirty="0" err="1"/>
-              <a:t>depth</a:t>
-            </a:r>
-            <a:r>
-              <a:rPr lang="de-DE" sz="2800" dirty="0"/>
-              <a:t>“ </a:t>
-            </a:r>
-            <a:r>
-              <a:rPr lang="de-DE" sz="2800" dirty="0" err="1"/>
-              <a:t>coverage</a:t>
-            </a:r>
-            <a:r>
-              <a:rPr lang="de-DE" sz="2800" dirty="0"/>
-              <a:t>)</a:t>
-            </a:r>
-            <a:endParaRPr sz="2800" dirty="0"/>
-          </a:p>
-        </p:txBody>
-      </p:sp>
-    </p:spTree>
-    <p:extLst>
-      <p:ext uri="{BB962C8B-B14F-4D97-AF65-F5344CB8AC3E}">
-        <p14:creationId xmlns:p14="http://schemas.microsoft.com/office/powerpoint/2010/main" val="3819392064"/>
       </p:ext>
     </p:extLst>
   </p:cSld>

--- a/IoT final presentation.pptx
+++ b/IoT final presentation.pptx
@@ -280,10 +280,3745 @@
       </p15:notesGuideLst>
     </p:ext>
     <p:ext uri="http://customooxmlschemas.google.com/">
-      <go:slidesCustomData xmlns="" xmlns:mc="http://schemas.openxmlformats.org/markup-compatibility/2006" xmlns:mv="urn:schemas-microsoft-com:mac:vml" xmlns:c="http://schemas.openxmlformats.org/drawingml/2006/chart" xmlns:dgm="http://schemas.openxmlformats.org/drawingml/2006/diagram" xmlns:o="urn:schemas-microsoft-com:office:office" xmlns:v="urn:schemas-microsoft-com:vml" xmlns:pvml="urn:schemas-microsoft-com:office:powerpoint" xmlns:com="http://schemas.openxmlformats.org/drawingml/2006/compatibility" xmlns:p14="http://schemas.microsoft.com/office/powerpoint/2010/main" xmlns:p15="http://schemas.microsoft.com/office/powerpoint/2012/main" xmlns:ahyp="http://schemas.microsoft.com/office/drawing/2018/hyperlinkcolor" xmlns:go="http://customooxmlschemas.google.com/" r:id="rId13" roundtripDataSignature="AMtx7mhIVCKhCGkd0QHfOARwTtCSWg78Gg=="/>
+      <go:slidesCustomData xmlns="" xmlns:mc="http://schemas.openxmlformats.org/markup-compatibility/2006" xmlns:mv="urn:schemas-microsoft-com:mac:vml" xmlns:c="http://schemas.openxmlformats.org/drawingml/2006/chart" xmlns:dgm="http://schemas.openxmlformats.org/drawingml/2006/diagram" xmlns:o="urn:schemas-microsoft-com:office:office" xmlns:v="urn:schemas-microsoft-com:vml" xmlns:pvml="urn:schemas-microsoft-com:office:powerpoint" xmlns:com="http://schemas.openxmlformats.org/drawingml/2006/compatibility" xmlns:p14="http://schemas.microsoft.com/office/powerpoint/2010/main" xmlns:p15="http://schemas.microsoft.com/office/powerpoint/2012/main" xmlns:ahyp="http://schemas.microsoft.com/office/drawing/2018/hyperlinkcolor" xmlns:go="http://customooxmlschemas.google.com/" r:id="rId14" roundtripDataSignature="AMtx7mhIVCKhCGkd0QHfOARwTtCSWg78Gg=="/>
     </p:ext>
   </p:extLst>
 </p:presentation>
+</file>
+
+<file path=ppt/diagrams/colors1.xml><?xml version="1.0" encoding="utf-8"?>
+<dgm:colorsDef xmlns:dgm="http://schemas.openxmlformats.org/drawingml/2006/diagram" xmlns:a="http://schemas.openxmlformats.org/drawingml/2006/main" uniqueId="urn:microsoft.com/office/officeart/2005/8/colors/accent1_2">
+  <dgm:title val=""/>
+  <dgm:desc val=""/>
+  <dgm:catLst>
+    <dgm:cat type="accent1" pri="11200"/>
+  </dgm:catLst>
+  <dgm:styleLbl name="node0">
+    <dgm:fillClrLst meth="repeat">
+      <a:schemeClr val="accent1"/>
+    </dgm:fillClrLst>
+    <dgm:linClrLst meth="repeat">
+      <a:schemeClr val="lt1"/>
+    </dgm:linClrLst>
+    <dgm:effectClrLst/>
+    <dgm:txLinClrLst/>
+    <dgm:txFillClrLst/>
+    <dgm:txEffectClrLst/>
+  </dgm:styleLbl>
+  <dgm:styleLbl name="alignNode1">
+    <dgm:fillClrLst meth="repeat">
+      <a:schemeClr val="accent1"/>
+    </dgm:fillClrLst>
+    <dgm:linClrLst meth="repeat">
+      <a:schemeClr val="accent1"/>
+    </dgm:linClrLst>
+    <dgm:effectClrLst/>
+    <dgm:txLinClrLst/>
+    <dgm:txFillClrLst/>
+    <dgm:txEffectClrLst/>
+  </dgm:styleLbl>
+  <dgm:styleLbl name="node1">
+    <dgm:fillClrLst meth="repeat">
+      <a:schemeClr val="accent1"/>
+    </dgm:fillClrLst>
+    <dgm:linClrLst meth="repeat">
+      <a:schemeClr val="lt1"/>
+    </dgm:linClrLst>
+    <dgm:effectClrLst/>
+    <dgm:txLinClrLst/>
+    <dgm:txFillClrLst/>
+    <dgm:txEffectClrLst/>
+  </dgm:styleLbl>
+  <dgm:styleLbl name="lnNode1">
+    <dgm:fillClrLst meth="repeat">
+      <a:schemeClr val="accent1"/>
+    </dgm:fillClrLst>
+    <dgm:linClrLst meth="repeat">
+      <a:schemeClr val="lt1"/>
+    </dgm:linClrLst>
+    <dgm:effectClrLst/>
+    <dgm:txLinClrLst/>
+    <dgm:txFillClrLst/>
+    <dgm:txEffectClrLst/>
+  </dgm:styleLbl>
+  <dgm:styleLbl name="vennNode1">
+    <dgm:fillClrLst meth="repeat">
+      <a:schemeClr val="accent1">
+        <a:alpha val="50000"/>
+      </a:schemeClr>
+    </dgm:fillClrLst>
+    <dgm:linClrLst meth="repeat">
+      <a:schemeClr val="lt1"/>
+    </dgm:linClrLst>
+    <dgm:effectClrLst/>
+    <dgm:txLinClrLst/>
+    <dgm:txFillClrLst/>
+    <dgm:txEffectClrLst/>
+  </dgm:styleLbl>
+  <dgm:styleLbl name="node2">
+    <dgm:fillClrLst meth="repeat">
+      <a:schemeClr val="accent1"/>
+    </dgm:fillClrLst>
+    <dgm:linClrLst meth="repeat">
+      <a:schemeClr val="lt1"/>
+    </dgm:linClrLst>
+    <dgm:effectClrLst/>
+    <dgm:txLinClrLst/>
+    <dgm:txFillClrLst/>
+    <dgm:txEffectClrLst/>
+  </dgm:styleLbl>
+  <dgm:styleLbl name="node3">
+    <dgm:fillClrLst meth="repeat">
+      <a:schemeClr val="accent1"/>
+    </dgm:fillClrLst>
+    <dgm:linClrLst meth="repeat">
+      <a:schemeClr val="lt1"/>
+    </dgm:linClrLst>
+    <dgm:effectClrLst/>
+    <dgm:txLinClrLst/>
+    <dgm:txFillClrLst/>
+    <dgm:txEffectClrLst/>
+  </dgm:styleLbl>
+  <dgm:styleLbl name="node4">
+    <dgm:fillClrLst meth="repeat">
+      <a:schemeClr val="accent1"/>
+    </dgm:fillClrLst>
+    <dgm:linClrLst meth="repeat">
+      <a:schemeClr val="lt1"/>
+    </dgm:linClrLst>
+    <dgm:effectClrLst/>
+    <dgm:txLinClrLst/>
+    <dgm:txFillClrLst/>
+    <dgm:txEffectClrLst/>
+  </dgm:styleLbl>
+  <dgm:styleLbl name="fgImgPlace1">
+    <dgm:fillClrLst meth="repeat">
+      <a:schemeClr val="accent1">
+        <a:tint val="50000"/>
+      </a:schemeClr>
+    </dgm:fillClrLst>
+    <dgm:linClrLst meth="repeat">
+      <a:schemeClr val="lt1"/>
+    </dgm:linClrLst>
+    <dgm:effectClrLst/>
+    <dgm:txLinClrLst/>
+    <dgm:txFillClrLst meth="repeat">
+      <a:schemeClr val="lt1"/>
+    </dgm:txFillClrLst>
+    <dgm:txEffectClrLst/>
+  </dgm:styleLbl>
+  <dgm:styleLbl name="alignImgPlace1">
+    <dgm:fillClrLst meth="repeat">
+      <a:schemeClr val="accent1">
+        <a:tint val="50000"/>
+      </a:schemeClr>
+    </dgm:fillClrLst>
+    <dgm:linClrLst meth="repeat">
+      <a:schemeClr val="lt1"/>
+    </dgm:linClrLst>
+    <dgm:effectClrLst/>
+    <dgm:txLinClrLst/>
+    <dgm:txFillClrLst meth="repeat">
+      <a:schemeClr val="lt1"/>
+    </dgm:txFillClrLst>
+    <dgm:txEffectClrLst/>
+  </dgm:styleLbl>
+  <dgm:styleLbl name="bgImgPlace1">
+    <dgm:fillClrLst meth="repeat">
+      <a:schemeClr val="accent1">
+        <a:tint val="50000"/>
+      </a:schemeClr>
+    </dgm:fillClrLst>
+    <dgm:linClrLst meth="repeat">
+      <a:schemeClr val="lt1"/>
+    </dgm:linClrLst>
+    <dgm:effectClrLst/>
+    <dgm:txLinClrLst/>
+    <dgm:txFillClrLst meth="repeat">
+      <a:schemeClr val="lt1"/>
+    </dgm:txFillClrLst>
+    <dgm:txEffectClrLst/>
+  </dgm:styleLbl>
+  <dgm:styleLbl name="sibTrans2D1">
+    <dgm:fillClrLst meth="repeat">
+      <a:schemeClr val="accent1">
+        <a:tint val="60000"/>
+      </a:schemeClr>
+    </dgm:fillClrLst>
+    <dgm:linClrLst meth="repeat">
+      <a:schemeClr val="accent1">
+        <a:tint val="60000"/>
+      </a:schemeClr>
+    </dgm:linClrLst>
+    <dgm:effectClrLst/>
+    <dgm:txLinClrLst/>
+    <dgm:txFillClrLst/>
+    <dgm:txEffectClrLst/>
+  </dgm:styleLbl>
+  <dgm:styleLbl name="fgSibTrans2D1">
+    <dgm:fillClrLst meth="repeat">
+      <a:schemeClr val="accent1">
+        <a:tint val="60000"/>
+      </a:schemeClr>
+    </dgm:fillClrLst>
+    <dgm:linClrLst meth="repeat">
+      <a:schemeClr val="accent1">
+        <a:tint val="60000"/>
+      </a:schemeClr>
+    </dgm:linClrLst>
+    <dgm:effectClrLst/>
+    <dgm:txLinClrLst/>
+    <dgm:txFillClrLst/>
+    <dgm:txEffectClrLst/>
+  </dgm:styleLbl>
+  <dgm:styleLbl name="bgSibTrans2D1">
+    <dgm:fillClrLst meth="repeat">
+      <a:schemeClr val="accent1">
+        <a:tint val="60000"/>
+      </a:schemeClr>
+    </dgm:fillClrLst>
+    <dgm:linClrLst meth="repeat">
+      <a:schemeClr val="accent1">
+        <a:tint val="60000"/>
+      </a:schemeClr>
+    </dgm:linClrLst>
+    <dgm:effectClrLst/>
+    <dgm:txLinClrLst/>
+    <dgm:txFillClrLst/>
+    <dgm:txEffectClrLst/>
+  </dgm:styleLbl>
+  <dgm:styleLbl name="sibTrans1D1">
+    <dgm:fillClrLst meth="repeat">
+      <a:schemeClr val="accent1"/>
+    </dgm:fillClrLst>
+    <dgm:linClrLst meth="repeat">
+      <a:schemeClr val="accent1"/>
+    </dgm:linClrLst>
+    <dgm:effectClrLst/>
+    <dgm:txLinClrLst/>
+    <dgm:txFillClrLst meth="repeat">
+      <a:schemeClr val="tx1"/>
+    </dgm:txFillClrLst>
+    <dgm:txEffectClrLst/>
+  </dgm:styleLbl>
+  <dgm:styleLbl name="callout">
+    <dgm:fillClrLst meth="repeat">
+      <a:schemeClr val="accent1"/>
+    </dgm:fillClrLst>
+    <dgm:linClrLst meth="repeat">
+      <a:schemeClr val="accent1">
+        <a:tint val="50000"/>
+      </a:schemeClr>
+    </dgm:linClrLst>
+    <dgm:effectClrLst/>
+    <dgm:txLinClrLst/>
+    <dgm:txFillClrLst meth="repeat">
+      <a:schemeClr val="tx1"/>
+    </dgm:txFillClrLst>
+    <dgm:txEffectClrLst/>
+  </dgm:styleLbl>
+  <dgm:styleLbl name="asst0">
+    <dgm:fillClrLst meth="repeat">
+      <a:schemeClr val="accent1"/>
+    </dgm:fillClrLst>
+    <dgm:linClrLst meth="repeat">
+      <a:schemeClr val="lt1"/>
+    </dgm:linClrLst>
+    <dgm:effectClrLst/>
+    <dgm:txLinClrLst/>
+    <dgm:txFillClrLst/>
+    <dgm:txEffectClrLst/>
+  </dgm:styleLbl>
+  <dgm:styleLbl name="asst1">
+    <dgm:fillClrLst meth="repeat">
+      <a:schemeClr val="accent1"/>
+    </dgm:fillClrLst>
+    <dgm:linClrLst meth="repeat">
+      <a:schemeClr val="lt1"/>
+    </dgm:linClrLst>
+    <dgm:effectClrLst/>
+    <dgm:txLinClrLst/>
+    <dgm:txFillClrLst/>
+    <dgm:txEffectClrLst/>
+  </dgm:styleLbl>
+  <dgm:styleLbl name="asst2">
+    <dgm:fillClrLst meth="repeat">
+      <a:schemeClr val="accent1"/>
+    </dgm:fillClrLst>
+    <dgm:linClrLst meth="repeat">
+      <a:schemeClr val="lt1"/>
+    </dgm:linClrLst>
+    <dgm:effectClrLst/>
+    <dgm:txLinClrLst/>
+    <dgm:txFillClrLst/>
+    <dgm:txEffectClrLst/>
+  </dgm:styleLbl>
+  <dgm:styleLbl name="asst3">
+    <dgm:fillClrLst meth="repeat">
+      <a:schemeClr val="accent1"/>
+    </dgm:fillClrLst>
+    <dgm:linClrLst meth="repeat">
+      <a:schemeClr val="lt1"/>
+    </dgm:linClrLst>
+    <dgm:effectClrLst/>
+    <dgm:txLinClrLst/>
+    <dgm:txFillClrLst/>
+    <dgm:txEffectClrLst/>
+  </dgm:styleLbl>
+  <dgm:styleLbl name="asst4">
+    <dgm:fillClrLst meth="repeat">
+      <a:schemeClr val="accent1"/>
+    </dgm:fillClrLst>
+    <dgm:linClrLst meth="repeat">
+      <a:schemeClr val="lt1"/>
+    </dgm:linClrLst>
+    <dgm:effectClrLst/>
+    <dgm:txLinClrLst/>
+    <dgm:txFillClrLst/>
+    <dgm:txEffectClrLst/>
+  </dgm:styleLbl>
+  <dgm:styleLbl name="parChTrans2D1">
+    <dgm:fillClrLst meth="repeat">
+      <a:schemeClr val="accent1">
+        <a:tint val="60000"/>
+      </a:schemeClr>
+    </dgm:fillClrLst>
+    <dgm:linClrLst meth="repeat">
+      <a:schemeClr val="accent1">
+        <a:tint val="60000"/>
+      </a:schemeClr>
+    </dgm:linClrLst>
+    <dgm:effectClrLst/>
+    <dgm:txLinClrLst/>
+    <dgm:txFillClrLst meth="repeat">
+      <a:schemeClr val="lt1"/>
+    </dgm:txFillClrLst>
+    <dgm:txEffectClrLst/>
+  </dgm:styleLbl>
+  <dgm:styleLbl name="parChTrans2D2">
+    <dgm:fillClrLst meth="repeat">
+      <a:schemeClr val="accent1"/>
+    </dgm:fillClrLst>
+    <dgm:linClrLst meth="repeat">
+      <a:schemeClr val="accent1"/>
+    </dgm:linClrLst>
+    <dgm:effectClrLst/>
+    <dgm:txLinClrLst/>
+    <dgm:txFillClrLst meth="repeat">
+      <a:schemeClr val="lt1"/>
+    </dgm:txFillClrLst>
+    <dgm:txEffectClrLst/>
+  </dgm:styleLbl>
+  <dgm:styleLbl name="parChTrans2D3">
+    <dgm:fillClrLst meth="repeat">
+      <a:schemeClr val="accent1"/>
+    </dgm:fillClrLst>
+    <dgm:linClrLst meth="repeat">
+      <a:schemeClr val="accent1"/>
+    </dgm:linClrLst>
+    <dgm:effectClrLst/>
+    <dgm:txLinClrLst/>
+    <dgm:txFillClrLst meth="repeat">
+      <a:schemeClr val="lt1"/>
+    </dgm:txFillClrLst>
+    <dgm:txEffectClrLst/>
+  </dgm:styleLbl>
+  <dgm:styleLbl name="parChTrans2D4">
+    <dgm:fillClrLst meth="repeat">
+      <a:schemeClr val="accent1"/>
+    </dgm:fillClrLst>
+    <dgm:linClrLst meth="repeat">
+      <a:schemeClr val="accent1"/>
+    </dgm:linClrLst>
+    <dgm:effectClrLst/>
+    <dgm:txLinClrLst/>
+    <dgm:txFillClrLst meth="repeat">
+      <a:schemeClr val="lt1"/>
+    </dgm:txFillClrLst>
+    <dgm:txEffectClrLst/>
+  </dgm:styleLbl>
+  <dgm:styleLbl name="parChTrans1D1">
+    <dgm:fillClrLst meth="repeat">
+      <a:schemeClr val="accent1"/>
+    </dgm:fillClrLst>
+    <dgm:linClrLst meth="repeat">
+      <a:schemeClr val="accent1">
+        <a:shade val="60000"/>
+      </a:schemeClr>
+    </dgm:linClrLst>
+    <dgm:effectClrLst/>
+    <dgm:txLinClrLst/>
+    <dgm:txFillClrLst meth="repeat">
+      <a:schemeClr val="tx1"/>
+    </dgm:txFillClrLst>
+    <dgm:txEffectClrLst/>
+  </dgm:styleLbl>
+  <dgm:styleLbl name="parChTrans1D2">
+    <dgm:fillClrLst meth="repeat">
+      <a:schemeClr val="accent1"/>
+    </dgm:fillClrLst>
+    <dgm:linClrLst meth="repeat">
+      <a:schemeClr val="accent1">
+        <a:shade val="60000"/>
+      </a:schemeClr>
+    </dgm:linClrLst>
+    <dgm:effectClrLst/>
+    <dgm:txLinClrLst/>
+    <dgm:txFillClrLst meth="repeat">
+      <a:schemeClr val="tx1"/>
+    </dgm:txFillClrLst>
+    <dgm:txEffectClrLst/>
+  </dgm:styleLbl>
+  <dgm:styleLbl name="parChTrans1D3">
+    <dgm:fillClrLst meth="repeat">
+      <a:schemeClr val="accent1"/>
+    </dgm:fillClrLst>
+    <dgm:linClrLst meth="repeat">
+      <a:schemeClr val="accent1">
+        <a:shade val="80000"/>
+      </a:schemeClr>
+    </dgm:linClrLst>
+    <dgm:effectClrLst/>
+    <dgm:txLinClrLst/>
+    <dgm:txFillClrLst meth="repeat">
+      <a:schemeClr val="tx1"/>
+    </dgm:txFillClrLst>
+    <dgm:txEffectClrLst/>
+  </dgm:styleLbl>
+  <dgm:styleLbl name="parChTrans1D4">
+    <dgm:fillClrLst meth="repeat">
+      <a:schemeClr val="accent1"/>
+    </dgm:fillClrLst>
+    <dgm:linClrLst meth="repeat">
+      <a:schemeClr val="accent1">
+        <a:shade val="80000"/>
+      </a:schemeClr>
+    </dgm:linClrLst>
+    <dgm:effectClrLst/>
+    <dgm:txLinClrLst/>
+    <dgm:txFillClrLst meth="repeat">
+      <a:schemeClr val="tx1"/>
+    </dgm:txFillClrLst>
+    <dgm:txEffectClrLst/>
+  </dgm:styleLbl>
+  <dgm:styleLbl name="fgAcc1">
+    <dgm:fillClrLst meth="repeat">
+      <a:schemeClr val="lt1">
+        <a:alpha val="90000"/>
+      </a:schemeClr>
+    </dgm:fillClrLst>
+    <dgm:linClrLst meth="repeat">
+      <a:schemeClr val="accent1"/>
+    </dgm:linClrLst>
+    <dgm:effectClrLst/>
+    <dgm:txLinClrLst/>
+    <dgm:txFillClrLst meth="repeat">
+      <a:schemeClr val="dk1"/>
+    </dgm:txFillClrLst>
+    <dgm:txEffectClrLst/>
+  </dgm:styleLbl>
+  <dgm:styleLbl name="conFgAcc1">
+    <dgm:fillClrLst meth="repeat">
+      <a:schemeClr val="lt1">
+        <a:alpha val="90000"/>
+      </a:schemeClr>
+    </dgm:fillClrLst>
+    <dgm:linClrLst meth="repeat">
+      <a:schemeClr val="accent1"/>
+    </dgm:linClrLst>
+    <dgm:effectClrLst/>
+    <dgm:txLinClrLst/>
+    <dgm:txFillClrLst meth="repeat">
+      <a:schemeClr val="dk1"/>
+    </dgm:txFillClrLst>
+    <dgm:txEffectClrLst/>
+  </dgm:styleLbl>
+  <dgm:styleLbl name="alignAcc1">
+    <dgm:fillClrLst meth="repeat">
+      <a:schemeClr val="lt1">
+        <a:alpha val="90000"/>
+      </a:schemeClr>
+    </dgm:fillClrLst>
+    <dgm:linClrLst meth="repeat">
+      <a:schemeClr val="accent1"/>
+    </dgm:linClrLst>
+    <dgm:effectClrLst/>
+    <dgm:txLinClrLst/>
+    <dgm:txFillClrLst meth="repeat">
+      <a:schemeClr val="dk1"/>
+    </dgm:txFillClrLst>
+    <dgm:txEffectClrLst/>
+  </dgm:styleLbl>
+  <dgm:styleLbl name="trAlignAcc1">
+    <dgm:fillClrLst meth="repeat">
+      <a:schemeClr val="lt1">
+        <a:alpha val="40000"/>
+      </a:schemeClr>
+    </dgm:fillClrLst>
+    <dgm:linClrLst meth="repeat">
+      <a:schemeClr val="accent1"/>
+    </dgm:linClrLst>
+    <dgm:effectClrLst/>
+    <dgm:txLinClrLst/>
+    <dgm:txFillClrLst meth="repeat">
+      <a:schemeClr val="dk1"/>
+    </dgm:txFillClrLst>
+    <dgm:txEffectClrLst/>
+  </dgm:styleLbl>
+  <dgm:styleLbl name="bgAcc1">
+    <dgm:fillClrLst meth="repeat">
+      <a:schemeClr val="lt1">
+        <a:alpha val="90000"/>
+      </a:schemeClr>
+    </dgm:fillClrLst>
+    <dgm:linClrLst meth="repeat">
+      <a:schemeClr val="accent1"/>
+    </dgm:linClrLst>
+    <dgm:effectClrLst/>
+    <dgm:txLinClrLst/>
+    <dgm:txFillClrLst meth="repeat">
+      <a:schemeClr val="dk1"/>
+    </dgm:txFillClrLst>
+    <dgm:txEffectClrLst/>
+  </dgm:styleLbl>
+  <dgm:styleLbl name="solidFgAcc1">
+    <dgm:fillClrLst meth="repeat">
+      <a:schemeClr val="lt1"/>
+    </dgm:fillClrLst>
+    <dgm:linClrLst meth="repeat">
+      <a:schemeClr val="accent1"/>
+    </dgm:linClrLst>
+    <dgm:effectClrLst/>
+    <dgm:txLinClrLst/>
+    <dgm:txFillClrLst meth="repeat">
+      <a:schemeClr val="dk1"/>
+    </dgm:txFillClrLst>
+    <dgm:txEffectClrLst/>
+  </dgm:styleLbl>
+  <dgm:styleLbl name="solidAlignAcc1">
+    <dgm:fillClrLst meth="repeat">
+      <a:schemeClr val="lt1"/>
+    </dgm:fillClrLst>
+    <dgm:linClrLst meth="repeat">
+      <a:schemeClr val="accent1"/>
+    </dgm:linClrLst>
+    <dgm:effectClrLst/>
+    <dgm:txLinClrLst/>
+    <dgm:txFillClrLst meth="repeat">
+      <a:schemeClr val="dk1"/>
+    </dgm:txFillClrLst>
+    <dgm:txEffectClrLst/>
+  </dgm:styleLbl>
+  <dgm:styleLbl name="solidBgAcc1">
+    <dgm:fillClrLst meth="repeat">
+      <a:schemeClr val="lt1"/>
+    </dgm:fillClrLst>
+    <dgm:linClrLst meth="repeat">
+      <a:schemeClr val="accent1"/>
+    </dgm:linClrLst>
+    <dgm:effectClrLst/>
+    <dgm:txLinClrLst/>
+    <dgm:txFillClrLst meth="repeat">
+      <a:schemeClr val="dk1"/>
+    </dgm:txFillClrLst>
+    <dgm:txEffectClrLst/>
+  </dgm:styleLbl>
+  <dgm:styleLbl name="fgAccFollowNode1">
+    <dgm:fillClrLst meth="repeat">
+      <a:schemeClr val="accent1">
+        <a:alpha val="90000"/>
+        <a:tint val="40000"/>
+      </a:schemeClr>
+    </dgm:fillClrLst>
+    <dgm:linClrLst meth="repeat">
+      <a:schemeClr val="accent1">
+        <a:alpha val="90000"/>
+        <a:tint val="40000"/>
+      </a:schemeClr>
+    </dgm:linClrLst>
+    <dgm:effectClrLst/>
+    <dgm:txLinClrLst/>
+    <dgm:txFillClrLst meth="repeat">
+      <a:schemeClr val="dk1"/>
+    </dgm:txFillClrLst>
+    <dgm:txEffectClrLst/>
+  </dgm:styleLbl>
+  <dgm:styleLbl name="alignAccFollowNode1">
+    <dgm:fillClrLst meth="repeat">
+      <a:schemeClr val="accent1">
+        <a:alpha val="90000"/>
+        <a:tint val="40000"/>
+      </a:schemeClr>
+    </dgm:fillClrLst>
+    <dgm:linClrLst meth="repeat">
+      <a:schemeClr val="accent1">
+        <a:alpha val="90000"/>
+        <a:tint val="40000"/>
+      </a:schemeClr>
+    </dgm:linClrLst>
+    <dgm:effectClrLst/>
+    <dgm:txLinClrLst/>
+    <dgm:txFillClrLst meth="repeat">
+      <a:schemeClr val="dk1"/>
+    </dgm:txFillClrLst>
+    <dgm:txEffectClrLst/>
+  </dgm:styleLbl>
+  <dgm:styleLbl name="bgAccFollowNode1">
+    <dgm:fillClrLst meth="repeat">
+      <a:schemeClr val="accent1">
+        <a:alpha val="90000"/>
+        <a:tint val="40000"/>
+      </a:schemeClr>
+    </dgm:fillClrLst>
+    <dgm:linClrLst meth="repeat">
+      <a:schemeClr val="accent1">
+        <a:alpha val="90000"/>
+        <a:tint val="40000"/>
+      </a:schemeClr>
+    </dgm:linClrLst>
+    <dgm:effectClrLst/>
+    <dgm:txLinClrLst/>
+    <dgm:txFillClrLst meth="repeat">
+      <a:schemeClr val="dk1"/>
+    </dgm:txFillClrLst>
+    <dgm:txEffectClrLst/>
+  </dgm:styleLbl>
+  <dgm:styleLbl name="fgAcc0">
+    <dgm:fillClrLst meth="repeat">
+      <a:schemeClr val="lt1">
+        <a:alpha val="90000"/>
+      </a:schemeClr>
+    </dgm:fillClrLst>
+    <dgm:linClrLst meth="repeat">
+      <a:schemeClr val="accent1"/>
+    </dgm:linClrLst>
+    <dgm:effectClrLst/>
+    <dgm:txLinClrLst/>
+    <dgm:txFillClrLst meth="repeat">
+      <a:schemeClr val="dk1"/>
+    </dgm:txFillClrLst>
+    <dgm:txEffectClrLst/>
+  </dgm:styleLbl>
+  <dgm:styleLbl name="fgAcc2">
+    <dgm:fillClrLst meth="repeat">
+      <a:schemeClr val="lt1">
+        <a:alpha val="90000"/>
+      </a:schemeClr>
+    </dgm:fillClrLst>
+    <dgm:linClrLst meth="repeat">
+      <a:schemeClr val="accent1"/>
+    </dgm:linClrLst>
+    <dgm:effectClrLst/>
+    <dgm:txLinClrLst/>
+    <dgm:txFillClrLst meth="repeat">
+      <a:schemeClr val="dk1"/>
+    </dgm:txFillClrLst>
+    <dgm:txEffectClrLst/>
+  </dgm:styleLbl>
+  <dgm:styleLbl name="fgAcc3">
+    <dgm:fillClrLst meth="repeat">
+      <a:schemeClr val="lt1">
+        <a:alpha val="90000"/>
+      </a:schemeClr>
+    </dgm:fillClrLst>
+    <dgm:linClrLst meth="repeat">
+      <a:schemeClr val="accent1"/>
+    </dgm:linClrLst>
+    <dgm:effectClrLst/>
+    <dgm:txLinClrLst/>
+    <dgm:txFillClrLst meth="repeat">
+      <a:schemeClr val="dk1"/>
+    </dgm:txFillClrLst>
+    <dgm:txEffectClrLst/>
+  </dgm:styleLbl>
+  <dgm:styleLbl name="fgAcc4">
+    <dgm:fillClrLst meth="repeat">
+      <a:schemeClr val="lt1">
+        <a:alpha val="90000"/>
+      </a:schemeClr>
+    </dgm:fillClrLst>
+    <dgm:linClrLst meth="repeat">
+      <a:schemeClr val="accent1"/>
+    </dgm:linClrLst>
+    <dgm:effectClrLst/>
+    <dgm:txLinClrLst/>
+    <dgm:txFillClrLst meth="repeat">
+      <a:schemeClr val="dk1"/>
+    </dgm:txFillClrLst>
+    <dgm:txEffectClrLst/>
+  </dgm:styleLbl>
+  <dgm:styleLbl name="bgShp">
+    <dgm:fillClrLst meth="repeat">
+      <a:schemeClr val="accent1">
+        <a:tint val="40000"/>
+      </a:schemeClr>
+    </dgm:fillClrLst>
+    <dgm:linClrLst meth="repeat">
+      <a:schemeClr val="accent1"/>
+    </dgm:linClrLst>
+    <dgm:effectClrLst/>
+    <dgm:txLinClrLst/>
+    <dgm:txFillClrLst meth="repeat">
+      <a:schemeClr val="dk1"/>
+    </dgm:txFillClrLst>
+    <dgm:txEffectClrLst/>
+  </dgm:styleLbl>
+  <dgm:styleLbl name="dkBgShp">
+    <dgm:fillClrLst meth="repeat">
+      <a:schemeClr val="accent1">
+        <a:shade val="80000"/>
+      </a:schemeClr>
+    </dgm:fillClrLst>
+    <dgm:linClrLst meth="repeat">
+      <a:schemeClr val="accent1"/>
+    </dgm:linClrLst>
+    <dgm:effectClrLst/>
+    <dgm:txLinClrLst/>
+    <dgm:txFillClrLst meth="repeat">
+      <a:schemeClr val="lt1"/>
+    </dgm:txFillClrLst>
+    <dgm:txEffectClrLst/>
+  </dgm:styleLbl>
+  <dgm:styleLbl name="trBgShp">
+    <dgm:fillClrLst meth="repeat">
+      <a:schemeClr val="accent1">
+        <a:tint val="50000"/>
+        <a:alpha val="40000"/>
+      </a:schemeClr>
+    </dgm:fillClrLst>
+    <dgm:linClrLst meth="repeat">
+      <a:schemeClr val="accent1"/>
+    </dgm:linClrLst>
+    <dgm:effectClrLst/>
+    <dgm:txLinClrLst/>
+    <dgm:txFillClrLst meth="repeat">
+      <a:schemeClr val="lt1"/>
+    </dgm:txFillClrLst>
+    <dgm:txEffectClrLst/>
+  </dgm:styleLbl>
+  <dgm:styleLbl name="fgShp">
+    <dgm:fillClrLst meth="repeat">
+      <a:schemeClr val="accent1">
+        <a:tint val="60000"/>
+      </a:schemeClr>
+    </dgm:fillClrLst>
+    <dgm:linClrLst meth="repeat">
+      <a:schemeClr val="lt1"/>
+    </dgm:linClrLst>
+    <dgm:effectClrLst/>
+    <dgm:txLinClrLst/>
+    <dgm:txFillClrLst meth="repeat">
+      <a:schemeClr val="dk1"/>
+    </dgm:txFillClrLst>
+    <dgm:txEffectClrLst/>
+  </dgm:styleLbl>
+  <dgm:styleLbl name="revTx">
+    <dgm:fillClrLst meth="repeat">
+      <a:schemeClr val="lt1">
+        <a:alpha val="0"/>
+      </a:schemeClr>
+    </dgm:fillClrLst>
+    <dgm:linClrLst meth="repeat">
+      <a:schemeClr val="dk1">
+        <a:alpha val="0"/>
+      </a:schemeClr>
+    </dgm:linClrLst>
+    <dgm:effectClrLst/>
+    <dgm:txLinClrLst/>
+    <dgm:txFillClrLst meth="repeat">
+      <a:schemeClr val="tx1"/>
+    </dgm:txFillClrLst>
+    <dgm:txEffectClrLst/>
+  </dgm:styleLbl>
+</dgm:colorsDef>
+</file>
+
+<file path=ppt/diagrams/data1.xml><?xml version="1.0" encoding="utf-8"?>
+<dgm:dataModel xmlns:dgm="http://schemas.openxmlformats.org/drawingml/2006/diagram" xmlns:a="http://schemas.openxmlformats.org/drawingml/2006/main">
+  <dgm:ptLst>
+    <dgm:pt modelId="{C2518A44-B73A-4A29-A35F-B94DF474182B}" type="doc">
+      <dgm:prSet loTypeId="urn:microsoft.com/office/officeart/2005/8/layout/hList1" loCatId="list" qsTypeId="urn:microsoft.com/office/officeart/2005/8/quickstyle/simple1" qsCatId="simple" csTypeId="urn:microsoft.com/office/officeart/2005/8/colors/accent1_2" csCatId="accent1" phldr="1"/>
+      <dgm:spPr/>
+      <dgm:t>
+        <a:bodyPr/>
+        <a:lstStyle/>
+        <a:p>
+          <a:endParaRPr lang="de-DE"/>
+        </a:p>
+      </dgm:t>
+    </dgm:pt>
+    <dgm:pt modelId="{22850F48-65A7-4476-B06A-CED6F0AF6AEE}">
+      <dgm:prSet phldrT="[Text]"/>
+      <dgm:spPr/>
+      <dgm:t>
+        <a:bodyPr/>
+        <a:lstStyle/>
+        <a:p>
+          <a:r>
+            <a:rPr lang="en-HK" b="1" noProof="0" dirty="0"/>
+            <a:t>Internet of Things </a:t>
+          </a:r>
+          <a:r>
+            <a:rPr lang="en-HK" noProof="0" dirty="0"/>
+            <a:t>(IoT)</a:t>
+          </a:r>
+        </a:p>
+      </dgm:t>
+    </dgm:pt>
+    <dgm:pt modelId="{2D37978D-627C-4D47-85C1-14648E62AF99}" type="parTrans" cxnId="{51A08E4A-7428-4ED3-80A7-3BFE621CDC55}">
+      <dgm:prSet/>
+      <dgm:spPr/>
+      <dgm:t>
+        <a:bodyPr/>
+        <a:lstStyle/>
+        <a:p>
+          <a:endParaRPr lang="de-DE"/>
+        </a:p>
+      </dgm:t>
+    </dgm:pt>
+    <dgm:pt modelId="{7619A410-0CC5-45C8-A4A4-8410EACD6DE0}" type="sibTrans" cxnId="{51A08E4A-7428-4ED3-80A7-3BFE621CDC55}">
+      <dgm:prSet/>
+      <dgm:spPr/>
+      <dgm:t>
+        <a:bodyPr/>
+        <a:lstStyle/>
+        <a:p>
+          <a:endParaRPr lang="de-DE"/>
+        </a:p>
+      </dgm:t>
+    </dgm:pt>
+    <dgm:pt modelId="{7CC58525-377E-4BF3-91DF-68E612E2644F}">
+      <dgm:prSet phldrT="[Text]"/>
+      <dgm:spPr/>
+      <dgm:t>
+        <a:bodyPr/>
+        <a:lstStyle/>
+        <a:p>
+          <a:r>
+            <a:rPr lang="en-US" dirty="0"/>
+            <a:t>Networking of objects and machines via the</a:t>
+          </a:r>
+          <a:br>
+            <a:rPr lang="en-US" dirty="0"/>
+          </a:br>
+          <a:r>
+            <a:rPr lang="en-US" dirty="0"/>
+            <a:t>Interne</a:t>
+          </a:r>
+          <a:endParaRPr lang="de-DE" dirty="0"/>
+        </a:p>
+      </dgm:t>
+    </dgm:pt>
+    <dgm:pt modelId="{BC01516B-9309-4C79-80F3-8F463EC41A69}" type="parTrans" cxnId="{50A38EA5-0875-4260-A911-13F63F928AAF}">
+      <dgm:prSet/>
+      <dgm:spPr/>
+      <dgm:t>
+        <a:bodyPr/>
+        <a:lstStyle/>
+        <a:p>
+          <a:endParaRPr lang="de-DE"/>
+        </a:p>
+      </dgm:t>
+    </dgm:pt>
+    <dgm:pt modelId="{CCF37F85-BB93-460E-91C2-B48EC5C5B0C1}" type="sibTrans" cxnId="{50A38EA5-0875-4260-A911-13F63F928AAF}">
+      <dgm:prSet/>
+      <dgm:spPr/>
+      <dgm:t>
+        <a:bodyPr/>
+        <a:lstStyle/>
+        <a:p>
+          <a:endParaRPr lang="de-DE"/>
+        </a:p>
+      </dgm:t>
+    </dgm:pt>
+    <dgm:pt modelId="{FC09F090-294E-4E88-85B5-F888267AA0A8}">
+      <dgm:prSet phldrT="[Text]"/>
+      <dgm:spPr/>
+      <dgm:t>
+        <a:bodyPr/>
+        <a:lstStyle/>
+        <a:p>
+          <a:r>
+            <a:rPr lang="de-DE" dirty="0"/>
+            <a:t>Devices </a:t>
+          </a:r>
+          <a:r>
+            <a:rPr lang="de-DE" dirty="0" err="1"/>
+            <a:t>with</a:t>
+          </a:r>
+          <a:r>
+            <a:rPr lang="de-DE" dirty="0"/>
+            <a:t> </a:t>
+          </a:r>
+          <a:r>
+            <a:rPr lang="de-DE" dirty="0" err="1"/>
+            <a:t>unique</a:t>
+          </a:r>
+          <a:r>
+            <a:rPr lang="de-DE" dirty="0"/>
+            <a:t> </a:t>
+          </a:r>
+          <a:r>
+            <a:rPr lang="de-DE" dirty="0" err="1"/>
+            <a:t>identity</a:t>
+          </a:r>
+          <a:endParaRPr lang="de-DE" dirty="0"/>
+        </a:p>
+      </dgm:t>
+    </dgm:pt>
+    <dgm:pt modelId="{C033730B-FBC6-431C-844F-2E276F930FE4}" type="parTrans" cxnId="{7AC63F15-E3A8-44D7-8C70-C01FBC36375D}">
+      <dgm:prSet/>
+      <dgm:spPr/>
+      <dgm:t>
+        <a:bodyPr/>
+        <a:lstStyle/>
+        <a:p>
+          <a:endParaRPr lang="de-DE"/>
+        </a:p>
+      </dgm:t>
+    </dgm:pt>
+    <dgm:pt modelId="{0C579B93-33FB-4E97-B7CD-34C21A5E3B59}" type="sibTrans" cxnId="{7AC63F15-E3A8-44D7-8C70-C01FBC36375D}">
+      <dgm:prSet/>
+      <dgm:spPr/>
+      <dgm:t>
+        <a:bodyPr/>
+        <a:lstStyle/>
+        <a:p>
+          <a:endParaRPr lang="de-DE"/>
+        </a:p>
+      </dgm:t>
+    </dgm:pt>
+    <dgm:pt modelId="{180EB683-A1EA-4B91-9AF3-3F00217B8B98}">
+      <dgm:prSet phldrT="[Text]"/>
+      <dgm:spPr/>
+      <dgm:t>
+        <a:bodyPr/>
+        <a:lstStyle/>
+        <a:p>
+          <a:pPr>
+            <a:buNone/>
+          </a:pPr>
+          <a:r>
+            <a:rPr lang="de-DE" b="1" dirty="0"/>
+            <a:t>Green Internet </a:t>
+          </a:r>
+          <a:r>
+            <a:rPr lang="de-DE" b="1" dirty="0" err="1"/>
+            <a:t>of</a:t>
+          </a:r>
+          <a:r>
+            <a:rPr lang="de-DE" b="1" dirty="0"/>
+            <a:t> Things</a:t>
+          </a:r>
+          <a:br>
+            <a:rPr lang="de-DE" dirty="0"/>
+          </a:br>
+          <a:r>
+            <a:rPr lang="de-DE" dirty="0"/>
+            <a:t>(G-IoT)</a:t>
+          </a:r>
+        </a:p>
+      </dgm:t>
+    </dgm:pt>
+    <dgm:pt modelId="{3C183CA5-656A-4DB8-A1DA-030358CE7B71}" type="parTrans" cxnId="{A0C1D5B4-D549-4C62-83FE-443C88E469EE}">
+      <dgm:prSet/>
+      <dgm:spPr/>
+      <dgm:t>
+        <a:bodyPr/>
+        <a:lstStyle/>
+        <a:p>
+          <a:endParaRPr lang="de-DE"/>
+        </a:p>
+      </dgm:t>
+    </dgm:pt>
+    <dgm:pt modelId="{5034F180-4282-48E4-B472-927D444A5849}" type="sibTrans" cxnId="{A0C1D5B4-D549-4C62-83FE-443C88E469EE}">
+      <dgm:prSet/>
+      <dgm:spPr/>
+      <dgm:t>
+        <a:bodyPr/>
+        <a:lstStyle/>
+        <a:p>
+          <a:endParaRPr lang="de-DE"/>
+        </a:p>
+      </dgm:t>
+    </dgm:pt>
+    <dgm:pt modelId="{7FCDD66C-699A-4D90-A754-077D5443FB22}">
+      <dgm:prSet phldrT="[Text]"/>
+      <dgm:spPr/>
+      <dgm:t>
+        <a:bodyPr/>
+        <a:lstStyle/>
+        <a:p>
+          <a:r>
+            <a:rPr lang="en-BZ" noProof="0" dirty="0"/>
+            <a:t>Make software and hardware more </a:t>
+          </a:r>
+          <a:r>
+            <a:rPr lang="en-BZ" noProof="0" dirty="0" err="1"/>
+            <a:t>sustaibable</a:t>
+          </a:r>
+          <a:endParaRPr lang="en-BZ" noProof="0" dirty="0"/>
+        </a:p>
+      </dgm:t>
+    </dgm:pt>
+    <dgm:pt modelId="{F08F1C59-D17B-452F-821F-3CB81E300964}" type="parTrans" cxnId="{8857BC4C-C143-4E56-B193-AF48F0878677}">
+      <dgm:prSet/>
+      <dgm:spPr/>
+      <dgm:t>
+        <a:bodyPr/>
+        <a:lstStyle/>
+        <a:p>
+          <a:endParaRPr lang="de-DE"/>
+        </a:p>
+      </dgm:t>
+    </dgm:pt>
+    <dgm:pt modelId="{C16C31E5-6495-4568-81C2-A8B154AECD33}" type="sibTrans" cxnId="{8857BC4C-C143-4E56-B193-AF48F0878677}">
+      <dgm:prSet/>
+      <dgm:spPr/>
+      <dgm:t>
+        <a:bodyPr/>
+        <a:lstStyle/>
+        <a:p>
+          <a:endParaRPr lang="de-DE"/>
+        </a:p>
+      </dgm:t>
+    </dgm:pt>
+    <dgm:pt modelId="{20B49531-77B0-4636-BFD2-A0EA7B6986AC}">
+      <dgm:prSet phldrT="[Text]"/>
+      <dgm:spPr/>
+      <dgm:t>
+        <a:bodyPr/>
+        <a:lstStyle/>
+        <a:p>
+          <a:r>
+            <a:rPr lang="en-BZ" noProof="0" dirty="0"/>
+            <a:t>Integration and monitoring of supply chain sustainability</a:t>
+          </a:r>
+        </a:p>
+      </dgm:t>
+    </dgm:pt>
+    <dgm:pt modelId="{93F6FFE7-FEA4-4954-89D8-B704489A1EAE}" type="parTrans" cxnId="{1FBB9741-CFEE-46FA-95DB-7D751139F8FD}">
+      <dgm:prSet/>
+      <dgm:spPr/>
+      <dgm:t>
+        <a:bodyPr/>
+        <a:lstStyle/>
+        <a:p>
+          <a:endParaRPr lang="de-DE"/>
+        </a:p>
+      </dgm:t>
+    </dgm:pt>
+    <dgm:pt modelId="{FE14B3C6-EAB6-42BF-AD93-F30F505BAB34}" type="sibTrans" cxnId="{1FBB9741-CFEE-46FA-95DB-7D751139F8FD}">
+      <dgm:prSet/>
+      <dgm:spPr/>
+      <dgm:t>
+        <a:bodyPr/>
+        <a:lstStyle/>
+        <a:p>
+          <a:endParaRPr lang="de-DE"/>
+        </a:p>
+      </dgm:t>
+    </dgm:pt>
+    <dgm:pt modelId="{4BDC33B7-B35A-4465-A8DE-2636A9C6BE09}">
+      <dgm:prSet phldrT="[Text]"/>
+      <dgm:spPr/>
+      <dgm:t>
+        <a:bodyPr/>
+        <a:lstStyle/>
+        <a:p>
+          <a:pPr>
+            <a:buNone/>
+          </a:pPr>
+          <a:r>
+            <a:rPr lang="en-US" b="1" dirty="0"/>
+            <a:t>Green Supply Chain Management </a:t>
+          </a:r>
+          <a:r>
+            <a:rPr lang="en-US" dirty="0"/>
+            <a:t>(GSCM)</a:t>
+          </a:r>
+          <a:endParaRPr lang="de-DE" dirty="0"/>
+        </a:p>
+      </dgm:t>
+    </dgm:pt>
+    <dgm:pt modelId="{EE2C7454-F195-4E1F-A171-82CB25630C73}" type="parTrans" cxnId="{CD695CD9-5B17-4CD8-9154-7C820C181B23}">
+      <dgm:prSet/>
+      <dgm:spPr/>
+      <dgm:t>
+        <a:bodyPr/>
+        <a:lstStyle/>
+        <a:p>
+          <a:endParaRPr lang="de-DE"/>
+        </a:p>
+      </dgm:t>
+    </dgm:pt>
+    <dgm:pt modelId="{F8E437E6-BD30-4F8D-A6CA-E9E329DF9AD1}" type="sibTrans" cxnId="{CD695CD9-5B17-4CD8-9154-7C820C181B23}">
+      <dgm:prSet/>
+      <dgm:spPr/>
+      <dgm:t>
+        <a:bodyPr/>
+        <a:lstStyle/>
+        <a:p>
+          <a:endParaRPr lang="de-DE"/>
+        </a:p>
+      </dgm:t>
+    </dgm:pt>
+    <dgm:pt modelId="{94172A09-50DC-4007-91FF-2A5427CC897B}">
+      <dgm:prSet phldrT="[Text]"/>
+      <dgm:spPr/>
+      <dgm:t>
+        <a:bodyPr/>
+        <a:lstStyle/>
+        <a:p>
+          <a:r>
+            <a:rPr lang="en-US" dirty="0"/>
+            <a:t>Establishment and</a:t>
+          </a:r>
+          <a:br>
+            <a:rPr lang="en-US" dirty="0"/>
+          </a:br>
+          <a:r>
+            <a:rPr lang="en-US" dirty="0"/>
+            <a:t>management of supply chains</a:t>
+          </a:r>
+          <a:endParaRPr lang="de-DE" dirty="0"/>
+        </a:p>
+      </dgm:t>
+    </dgm:pt>
+    <dgm:pt modelId="{B5E673D7-438E-45E6-B64E-4366A9C827D7}" type="parTrans" cxnId="{6DCEB21D-9C55-4339-9C3C-CFF357CAE423}">
+      <dgm:prSet/>
+      <dgm:spPr/>
+      <dgm:t>
+        <a:bodyPr/>
+        <a:lstStyle/>
+        <a:p>
+          <a:endParaRPr lang="de-DE"/>
+        </a:p>
+      </dgm:t>
+    </dgm:pt>
+    <dgm:pt modelId="{A359DD53-DBEC-4681-8916-011191F9F7E7}" type="sibTrans" cxnId="{6DCEB21D-9C55-4339-9C3C-CFF357CAE423}">
+      <dgm:prSet/>
+      <dgm:spPr/>
+      <dgm:t>
+        <a:bodyPr/>
+        <a:lstStyle/>
+        <a:p>
+          <a:endParaRPr lang="de-DE"/>
+        </a:p>
+      </dgm:t>
+    </dgm:pt>
+    <dgm:pt modelId="{4AFE6D26-0E90-4D8A-80F3-C770DF927876}">
+      <dgm:prSet phldrT="[Text]"/>
+      <dgm:spPr/>
+      <dgm:t>
+        <a:bodyPr/>
+        <a:lstStyle/>
+        <a:p>
+          <a:r>
+            <a:rPr lang="de-DE" dirty="0" err="1"/>
+            <a:t>Consideration</a:t>
+          </a:r>
+          <a:r>
+            <a:rPr lang="de-DE" dirty="0"/>
+            <a:t> </a:t>
+          </a:r>
+          <a:r>
+            <a:rPr lang="de-DE" dirty="0" err="1"/>
+            <a:t>of</a:t>
+          </a:r>
+          <a:r>
+            <a:rPr lang="de-DE" dirty="0"/>
+            <a:t> </a:t>
+          </a:r>
+          <a:r>
+            <a:rPr lang="de-DE" dirty="0" err="1"/>
+            <a:t>process</a:t>
+          </a:r>
+          <a:r>
+            <a:rPr lang="de-DE" dirty="0"/>
+            <a:t> </a:t>
+          </a:r>
+          <a:r>
+            <a:rPr lang="de-DE" dirty="0" err="1"/>
+            <a:t>from</a:t>
+          </a:r>
+          <a:r>
+            <a:rPr lang="de-DE" dirty="0"/>
+            <a:t> </a:t>
+          </a:r>
+          <a:r>
+            <a:rPr lang="de-DE" dirty="0" err="1"/>
+            <a:t>raw</a:t>
+          </a:r>
+          <a:r>
+            <a:rPr lang="de-DE" dirty="0"/>
+            <a:t> material </a:t>
+          </a:r>
+          <a:r>
+            <a:rPr lang="de-DE" dirty="0" err="1"/>
+            <a:t>to</a:t>
+          </a:r>
+          <a:r>
+            <a:rPr lang="de-DE" dirty="0"/>
+            <a:t> </a:t>
+          </a:r>
+          <a:r>
+            <a:rPr lang="de-DE" dirty="0" err="1"/>
+            <a:t>consumer</a:t>
+          </a:r>
+          <a:endParaRPr lang="de-DE" dirty="0"/>
+        </a:p>
+      </dgm:t>
+    </dgm:pt>
+    <dgm:pt modelId="{7D271641-257E-4FCF-B030-8CFCD54E7DD6}" type="parTrans" cxnId="{C871862B-9AEF-4241-B5F1-72390322F45B}">
+      <dgm:prSet/>
+      <dgm:spPr/>
+      <dgm:t>
+        <a:bodyPr/>
+        <a:lstStyle/>
+        <a:p>
+          <a:endParaRPr lang="de-DE"/>
+        </a:p>
+      </dgm:t>
+    </dgm:pt>
+    <dgm:pt modelId="{C9F10118-1DBB-4DCF-9862-4EADE7C3778A}" type="sibTrans" cxnId="{C871862B-9AEF-4241-B5F1-72390322F45B}">
+      <dgm:prSet/>
+      <dgm:spPr/>
+      <dgm:t>
+        <a:bodyPr/>
+        <a:lstStyle/>
+        <a:p>
+          <a:endParaRPr lang="de-DE"/>
+        </a:p>
+      </dgm:t>
+    </dgm:pt>
+    <dgm:pt modelId="{FA30DAAF-B7F6-4EB2-AF42-585AA3C90A41}">
+      <dgm:prSet phldrT="[Text]"/>
+      <dgm:spPr/>
+      <dgm:t>
+        <a:bodyPr/>
+        <a:lstStyle/>
+        <a:p>
+          <a:r>
+            <a:rPr lang="de-DE" dirty="0"/>
+            <a:t>Industry 4.0</a:t>
+          </a:r>
+        </a:p>
+      </dgm:t>
+    </dgm:pt>
+    <dgm:pt modelId="{3B91B716-446E-4F3C-B39A-E89A322E43D4}" type="parTrans" cxnId="{F81D7953-9AAA-42A3-AF02-7980A597656E}">
+      <dgm:prSet/>
+      <dgm:spPr/>
+      <dgm:t>
+        <a:bodyPr/>
+        <a:lstStyle/>
+        <a:p>
+          <a:endParaRPr lang="de-DE"/>
+        </a:p>
+      </dgm:t>
+    </dgm:pt>
+    <dgm:pt modelId="{307429C4-706B-4F67-A3EA-78FEA9544C65}" type="sibTrans" cxnId="{F81D7953-9AAA-42A3-AF02-7980A597656E}">
+      <dgm:prSet/>
+      <dgm:spPr/>
+      <dgm:t>
+        <a:bodyPr/>
+        <a:lstStyle/>
+        <a:p>
+          <a:endParaRPr lang="de-DE"/>
+        </a:p>
+      </dgm:t>
+    </dgm:pt>
+    <dgm:pt modelId="{2AE73FC7-3C0A-4DE1-AF1E-BE7CAE1F70CC}">
+      <dgm:prSet phldrT="[Text]"/>
+      <dgm:spPr/>
+      <dgm:t>
+        <a:bodyPr/>
+        <a:lstStyle/>
+        <a:p>
+          <a:r>
+            <a:rPr lang="de-DE" dirty="0"/>
+            <a:t>Sensors and RFID </a:t>
+          </a:r>
+          <a:r>
+            <a:rPr lang="de-DE" dirty="0" err="1"/>
+            <a:t>technology</a:t>
+          </a:r>
+          <a:endParaRPr lang="de-DE" dirty="0"/>
+        </a:p>
+      </dgm:t>
+    </dgm:pt>
+    <dgm:pt modelId="{84734AC6-49B2-45CE-BFE3-B298CAC73C32}" type="parTrans" cxnId="{E72230AB-6F3A-446C-BB7C-E214304ED193}">
+      <dgm:prSet/>
+      <dgm:spPr/>
+      <dgm:t>
+        <a:bodyPr/>
+        <a:lstStyle/>
+        <a:p>
+          <a:endParaRPr lang="de-DE"/>
+        </a:p>
+      </dgm:t>
+    </dgm:pt>
+    <dgm:pt modelId="{115A7567-8E42-4069-B34E-1EAF5B9CF0C5}" type="sibTrans" cxnId="{E72230AB-6F3A-446C-BB7C-E214304ED193}">
+      <dgm:prSet/>
+      <dgm:spPr/>
+      <dgm:t>
+        <a:bodyPr/>
+        <a:lstStyle/>
+        <a:p>
+          <a:endParaRPr lang="de-DE"/>
+        </a:p>
+      </dgm:t>
+    </dgm:pt>
+    <dgm:pt modelId="{C121321F-4FED-40C1-A1B2-0D6BC1089DD2}">
+      <dgm:prSet phldrT="[Text]"/>
+      <dgm:spPr/>
+      <dgm:t>
+        <a:bodyPr/>
+        <a:lstStyle/>
+        <a:p>
+          <a:r>
+            <a:rPr lang="de-DE" dirty="0"/>
+            <a:t>Machine-2-Machine</a:t>
+          </a:r>
+          <a:br>
+            <a:rPr lang="de-DE" dirty="0"/>
+          </a:br>
+          <a:r>
+            <a:rPr lang="de-DE" dirty="0" err="1"/>
+            <a:t>communication</a:t>
+          </a:r>
+          <a:endParaRPr lang="de-DE" dirty="0"/>
+        </a:p>
+      </dgm:t>
+    </dgm:pt>
+    <dgm:pt modelId="{6B771F8A-4297-45CF-A609-C1ACDE4C3B37}" type="parTrans" cxnId="{B80C0781-EBEC-42F5-8481-60F108EB798C}">
+      <dgm:prSet/>
+      <dgm:spPr/>
+      <dgm:t>
+        <a:bodyPr/>
+        <a:lstStyle/>
+        <a:p>
+          <a:endParaRPr lang="de-DE"/>
+        </a:p>
+      </dgm:t>
+    </dgm:pt>
+    <dgm:pt modelId="{A6A731A7-607B-4C73-86FF-E1AA52FE9F85}" type="sibTrans" cxnId="{B80C0781-EBEC-42F5-8481-60F108EB798C}">
+      <dgm:prSet/>
+      <dgm:spPr/>
+      <dgm:t>
+        <a:bodyPr/>
+        <a:lstStyle/>
+        <a:p>
+          <a:endParaRPr lang="de-DE"/>
+        </a:p>
+      </dgm:t>
+    </dgm:pt>
+    <dgm:pt modelId="{E4C4DEB2-B598-4B2C-AD03-5C49BFB4D091}">
+      <dgm:prSet phldrT="[Text]"/>
+      <dgm:spPr/>
+      <dgm:t>
+        <a:bodyPr/>
+        <a:lstStyle/>
+        <a:p>
+          <a:r>
+            <a:rPr lang="en-BZ" noProof="0" dirty="0"/>
+            <a:t>Reduce emissions and optimize logistics</a:t>
+          </a:r>
+        </a:p>
+      </dgm:t>
+    </dgm:pt>
+    <dgm:pt modelId="{752C2B45-1E53-402A-8668-52E222FF7412}" type="parTrans" cxnId="{33CF6F03-A6A8-489A-B10B-293A4F28D140}">
+      <dgm:prSet/>
+      <dgm:spPr/>
+      <dgm:t>
+        <a:bodyPr/>
+        <a:lstStyle/>
+        <a:p>
+          <a:endParaRPr lang="de-DE"/>
+        </a:p>
+      </dgm:t>
+    </dgm:pt>
+    <dgm:pt modelId="{36374865-A881-4D6A-861C-2D4B33EB1BD8}" type="sibTrans" cxnId="{33CF6F03-A6A8-489A-B10B-293A4F28D140}">
+      <dgm:prSet/>
+      <dgm:spPr/>
+      <dgm:t>
+        <a:bodyPr/>
+        <a:lstStyle/>
+        <a:p>
+          <a:endParaRPr lang="de-DE"/>
+        </a:p>
+      </dgm:t>
+    </dgm:pt>
+    <dgm:pt modelId="{80206D42-DA83-437F-8240-F0653CF23183}">
+      <dgm:prSet phldrT="[Text]"/>
+      <dgm:spPr/>
+      <dgm:t>
+        <a:bodyPr/>
+        <a:lstStyle/>
+        <a:p>
+          <a:r>
+            <a:rPr lang="en-US" dirty="0"/>
+            <a:t>Improving environ-</a:t>
+          </a:r>
+          <a:br>
+            <a:rPr lang="en-US" dirty="0"/>
+          </a:br>
+          <a:r>
+            <a:rPr lang="en-US" dirty="0"/>
+            <a:t>mental performance throughout the supply chain</a:t>
+          </a:r>
+          <a:endParaRPr lang="de-DE" dirty="0"/>
+        </a:p>
+      </dgm:t>
+    </dgm:pt>
+    <dgm:pt modelId="{3F82D6C5-4032-463E-B7C9-C0DBE7C85F19}" type="parTrans" cxnId="{4DD0379E-9434-459B-948D-AACB26B28431}">
+      <dgm:prSet/>
+      <dgm:spPr/>
+      <dgm:t>
+        <a:bodyPr/>
+        <a:lstStyle/>
+        <a:p>
+          <a:endParaRPr lang="de-DE"/>
+        </a:p>
+      </dgm:t>
+    </dgm:pt>
+    <dgm:pt modelId="{48E65520-E361-421C-8C40-372CFC2F1D12}" type="sibTrans" cxnId="{4DD0379E-9434-459B-948D-AACB26B28431}">
+      <dgm:prSet/>
+      <dgm:spPr/>
+      <dgm:t>
+        <a:bodyPr/>
+        <a:lstStyle/>
+        <a:p>
+          <a:endParaRPr lang="de-DE"/>
+        </a:p>
+      </dgm:t>
+    </dgm:pt>
+    <dgm:pt modelId="{001AA78D-053B-44CD-8BC7-1045EF1E0A73}">
+      <dgm:prSet phldrT="[Text]"/>
+      <dgm:spPr/>
+      <dgm:t>
+        <a:bodyPr/>
+        <a:lstStyle/>
+        <a:p>
+          <a:r>
+            <a:rPr lang="en-US" dirty="0"/>
+            <a:t>Positive impact on the companies’ performance</a:t>
+          </a:r>
+          <a:endParaRPr lang="de-DE" dirty="0"/>
+        </a:p>
+      </dgm:t>
+    </dgm:pt>
+    <dgm:pt modelId="{BB5A0FBA-B8B9-4D61-BFE2-5B5A53E45CE6}" type="parTrans" cxnId="{92DFAB85-6BBE-4E2F-B215-94BDBE0F6085}">
+      <dgm:prSet/>
+      <dgm:spPr/>
+      <dgm:t>
+        <a:bodyPr/>
+        <a:lstStyle/>
+        <a:p>
+          <a:endParaRPr lang="de-DE"/>
+        </a:p>
+      </dgm:t>
+    </dgm:pt>
+    <dgm:pt modelId="{24C21EC0-5D48-4807-9891-A825A1EBCBB4}" type="sibTrans" cxnId="{92DFAB85-6BBE-4E2F-B215-94BDBE0F6085}">
+      <dgm:prSet/>
+      <dgm:spPr/>
+      <dgm:t>
+        <a:bodyPr/>
+        <a:lstStyle/>
+        <a:p>
+          <a:endParaRPr lang="de-DE"/>
+        </a:p>
+      </dgm:t>
+    </dgm:pt>
+    <dgm:pt modelId="{2B215F43-3CFE-4CFC-BC04-1BA03C6A0B9A}">
+      <dgm:prSet phldrT="[Text]"/>
+      <dgm:spPr/>
+      <dgm:t>
+        <a:bodyPr/>
+        <a:lstStyle/>
+        <a:p>
+          <a:endParaRPr lang="de-DE" dirty="0"/>
+        </a:p>
+      </dgm:t>
+    </dgm:pt>
+    <dgm:pt modelId="{CE995A1F-86E9-4DEC-8066-DE08FF9DEBB7}" type="parTrans" cxnId="{2F0A2AA9-E8E1-4C4F-805F-F0F404F5AC12}">
+      <dgm:prSet/>
+      <dgm:spPr/>
+      <dgm:t>
+        <a:bodyPr/>
+        <a:lstStyle/>
+        <a:p>
+          <a:endParaRPr lang="de-DE"/>
+        </a:p>
+      </dgm:t>
+    </dgm:pt>
+    <dgm:pt modelId="{2FDF7CB6-5CA7-46A4-8408-22B9D30A57EF}" type="sibTrans" cxnId="{2F0A2AA9-E8E1-4C4F-805F-F0F404F5AC12}">
+      <dgm:prSet/>
+      <dgm:spPr/>
+      <dgm:t>
+        <a:bodyPr/>
+        <a:lstStyle/>
+        <a:p>
+          <a:endParaRPr lang="de-DE"/>
+        </a:p>
+      </dgm:t>
+    </dgm:pt>
+    <dgm:pt modelId="{B0366C5D-EA7D-4966-9CA9-561E54FEB567}">
+      <dgm:prSet phldrT="[Text]"/>
+      <dgm:spPr/>
+      <dgm:t>
+        <a:bodyPr/>
+        <a:lstStyle/>
+        <a:p>
+          <a:r>
+            <a:rPr lang="en-US" dirty="0"/>
+            <a:t>Economic, social, and</a:t>
+          </a:r>
+          <a:br>
+            <a:rPr lang="en-US" dirty="0"/>
+          </a:br>
+          <a:r>
+            <a:rPr lang="en-US" dirty="0"/>
+            <a:t>environmental aspects</a:t>
+          </a:r>
+          <a:endParaRPr lang="de-DE" dirty="0"/>
+        </a:p>
+      </dgm:t>
+    </dgm:pt>
+    <dgm:pt modelId="{EC1CD055-FC06-4DD7-B901-9A15E92F24E8}" type="parTrans" cxnId="{943F2376-F024-4318-BE94-80DD2EF2D224}">
+      <dgm:prSet/>
+      <dgm:spPr/>
+      <dgm:t>
+        <a:bodyPr/>
+        <a:lstStyle/>
+        <a:p>
+          <a:endParaRPr lang="de-DE"/>
+        </a:p>
+      </dgm:t>
+    </dgm:pt>
+    <dgm:pt modelId="{74480BBA-AD7B-4168-A8AD-75A259E340AC}" type="sibTrans" cxnId="{943F2376-F024-4318-BE94-80DD2EF2D224}">
+      <dgm:prSet/>
+      <dgm:spPr/>
+      <dgm:t>
+        <a:bodyPr/>
+        <a:lstStyle/>
+        <a:p>
+          <a:endParaRPr lang="de-DE"/>
+        </a:p>
+      </dgm:t>
+    </dgm:pt>
+    <dgm:pt modelId="{8162D459-ED3F-4D37-BBFD-9B1C303C300D}" type="pres">
+      <dgm:prSet presAssocID="{C2518A44-B73A-4A29-A35F-B94DF474182B}" presName="Name0" presStyleCnt="0">
+        <dgm:presLayoutVars>
+          <dgm:dir/>
+          <dgm:animLvl val="lvl"/>
+          <dgm:resizeHandles val="exact"/>
+        </dgm:presLayoutVars>
+      </dgm:prSet>
+      <dgm:spPr/>
+    </dgm:pt>
+    <dgm:pt modelId="{D89C6CF8-3572-4081-B800-FAC3CB69D3FC}" type="pres">
+      <dgm:prSet presAssocID="{22850F48-65A7-4476-B06A-CED6F0AF6AEE}" presName="composite" presStyleCnt="0"/>
+      <dgm:spPr/>
+    </dgm:pt>
+    <dgm:pt modelId="{410FFDFB-95F8-4805-A9CC-AA75C207C5C8}" type="pres">
+      <dgm:prSet presAssocID="{22850F48-65A7-4476-B06A-CED6F0AF6AEE}" presName="parTx" presStyleLbl="alignNode1" presStyleIdx="0" presStyleCnt="3">
+        <dgm:presLayoutVars>
+          <dgm:chMax val="0"/>
+          <dgm:chPref val="0"/>
+          <dgm:bulletEnabled val="1"/>
+        </dgm:presLayoutVars>
+      </dgm:prSet>
+      <dgm:spPr/>
+    </dgm:pt>
+    <dgm:pt modelId="{7E8CC8F3-9747-4651-A684-2CE9D875B220}" type="pres">
+      <dgm:prSet presAssocID="{22850F48-65A7-4476-B06A-CED6F0AF6AEE}" presName="desTx" presStyleLbl="alignAccFollowNode1" presStyleIdx="0" presStyleCnt="3">
+        <dgm:presLayoutVars>
+          <dgm:bulletEnabled val="1"/>
+        </dgm:presLayoutVars>
+      </dgm:prSet>
+      <dgm:spPr/>
+    </dgm:pt>
+    <dgm:pt modelId="{BE7C13C0-CE77-4B66-AC31-6EE4D822E66E}" type="pres">
+      <dgm:prSet presAssocID="{7619A410-0CC5-45C8-A4A4-8410EACD6DE0}" presName="space" presStyleCnt="0"/>
+      <dgm:spPr/>
+    </dgm:pt>
+    <dgm:pt modelId="{96BFDF9F-D4AD-4C9C-89DE-EDED7A3BAEA7}" type="pres">
+      <dgm:prSet presAssocID="{180EB683-A1EA-4B91-9AF3-3F00217B8B98}" presName="composite" presStyleCnt="0"/>
+      <dgm:spPr/>
+    </dgm:pt>
+    <dgm:pt modelId="{385A7053-68FF-4E1B-BB19-44E9ED8EE973}" type="pres">
+      <dgm:prSet presAssocID="{180EB683-A1EA-4B91-9AF3-3F00217B8B98}" presName="parTx" presStyleLbl="alignNode1" presStyleIdx="1" presStyleCnt="3">
+        <dgm:presLayoutVars>
+          <dgm:chMax val="0"/>
+          <dgm:chPref val="0"/>
+          <dgm:bulletEnabled val="1"/>
+        </dgm:presLayoutVars>
+      </dgm:prSet>
+      <dgm:spPr/>
+    </dgm:pt>
+    <dgm:pt modelId="{F7216E8E-A7F4-46B4-B678-774A67E7B862}" type="pres">
+      <dgm:prSet presAssocID="{180EB683-A1EA-4B91-9AF3-3F00217B8B98}" presName="desTx" presStyleLbl="alignAccFollowNode1" presStyleIdx="1" presStyleCnt="3">
+        <dgm:presLayoutVars>
+          <dgm:bulletEnabled val="1"/>
+        </dgm:presLayoutVars>
+      </dgm:prSet>
+      <dgm:spPr/>
+    </dgm:pt>
+    <dgm:pt modelId="{7621F11E-4D90-4305-8DCD-D12C7B6EB054}" type="pres">
+      <dgm:prSet presAssocID="{5034F180-4282-48E4-B472-927D444A5849}" presName="space" presStyleCnt="0"/>
+      <dgm:spPr/>
+    </dgm:pt>
+    <dgm:pt modelId="{66FEEA87-9168-4022-86B2-7EFD70A2A0BB}" type="pres">
+      <dgm:prSet presAssocID="{4BDC33B7-B35A-4465-A8DE-2636A9C6BE09}" presName="composite" presStyleCnt="0"/>
+      <dgm:spPr/>
+    </dgm:pt>
+    <dgm:pt modelId="{EDC4DDB1-9E81-4BFC-AB95-2094539CCEA0}" type="pres">
+      <dgm:prSet presAssocID="{4BDC33B7-B35A-4465-A8DE-2636A9C6BE09}" presName="parTx" presStyleLbl="alignNode1" presStyleIdx="2" presStyleCnt="3">
+        <dgm:presLayoutVars>
+          <dgm:chMax val="0"/>
+          <dgm:chPref val="0"/>
+          <dgm:bulletEnabled val="1"/>
+        </dgm:presLayoutVars>
+      </dgm:prSet>
+      <dgm:spPr/>
+    </dgm:pt>
+    <dgm:pt modelId="{9DDB90BD-C2FD-4DB1-8F55-69937283D203}" type="pres">
+      <dgm:prSet presAssocID="{4BDC33B7-B35A-4465-A8DE-2636A9C6BE09}" presName="desTx" presStyleLbl="alignAccFollowNode1" presStyleIdx="2" presStyleCnt="3">
+        <dgm:presLayoutVars>
+          <dgm:bulletEnabled val="1"/>
+        </dgm:presLayoutVars>
+      </dgm:prSet>
+      <dgm:spPr/>
+    </dgm:pt>
+  </dgm:ptLst>
+  <dgm:cxnLst>
+    <dgm:cxn modelId="{AA0C4101-0847-4645-872F-E9395D2D5CEC}" type="presOf" srcId="{001AA78D-053B-44CD-8BC7-1045EF1E0A73}" destId="{9DDB90BD-C2FD-4DB1-8F55-69937283D203}" srcOrd="0" destOrd="3" presId="urn:microsoft.com/office/officeart/2005/8/layout/hList1"/>
+    <dgm:cxn modelId="{33CF6F03-A6A8-489A-B10B-293A4F28D140}" srcId="{180EB683-A1EA-4B91-9AF3-3F00217B8B98}" destId="{E4C4DEB2-B598-4B2C-AD03-5C49BFB4D091}" srcOrd="2" destOrd="0" parTransId="{752C2B45-1E53-402A-8668-52E222FF7412}" sibTransId="{36374865-A881-4D6A-861C-2D4B33EB1BD8}"/>
+    <dgm:cxn modelId="{7AC63F15-E3A8-44D7-8C70-C01FBC36375D}" srcId="{22850F48-65A7-4476-B06A-CED6F0AF6AEE}" destId="{FC09F090-294E-4E88-85B5-F888267AA0A8}" srcOrd="2" destOrd="0" parTransId="{C033730B-FBC6-431C-844F-2E276F930FE4}" sibTransId="{0C579B93-33FB-4E97-B7CD-34C21A5E3B59}"/>
+    <dgm:cxn modelId="{6DCEB21D-9C55-4339-9C3C-CFF357CAE423}" srcId="{4BDC33B7-B35A-4465-A8DE-2636A9C6BE09}" destId="{94172A09-50DC-4007-91FF-2A5427CC897B}" srcOrd="0" destOrd="0" parTransId="{B5E673D7-438E-45E6-B64E-4366A9C827D7}" sibTransId="{A359DD53-DBEC-4681-8916-011191F9F7E7}"/>
+    <dgm:cxn modelId="{3BCC3A24-7715-4FCC-B6B6-A079647D0473}" type="presOf" srcId="{20B49531-77B0-4636-BFD2-A0EA7B6986AC}" destId="{F7216E8E-A7F4-46B4-B678-774A67E7B862}" srcOrd="0" destOrd="1" presId="urn:microsoft.com/office/officeart/2005/8/layout/hList1"/>
+    <dgm:cxn modelId="{C871862B-9AEF-4241-B5F1-72390322F45B}" srcId="{4BDC33B7-B35A-4465-A8DE-2636A9C6BE09}" destId="{4AFE6D26-0E90-4D8A-80F3-C770DF927876}" srcOrd="1" destOrd="0" parTransId="{7D271641-257E-4FCF-B030-8CFCD54E7DD6}" sibTransId="{C9F10118-1DBB-4DCF-9862-4EADE7C3778A}"/>
+    <dgm:cxn modelId="{0D984160-1F32-41E0-A2FB-F2EF0D975611}" type="presOf" srcId="{B0366C5D-EA7D-4966-9CA9-561E54FEB567}" destId="{9DDB90BD-C2FD-4DB1-8F55-69937283D203}" srcOrd="0" destOrd="4" presId="urn:microsoft.com/office/officeart/2005/8/layout/hList1"/>
+    <dgm:cxn modelId="{1FBB9741-CFEE-46FA-95DB-7D751139F8FD}" srcId="{180EB683-A1EA-4B91-9AF3-3F00217B8B98}" destId="{20B49531-77B0-4636-BFD2-A0EA7B6986AC}" srcOrd="1" destOrd="0" parTransId="{93F6FFE7-FEA4-4954-89D8-B704489A1EAE}" sibTransId="{FE14B3C6-EAB6-42BF-AD93-F30F505BAB34}"/>
+    <dgm:cxn modelId="{E9CB4E43-B090-4DEF-ACCA-B439C6A25EA4}" type="presOf" srcId="{80206D42-DA83-437F-8240-F0653CF23183}" destId="{9DDB90BD-C2FD-4DB1-8F55-69937283D203}" srcOrd="0" destOrd="2" presId="urn:microsoft.com/office/officeart/2005/8/layout/hList1"/>
+    <dgm:cxn modelId="{51A08E4A-7428-4ED3-80A7-3BFE621CDC55}" srcId="{C2518A44-B73A-4A29-A35F-B94DF474182B}" destId="{22850F48-65A7-4476-B06A-CED6F0AF6AEE}" srcOrd="0" destOrd="0" parTransId="{2D37978D-627C-4D47-85C1-14648E62AF99}" sibTransId="{7619A410-0CC5-45C8-A4A4-8410EACD6DE0}"/>
+    <dgm:cxn modelId="{8857BC4C-C143-4E56-B193-AF48F0878677}" srcId="{180EB683-A1EA-4B91-9AF3-3F00217B8B98}" destId="{7FCDD66C-699A-4D90-A754-077D5443FB22}" srcOrd="0" destOrd="0" parTransId="{F08F1C59-D17B-452F-821F-3CB81E300964}" sibTransId="{C16C31E5-6495-4568-81C2-A8B154AECD33}"/>
+    <dgm:cxn modelId="{EA394C72-F496-4A85-B007-AA2678F36451}" type="presOf" srcId="{E4C4DEB2-B598-4B2C-AD03-5C49BFB4D091}" destId="{F7216E8E-A7F4-46B4-B678-774A67E7B862}" srcOrd="0" destOrd="2" presId="urn:microsoft.com/office/officeart/2005/8/layout/hList1"/>
+    <dgm:cxn modelId="{F81D7953-9AAA-42A3-AF02-7980A597656E}" srcId="{22850F48-65A7-4476-B06A-CED6F0AF6AEE}" destId="{FA30DAAF-B7F6-4EB2-AF42-585AA3C90A41}" srcOrd="0" destOrd="0" parTransId="{3B91B716-446E-4F3C-B39A-E89A322E43D4}" sibTransId="{307429C4-706B-4F67-A3EA-78FEA9544C65}"/>
+    <dgm:cxn modelId="{943F2376-F024-4318-BE94-80DD2EF2D224}" srcId="{4BDC33B7-B35A-4465-A8DE-2636A9C6BE09}" destId="{B0366C5D-EA7D-4966-9CA9-561E54FEB567}" srcOrd="4" destOrd="0" parTransId="{EC1CD055-FC06-4DD7-B901-9A15E92F24E8}" sibTransId="{74480BBA-AD7B-4168-A8AD-75A259E340AC}"/>
+    <dgm:cxn modelId="{B06B1159-BE96-4389-B8C9-E50F898B6C23}" type="presOf" srcId="{180EB683-A1EA-4B91-9AF3-3F00217B8B98}" destId="{385A7053-68FF-4E1B-BB19-44E9ED8EE973}" srcOrd="0" destOrd="0" presId="urn:microsoft.com/office/officeart/2005/8/layout/hList1"/>
+    <dgm:cxn modelId="{7910127E-D1B1-4E7C-93F6-BAC6B03E5529}" type="presOf" srcId="{C121321F-4FED-40C1-A1B2-0D6BC1089DD2}" destId="{7E8CC8F3-9747-4651-A684-2CE9D875B220}" srcOrd="0" destOrd="4" presId="urn:microsoft.com/office/officeart/2005/8/layout/hList1"/>
+    <dgm:cxn modelId="{B80C0781-EBEC-42F5-8481-60F108EB798C}" srcId="{22850F48-65A7-4476-B06A-CED6F0AF6AEE}" destId="{C121321F-4FED-40C1-A1B2-0D6BC1089DD2}" srcOrd="4" destOrd="0" parTransId="{6B771F8A-4297-45CF-A609-C1ACDE4C3B37}" sibTransId="{A6A731A7-607B-4C73-86FF-E1AA52FE9F85}"/>
+    <dgm:cxn modelId="{92DFAB85-6BBE-4E2F-B215-94BDBE0F6085}" srcId="{4BDC33B7-B35A-4465-A8DE-2636A9C6BE09}" destId="{001AA78D-053B-44CD-8BC7-1045EF1E0A73}" srcOrd="3" destOrd="0" parTransId="{BB5A0FBA-B8B9-4D61-BFE2-5B5A53E45CE6}" sibTransId="{24C21EC0-5D48-4807-9891-A825A1EBCBB4}"/>
+    <dgm:cxn modelId="{1BE8EE96-CB01-413B-8809-F20328860F51}" type="presOf" srcId="{2B215F43-3CFE-4CFC-BC04-1BA03C6A0B9A}" destId="{9DDB90BD-C2FD-4DB1-8F55-69937283D203}" srcOrd="0" destOrd="5" presId="urn:microsoft.com/office/officeart/2005/8/layout/hList1"/>
+    <dgm:cxn modelId="{4DD0379E-9434-459B-948D-AACB26B28431}" srcId="{4BDC33B7-B35A-4465-A8DE-2636A9C6BE09}" destId="{80206D42-DA83-437F-8240-F0653CF23183}" srcOrd="2" destOrd="0" parTransId="{3F82D6C5-4032-463E-B7C9-C0DBE7C85F19}" sibTransId="{48E65520-E361-421C-8C40-372CFC2F1D12}"/>
+    <dgm:cxn modelId="{DA7EE89F-799D-41FC-9563-423813D0A28C}" type="presOf" srcId="{C2518A44-B73A-4A29-A35F-B94DF474182B}" destId="{8162D459-ED3F-4D37-BBFD-9B1C303C300D}" srcOrd="0" destOrd="0" presId="urn:microsoft.com/office/officeart/2005/8/layout/hList1"/>
+    <dgm:cxn modelId="{50A38EA5-0875-4260-A911-13F63F928AAF}" srcId="{22850F48-65A7-4476-B06A-CED6F0AF6AEE}" destId="{7CC58525-377E-4BF3-91DF-68E612E2644F}" srcOrd="1" destOrd="0" parTransId="{BC01516B-9309-4C79-80F3-8F463EC41A69}" sibTransId="{CCF37F85-BB93-460E-91C2-B48EC5C5B0C1}"/>
+    <dgm:cxn modelId="{2F0A2AA9-E8E1-4C4F-805F-F0F404F5AC12}" srcId="{4BDC33B7-B35A-4465-A8DE-2636A9C6BE09}" destId="{2B215F43-3CFE-4CFC-BC04-1BA03C6A0B9A}" srcOrd="5" destOrd="0" parTransId="{CE995A1F-86E9-4DEC-8066-DE08FF9DEBB7}" sibTransId="{2FDF7CB6-5CA7-46A4-8408-22B9D30A57EF}"/>
+    <dgm:cxn modelId="{E72230AB-6F3A-446C-BB7C-E214304ED193}" srcId="{22850F48-65A7-4476-B06A-CED6F0AF6AEE}" destId="{2AE73FC7-3C0A-4DE1-AF1E-BE7CAE1F70CC}" srcOrd="3" destOrd="0" parTransId="{84734AC6-49B2-45CE-BFE3-B298CAC73C32}" sibTransId="{115A7567-8E42-4069-B34E-1EAF5B9CF0C5}"/>
+    <dgm:cxn modelId="{A0C1D5B4-D549-4C62-83FE-443C88E469EE}" srcId="{C2518A44-B73A-4A29-A35F-B94DF474182B}" destId="{180EB683-A1EA-4B91-9AF3-3F00217B8B98}" srcOrd="1" destOrd="0" parTransId="{3C183CA5-656A-4DB8-A1DA-030358CE7B71}" sibTransId="{5034F180-4282-48E4-B472-927D444A5849}"/>
+    <dgm:cxn modelId="{B255C6B6-1445-412F-A081-5C203AFC6B43}" type="presOf" srcId="{94172A09-50DC-4007-91FF-2A5427CC897B}" destId="{9DDB90BD-C2FD-4DB1-8F55-69937283D203}" srcOrd="0" destOrd="0" presId="urn:microsoft.com/office/officeart/2005/8/layout/hList1"/>
+    <dgm:cxn modelId="{A2D905C8-F6FC-4207-AED6-B01C4D05D441}" type="presOf" srcId="{4AFE6D26-0E90-4D8A-80F3-C770DF927876}" destId="{9DDB90BD-C2FD-4DB1-8F55-69937283D203}" srcOrd="0" destOrd="1" presId="urn:microsoft.com/office/officeart/2005/8/layout/hList1"/>
+    <dgm:cxn modelId="{8F966ACF-F538-4219-829D-531E9B5930B4}" type="presOf" srcId="{22850F48-65A7-4476-B06A-CED6F0AF6AEE}" destId="{410FFDFB-95F8-4805-A9CC-AA75C207C5C8}" srcOrd="0" destOrd="0" presId="urn:microsoft.com/office/officeart/2005/8/layout/hList1"/>
+    <dgm:cxn modelId="{C9157AD2-957A-46CE-A2EB-C52E80E3654F}" type="presOf" srcId="{FA30DAAF-B7F6-4EB2-AF42-585AA3C90A41}" destId="{7E8CC8F3-9747-4651-A684-2CE9D875B220}" srcOrd="0" destOrd="0" presId="urn:microsoft.com/office/officeart/2005/8/layout/hList1"/>
+    <dgm:cxn modelId="{CD695CD9-5B17-4CD8-9154-7C820C181B23}" srcId="{C2518A44-B73A-4A29-A35F-B94DF474182B}" destId="{4BDC33B7-B35A-4465-A8DE-2636A9C6BE09}" srcOrd="2" destOrd="0" parTransId="{EE2C7454-F195-4E1F-A171-82CB25630C73}" sibTransId="{F8E437E6-BD30-4F8D-A6CA-E9E329DF9AD1}"/>
+    <dgm:cxn modelId="{EF426BDB-3205-42AA-87B1-32CF51085D0B}" type="presOf" srcId="{2AE73FC7-3C0A-4DE1-AF1E-BE7CAE1F70CC}" destId="{7E8CC8F3-9747-4651-A684-2CE9D875B220}" srcOrd="0" destOrd="3" presId="urn:microsoft.com/office/officeart/2005/8/layout/hList1"/>
+    <dgm:cxn modelId="{029615E5-9C25-4252-8B40-D2FB945BF140}" type="presOf" srcId="{4BDC33B7-B35A-4465-A8DE-2636A9C6BE09}" destId="{EDC4DDB1-9E81-4BFC-AB95-2094539CCEA0}" srcOrd="0" destOrd="0" presId="urn:microsoft.com/office/officeart/2005/8/layout/hList1"/>
+    <dgm:cxn modelId="{1711FAEA-F83C-4C38-BA56-FA335B01B65B}" type="presOf" srcId="{FC09F090-294E-4E88-85B5-F888267AA0A8}" destId="{7E8CC8F3-9747-4651-A684-2CE9D875B220}" srcOrd="0" destOrd="2" presId="urn:microsoft.com/office/officeart/2005/8/layout/hList1"/>
+    <dgm:cxn modelId="{AB25E4F3-1CC1-42BF-BD76-418C383FF36C}" type="presOf" srcId="{7CC58525-377E-4BF3-91DF-68E612E2644F}" destId="{7E8CC8F3-9747-4651-A684-2CE9D875B220}" srcOrd="0" destOrd="1" presId="urn:microsoft.com/office/officeart/2005/8/layout/hList1"/>
+    <dgm:cxn modelId="{E5D57FFF-CBCE-47CC-916A-D029DF8F2759}" type="presOf" srcId="{7FCDD66C-699A-4D90-A754-077D5443FB22}" destId="{F7216E8E-A7F4-46B4-B678-774A67E7B862}" srcOrd="0" destOrd="0" presId="urn:microsoft.com/office/officeart/2005/8/layout/hList1"/>
+    <dgm:cxn modelId="{6D96D1E9-702D-406E-9128-AF83EB87F066}" type="presParOf" srcId="{8162D459-ED3F-4D37-BBFD-9B1C303C300D}" destId="{D89C6CF8-3572-4081-B800-FAC3CB69D3FC}" srcOrd="0" destOrd="0" presId="urn:microsoft.com/office/officeart/2005/8/layout/hList1"/>
+    <dgm:cxn modelId="{2618F597-A3A3-45F4-BA6E-8FCF598F8D74}" type="presParOf" srcId="{D89C6CF8-3572-4081-B800-FAC3CB69D3FC}" destId="{410FFDFB-95F8-4805-A9CC-AA75C207C5C8}" srcOrd="0" destOrd="0" presId="urn:microsoft.com/office/officeart/2005/8/layout/hList1"/>
+    <dgm:cxn modelId="{6A6BFCE8-4714-4E74-9CC8-162BB211906C}" type="presParOf" srcId="{D89C6CF8-3572-4081-B800-FAC3CB69D3FC}" destId="{7E8CC8F3-9747-4651-A684-2CE9D875B220}" srcOrd="1" destOrd="0" presId="urn:microsoft.com/office/officeart/2005/8/layout/hList1"/>
+    <dgm:cxn modelId="{984B8E1D-49D4-4C20-AAF8-00E184C19515}" type="presParOf" srcId="{8162D459-ED3F-4D37-BBFD-9B1C303C300D}" destId="{BE7C13C0-CE77-4B66-AC31-6EE4D822E66E}" srcOrd="1" destOrd="0" presId="urn:microsoft.com/office/officeart/2005/8/layout/hList1"/>
+    <dgm:cxn modelId="{9837B506-C74E-461A-98D5-B6A16C7206D9}" type="presParOf" srcId="{8162D459-ED3F-4D37-BBFD-9B1C303C300D}" destId="{96BFDF9F-D4AD-4C9C-89DE-EDED7A3BAEA7}" srcOrd="2" destOrd="0" presId="urn:microsoft.com/office/officeart/2005/8/layout/hList1"/>
+    <dgm:cxn modelId="{6DED7C1E-6A57-4F08-AF9E-B0616EED30C1}" type="presParOf" srcId="{96BFDF9F-D4AD-4C9C-89DE-EDED7A3BAEA7}" destId="{385A7053-68FF-4E1B-BB19-44E9ED8EE973}" srcOrd="0" destOrd="0" presId="urn:microsoft.com/office/officeart/2005/8/layout/hList1"/>
+    <dgm:cxn modelId="{795CEA52-993F-43A1-A27E-DB7A9D8FED8E}" type="presParOf" srcId="{96BFDF9F-D4AD-4C9C-89DE-EDED7A3BAEA7}" destId="{F7216E8E-A7F4-46B4-B678-774A67E7B862}" srcOrd="1" destOrd="0" presId="urn:microsoft.com/office/officeart/2005/8/layout/hList1"/>
+    <dgm:cxn modelId="{F4CA7BAA-42DF-4E4A-988B-B61C95DBFFD9}" type="presParOf" srcId="{8162D459-ED3F-4D37-BBFD-9B1C303C300D}" destId="{7621F11E-4D90-4305-8DCD-D12C7B6EB054}" srcOrd="3" destOrd="0" presId="urn:microsoft.com/office/officeart/2005/8/layout/hList1"/>
+    <dgm:cxn modelId="{36B1F688-AE00-43D7-BD3B-838B64D307E5}" type="presParOf" srcId="{8162D459-ED3F-4D37-BBFD-9B1C303C300D}" destId="{66FEEA87-9168-4022-86B2-7EFD70A2A0BB}" srcOrd="4" destOrd="0" presId="urn:microsoft.com/office/officeart/2005/8/layout/hList1"/>
+    <dgm:cxn modelId="{434F8311-8C02-4C72-A165-878014045EB4}" type="presParOf" srcId="{66FEEA87-9168-4022-86B2-7EFD70A2A0BB}" destId="{EDC4DDB1-9E81-4BFC-AB95-2094539CCEA0}" srcOrd="0" destOrd="0" presId="urn:microsoft.com/office/officeart/2005/8/layout/hList1"/>
+    <dgm:cxn modelId="{04BDB0CF-0CC4-4CB0-A1DB-D1447505A720}" type="presParOf" srcId="{66FEEA87-9168-4022-86B2-7EFD70A2A0BB}" destId="{9DDB90BD-C2FD-4DB1-8F55-69937283D203}" srcOrd="1" destOrd="0" presId="urn:microsoft.com/office/officeart/2005/8/layout/hList1"/>
+  </dgm:cxnLst>
+  <dgm:bg/>
+  <dgm:whole/>
+  <dgm:extLst>
+    <a:ext uri="http://schemas.microsoft.com/office/drawing/2008/diagram">
+      <dsp:dataModelExt xmlns:dsp="http://schemas.microsoft.com/office/drawing/2008/diagram" relId="rId7" minVer="http://schemas.openxmlformats.org/drawingml/2006/diagram"/>
+    </a:ext>
+  </dgm:extLst>
+</dgm:dataModel>
+</file>
+
+<file path=ppt/diagrams/drawing1.xml><?xml version="1.0" encoding="utf-8"?>
+<dsp:drawing xmlns:dgm="http://schemas.openxmlformats.org/drawingml/2006/diagram" xmlns:dsp="http://schemas.microsoft.com/office/drawing/2008/diagram" xmlns:a="http://schemas.openxmlformats.org/drawingml/2006/main">
+  <dsp:spTree>
+    <dsp:nvGrpSpPr>
+      <dsp:cNvPr id="0" name=""/>
+      <dsp:cNvGrpSpPr/>
+    </dsp:nvGrpSpPr>
+    <dsp:grpSpPr/>
+    <dsp:sp modelId="{410FFDFB-95F8-4805-A9CC-AA75C207C5C8}">
+      <dsp:nvSpPr>
+        <dsp:cNvPr id="0" name=""/>
+        <dsp:cNvSpPr/>
+      </dsp:nvSpPr>
+      <dsp:spPr>
+        <a:xfrm>
+          <a:off x="3109" y="61963"/>
+          <a:ext cx="3032054" cy="626903"/>
+        </a:xfrm>
+        <a:prstGeom prst="rect">
+          <a:avLst/>
+        </a:prstGeom>
+        <a:solidFill>
+          <a:schemeClr val="accent1">
+            <a:hueOff val="0"/>
+            <a:satOff val="0"/>
+            <a:lumOff val="0"/>
+            <a:alphaOff val="0"/>
+          </a:schemeClr>
+        </a:solidFill>
+        <a:ln w="25400" cap="flat" cmpd="sng" algn="ctr">
+          <a:solidFill>
+            <a:schemeClr val="accent1">
+              <a:hueOff val="0"/>
+              <a:satOff val="0"/>
+              <a:lumOff val="0"/>
+              <a:alphaOff val="0"/>
+            </a:schemeClr>
+          </a:solidFill>
+          <a:prstDash val="solid"/>
+        </a:ln>
+        <a:effectLst/>
+      </dsp:spPr>
+      <dsp:style>
+        <a:lnRef idx="2">
+          <a:scrgbClr r="0" g="0" b="0"/>
+        </a:lnRef>
+        <a:fillRef idx="1">
+          <a:scrgbClr r="0" g="0" b="0"/>
+        </a:fillRef>
+        <a:effectRef idx="0">
+          <a:scrgbClr r="0" g="0" b="0"/>
+        </a:effectRef>
+        <a:fontRef idx="minor">
+          <a:schemeClr val="lt1"/>
+        </a:fontRef>
+      </dsp:style>
+      <dsp:txBody>
+        <a:bodyPr spcFirstLastPara="0" vert="horz" wrap="square" lIns="128016" tIns="73152" rIns="128016" bIns="73152" numCol="1" spcCol="1270" anchor="ctr" anchorCtr="0">
+          <a:noAutofit/>
+        </a:bodyPr>
+        <a:lstStyle/>
+        <a:p>
+          <a:pPr marL="0" lvl="0" indent="0" algn="ctr" defTabSz="800100">
+            <a:lnSpc>
+              <a:spcPct val="90000"/>
+            </a:lnSpc>
+            <a:spcBef>
+              <a:spcPct val="0"/>
+            </a:spcBef>
+            <a:spcAft>
+              <a:spcPct val="35000"/>
+            </a:spcAft>
+            <a:buNone/>
+          </a:pPr>
+          <a:r>
+            <a:rPr lang="en-HK" sz="1800" b="1" kern="1200" noProof="0" dirty="0"/>
+            <a:t>Internet of Things </a:t>
+          </a:r>
+          <a:r>
+            <a:rPr lang="en-HK" sz="1800" kern="1200" noProof="0" dirty="0"/>
+            <a:t>(IoT)</a:t>
+          </a:r>
+        </a:p>
+      </dsp:txBody>
+      <dsp:txXfrm>
+        <a:off x="3109" y="61963"/>
+        <a:ext cx="3032054" cy="626903"/>
+      </dsp:txXfrm>
+    </dsp:sp>
+    <dsp:sp modelId="{7E8CC8F3-9747-4651-A684-2CE9D875B220}">
+      <dsp:nvSpPr>
+        <dsp:cNvPr id="0" name=""/>
+        <dsp:cNvSpPr/>
+      </dsp:nvSpPr>
+      <dsp:spPr>
+        <a:xfrm>
+          <a:off x="3109" y="688866"/>
+          <a:ext cx="3032054" cy="4063972"/>
+        </a:xfrm>
+        <a:prstGeom prst="rect">
+          <a:avLst/>
+        </a:prstGeom>
+        <a:solidFill>
+          <a:schemeClr val="accent1">
+            <a:alpha val="90000"/>
+            <a:tint val="40000"/>
+            <a:hueOff val="0"/>
+            <a:satOff val="0"/>
+            <a:lumOff val="0"/>
+            <a:alphaOff val="0"/>
+          </a:schemeClr>
+        </a:solidFill>
+        <a:ln w="25400" cap="flat" cmpd="sng" algn="ctr">
+          <a:solidFill>
+            <a:schemeClr val="accent1">
+              <a:alpha val="90000"/>
+              <a:tint val="40000"/>
+              <a:hueOff val="0"/>
+              <a:satOff val="0"/>
+              <a:lumOff val="0"/>
+              <a:alphaOff val="0"/>
+            </a:schemeClr>
+          </a:solidFill>
+          <a:prstDash val="solid"/>
+        </a:ln>
+        <a:effectLst/>
+      </dsp:spPr>
+      <dsp:style>
+        <a:lnRef idx="2">
+          <a:scrgbClr r="0" g="0" b="0"/>
+        </a:lnRef>
+        <a:fillRef idx="1">
+          <a:scrgbClr r="0" g="0" b="0"/>
+        </a:fillRef>
+        <a:effectRef idx="0">
+          <a:scrgbClr r="0" g="0" b="0"/>
+        </a:effectRef>
+        <a:fontRef idx="minor"/>
+      </dsp:style>
+      <dsp:txBody>
+        <a:bodyPr spcFirstLastPara="0" vert="horz" wrap="square" lIns="96012" tIns="96012" rIns="128016" bIns="144018" numCol="1" spcCol="1270" anchor="t" anchorCtr="0">
+          <a:noAutofit/>
+        </a:bodyPr>
+        <a:lstStyle/>
+        <a:p>
+          <a:pPr marL="171450" lvl="1" indent="-171450" algn="l" defTabSz="800100">
+            <a:lnSpc>
+              <a:spcPct val="90000"/>
+            </a:lnSpc>
+            <a:spcBef>
+              <a:spcPct val="0"/>
+            </a:spcBef>
+            <a:spcAft>
+              <a:spcPct val="15000"/>
+            </a:spcAft>
+            <a:buChar char="•"/>
+          </a:pPr>
+          <a:r>
+            <a:rPr lang="de-DE" sz="1800" kern="1200" dirty="0"/>
+            <a:t>Industry 4.0</a:t>
+          </a:r>
+        </a:p>
+        <a:p>
+          <a:pPr marL="171450" lvl="1" indent="-171450" algn="l" defTabSz="800100">
+            <a:lnSpc>
+              <a:spcPct val="90000"/>
+            </a:lnSpc>
+            <a:spcBef>
+              <a:spcPct val="0"/>
+            </a:spcBef>
+            <a:spcAft>
+              <a:spcPct val="15000"/>
+            </a:spcAft>
+            <a:buChar char="•"/>
+          </a:pPr>
+          <a:r>
+            <a:rPr lang="en-US" sz="1800" kern="1200" dirty="0"/>
+            <a:t>Networking of objects and machines via the</a:t>
+          </a:r>
+          <a:br>
+            <a:rPr lang="en-US" sz="1800" kern="1200" dirty="0"/>
+          </a:br>
+          <a:r>
+            <a:rPr lang="en-US" sz="1800" kern="1200" dirty="0"/>
+            <a:t>Interne</a:t>
+          </a:r>
+          <a:endParaRPr lang="de-DE" sz="1800" kern="1200" dirty="0"/>
+        </a:p>
+        <a:p>
+          <a:pPr marL="171450" lvl="1" indent="-171450" algn="l" defTabSz="800100">
+            <a:lnSpc>
+              <a:spcPct val="90000"/>
+            </a:lnSpc>
+            <a:spcBef>
+              <a:spcPct val="0"/>
+            </a:spcBef>
+            <a:spcAft>
+              <a:spcPct val="15000"/>
+            </a:spcAft>
+            <a:buChar char="•"/>
+          </a:pPr>
+          <a:r>
+            <a:rPr lang="de-DE" sz="1800" kern="1200" dirty="0"/>
+            <a:t>Devices </a:t>
+          </a:r>
+          <a:r>
+            <a:rPr lang="de-DE" sz="1800" kern="1200" dirty="0" err="1"/>
+            <a:t>with</a:t>
+          </a:r>
+          <a:r>
+            <a:rPr lang="de-DE" sz="1800" kern="1200" dirty="0"/>
+            <a:t> </a:t>
+          </a:r>
+          <a:r>
+            <a:rPr lang="de-DE" sz="1800" kern="1200" dirty="0" err="1"/>
+            <a:t>unique</a:t>
+          </a:r>
+          <a:r>
+            <a:rPr lang="de-DE" sz="1800" kern="1200" dirty="0"/>
+            <a:t> </a:t>
+          </a:r>
+          <a:r>
+            <a:rPr lang="de-DE" sz="1800" kern="1200" dirty="0" err="1"/>
+            <a:t>identity</a:t>
+          </a:r>
+          <a:endParaRPr lang="de-DE" sz="1800" kern="1200" dirty="0"/>
+        </a:p>
+        <a:p>
+          <a:pPr marL="171450" lvl="1" indent="-171450" algn="l" defTabSz="800100">
+            <a:lnSpc>
+              <a:spcPct val="90000"/>
+            </a:lnSpc>
+            <a:spcBef>
+              <a:spcPct val="0"/>
+            </a:spcBef>
+            <a:spcAft>
+              <a:spcPct val="15000"/>
+            </a:spcAft>
+            <a:buChar char="•"/>
+          </a:pPr>
+          <a:r>
+            <a:rPr lang="de-DE" sz="1800" kern="1200" dirty="0"/>
+            <a:t>Sensors and RFID </a:t>
+          </a:r>
+          <a:r>
+            <a:rPr lang="de-DE" sz="1800" kern="1200" dirty="0" err="1"/>
+            <a:t>technology</a:t>
+          </a:r>
+          <a:endParaRPr lang="de-DE" sz="1800" kern="1200" dirty="0"/>
+        </a:p>
+        <a:p>
+          <a:pPr marL="171450" lvl="1" indent="-171450" algn="l" defTabSz="800100">
+            <a:lnSpc>
+              <a:spcPct val="90000"/>
+            </a:lnSpc>
+            <a:spcBef>
+              <a:spcPct val="0"/>
+            </a:spcBef>
+            <a:spcAft>
+              <a:spcPct val="15000"/>
+            </a:spcAft>
+            <a:buChar char="•"/>
+          </a:pPr>
+          <a:r>
+            <a:rPr lang="de-DE" sz="1800" kern="1200" dirty="0"/>
+            <a:t>Machine-2-Machine</a:t>
+          </a:r>
+          <a:br>
+            <a:rPr lang="de-DE" sz="1800" kern="1200" dirty="0"/>
+          </a:br>
+          <a:r>
+            <a:rPr lang="de-DE" sz="1800" kern="1200" dirty="0" err="1"/>
+            <a:t>communication</a:t>
+          </a:r>
+          <a:endParaRPr lang="de-DE" sz="1800" kern="1200" dirty="0"/>
+        </a:p>
+      </dsp:txBody>
+      <dsp:txXfrm>
+        <a:off x="3109" y="688866"/>
+        <a:ext cx="3032054" cy="4063972"/>
+      </dsp:txXfrm>
+    </dsp:sp>
+    <dsp:sp modelId="{385A7053-68FF-4E1B-BB19-44E9ED8EE973}">
+      <dsp:nvSpPr>
+        <dsp:cNvPr id="0" name=""/>
+        <dsp:cNvSpPr/>
+      </dsp:nvSpPr>
+      <dsp:spPr>
+        <a:xfrm>
+          <a:off x="3459651" y="61963"/>
+          <a:ext cx="3032054" cy="626903"/>
+        </a:xfrm>
+        <a:prstGeom prst="rect">
+          <a:avLst/>
+        </a:prstGeom>
+        <a:solidFill>
+          <a:schemeClr val="accent1">
+            <a:hueOff val="0"/>
+            <a:satOff val="0"/>
+            <a:lumOff val="0"/>
+            <a:alphaOff val="0"/>
+          </a:schemeClr>
+        </a:solidFill>
+        <a:ln w="25400" cap="flat" cmpd="sng" algn="ctr">
+          <a:solidFill>
+            <a:schemeClr val="accent1">
+              <a:hueOff val="0"/>
+              <a:satOff val="0"/>
+              <a:lumOff val="0"/>
+              <a:alphaOff val="0"/>
+            </a:schemeClr>
+          </a:solidFill>
+          <a:prstDash val="solid"/>
+        </a:ln>
+        <a:effectLst/>
+      </dsp:spPr>
+      <dsp:style>
+        <a:lnRef idx="2">
+          <a:scrgbClr r="0" g="0" b="0"/>
+        </a:lnRef>
+        <a:fillRef idx="1">
+          <a:scrgbClr r="0" g="0" b="0"/>
+        </a:fillRef>
+        <a:effectRef idx="0">
+          <a:scrgbClr r="0" g="0" b="0"/>
+        </a:effectRef>
+        <a:fontRef idx="minor">
+          <a:schemeClr val="lt1"/>
+        </a:fontRef>
+      </dsp:style>
+      <dsp:txBody>
+        <a:bodyPr spcFirstLastPara="0" vert="horz" wrap="square" lIns="128016" tIns="73152" rIns="128016" bIns="73152" numCol="1" spcCol="1270" anchor="ctr" anchorCtr="0">
+          <a:noAutofit/>
+        </a:bodyPr>
+        <a:lstStyle/>
+        <a:p>
+          <a:pPr marL="0" lvl="0" indent="0" algn="ctr" defTabSz="800100">
+            <a:lnSpc>
+              <a:spcPct val="90000"/>
+            </a:lnSpc>
+            <a:spcBef>
+              <a:spcPct val="0"/>
+            </a:spcBef>
+            <a:spcAft>
+              <a:spcPct val="35000"/>
+            </a:spcAft>
+            <a:buNone/>
+          </a:pPr>
+          <a:r>
+            <a:rPr lang="de-DE" sz="1800" b="1" kern="1200" dirty="0"/>
+            <a:t>Green Internet </a:t>
+          </a:r>
+          <a:r>
+            <a:rPr lang="de-DE" sz="1800" b="1" kern="1200" dirty="0" err="1"/>
+            <a:t>of</a:t>
+          </a:r>
+          <a:r>
+            <a:rPr lang="de-DE" sz="1800" b="1" kern="1200" dirty="0"/>
+            <a:t> Things</a:t>
+          </a:r>
+          <a:br>
+            <a:rPr lang="de-DE" sz="1800" kern="1200" dirty="0"/>
+          </a:br>
+          <a:r>
+            <a:rPr lang="de-DE" sz="1800" kern="1200" dirty="0"/>
+            <a:t>(G-IoT)</a:t>
+          </a:r>
+        </a:p>
+      </dsp:txBody>
+      <dsp:txXfrm>
+        <a:off x="3459651" y="61963"/>
+        <a:ext cx="3032054" cy="626903"/>
+      </dsp:txXfrm>
+    </dsp:sp>
+    <dsp:sp modelId="{F7216E8E-A7F4-46B4-B678-774A67E7B862}">
+      <dsp:nvSpPr>
+        <dsp:cNvPr id="0" name=""/>
+        <dsp:cNvSpPr/>
+      </dsp:nvSpPr>
+      <dsp:spPr>
+        <a:xfrm>
+          <a:off x="3459651" y="688866"/>
+          <a:ext cx="3032054" cy="4063972"/>
+        </a:xfrm>
+        <a:prstGeom prst="rect">
+          <a:avLst/>
+        </a:prstGeom>
+        <a:solidFill>
+          <a:schemeClr val="accent1">
+            <a:alpha val="90000"/>
+            <a:tint val="40000"/>
+            <a:hueOff val="0"/>
+            <a:satOff val="0"/>
+            <a:lumOff val="0"/>
+            <a:alphaOff val="0"/>
+          </a:schemeClr>
+        </a:solidFill>
+        <a:ln w="25400" cap="flat" cmpd="sng" algn="ctr">
+          <a:solidFill>
+            <a:schemeClr val="accent1">
+              <a:alpha val="90000"/>
+              <a:tint val="40000"/>
+              <a:hueOff val="0"/>
+              <a:satOff val="0"/>
+              <a:lumOff val="0"/>
+              <a:alphaOff val="0"/>
+            </a:schemeClr>
+          </a:solidFill>
+          <a:prstDash val="solid"/>
+        </a:ln>
+        <a:effectLst/>
+      </dsp:spPr>
+      <dsp:style>
+        <a:lnRef idx="2">
+          <a:scrgbClr r="0" g="0" b="0"/>
+        </a:lnRef>
+        <a:fillRef idx="1">
+          <a:scrgbClr r="0" g="0" b="0"/>
+        </a:fillRef>
+        <a:effectRef idx="0">
+          <a:scrgbClr r="0" g="0" b="0"/>
+        </a:effectRef>
+        <a:fontRef idx="minor"/>
+      </dsp:style>
+      <dsp:txBody>
+        <a:bodyPr spcFirstLastPara="0" vert="horz" wrap="square" lIns="96012" tIns="96012" rIns="128016" bIns="144018" numCol="1" spcCol="1270" anchor="t" anchorCtr="0">
+          <a:noAutofit/>
+        </a:bodyPr>
+        <a:lstStyle/>
+        <a:p>
+          <a:pPr marL="171450" lvl="1" indent="-171450" algn="l" defTabSz="800100">
+            <a:lnSpc>
+              <a:spcPct val="90000"/>
+            </a:lnSpc>
+            <a:spcBef>
+              <a:spcPct val="0"/>
+            </a:spcBef>
+            <a:spcAft>
+              <a:spcPct val="15000"/>
+            </a:spcAft>
+            <a:buChar char="•"/>
+          </a:pPr>
+          <a:r>
+            <a:rPr lang="en-BZ" sz="1800" kern="1200" noProof="0" dirty="0"/>
+            <a:t>Make software and hardware more </a:t>
+          </a:r>
+          <a:r>
+            <a:rPr lang="en-BZ" sz="1800" kern="1200" noProof="0" dirty="0" err="1"/>
+            <a:t>sustaibable</a:t>
+          </a:r>
+          <a:endParaRPr lang="en-BZ" sz="1800" kern="1200" noProof="0" dirty="0"/>
+        </a:p>
+        <a:p>
+          <a:pPr marL="171450" lvl="1" indent="-171450" algn="l" defTabSz="800100">
+            <a:lnSpc>
+              <a:spcPct val="90000"/>
+            </a:lnSpc>
+            <a:spcBef>
+              <a:spcPct val="0"/>
+            </a:spcBef>
+            <a:spcAft>
+              <a:spcPct val="15000"/>
+            </a:spcAft>
+            <a:buChar char="•"/>
+          </a:pPr>
+          <a:r>
+            <a:rPr lang="en-BZ" sz="1800" kern="1200" noProof="0" dirty="0"/>
+            <a:t>Integration and monitoring of supply chain sustainability</a:t>
+          </a:r>
+        </a:p>
+        <a:p>
+          <a:pPr marL="171450" lvl="1" indent="-171450" algn="l" defTabSz="800100">
+            <a:lnSpc>
+              <a:spcPct val="90000"/>
+            </a:lnSpc>
+            <a:spcBef>
+              <a:spcPct val="0"/>
+            </a:spcBef>
+            <a:spcAft>
+              <a:spcPct val="15000"/>
+            </a:spcAft>
+            <a:buChar char="•"/>
+          </a:pPr>
+          <a:r>
+            <a:rPr lang="en-BZ" sz="1800" kern="1200" noProof="0" dirty="0"/>
+            <a:t>Reduce emissions and optimize logistics</a:t>
+          </a:r>
+        </a:p>
+      </dsp:txBody>
+      <dsp:txXfrm>
+        <a:off x="3459651" y="688866"/>
+        <a:ext cx="3032054" cy="4063972"/>
+      </dsp:txXfrm>
+    </dsp:sp>
+    <dsp:sp modelId="{EDC4DDB1-9E81-4BFC-AB95-2094539CCEA0}">
+      <dsp:nvSpPr>
+        <dsp:cNvPr id="0" name=""/>
+        <dsp:cNvSpPr/>
+      </dsp:nvSpPr>
+      <dsp:spPr>
+        <a:xfrm>
+          <a:off x="6916193" y="61963"/>
+          <a:ext cx="3032054" cy="626903"/>
+        </a:xfrm>
+        <a:prstGeom prst="rect">
+          <a:avLst/>
+        </a:prstGeom>
+        <a:solidFill>
+          <a:schemeClr val="accent1">
+            <a:hueOff val="0"/>
+            <a:satOff val="0"/>
+            <a:lumOff val="0"/>
+            <a:alphaOff val="0"/>
+          </a:schemeClr>
+        </a:solidFill>
+        <a:ln w="25400" cap="flat" cmpd="sng" algn="ctr">
+          <a:solidFill>
+            <a:schemeClr val="accent1">
+              <a:hueOff val="0"/>
+              <a:satOff val="0"/>
+              <a:lumOff val="0"/>
+              <a:alphaOff val="0"/>
+            </a:schemeClr>
+          </a:solidFill>
+          <a:prstDash val="solid"/>
+        </a:ln>
+        <a:effectLst/>
+      </dsp:spPr>
+      <dsp:style>
+        <a:lnRef idx="2">
+          <a:scrgbClr r="0" g="0" b="0"/>
+        </a:lnRef>
+        <a:fillRef idx="1">
+          <a:scrgbClr r="0" g="0" b="0"/>
+        </a:fillRef>
+        <a:effectRef idx="0">
+          <a:scrgbClr r="0" g="0" b="0"/>
+        </a:effectRef>
+        <a:fontRef idx="minor">
+          <a:schemeClr val="lt1"/>
+        </a:fontRef>
+      </dsp:style>
+      <dsp:txBody>
+        <a:bodyPr spcFirstLastPara="0" vert="horz" wrap="square" lIns="128016" tIns="73152" rIns="128016" bIns="73152" numCol="1" spcCol="1270" anchor="ctr" anchorCtr="0">
+          <a:noAutofit/>
+        </a:bodyPr>
+        <a:lstStyle/>
+        <a:p>
+          <a:pPr marL="0" lvl="0" indent="0" algn="ctr" defTabSz="800100">
+            <a:lnSpc>
+              <a:spcPct val="90000"/>
+            </a:lnSpc>
+            <a:spcBef>
+              <a:spcPct val="0"/>
+            </a:spcBef>
+            <a:spcAft>
+              <a:spcPct val="35000"/>
+            </a:spcAft>
+            <a:buNone/>
+          </a:pPr>
+          <a:r>
+            <a:rPr lang="en-US" sz="1800" b="1" kern="1200" dirty="0"/>
+            <a:t>Green Supply Chain Management </a:t>
+          </a:r>
+          <a:r>
+            <a:rPr lang="en-US" sz="1800" kern="1200" dirty="0"/>
+            <a:t>(GSCM)</a:t>
+          </a:r>
+          <a:endParaRPr lang="de-DE" sz="1800" kern="1200" dirty="0"/>
+        </a:p>
+      </dsp:txBody>
+      <dsp:txXfrm>
+        <a:off x="6916193" y="61963"/>
+        <a:ext cx="3032054" cy="626903"/>
+      </dsp:txXfrm>
+    </dsp:sp>
+    <dsp:sp modelId="{9DDB90BD-C2FD-4DB1-8F55-69937283D203}">
+      <dsp:nvSpPr>
+        <dsp:cNvPr id="0" name=""/>
+        <dsp:cNvSpPr/>
+      </dsp:nvSpPr>
+      <dsp:spPr>
+        <a:xfrm>
+          <a:off x="6916193" y="688866"/>
+          <a:ext cx="3032054" cy="4063972"/>
+        </a:xfrm>
+        <a:prstGeom prst="rect">
+          <a:avLst/>
+        </a:prstGeom>
+        <a:solidFill>
+          <a:schemeClr val="accent1">
+            <a:alpha val="90000"/>
+            <a:tint val="40000"/>
+            <a:hueOff val="0"/>
+            <a:satOff val="0"/>
+            <a:lumOff val="0"/>
+            <a:alphaOff val="0"/>
+          </a:schemeClr>
+        </a:solidFill>
+        <a:ln w="25400" cap="flat" cmpd="sng" algn="ctr">
+          <a:solidFill>
+            <a:schemeClr val="accent1">
+              <a:alpha val="90000"/>
+              <a:tint val="40000"/>
+              <a:hueOff val="0"/>
+              <a:satOff val="0"/>
+              <a:lumOff val="0"/>
+              <a:alphaOff val="0"/>
+            </a:schemeClr>
+          </a:solidFill>
+          <a:prstDash val="solid"/>
+        </a:ln>
+        <a:effectLst/>
+      </dsp:spPr>
+      <dsp:style>
+        <a:lnRef idx="2">
+          <a:scrgbClr r="0" g="0" b="0"/>
+        </a:lnRef>
+        <a:fillRef idx="1">
+          <a:scrgbClr r="0" g="0" b="0"/>
+        </a:fillRef>
+        <a:effectRef idx="0">
+          <a:scrgbClr r="0" g="0" b="0"/>
+        </a:effectRef>
+        <a:fontRef idx="minor"/>
+      </dsp:style>
+      <dsp:txBody>
+        <a:bodyPr spcFirstLastPara="0" vert="horz" wrap="square" lIns="96012" tIns="96012" rIns="128016" bIns="144018" numCol="1" spcCol="1270" anchor="t" anchorCtr="0">
+          <a:noAutofit/>
+        </a:bodyPr>
+        <a:lstStyle/>
+        <a:p>
+          <a:pPr marL="171450" lvl="1" indent="-171450" algn="l" defTabSz="800100">
+            <a:lnSpc>
+              <a:spcPct val="90000"/>
+            </a:lnSpc>
+            <a:spcBef>
+              <a:spcPct val="0"/>
+            </a:spcBef>
+            <a:spcAft>
+              <a:spcPct val="15000"/>
+            </a:spcAft>
+            <a:buChar char="•"/>
+          </a:pPr>
+          <a:r>
+            <a:rPr lang="en-US" sz="1800" kern="1200" dirty="0"/>
+            <a:t>Establishment and</a:t>
+          </a:r>
+          <a:br>
+            <a:rPr lang="en-US" sz="1800" kern="1200" dirty="0"/>
+          </a:br>
+          <a:r>
+            <a:rPr lang="en-US" sz="1800" kern="1200" dirty="0"/>
+            <a:t>management of supply chains</a:t>
+          </a:r>
+          <a:endParaRPr lang="de-DE" sz="1800" kern="1200" dirty="0"/>
+        </a:p>
+        <a:p>
+          <a:pPr marL="171450" lvl="1" indent="-171450" algn="l" defTabSz="800100">
+            <a:lnSpc>
+              <a:spcPct val="90000"/>
+            </a:lnSpc>
+            <a:spcBef>
+              <a:spcPct val="0"/>
+            </a:spcBef>
+            <a:spcAft>
+              <a:spcPct val="15000"/>
+            </a:spcAft>
+            <a:buChar char="•"/>
+          </a:pPr>
+          <a:r>
+            <a:rPr lang="de-DE" sz="1800" kern="1200" dirty="0" err="1"/>
+            <a:t>Consideration</a:t>
+          </a:r>
+          <a:r>
+            <a:rPr lang="de-DE" sz="1800" kern="1200" dirty="0"/>
+            <a:t> </a:t>
+          </a:r>
+          <a:r>
+            <a:rPr lang="de-DE" sz="1800" kern="1200" dirty="0" err="1"/>
+            <a:t>of</a:t>
+          </a:r>
+          <a:r>
+            <a:rPr lang="de-DE" sz="1800" kern="1200" dirty="0"/>
+            <a:t> </a:t>
+          </a:r>
+          <a:r>
+            <a:rPr lang="de-DE" sz="1800" kern="1200" dirty="0" err="1"/>
+            <a:t>process</a:t>
+          </a:r>
+          <a:r>
+            <a:rPr lang="de-DE" sz="1800" kern="1200" dirty="0"/>
+            <a:t> </a:t>
+          </a:r>
+          <a:r>
+            <a:rPr lang="de-DE" sz="1800" kern="1200" dirty="0" err="1"/>
+            <a:t>from</a:t>
+          </a:r>
+          <a:r>
+            <a:rPr lang="de-DE" sz="1800" kern="1200" dirty="0"/>
+            <a:t> </a:t>
+          </a:r>
+          <a:r>
+            <a:rPr lang="de-DE" sz="1800" kern="1200" dirty="0" err="1"/>
+            <a:t>raw</a:t>
+          </a:r>
+          <a:r>
+            <a:rPr lang="de-DE" sz="1800" kern="1200" dirty="0"/>
+            <a:t> material </a:t>
+          </a:r>
+          <a:r>
+            <a:rPr lang="de-DE" sz="1800" kern="1200" dirty="0" err="1"/>
+            <a:t>to</a:t>
+          </a:r>
+          <a:r>
+            <a:rPr lang="de-DE" sz="1800" kern="1200" dirty="0"/>
+            <a:t> </a:t>
+          </a:r>
+          <a:r>
+            <a:rPr lang="de-DE" sz="1800" kern="1200" dirty="0" err="1"/>
+            <a:t>consumer</a:t>
+          </a:r>
+          <a:endParaRPr lang="de-DE" sz="1800" kern="1200" dirty="0"/>
+        </a:p>
+        <a:p>
+          <a:pPr marL="171450" lvl="1" indent="-171450" algn="l" defTabSz="800100">
+            <a:lnSpc>
+              <a:spcPct val="90000"/>
+            </a:lnSpc>
+            <a:spcBef>
+              <a:spcPct val="0"/>
+            </a:spcBef>
+            <a:spcAft>
+              <a:spcPct val="15000"/>
+            </a:spcAft>
+            <a:buChar char="•"/>
+          </a:pPr>
+          <a:r>
+            <a:rPr lang="en-US" sz="1800" kern="1200" dirty="0"/>
+            <a:t>Improving environ-</a:t>
+          </a:r>
+          <a:br>
+            <a:rPr lang="en-US" sz="1800" kern="1200" dirty="0"/>
+          </a:br>
+          <a:r>
+            <a:rPr lang="en-US" sz="1800" kern="1200" dirty="0"/>
+            <a:t>mental performance throughout the supply chain</a:t>
+          </a:r>
+          <a:endParaRPr lang="de-DE" sz="1800" kern="1200" dirty="0"/>
+        </a:p>
+        <a:p>
+          <a:pPr marL="171450" lvl="1" indent="-171450" algn="l" defTabSz="800100">
+            <a:lnSpc>
+              <a:spcPct val="90000"/>
+            </a:lnSpc>
+            <a:spcBef>
+              <a:spcPct val="0"/>
+            </a:spcBef>
+            <a:spcAft>
+              <a:spcPct val="15000"/>
+            </a:spcAft>
+            <a:buChar char="•"/>
+          </a:pPr>
+          <a:r>
+            <a:rPr lang="en-US" sz="1800" kern="1200" dirty="0"/>
+            <a:t>Positive impact on the companies’ performance</a:t>
+          </a:r>
+          <a:endParaRPr lang="de-DE" sz="1800" kern="1200" dirty="0"/>
+        </a:p>
+        <a:p>
+          <a:pPr marL="171450" lvl="1" indent="-171450" algn="l" defTabSz="800100">
+            <a:lnSpc>
+              <a:spcPct val="90000"/>
+            </a:lnSpc>
+            <a:spcBef>
+              <a:spcPct val="0"/>
+            </a:spcBef>
+            <a:spcAft>
+              <a:spcPct val="15000"/>
+            </a:spcAft>
+            <a:buChar char="•"/>
+          </a:pPr>
+          <a:r>
+            <a:rPr lang="en-US" sz="1800" kern="1200" dirty="0"/>
+            <a:t>Economic, social, and</a:t>
+          </a:r>
+          <a:br>
+            <a:rPr lang="en-US" sz="1800" kern="1200" dirty="0"/>
+          </a:br>
+          <a:r>
+            <a:rPr lang="en-US" sz="1800" kern="1200" dirty="0"/>
+            <a:t>environmental aspects</a:t>
+          </a:r>
+          <a:endParaRPr lang="de-DE" sz="1800" kern="1200" dirty="0"/>
+        </a:p>
+        <a:p>
+          <a:pPr marL="171450" lvl="1" indent="-171450" algn="l" defTabSz="800100">
+            <a:lnSpc>
+              <a:spcPct val="90000"/>
+            </a:lnSpc>
+            <a:spcBef>
+              <a:spcPct val="0"/>
+            </a:spcBef>
+            <a:spcAft>
+              <a:spcPct val="15000"/>
+            </a:spcAft>
+            <a:buChar char="•"/>
+          </a:pPr>
+          <a:endParaRPr lang="de-DE" sz="1800" kern="1200" dirty="0"/>
+        </a:p>
+      </dsp:txBody>
+      <dsp:txXfrm>
+        <a:off x="6916193" y="688866"/>
+        <a:ext cx="3032054" cy="4063972"/>
+      </dsp:txXfrm>
+    </dsp:sp>
+  </dsp:spTree>
+</dsp:drawing>
+</file>
+
+<file path=ppt/diagrams/layout1.xml><?xml version="1.0" encoding="utf-8"?>
+<dgm:layoutDef xmlns:dgm="http://schemas.openxmlformats.org/drawingml/2006/diagram" xmlns:a="http://schemas.openxmlformats.org/drawingml/2006/main" uniqueId="urn:microsoft.com/office/officeart/2005/8/layout/hList1">
+  <dgm:title val=""/>
+  <dgm:desc val=""/>
+  <dgm:catLst>
+    <dgm:cat type="list" pri="5000"/>
+    <dgm:cat type="convert" pri="5000"/>
+  </dgm:catLst>
+  <dgm:sampData>
+    <dgm:dataModel>
+      <dgm:ptLst>
+        <dgm:pt modelId="0" type="doc"/>
+        <dgm:pt modelId="1">
+          <dgm:prSet phldr="1"/>
+        </dgm:pt>
+        <dgm:pt modelId="11">
+          <dgm:prSet phldr="1"/>
+        </dgm:pt>
+        <dgm:pt modelId="12">
+          <dgm:prSet phldr="1"/>
+        </dgm:pt>
+        <dgm:pt modelId="2">
+          <dgm:prSet phldr="1"/>
+        </dgm:pt>
+        <dgm:pt modelId="21">
+          <dgm:prSet phldr="1"/>
+        </dgm:pt>
+        <dgm:pt modelId="22">
+          <dgm:prSet phldr="1"/>
+        </dgm:pt>
+        <dgm:pt modelId="3">
+          <dgm:prSet phldr="1"/>
+        </dgm:pt>
+        <dgm:pt modelId="31">
+          <dgm:prSet phldr="1"/>
+        </dgm:pt>
+        <dgm:pt modelId="32">
+          <dgm:prSet phldr="1"/>
+        </dgm:pt>
+      </dgm:ptLst>
+      <dgm:cxnLst>
+        <dgm:cxn modelId="4" srcId="0" destId="1" srcOrd="0" destOrd="0"/>
+        <dgm:cxn modelId="5" srcId="0" destId="2" srcOrd="1" destOrd="0"/>
+        <dgm:cxn modelId="6" srcId="0" destId="3" srcOrd="2" destOrd="0"/>
+        <dgm:cxn modelId="13" srcId="1" destId="11" srcOrd="0" destOrd="0"/>
+        <dgm:cxn modelId="14" srcId="1" destId="12" srcOrd="1" destOrd="0"/>
+        <dgm:cxn modelId="23" srcId="2" destId="21" srcOrd="0" destOrd="0"/>
+        <dgm:cxn modelId="24" srcId="2" destId="22" srcOrd="1" destOrd="0"/>
+        <dgm:cxn modelId="33" srcId="3" destId="31" srcOrd="0" destOrd="0"/>
+        <dgm:cxn modelId="34" srcId="3" destId="32" srcOrd="1" destOrd="0"/>
+      </dgm:cxnLst>
+      <dgm:bg/>
+      <dgm:whole/>
+    </dgm:dataModel>
+  </dgm:sampData>
+  <dgm:styleData>
+    <dgm:dataModel>
+      <dgm:ptLst>
+        <dgm:pt modelId="0" type="doc"/>
+        <dgm:pt modelId="1">
+          <dgm:prSet phldr="1"/>
+        </dgm:pt>
+        <dgm:pt modelId="2">
+          <dgm:prSet phldr="1"/>
+        </dgm:pt>
+      </dgm:ptLst>
+      <dgm:cxnLst>
+        <dgm:cxn modelId="3" srcId="0" destId="1" srcOrd="0" destOrd="0"/>
+        <dgm:cxn modelId="4" srcId="0" destId="2" srcOrd="1" destOrd="0"/>
+      </dgm:cxnLst>
+      <dgm:bg/>
+      <dgm:whole/>
+    </dgm:dataModel>
+  </dgm:styleData>
+  <dgm:clrData>
+    <dgm:dataModel>
+      <dgm:ptLst>
+        <dgm:pt modelId="0" type="doc"/>
+        <dgm:pt modelId="1">
+          <dgm:prSet phldr="1"/>
+        </dgm:pt>
+        <dgm:pt modelId="2">
+          <dgm:prSet phldr="1"/>
+        </dgm:pt>
+        <dgm:pt modelId="3">
+          <dgm:prSet phldr="1"/>
+        </dgm:pt>
+        <dgm:pt modelId="4">
+          <dgm:prSet phldr="1"/>
+        </dgm:pt>
+      </dgm:ptLst>
+      <dgm:cxnLst>
+        <dgm:cxn modelId="5" srcId="0" destId="1" srcOrd="0" destOrd="0"/>
+        <dgm:cxn modelId="6" srcId="0" destId="2" srcOrd="1" destOrd="0"/>
+        <dgm:cxn modelId="7" srcId="0" destId="3" srcOrd="2" destOrd="0"/>
+        <dgm:cxn modelId="8" srcId="0" destId="4" srcOrd="3" destOrd="0"/>
+      </dgm:cxnLst>
+      <dgm:bg/>
+      <dgm:whole/>
+    </dgm:dataModel>
+  </dgm:clrData>
+  <dgm:layoutNode name="Name0">
+    <dgm:varLst>
+      <dgm:dir/>
+      <dgm:animLvl val="lvl"/>
+      <dgm:resizeHandles val="exact"/>
+    </dgm:varLst>
+    <dgm:choose name="Name1">
+      <dgm:if name="Name2" func="var" arg="dir" op="equ" val="norm">
+        <dgm:alg type="lin"/>
+      </dgm:if>
+      <dgm:else name="Name3">
+        <dgm:alg type="lin">
+          <dgm:param type="linDir" val="fromR"/>
+        </dgm:alg>
+      </dgm:else>
+    </dgm:choose>
+    <dgm:shape xmlns:r="http://schemas.openxmlformats.org/officeDocument/2006/relationships" r:blip="">
+      <dgm:adjLst/>
+    </dgm:shape>
+    <dgm:presOf/>
+    <dgm:constrLst>
+      <dgm:constr type="h" for="ch" forName="composite" refType="h"/>
+      <dgm:constr type="w" for="ch" forName="composite" refType="w"/>
+      <dgm:constr type="w" for="des" forName="parTx"/>
+      <dgm:constr type="h" for="des" forName="parTx" op="equ"/>
+      <dgm:constr type="w" for="des" forName="desTx"/>
+      <dgm:constr type="h" for="des" forName="desTx" op="equ"/>
+      <dgm:constr type="primFontSz" for="des" forName="parTx" val="65"/>
+      <dgm:constr type="secFontSz" for="des" forName="desTx" refType="primFontSz" refFor="des" refForName="parTx" op="equ"/>
+      <dgm:constr type="h" for="des" forName="parTx" refType="primFontSz" refFor="des" refForName="parTx" fact="0.8"/>
+      <dgm:constr type="h" for="des" forName="desTx" refType="primFontSz" refFor="des" refForName="parTx" fact="1.22"/>
+      <dgm:constr type="w" for="ch" forName="space" refType="w" refFor="ch" refForName="composite" op="equ" fact="0.14"/>
+    </dgm:constrLst>
+    <dgm:ruleLst>
+      <dgm:rule type="w" for="ch" forName="composite" val="0" fact="NaN" max="NaN"/>
+      <dgm:rule type="primFontSz" for="des" forName="parTx" val="5" fact="NaN" max="NaN"/>
+    </dgm:ruleLst>
+    <dgm:forEach name="Name4" axis="ch" ptType="node">
+      <dgm:layoutNode name="composite">
+        <dgm:alg type="composite"/>
+        <dgm:shape xmlns:r="http://schemas.openxmlformats.org/officeDocument/2006/relationships" r:blip="">
+          <dgm:adjLst/>
+        </dgm:shape>
+        <dgm:presOf/>
+        <dgm:constrLst>
+          <dgm:constr type="l" for="ch" forName="parTx"/>
+          <dgm:constr type="w" for="ch" forName="parTx" refType="w"/>
+          <dgm:constr type="t" for="ch" forName="parTx"/>
+          <dgm:constr type="l" for="ch" forName="desTx"/>
+          <dgm:constr type="w" for="ch" forName="desTx" refType="w" refFor="ch" refForName="parTx"/>
+          <dgm:constr type="t" for="ch" forName="desTx" refType="h" refFor="ch" refForName="parTx"/>
+        </dgm:constrLst>
+        <dgm:ruleLst>
+          <dgm:rule type="h" val="INF" fact="NaN" max="NaN"/>
+        </dgm:ruleLst>
+        <dgm:layoutNode name="parTx" styleLbl="alignNode1">
+          <dgm:varLst>
+            <dgm:chMax val="0"/>
+            <dgm:chPref val="0"/>
+            <dgm:bulletEnabled val="1"/>
+          </dgm:varLst>
+          <dgm:alg type="tx"/>
+          <dgm:shape xmlns:r="http://schemas.openxmlformats.org/officeDocument/2006/relationships" type="rect" r:blip="">
+            <dgm:adjLst/>
+          </dgm:shape>
+          <dgm:presOf axis="self" ptType="node"/>
+          <dgm:constrLst>
+            <dgm:constr type="h" refType="w" op="lte" fact="0.4"/>
+            <dgm:constr type="h"/>
+            <dgm:constr type="tMarg" refType="primFontSz" fact="0.32"/>
+            <dgm:constr type="bMarg" refType="primFontSz" fact="0.32"/>
+          </dgm:constrLst>
+          <dgm:ruleLst>
+            <dgm:rule type="h" val="INF" fact="NaN" max="NaN"/>
+          </dgm:ruleLst>
+        </dgm:layoutNode>
+        <dgm:layoutNode name="desTx" styleLbl="alignAccFollowNode1">
+          <dgm:varLst>
+            <dgm:bulletEnabled val="1"/>
+          </dgm:varLst>
+          <dgm:alg type="tx">
+            <dgm:param type="stBulletLvl" val="1"/>
+          </dgm:alg>
+          <dgm:shape xmlns:r="http://schemas.openxmlformats.org/officeDocument/2006/relationships" type="rect" r:blip="">
+            <dgm:adjLst/>
+          </dgm:shape>
+          <dgm:presOf axis="des" ptType="node"/>
+          <dgm:constrLst>
+            <dgm:constr type="secFontSz" val="65"/>
+            <dgm:constr type="primFontSz" refType="secFontSz"/>
+            <dgm:constr type="h"/>
+            <dgm:constr type="lMarg" refType="primFontSz" fact="0.42"/>
+            <dgm:constr type="tMarg" refType="primFontSz" fact="0.42"/>
+            <dgm:constr type="bMarg" refType="primFontSz" fact="0.63"/>
+          </dgm:constrLst>
+          <dgm:ruleLst>
+            <dgm:rule type="h" val="INF" fact="NaN" max="NaN"/>
+          </dgm:ruleLst>
+        </dgm:layoutNode>
+      </dgm:layoutNode>
+      <dgm:forEach name="Name5" axis="followSib" ptType="sibTrans" cnt="1">
+        <dgm:layoutNode name="space">
+          <dgm:alg type="sp"/>
+          <dgm:shape xmlns:r="http://schemas.openxmlformats.org/officeDocument/2006/relationships" r:blip="">
+            <dgm:adjLst/>
+          </dgm:shape>
+          <dgm:presOf/>
+          <dgm:constrLst/>
+          <dgm:ruleLst/>
+        </dgm:layoutNode>
+      </dgm:forEach>
+    </dgm:forEach>
+  </dgm:layoutNode>
+</dgm:layoutDef>
+</file>
+
+<file path=ppt/diagrams/quickStyle1.xml><?xml version="1.0" encoding="utf-8"?>
+<dgm:styleDef xmlns:dgm="http://schemas.openxmlformats.org/drawingml/2006/diagram" xmlns:a="http://schemas.openxmlformats.org/drawingml/2006/main" uniqueId="urn:microsoft.com/office/officeart/2005/8/quickstyle/simple1">
+  <dgm:title val=""/>
+  <dgm:desc val=""/>
+  <dgm:catLst>
+    <dgm:cat type="simple" pri="10100"/>
+  </dgm:catLst>
+  <dgm:scene3d>
+    <a:camera prst="orthographicFront"/>
+    <a:lightRig rig="threePt" dir="t"/>
+  </dgm:scene3d>
+  <dgm:styleLbl name="node0">
+    <dgm:scene3d>
+      <a:camera prst="orthographicFront"/>
+      <a:lightRig rig="threePt" dir="t"/>
+    </dgm:scene3d>
+    <dgm:sp3d/>
+    <dgm:txPr/>
+    <dgm:style>
+      <a:lnRef idx="2">
+        <a:scrgbClr r="0" g="0" b="0"/>
+      </a:lnRef>
+      <a:fillRef idx="1">
+        <a:scrgbClr r="0" g="0" b="0"/>
+      </a:fillRef>
+      <a:effectRef idx="0">
+        <a:scrgbClr r="0" g="0" b="0"/>
+      </a:effectRef>
+      <a:fontRef idx="minor">
+        <a:schemeClr val="lt1"/>
+      </a:fontRef>
+    </dgm:style>
+  </dgm:styleLbl>
+  <dgm:styleLbl name="lnNode1">
+    <dgm:scene3d>
+      <a:camera prst="orthographicFront"/>
+      <a:lightRig rig="threePt" dir="t"/>
+    </dgm:scene3d>
+    <dgm:sp3d/>
+    <dgm:txPr/>
+    <dgm:style>
+      <a:lnRef idx="2">
+        <a:scrgbClr r="0" g="0" b="0"/>
+      </a:lnRef>
+      <a:fillRef idx="1">
+        <a:scrgbClr r="0" g="0" b="0"/>
+      </a:fillRef>
+      <a:effectRef idx="0">
+        <a:scrgbClr r="0" g="0" b="0"/>
+      </a:effectRef>
+      <a:fontRef idx="minor">
+        <a:schemeClr val="lt1"/>
+      </a:fontRef>
+    </dgm:style>
+  </dgm:styleLbl>
+  <dgm:styleLbl name="vennNode1">
+    <dgm:scene3d>
+      <a:camera prst="orthographicFront"/>
+      <a:lightRig rig="threePt" dir="t"/>
+    </dgm:scene3d>
+    <dgm:sp3d/>
+    <dgm:txPr/>
+    <dgm:style>
+      <a:lnRef idx="2">
+        <a:scrgbClr r="0" g="0" b="0"/>
+      </a:lnRef>
+      <a:fillRef idx="1">
+        <a:scrgbClr r="0" g="0" b="0"/>
+      </a:fillRef>
+      <a:effectRef idx="0">
+        <a:scrgbClr r="0" g="0" b="0"/>
+      </a:effectRef>
+      <a:fontRef idx="minor">
+        <a:schemeClr val="tx1"/>
+      </a:fontRef>
+    </dgm:style>
+  </dgm:styleLbl>
+  <dgm:styleLbl name="alignNode1">
+    <dgm:scene3d>
+      <a:camera prst="orthographicFront"/>
+      <a:lightRig rig="threePt" dir="t"/>
+    </dgm:scene3d>
+    <dgm:sp3d/>
+    <dgm:txPr/>
+    <dgm:style>
+      <a:lnRef idx="2">
+        <a:scrgbClr r="0" g="0" b="0"/>
+      </a:lnRef>
+      <a:fillRef idx="1">
+        <a:scrgbClr r="0" g="0" b="0"/>
+      </a:fillRef>
+      <a:effectRef idx="0">
+        <a:scrgbClr r="0" g="0" b="0"/>
+      </a:effectRef>
+      <a:fontRef idx="minor">
+        <a:schemeClr val="lt1"/>
+      </a:fontRef>
+    </dgm:style>
+  </dgm:styleLbl>
+  <dgm:styleLbl name="node1">
+    <dgm:scene3d>
+      <a:camera prst="orthographicFront"/>
+      <a:lightRig rig="threePt" dir="t"/>
+    </dgm:scene3d>
+    <dgm:sp3d/>
+    <dgm:txPr/>
+    <dgm:style>
+      <a:lnRef idx="2">
+        <a:scrgbClr r="0" g="0" b="0"/>
+      </a:lnRef>
+      <a:fillRef idx="1">
+        <a:scrgbClr r="0" g="0" b="0"/>
+      </a:fillRef>
+      <a:effectRef idx="0">
+        <a:scrgbClr r="0" g="0" b="0"/>
+      </a:effectRef>
+      <a:fontRef idx="minor">
+        <a:schemeClr val="lt1"/>
+      </a:fontRef>
+    </dgm:style>
+  </dgm:styleLbl>
+  <dgm:styleLbl name="node2">
+    <dgm:scene3d>
+      <a:camera prst="orthographicFront"/>
+      <a:lightRig rig="threePt" dir="t"/>
+    </dgm:scene3d>
+    <dgm:sp3d/>
+    <dgm:txPr/>
+    <dgm:style>
+      <a:lnRef idx="2">
+        <a:scrgbClr r="0" g="0" b="0"/>
+      </a:lnRef>
+      <a:fillRef idx="1">
+        <a:scrgbClr r="0" g="0" b="0"/>
+      </a:fillRef>
+      <a:effectRef idx="0">
+        <a:scrgbClr r="0" g="0" b="0"/>
+      </a:effectRef>
+      <a:fontRef idx="minor">
+        <a:schemeClr val="lt1"/>
+      </a:fontRef>
+    </dgm:style>
+  </dgm:styleLbl>
+  <dgm:styleLbl name="node3">
+    <dgm:scene3d>
+      <a:camera prst="orthographicFront"/>
+      <a:lightRig rig="threePt" dir="t"/>
+    </dgm:scene3d>
+    <dgm:sp3d/>
+    <dgm:txPr/>
+    <dgm:style>
+      <a:lnRef idx="2">
+        <a:scrgbClr r="0" g="0" b="0"/>
+      </a:lnRef>
+      <a:fillRef idx="1">
+        <a:scrgbClr r="0" g="0" b="0"/>
+      </a:fillRef>
+      <a:effectRef idx="0">
+        <a:scrgbClr r="0" g="0" b="0"/>
+      </a:effectRef>
+      <a:fontRef idx="minor">
+        <a:schemeClr val="lt1"/>
+      </a:fontRef>
+    </dgm:style>
+  </dgm:styleLbl>
+  <dgm:styleLbl name="node4">
+    <dgm:scene3d>
+      <a:camera prst="orthographicFront"/>
+      <a:lightRig rig="threePt" dir="t"/>
+    </dgm:scene3d>
+    <dgm:sp3d/>
+    <dgm:txPr/>
+    <dgm:style>
+      <a:lnRef idx="2">
+        <a:scrgbClr r="0" g="0" b="0"/>
+      </a:lnRef>
+      <a:fillRef idx="1">
+        <a:scrgbClr r="0" g="0" b="0"/>
+      </a:fillRef>
+      <a:effectRef idx="0">
+        <a:scrgbClr r="0" g="0" b="0"/>
+      </a:effectRef>
+      <a:fontRef idx="minor">
+        <a:schemeClr val="lt1"/>
+      </a:fontRef>
+    </dgm:style>
+  </dgm:styleLbl>
+  <dgm:styleLbl name="fgImgPlace1">
+    <dgm:scene3d>
+      <a:camera prst="orthographicFront"/>
+      <a:lightRig rig="threePt" dir="t"/>
+    </dgm:scene3d>
+    <dgm:sp3d/>
+    <dgm:txPr/>
+    <dgm:style>
+      <a:lnRef idx="2">
+        <a:scrgbClr r="0" g="0" b="0"/>
+      </a:lnRef>
+      <a:fillRef idx="1">
+        <a:scrgbClr r="0" g="0" b="0"/>
+      </a:fillRef>
+      <a:effectRef idx="0">
+        <a:scrgbClr r="0" g="0" b="0"/>
+      </a:effectRef>
+      <a:fontRef idx="minor"/>
+    </dgm:style>
+  </dgm:styleLbl>
+  <dgm:styleLbl name="alignImgPlace1">
+    <dgm:scene3d>
+      <a:camera prst="orthographicFront"/>
+      <a:lightRig rig="threePt" dir="t"/>
+    </dgm:scene3d>
+    <dgm:sp3d/>
+    <dgm:txPr/>
+    <dgm:style>
+      <a:lnRef idx="2">
+        <a:scrgbClr r="0" g="0" b="0"/>
+      </a:lnRef>
+      <a:fillRef idx="1">
+        <a:scrgbClr r="0" g="0" b="0"/>
+      </a:fillRef>
+      <a:effectRef idx="0">
+        <a:scrgbClr r="0" g="0" b="0"/>
+      </a:effectRef>
+      <a:fontRef idx="minor"/>
+    </dgm:style>
+  </dgm:styleLbl>
+  <dgm:styleLbl name="bgImgPlace1">
+    <dgm:scene3d>
+      <a:camera prst="orthographicFront"/>
+      <a:lightRig rig="threePt" dir="t"/>
+    </dgm:scene3d>
+    <dgm:sp3d/>
+    <dgm:txPr/>
+    <dgm:style>
+      <a:lnRef idx="2">
+        <a:scrgbClr r="0" g="0" b="0"/>
+      </a:lnRef>
+      <a:fillRef idx="1">
+        <a:scrgbClr r="0" g="0" b="0"/>
+      </a:fillRef>
+      <a:effectRef idx="0">
+        <a:scrgbClr r="0" g="0" b="0"/>
+      </a:effectRef>
+      <a:fontRef idx="minor"/>
+    </dgm:style>
+  </dgm:styleLbl>
+  <dgm:styleLbl name="sibTrans2D1">
+    <dgm:scene3d>
+      <a:camera prst="orthographicFront"/>
+      <a:lightRig rig="threePt" dir="t"/>
+    </dgm:scene3d>
+    <dgm:sp3d/>
+    <dgm:txPr/>
+    <dgm:style>
+      <a:lnRef idx="0">
+        <a:scrgbClr r="0" g="0" b="0"/>
+      </a:lnRef>
+      <a:fillRef idx="1">
+        <a:scrgbClr r="0" g="0" b="0"/>
+      </a:fillRef>
+      <a:effectRef idx="0">
+        <a:scrgbClr r="0" g="0" b="0"/>
+      </a:effectRef>
+      <a:fontRef idx="minor">
+        <a:schemeClr val="lt1"/>
+      </a:fontRef>
+    </dgm:style>
+  </dgm:styleLbl>
+  <dgm:styleLbl name="fgSibTrans2D1">
+    <dgm:scene3d>
+      <a:camera prst="orthographicFront"/>
+      <a:lightRig rig="threePt" dir="t"/>
+    </dgm:scene3d>
+    <dgm:sp3d/>
+    <dgm:txPr/>
+    <dgm:style>
+      <a:lnRef idx="0">
+        <a:scrgbClr r="0" g="0" b="0"/>
+      </a:lnRef>
+      <a:fillRef idx="1">
+        <a:scrgbClr r="0" g="0" b="0"/>
+      </a:fillRef>
+      <a:effectRef idx="0">
+        <a:scrgbClr r="0" g="0" b="0"/>
+      </a:effectRef>
+      <a:fontRef idx="minor">
+        <a:schemeClr val="lt1"/>
+      </a:fontRef>
+    </dgm:style>
+  </dgm:styleLbl>
+  <dgm:styleLbl name="bgSibTrans2D1">
+    <dgm:scene3d>
+      <a:camera prst="orthographicFront"/>
+      <a:lightRig rig="threePt" dir="t"/>
+    </dgm:scene3d>
+    <dgm:sp3d/>
+    <dgm:txPr/>
+    <dgm:style>
+      <a:lnRef idx="0">
+        <a:scrgbClr r="0" g="0" b="0"/>
+      </a:lnRef>
+      <a:fillRef idx="1">
+        <a:scrgbClr r="0" g="0" b="0"/>
+      </a:fillRef>
+      <a:effectRef idx="0">
+        <a:scrgbClr r="0" g="0" b="0"/>
+      </a:effectRef>
+      <a:fontRef idx="minor">
+        <a:schemeClr val="lt1"/>
+      </a:fontRef>
+    </dgm:style>
+  </dgm:styleLbl>
+  <dgm:styleLbl name="sibTrans1D1">
+    <dgm:scene3d>
+      <a:camera prst="orthographicFront"/>
+      <a:lightRig rig="threePt" dir="t"/>
+    </dgm:scene3d>
+    <dgm:sp3d/>
+    <dgm:txPr/>
+    <dgm:style>
+      <a:lnRef idx="1">
+        <a:scrgbClr r="0" g="0" b="0"/>
+      </a:lnRef>
+      <a:fillRef idx="0">
+        <a:scrgbClr r="0" g="0" b="0"/>
+      </a:fillRef>
+      <a:effectRef idx="0">
+        <a:scrgbClr r="0" g="0" b="0"/>
+      </a:effectRef>
+      <a:fontRef idx="minor"/>
+    </dgm:style>
+  </dgm:styleLbl>
+  <dgm:styleLbl name="callout">
+    <dgm:scene3d>
+      <a:camera prst="orthographicFront"/>
+      <a:lightRig rig="threePt" dir="t"/>
+    </dgm:scene3d>
+    <dgm:sp3d/>
+    <dgm:txPr/>
+    <dgm:style>
+      <a:lnRef idx="2">
+        <a:scrgbClr r="0" g="0" b="0"/>
+      </a:lnRef>
+      <a:fillRef idx="1">
+        <a:scrgbClr r="0" g="0" b="0"/>
+      </a:fillRef>
+      <a:effectRef idx="0">
+        <a:scrgbClr r="0" g="0" b="0"/>
+      </a:effectRef>
+      <a:fontRef idx="minor"/>
+    </dgm:style>
+  </dgm:styleLbl>
+  <dgm:styleLbl name="asst0">
+    <dgm:scene3d>
+      <a:camera prst="orthographicFront"/>
+      <a:lightRig rig="threePt" dir="t"/>
+    </dgm:scene3d>
+    <dgm:sp3d/>
+    <dgm:txPr/>
+    <dgm:style>
+      <a:lnRef idx="2">
+        <a:scrgbClr r="0" g="0" b="0"/>
+      </a:lnRef>
+      <a:fillRef idx="1">
+        <a:scrgbClr r="0" g="0" b="0"/>
+      </a:fillRef>
+      <a:effectRef idx="0">
+        <a:scrgbClr r="0" g="0" b="0"/>
+      </a:effectRef>
+      <a:fontRef idx="minor">
+        <a:schemeClr val="lt1"/>
+      </a:fontRef>
+    </dgm:style>
+  </dgm:styleLbl>
+  <dgm:styleLbl name="asst1">
+    <dgm:scene3d>
+      <a:camera prst="orthographicFront"/>
+      <a:lightRig rig="threePt" dir="t"/>
+    </dgm:scene3d>
+    <dgm:sp3d/>
+    <dgm:txPr/>
+    <dgm:style>
+      <a:lnRef idx="2">
+        <a:scrgbClr r="0" g="0" b="0"/>
+      </a:lnRef>
+      <a:fillRef idx="1">
+        <a:scrgbClr r="0" g="0" b="0"/>
+      </a:fillRef>
+      <a:effectRef idx="0">
+        <a:scrgbClr r="0" g="0" b="0"/>
+      </a:effectRef>
+      <a:fontRef idx="minor">
+        <a:schemeClr val="lt1"/>
+      </a:fontRef>
+    </dgm:style>
+  </dgm:styleLbl>
+  <dgm:styleLbl name="asst2">
+    <dgm:scene3d>
+      <a:camera prst="orthographicFront"/>
+      <a:lightRig rig="threePt" dir="t"/>
+    </dgm:scene3d>
+    <dgm:sp3d/>
+    <dgm:txPr/>
+    <dgm:style>
+      <a:lnRef idx="2">
+        <a:scrgbClr r="0" g="0" b="0"/>
+      </a:lnRef>
+      <a:fillRef idx="1">
+        <a:scrgbClr r="0" g="0" b="0"/>
+      </a:fillRef>
+      <a:effectRef idx="0">
+        <a:scrgbClr r="0" g="0" b="0"/>
+      </a:effectRef>
+      <a:fontRef idx="minor">
+        <a:schemeClr val="lt1"/>
+      </a:fontRef>
+    </dgm:style>
+  </dgm:styleLbl>
+  <dgm:styleLbl name="asst3">
+    <dgm:scene3d>
+      <a:camera prst="orthographicFront"/>
+      <a:lightRig rig="threePt" dir="t"/>
+    </dgm:scene3d>
+    <dgm:sp3d/>
+    <dgm:txPr/>
+    <dgm:style>
+      <a:lnRef idx="2">
+        <a:scrgbClr r="0" g="0" b="0"/>
+      </a:lnRef>
+      <a:fillRef idx="1">
+        <a:scrgbClr r="0" g="0" b="0"/>
+      </a:fillRef>
+      <a:effectRef idx="0">
+        <a:scrgbClr r="0" g="0" b="0"/>
+      </a:effectRef>
+      <a:fontRef idx="minor">
+        <a:schemeClr val="lt1"/>
+      </a:fontRef>
+    </dgm:style>
+  </dgm:styleLbl>
+  <dgm:styleLbl name="asst4">
+    <dgm:scene3d>
+      <a:camera prst="orthographicFront"/>
+      <a:lightRig rig="threePt" dir="t"/>
+    </dgm:scene3d>
+    <dgm:sp3d/>
+    <dgm:txPr/>
+    <dgm:style>
+      <a:lnRef idx="2">
+        <a:scrgbClr r="0" g="0" b="0"/>
+      </a:lnRef>
+      <a:fillRef idx="1">
+        <a:scrgbClr r="0" g="0" b="0"/>
+      </a:fillRef>
+      <a:effectRef idx="0">
+        <a:scrgbClr r="0" g="0" b="0"/>
+      </a:effectRef>
+      <a:fontRef idx="minor">
+        <a:schemeClr val="lt1"/>
+      </a:fontRef>
+    </dgm:style>
+  </dgm:styleLbl>
+  <dgm:styleLbl name="parChTrans2D1">
+    <dgm:scene3d>
+      <a:camera prst="orthographicFront"/>
+      <a:lightRig rig="threePt" dir="t"/>
+    </dgm:scene3d>
+    <dgm:sp3d/>
+    <dgm:txPr/>
+    <dgm:style>
+      <a:lnRef idx="2">
+        <a:scrgbClr r="0" g="0" b="0"/>
+      </a:lnRef>
+      <a:fillRef idx="1">
+        <a:scrgbClr r="0" g="0" b="0"/>
+      </a:fillRef>
+      <a:effectRef idx="0">
+        <a:scrgbClr r="0" g="0" b="0"/>
+      </a:effectRef>
+      <a:fontRef idx="minor">
+        <a:schemeClr val="lt1"/>
+      </a:fontRef>
+    </dgm:style>
+  </dgm:styleLbl>
+  <dgm:styleLbl name="parChTrans2D2">
+    <dgm:scene3d>
+      <a:camera prst="orthographicFront"/>
+      <a:lightRig rig="threePt" dir="t"/>
+    </dgm:scene3d>
+    <dgm:sp3d/>
+    <dgm:txPr/>
+    <dgm:style>
+      <a:lnRef idx="2">
+        <a:scrgbClr r="0" g="0" b="0"/>
+      </a:lnRef>
+      <a:fillRef idx="1">
+        <a:scrgbClr r="0" g="0" b="0"/>
+      </a:fillRef>
+      <a:effectRef idx="0">
+        <a:scrgbClr r="0" g="0" b="0"/>
+      </a:effectRef>
+      <a:fontRef idx="minor">
+        <a:schemeClr val="lt1"/>
+      </a:fontRef>
+    </dgm:style>
+  </dgm:styleLbl>
+  <dgm:styleLbl name="parChTrans2D3">
+    <dgm:scene3d>
+      <a:camera prst="orthographicFront"/>
+      <a:lightRig rig="threePt" dir="t"/>
+    </dgm:scene3d>
+    <dgm:sp3d/>
+    <dgm:txPr/>
+    <dgm:style>
+      <a:lnRef idx="2">
+        <a:scrgbClr r="0" g="0" b="0"/>
+      </a:lnRef>
+      <a:fillRef idx="1">
+        <a:scrgbClr r="0" g="0" b="0"/>
+      </a:fillRef>
+      <a:effectRef idx="0">
+        <a:scrgbClr r="0" g="0" b="0"/>
+      </a:effectRef>
+      <a:fontRef idx="minor">
+        <a:schemeClr val="lt1"/>
+      </a:fontRef>
+    </dgm:style>
+  </dgm:styleLbl>
+  <dgm:styleLbl name="parChTrans2D4">
+    <dgm:scene3d>
+      <a:camera prst="orthographicFront"/>
+      <a:lightRig rig="threePt" dir="t"/>
+    </dgm:scene3d>
+    <dgm:sp3d/>
+    <dgm:txPr/>
+    <dgm:style>
+      <a:lnRef idx="2">
+        <a:scrgbClr r="0" g="0" b="0"/>
+      </a:lnRef>
+      <a:fillRef idx="1">
+        <a:scrgbClr r="0" g="0" b="0"/>
+      </a:fillRef>
+      <a:effectRef idx="0">
+        <a:scrgbClr r="0" g="0" b="0"/>
+      </a:effectRef>
+      <a:fontRef idx="minor">
+        <a:schemeClr val="lt1"/>
+      </a:fontRef>
+    </dgm:style>
+  </dgm:styleLbl>
+  <dgm:styleLbl name="parChTrans1D1">
+    <dgm:scene3d>
+      <a:camera prst="orthographicFront"/>
+      <a:lightRig rig="threePt" dir="t"/>
+    </dgm:scene3d>
+    <dgm:sp3d/>
+    <dgm:txPr/>
+    <dgm:style>
+      <a:lnRef idx="2">
+        <a:scrgbClr r="0" g="0" b="0"/>
+      </a:lnRef>
+      <a:fillRef idx="0">
+        <a:scrgbClr r="0" g="0" b="0"/>
+      </a:fillRef>
+      <a:effectRef idx="0">
+        <a:scrgbClr r="0" g="0" b="0"/>
+      </a:effectRef>
+      <a:fontRef idx="minor"/>
+    </dgm:style>
+  </dgm:styleLbl>
+  <dgm:styleLbl name="parChTrans1D2">
+    <dgm:scene3d>
+      <a:camera prst="orthographicFront"/>
+      <a:lightRig rig="threePt" dir="t"/>
+    </dgm:scene3d>
+    <dgm:sp3d/>
+    <dgm:txPr/>
+    <dgm:style>
+      <a:lnRef idx="2">
+        <a:scrgbClr r="0" g="0" b="0"/>
+      </a:lnRef>
+      <a:fillRef idx="0">
+        <a:scrgbClr r="0" g="0" b="0"/>
+      </a:fillRef>
+      <a:effectRef idx="0">
+        <a:scrgbClr r="0" g="0" b="0"/>
+      </a:effectRef>
+      <a:fontRef idx="minor"/>
+    </dgm:style>
+  </dgm:styleLbl>
+  <dgm:styleLbl name="parChTrans1D3">
+    <dgm:scene3d>
+      <a:camera prst="orthographicFront"/>
+      <a:lightRig rig="threePt" dir="t"/>
+    </dgm:scene3d>
+    <dgm:sp3d/>
+    <dgm:txPr/>
+    <dgm:style>
+      <a:lnRef idx="2">
+        <a:scrgbClr r="0" g="0" b="0"/>
+      </a:lnRef>
+      <a:fillRef idx="0">
+        <a:scrgbClr r="0" g="0" b="0"/>
+      </a:fillRef>
+      <a:effectRef idx="0">
+        <a:scrgbClr r="0" g="0" b="0"/>
+      </a:effectRef>
+      <a:fontRef idx="minor"/>
+    </dgm:style>
+  </dgm:styleLbl>
+  <dgm:styleLbl name="parChTrans1D4">
+    <dgm:scene3d>
+      <a:camera prst="orthographicFront"/>
+      <a:lightRig rig="threePt" dir="t"/>
+    </dgm:scene3d>
+    <dgm:sp3d/>
+    <dgm:txPr/>
+    <dgm:style>
+      <a:lnRef idx="2">
+        <a:scrgbClr r="0" g="0" b="0"/>
+      </a:lnRef>
+      <a:fillRef idx="0">
+        <a:scrgbClr r="0" g="0" b="0"/>
+      </a:fillRef>
+      <a:effectRef idx="0">
+        <a:scrgbClr r="0" g="0" b="0"/>
+      </a:effectRef>
+      <a:fontRef idx="minor"/>
+    </dgm:style>
+  </dgm:styleLbl>
+  <dgm:styleLbl name="fgAcc1">
+    <dgm:scene3d>
+      <a:camera prst="orthographicFront"/>
+      <a:lightRig rig="threePt" dir="t"/>
+    </dgm:scene3d>
+    <dgm:sp3d/>
+    <dgm:txPr/>
+    <dgm:style>
+      <a:lnRef idx="2">
+        <a:scrgbClr r="0" g="0" b="0"/>
+      </a:lnRef>
+      <a:fillRef idx="1">
+        <a:scrgbClr r="0" g="0" b="0"/>
+      </a:fillRef>
+      <a:effectRef idx="0">
+        <a:scrgbClr r="0" g="0" b="0"/>
+      </a:effectRef>
+      <a:fontRef idx="minor"/>
+    </dgm:style>
+  </dgm:styleLbl>
+  <dgm:styleLbl name="conFgAcc1">
+    <dgm:scene3d>
+      <a:camera prst="orthographicFront"/>
+      <a:lightRig rig="threePt" dir="t"/>
+    </dgm:scene3d>
+    <dgm:sp3d/>
+    <dgm:txPr/>
+    <dgm:style>
+      <a:lnRef idx="2">
+        <a:scrgbClr r="0" g="0" b="0"/>
+      </a:lnRef>
+      <a:fillRef idx="1">
+        <a:scrgbClr r="0" g="0" b="0"/>
+      </a:fillRef>
+      <a:effectRef idx="0">
+        <a:scrgbClr r="0" g="0" b="0"/>
+      </a:effectRef>
+      <a:fontRef idx="minor"/>
+    </dgm:style>
+  </dgm:styleLbl>
+  <dgm:styleLbl name="alignAcc1">
+    <dgm:scene3d>
+      <a:camera prst="orthographicFront"/>
+      <a:lightRig rig="threePt" dir="t"/>
+    </dgm:scene3d>
+    <dgm:sp3d/>
+    <dgm:txPr/>
+    <dgm:style>
+      <a:lnRef idx="2">
+        <a:scrgbClr r="0" g="0" b="0"/>
+      </a:lnRef>
+      <a:fillRef idx="1">
+        <a:scrgbClr r="0" g="0" b="0"/>
+      </a:fillRef>
+      <a:effectRef idx="0">
+        <a:scrgbClr r="0" g="0" b="0"/>
+      </a:effectRef>
+      <a:fontRef idx="minor"/>
+    </dgm:style>
+  </dgm:styleLbl>
+  <dgm:styleLbl name="trAlignAcc1">
+    <dgm:scene3d>
+      <a:camera prst="orthographicFront"/>
+      <a:lightRig rig="threePt" dir="t"/>
+    </dgm:scene3d>
+    <dgm:sp3d/>
+    <dgm:txPr/>
+    <dgm:style>
+      <a:lnRef idx="1">
+        <a:scrgbClr r="0" g="0" b="0"/>
+      </a:lnRef>
+      <a:fillRef idx="1">
+        <a:scrgbClr r="0" g="0" b="0"/>
+      </a:fillRef>
+      <a:effectRef idx="0">
+        <a:scrgbClr r="0" g="0" b="0"/>
+      </a:effectRef>
+      <a:fontRef idx="minor"/>
+    </dgm:style>
+  </dgm:styleLbl>
+  <dgm:styleLbl name="bgAcc1">
+    <dgm:scene3d>
+      <a:camera prst="orthographicFront"/>
+      <a:lightRig rig="threePt" dir="t"/>
+    </dgm:scene3d>
+    <dgm:sp3d/>
+    <dgm:txPr/>
+    <dgm:style>
+      <a:lnRef idx="2">
+        <a:scrgbClr r="0" g="0" b="0"/>
+      </a:lnRef>
+      <a:fillRef idx="1">
+        <a:scrgbClr r="0" g="0" b="0"/>
+      </a:fillRef>
+      <a:effectRef idx="0">
+        <a:scrgbClr r="0" g="0" b="0"/>
+      </a:effectRef>
+      <a:fontRef idx="minor"/>
+    </dgm:style>
+  </dgm:styleLbl>
+  <dgm:styleLbl name="solidFgAcc1">
+    <dgm:scene3d>
+      <a:camera prst="orthographicFront"/>
+      <a:lightRig rig="threePt" dir="t"/>
+    </dgm:scene3d>
+    <dgm:sp3d/>
+    <dgm:txPr/>
+    <dgm:style>
+      <a:lnRef idx="2">
+        <a:scrgbClr r="0" g="0" b="0"/>
+      </a:lnRef>
+      <a:fillRef idx="1">
+        <a:scrgbClr r="0" g="0" b="0"/>
+      </a:fillRef>
+      <a:effectRef idx="0">
+        <a:scrgbClr r="0" g="0" b="0"/>
+      </a:effectRef>
+      <a:fontRef idx="minor"/>
+    </dgm:style>
+  </dgm:styleLbl>
+  <dgm:styleLbl name="solidAlignAcc1">
+    <dgm:scene3d>
+      <a:camera prst="orthographicFront"/>
+      <a:lightRig rig="threePt" dir="t"/>
+    </dgm:scene3d>
+    <dgm:sp3d/>
+    <dgm:txPr/>
+    <dgm:style>
+      <a:lnRef idx="2">
+        <a:scrgbClr r="0" g="0" b="0"/>
+      </a:lnRef>
+      <a:fillRef idx="1">
+        <a:scrgbClr r="0" g="0" b="0"/>
+      </a:fillRef>
+      <a:effectRef idx="0">
+        <a:scrgbClr r="0" g="0" b="0"/>
+      </a:effectRef>
+      <a:fontRef idx="minor"/>
+    </dgm:style>
+  </dgm:styleLbl>
+  <dgm:styleLbl name="solidBgAcc1">
+    <dgm:scene3d>
+      <a:camera prst="orthographicFront"/>
+      <a:lightRig rig="threePt" dir="t"/>
+    </dgm:scene3d>
+    <dgm:sp3d/>
+    <dgm:txPr/>
+    <dgm:style>
+      <a:lnRef idx="2">
+        <a:scrgbClr r="0" g="0" b="0"/>
+      </a:lnRef>
+      <a:fillRef idx="1">
+        <a:scrgbClr r="0" g="0" b="0"/>
+      </a:fillRef>
+      <a:effectRef idx="0">
+        <a:scrgbClr r="0" g="0" b="0"/>
+      </a:effectRef>
+      <a:fontRef idx="minor"/>
+    </dgm:style>
+  </dgm:styleLbl>
+  <dgm:styleLbl name="fgAccFollowNode1">
+    <dgm:scene3d>
+      <a:camera prst="orthographicFront"/>
+      <a:lightRig rig="threePt" dir="t"/>
+    </dgm:scene3d>
+    <dgm:sp3d/>
+    <dgm:txPr/>
+    <dgm:style>
+      <a:lnRef idx="2">
+        <a:scrgbClr r="0" g="0" b="0"/>
+      </a:lnRef>
+      <a:fillRef idx="1">
+        <a:scrgbClr r="0" g="0" b="0"/>
+      </a:fillRef>
+      <a:effectRef idx="0">
+        <a:scrgbClr r="0" g="0" b="0"/>
+      </a:effectRef>
+      <a:fontRef idx="minor"/>
+    </dgm:style>
+  </dgm:styleLbl>
+  <dgm:styleLbl name="alignAccFollowNode1">
+    <dgm:scene3d>
+      <a:camera prst="orthographicFront"/>
+      <a:lightRig rig="threePt" dir="t"/>
+    </dgm:scene3d>
+    <dgm:sp3d/>
+    <dgm:txPr/>
+    <dgm:style>
+      <a:lnRef idx="2">
+        <a:scrgbClr r="0" g="0" b="0"/>
+      </a:lnRef>
+      <a:fillRef idx="1">
+        <a:scrgbClr r="0" g="0" b="0"/>
+      </a:fillRef>
+      <a:effectRef idx="0">
+        <a:scrgbClr r="0" g="0" b="0"/>
+      </a:effectRef>
+      <a:fontRef idx="minor"/>
+    </dgm:style>
+  </dgm:styleLbl>
+  <dgm:styleLbl name="bgAccFollowNode1">
+    <dgm:scene3d>
+      <a:camera prst="orthographicFront"/>
+      <a:lightRig rig="threePt" dir="t"/>
+    </dgm:scene3d>
+    <dgm:sp3d/>
+    <dgm:txPr/>
+    <dgm:style>
+      <a:lnRef idx="2">
+        <a:scrgbClr r="0" g="0" b="0"/>
+      </a:lnRef>
+      <a:fillRef idx="1">
+        <a:scrgbClr r="0" g="0" b="0"/>
+      </a:fillRef>
+      <a:effectRef idx="0">
+        <a:scrgbClr r="0" g="0" b="0"/>
+      </a:effectRef>
+      <a:fontRef idx="minor"/>
+    </dgm:style>
+  </dgm:styleLbl>
+  <dgm:styleLbl name="fgAcc0">
+    <dgm:scene3d>
+      <a:camera prst="orthographicFront"/>
+      <a:lightRig rig="threePt" dir="t"/>
+    </dgm:scene3d>
+    <dgm:sp3d/>
+    <dgm:txPr/>
+    <dgm:style>
+      <a:lnRef idx="2">
+        <a:scrgbClr r="0" g="0" b="0"/>
+      </a:lnRef>
+      <a:fillRef idx="1">
+        <a:scrgbClr r="0" g="0" b="0"/>
+      </a:fillRef>
+      <a:effectRef idx="0">
+        <a:scrgbClr r="0" g="0" b="0"/>
+      </a:effectRef>
+      <a:fontRef idx="minor"/>
+    </dgm:style>
+  </dgm:styleLbl>
+  <dgm:styleLbl name="fgAcc2">
+    <dgm:scene3d>
+      <a:camera prst="orthographicFront"/>
+      <a:lightRig rig="threePt" dir="t"/>
+    </dgm:scene3d>
+    <dgm:sp3d/>
+    <dgm:txPr/>
+    <dgm:style>
+      <a:lnRef idx="2">
+        <a:scrgbClr r="0" g="0" b="0"/>
+      </a:lnRef>
+      <a:fillRef idx="1">
+        <a:scrgbClr r="0" g="0" b="0"/>
+      </a:fillRef>
+      <a:effectRef idx="0">
+        <a:scrgbClr r="0" g="0" b="0"/>
+      </a:effectRef>
+      <a:fontRef idx="minor"/>
+    </dgm:style>
+  </dgm:styleLbl>
+  <dgm:styleLbl name="fgAcc3">
+    <dgm:scene3d>
+      <a:camera prst="orthographicFront"/>
+      <a:lightRig rig="threePt" dir="t"/>
+    </dgm:scene3d>
+    <dgm:sp3d/>
+    <dgm:txPr/>
+    <dgm:style>
+      <a:lnRef idx="2">
+        <a:scrgbClr r="0" g="0" b="0"/>
+      </a:lnRef>
+      <a:fillRef idx="1">
+        <a:scrgbClr r="0" g="0" b="0"/>
+      </a:fillRef>
+      <a:effectRef idx="0">
+        <a:scrgbClr r="0" g="0" b="0"/>
+      </a:effectRef>
+      <a:fontRef idx="minor"/>
+    </dgm:style>
+  </dgm:styleLbl>
+  <dgm:styleLbl name="fgAcc4">
+    <dgm:scene3d>
+      <a:camera prst="orthographicFront"/>
+      <a:lightRig rig="threePt" dir="t"/>
+    </dgm:scene3d>
+    <dgm:sp3d/>
+    <dgm:txPr/>
+    <dgm:style>
+      <a:lnRef idx="2">
+        <a:scrgbClr r="0" g="0" b="0"/>
+      </a:lnRef>
+      <a:fillRef idx="1">
+        <a:scrgbClr r="0" g="0" b="0"/>
+      </a:fillRef>
+      <a:effectRef idx="0">
+        <a:scrgbClr r="0" g="0" b="0"/>
+      </a:effectRef>
+      <a:fontRef idx="minor"/>
+    </dgm:style>
+  </dgm:styleLbl>
+  <dgm:styleLbl name="bgShp">
+    <dgm:scene3d>
+      <a:camera prst="orthographicFront"/>
+      <a:lightRig rig="threePt" dir="t"/>
+    </dgm:scene3d>
+    <dgm:sp3d/>
+    <dgm:txPr/>
+    <dgm:style>
+      <a:lnRef idx="0">
+        <a:scrgbClr r="0" g="0" b="0"/>
+      </a:lnRef>
+      <a:fillRef idx="1">
+        <a:scrgbClr r="0" g="0" b="0"/>
+      </a:fillRef>
+      <a:effectRef idx="0">
+        <a:scrgbClr r="0" g="0" b="0"/>
+      </a:effectRef>
+      <a:fontRef idx="minor"/>
+    </dgm:style>
+  </dgm:styleLbl>
+  <dgm:styleLbl name="dkBgShp">
+    <dgm:scene3d>
+      <a:camera prst="orthographicFront"/>
+      <a:lightRig rig="threePt" dir="t"/>
+    </dgm:scene3d>
+    <dgm:sp3d/>
+    <dgm:txPr/>
+    <dgm:style>
+      <a:lnRef idx="0">
+        <a:scrgbClr r="0" g="0" b="0"/>
+      </a:lnRef>
+      <a:fillRef idx="1">
+        <a:scrgbClr r="0" g="0" b="0"/>
+      </a:fillRef>
+      <a:effectRef idx="0">
+        <a:scrgbClr r="0" g="0" b="0"/>
+      </a:effectRef>
+      <a:fontRef idx="minor"/>
+    </dgm:style>
+  </dgm:styleLbl>
+  <dgm:styleLbl name="trBgShp">
+    <dgm:scene3d>
+      <a:camera prst="orthographicFront"/>
+      <a:lightRig rig="threePt" dir="t"/>
+    </dgm:scene3d>
+    <dgm:sp3d/>
+    <dgm:txPr/>
+    <dgm:style>
+      <a:lnRef idx="0">
+        <a:scrgbClr r="0" g="0" b="0"/>
+      </a:lnRef>
+      <a:fillRef idx="1">
+        <a:scrgbClr r="0" g="0" b="0"/>
+      </a:fillRef>
+      <a:effectRef idx="0">
+        <a:scrgbClr r="0" g="0" b="0"/>
+      </a:effectRef>
+      <a:fontRef idx="minor"/>
+    </dgm:style>
+  </dgm:styleLbl>
+  <dgm:styleLbl name="fgShp">
+    <dgm:scene3d>
+      <a:camera prst="orthographicFront"/>
+      <a:lightRig rig="threePt" dir="t"/>
+    </dgm:scene3d>
+    <dgm:sp3d/>
+    <dgm:txPr/>
+    <dgm:style>
+      <a:lnRef idx="2">
+        <a:scrgbClr r="0" g="0" b="0"/>
+      </a:lnRef>
+      <a:fillRef idx="1">
+        <a:scrgbClr r="0" g="0" b="0"/>
+      </a:fillRef>
+      <a:effectRef idx="0">
+        <a:scrgbClr r="0" g="0" b="0"/>
+      </a:effectRef>
+      <a:fontRef idx="minor"/>
+    </dgm:style>
+  </dgm:styleLbl>
+  <dgm:styleLbl name="revTx">
+    <dgm:scene3d>
+      <a:camera prst="orthographicFront"/>
+      <a:lightRig rig="threePt" dir="t"/>
+    </dgm:scene3d>
+    <dgm:sp3d/>
+    <dgm:txPr/>
+    <dgm:style>
+      <a:lnRef idx="0">
+        <a:scrgbClr r="0" g="0" b="0"/>
+      </a:lnRef>
+      <a:fillRef idx="0">
+        <a:scrgbClr r="0" g="0" b="0"/>
+      </a:fillRef>
+      <a:effectRef idx="0">
+        <a:scrgbClr r="0" g="0" b="0"/>
+      </a:effectRef>
+      <a:fontRef idx="minor"/>
+    </dgm:style>
+  </dgm:styleLbl>
+</dgm:styleDef>
 </file>
 
 <file path=ppt/notesMasters/notesMaster1.xml><?xml version="1.0" encoding="utf-8"?>
@@ -8673,7 +12408,7 @@
               <a:buAutoNum type="arabicPeriod"/>
             </a:pPr>
             <a:r>
-              <a:rPr lang="de-DE" sz="2000" b="0" dirty="0"/>
+              <a:rPr lang="en-BZ" sz="2000" b="0" dirty="0"/>
               <a:t>Motivation</a:t>
             </a:r>
           </a:p>
@@ -8683,10 +12418,9 @@
               <a:buAutoNum type="arabicPeriod"/>
             </a:pPr>
             <a:r>
-              <a:rPr lang="de-DE" sz="2000" b="0" dirty="0" err="1"/>
+              <a:rPr lang="en-BZ" sz="2000" b="0" dirty="0"/>
               <a:t>Preliminaries</a:t>
             </a:r>
-            <a:endParaRPr lang="de-DE" sz="2000" b="0" dirty="0"/>
           </a:p>
           <a:p>
             <a:pPr marL="571500" indent="-342900">
@@ -8694,10 +12428,9 @@
               <a:buAutoNum type="arabicPeriod"/>
             </a:pPr>
             <a:r>
-              <a:rPr lang="de-DE" sz="2000" b="0" dirty="0" err="1"/>
+              <a:rPr lang="en-BZ" sz="2000" b="0" dirty="0"/>
               <a:t>Methodology</a:t>
             </a:r>
-            <a:endParaRPr lang="de-DE" sz="2000" b="0" dirty="0"/>
           </a:p>
           <a:p>
             <a:pPr marL="571500" indent="-342900">
@@ -8705,12 +12438,8 @@
               <a:buAutoNum type="arabicPeriod"/>
             </a:pPr>
             <a:r>
-              <a:rPr lang="de-DE" sz="2000" b="0" dirty="0" err="1"/>
-              <a:t>Literature</a:t>
-            </a:r>
-            <a:r>
-              <a:rPr lang="de-DE" sz="2000" b="0" dirty="0"/>
-              <a:t> review</a:t>
+              <a:rPr lang="en-BZ" sz="2000" b="0" dirty="0"/>
+              <a:t>Literature review</a:t>
             </a:r>
           </a:p>
           <a:p>
@@ -8719,14 +12448,9 @@
               <a:buAutoNum type="arabicPeriod"/>
             </a:pPr>
             <a:r>
-              <a:rPr lang="de-DE" sz="2000" b="0" dirty="0"/>
-              <a:t>Solution </a:t>
-            </a:r>
-            <a:r>
-              <a:rPr lang="de-DE" sz="2000" b="0" dirty="0" err="1"/>
-              <a:t>categorization</a:t>
-            </a:r>
-            <a:endParaRPr lang="de-DE" sz="2000" b="0" dirty="0"/>
+              <a:rPr lang="en-BZ" sz="2000" b="0" dirty="0"/>
+              <a:t>Solution categorization</a:t>
+            </a:r>
           </a:p>
           <a:p>
             <a:pPr marL="571500" indent="-342900">
@@ -8734,18 +12458,9 @@
               <a:buAutoNum type="arabicPeriod"/>
             </a:pPr>
             <a:r>
-              <a:rPr lang="de-DE" sz="2000" b="0" dirty="0" err="1"/>
-              <a:t>IoTs</a:t>
-            </a:r>
-            <a:r>
-              <a:rPr lang="de-DE" sz="2000" b="0" dirty="0"/>
-              <a:t> own </a:t>
-            </a:r>
-            <a:r>
-              <a:rPr lang="de-DE" sz="2000" b="0" dirty="0" err="1"/>
-              <a:t>footprint</a:t>
-            </a:r>
-            <a:endParaRPr lang="de-DE" sz="2000" b="0" dirty="0"/>
+              <a:rPr lang="en-BZ" sz="2000" b="0" dirty="0"/>
+              <a:t>IoTs own footprint</a:t>
+            </a:r>
           </a:p>
           <a:p>
             <a:pPr marL="571500" indent="-342900">
@@ -8753,22 +12468,9 @@
               <a:buAutoNum type="arabicPeriod"/>
             </a:pPr>
             <a:r>
-              <a:rPr lang="de-DE" sz="2000" b="0" dirty="0"/>
-              <a:t>IoT in </a:t>
-            </a:r>
-            <a:r>
-              <a:rPr lang="de-DE" sz="2000" b="0" dirty="0" err="1"/>
-              <a:t>food</a:t>
-            </a:r>
-            <a:r>
-              <a:rPr lang="de-DE" sz="2000" b="0" dirty="0"/>
-              <a:t> </a:t>
-            </a:r>
-            <a:r>
-              <a:rPr lang="de-DE" sz="2000" b="0" dirty="0" err="1"/>
-              <a:t>manufacturing</a:t>
-            </a:r>
-            <a:endParaRPr lang="de-DE" sz="2000" b="0" dirty="0"/>
+              <a:rPr lang="en-BZ" sz="2000" b="0" dirty="0"/>
+              <a:t>IoT in food manufacturing</a:t>
+            </a:r>
           </a:p>
           <a:p>
             <a:pPr marL="571500" indent="-342900">
@@ -8776,10 +12478,9 @@
               <a:buAutoNum type="arabicPeriod"/>
             </a:pPr>
             <a:r>
-              <a:rPr lang="de-DE" sz="2000" b="0" dirty="0" err="1"/>
+              <a:rPr lang="en-BZ" sz="2000" b="0" dirty="0"/>
               <a:t>Discussion</a:t>
             </a:r>
-            <a:endParaRPr lang="de-DE" sz="2000" b="0" dirty="0"/>
           </a:p>
           <a:p>
             <a:pPr marL="571500" indent="-342900">
@@ -8787,10 +12488,9 @@
               <a:buAutoNum type="arabicPeriod"/>
             </a:pPr>
             <a:r>
-              <a:rPr lang="de-DE" sz="2000" b="0" dirty="0" err="1"/>
+              <a:rPr lang="en-BZ" sz="2000" b="0" dirty="0"/>
               <a:t>Conclusion</a:t>
             </a:r>
-            <a:endParaRPr lang="de-DE" sz="2000" b="0" dirty="0"/>
           </a:p>
         </p:txBody>
       </p:sp>
@@ -9577,48 +13277,6 @@
       </p:grpSpPr>
       <p:sp>
         <p:nvSpPr>
-          <p:cNvPr id="70" name="Google Shape;70;gb9e2de6e95_0_1"/>
-          <p:cNvSpPr txBox="1">
-            <a:spLocks noGrp="1"/>
-          </p:cNvSpPr>
-          <p:nvPr>
-            <p:ph type="body" idx="1"/>
-          </p:nvPr>
-        </p:nvSpPr>
-        <p:spPr>
-          <a:xfrm>
-            <a:off x="696000" y="1274422"/>
-            <a:ext cx="10800000" cy="5040000"/>
-          </a:xfrm>
-          <a:prstGeom prst="rect">
-            <a:avLst/>
-          </a:prstGeom>
-        </p:spPr>
-        <p:txBody>
-          <a:bodyPr spcFirstLastPara="1" wrap="square" lIns="0" tIns="0" rIns="0" bIns="0" anchor="t" anchorCtr="0">
-            <a:noAutofit/>
-          </a:bodyPr>
-          <a:lstStyle/>
-          <a:p>
-            <a:pPr marL="0" lvl="0" indent="0" algn="l" rtl="0">
-              <a:spcBef>
-                <a:spcPts val="500"/>
-              </a:spcBef>
-              <a:spcAft>
-                <a:spcPts val="0"/>
-              </a:spcAft>
-              <a:buNone/>
-            </a:pPr>
-            <a:r>
-              <a:rPr lang="de-DE" dirty="0" err="1"/>
-              <a:t>text</a:t>
-            </a:r>
-            <a:endParaRPr dirty="0"/>
-          </a:p>
-        </p:txBody>
-      </p:sp>
-      <p:sp>
-        <p:nvSpPr>
           <p:cNvPr id="71" name="Google Shape;71;gb9e2de6e95_0_1"/>
           <p:cNvSpPr txBox="1">
             <a:spLocks noGrp="1"/>
@@ -9656,10 +13314,9 @@
               <a:t>2. </a:t>
             </a:r>
             <a:r>
-              <a:rPr lang="de-DE" dirty="0" err="1"/>
+              <a:rPr lang="en-BZ" dirty="0"/>
               <a:t>Preliminaries</a:t>
             </a:r>
-            <a:endParaRPr dirty="0"/>
           </a:p>
         </p:txBody>
       </p:sp>
@@ -9692,153 +13349,112 @@
           <a:lstStyle/>
           <a:p>
             <a:r>
-              <a:rPr lang="de-DE" sz="1100" dirty="0"/>
+              <a:rPr lang="en-BZ" sz="1100" dirty="0"/>
               <a:t>Motivation</a:t>
             </a:r>
             <a:r>
-              <a:rPr lang="de-DE" sz="1100" b="1" dirty="0"/>
+              <a:rPr lang="en-BZ" sz="1100" b="1" dirty="0"/>
               <a:t> |</a:t>
             </a:r>
             <a:r>
-              <a:rPr lang="de-DE" sz="1100" dirty="0"/>
+              <a:rPr lang="en-BZ" sz="1100" dirty="0"/>
               <a:t> </a:t>
             </a:r>
             <a:r>
-              <a:rPr lang="de-DE" sz="1100" b="1" dirty="0" err="1"/>
+              <a:rPr lang="en-BZ" sz="1100" b="1" dirty="0"/>
               <a:t>Preliminaries</a:t>
             </a:r>
             <a:r>
-              <a:rPr lang="de-DE" sz="1100" dirty="0"/>
+              <a:rPr lang="en-BZ" sz="1100" dirty="0"/>
               <a:t> </a:t>
             </a:r>
             <a:r>
-              <a:rPr lang="de-DE" sz="1100" b="1" dirty="0"/>
+              <a:rPr lang="en-BZ" sz="1100" b="1" dirty="0"/>
               <a:t>|</a:t>
             </a:r>
             <a:r>
-              <a:rPr lang="de-DE" sz="1100" dirty="0"/>
-              <a:t> </a:t>
-            </a:r>
-            <a:r>
-              <a:rPr lang="de-DE" sz="1100" dirty="0" err="1"/>
-              <a:t>Methodology</a:t>
-            </a:r>
-            <a:r>
-              <a:rPr lang="de-DE" sz="1100" dirty="0"/>
-              <a:t> </a:t>
-            </a:r>
-            <a:r>
-              <a:rPr lang="de-DE" sz="1100" b="1" dirty="0"/>
+              <a:rPr lang="en-BZ" sz="1100" dirty="0"/>
+              <a:t> Methodology </a:t>
+            </a:r>
+            <a:r>
+              <a:rPr lang="en-BZ" sz="1100" b="1" dirty="0"/>
               <a:t>|</a:t>
             </a:r>
             <a:r>
-              <a:rPr lang="de-DE" sz="1100" dirty="0"/>
-              <a:t> </a:t>
-            </a:r>
-            <a:r>
-              <a:rPr lang="de-DE" sz="1100" dirty="0" err="1"/>
-              <a:t>Literature</a:t>
-            </a:r>
-            <a:r>
-              <a:rPr lang="de-DE" sz="1100" dirty="0"/>
-              <a:t> review </a:t>
-            </a:r>
-            <a:r>
-              <a:rPr lang="de-DE" sz="1100" b="1" dirty="0"/>
+              <a:rPr lang="en-BZ" sz="1100" dirty="0"/>
+              <a:t> Literature review </a:t>
+            </a:r>
+            <a:r>
+              <a:rPr lang="en-BZ" sz="1100" b="1" dirty="0"/>
               <a:t>|</a:t>
             </a:r>
             <a:r>
-              <a:rPr lang="de-DE" sz="1100" dirty="0"/>
-              <a:t> Solution </a:t>
-            </a:r>
-            <a:r>
-              <a:rPr lang="de-DE" sz="1100" dirty="0" err="1"/>
-              <a:t>categorization</a:t>
-            </a:r>
-            <a:r>
-              <a:rPr lang="de-DE" sz="1100" dirty="0"/>
-              <a:t> </a:t>
-            </a:r>
-            <a:r>
-              <a:rPr lang="de-DE" sz="1100" b="1" dirty="0"/>
+              <a:rPr lang="en-BZ" sz="1100" dirty="0"/>
+              <a:t> Solution categorization </a:t>
+            </a:r>
+            <a:r>
+              <a:rPr lang="en-BZ" sz="1100" b="1" dirty="0"/>
               <a:t>|</a:t>
             </a:r>
             <a:r>
-              <a:rPr lang="de-DE" sz="1100" dirty="0"/>
-              <a:t> </a:t>
-            </a:r>
-            <a:r>
-              <a:rPr lang="de-DE" sz="1100" dirty="0" err="1"/>
-              <a:t>IoTs</a:t>
-            </a:r>
-            <a:r>
-              <a:rPr lang="de-DE" sz="1100" dirty="0"/>
-              <a:t> own </a:t>
-            </a:r>
-            <a:r>
-              <a:rPr lang="de-DE" sz="1100" dirty="0" err="1"/>
-              <a:t>footprint</a:t>
-            </a:r>
-            <a:r>
-              <a:rPr lang="de-DE" sz="1100" dirty="0"/>
-              <a:t> </a:t>
-            </a:r>
-            <a:r>
-              <a:rPr lang="de-DE" sz="1100" b="1" dirty="0"/>
+              <a:rPr lang="en-BZ" sz="1100" dirty="0"/>
+              <a:t> IoTs own footprint </a:t>
+            </a:r>
+            <a:r>
+              <a:rPr lang="en-BZ" sz="1100" b="1" dirty="0"/>
               <a:t>|</a:t>
             </a:r>
             <a:r>
-              <a:rPr lang="de-DE" sz="1100" dirty="0"/>
-              <a:t> IoT in </a:t>
-            </a:r>
-            <a:r>
-              <a:rPr lang="de-DE" sz="1100" dirty="0" err="1"/>
-              <a:t>food</a:t>
-            </a:r>
-            <a:r>
-              <a:rPr lang="de-DE" sz="1100" dirty="0"/>
-              <a:t> </a:t>
-            </a:r>
-            <a:r>
-              <a:rPr lang="de-DE" sz="1100" dirty="0" err="1"/>
-              <a:t>manufacturing</a:t>
-            </a:r>
-            <a:r>
-              <a:rPr lang="de-DE" sz="1100" dirty="0"/>
-              <a:t> </a:t>
-            </a:r>
-            <a:r>
-              <a:rPr lang="de-DE" sz="1100" b="1" dirty="0"/>
+              <a:rPr lang="en-BZ" sz="1100" dirty="0"/>
+              <a:t> IoT in food manufacturing </a:t>
+            </a:r>
+            <a:r>
+              <a:rPr lang="en-BZ" sz="1100" b="1" dirty="0"/>
               <a:t>|</a:t>
             </a:r>
             <a:r>
-              <a:rPr lang="de-DE" sz="1100" dirty="0"/>
-              <a:t> </a:t>
-            </a:r>
-            <a:r>
-              <a:rPr lang="de-DE" sz="1100" dirty="0" err="1"/>
-              <a:t>Discussion</a:t>
-            </a:r>
-            <a:r>
-              <a:rPr lang="de-DE" sz="1100" dirty="0"/>
-              <a:t> </a:t>
-            </a:r>
-            <a:r>
-              <a:rPr lang="de-DE" sz="1100" b="1" dirty="0"/>
+              <a:rPr lang="en-BZ" sz="1100" dirty="0"/>
+              <a:t> Discussion </a:t>
+            </a:r>
+            <a:r>
+              <a:rPr lang="en-BZ" sz="1100" b="1" dirty="0"/>
               <a:t>|</a:t>
             </a:r>
             <a:r>
-              <a:rPr lang="de-DE" sz="1100" dirty="0"/>
-              <a:t> </a:t>
-            </a:r>
-            <a:r>
-              <a:rPr lang="de-DE" sz="1100" dirty="0" err="1"/>
-              <a:t>Conclusion</a:t>
-            </a:r>
-            <a:endParaRPr lang="de-DE" sz="1100" dirty="0"/>
+              <a:rPr lang="en-BZ" sz="1100" dirty="0"/>
+              <a:t> Conclusion</a:t>
+            </a:r>
           </a:p>
         </p:txBody>
       </p:sp>
+      <p:graphicFrame>
+        <p:nvGraphicFramePr>
+          <p:cNvPr id="3" name="Diagramm 2">
+            <a:extLst>
+              <a:ext uri="{FF2B5EF4-FFF2-40B4-BE49-F238E27FC236}">
+                <a16:creationId xmlns:a16="http://schemas.microsoft.com/office/drawing/2014/main" id="{6F07DC86-701E-4C65-989C-F4F28209221F}"/>
+              </a:ext>
+            </a:extLst>
+          </p:cNvPr>
+          <p:cNvGraphicFramePr/>
+          <p:nvPr>
+            <p:extLst>
+              <p:ext uri="{D42A27DB-BD31-4B8C-83A1-F6EECF244321}">
+                <p14:modId xmlns:p14="http://schemas.microsoft.com/office/powerpoint/2010/main" val="1808438685"/>
+              </p:ext>
+            </p:extLst>
+          </p:nvPr>
+        </p:nvGraphicFramePr>
+        <p:xfrm>
+          <a:off x="1054099" y="1317171"/>
+          <a:ext cx="9951358" cy="4814803"/>
+        </p:xfrm>
+        <a:graphic>
+          <a:graphicData uri="http://schemas.openxmlformats.org/drawingml/2006/diagram">
+            <dgm:relIds xmlns:dgm="http://schemas.openxmlformats.org/drawingml/2006/diagram" xmlns:r="http://schemas.openxmlformats.org/officeDocument/2006/relationships" r:dm="rId3" r:lo="rId4" r:qs="rId5" r:cs="rId6"/>
+          </a:graphicData>
+        </a:graphic>
+      </p:graphicFrame>
     </p:spTree>
     <p:extLst>
       <p:ext uri="{BB962C8B-B14F-4D97-AF65-F5344CB8AC3E}">
@@ -9881,8 +13497,8 @@
         </p:nvSpPr>
         <p:spPr>
           <a:xfrm>
-            <a:off x="696000" y="1274422"/>
-            <a:ext cx="10800000" cy="5040000"/>
+            <a:off x="559928" y="1447894"/>
+            <a:ext cx="10800000" cy="392400"/>
           </a:xfrm>
           <a:prstGeom prst="rect">
             <a:avLst/>
@@ -9904,10 +13520,38 @@
               <a:buNone/>
             </a:pPr>
             <a:r>
-              <a:rPr lang="de-DE" dirty="0" err="1"/>
-              <a:t>text</a:t>
-            </a:r>
-            <a:endParaRPr dirty="0"/>
+              <a:rPr lang="de-DE" b="0" dirty="0" err="1"/>
+              <a:t>Systematic</a:t>
+            </a:r>
+            <a:r>
+              <a:rPr lang="de-DE" b="0" dirty="0"/>
+              <a:t> </a:t>
+            </a:r>
+            <a:r>
+              <a:rPr lang="de-DE" b="0" dirty="0" err="1"/>
+              <a:t>literature</a:t>
+            </a:r>
+            <a:r>
+              <a:rPr lang="de-DE" b="0" dirty="0"/>
+              <a:t> </a:t>
+            </a:r>
+            <a:r>
+              <a:rPr lang="de-DE" b="0" dirty="0" err="1"/>
+              <a:t>research</a:t>
+            </a:r>
+            <a:r>
+              <a:rPr lang="de-DE" b="0" dirty="0"/>
+              <a:t> </a:t>
+            </a:r>
+            <a:r>
+              <a:rPr lang="de-DE" b="0" dirty="0" err="1"/>
+              <a:t>based</a:t>
+            </a:r>
+            <a:r>
+              <a:rPr lang="de-DE" b="0" dirty="0"/>
+              <a:t> on vom Brocke et al. (2009)</a:t>
+            </a:r>
+            <a:endParaRPr b="0" dirty="0"/>
           </a:p>
         </p:txBody>
       </p:sp>
@@ -10147,22 +13791,257 @@
           </p:cNvPicPr>
           <p:nvPr/>
         </p:nvPicPr>
-        <p:blipFill>
+        <p:blipFill rotWithShape="1">
           <a:blip r:embed="rId3"/>
-          <a:stretch>
-            <a:fillRect/>
-          </a:stretch>
+          <a:srcRect t="1" b="2955"/>
+          <a:stretch/>
         </p:blipFill>
         <p:spPr>
           <a:xfrm>
-            <a:off x="6845803" y="3794422"/>
-            <a:ext cx="4748794" cy="2356109"/>
+            <a:off x="495356" y="1958354"/>
+            <a:ext cx="4748794" cy="2292397"/>
           </a:xfrm>
           <a:prstGeom prst="rect">
             <a:avLst/>
           </a:prstGeom>
         </p:spPr>
       </p:pic>
+      <p:sp>
+        <p:nvSpPr>
+          <p:cNvPr id="3" name="Textfeld 2">
+            <a:extLst>
+              <a:ext uri="{FF2B5EF4-FFF2-40B4-BE49-F238E27FC236}">
+                <a16:creationId xmlns:a16="http://schemas.microsoft.com/office/drawing/2014/main" id="{F57BC401-A6AB-4314-965D-704FCA7E28B5}"/>
+              </a:ext>
+            </a:extLst>
+          </p:cNvPr>
+          <p:cNvSpPr txBox="1"/>
+          <p:nvPr/>
+        </p:nvSpPr>
+        <p:spPr>
+          <a:xfrm>
+            <a:off x="5255636" y="2483057"/>
+            <a:ext cx="6509656" cy="1200329"/>
+          </a:xfrm>
+          <a:prstGeom prst="rect">
+            <a:avLst/>
+          </a:prstGeom>
+          <a:noFill/>
+        </p:spPr>
+        <p:txBody>
+          <a:bodyPr wrap="square" rtlCol="0">
+            <a:spAutoFit/>
+          </a:bodyPr>
+          <a:lstStyle/>
+          <a:p>
+            <a:r>
+              <a:rPr lang="en-US" sz="1800" b="1" dirty="0"/>
+              <a:t>Initial search terms:</a:t>
+            </a:r>
+          </a:p>
+          <a:p>
+            <a:pPr marL="285750" indent="-285750">
+              <a:buFont typeface="Arial" panose="020B0604020202020204" pitchFamily="34" charset="0"/>
+              <a:buChar char="•"/>
+            </a:pPr>
+            <a:r>
+              <a:rPr lang="en-US" sz="1800" dirty="0"/>
+              <a:t>supply chain AND sustainability AND internet of things</a:t>
+            </a:r>
+          </a:p>
+          <a:p>
+            <a:pPr marL="285750" indent="-285750">
+              <a:buFont typeface="Arial" panose="020B0604020202020204" pitchFamily="34" charset="0"/>
+              <a:buChar char="•"/>
+            </a:pPr>
+            <a:r>
+              <a:rPr lang="en-US" sz="1800" dirty="0"/>
+              <a:t>supply chain AND carbon emissions AND internet of things</a:t>
+            </a:r>
+          </a:p>
+          <a:p>
+            <a:pPr marL="285750" indent="-285750">
+              <a:buFont typeface="Arial" panose="020B0604020202020204" pitchFamily="34" charset="0"/>
+              <a:buChar char="•"/>
+            </a:pPr>
+            <a:r>
+              <a:rPr lang="en-US" sz="1800" dirty="0"/>
+              <a:t>supply chain AND green AND internet of things</a:t>
+            </a:r>
+            <a:endParaRPr lang="de-DE" sz="1800" dirty="0"/>
+          </a:p>
+        </p:txBody>
+      </p:sp>
+      <p:sp>
+        <p:nvSpPr>
+          <p:cNvPr id="5" name="Textfeld 4">
+            <a:extLst>
+              <a:ext uri="{FF2B5EF4-FFF2-40B4-BE49-F238E27FC236}">
+                <a16:creationId xmlns:a16="http://schemas.microsoft.com/office/drawing/2014/main" id="{34FD172A-D5B8-405D-8A93-4F35026BE38D}"/>
+              </a:ext>
+            </a:extLst>
+          </p:cNvPr>
+          <p:cNvSpPr txBox="1"/>
+          <p:nvPr/>
+        </p:nvSpPr>
+        <p:spPr>
+          <a:xfrm>
+            <a:off x="2373085" y="4930642"/>
+            <a:ext cx="6640286" cy="307777"/>
+          </a:xfrm>
+          <a:prstGeom prst="rect">
+            <a:avLst/>
+          </a:prstGeom>
+          <a:noFill/>
+        </p:spPr>
+        <p:txBody>
+          <a:bodyPr wrap="square" rtlCol="0">
+            <a:spAutoFit/>
+          </a:bodyPr>
+          <a:lstStyle/>
+          <a:p>
+            <a:pPr algn="ctr"/>
+            <a:r>
+              <a:rPr lang="en-US" dirty="0"/>
+              <a:t>Refine of search term based on concept map &amp; forward and backward search</a:t>
+            </a:r>
+            <a:endParaRPr lang="de-DE" dirty="0"/>
+          </a:p>
+        </p:txBody>
+      </p:sp>
+      <p:sp>
+        <p:nvSpPr>
+          <p:cNvPr id="9" name="Pfeil: nach unten 8">
+            <a:extLst>
+              <a:ext uri="{FF2B5EF4-FFF2-40B4-BE49-F238E27FC236}">
+                <a16:creationId xmlns:a16="http://schemas.microsoft.com/office/drawing/2014/main" id="{B19E29E7-E0AF-434A-B5D7-BE64DB424A70}"/>
+              </a:ext>
+            </a:extLst>
+          </p:cNvPr>
+          <p:cNvSpPr/>
+          <p:nvPr/>
+        </p:nvSpPr>
+        <p:spPr>
+          <a:xfrm>
+            <a:off x="5426528" y="5371390"/>
+            <a:ext cx="533400" cy="423992"/>
+          </a:xfrm>
+          <a:prstGeom prst="downArrow">
+            <a:avLst/>
+          </a:prstGeom>
+        </p:spPr>
+        <p:style>
+          <a:lnRef idx="2">
+            <a:schemeClr val="accent1">
+              <a:shade val="50000"/>
+            </a:schemeClr>
+          </a:lnRef>
+          <a:fillRef idx="1">
+            <a:schemeClr val="accent1"/>
+          </a:fillRef>
+          <a:effectRef idx="0">
+            <a:schemeClr val="accent1"/>
+          </a:effectRef>
+          <a:fontRef idx="minor">
+            <a:schemeClr val="lt1"/>
+          </a:fontRef>
+        </p:style>
+        <p:txBody>
+          <a:bodyPr rtlCol="0" anchor="ctr"/>
+          <a:lstStyle/>
+          <a:p>
+            <a:pPr algn="ctr"/>
+            <a:endParaRPr lang="de-DE"/>
+          </a:p>
+        </p:txBody>
+      </p:sp>
+      <p:sp>
+        <p:nvSpPr>
+          <p:cNvPr id="10" name="Textfeld 9">
+            <a:extLst>
+              <a:ext uri="{FF2B5EF4-FFF2-40B4-BE49-F238E27FC236}">
+                <a16:creationId xmlns:a16="http://schemas.microsoft.com/office/drawing/2014/main" id="{9FB56B7F-0CC5-4633-82CD-4FF8C5E5E04B}"/>
+              </a:ext>
+            </a:extLst>
+          </p:cNvPr>
+          <p:cNvSpPr txBox="1"/>
+          <p:nvPr/>
+        </p:nvSpPr>
+        <p:spPr>
+          <a:xfrm>
+            <a:off x="2373085" y="5797636"/>
+            <a:ext cx="6640286" cy="307777"/>
+          </a:xfrm>
+          <a:prstGeom prst="rect">
+            <a:avLst/>
+          </a:prstGeom>
+          <a:noFill/>
+        </p:spPr>
+        <p:txBody>
+          <a:bodyPr wrap="square" rtlCol="0">
+            <a:spAutoFit/>
+          </a:bodyPr>
+          <a:lstStyle/>
+          <a:p>
+            <a:pPr algn="ctr"/>
+            <a:r>
+              <a:rPr lang="en-US" dirty="0" err="1"/>
+              <a:t>Biblioemtric</a:t>
+            </a:r>
+            <a:r>
+              <a:rPr lang="en-US" dirty="0"/>
+              <a:t> analysis using the tool MAXQDA</a:t>
+            </a:r>
+            <a:endParaRPr lang="de-DE" dirty="0"/>
+          </a:p>
+        </p:txBody>
+      </p:sp>
+      <p:sp>
+        <p:nvSpPr>
+          <p:cNvPr id="11" name="Pfeil: nach unten 10">
+            <a:extLst>
+              <a:ext uri="{FF2B5EF4-FFF2-40B4-BE49-F238E27FC236}">
+                <a16:creationId xmlns:a16="http://schemas.microsoft.com/office/drawing/2014/main" id="{B67C317C-5866-40CC-898B-C021AA3725E4}"/>
+              </a:ext>
+            </a:extLst>
+          </p:cNvPr>
+          <p:cNvSpPr/>
+          <p:nvPr/>
+        </p:nvSpPr>
+        <p:spPr>
+          <a:xfrm>
+            <a:off x="5426528" y="4378701"/>
+            <a:ext cx="533400" cy="423992"/>
+          </a:xfrm>
+          <a:prstGeom prst="downArrow">
+            <a:avLst/>
+          </a:prstGeom>
+        </p:spPr>
+        <p:style>
+          <a:lnRef idx="2">
+            <a:schemeClr val="accent1">
+              <a:shade val="50000"/>
+            </a:schemeClr>
+          </a:lnRef>
+          <a:fillRef idx="1">
+            <a:schemeClr val="accent1"/>
+          </a:fillRef>
+          <a:effectRef idx="0">
+            <a:schemeClr val="accent1"/>
+          </a:effectRef>
+          <a:fontRef idx="minor">
+            <a:schemeClr val="lt1"/>
+          </a:fontRef>
+        </p:style>
+        <p:txBody>
+          <a:bodyPr rtlCol="0" anchor="ctr"/>
+          <a:lstStyle/>
+          <a:p>
+            <a:pPr algn="ctr"/>
+            <a:endParaRPr lang="de-DE"/>
+          </a:p>
+        </p:txBody>
+      </p:sp>
     </p:spTree>
     <p:extLst>
       <p:ext uri="{BB962C8B-B14F-4D97-AF65-F5344CB8AC3E}">

--- a/IoT final presentation.pptx
+++ b/IoT final presentation.pptx
@@ -5,7 +5,7 @@
     <p:sldMasterId id="2147483648" r:id="rId1"/>
   </p:sldMasterIdLst>
   <p:notesMasterIdLst>
-    <p:notesMasterId r:id="rId12"/>
+    <p:notesMasterId r:id="rId17"/>
   </p:notesMasterIdLst>
   <p:sldIdLst>
     <p:sldId id="256" r:id="rId2"/>
@@ -13,11 +13,16 @@
     <p:sldId id="258" r:id="rId4"/>
     <p:sldId id="266" r:id="rId5"/>
     <p:sldId id="268" r:id="rId6"/>
-    <p:sldId id="269" r:id="rId7"/>
-    <p:sldId id="265" r:id="rId8"/>
-    <p:sldId id="263" r:id="rId9"/>
-    <p:sldId id="260" r:id="rId10"/>
-    <p:sldId id="261" r:id="rId11"/>
+    <p:sldId id="270" r:id="rId7"/>
+    <p:sldId id="271" r:id="rId8"/>
+    <p:sldId id="269" r:id="rId9"/>
+    <p:sldId id="272" r:id="rId10"/>
+    <p:sldId id="273" r:id="rId11"/>
+    <p:sldId id="274" r:id="rId12"/>
+    <p:sldId id="265" r:id="rId13"/>
+    <p:sldId id="263" r:id="rId14"/>
+    <p:sldId id="260" r:id="rId15"/>
+    <p:sldId id="261" r:id="rId16"/>
   </p:sldIdLst>
   <p:sldSz cx="12192000" cy="6858000"/>
   <p:notesSz cx="6797675" cy="9874250"/>
@@ -280,7 +285,7 @@
       </p15:notesGuideLst>
     </p:ext>
     <p:ext uri="http://customooxmlschemas.google.com/">
-      <go:slidesCustomData xmlns="" xmlns:mc="http://schemas.openxmlformats.org/markup-compatibility/2006" xmlns:mv="urn:schemas-microsoft-com:mac:vml" xmlns:c="http://schemas.openxmlformats.org/drawingml/2006/chart" xmlns:dgm="http://schemas.openxmlformats.org/drawingml/2006/diagram" xmlns:o="urn:schemas-microsoft-com:office:office" xmlns:v="urn:schemas-microsoft-com:vml" xmlns:pvml="urn:schemas-microsoft-com:office:powerpoint" xmlns:com="http://schemas.openxmlformats.org/drawingml/2006/compatibility" xmlns:p14="http://schemas.microsoft.com/office/powerpoint/2010/main" xmlns:p15="http://schemas.microsoft.com/office/powerpoint/2012/main" xmlns:ahyp="http://schemas.microsoft.com/office/drawing/2018/hyperlinkcolor" xmlns:go="http://customooxmlschemas.google.com/" r:id="rId14" roundtripDataSignature="AMtx7mhIVCKhCGkd0QHfOARwTtCSWg78Gg=="/>
+      <go:slidesCustomData xmlns="" xmlns:mc="http://schemas.openxmlformats.org/markup-compatibility/2006" xmlns:mv="urn:schemas-microsoft-com:mac:vml" xmlns:c="http://schemas.openxmlformats.org/drawingml/2006/chart" xmlns:dgm="http://schemas.openxmlformats.org/drawingml/2006/diagram" xmlns:o="urn:schemas-microsoft-com:office:office" xmlns:v="urn:schemas-microsoft-com:vml" xmlns:pvml="urn:schemas-microsoft-com:office:powerpoint" xmlns:com="http://schemas.openxmlformats.org/drawingml/2006/compatibility" xmlns:p14="http://schemas.microsoft.com/office/powerpoint/2010/main" xmlns:p15="http://schemas.microsoft.com/office/powerpoint/2012/main" xmlns:ahyp="http://schemas.microsoft.com/office/drawing/2018/hyperlinkcolor" xmlns:go="http://customooxmlschemas.google.com/" r:id="rId18" roundtripDataSignature="AMtx7mhIVCKhCGkd0QHfOARwTtCSWg78Gg=="/>
     </p:ext>
   </p:extLst>
 </p:presentation>
@@ -1020,6 +1025,813 @@
     </dgm:fillClrLst>
     <dgm:linClrLst meth="repeat">
       <a:schemeClr val="dk1">
+        <a:alpha val="0"/>
+      </a:schemeClr>
+    </dgm:linClrLst>
+    <dgm:effectClrLst/>
+    <dgm:txLinClrLst/>
+    <dgm:txFillClrLst meth="repeat">
+      <a:schemeClr val="tx1"/>
+    </dgm:txFillClrLst>
+    <dgm:txEffectClrLst/>
+  </dgm:styleLbl>
+</dgm:colorsDef>
+</file>
+
+<file path=ppt/diagrams/colors2.xml><?xml version="1.0" encoding="utf-8"?>
+<dgm:colorsDef xmlns:dgm="http://schemas.openxmlformats.org/drawingml/2006/diagram" xmlns:a="http://schemas.openxmlformats.org/drawingml/2006/main" uniqueId="urn:microsoft.com/office/officeart/2005/8/colors/accent0_2">
+  <dgm:title val=""/>
+  <dgm:desc val=""/>
+  <dgm:catLst>
+    <dgm:cat type="mainScheme" pri="10200"/>
+  </dgm:catLst>
+  <dgm:styleLbl name="node0">
+    <dgm:fillClrLst meth="repeat">
+      <a:schemeClr val="lt1"/>
+    </dgm:fillClrLst>
+    <dgm:linClrLst meth="repeat">
+      <a:schemeClr val="dk2">
+        <a:shade val="80000"/>
+      </a:schemeClr>
+    </dgm:linClrLst>
+    <dgm:effectClrLst/>
+    <dgm:txLinClrLst/>
+    <dgm:txFillClrLst meth="repeat">
+      <a:schemeClr val="dk2"/>
+    </dgm:txFillClrLst>
+    <dgm:txEffectClrLst/>
+  </dgm:styleLbl>
+  <dgm:styleLbl name="node1">
+    <dgm:fillClrLst meth="repeat">
+      <a:schemeClr val="lt1"/>
+    </dgm:fillClrLst>
+    <dgm:linClrLst meth="repeat">
+      <a:schemeClr val="dk2">
+        <a:shade val="80000"/>
+      </a:schemeClr>
+    </dgm:linClrLst>
+    <dgm:effectClrLst/>
+    <dgm:txLinClrLst/>
+    <dgm:txFillClrLst meth="repeat">
+      <a:schemeClr val="dk2"/>
+    </dgm:txFillClrLst>
+    <dgm:txEffectClrLst/>
+  </dgm:styleLbl>
+  <dgm:styleLbl name="alignNode1">
+    <dgm:fillClrLst meth="repeat">
+      <a:schemeClr val="lt1"/>
+    </dgm:fillClrLst>
+    <dgm:linClrLst meth="repeat">
+      <a:schemeClr val="dk2">
+        <a:shade val="80000"/>
+      </a:schemeClr>
+    </dgm:linClrLst>
+    <dgm:effectClrLst/>
+    <dgm:txLinClrLst/>
+    <dgm:txFillClrLst meth="repeat">
+      <a:schemeClr val="dk2"/>
+    </dgm:txFillClrLst>
+    <dgm:txEffectClrLst/>
+  </dgm:styleLbl>
+  <dgm:styleLbl name="lnNode1">
+    <dgm:fillClrLst meth="repeat">
+      <a:schemeClr val="lt1"/>
+    </dgm:fillClrLst>
+    <dgm:linClrLst meth="repeat">
+      <a:schemeClr val="dk2">
+        <a:shade val="80000"/>
+      </a:schemeClr>
+    </dgm:linClrLst>
+    <dgm:effectClrLst/>
+    <dgm:txLinClrLst/>
+    <dgm:txFillClrLst meth="repeat">
+      <a:schemeClr val="dk2"/>
+    </dgm:txFillClrLst>
+    <dgm:txEffectClrLst/>
+  </dgm:styleLbl>
+  <dgm:styleLbl name="vennNode1">
+    <dgm:fillClrLst meth="repeat">
+      <a:schemeClr val="lt1">
+        <a:alpha val="50000"/>
+      </a:schemeClr>
+    </dgm:fillClrLst>
+    <dgm:linClrLst meth="repeat">
+      <a:schemeClr val="dk2">
+        <a:shade val="80000"/>
+      </a:schemeClr>
+    </dgm:linClrLst>
+    <dgm:effectClrLst/>
+    <dgm:txLinClrLst/>
+    <dgm:txFillClrLst/>
+    <dgm:txEffectClrLst/>
+  </dgm:styleLbl>
+  <dgm:styleLbl name="node2">
+    <dgm:fillClrLst meth="repeat">
+      <a:schemeClr val="lt1"/>
+    </dgm:fillClrLst>
+    <dgm:linClrLst meth="repeat">
+      <a:schemeClr val="dk2">
+        <a:shade val="80000"/>
+      </a:schemeClr>
+    </dgm:linClrLst>
+    <dgm:effectClrLst/>
+    <dgm:txLinClrLst/>
+    <dgm:txFillClrLst meth="repeat">
+      <a:schemeClr val="dk2"/>
+    </dgm:txFillClrLst>
+    <dgm:txEffectClrLst/>
+  </dgm:styleLbl>
+  <dgm:styleLbl name="node3">
+    <dgm:fillClrLst meth="repeat">
+      <a:schemeClr val="lt1"/>
+    </dgm:fillClrLst>
+    <dgm:linClrLst meth="repeat">
+      <a:schemeClr val="dk2">
+        <a:shade val="80000"/>
+      </a:schemeClr>
+    </dgm:linClrLst>
+    <dgm:effectClrLst/>
+    <dgm:txLinClrLst/>
+    <dgm:txFillClrLst meth="repeat">
+      <a:schemeClr val="dk2"/>
+    </dgm:txFillClrLst>
+    <dgm:txEffectClrLst/>
+  </dgm:styleLbl>
+  <dgm:styleLbl name="node4">
+    <dgm:fillClrLst meth="repeat">
+      <a:schemeClr val="lt1"/>
+    </dgm:fillClrLst>
+    <dgm:linClrLst meth="repeat">
+      <a:schemeClr val="dk2">
+        <a:shade val="80000"/>
+      </a:schemeClr>
+    </dgm:linClrLst>
+    <dgm:effectClrLst/>
+    <dgm:txLinClrLst/>
+    <dgm:txFillClrLst meth="repeat">
+      <a:schemeClr val="dk2"/>
+    </dgm:txFillClrLst>
+    <dgm:txEffectClrLst/>
+  </dgm:styleLbl>
+  <dgm:styleLbl name="fgImgPlace1">
+    <dgm:fillClrLst meth="repeat">
+      <a:schemeClr val="dk2">
+        <a:tint val="40000"/>
+      </a:schemeClr>
+    </dgm:fillClrLst>
+    <dgm:linClrLst meth="repeat">
+      <a:schemeClr val="dk2">
+        <a:shade val="80000"/>
+      </a:schemeClr>
+    </dgm:linClrLst>
+    <dgm:effectClrLst/>
+    <dgm:txLinClrLst/>
+    <dgm:txFillClrLst meth="repeat">
+      <a:schemeClr val="lt1"/>
+    </dgm:txFillClrLst>
+    <dgm:txEffectClrLst/>
+  </dgm:styleLbl>
+  <dgm:styleLbl name="alignImgPlace1">
+    <dgm:fillClrLst meth="repeat">
+      <a:schemeClr val="dk2">
+        <a:tint val="40000"/>
+      </a:schemeClr>
+    </dgm:fillClrLst>
+    <dgm:linClrLst meth="repeat">
+      <a:schemeClr val="dk2">
+        <a:shade val="80000"/>
+      </a:schemeClr>
+    </dgm:linClrLst>
+    <dgm:effectClrLst/>
+    <dgm:txLinClrLst/>
+    <dgm:txFillClrLst meth="repeat">
+      <a:schemeClr val="lt1"/>
+    </dgm:txFillClrLst>
+    <dgm:txEffectClrLst/>
+  </dgm:styleLbl>
+  <dgm:styleLbl name="bgImgPlace1">
+    <dgm:fillClrLst meth="repeat">
+      <a:schemeClr val="dk2">
+        <a:tint val="40000"/>
+      </a:schemeClr>
+    </dgm:fillClrLst>
+    <dgm:linClrLst meth="repeat">
+      <a:schemeClr val="dk2">
+        <a:shade val="80000"/>
+      </a:schemeClr>
+    </dgm:linClrLst>
+    <dgm:effectClrLst/>
+    <dgm:txLinClrLst/>
+    <dgm:txFillClrLst meth="repeat">
+      <a:schemeClr val="lt1"/>
+    </dgm:txFillClrLst>
+    <dgm:txEffectClrLst/>
+  </dgm:styleLbl>
+  <dgm:styleLbl name="sibTrans2D1">
+    <dgm:fillClrLst meth="repeat">
+      <a:schemeClr val="dk2">
+        <a:tint val="60000"/>
+      </a:schemeClr>
+    </dgm:fillClrLst>
+    <dgm:linClrLst meth="repeat">
+      <a:schemeClr val="dk2">
+        <a:tint val="60000"/>
+      </a:schemeClr>
+    </dgm:linClrLst>
+    <dgm:effectClrLst/>
+    <dgm:txLinClrLst/>
+    <dgm:txFillClrLst meth="repeat">
+      <a:schemeClr val="dk2"/>
+    </dgm:txFillClrLst>
+    <dgm:txEffectClrLst/>
+  </dgm:styleLbl>
+  <dgm:styleLbl name="fgSibTrans2D1">
+    <dgm:fillClrLst meth="repeat">
+      <a:schemeClr val="dk2">
+        <a:tint val="60000"/>
+      </a:schemeClr>
+    </dgm:fillClrLst>
+    <dgm:linClrLst meth="repeat">
+      <a:schemeClr val="dk2">
+        <a:tint val="60000"/>
+      </a:schemeClr>
+    </dgm:linClrLst>
+    <dgm:effectClrLst/>
+    <dgm:txLinClrLst/>
+    <dgm:txFillClrLst meth="repeat">
+      <a:schemeClr val="dk2"/>
+    </dgm:txFillClrLst>
+    <dgm:txEffectClrLst/>
+  </dgm:styleLbl>
+  <dgm:styleLbl name="bgSibTrans2D1">
+    <dgm:fillClrLst meth="repeat">
+      <a:schemeClr val="dk2">
+        <a:tint val="60000"/>
+      </a:schemeClr>
+    </dgm:fillClrLst>
+    <dgm:linClrLst meth="repeat">
+      <a:schemeClr val="dk2">
+        <a:tint val="60000"/>
+      </a:schemeClr>
+    </dgm:linClrLst>
+    <dgm:effectClrLst/>
+    <dgm:txLinClrLst/>
+    <dgm:txFillClrLst meth="repeat">
+      <a:schemeClr val="dk2"/>
+    </dgm:txFillClrLst>
+    <dgm:txEffectClrLst/>
+  </dgm:styleLbl>
+  <dgm:styleLbl name="sibTrans1D1">
+    <dgm:fillClrLst meth="repeat">
+      <a:schemeClr val="dk2"/>
+    </dgm:fillClrLst>
+    <dgm:linClrLst meth="repeat">
+      <a:schemeClr val="dk2"/>
+    </dgm:linClrLst>
+    <dgm:effectClrLst/>
+    <dgm:txLinClrLst/>
+    <dgm:txFillClrLst meth="repeat">
+      <a:schemeClr val="tx1"/>
+    </dgm:txFillClrLst>
+    <dgm:txEffectClrLst/>
+  </dgm:styleLbl>
+  <dgm:styleLbl name="callout">
+    <dgm:fillClrLst meth="repeat">
+      <a:schemeClr val="dk2"/>
+    </dgm:fillClrLst>
+    <dgm:linClrLst meth="repeat">
+      <a:schemeClr val="dk2"/>
+    </dgm:linClrLst>
+    <dgm:effectClrLst/>
+    <dgm:txLinClrLst/>
+    <dgm:txFillClrLst meth="repeat">
+      <a:schemeClr val="tx1"/>
+    </dgm:txFillClrLst>
+    <dgm:txEffectClrLst/>
+  </dgm:styleLbl>
+  <dgm:styleLbl name="asst0">
+    <dgm:fillClrLst meth="repeat">
+      <a:schemeClr val="lt1"/>
+    </dgm:fillClrLst>
+    <dgm:linClrLst meth="repeat">
+      <a:schemeClr val="dk2">
+        <a:shade val="80000"/>
+      </a:schemeClr>
+    </dgm:linClrLst>
+    <dgm:effectClrLst/>
+    <dgm:txLinClrLst/>
+    <dgm:txFillClrLst meth="repeat">
+      <a:schemeClr val="dk2"/>
+    </dgm:txFillClrLst>
+    <dgm:txEffectClrLst/>
+  </dgm:styleLbl>
+  <dgm:styleLbl name="asst1">
+    <dgm:fillClrLst meth="repeat">
+      <a:schemeClr val="lt1"/>
+    </dgm:fillClrLst>
+    <dgm:linClrLst meth="repeat">
+      <a:schemeClr val="dk2">
+        <a:shade val="80000"/>
+      </a:schemeClr>
+    </dgm:linClrLst>
+    <dgm:effectClrLst/>
+    <dgm:txLinClrLst/>
+    <dgm:txFillClrLst meth="repeat">
+      <a:schemeClr val="dk2"/>
+    </dgm:txFillClrLst>
+    <dgm:txEffectClrLst/>
+  </dgm:styleLbl>
+  <dgm:styleLbl name="asst2">
+    <dgm:fillClrLst meth="repeat">
+      <a:schemeClr val="lt1"/>
+    </dgm:fillClrLst>
+    <dgm:linClrLst meth="repeat">
+      <a:schemeClr val="dk2">
+        <a:shade val="80000"/>
+      </a:schemeClr>
+    </dgm:linClrLst>
+    <dgm:effectClrLst/>
+    <dgm:txLinClrLst/>
+    <dgm:txFillClrLst meth="repeat">
+      <a:schemeClr val="dk2"/>
+    </dgm:txFillClrLst>
+    <dgm:txEffectClrLst/>
+  </dgm:styleLbl>
+  <dgm:styleLbl name="asst3">
+    <dgm:fillClrLst meth="repeat">
+      <a:schemeClr val="lt1"/>
+    </dgm:fillClrLst>
+    <dgm:linClrLst meth="repeat">
+      <a:schemeClr val="dk2">
+        <a:shade val="80000"/>
+      </a:schemeClr>
+    </dgm:linClrLst>
+    <dgm:effectClrLst/>
+    <dgm:txLinClrLst/>
+    <dgm:txFillClrLst meth="repeat">
+      <a:schemeClr val="dk2"/>
+    </dgm:txFillClrLst>
+    <dgm:txEffectClrLst/>
+  </dgm:styleLbl>
+  <dgm:styleLbl name="asst4">
+    <dgm:fillClrLst meth="repeat">
+      <a:schemeClr val="lt1"/>
+    </dgm:fillClrLst>
+    <dgm:linClrLst meth="repeat">
+      <a:schemeClr val="dk2">
+        <a:shade val="80000"/>
+      </a:schemeClr>
+    </dgm:linClrLst>
+    <dgm:effectClrLst/>
+    <dgm:txLinClrLst/>
+    <dgm:txFillClrLst meth="repeat">
+      <a:schemeClr val="dk2"/>
+    </dgm:txFillClrLst>
+    <dgm:txEffectClrLst/>
+  </dgm:styleLbl>
+  <dgm:styleLbl name="parChTrans2D1">
+    <dgm:fillClrLst meth="repeat">
+      <a:schemeClr val="dk2">
+        <a:tint val="60000"/>
+      </a:schemeClr>
+    </dgm:fillClrLst>
+    <dgm:linClrLst meth="repeat">
+      <a:schemeClr val="dk2">
+        <a:tint val="60000"/>
+      </a:schemeClr>
+    </dgm:linClrLst>
+    <dgm:effectClrLst/>
+    <dgm:txLinClrLst/>
+    <dgm:txFillClrLst/>
+    <dgm:txEffectClrLst/>
+  </dgm:styleLbl>
+  <dgm:styleLbl name="parChTrans2D2">
+    <dgm:fillClrLst meth="repeat">
+      <a:schemeClr val="dk2"/>
+    </dgm:fillClrLst>
+    <dgm:linClrLst meth="repeat">
+      <a:schemeClr val="dk2"/>
+    </dgm:linClrLst>
+    <dgm:effectClrLst/>
+    <dgm:txLinClrLst/>
+    <dgm:txFillClrLst/>
+    <dgm:txEffectClrLst/>
+  </dgm:styleLbl>
+  <dgm:styleLbl name="parChTrans2D3">
+    <dgm:fillClrLst meth="repeat">
+      <a:schemeClr val="dk2"/>
+    </dgm:fillClrLst>
+    <dgm:linClrLst meth="repeat">
+      <a:schemeClr val="dk2"/>
+    </dgm:linClrLst>
+    <dgm:effectClrLst/>
+    <dgm:txLinClrLst/>
+    <dgm:txFillClrLst/>
+    <dgm:txEffectClrLst/>
+  </dgm:styleLbl>
+  <dgm:styleLbl name="parChTrans2D4">
+    <dgm:fillClrLst meth="repeat">
+      <a:schemeClr val="dk2"/>
+    </dgm:fillClrLst>
+    <dgm:linClrLst meth="repeat">
+      <a:schemeClr val="dk2"/>
+    </dgm:linClrLst>
+    <dgm:effectClrLst/>
+    <dgm:txLinClrLst/>
+    <dgm:txFillClrLst meth="repeat">
+      <a:schemeClr val="lt1"/>
+    </dgm:txFillClrLst>
+    <dgm:txEffectClrLst/>
+  </dgm:styleLbl>
+  <dgm:styleLbl name="parChTrans1D1">
+    <dgm:fillClrLst meth="repeat">
+      <a:schemeClr val="dk2"/>
+    </dgm:fillClrLst>
+    <dgm:linClrLst meth="repeat">
+      <a:schemeClr val="dk2">
+        <a:shade val="60000"/>
+      </a:schemeClr>
+    </dgm:linClrLst>
+    <dgm:effectClrLst/>
+    <dgm:txLinClrLst/>
+    <dgm:txFillClrLst meth="repeat">
+      <a:schemeClr val="tx1"/>
+    </dgm:txFillClrLst>
+    <dgm:txEffectClrLst/>
+  </dgm:styleLbl>
+  <dgm:styleLbl name="parChTrans1D2">
+    <dgm:fillClrLst meth="repeat">
+      <a:schemeClr val="dk2"/>
+    </dgm:fillClrLst>
+    <dgm:linClrLst meth="repeat">
+      <a:schemeClr val="dk2">
+        <a:shade val="60000"/>
+      </a:schemeClr>
+    </dgm:linClrLst>
+    <dgm:effectClrLst/>
+    <dgm:txLinClrLst/>
+    <dgm:txFillClrLst meth="repeat">
+      <a:schemeClr val="tx1"/>
+    </dgm:txFillClrLst>
+    <dgm:txEffectClrLst/>
+  </dgm:styleLbl>
+  <dgm:styleLbl name="parChTrans1D3">
+    <dgm:fillClrLst meth="repeat">
+      <a:schemeClr val="dk2"/>
+    </dgm:fillClrLst>
+    <dgm:linClrLst meth="repeat">
+      <a:schemeClr val="dk2">
+        <a:shade val="80000"/>
+      </a:schemeClr>
+    </dgm:linClrLst>
+    <dgm:effectClrLst/>
+    <dgm:txLinClrLst/>
+    <dgm:txFillClrLst meth="repeat">
+      <a:schemeClr val="tx1"/>
+    </dgm:txFillClrLst>
+    <dgm:txEffectClrLst/>
+  </dgm:styleLbl>
+  <dgm:styleLbl name="parChTrans1D4">
+    <dgm:fillClrLst meth="repeat">
+      <a:schemeClr val="dk2"/>
+    </dgm:fillClrLst>
+    <dgm:linClrLst meth="repeat">
+      <a:schemeClr val="dk2">
+        <a:shade val="80000"/>
+      </a:schemeClr>
+    </dgm:linClrLst>
+    <dgm:effectClrLst/>
+    <dgm:txLinClrLst/>
+    <dgm:txFillClrLst meth="repeat">
+      <a:schemeClr val="tx1"/>
+    </dgm:txFillClrLst>
+    <dgm:txEffectClrLst/>
+  </dgm:styleLbl>
+  <dgm:styleLbl name="fgAcc1">
+    <dgm:fillClrLst meth="repeat">
+      <a:schemeClr val="dk2">
+        <a:alpha val="90000"/>
+        <a:tint val="40000"/>
+      </a:schemeClr>
+    </dgm:fillClrLst>
+    <dgm:linClrLst meth="repeat">
+      <a:schemeClr val="dk2"/>
+    </dgm:linClrLst>
+    <dgm:effectClrLst/>
+    <dgm:txLinClrLst/>
+    <dgm:txFillClrLst meth="repeat">
+      <a:schemeClr val="dk2"/>
+    </dgm:txFillClrLst>
+    <dgm:txEffectClrLst/>
+  </dgm:styleLbl>
+  <dgm:styleLbl name="conFgAcc1">
+    <dgm:fillClrLst meth="repeat">
+      <a:schemeClr val="dk2">
+        <a:alpha val="90000"/>
+        <a:tint val="40000"/>
+      </a:schemeClr>
+    </dgm:fillClrLst>
+    <dgm:linClrLst meth="repeat">
+      <a:schemeClr val="dk2"/>
+    </dgm:linClrLst>
+    <dgm:effectClrLst/>
+    <dgm:txLinClrLst/>
+    <dgm:txFillClrLst meth="repeat">
+      <a:schemeClr val="dk2"/>
+    </dgm:txFillClrLst>
+    <dgm:txEffectClrLst/>
+  </dgm:styleLbl>
+  <dgm:styleLbl name="alignAcc1">
+    <dgm:fillClrLst meth="repeat">
+      <a:schemeClr val="dk2">
+        <a:alpha val="90000"/>
+        <a:tint val="40000"/>
+      </a:schemeClr>
+    </dgm:fillClrLst>
+    <dgm:linClrLst meth="repeat">
+      <a:schemeClr val="dk2"/>
+    </dgm:linClrLst>
+    <dgm:effectClrLst/>
+    <dgm:txLinClrLst/>
+    <dgm:txFillClrLst meth="repeat">
+      <a:schemeClr val="dk2"/>
+    </dgm:txFillClrLst>
+    <dgm:txEffectClrLst/>
+  </dgm:styleLbl>
+  <dgm:styleLbl name="trAlignAcc1">
+    <dgm:fillClrLst meth="repeat">
+      <a:schemeClr val="dk2">
+        <a:alpha val="40000"/>
+        <a:tint val="40000"/>
+      </a:schemeClr>
+    </dgm:fillClrLst>
+    <dgm:linClrLst meth="repeat">
+      <a:schemeClr val="dk2"/>
+    </dgm:linClrLst>
+    <dgm:effectClrLst/>
+    <dgm:txLinClrLst/>
+    <dgm:txFillClrLst meth="repeat">
+      <a:schemeClr val="dk2"/>
+    </dgm:txFillClrLst>
+    <dgm:txEffectClrLst/>
+  </dgm:styleLbl>
+  <dgm:styleLbl name="bgAcc1">
+    <dgm:fillClrLst meth="repeat">
+      <a:schemeClr val="dk2">
+        <a:alpha val="90000"/>
+        <a:tint val="40000"/>
+      </a:schemeClr>
+    </dgm:fillClrLst>
+    <dgm:linClrLst meth="repeat">
+      <a:schemeClr val="dk2"/>
+    </dgm:linClrLst>
+    <dgm:effectClrLst/>
+    <dgm:txLinClrLst/>
+    <dgm:txFillClrLst meth="repeat">
+      <a:schemeClr val="dk2"/>
+    </dgm:txFillClrLst>
+    <dgm:txEffectClrLst/>
+  </dgm:styleLbl>
+  <dgm:styleLbl name="solidFgAcc1">
+    <dgm:fillClrLst meth="repeat">
+      <a:schemeClr val="lt1"/>
+    </dgm:fillClrLst>
+    <dgm:linClrLst meth="repeat">
+      <a:schemeClr val="dk2"/>
+    </dgm:linClrLst>
+    <dgm:effectClrLst/>
+    <dgm:txLinClrLst/>
+    <dgm:txFillClrLst meth="repeat">
+      <a:schemeClr val="dk2"/>
+    </dgm:txFillClrLst>
+    <dgm:txEffectClrLst/>
+  </dgm:styleLbl>
+  <dgm:styleLbl name="solidAlignAcc1">
+    <dgm:fillClrLst meth="repeat">
+      <a:schemeClr val="lt1"/>
+    </dgm:fillClrLst>
+    <dgm:linClrLst meth="repeat">
+      <a:schemeClr val="dk2"/>
+    </dgm:linClrLst>
+    <dgm:effectClrLst/>
+    <dgm:txLinClrLst/>
+    <dgm:txFillClrLst meth="repeat">
+      <a:schemeClr val="dk2"/>
+    </dgm:txFillClrLst>
+    <dgm:txEffectClrLst/>
+  </dgm:styleLbl>
+  <dgm:styleLbl name="solidBgAcc1">
+    <dgm:fillClrLst meth="repeat">
+      <a:schemeClr val="lt1"/>
+    </dgm:fillClrLst>
+    <dgm:linClrLst meth="repeat">
+      <a:schemeClr val="dk2"/>
+    </dgm:linClrLst>
+    <dgm:effectClrLst/>
+    <dgm:txLinClrLst/>
+    <dgm:txFillClrLst meth="repeat">
+      <a:schemeClr val="dk2"/>
+    </dgm:txFillClrLst>
+    <dgm:txEffectClrLst/>
+  </dgm:styleLbl>
+  <dgm:styleLbl name="fgAccFollowNode1">
+    <dgm:fillClrLst meth="repeat">
+      <a:schemeClr val="lt1">
+        <a:alpha val="90000"/>
+        <a:tint val="40000"/>
+      </a:schemeClr>
+    </dgm:fillClrLst>
+    <dgm:linClrLst meth="repeat">
+      <a:schemeClr val="dk2">
+        <a:alpha val="90000"/>
+      </a:schemeClr>
+    </dgm:linClrLst>
+    <dgm:effectClrLst/>
+    <dgm:txLinClrLst/>
+    <dgm:txFillClrLst meth="repeat">
+      <a:schemeClr val="dk2"/>
+    </dgm:txFillClrLst>
+    <dgm:txEffectClrLst/>
+  </dgm:styleLbl>
+  <dgm:styleLbl name="alignAccFollowNode1">
+    <dgm:fillClrLst meth="repeat">
+      <a:schemeClr val="lt1">
+        <a:alpha val="90000"/>
+        <a:tint val="40000"/>
+      </a:schemeClr>
+    </dgm:fillClrLst>
+    <dgm:linClrLst meth="repeat">
+      <a:schemeClr val="dk2">
+        <a:alpha val="90000"/>
+      </a:schemeClr>
+    </dgm:linClrLst>
+    <dgm:effectClrLst/>
+    <dgm:txLinClrLst/>
+    <dgm:txFillClrLst meth="repeat">
+      <a:schemeClr val="dk2"/>
+    </dgm:txFillClrLst>
+    <dgm:txEffectClrLst/>
+  </dgm:styleLbl>
+  <dgm:styleLbl name="bgAccFollowNode1">
+    <dgm:fillClrLst meth="repeat">
+      <a:schemeClr val="lt1">
+        <a:alpha val="90000"/>
+        <a:tint val="40000"/>
+      </a:schemeClr>
+    </dgm:fillClrLst>
+    <dgm:linClrLst meth="repeat">
+      <a:schemeClr val="dk2">
+        <a:alpha val="90000"/>
+      </a:schemeClr>
+    </dgm:linClrLst>
+    <dgm:effectClrLst/>
+    <dgm:txLinClrLst/>
+    <dgm:txFillClrLst meth="repeat">
+      <a:schemeClr val="dk2"/>
+    </dgm:txFillClrLst>
+    <dgm:txEffectClrLst/>
+  </dgm:styleLbl>
+  <dgm:styleLbl name="fgAcc0">
+    <dgm:fillClrLst meth="repeat">
+      <a:schemeClr val="dk2">
+        <a:alpha val="90000"/>
+        <a:tint val="40000"/>
+      </a:schemeClr>
+    </dgm:fillClrLst>
+    <dgm:linClrLst meth="repeat">
+      <a:schemeClr val="dk2"/>
+    </dgm:linClrLst>
+    <dgm:effectClrLst/>
+    <dgm:txLinClrLst/>
+    <dgm:txFillClrLst meth="repeat">
+      <a:schemeClr val="dk2"/>
+    </dgm:txFillClrLst>
+    <dgm:txEffectClrLst/>
+  </dgm:styleLbl>
+  <dgm:styleLbl name="fgAcc2">
+    <dgm:fillClrLst meth="repeat">
+      <a:schemeClr val="dk2">
+        <a:alpha val="90000"/>
+        <a:tint val="40000"/>
+      </a:schemeClr>
+    </dgm:fillClrLst>
+    <dgm:linClrLst meth="repeat">
+      <a:schemeClr val="dk2"/>
+    </dgm:linClrLst>
+    <dgm:effectClrLst/>
+    <dgm:txLinClrLst/>
+    <dgm:txFillClrLst meth="repeat">
+      <a:schemeClr val="dk2"/>
+    </dgm:txFillClrLst>
+    <dgm:txEffectClrLst/>
+  </dgm:styleLbl>
+  <dgm:styleLbl name="fgAcc3">
+    <dgm:fillClrLst meth="repeat">
+      <a:schemeClr val="dk2">
+        <a:alpha val="90000"/>
+        <a:tint val="40000"/>
+      </a:schemeClr>
+    </dgm:fillClrLst>
+    <dgm:linClrLst meth="repeat">
+      <a:schemeClr val="dk2"/>
+    </dgm:linClrLst>
+    <dgm:effectClrLst/>
+    <dgm:txLinClrLst/>
+    <dgm:txFillClrLst meth="repeat">
+      <a:schemeClr val="dk2"/>
+    </dgm:txFillClrLst>
+    <dgm:txEffectClrLst/>
+  </dgm:styleLbl>
+  <dgm:styleLbl name="fgAcc4">
+    <dgm:fillClrLst meth="repeat">
+      <a:schemeClr val="dk2">
+        <a:alpha val="90000"/>
+        <a:tint val="40000"/>
+      </a:schemeClr>
+    </dgm:fillClrLst>
+    <dgm:linClrLst meth="repeat">
+      <a:schemeClr val="dk2"/>
+    </dgm:linClrLst>
+    <dgm:effectClrLst/>
+    <dgm:txLinClrLst/>
+    <dgm:txFillClrLst meth="repeat">
+      <a:schemeClr val="dk2"/>
+    </dgm:txFillClrLst>
+    <dgm:txEffectClrLst/>
+  </dgm:styleLbl>
+  <dgm:styleLbl name="bgShp">
+    <dgm:fillClrLst meth="repeat">
+      <a:schemeClr val="dk2">
+        <a:tint val="40000"/>
+      </a:schemeClr>
+    </dgm:fillClrLst>
+    <dgm:linClrLst meth="repeat">
+      <a:schemeClr val="dk2"/>
+    </dgm:linClrLst>
+    <dgm:effectClrLst/>
+    <dgm:txLinClrLst/>
+    <dgm:txFillClrLst meth="repeat">
+      <a:schemeClr val="dk1"/>
+    </dgm:txFillClrLst>
+    <dgm:txEffectClrLst/>
+  </dgm:styleLbl>
+  <dgm:styleLbl name="dkBgShp">
+    <dgm:fillClrLst meth="repeat">
+      <a:schemeClr val="dk2">
+        <a:shade val="80000"/>
+      </a:schemeClr>
+    </dgm:fillClrLst>
+    <dgm:linClrLst meth="repeat">
+      <a:schemeClr val="dk2"/>
+    </dgm:linClrLst>
+    <dgm:effectClrLst/>
+    <dgm:txLinClrLst/>
+    <dgm:txFillClrLst meth="repeat">
+      <a:schemeClr val="lt2"/>
+    </dgm:txFillClrLst>
+    <dgm:txEffectClrLst/>
+  </dgm:styleLbl>
+  <dgm:styleLbl name="trBgShp">
+    <dgm:fillClrLst meth="repeat">
+      <a:schemeClr val="dk2">
+        <a:tint val="50000"/>
+        <a:alpha val="40000"/>
+      </a:schemeClr>
+    </dgm:fillClrLst>
+    <dgm:linClrLst meth="repeat">
+      <a:schemeClr val="dk2"/>
+    </dgm:linClrLst>
+    <dgm:effectClrLst/>
+    <dgm:txLinClrLst/>
+    <dgm:txFillClrLst meth="repeat">
+      <a:schemeClr val="lt2"/>
+    </dgm:txFillClrLst>
+    <dgm:txEffectClrLst/>
+  </dgm:styleLbl>
+  <dgm:styleLbl name="fgShp">
+    <dgm:fillClrLst meth="repeat">
+      <a:schemeClr val="dk2">
+        <a:tint val="60000"/>
+      </a:schemeClr>
+    </dgm:fillClrLst>
+    <dgm:linClrLst meth="repeat">
+      <a:schemeClr val="lt1"/>
+    </dgm:linClrLst>
+    <dgm:effectClrLst/>
+    <dgm:txLinClrLst/>
+    <dgm:txFillClrLst meth="repeat">
+      <a:schemeClr val="dk2"/>
+    </dgm:txFillClrLst>
+    <dgm:txEffectClrLst/>
+  </dgm:styleLbl>
+  <dgm:styleLbl name="revTx">
+    <dgm:fillClrLst meth="repeat">
+      <a:schemeClr val="lt1">
+        <a:alpha val="0"/>
+      </a:schemeClr>
+    </dgm:fillClrLst>
+    <dgm:linClrLst meth="repeat">
+      <a:schemeClr val="dk2">
         <a:alpha val="0"/>
       </a:schemeClr>
     </dgm:linClrLst>
@@ -1950,6 +2762,314 @@
 </dgm:dataModel>
 </file>
 
+<file path=ppt/diagrams/data2.xml><?xml version="1.0" encoding="utf-8"?>
+<dgm:dataModel xmlns:dgm="http://schemas.openxmlformats.org/drawingml/2006/diagram" xmlns:a="http://schemas.openxmlformats.org/drawingml/2006/main">
+  <dgm:ptLst>
+    <dgm:pt modelId="{BDC91FFD-FAEB-42D8-87FE-30EF229DF57A}" type="doc">
+      <dgm:prSet loTypeId="urn:microsoft.com/office/officeart/2008/layout/AlternatingHexagons" loCatId="list" qsTypeId="urn:microsoft.com/office/officeart/2005/8/quickstyle/simple1" qsCatId="simple" csTypeId="urn:microsoft.com/office/officeart/2005/8/colors/accent0_2" csCatId="mainScheme" phldr="1"/>
+      <dgm:spPr/>
+      <dgm:t>
+        <a:bodyPr/>
+        <a:lstStyle/>
+        <a:p>
+          <a:endParaRPr lang="de-DE"/>
+        </a:p>
+      </dgm:t>
+    </dgm:pt>
+    <dgm:pt modelId="{F0FBD125-E458-4415-A26D-5D22AC9E4105}">
+      <dgm:prSet phldrT="[Text]" custT="1"/>
+      <dgm:spPr/>
+      <dgm:t>
+        <a:bodyPr/>
+        <a:lstStyle/>
+        <a:p>
+          <a:r>
+            <a:rPr lang="de-DE" sz="1900" dirty="0"/>
+            <a:t>Routing</a:t>
+          </a:r>
+        </a:p>
+      </dgm:t>
+    </dgm:pt>
+    <dgm:pt modelId="{BF1F09BF-BDA7-47AA-B272-15DA14E76A76}" type="parTrans" cxnId="{ADE20F52-B724-4064-A722-6DFF2094CBD6}">
+      <dgm:prSet/>
+      <dgm:spPr/>
+      <dgm:t>
+        <a:bodyPr/>
+        <a:lstStyle/>
+        <a:p>
+          <a:endParaRPr lang="de-DE"/>
+        </a:p>
+      </dgm:t>
+    </dgm:pt>
+    <dgm:pt modelId="{C45067B2-FAC6-4715-B607-6B0344761016}" type="sibTrans" cxnId="{ADE20F52-B724-4064-A722-6DFF2094CBD6}">
+      <dgm:prSet custT="1"/>
+      <dgm:spPr/>
+      <dgm:t>
+        <a:bodyPr lIns="0"/>
+        <a:lstStyle/>
+        <a:p>
+          <a:r>
+            <a:rPr lang="de-DE" sz="1900" dirty="0"/>
+            <a:t>Networking</a:t>
+          </a:r>
+        </a:p>
+      </dgm:t>
+    </dgm:pt>
+    <dgm:pt modelId="{62141F4B-ABAE-4CCB-86E3-738E3DC4F0EF}">
+      <dgm:prSet phldrT="[Text]" custT="1"/>
+      <dgm:spPr/>
+      <dgm:t>
+        <a:bodyPr/>
+        <a:lstStyle/>
+        <a:p>
+          <a:r>
+            <a:rPr lang="de-DE" sz="1900" dirty="0" err="1"/>
+            <a:t>Virtualisation</a:t>
+          </a:r>
+          <a:endParaRPr lang="de-DE" sz="1900" dirty="0"/>
+        </a:p>
+      </dgm:t>
+    </dgm:pt>
+    <dgm:pt modelId="{A338326D-36A9-4CE4-B34D-50382A8E3856}" type="parTrans" cxnId="{27F2F59A-03FB-41D2-90A7-FD0DED191293}">
+      <dgm:prSet/>
+      <dgm:spPr/>
+      <dgm:t>
+        <a:bodyPr/>
+        <a:lstStyle/>
+        <a:p>
+          <a:endParaRPr lang="de-DE"/>
+        </a:p>
+      </dgm:t>
+    </dgm:pt>
+    <dgm:pt modelId="{8DCA5E18-385A-431A-9A11-CA3768E9B68E}" type="sibTrans" cxnId="{27F2F59A-03FB-41D2-90A7-FD0DED191293}">
+      <dgm:prSet/>
+      <dgm:spPr/>
+      <dgm:t>
+        <a:bodyPr/>
+        <a:lstStyle/>
+        <a:p>
+          <a:r>
+            <a:rPr lang="de-DE" dirty="0"/>
+            <a:t>Cloud Computing</a:t>
+          </a:r>
+        </a:p>
+      </dgm:t>
+    </dgm:pt>
+    <dgm:pt modelId="{B363D784-8E22-4E84-896C-11FBBAC5D073}">
+      <dgm:prSet/>
+      <dgm:spPr>
+        <a:ln>
+          <a:noFill/>
+        </a:ln>
+      </dgm:spPr>
+      <dgm:t>
+        <a:bodyPr/>
+        <a:lstStyle/>
+        <a:p>
+          <a:endParaRPr lang="de-DE" dirty="0"/>
+        </a:p>
+      </dgm:t>
+    </dgm:pt>
+    <dgm:pt modelId="{77F17C13-FD1F-4B77-BAB6-812BB92A5A3D}" type="sibTrans" cxnId="{F0E298AF-DC18-43E8-8327-517FDFB42C09}">
+      <dgm:prSet custT="1"/>
+      <dgm:spPr/>
+      <dgm:t>
+        <a:bodyPr/>
+        <a:lstStyle/>
+        <a:p>
+          <a:r>
+            <a:rPr lang="de-DE" sz="1900" dirty="0"/>
+            <a:t>Security and </a:t>
+          </a:r>
+          <a:r>
+            <a:rPr lang="de-DE" sz="1900" dirty="0" err="1"/>
+            <a:t>privacy</a:t>
+          </a:r>
+          <a:endParaRPr lang="de-DE" sz="1900" dirty="0"/>
+        </a:p>
+      </dgm:t>
+    </dgm:pt>
+    <dgm:pt modelId="{FCF25725-F6F6-4B53-AF18-7A53B7203F7A}" type="parTrans" cxnId="{F0E298AF-DC18-43E8-8327-517FDFB42C09}">
+      <dgm:prSet/>
+      <dgm:spPr/>
+      <dgm:t>
+        <a:bodyPr/>
+        <a:lstStyle/>
+        <a:p>
+          <a:endParaRPr lang="de-DE"/>
+        </a:p>
+      </dgm:t>
+    </dgm:pt>
+    <dgm:pt modelId="{9B2C1FF2-B089-44C0-A66D-234F27A90A21}" type="pres">
+      <dgm:prSet presAssocID="{BDC91FFD-FAEB-42D8-87FE-30EF229DF57A}" presName="Name0" presStyleCnt="0">
+        <dgm:presLayoutVars>
+          <dgm:chMax/>
+          <dgm:chPref/>
+          <dgm:dir/>
+          <dgm:animLvl val="lvl"/>
+        </dgm:presLayoutVars>
+      </dgm:prSet>
+      <dgm:spPr/>
+    </dgm:pt>
+    <dgm:pt modelId="{4DEC056C-5D4C-4021-8816-F0BA3F565A9F}" type="pres">
+      <dgm:prSet presAssocID="{F0FBD125-E458-4415-A26D-5D22AC9E4105}" presName="composite" presStyleCnt="0"/>
+      <dgm:spPr/>
+    </dgm:pt>
+    <dgm:pt modelId="{DAFFFA38-A190-4F45-BEEA-90A45C17A3A0}" type="pres">
+      <dgm:prSet presAssocID="{F0FBD125-E458-4415-A26D-5D22AC9E4105}" presName="Parent1" presStyleLbl="node1" presStyleIdx="0" presStyleCnt="6">
+        <dgm:presLayoutVars>
+          <dgm:chMax val="1"/>
+          <dgm:chPref val="1"/>
+          <dgm:bulletEnabled val="1"/>
+        </dgm:presLayoutVars>
+      </dgm:prSet>
+      <dgm:spPr/>
+    </dgm:pt>
+    <dgm:pt modelId="{8B88CF6A-27D9-4B17-B1D9-A622EEE539DA}" type="pres">
+      <dgm:prSet presAssocID="{F0FBD125-E458-4415-A26D-5D22AC9E4105}" presName="Childtext1" presStyleLbl="revTx" presStyleIdx="0" presStyleCnt="3">
+        <dgm:presLayoutVars>
+          <dgm:chMax val="0"/>
+          <dgm:chPref val="0"/>
+          <dgm:bulletEnabled val="1"/>
+        </dgm:presLayoutVars>
+      </dgm:prSet>
+      <dgm:spPr/>
+    </dgm:pt>
+    <dgm:pt modelId="{2547DCCE-7A82-4D4B-BC01-B5D92181135B}" type="pres">
+      <dgm:prSet presAssocID="{F0FBD125-E458-4415-A26D-5D22AC9E4105}" presName="BalanceSpacing" presStyleCnt="0"/>
+      <dgm:spPr/>
+    </dgm:pt>
+    <dgm:pt modelId="{75D121D9-3E5B-4DD7-9A1D-947024613DE7}" type="pres">
+      <dgm:prSet presAssocID="{F0FBD125-E458-4415-A26D-5D22AC9E4105}" presName="BalanceSpacing1" presStyleCnt="0"/>
+      <dgm:spPr/>
+    </dgm:pt>
+    <dgm:pt modelId="{F84ABA2E-77D7-4A27-9E9D-CBD20BECD66B}" type="pres">
+      <dgm:prSet presAssocID="{C45067B2-FAC6-4715-B607-6B0344761016}" presName="Accent1Text" presStyleLbl="node1" presStyleIdx="1" presStyleCnt="6"/>
+      <dgm:spPr/>
+    </dgm:pt>
+    <dgm:pt modelId="{9B7325EF-32B4-4E18-AAE3-E4D07918E494}" type="pres">
+      <dgm:prSet presAssocID="{C45067B2-FAC6-4715-B607-6B0344761016}" presName="spaceBetweenRectangles" presStyleCnt="0"/>
+      <dgm:spPr/>
+    </dgm:pt>
+    <dgm:pt modelId="{BB38B632-D22E-42F1-AA74-F7959DC244E6}" type="pres">
+      <dgm:prSet presAssocID="{62141F4B-ABAE-4CCB-86E3-738E3DC4F0EF}" presName="composite" presStyleCnt="0"/>
+      <dgm:spPr/>
+    </dgm:pt>
+    <dgm:pt modelId="{49DD37E3-14EB-4D66-B0D7-65162F97DAE1}" type="pres">
+      <dgm:prSet presAssocID="{62141F4B-ABAE-4CCB-86E3-738E3DC4F0EF}" presName="Parent1" presStyleLbl="node1" presStyleIdx="2" presStyleCnt="6">
+        <dgm:presLayoutVars>
+          <dgm:chMax val="1"/>
+          <dgm:chPref val="1"/>
+          <dgm:bulletEnabled val="1"/>
+        </dgm:presLayoutVars>
+      </dgm:prSet>
+      <dgm:spPr/>
+    </dgm:pt>
+    <dgm:pt modelId="{9379EBBB-28CD-4C7C-8817-62F1E9EDE563}" type="pres">
+      <dgm:prSet presAssocID="{62141F4B-ABAE-4CCB-86E3-738E3DC4F0EF}" presName="Childtext1" presStyleLbl="revTx" presStyleIdx="1" presStyleCnt="3">
+        <dgm:presLayoutVars>
+          <dgm:chMax val="0"/>
+          <dgm:chPref val="0"/>
+          <dgm:bulletEnabled val="1"/>
+        </dgm:presLayoutVars>
+      </dgm:prSet>
+      <dgm:spPr/>
+    </dgm:pt>
+    <dgm:pt modelId="{7CCE6E4B-DB4D-4406-A0C5-7D7601A17795}" type="pres">
+      <dgm:prSet presAssocID="{62141F4B-ABAE-4CCB-86E3-738E3DC4F0EF}" presName="BalanceSpacing" presStyleCnt="0"/>
+      <dgm:spPr/>
+    </dgm:pt>
+    <dgm:pt modelId="{309E35F6-902A-4FEE-9370-BE7F3470871E}" type="pres">
+      <dgm:prSet presAssocID="{62141F4B-ABAE-4CCB-86E3-738E3DC4F0EF}" presName="BalanceSpacing1" presStyleCnt="0"/>
+      <dgm:spPr/>
+    </dgm:pt>
+    <dgm:pt modelId="{35A878AB-3FAF-419B-9806-FAE15FFC116C}" type="pres">
+      <dgm:prSet presAssocID="{8DCA5E18-385A-431A-9A11-CA3768E9B68E}" presName="Accent1Text" presStyleLbl="node1" presStyleIdx="3" presStyleCnt="6"/>
+      <dgm:spPr/>
+    </dgm:pt>
+    <dgm:pt modelId="{F1B0A51C-C753-440A-AF1A-19F955CBF63F}" type="pres">
+      <dgm:prSet presAssocID="{8DCA5E18-385A-431A-9A11-CA3768E9B68E}" presName="spaceBetweenRectangles" presStyleCnt="0"/>
+      <dgm:spPr/>
+    </dgm:pt>
+    <dgm:pt modelId="{D2AB019B-F63F-472B-9430-1AC2BDA060A9}" type="pres">
+      <dgm:prSet presAssocID="{B363D784-8E22-4E84-896C-11FBBAC5D073}" presName="composite" presStyleCnt="0"/>
+      <dgm:spPr/>
+    </dgm:pt>
+    <dgm:pt modelId="{346DE243-9146-4264-A524-EE1CB02EBE6F}" type="pres">
+      <dgm:prSet presAssocID="{B363D784-8E22-4E84-896C-11FBBAC5D073}" presName="Parent1" presStyleLbl="node1" presStyleIdx="4" presStyleCnt="6" custLinFactX="-58595" custLinFactNeighborX="-100000" custLinFactNeighborY="-77500">
+        <dgm:presLayoutVars>
+          <dgm:chMax val="1"/>
+          <dgm:chPref val="1"/>
+          <dgm:bulletEnabled val="1"/>
+        </dgm:presLayoutVars>
+      </dgm:prSet>
+      <dgm:spPr/>
+    </dgm:pt>
+    <dgm:pt modelId="{CAE63B9F-1F5A-419C-9DCA-8F193F64B03E}" type="pres">
+      <dgm:prSet presAssocID="{B363D784-8E22-4E84-896C-11FBBAC5D073}" presName="Childtext1" presStyleLbl="revTx" presStyleIdx="2" presStyleCnt="3">
+        <dgm:presLayoutVars>
+          <dgm:chMax val="0"/>
+          <dgm:chPref val="0"/>
+          <dgm:bulletEnabled val="1"/>
+        </dgm:presLayoutVars>
+      </dgm:prSet>
+      <dgm:spPr/>
+    </dgm:pt>
+    <dgm:pt modelId="{E6147A7E-1C2B-41E0-817B-6A3C3D134560}" type="pres">
+      <dgm:prSet presAssocID="{B363D784-8E22-4E84-896C-11FBBAC5D073}" presName="BalanceSpacing" presStyleCnt="0"/>
+      <dgm:spPr/>
+    </dgm:pt>
+    <dgm:pt modelId="{7D3FB784-7604-4F08-A435-A76484D782FE}" type="pres">
+      <dgm:prSet presAssocID="{B363D784-8E22-4E84-896C-11FBBAC5D073}" presName="BalanceSpacing1" presStyleCnt="0"/>
+      <dgm:spPr/>
+    </dgm:pt>
+    <dgm:pt modelId="{430001EE-40EB-411B-87F2-9EFE5F0EBBAE}" type="pres">
+      <dgm:prSet presAssocID="{77F17C13-FD1F-4B77-BAB6-812BB92A5A3D}" presName="Accent1Text" presStyleLbl="node1" presStyleIdx="5" presStyleCnt="6" custLinFactNeighborX="-51080" custLinFactNeighborY="-84880"/>
+      <dgm:spPr/>
+    </dgm:pt>
+  </dgm:ptLst>
+  <dgm:cxnLst>
+    <dgm:cxn modelId="{3AE2D313-0425-4186-8197-A48673F7E547}" type="presOf" srcId="{77F17C13-FD1F-4B77-BAB6-812BB92A5A3D}" destId="{430001EE-40EB-411B-87F2-9EFE5F0EBBAE}" srcOrd="0" destOrd="0" presId="urn:microsoft.com/office/officeart/2008/layout/AlternatingHexagons"/>
+    <dgm:cxn modelId="{ADE20F52-B724-4064-A722-6DFF2094CBD6}" srcId="{BDC91FFD-FAEB-42D8-87FE-30EF229DF57A}" destId="{F0FBD125-E458-4415-A26D-5D22AC9E4105}" srcOrd="0" destOrd="0" parTransId="{BF1F09BF-BDA7-47AA-B272-15DA14E76A76}" sibTransId="{C45067B2-FAC6-4715-B607-6B0344761016}"/>
+    <dgm:cxn modelId="{5DA0ED55-45C6-4540-A55D-7B15C4D280C6}" type="presOf" srcId="{C45067B2-FAC6-4715-B607-6B0344761016}" destId="{F84ABA2E-77D7-4A27-9E9D-CBD20BECD66B}" srcOrd="0" destOrd="0" presId="urn:microsoft.com/office/officeart/2008/layout/AlternatingHexagons"/>
+    <dgm:cxn modelId="{AC6AB98A-11DA-42EE-8EB4-521B1563654E}" type="presOf" srcId="{F0FBD125-E458-4415-A26D-5D22AC9E4105}" destId="{DAFFFA38-A190-4F45-BEEA-90A45C17A3A0}" srcOrd="0" destOrd="0" presId="urn:microsoft.com/office/officeart/2008/layout/AlternatingHexagons"/>
+    <dgm:cxn modelId="{27F2F59A-03FB-41D2-90A7-FD0DED191293}" srcId="{BDC91FFD-FAEB-42D8-87FE-30EF229DF57A}" destId="{62141F4B-ABAE-4CCB-86E3-738E3DC4F0EF}" srcOrd="1" destOrd="0" parTransId="{A338326D-36A9-4CE4-B34D-50382A8E3856}" sibTransId="{8DCA5E18-385A-431A-9A11-CA3768E9B68E}"/>
+    <dgm:cxn modelId="{7F8B2DA2-F2BD-462D-B589-B3E5C004874E}" type="presOf" srcId="{8DCA5E18-385A-431A-9A11-CA3768E9B68E}" destId="{35A878AB-3FAF-419B-9806-FAE15FFC116C}" srcOrd="0" destOrd="0" presId="urn:microsoft.com/office/officeart/2008/layout/AlternatingHexagons"/>
+    <dgm:cxn modelId="{32B666A9-2EF1-4209-BA9E-03BD074760D6}" type="presOf" srcId="{62141F4B-ABAE-4CCB-86E3-738E3DC4F0EF}" destId="{49DD37E3-14EB-4D66-B0D7-65162F97DAE1}" srcOrd="0" destOrd="0" presId="urn:microsoft.com/office/officeart/2008/layout/AlternatingHexagons"/>
+    <dgm:cxn modelId="{F0E298AF-DC18-43E8-8327-517FDFB42C09}" srcId="{BDC91FFD-FAEB-42D8-87FE-30EF229DF57A}" destId="{B363D784-8E22-4E84-896C-11FBBAC5D073}" srcOrd="2" destOrd="0" parTransId="{FCF25725-F6F6-4B53-AF18-7A53B7203F7A}" sibTransId="{77F17C13-FD1F-4B77-BAB6-812BB92A5A3D}"/>
+    <dgm:cxn modelId="{ABFB33EC-2FF0-4C42-8448-885B28D3AD12}" type="presOf" srcId="{B363D784-8E22-4E84-896C-11FBBAC5D073}" destId="{346DE243-9146-4264-A524-EE1CB02EBE6F}" srcOrd="0" destOrd="0" presId="urn:microsoft.com/office/officeart/2008/layout/AlternatingHexagons"/>
+    <dgm:cxn modelId="{557729EE-36AC-4BF6-9816-28EFCE6EA101}" type="presOf" srcId="{BDC91FFD-FAEB-42D8-87FE-30EF229DF57A}" destId="{9B2C1FF2-B089-44C0-A66D-234F27A90A21}" srcOrd="0" destOrd="0" presId="urn:microsoft.com/office/officeart/2008/layout/AlternatingHexagons"/>
+    <dgm:cxn modelId="{D216ED6C-8380-44E9-966A-097BF17D9BB1}" type="presParOf" srcId="{9B2C1FF2-B089-44C0-A66D-234F27A90A21}" destId="{4DEC056C-5D4C-4021-8816-F0BA3F565A9F}" srcOrd="0" destOrd="0" presId="urn:microsoft.com/office/officeart/2008/layout/AlternatingHexagons"/>
+    <dgm:cxn modelId="{5DEE05C8-3B3F-4083-9328-64FC8304CB64}" type="presParOf" srcId="{4DEC056C-5D4C-4021-8816-F0BA3F565A9F}" destId="{DAFFFA38-A190-4F45-BEEA-90A45C17A3A0}" srcOrd="0" destOrd="0" presId="urn:microsoft.com/office/officeart/2008/layout/AlternatingHexagons"/>
+    <dgm:cxn modelId="{A8BF7EFE-AA61-4A11-BDFC-9E1F7FE39068}" type="presParOf" srcId="{4DEC056C-5D4C-4021-8816-F0BA3F565A9F}" destId="{8B88CF6A-27D9-4B17-B1D9-A622EEE539DA}" srcOrd="1" destOrd="0" presId="urn:microsoft.com/office/officeart/2008/layout/AlternatingHexagons"/>
+    <dgm:cxn modelId="{8D770453-5912-4BA5-8D7E-EAA925062832}" type="presParOf" srcId="{4DEC056C-5D4C-4021-8816-F0BA3F565A9F}" destId="{2547DCCE-7A82-4D4B-BC01-B5D92181135B}" srcOrd="2" destOrd="0" presId="urn:microsoft.com/office/officeart/2008/layout/AlternatingHexagons"/>
+    <dgm:cxn modelId="{6B71503D-18DB-4FEB-A0BE-0E17FDB19A98}" type="presParOf" srcId="{4DEC056C-5D4C-4021-8816-F0BA3F565A9F}" destId="{75D121D9-3E5B-4DD7-9A1D-947024613DE7}" srcOrd="3" destOrd="0" presId="urn:microsoft.com/office/officeart/2008/layout/AlternatingHexagons"/>
+    <dgm:cxn modelId="{DE746AA2-7BD1-4739-90F0-E1D4AA41E64B}" type="presParOf" srcId="{4DEC056C-5D4C-4021-8816-F0BA3F565A9F}" destId="{F84ABA2E-77D7-4A27-9E9D-CBD20BECD66B}" srcOrd="4" destOrd="0" presId="urn:microsoft.com/office/officeart/2008/layout/AlternatingHexagons"/>
+    <dgm:cxn modelId="{88E6B2D9-35F8-41A5-82A3-91D7EADCC24C}" type="presParOf" srcId="{9B2C1FF2-B089-44C0-A66D-234F27A90A21}" destId="{9B7325EF-32B4-4E18-AAE3-E4D07918E494}" srcOrd="1" destOrd="0" presId="urn:microsoft.com/office/officeart/2008/layout/AlternatingHexagons"/>
+    <dgm:cxn modelId="{A75E9C52-E03B-4E44-9E50-25B9C0340DEC}" type="presParOf" srcId="{9B2C1FF2-B089-44C0-A66D-234F27A90A21}" destId="{BB38B632-D22E-42F1-AA74-F7959DC244E6}" srcOrd="2" destOrd="0" presId="urn:microsoft.com/office/officeart/2008/layout/AlternatingHexagons"/>
+    <dgm:cxn modelId="{B0112CA1-DF90-4148-802C-EE2A612C8FB0}" type="presParOf" srcId="{BB38B632-D22E-42F1-AA74-F7959DC244E6}" destId="{49DD37E3-14EB-4D66-B0D7-65162F97DAE1}" srcOrd="0" destOrd="0" presId="urn:microsoft.com/office/officeart/2008/layout/AlternatingHexagons"/>
+    <dgm:cxn modelId="{28C1D43E-4F43-447D-91EA-8764D3070A78}" type="presParOf" srcId="{BB38B632-D22E-42F1-AA74-F7959DC244E6}" destId="{9379EBBB-28CD-4C7C-8817-62F1E9EDE563}" srcOrd="1" destOrd="0" presId="urn:microsoft.com/office/officeart/2008/layout/AlternatingHexagons"/>
+    <dgm:cxn modelId="{0246AD48-145C-48ED-B193-FACB0EBA6505}" type="presParOf" srcId="{BB38B632-D22E-42F1-AA74-F7959DC244E6}" destId="{7CCE6E4B-DB4D-4406-A0C5-7D7601A17795}" srcOrd="2" destOrd="0" presId="urn:microsoft.com/office/officeart/2008/layout/AlternatingHexagons"/>
+    <dgm:cxn modelId="{AEFC20E1-6FFD-477B-92A0-B350E19D09A5}" type="presParOf" srcId="{BB38B632-D22E-42F1-AA74-F7959DC244E6}" destId="{309E35F6-902A-4FEE-9370-BE7F3470871E}" srcOrd="3" destOrd="0" presId="urn:microsoft.com/office/officeart/2008/layout/AlternatingHexagons"/>
+    <dgm:cxn modelId="{6CDC7592-87C7-45DB-A8A4-24223D4F0E4D}" type="presParOf" srcId="{BB38B632-D22E-42F1-AA74-F7959DC244E6}" destId="{35A878AB-3FAF-419B-9806-FAE15FFC116C}" srcOrd="4" destOrd="0" presId="urn:microsoft.com/office/officeart/2008/layout/AlternatingHexagons"/>
+    <dgm:cxn modelId="{A46F24E4-2493-4393-B704-2C8FDAC589EF}" type="presParOf" srcId="{9B2C1FF2-B089-44C0-A66D-234F27A90A21}" destId="{F1B0A51C-C753-440A-AF1A-19F955CBF63F}" srcOrd="3" destOrd="0" presId="urn:microsoft.com/office/officeart/2008/layout/AlternatingHexagons"/>
+    <dgm:cxn modelId="{468BC253-7859-48F8-936E-65C421557800}" type="presParOf" srcId="{9B2C1FF2-B089-44C0-A66D-234F27A90A21}" destId="{D2AB019B-F63F-472B-9430-1AC2BDA060A9}" srcOrd="4" destOrd="0" presId="urn:microsoft.com/office/officeart/2008/layout/AlternatingHexagons"/>
+    <dgm:cxn modelId="{E7394307-60AE-45BD-A5E0-707E1D6137B1}" type="presParOf" srcId="{D2AB019B-F63F-472B-9430-1AC2BDA060A9}" destId="{346DE243-9146-4264-A524-EE1CB02EBE6F}" srcOrd="0" destOrd="0" presId="urn:microsoft.com/office/officeart/2008/layout/AlternatingHexagons"/>
+    <dgm:cxn modelId="{D7C86551-8602-49C8-BACC-B943EB50DD1C}" type="presParOf" srcId="{D2AB019B-F63F-472B-9430-1AC2BDA060A9}" destId="{CAE63B9F-1F5A-419C-9DCA-8F193F64B03E}" srcOrd="1" destOrd="0" presId="urn:microsoft.com/office/officeart/2008/layout/AlternatingHexagons"/>
+    <dgm:cxn modelId="{B4B96B28-AFC9-467E-B4BC-004C4C90F991}" type="presParOf" srcId="{D2AB019B-F63F-472B-9430-1AC2BDA060A9}" destId="{E6147A7E-1C2B-41E0-817B-6A3C3D134560}" srcOrd="2" destOrd="0" presId="urn:microsoft.com/office/officeart/2008/layout/AlternatingHexagons"/>
+    <dgm:cxn modelId="{0A68B0F2-C26F-479E-B3A0-07E379C319D1}" type="presParOf" srcId="{D2AB019B-F63F-472B-9430-1AC2BDA060A9}" destId="{7D3FB784-7604-4F08-A435-A76484D782FE}" srcOrd="3" destOrd="0" presId="urn:microsoft.com/office/officeart/2008/layout/AlternatingHexagons"/>
+    <dgm:cxn modelId="{76AF9361-1E25-4FEE-8934-C845D5AF7A1F}" type="presParOf" srcId="{D2AB019B-F63F-472B-9430-1AC2BDA060A9}" destId="{430001EE-40EB-411B-87F2-9EFE5F0EBBAE}" srcOrd="4" destOrd="0" presId="urn:microsoft.com/office/officeart/2008/layout/AlternatingHexagons"/>
+  </dgm:cxnLst>
+  <dgm:bg/>
+  <dgm:whole/>
+  <dgm:extLst>
+    <a:ext uri="http://schemas.microsoft.com/office/drawing/2008/diagram">
+      <dsp:dataModelExt xmlns:dsp="http://schemas.microsoft.com/office/drawing/2008/diagram" relId="rId6" minVer="http://schemas.openxmlformats.org/drawingml/2006/diagram"/>
+    </a:ext>
+  </dgm:extLst>
+</dgm:dataModel>
+</file>
+
 <file path=ppt/diagrams/drawing1.xml><?xml version="1.0" encoding="utf-8"?>
 <dsp:drawing xmlns:dgm="http://schemas.openxmlformats.org/drawingml/2006/diagram" xmlns:dsp="http://schemas.microsoft.com/office/drawing/2008/diagram" xmlns:a="http://schemas.openxmlformats.org/drawingml/2006/main">
   <dsp:spTree>
@@ -2770,6 +3890,595 @@
 </dsp:drawing>
 </file>
 
+<file path=ppt/diagrams/drawing2.xml><?xml version="1.0" encoding="utf-8"?>
+<dsp:drawing xmlns:dgm="http://schemas.openxmlformats.org/drawingml/2006/diagram" xmlns:dsp="http://schemas.microsoft.com/office/drawing/2008/diagram" xmlns:a="http://schemas.openxmlformats.org/drawingml/2006/main">
+  <dsp:spTree>
+    <dsp:nvGrpSpPr>
+      <dsp:cNvPr id="0" name=""/>
+      <dsp:cNvGrpSpPr/>
+    </dsp:nvGrpSpPr>
+    <dsp:grpSpPr/>
+    <dsp:sp modelId="{DAFFFA38-A190-4F45-BEEA-90A45C17A3A0}">
+      <dsp:nvSpPr>
+        <dsp:cNvPr id="0" name=""/>
+        <dsp:cNvSpPr/>
+      </dsp:nvSpPr>
+      <dsp:spPr>
+        <a:xfrm rot="5400000">
+          <a:off x="4183986" y="144523"/>
+          <a:ext cx="2173781" cy="1891189"/>
+        </a:xfrm>
+        <a:prstGeom prst="hexagon">
+          <a:avLst>
+            <a:gd name="adj" fmla="val 25000"/>
+            <a:gd name="vf" fmla="val 115470"/>
+          </a:avLst>
+        </a:prstGeom>
+        <a:solidFill>
+          <a:schemeClr val="lt1">
+            <a:hueOff val="0"/>
+            <a:satOff val="0"/>
+            <a:lumOff val="0"/>
+            <a:alphaOff val="0"/>
+          </a:schemeClr>
+        </a:solidFill>
+        <a:ln w="25400" cap="flat" cmpd="sng" algn="ctr">
+          <a:solidFill>
+            <a:schemeClr val="dk2">
+              <a:shade val="80000"/>
+              <a:hueOff val="0"/>
+              <a:satOff val="0"/>
+              <a:lumOff val="0"/>
+              <a:alphaOff val="0"/>
+            </a:schemeClr>
+          </a:solidFill>
+          <a:prstDash val="solid"/>
+        </a:ln>
+        <a:effectLst/>
+      </dsp:spPr>
+      <dsp:style>
+        <a:lnRef idx="2">
+          <a:scrgbClr r="0" g="0" b="0"/>
+        </a:lnRef>
+        <a:fillRef idx="1">
+          <a:scrgbClr r="0" g="0" b="0"/>
+        </a:fillRef>
+        <a:effectRef idx="0">
+          <a:scrgbClr r="0" g="0" b="0"/>
+        </a:effectRef>
+        <a:fontRef idx="minor">
+          <a:schemeClr val="lt1"/>
+        </a:fontRef>
+      </dsp:style>
+      <dsp:txBody>
+        <a:bodyPr spcFirstLastPara="0" vert="horz" wrap="square" lIns="72390" tIns="72390" rIns="72390" bIns="72390" numCol="1" spcCol="1270" anchor="ctr" anchorCtr="0">
+          <a:noAutofit/>
+        </a:bodyPr>
+        <a:lstStyle/>
+        <a:p>
+          <a:pPr marL="0" lvl="0" indent="0" algn="ctr" defTabSz="844550">
+            <a:lnSpc>
+              <a:spcPct val="90000"/>
+            </a:lnSpc>
+            <a:spcBef>
+              <a:spcPct val="0"/>
+            </a:spcBef>
+            <a:spcAft>
+              <a:spcPct val="35000"/>
+            </a:spcAft>
+            <a:buNone/>
+          </a:pPr>
+          <a:r>
+            <a:rPr lang="de-DE" sz="1900" kern="1200" dirty="0"/>
+            <a:t>Routing</a:t>
+          </a:r>
+        </a:p>
+      </dsp:txBody>
+      <dsp:txXfrm rot="-5400000">
+        <a:off x="4619992" y="341976"/>
+        <a:ext cx="1301769" cy="1496286"/>
+      </dsp:txXfrm>
+    </dsp:sp>
+    <dsp:sp modelId="{8B88CF6A-27D9-4B17-B1D9-A622EEE539DA}">
+      <dsp:nvSpPr>
+        <dsp:cNvPr id="0" name=""/>
+        <dsp:cNvSpPr/>
+      </dsp:nvSpPr>
+      <dsp:spPr>
+        <a:xfrm>
+          <a:off x="6273859" y="437984"/>
+          <a:ext cx="2425939" cy="1304268"/>
+        </a:xfrm>
+        <a:prstGeom prst="rect">
+          <a:avLst/>
+        </a:prstGeom>
+        <a:noFill/>
+        <a:ln>
+          <a:noFill/>
+        </a:ln>
+        <a:effectLst/>
+      </dsp:spPr>
+      <dsp:style>
+        <a:lnRef idx="0">
+          <a:scrgbClr r="0" g="0" b="0"/>
+        </a:lnRef>
+        <a:fillRef idx="0">
+          <a:scrgbClr r="0" g="0" b="0"/>
+        </a:fillRef>
+        <a:effectRef idx="0">
+          <a:scrgbClr r="0" g="0" b="0"/>
+        </a:effectRef>
+        <a:fontRef idx="minor"/>
+      </dsp:style>
+    </dsp:sp>
+    <dsp:sp modelId="{F84ABA2E-77D7-4A27-9E9D-CBD20BECD66B}">
+      <dsp:nvSpPr>
+        <dsp:cNvPr id="0" name=""/>
+        <dsp:cNvSpPr/>
+      </dsp:nvSpPr>
+      <dsp:spPr>
+        <a:xfrm rot="5400000">
+          <a:off x="2141501" y="144523"/>
+          <a:ext cx="2173781" cy="1891189"/>
+        </a:xfrm>
+        <a:prstGeom prst="hexagon">
+          <a:avLst>
+            <a:gd name="adj" fmla="val 25000"/>
+            <a:gd name="vf" fmla="val 115470"/>
+          </a:avLst>
+        </a:prstGeom>
+        <a:solidFill>
+          <a:schemeClr val="lt1">
+            <a:hueOff val="0"/>
+            <a:satOff val="0"/>
+            <a:lumOff val="0"/>
+            <a:alphaOff val="0"/>
+          </a:schemeClr>
+        </a:solidFill>
+        <a:ln w="25400" cap="flat" cmpd="sng" algn="ctr">
+          <a:solidFill>
+            <a:schemeClr val="dk2">
+              <a:shade val="80000"/>
+              <a:hueOff val="0"/>
+              <a:satOff val="0"/>
+              <a:lumOff val="0"/>
+              <a:alphaOff val="0"/>
+            </a:schemeClr>
+          </a:solidFill>
+          <a:prstDash val="solid"/>
+        </a:ln>
+        <a:effectLst/>
+      </dsp:spPr>
+      <dsp:style>
+        <a:lnRef idx="2">
+          <a:scrgbClr r="0" g="0" b="0"/>
+        </a:lnRef>
+        <a:fillRef idx="1">
+          <a:scrgbClr r="0" g="0" b="0"/>
+        </a:fillRef>
+        <a:effectRef idx="0">
+          <a:scrgbClr r="0" g="0" b="0"/>
+        </a:effectRef>
+        <a:fontRef idx="minor">
+          <a:schemeClr val="lt1"/>
+        </a:fontRef>
+      </dsp:style>
+      <dsp:txBody>
+        <a:bodyPr spcFirstLastPara="0" vert="horz" wrap="square" lIns="0" tIns="0" rIns="0" bIns="0" numCol="1" spcCol="1270" anchor="ctr" anchorCtr="0">
+          <a:noAutofit/>
+        </a:bodyPr>
+        <a:lstStyle/>
+        <a:p>
+          <a:pPr marL="0" lvl="0" indent="0" algn="ctr" defTabSz="844550">
+            <a:lnSpc>
+              <a:spcPct val="90000"/>
+            </a:lnSpc>
+            <a:spcBef>
+              <a:spcPct val="0"/>
+            </a:spcBef>
+            <a:spcAft>
+              <a:spcPct val="35000"/>
+            </a:spcAft>
+            <a:buNone/>
+          </a:pPr>
+          <a:r>
+            <a:rPr lang="de-DE" sz="1900" kern="1200" dirty="0"/>
+            <a:t>Networking</a:t>
+          </a:r>
+        </a:p>
+      </dsp:txBody>
+      <dsp:txXfrm rot="-5400000">
+        <a:off x="2577507" y="341976"/>
+        <a:ext cx="1301769" cy="1496286"/>
+      </dsp:txXfrm>
+    </dsp:sp>
+    <dsp:sp modelId="{49DD37E3-14EB-4D66-B0D7-65162F97DAE1}">
+      <dsp:nvSpPr>
+        <dsp:cNvPr id="0" name=""/>
+        <dsp:cNvSpPr/>
+      </dsp:nvSpPr>
+      <dsp:spPr>
+        <a:xfrm rot="5400000">
+          <a:off x="3158831" y="1989629"/>
+          <a:ext cx="2173781" cy="1891189"/>
+        </a:xfrm>
+        <a:prstGeom prst="hexagon">
+          <a:avLst>
+            <a:gd name="adj" fmla="val 25000"/>
+            <a:gd name="vf" fmla="val 115470"/>
+          </a:avLst>
+        </a:prstGeom>
+        <a:solidFill>
+          <a:schemeClr val="lt1">
+            <a:hueOff val="0"/>
+            <a:satOff val="0"/>
+            <a:lumOff val="0"/>
+            <a:alphaOff val="0"/>
+          </a:schemeClr>
+        </a:solidFill>
+        <a:ln w="25400" cap="flat" cmpd="sng" algn="ctr">
+          <a:solidFill>
+            <a:schemeClr val="dk2">
+              <a:shade val="80000"/>
+              <a:hueOff val="0"/>
+              <a:satOff val="0"/>
+              <a:lumOff val="0"/>
+              <a:alphaOff val="0"/>
+            </a:schemeClr>
+          </a:solidFill>
+          <a:prstDash val="solid"/>
+        </a:ln>
+        <a:effectLst/>
+      </dsp:spPr>
+      <dsp:style>
+        <a:lnRef idx="2">
+          <a:scrgbClr r="0" g="0" b="0"/>
+        </a:lnRef>
+        <a:fillRef idx="1">
+          <a:scrgbClr r="0" g="0" b="0"/>
+        </a:fillRef>
+        <a:effectRef idx="0">
+          <a:scrgbClr r="0" g="0" b="0"/>
+        </a:effectRef>
+        <a:fontRef idx="minor">
+          <a:schemeClr val="lt1"/>
+        </a:fontRef>
+      </dsp:style>
+      <dsp:txBody>
+        <a:bodyPr spcFirstLastPara="0" vert="horz" wrap="square" lIns="72390" tIns="72390" rIns="72390" bIns="72390" numCol="1" spcCol="1270" anchor="ctr" anchorCtr="0">
+          <a:noAutofit/>
+        </a:bodyPr>
+        <a:lstStyle/>
+        <a:p>
+          <a:pPr marL="0" lvl="0" indent="0" algn="ctr" defTabSz="844550">
+            <a:lnSpc>
+              <a:spcPct val="90000"/>
+            </a:lnSpc>
+            <a:spcBef>
+              <a:spcPct val="0"/>
+            </a:spcBef>
+            <a:spcAft>
+              <a:spcPct val="35000"/>
+            </a:spcAft>
+            <a:buNone/>
+          </a:pPr>
+          <a:r>
+            <a:rPr lang="de-DE" sz="1900" kern="1200" dirty="0" err="1"/>
+            <a:t>Virtualisation</a:t>
+          </a:r>
+          <a:endParaRPr lang="de-DE" sz="1900" kern="1200" dirty="0"/>
+        </a:p>
+      </dsp:txBody>
+      <dsp:txXfrm rot="-5400000">
+        <a:off x="3594837" y="2187082"/>
+        <a:ext cx="1301769" cy="1496286"/>
+      </dsp:txXfrm>
+    </dsp:sp>
+    <dsp:sp modelId="{9379EBBB-28CD-4C7C-8817-62F1E9EDE563}">
+      <dsp:nvSpPr>
+        <dsp:cNvPr id="0" name=""/>
+        <dsp:cNvSpPr/>
+      </dsp:nvSpPr>
+      <dsp:spPr>
+        <a:xfrm>
+          <a:off x="874187" y="2283089"/>
+          <a:ext cx="2347683" cy="1304268"/>
+        </a:xfrm>
+        <a:prstGeom prst="rect">
+          <a:avLst/>
+        </a:prstGeom>
+        <a:noFill/>
+        <a:ln>
+          <a:noFill/>
+        </a:ln>
+        <a:effectLst/>
+      </dsp:spPr>
+      <dsp:style>
+        <a:lnRef idx="0">
+          <a:scrgbClr r="0" g="0" b="0"/>
+        </a:lnRef>
+        <a:fillRef idx="0">
+          <a:scrgbClr r="0" g="0" b="0"/>
+        </a:fillRef>
+        <a:effectRef idx="0">
+          <a:scrgbClr r="0" g="0" b="0"/>
+        </a:effectRef>
+        <a:fontRef idx="minor"/>
+      </dsp:style>
+    </dsp:sp>
+    <dsp:sp modelId="{35A878AB-3FAF-419B-9806-FAE15FFC116C}">
+      <dsp:nvSpPr>
+        <dsp:cNvPr id="0" name=""/>
+        <dsp:cNvSpPr/>
+      </dsp:nvSpPr>
+      <dsp:spPr>
+        <a:xfrm rot="5400000">
+          <a:off x="5201316" y="1989629"/>
+          <a:ext cx="2173781" cy="1891189"/>
+        </a:xfrm>
+        <a:prstGeom prst="hexagon">
+          <a:avLst>
+            <a:gd name="adj" fmla="val 25000"/>
+            <a:gd name="vf" fmla="val 115470"/>
+          </a:avLst>
+        </a:prstGeom>
+        <a:solidFill>
+          <a:schemeClr val="lt1">
+            <a:hueOff val="0"/>
+            <a:satOff val="0"/>
+            <a:lumOff val="0"/>
+            <a:alphaOff val="0"/>
+          </a:schemeClr>
+        </a:solidFill>
+        <a:ln w="25400" cap="flat" cmpd="sng" algn="ctr">
+          <a:solidFill>
+            <a:schemeClr val="dk2">
+              <a:shade val="80000"/>
+              <a:hueOff val="0"/>
+              <a:satOff val="0"/>
+              <a:lumOff val="0"/>
+              <a:alphaOff val="0"/>
+            </a:schemeClr>
+          </a:solidFill>
+          <a:prstDash val="solid"/>
+        </a:ln>
+        <a:effectLst/>
+      </dsp:spPr>
+      <dsp:style>
+        <a:lnRef idx="2">
+          <a:scrgbClr r="0" g="0" b="0"/>
+        </a:lnRef>
+        <a:fillRef idx="1">
+          <a:scrgbClr r="0" g="0" b="0"/>
+        </a:fillRef>
+        <a:effectRef idx="0">
+          <a:scrgbClr r="0" g="0" b="0"/>
+        </a:effectRef>
+        <a:fontRef idx="minor">
+          <a:schemeClr val="lt1"/>
+        </a:fontRef>
+      </dsp:style>
+      <dsp:txBody>
+        <a:bodyPr spcFirstLastPara="0" vert="horz" wrap="square" lIns="0" tIns="0" rIns="0" bIns="0" numCol="1" spcCol="1270" anchor="ctr" anchorCtr="0">
+          <a:noAutofit/>
+        </a:bodyPr>
+        <a:lstStyle/>
+        <a:p>
+          <a:pPr marL="0" lvl="0" indent="0" algn="ctr" defTabSz="933450">
+            <a:lnSpc>
+              <a:spcPct val="90000"/>
+            </a:lnSpc>
+            <a:spcBef>
+              <a:spcPct val="0"/>
+            </a:spcBef>
+            <a:spcAft>
+              <a:spcPct val="35000"/>
+            </a:spcAft>
+            <a:buNone/>
+          </a:pPr>
+          <a:r>
+            <a:rPr lang="de-DE" sz="2100" kern="1200" dirty="0"/>
+            <a:t>Cloud Computing</a:t>
+          </a:r>
+        </a:p>
+      </dsp:txBody>
+      <dsp:txXfrm rot="-5400000">
+        <a:off x="5637322" y="2187082"/>
+        <a:ext cx="1301769" cy="1496286"/>
+      </dsp:txXfrm>
+    </dsp:sp>
+    <dsp:sp modelId="{346DE243-9146-4264-A524-EE1CB02EBE6F}">
+      <dsp:nvSpPr>
+        <dsp:cNvPr id="0" name=""/>
+        <dsp:cNvSpPr/>
+      </dsp:nvSpPr>
+      <dsp:spPr>
+        <a:xfrm rot="5400000">
+          <a:off x="1184654" y="2150054"/>
+          <a:ext cx="2173781" cy="1891189"/>
+        </a:xfrm>
+        <a:prstGeom prst="hexagon">
+          <a:avLst>
+            <a:gd name="adj" fmla="val 25000"/>
+            <a:gd name="vf" fmla="val 115470"/>
+          </a:avLst>
+        </a:prstGeom>
+        <a:solidFill>
+          <a:schemeClr val="lt1">
+            <a:hueOff val="0"/>
+            <a:satOff val="0"/>
+            <a:lumOff val="0"/>
+            <a:alphaOff val="0"/>
+          </a:schemeClr>
+        </a:solidFill>
+        <a:ln w="25400" cap="flat" cmpd="sng" algn="ctr">
+          <a:noFill/>
+          <a:prstDash val="solid"/>
+        </a:ln>
+        <a:effectLst/>
+      </dsp:spPr>
+      <dsp:style>
+        <a:lnRef idx="2">
+          <a:scrgbClr r="0" g="0" b="0"/>
+        </a:lnRef>
+        <a:fillRef idx="1">
+          <a:scrgbClr r="0" g="0" b="0"/>
+        </a:fillRef>
+        <a:effectRef idx="0">
+          <a:scrgbClr r="0" g="0" b="0"/>
+        </a:effectRef>
+        <a:fontRef idx="minor">
+          <a:schemeClr val="lt1"/>
+        </a:fontRef>
+      </dsp:style>
+      <dsp:txBody>
+        <a:bodyPr spcFirstLastPara="0" vert="horz" wrap="square" lIns="247650" tIns="247650" rIns="247650" bIns="247650" numCol="1" spcCol="1270" anchor="ctr" anchorCtr="0">
+          <a:noAutofit/>
+        </a:bodyPr>
+        <a:lstStyle/>
+        <a:p>
+          <a:pPr marL="0" lvl="0" indent="0" algn="ctr" defTabSz="2889250">
+            <a:lnSpc>
+              <a:spcPct val="90000"/>
+            </a:lnSpc>
+            <a:spcBef>
+              <a:spcPct val="0"/>
+            </a:spcBef>
+            <a:spcAft>
+              <a:spcPct val="35000"/>
+            </a:spcAft>
+            <a:buNone/>
+          </a:pPr>
+          <a:endParaRPr lang="de-DE" sz="6500" kern="1200" dirty="0"/>
+        </a:p>
+      </dsp:txBody>
+      <dsp:txXfrm rot="-5400000">
+        <a:off x="1620660" y="2347507"/>
+        <a:ext cx="1301769" cy="1496286"/>
+      </dsp:txXfrm>
+    </dsp:sp>
+    <dsp:sp modelId="{CAE63B9F-1F5A-419C-9DCA-8F193F64B03E}">
+      <dsp:nvSpPr>
+        <dsp:cNvPr id="0" name=""/>
+        <dsp:cNvSpPr/>
+      </dsp:nvSpPr>
+      <dsp:spPr>
+        <a:xfrm>
+          <a:off x="6273859" y="4128195"/>
+          <a:ext cx="2425939" cy="1304268"/>
+        </a:xfrm>
+        <a:prstGeom prst="rect">
+          <a:avLst/>
+        </a:prstGeom>
+        <a:noFill/>
+        <a:ln>
+          <a:noFill/>
+        </a:ln>
+        <a:effectLst/>
+      </dsp:spPr>
+      <dsp:style>
+        <a:lnRef idx="0">
+          <a:scrgbClr r="0" g="0" b="0"/>
+        </a:lnRef>
+        <a:fillRef idx="0">
+          <a:scrgbClr r="0" g="0" b="0"/>
+        </a:fillRef>
+        <a:effectRef idx="0">
+          <a:scrgbClr r="0" g="0" b="0"/>
+        </a:effectRef>
+        <a:fontRef idx="minor"/>
+      </dsp:style>
+    </dsp:sp>
+    <dsp:sp modelId="{430001EE-40EB-411B-87F2-9EFE5F0EBBAE}">
+      <dsp:nvSpPr>
+        <dsp:cNvPr id="0" name=""/>
+        <dsp:cNvSpPr/>
+      </dsp:nvSpPr>
+      <dsp:spPr>
+        <a:xfrm rot="5400000">
+          <a:off x="1175482" y="1989629"/>
+          <a:ext cx="2173781" cy="1891189"/>
+        </a:xfrm>
+        <a:prstGeom prst="hexagon">
+          <a:avLst>
+            <a:gd name="adj" fmla="val 25000"/>
+            <a:gd name="vf" fmla="val 115470"/>
+          </a:avLst>
+        </a:prstGeom>
+        <a:solidFill>
+          <a:schemeClr val="lt1">
+            <a:hueOff val="0"/>
+            <a:satOff val="0"/>
+            <a:lumOff val="0"/>
+            <a:alphaOff val="0"/>
+          </a:schemeClr>
+        </a:solidFill>
+        <a:ln w="25400" cap="flat" cmpd="sng" algn="ctr">
+          <a:solidFill>
+            <a:schemeClr val="dk2">
+              <a:shade val="80000"/>
+              <a:hueOff val="0"/>
+              <a:satOff val="0"/>
+              <a:lumOff val="0"/>
+              <a:alphaOff val="0"/>
+            </a:schemeClr>
+          </a:solidFill>
+          <a:prstDash val="solid"/>
+        </a:ln>
+        <a:effectLst/>
+      </dsp:spPr>
+      <dsp:style>
+        <a:lnRef idx="2">
+          <a:scrgbClr r="0" g="0" b="0"/>
+        </a:lnRef>
+        <a:fillRef idx="1">
+          <a:scrgbClr r="0" g="0" b="0"/>
+        </a:fillRef>
+        <a:effectRef idx="0">
+          <a:scrgbClr r="0" g="0" b="0"/>
+        </a:effectRef>
+        <a:fontRef idx="minor">
+          <a:schemeClr val="lt1"/>
+        </a:fontRef>
+      </dsp:style>
+      <dsp:txBody>
+        <a:bodyPr spcFirstLastPara="0" vert="horz" wrap="square" lIns="0" tIns="0" rIns="0" bIns="0" numCol="1" spcCol="1270" anchor="ctr" anchorCtr="0">
+          <a:noAutofit/>
+        </a:bodyPr>
+        <a:lstStyle/>
+        <a:p>
+          <a:pPr marL="0" lvl="0" indent="0" algn="ctr" defTabSz="844550">
+            <a:lnSpc>
+              <a:spcPct val="90000"/>
+            </a:lnSpc>
+            <a:spcBef>
+              <a:spcPct val="0"/>
+            </a:spcBef>
+            <a:spcAft>
+              <a:spcPct val="35000"/>
+            </a:spcAft>
+            <a:buNone/>
+          </a:pPr>
+          <a:r>
+            <a:rPr lang="de-DE" sz="1900" kern="1200" dirty="0"/>
+            <a:t>Security and </a:t>
+          </a:r>
+          <a:r>
+            <a:rPr lang="de-DE" sz="1900" kern="1200" dirty="0" err="1"/>
+            <a:t>privacy</a:t>
+          </a:r>
+          <a:endParaRPr lang="de-DE" sz="1900" kern="1200" dirty="0"/>
+        </a:p>
+      </dsp:txBody>
+      <dsp:txXfrm rot="-5400000">
+        <a:off x="1611488" y="2187082"/>
+        <a:ext cx="1301769" cy="1496286"/>
+      </dsp:txXfrm>
+    </dsp:sp>
+  </dsp:spTree>
+</dsp:drawing>
+</file>
+
 <file path=ppt/diagrams/layout1.xml><?xml version="1.0" encoding="utf-8"?>
 <dgm:layoutDef xmlns:dgm="http://schemas.openxmlformats.org/drawingml/2006/diagram" xmlns:a="http://schemas.openxmlformats.org/drawingml/2006/main" uniqueId="urn:microsoft.com/office/officeart/2005/8/layout/hList1">
   <dgm:title val=""/>
@@ -2987,7 +4696,1396 @@
 </dgm:layoutDef>
 </file>
 
+<file path=ppt/diagrams/layout2.xml><?xml version="1.0" encoding="utf-8"?>
+<dgm:layoutDef xmlns:dgm="http://schemas.openxmlformats.org/drawingml/2006/diagram" xmlns:a="http://schemas.openxmlformats.org/drawingml/2006/main" uniqueId="urn:microsoft.com/office/officeart/2008/layout/AlternatingHexagons">
+  <dgm:title val=""/>
+  <dgm:desc val=""/>
+  <dgm:catLst>
+    <dgm:cat type="list" pri="1500"/>
+  </dgm:catLst>
+  <dgm:sampData>
+    <dgm:dataModel>
+      <dgm:ptLst>
+        <dgm:pt modelId="0" type="doc"/>
+        <dgm:pt modelId="10">
+          <dgm:prSet phldr="1"/>
+        </dgm:pt>
+        <dgm:pt modelId="11">
+          <dgm:prSet phldr="1"/>
+        </dgm:pt>
+        <dgm:pt modelId="20">
+          <dgm:prSet phldr="1"/>
+        </dgm:pt>
+        <dgm:pt modelId="21">
+          <dgm:prSet phldr="1"/>
+        </dgm:pt>
+        <dgm:pt modelId="30">
+          <dgm:prSet phldr="1"/>
+        </dgm:pt>
+        <dgm:pt modelId="31">
+          <dgm:prSet phldr="1"/>
+        </dgm:pt>
+      </dgm:ptLst>
+      <dgm:cxnLst>
+        <dgm:cxn modelId="40" srcId="0" destId="10" srcOrd="0" destOrd="0"/>
+        <dgm:cxn modelId="12" srcId="10" destId="11" srcOrd="0" destOrd="0"/>
+        <dgm:cxn modelId="50" srcId="0" destId="20" srcOrd="1" destOrd="0"/>
+        <dgm:cxn modelId="22" srcId="20" destId="21" srcOrd="0" destOrd="0"/>
+        <dgm:cxn modelId="60" srcId="0" destId="30" srcOrd="1" destOrd="0"/>
+        <dgm:cxn modelId="32" srcId="30" destId="31" srcOrd="0" destOrd="0"/>
+      </dgm:cxnLst>
+      <dgm:bg/>
+      <dgm:whole/>
+    </dgm:dataModel>
+  </dgm:sampData>
+  <dgm:styleData>
+    <dgm:dataModel>
+      <dgm:ptLst>
+        <dgm:pt modelId="0" type="doc"/>
+        <dgm:pt modelId="10">
+          <dgm:prSet phldr="1"/>
+        </dgm:pt>
+        <dgm:pt modelId="20">
+          <dgm:prSet phldr="1"/>
+        </dgm:pt>
+      </dgm:ptLst>
+      <dgm:cxnLst>
+        <dgm:cxn modelId="60" srcId="0" destId="10" srcOrd="0" destOrd="0"/>
+        <dgm:cxn modelId="70" srcId="0" destId="20" srcOrd="1" destOrd="0"/>
+      </dgm:cxnLst>
+      <dgm:bg/>
+      <dgm:whole/>
+    </dgm:dataModel>
+  </dgm:styleData>
+  <dgm:clrData>
+    <dgm:dataModel>
+      <dgm:ptLst>
+        <dgm:pt modelId="0" type="doc"/>
+        <dgm:pt modelId="10">
+          <dgm:prSet phldr="1"/>
+        </dgm:pt>
+        <dgm:pt modelId="20">
+          <dgm:prSet phldr="1"/>
+        </dgm:pt>
+        <dgm:pt modelId="30">
+          <dgm:prSet phldr="1"/>
+        </dgm:pt>
+        <dgm:pt modelId="40">
+          <dgm:prSet phldr="1"/>
+        </dgm:pt>
+      </dgm:ptLst>
+      <dgm:cxnLst>
+        <dgm:cxn modelId="60" srcId="0" destId="10" srcOrd="0" destOrd="0"/>
+        <dgm:cxn modelId="70" srcId="0" destId="20" srcOrd="1" destOrd="0"/>
+        <dgm:cxn modelId="80" srcId="0" destId="30" srcOrd="2" destOrd="0"/>
+        <dgm:cxn modelId="90" srcId="0" destId="40" srcOrd="3" destOrd="0"/>
+      </dgm:cxnLst>
+      <dgm:bg/>
+      <dgm:whole/>
+    </dgm:dataModel>
+  </dgm:clrData>
+  <dgm:layoutNode name="Name0">
+    <dgm:varLst>
+      <dgm:chMax/>
+      <dgm:chPref/>
+      <dgm:dir/>
+      <dgm:animLvl val="lvl"/>
+    </dgm:varLst>
+    <dgm:alg type="lin">
+      <dgm:param type="linDir" val="fromT"/>
+    </dgm:alg>
+    <dgm:shape xmlns:r="http://schemas.openxmlformats.org/officeDocument/2006/relationships" r:blip="">
+      <dgm:adjLst/>
+    </dgm:shape>
+    <dgm:constrLst>
+      <dgm:constr type="primFontSz" for="des" forName="Parent1" val="65"/>
+      <dgm:constr type="primFontSz" for="des" forName="Childtext1" refType="primFontSz" refFor="des" refForName="Parent1" op="lte"/>
+      <dgm:constr type="w" for="ch" forName="composite" refType="w"/>
+      <dgm:constr type="h" for="ch" forName="composite" refType="h"/>
+      <dgm:constr type="h" for="ch" forName="spaceBetweenRectangles" refType="w" refFor="ch" refForName="composite" fact="-0.042"/>
+      <dgm:constr type="sp" refType="h" refFor="ch" refForName="composite" op="equ" fact="0.1"/>
+    </dgm:constrLst>
+    <dgm:forEach name="nodesForEach" axis="ch" ptType="node">
+      <dgm:layoutNode name="composite">
+        <dgm:alg type="composite">
+          <dgm:param type="ar" val="3.6"/>
+        </dgm:alg>
+        <dgm:shape xmlns:r="http://schemas.openxmlformats.org/officeDocument/2006/relationships" r:blip="">
+          <dgm:adjLst/>
+        </dgm:shape>
+        <dgm:choose name="Name1">
+          <dgm:if name="Name2" func="var" arg="dir" op="equ" val="norm">
+            <dgm:choose name="Name3">
+              <dgm:if name="Name4" axis="self" ptType="node" func="posOdd" op="equ" val="1">
+                <dgm:constrLst>
+                  <dgm:constr type="l" for="ch" forName="Accent1" refType="w" fact="0.18"/>
+                  <dgm:constr type="t" for="ch" forName="Accent1" refType="h" fact="0"/>
+                  <dgm:constr type="h" for="ch" forName="Accent1" refType="h"/>
+                  <dgm:constr type="w" for="ch" forName="Accent1" refType="h" fact="0.87"/>
+                  <dgm:constr type="l" for="ch" forName="Accent1Text" refType="w" fact="0.18"/>
+                  <dgm:constr type="t" for="ch" forName="Accent1Text" refType="h" fact="0"/>
+                  <dgm:constr type="h" for="ch" forName="Accent1Text" refType="h"/>
+                  <dgm:constr type="w" for="ch" forName="Accent1Text" refType="h" fact="0.87"/>
+                  <dgm:constr type="l" for="ch" forName="Parent1" refType="w" fact="0.441"/>
+                  <dgm:constr type="t" for="ch" forName="Parent1" refType="h" fact="0"/>
+                  <dgm:constr type="h" for="ch" forName="Parent1" refType="h"/>
+                  <dgm:constr type="w" for="ch" forName="Parent1" refType="h" fact="0.87"/>
+                  <dgm:constr type="l" for="ch" forName="Childtext1" refType="w" fact="0.69"/>
+                  <dgm:constr type="t" for="ch" forName="Childtext1" refType="h" fact="0.2"/>
+                  <dgm:constr type="w" for="ch" forName="Childtext1" refType="w" fact="0.31"/>
+                  <dgm:constr type="h" for="ch" forName="Childtext1" refType="h" fact="0.6"/>
+                  <dgm:constr type="l" for="ch" forName="BalanceSpacing" refType="w" fact="0"/>
+                  <dgm:constr type="t" for="ch" forName="BalanceSpacing" refType="h" fact="0"/>
+                  <dgm:constr type="w" for="ch" forName="BalanceSpacing" refType="w"/>
+                  <dgm:constr type="h" for="ch" forName="BalanceSpacing" refType="h" fact="0.1"/>
+                  <dgm:constr type="l" for="ch" forName="BalanceSpacing1" refType="w" fact="0.69"/>
+                  <dgm:constr type="t" for="ch" forName="BalanceSpacing1" refType="h" fact="0.2"/>
+                  <dgm:constr type="w" for="ch" forName="BalanceSpacing1" refType="w" fact="0.31"/>
+                  <dgm:constr type="h" for="ch" forName="BalanceSpacing1" refType="h" fact="0.6"/>
+                </dgm:constrLst>
+              </dgm:if>
+              <dgm:else name="Name5">
+                <dgm:constrLst>
+                  <dgm:constr type="l" for="ch" forName="Accent1" refType="w" fact="0.571"/>
+                  <dgm:constr type="t" for="ch" forName="Accent1" refType="h" fact="0"/>
+                  <dgm:constr type="h" for="ch" forName="Accent1" refType="h"/>
+                  <dgm:constr type="w" for="ch" forName="Accent1" refType="h" fact="0.87"/>
+                  <dgm:constr type="l" for="ch" forName="Accent1Text" refType="w" fact="0.571"/>
+                  <dgm:constr type="t" for="ch" forName="Accent1Text" refType="h" fact="0"/>
+                  <dgm:constr type="h" for="ch" forName="Accent1Text" refType="h"/>
+                  <dgm:constr type="w" for="ch" forName="Accent1Text" refType="h" fact="0.87"/>
+                  <dgm:constr type="l" for="ch" forName="Parent1" refType="w" fact="0.31"/>
+                  <dgm:constr type="t" for="ch" forName="Parent1" refType="h" fact="0"/>
+                  <dgm:constr type="h" for="ch" forName="Parent1" refType="h"/>
+                  <dgm:constr type="w" for="ch" forName="Parent1" refType="h" fact="0.87"/>
+                  <dgm:constr type="l" for="ch" forName="Childtext1" refType="w" fact="0"/>
+                  <dgm:constr type="t" for="ch" forName="Childtext1" refType="h" fact="0.2"/>
+                  <dgm:constr type="w" for="ch" forName="Childtext1" refType="w" fact="0.3"/>
+                  <dgm:constr type="h" for="ch" forName="Childtext1" refType="h" fact="0.6"/>
+                  <dgm:constr type="l" for="ch" forName="BalanceSpacing" refType="w" fact="0.82"/>
+                  <dgm:constr type="t" for="ch" forName="BalanceSpacing" refType="h" fact="0"/>
+                  <dgm:constr type="w" for="ch" forName="BalanceSpacing" refType="w" fact="0.18"/>
+                  <dgm:constr type="h" for="ch" forName="BalanceSpacing" refType="h"/>
+                  <dgm:constr type="l" for="ch" forName="BalanceSpacing1" refType="w" fact="0"/>
+                  <dgm:constr type="t" for="ch" forName="BalanceSpacing1" refType="h" fact="0.2"/>
+                  <dgm:constr type="w" for="ch" forName="BalanceSpacing1" refType="w" fact="0.3"/>
+                  <dgm:constr type="h" for="ch" forName="BalanceSpacing1" refType="h" fact="0.6"/>
+                </dgm:constrLst>
+              </dgm:else>
+            </dgm:choose>
+          </dgm:if>
+          <dgm:else name="Name6">
+            <dgm:choose name="Name7">
+              <dgm:if name="Name8" axis="self" ptType="node" func="posOdd" op="equ" val="1">
+                <dgm:constrLst>
+                  <dgm:constr type="l" for="ch" forName="Accent1" refType="w" fact="0.571"/>
+                  <dgm:constr type="t" for="ch" forName="Accent1" refType="h" fact="0"/>
+                  <dgm:constr type="h" for="ch" forName="Accent1" refType="h"/>
+                  <dgm:constr type="w" for="ch" forName="Accent1" refType="h" fact="0.87"/>
+                  <dgm:constr type="l" for="ch" forName="Accent1Text" refType="w" fact="0.571"/>
+                  <dgm:constr type="t" for="ch" forName="Accent1Text" refType="h" fact="0"/>
+                  <dgm:constr type="h" for="ch" forName="Accent1Text" refType="h"/>
+                  <dgm:constr type="w" for="ch" forName="Accent1Text" refType="h" fact="0.87"/>
+                  <dgm:constr type="l" for="ch" forName="Parent1" refType="w" fact="0.31"/>
+                  <dgm:constr type="t" for="ch" forName="Parent1" refType="h" fact="0"/>
+                  <dgm:constr type="h" for="ch" forName="Parent1" refType="h"/>
+                  <dgm:constr type="w" for="ch" forName="Parent1" refType="h" fact="0.87"/>
+                  <dgm:constr type="l" for="ch" forName="Childtext1" refType="w" fact="0"/>
+                  <dgm:constr type="t" for="ch" forName="Childtext1" refType="h" fact="0.2"/>
+                  <dgm:constr type="w" for="ch" forName="Childtext1" refType="w" fact="0.3"/>
+                  <dgm:constr type="h" for="ch" forName="Childtext1" refType="h" fact="0.6"/>
+                  <dgm:constr type="l" for="ch" forName="BalanceSpacing" refType="w" fact="0.82"/>
+                  <dgm:constr type="t" for="ch" forName="BalanceSpacing" refType="h" fact="0"/>
+                  <dgm:constr type="w" for="ch" forName="BalanceSpacing" refType="w" fact="0.18"/>
+                  <dgm:constr type="h" for="ch" forName="BalanceSpacing" refType="h"/>
+                </dgm:constrLst>
+              </dgm:if>
+              <dgm:else name="Name9">
+                <dgm:constrLst>
+                  <dgm:constr type="l" for="ch" forName="Accent1" refType="w" fact="0.18"/>
+                  <dgm:constr type="t" for="ch" forName="Accent1" refType="h" fact="0"/>
+                  <dgm:constr type="h" for="ch" forName="Accent1" refType="h"/>
+                  <dgm:constr type="w" for="ch" forName="Accent1" refType="h" fact="0.87"/>
+                  <dgm:constr type="l" for="ch" forName="Accent1Text" refType="w" fact="0.18"/>
+                  <dgm:constr type="t" for="ch" forName="Accent1Text" refType="h" fact="0"/>
+                  <dgm:constr type="h" for="ch" forName="Accent1Text" refType="h"/>
+                  <dgm:constr type="w" for="ch" forName="Accent1Text" refType="h" fact="0.87"/>
+                  <dgm:constr type="l" for="ch" forName="Parent1" refType="w" fact="0.441"/>
+                  <dgm:constr type="t" for="ch" forName="Parent1" refType="h" fact="0"/>
+                  <dgm:constr type="h" for="ch" forName="Parent1" refType="h"/>
+                  <dgm:constr type="w" for="ch" forName="Parent1" refType="h" fact="0.87"/>
+                  <dgm:constr type="l" for="ch" forName="Childtext1" refType="w" fact="0.69"/>
+                  <dgm:constr type="t" for="ch" forName="Childtext1" refType="h" fact="0.2"/>
+                  <dgm:constr type="w" for="ch" forName="Childtext1" refType="w" fact="0.31"/>
+                  <dgm:constr type="h" for="ch" forName="Childtext1" refType="h" fact="0.6"/>
+                  <dgm:constr type="l" for="ch" forName="BalanceSpacing" refType="w" fact="0"/>
+                  <dgm:constr type="t" for="ch" forName="BalanceSpacing" refType="h" fact="0"/>
+                  <dgm:constr type="w" for="ch" forName="BalanceSpacing" refType="w" fact="0.18"/>
+                  <dgm:constr type="h" for="ch" forName="BalanceSpacing" refType="h"/>
+                </dgm:constrLst>
+              </dgm:else>
+            </dgm:choose>
+          </dgm:else>
+        </dgm:choose>
+        <dgm:layoutNode name="Parent1" styleLbl="node1">
+          <dgm:varLst>
+            <dgm:chMax val="1"/>
+            <dgm:chPref val="1"/>
+            <dgm:bulletEnabled val="1"/>
+          </dgm:varLst>
+          <dgm:alg type="tx"/>
+          <dgm:shape xmlns:r="http://schemas.openxmlformats.org/officeDocument/2006/relationships" rot="90" type="hexagon" r:blip="">
+            <dgm:adjLst>
+              <dgm:adj idx="1" val="0.25"/>
+              <dgm:adj idx="2" val="1.1547"/>
+            </dgm:adjLst>
+          </dgm:shape>
+          <dgm:presOf axis="self" ptType="node"/>
+          <dgm:constrLst>
+            <dgm:constr type="lMarg" refType="primFontSz" fact="0.3"/>
+            <dgm:constr type="rMarg" refType="primFontSz" fact="0.3"/>
+            <dgm:constr type="tMarg" refType="primFontSz" fact="0.3"/>
+            <dgm:constr type="bMarg" refType="primFontSz" fact="0.3"/>
+          </dgm:constrLst>
+          <dgm:ruleLst>
+            <dgm:rule type="primFontSz" val="5" fact="NaN" max="NaN"/>
+          </dgm:ruleLst>
+        </dgm:layoutNode>
+        <dgm:layoutNode name="Childtext1" styleLbl="revTx">
+          <dgm:varLst>
+            <dgm:chMax val="0"/>
+            <dgm:chPref val="0"/>
+            <dgm:bulletEnabled val="1"/>
+          </dgm:varLst>
+          <dgm:choose name="Name10">
+            <dgm:if name="Name11" func="var" arg="dir" op="equ" val="norm">
+              <dgm:choose name="Name12">
+                <dgm:if name="Name13" axis="self" ptType="node" func="posOdd" op="equ" val="1">
+                  <dgm:alg type="tx">
+                    <dgm:param type="parTxLTRAlign" val="l"/>
+                  </dgm:alg>
+                </dgm:if>
+                <dgm:else name="Name14">
+                  <dgm:alg type="tx">
+                    <dgm:param type="parTxLTRAlign" val="r"/>
+                  </dgm:alg>
+                </dgm:else>
+              </dgm:choose>
+            </dgm:if>
+            <dgm:else name="Name15">
+              <dgm:choose name="Name16">
+                <dgm:if name="Name17" axis="self" ptType="node" func="posOdd" op="equ" val="1">
+                  <dgm:alg type="tx">
+                    <dgm:param type="parTxLTRAlign" val="r"/>
+                  </dgm:alg>
+                </dgm:if>
+                <dgm:else name="Name18">
+                  <dgm:alg type="tx">
+                    <dgm:param type="parTxLTRAlign" val="l"/>
+                  </dgm:alg>
+                </dgm:else>
+              </dgm:choose>
+            </dgm:else>
+          </dgm:choose>
+          <dgm:shape xmlns:r="http://schemas.openxmlformats.org/officeDocument/2006/relationships" type="rect" r:blip="">
+            <dgm:adjLst/>
+          </dgm:shape>
+          <dgm:presOf axis="des" ptType="node"/>
+          <dgm:constrLst>
+            <dgm:constr type="lMarg" refType="primFontSz" fact="0.3"/>
+            <dgm:constr type="rMarg" refType="primFontSz" fact="0.3"/>
+            <dgm:constr type="tMarg" refType="primFontSz" fact="0.3"/>
+            <dgm:constr type="bMarg" refType="primFontSz" fact="0.3"/>
+          </dgm:constrLst>
+          <dgm:ruleLst>
+            <dgm:rule type="primFontSz" val="5" fact="NaN" max="NaN"/>
+          </dgm:ruleLst>
+        </dgm:layoutNode>
+        <dgm:layoutNode name="BalanceSpacing">
+          <dgm:alg type="sp"/>
+          <dgm:shape xmlns:r="http://schemas.openxmlformats.org/officeDocument/2006/relationships" r:blip="">
+            <dgm:adjLst/>
+          </dgm:shape>
+        </dgm:layoutNode>
+        <dgm:layoutNode name="BalanceSpacing1">
+          <dgm:alg type="sp"/>
+          <dgm:shape xmlns:r="http://schemas.openxmlformats.org/officeDocument/2006/relationships" r:blip="">
+            <dgm:adjLst/>
+          </dgm:shape>
+        </dgm:layoutNode>
+        <dgm:forEach name="Name19" axis="followSib" ptType="sibTrans" hideLastTrans="0" cnt="1">
+          <dgm:layoutNode name="Accent1Text" styleLbl="node1">
+            <dgm:alg type="tx"/>
+            <dgm:shape xmlns:r="http://schemas.openxmlformats.org/officeDocument/2006/relationships" rot="90" type="hexagon" r:blip="">
+              <dgm:adjLst>
+                <dgm:adj idx="1" val="0.25"/>
+                <dgm:adj idx="2" val="1.1547"/>
+              </dgm:adjLst>
+            </dgm:shape>
+            <dgm:presOf axis="self" ptType="sibTrans"/>
+            <dgm:constrLst>
+              <dgm:constr type="lMarg"/>
+              <dgm:constr type="rMarg"/>
+              <dgm:constr type="tMarg"/>
+              <dgm:constr type="bMarg"/>
+            </dgm:constrLst>
+            <dgm:ruleLst>
+              <dgm:rule type="primFontSz" val="5" fact="NaN" max="NaN"/>
+            </dgm:ruleLst>
+          </dgm:layoutNode>
+        </dgm:forEach>
+      </dgm:layoutNode>
+      <dgm:forEach name="Name20" axis="followSib" ptType="sibTrans" cnt="1">
+        <dgm:layoutNode name="spaceBetweenRectangles">
+          <dgm:alg type="sp"/>
+          <dgm:shape xmlns:r="http://schemas.openxmlformats.org/officeDocument/2006/relationships" r:blip="">
+            <dgm:adjLst/>
+          </dgm:shape>
+          <dgm:presOf/>
+          <dgm:constrLst/>
+          <dgm:ruleLst/>
+        </dgm:layoutNode>
+      </dgm:forEach>
+    </dgm:forEach>
+  </dgm:layoutNode>
+</dgm:layoutDef>
+</file>
+
 <file path=ppt/diagrams/quickStyle1.xml><?xml version="1.0" encoding="utf-8"?>
+<dgm:styleDef xmlns:dgm="http://schemas.openxmlformats.org/drawingml/2006/diagram" xmlns:a="http://schemas.openxmlformats.org/drawingml/2006/main" uniqueId="urn:microsoft.com/office/officeart/2005/8/quickstyle/simple1">
+  <dgm:title val=""/>
+  <dgm:desc val=""/>
+  <dgm:catLst>
+    <dgm:cat type="simple" pri="10100"/>
+  </dgm:catLst>
+  <dgm:scene3d>
+    <a:camera prst="orthographicFront"/>
+    <a:lightRig rig="threePt" dir="t"/>
+  </dgm:scene3d>
+  <dgm:styleLbl name="node0">
+    <dgm:scene3d>
+      <a:camera prst="orthographicFront"/>
+      <a:lightRig rig="threePt" dir="t"/>
+    </dgm:scene3d>
+    <dgm:sp3d/>
+    <dgm:txPr/>
+    <dgm:style>
+      <a:lnRef idx="2">
+        <a:scrgbClr r="0" g="0" b="0"/>
+      </a:lnRef>
+      <a:fillRef idx="1">
+        <a:scrgbClr r="0" g="0" b="0"/>
+      </a:fillRef>
+      <a:effectRef idx="0">
+        <a:scrgbClr r="0" g="0" b="0"/>
+      </a:effectRef>
+      <a:fontRef idx="minor">
+        <a:schemeClr val="lt1"/>
+      </a:fontRef>
+    </dgm:style>
+  </dgm:styleLbl>
+  <dgm:styleLbl name="lnNode1">
+    <dgm:scene3d>
+      <a:camera prst="orthographicFront"/>
+      <a:lightRig rig="threePt" dir="t"/>
+    </dgm:scene3d>
+    <dgm:sp3d/>
+    <dgm:txPr/>
+    <dgm:style>
+      <a:lnRef idx="2">
+        <a:scrgbClr r="0" g="0" b="0"/>
+      </a:lnRef>
+      <a:fillRef idx="1">
+        <a:scrgbClr r="0" g="0" b="0"/>
+      </a:fillRef>
+      <a:effectRef idx="0">
+        <a:scrgbClr r="0" g="0" b="0"/>
+      </a:effectRef>
+      <a:fontRef idx="minor">
+        <a:schemeClr val="lt1"/>
+      </a:fontRef>
+    </dgm:style>
+  </dgm:styleLbl>
+  <dgm:styleLbl name="vennNode1">
+    <dgm:scene3d>
+      <a:camera prst="orthographicFront"/>
+      <a:lightRig rig="threePt" dir="t"/>
+    </dgm:scene3d>
+    <dgm:sp3d/>
+    <dgm:txPr/>
+    <dgm:style>
+      <a:lnRef idx="2">
+        <a:scrgbClr r="0" g="0" b="0"/>
+      </a:lnRef>
+      <a:fillRef idx="1">
+        <a:scrgbClr r="0" g="0" b="0"/>
+      </a:fillRef>
+      <a:effectRef idx="0">
+        <a:scrgbClr r="0" g="0" b="0"/>
+      </a:effectRef>
+      <a:fontRef idx="minor">
+        <a:schemeClr val="tx1"/>
+      </a:fontRef>
+    </dgm:style>
+  </dgm:styleLbl>
+  <dgm:styleLbl name="alignNode1">
+    <dgm:scene3d>
+      <a:camera prst="orthographicFront"/>
+      <a:lightRig rig="threePt" dir="t"/>
+    </dgm:scene3d>
+    <dgm:sp3d/>
+    <dgm:txPr/>
+    <dgm:style>
+      <a:lnRef idx="2">
+        <a:scrgbClr r="0" g="0" b="0"/>
+      </a:lnRef>
+      <a:fillRef idx="1">
+        <a:scrgbClr r="0" g="0" b="0"/>
+      </a:fillRef>
+      <a:effectRef idx="0">
+        <a:scrgbClr r="0" g="0" b="0"/>
+      </a:effectRef>
+      <a:fontRef idx="minor">
+        <a:schemeClr val="lt1"/>
+      </a:fontRef>
+    </dgm:style>
+  </dgm:styleLbl>
+  <dgm:styleLbl name="node1">
+    <dgm:scene3d>
+      <a:camera prst="orthographicFront"/>
+      <a:lightRig rig="threePt" dir="t"/>
+    </dgm:scene3d>
+    <dgm:sp3d/>
+    <dgm:txPr/>
+    <dgm:style>
+      <a:lnRef idx="2">
+        <a:scrgbClr r="0" g="0" b="0"/>
+      </a:lnRef>
+      <a:fillRef idx="1">
+        <a:scrgbClr r="0" g="0" b="0"/>
+      </a:fillRef>
+      <a:effectRef idx="0">
+        <a:scrgbClr r="0" g="0" b="0"/>
+      </a:effectRef>
+      <a:fontRef idx="minor">
+        <a:schemeClr val="lt1"/>
+      </a:fontRef>
+    </dgm:style>
+  </dgm:styleLbl>
+  <dgm:styleLbl name="node2">
+    <dgm:scene3d>
+      <a:camera prst="orthographicFront"/>
+      <a:lightRig rig="threePt" dir="t"/>
+    </dgm:scene3d>
+    <dgm:sp3d/>
+    <dgm:txPr/>
+    <dgm:style>
+      <a:lnRef idx="2">
+        <a:scrgbClr r="0" g="0" b="0"/>
+      </a:lnRef>
+      <a:fillRef idx="1">
+        <a:scrgbClr r="0" g="0" b="0"/>
+      </a:fillRef>
+      <a:effectRef idx="0">
+        <a:scrgbClr r="0" g="0" b="0"/>
+      </a:effectRef>
+      <a:fontRef idx="minor">
+        <a:schemeClr val="lt1"/>
+      </a:fontRef>
+    </dgm:style>
+  </dgm:styleLbl>
+  <dgm:styleLbl name="node3">
+    <dgm:scene3d>
+      <a:camera prst="orthographicFront"/>
+      <a:lightRig rig="threePt" dir="t"/>
+    </dgm:scene3d>
+    <dgm:sp3d/>
+    <dgm:txPr/>
+    <dgm:style>
+      <a:lnRef idx="2">
+        <a:scrgbClr r="0" g="0" b="0"/>
+      </a:lnRef>
+      <a:fillRef idx="1">
+        <a:scrgbClr r="0" g="0" b="0"/>
+      </a:fillRef>
+      <a:effectRef idx="0">
+        <a:scrgbClr r="0" g="0" b="0"/>
+      </a:effectRef>
+      <a:fontRef idx="minor">
+        <a:schemeClr val="lt1"/>
+      </a:fontRef>
+    </dgm:style>
+  </dgm:styleLbl>
+  <dgm:styleLbl name="node4">
+    <dgm:scene3d>
+      <a:camera prst="orthographicFront"/>
+      <a:lightRig rig="threePt" dir="t"/>
+    </dgm:scene3d>
+    <dgm:sp3d/>
+    <dgm:txPr/>
+    <dgm:style>
+      <a:lnRef idx="2">
+        <a:scrgbClr r="0" g="0" b="0"/>
+      </a:lnRef>
+      <a:fillRef idx="1">
+        <a:scrgbClr r="0" g="0" b="0"/>
+      </a:fillRef>
+      <a:effectRef idx="0">
+        <a:scrgbClr r="0" g="0" b="0"/>
+      </a:effectRef>
+      <a:fontRef idx="minor">
+        <a:schemeClr val="lt1"/>
+      </a:fontRef>
+    </dgm:style>
+  </dgm:styleLbl>
+  <dgm:styleLbl name="fgImgPlace1">
+    <dgm:scene3d>
+      <a:camera prst="orthographicFront"/>
+      <a:lightRig rig="threePt" dir="t"/>
+    </dgm:scene3d>
+    <dgm:sp3d/>
+    <dgm:txPr/>
+    <dgm:style>
+      <a:lnRef idx="2">
+        <a:scrgbClr r="0" g="0" b="0"/>
+      </a:lnRef>
+      <a:fillRef idx="1">
+        <a:scrgbClr r="0" g="0" b="0"/>
+      </a:fillRef>
+      <a:effectRef idx="0">
+        <a:scrgbClr r="0" g="0" b="0"/>
+      </a:effectRef>
+      <a:fontRef idx="minor"/>
+    </dgm:style>
+  </dgm:styleLbl>
+  <dgm:styleLbl name="alignImgPlace1">
+    <dgm:scene3d>
+      <a:camera prst="orthographicFront"/>
+      <a:lightRig rig="threePt" dir="t"/>
+    </dgm:scene3d>
+    <dgm:sp3d/>
+    <dgm:txPr/>
+    <dgm:style>
+      <a:lnRef idx="2">
+        <a:scrgbClr r="0" g="0" b="0"/>
+      </a:lnRef>
+      <a:fillRef idx="1">
+        <a:scrgbClr r="0" g="0" b="0"/>
+      </a:fillRef>
+      <a:effectRef idx="0">
+        <a:scrgbClr r="0" g="0" b="0"/>
+      </a:effectRef>
+      <a:fontRef idx="minor"/>
+    </dgm:style>
+  </dgm:styleLbl>
+  <dgm:styleLbl name="bgImgPlace1">
+    <dgm:scene3d>
+      <a:camera prst="orthographicFront"/>
+      <a:lightRig rig="threePt" dir="t"/>
+    </dgm:scene3d>
+    <dgm:sp3d/>
+    <dgm:txPr/>
+    <dgm:style>
+      <a:lnRef idx="2">
+        <a:scrgbClr r="0" g="0" b="0"/>
+      </a:lnRef>
+      <a:fillRef idx="1">
+        <a:scrgbClr r="0" g="0" b="0"/>
+      </a:fillRef>
+      <a:effectRef idx="0">
+        <a:scrgbClr r="0" g="0" b="0"/>
+      </a:effectRef>
+      <a:fontRef idx="minor"/>
+    </dgm:style>
+  </dgm:styleLbl>
+  <dgm:styleLbl name="sibTrans2D1">
+    <dgm:scene3d>
+      <a:camera prst="orthographicFront"/>
+      <a:lightRig rig="threePt" dir="t"/>
+    </dgm:scene3d>
+    <dgm:sp3d/>
+    <dgm:txPr/>
+    <dgm:style>
+      <a:lnRef idx="0">
+        <a:scrgbClr r="0" g="0" b="0"/>
+      </a:lnRef>
+      <a:fillRef idx="1">
+        <a:scrgbClr r="0" g="0" b="0"/>
+      </a:fillRef>
+      <a:effectRef idx="0">
+        <a:scrgbClr r="0" g="0" b="0"/>
+      </a:effectRef>
+      <a:fontRef idx="minor">
+        <a:schemeClr val="lt1"/>
+      </a:fontRef>
+    </dgm:style>
+  </dgm:styleLbl>
+  <dgm:styleLbl name="fgSibTrans2D1">
+    <dgm:scene3d>
+      <a:camera prst="orthographicFront"/>
+      <a:lightRig rig="threePt" dir="t"/>
+    </dgm:scene3d>
+    <dgm:sp3d/>
+    <dgm:txPr/>
+    <dgm:style>
+      <a:lnRef idx="0">
+        <a:scrgbClr r="0" g="0" b="0"/>
+      </a:lnRef>
+      <a:fillRef idx="1">
+        <a:scrgbClr r="0" g="0" b="0"/>
+      </a:fillRef>
+      <a:effectRef idx="0">
+        <a:scrgbClr r="0" g="0" b="0"/>
+      </a:effectRef>
+      <a:fontRef idx="minor">
+        <a:schemeClr val="lt1"/>
+      </a:fontRef>
+    </dgm:style>
+  </dgm:styleLbl>
+  <dgm:styleLbl name="bgSibTrans2D1">
+    <dgm:scene3d>
+      <a:camera prst="orthographicFront"/>
+      <a:lightRig rig="threePt" dir="t"/>
+    </dgm:scene3d>
+    <dgm:sp3d/>
+    <dgm:txPr/>
+    <dgm:style>
+      <a:lnRef idx="0">
+        <a:scrgbClr r="0" g="0" b="0"/>
+      </a:lnRef>
+      <a:fillRef idx="1">
+        <a:scrgbClr r="0" g="0" b="0"/>
+      </a:fillRef>
+      <a:effectRef idx="0">
+        <a:scrgbClr r="0" g="0" b="0"/>
+      </a:effectRef>
+      <a:fontRef idx="minor">
+        <a:schemeClr val="lt1"/>
+      </a:fontRef>
+    </dgm:style>
+  </dgm:styleLbl>
+  <dgm:styleLbl name="sibTrans1D1">
+    <dgm:scene3d>
+      <a:camera prst="orthographicFront"/>
+      <a:lightRig rig="threePt" dir="t"/>
+    </dgm:scene3d>
+    <dgm:sp3d/>
+    <dgm:txPr/>
+    <dgm:style>
+      <a:lnRef idx="1">
+        <a:scrgbClr r="0" g="0" b="0"/>
+      </a:lnRef>
+      <a:fillRef idx="0">
+        <a:scrgbClr r="0" g="0" b="0"/>
+      </a:fillRef>
+      <a:effectRef idx="0">
+        <a:scrgbClr r="0" g="0" b="0"/>
+      </a:effectRef>
+      <a:fontRef idx="minor"/>
+    </dgm:style>
+  </dgm:styleLbl>
+  <dgm:styleLbl name="callout">
+    <dgm:scene3d>
+      <a:camera prst="orthographicFront"/>
+      <a:lightRig rig="threePt" dir="t"/>
+    </dgm:scene3d>
+    <dgm:sp3d/>
+    <dgm:txPr/>
+    <dgm:style>
+      <a:lnRef idx="2">
+        <a:scrgbClr r="0" g="0" b="0"/>
+      </a:lnRef>
+      <a:fillRef idx="1">
+        <a:scrgbClr r="0" g="0" b="0"/>
+      </a:fillRef>
+      <a:effectRef idx="0">
+        <a:scrgbClr r="0" g="0" b="0"/>
+      </a:effectRef>
+      <a:fontRef idx="minor"/>
+    </dgm:style>
+  </dgm:styleLbl>
+  <dgm:styleLbl name="asst0">
+    <dgm:scene3d>
+      <a:camera prst="orthographicFront"/>
+      <a:lightRig rig="threePt" dir="t"/>
+    </dgm:scene3d>
+    <dgm:sp3d/>
+    <dgm:txPr/>
+    <dgm:style>
+      <a:lnRef idx="2">
+        <a:scrgbClr r="0" g="0" b="0"/>
+      </a:lnRef>
+      <a:fillRef idx="1">
+        <a:scrgbClr r="0" g="0" b="0"/>
+      </a:fillRef>
+      <a:effectRef idx="0">
+        <a:scrgbClr r="0" g="0" b="0"/>
+      </a:effectRef>
+      <a:fontRef idx="minor">
+        <a:schemeClr val="lt1"/>
+      </a:fontRef>
+    </dgm:style>
+  </dgm:styleLbl>
+  <dgm:styleLbl name="asst1">
+    <dgm:scene3d>
+      <a:camera prst="orthographicFront"/>
+      <a:lightRig rig="threePt" dir="t"/>
+    </dgm:scene3d>
+    <dgm:sp3d/>
+    <dgm:txPr/>
+    <dgm:style>
+      <a:lnRef idx="2">
+        <a:scrgbClr r="0" g="0" b="0"/>
+      </a:lnRef>
+      <a:fillRef idx="1">
+        <a:scrgbClr r="0" g="0" b="0"/>
+      </a:fillRef>
+      <a:effectRef idx="0">
+        <a:scrgbClr r="0" g="0" b="0"/>
+      </a:effectRef>
+      <a:fontRef idx="minor">
+        <a:schemeClr val="lt1"/>
+      </a:fontRef>
+    </dgm:style>
+  </dgm:styleLbl>
+  <dgm:styleLbl name="asst2">
+    <dgm:scene3d>
+      <a:camera prst="orthographicFront"/>
+      <a:lightRig rig="threePt" dir="t"/>
+    </dgm:scene3d>
+    <dgm:sp3d/>
+    <dgm:txPr/>
+    <dgm:style>
+      <a:lnRef idx="2">
+        <a:scrgbClr r="0" g="0" b="0"/>
+      </a:lnRef>
+      <a:fillRef idx="1">
+        <a:scrgbClr r="0" g="0" b="0"/>
+      </a:fillRef>
+      <a:effectRef idx="0">
+        <a:scrgbClr r="0" g="0" b="0"/>
+      </a:effectRef>
+      <a:fontRef idx="minor">
+        <a:schemeClr val="lt1"/>
+      </a:fontRef>
+    </dgm:style>
+  </dgm:styleLbl>
+  <dgm:styleLbl name="asst3">
+    <dgm:scene3d>
+      <a:camera prst="orthographicFront"/>
+      <a:lightRig rig="threePt" dir="t"/>
+    </dgm:scene3d>
+    <dgm:sp3d/>
+    <dgm:txPr/>
+    <dgm:style>
+      <a:lnRef idx="2">
+        <a:scrgbClr r="0" g="0" b="0"/>
+      </a:lnRef>
+      <a:fillRef idx="1">
+        <a:scrgbClr r="0" g="0" b="0"/>
+      </a:fillRef>
+      <a:effectRef idx="0">
+        <a:scrgbClr r="0" g="0" b="0"/>
+      </a:effectRef>
+      <a:fontRef idx="minor">
+        <a:schemeClr val="lt1"/>
+      </a:fontRef>
+    </dgm:style>
+  </dgm:styleLbl>
+  <dgm:styleLbl name="asst4">
+    <dgm:scene3d>
+      <a:camera prst="orthographicFront"/>
+      <a:lightRig rig="threePt" dir="t"/>
+    </dgm:scene3d>
+    <dgm:sp3d/>
+    <dgm:txPr/>
+    <dgm:style>
+      <a:lnRef idx="2">
+        <a:scrgbClr r="0" g="0" b="0"/>
+      </a:lnRef>
+      <a:fillRef idx="1">
+        <a:scrgbClr r="0" g="0" b="0"/>
+      </a:fillRef>
+      <a:effectRef idx="0">
+        <a:scrgbClr r="0" g="0" b="0"/>
+      </a:effectRef>
+      <a:fontRef idx="minor">
+        <a:schemeClr val="lt1"/>
+      </a:fontRef>
+    </dgm:style>
+  </dgm:styleLbl>
+  <dgm:styleLbl name="parChTrans2D1">
+    <dgm:scene3d>
+      <a:camera prst="orthographicFront"/>
+      <a:lightRig rig="threePt" dir="t"/>
+    </dgm:scene3d>
+    <dgm:sp3d/>
+    <dgm:txPr/>
+    <dgm:style>
+      <a:lnRef idx="2">
+        <a:scrgbClr r="0" g="0" b="0"/>
+      </a:lnRef>
+      <a:fillRef idx="1">
+        <a:scrgbClr r="0" g="0" b="0"/>
+      </a:fillRef>
+      <a:effectRef idx="0">
+        <a:scrgbClr r="0" g="0" b="0"/>
+      </a:effectRef>
+      <a:fontRef idx="minor">
+        <a:schemeClr val="lt1"/>
+      </a:fontRef>
+    </dgm:style>
+  </dgm:styleLbl>
+  <dgm:styleLbl name="parChTrans2D2">
+    <dgm:scene3d>
+      <a:camera prst="orthographicFront"/>
+      <a:lightRig rig="threePt" dir="t"/>
+    </dgm:scene3d>
+    <dgm:sp3d/>
+    <dgm:txPr/>
+    <dgm:style>
+      <a:lnRef idx="2">
+        <a:scrgbClr r="0" g="0" b="0"/>
+      </a:lnRef>
+      <a:fillRef idx="1">
+        <a:scrgbClr r="0" g="0" b="0"/>
+      </a:fillRef>
+      <a:effectRef idx="0">
+        <a:scrgbClr r="0" g="0" b="0"/>
+      </a:effectRef>
+      <a:fontRef idx="minor">
+        <a:schemeClr val="lt1"/>
+      </a:fontRef>
+    </dgm:style>
+  </dgm:styleLbl>
+  <dgm:styleLbl name="parChTrans2D3">
+    <dgm:scene3d>
+      <a:camera prst="orthographicFront"/>
+      <a:lightRig rig="threePt" dir="t"/>
+    </dgm:scene3d>
+    <dgm:sp3d/>
+    <dgm:txPr/>
+    <dgm:style>
+      <a:lnRef idx="2">
+        <a:scrgbClr r="0" g="0" b="0"/>
+      </a:lnRef>
+      <a:fillRef idx="1">
+        <a:scrgbClr r="0" g="0" b="0"/>
+      </a:fillRef>
+      <a:effectRef idx="0">
+        <a:scrgbClr r="0" g="0" b="0"/>
+      </a:effectRef>
+      <a:fontRef idx="minor">
+        <a:schemeClr val="lt1"/>
+      </a:fontRef>
+    </dgm:style>
+  </dgm:styleLbl>
+  <dgm:styleLbl name="parChTrans2D4">
+    <dgm:scene3d>
+      <a:camera prst="orthographicFront"/>
+      <a:lightRig rig="threePt" dir="t"/>
+    </dgm:scene3d>
+    <dgm:sp3d/>
+    <dgm:txPr/>
+    <dgm:style>
+      <a:lnRef idx="2">
+        <a:scrgbClr r="0" g="0" b="0"/>
+      </a:lnRef>
+      <a:fillRef idx="1">
+        <a:scrgbClr r="0" g="0" b="0"/>
+      </a:fillRef>
+      <a:effectRef idx="0">
+        <a:scrgbClr r="0" g="0" b="0"/>
+      </a:effectRef>
+      <a:fontRef idx="minor">
+        <a:schemeClr val="lt1"/>
+      </a:fontRef>
+    </dgm:style>
+  </dgm:styleLbl>
+  <dgm:styleLbl name="parChTrans1D1">
+    <dgm:scene3d>
+      <a:camera prst="orthographicFront"/>
+      <a:lightRig rig="threePt" dir="t"/>
+    </dgm:scene3d>
+    <dgm:sp3d/>
+    <dgm:txPr/>
+    <dgm:style>
+      <a:lnRef idx="2">
+        <a:scrgbClr r="0" g="0" b="0"/>
+      </a:lnRef>
+      <a:fillRef idx="0">
+        <a:scrgbClr r="0" g="0" b="0"/>
+      </a:fillRef>
+      <a:effectRef idx="0">
+        <a:scrgbClr r="0" g="0" b="0"/>
+      </a:effectRef>
+      <a:fontRef idx="minor"/>
+    </dgm:style>
+  </dgm:styleLbl>
+  <dgm:styleLbl name="parChTrans1D2">
+    <dgm:scene3d>
+      <a:camera prst="orthographicFront"/>
+      <a:lightRig rig="threePt" dir="t"/>
+    </dgm:scene3d>
+    <dgm:sp3d/>
+    <dgm:txPr/>
+    <dgm:style>
+      <a:lnRef idx="2">
+        <a:scrgbClr r="0" g="0" b="0"/>
+      </a:lnRef>
+      <a:fillRef idx="0">
+        <a:scrgbClr r="0" g="0" b="0"/>
+      </a:fillRef>
+      <a:effectRef idx="0">
+        <a:scrgbClr r="0" g="0" b="0"/>
+      </a:effectRef>
+      <a:fontRef idx="minor"/>
+    </dgm:style>
+  </dgm:styleLbl>
+  <dgm:styleLbl name="parChTrans1D3">
+    <dgm:scene3d>
+      <a:camera prst="orthographicFront"/>
+      <a:lightRig rig="threePt" dir="t"/>
+    </dgm:scene3d>
+    <dgm:sp3d/>
+    <dgm:txPr/>
+    <dgm:style>
+      <a:lnRef idx="2">
+        <a:scrgbClr r="0" g="0" b="0"/>
+      </a:lnRef>
+      <a:fillRef idx="0">
+        <a:scrgbClr r="0" g="0" b="0"/>
+      </a:fillRef>
+      <a:effectRef idx="0">
+        <a:scrgbClr r="0" g="0" b="0"/>
+      </a:effectRef>
+      <a:fontRef idx="minor"/>
+    </dgm:style>
+  </dgm:styleLbl>
+  <dgm:styleLbl name="parChTrans1D4">
+    <dgm:scene3d>
+      <a:camera prst="orthographicFront"/>
+      <a:lightRig rig="threePt" dir="t"/>
+    </dgm:scene3d>
+    <dgm:sp3d/>
+    <dgm:txPr/>
+    <dgm:style>
+      <a:lnRef idx="2">
+        <a:scrgbClr r="0" g="0" b="0"/>
+      </a:lnRef>
+      <a:fillRef idx="0">
+        <a:scrgbClr r="0" g="0" b="0"/>
+      </a:fillRef>
+      <a:effectRef idx="0">
+        <a:scrgbClr r="0" g="0" b="0"/>
+      </a:effectRef>
+      <a:fontRef idx="minor"/>
+    </dgm:style>
+  </dgm:styleLbl>
+  <dgm:styleLbl name="fgAcc1">
+    <dgm:scene3d>
+      <a:camera prst="orthographicFront"/>
+      <a:lightRig rig="threePt" dir="t"/>
+    </dgm:scene3d>
+    <dgm:sp3d/>
+    <dgm:txPr/>
+    <dgm:style>
+      <a:lnRef idx="2">
+        <a:scrgbClr r="0" g="0" b="0"/>
+      </a:lnRef>
+      <a:fillRef idx="1">
+        <a:scrgbClr r="0" g="0" b="0"/>
+      </a:fillRef>
+      <a:effectRef idx="0">
+        <a:scrgbClr r="0" g="0" b="0"/>
+      </a:effectRef>
+      <a:fontRef idx="minor"/>
+    </dgm:style>
+  </dgm:styleLbl>
+  <dgm:styleLbl name="conFgAcc1">
+    <dgm:scene3d>
+      <a:camera prst="orthographicFront"/>
+      <a:lightRig rig="threePt" dir="t"/>
+    </dgm:scene3d>
+    <dgm:sp3d/>
+    <dgm:txPr/>
+    <dgm:style>
+      <a:lnRef idx="2">
+        <a:scrgbClr r="0" g="0" b="0"/>
+      </a:lnRef>
+      <a:fillRef idx="1">
+        <a:scrgbClr r="0" g="0" b="0"/>
+      </a:fillRef>
+      <a:effectRef idx="0">
+        <a:scrgbClr r="0" g="0" b="0"/>
+      </a:effectRef>
+      <a:fontRef idx="minor"/>
+    </dgm:style>
+  </dgm:styleLbl>
+  <dgm:styleLbl name="alignAcc1">
+    <dgm:scene3d>
+      <a:camera prst="orthographicFront"/>
+      <a:lightRig rig="threePt" dir="t"/>
+    </dgm:scene3d>
+    <dgm:sp3d/>
+    <dgm:txPr/>
+    <dgm:style>
+      <a:lnRef idx="2">
+        <a:scrgbClr r="0" g="0" b="0"/>
+      </a:lnRef>
+      <a:fillRef idx="1">
+        <a:scrgbClr r="0" g="0" b="0"/>
+      </a:fillRef>
+      <a:effectRef idx="0">
+        <a:scrgbClr r="0" g="0" b="0"/>
+      </a:effectRef>
+      <a:fontRef idx="minor"/>
+    </dgm:style>
+  </dgm:styleLbl>
+  <dgm:styleLbl name="trAlignAcc1">
+    <dgm:scene3d>
+      <a:camera prst="orthographicFront"/>
+      <a:lightRig rig="threePt" dir="t"/>
+    </dgm:scene3d>
+    <dgm:sp3d/>
+    <dgm:txPr/>
+    <dgm:style>
+      <a:lnRef idx="1">
+        <a:scrgbClr r="0" g="0" b="0"/>
+      </a:lnRef>
+      <a:fillRef idx="1">
+        <a:scrgbClr r="0" g="0" b="0"/>
+      </a:fillRef>
+      <a:effectRef idx="0">
+        <a:scrgbClr r="0" g="0" b="0"/>
+      </a:effectRef>
+      <a:fontRef idx="minor"/>
+    </dgm:style>
+  </dgm:styleLbl>
+  <dgm:styleLbl name="bgAcc1">
+    <dgm:scene3d>
+      <a:camera prst="orthographicFront"/>
+      <a:lightRig rig="threePt" dir="t"/>
+    </dgm:scene3d>
+    <dgm:sp3d/>
+    <dgm:txPr/>
+    <dgm:style>
+      <a:lnRef idx="2">
+        <a:scrgbClr r="0" g="0" b="0"/>
+      </a:lnRef>
+      <a:fillRef idx="1">
+        <a:scrgbClr r="0" g="0" b="0"/>
+      </a:fillRef>
+      <a:effectRef idx="0">
+        <a:scrgbClr r="0" g="0" b="0"/>
+      </a:effectRef>
+      <a:fontRef idx="minor"/>
+    </dgm:style>
+  </dgm:styleLbl>
+  <dgm:styleLbl name="solidFgAcc1">
+    <dgm:scene3d>
+      <a:camera prst="orthographicFront"/>
+      <a:lightRig rig="threePt" dir="t"/>
+    </dgm:scene3d>
+    <dgm:sp3d/>
+    <dgm:txPr/>
+    <dgm:style>
+      <a:lnRef idx="2">
+        <a:scrgbClr r="0" g="0" b="0"/>
+      </a:lnRef>
+      <a:fillRef idx="1">
+        <a:scrgbClr r="0" g="0" b="0"/>
+      </a:fillRef>
+      <a:effectRef idx="0">
+        <a:scrgbClr r="0" g="0" b="0"/>
+      </a:effectRef>
+      <a:fontRef idx="minor"/>
+    </dgm:style>
+  </dgm:styleLbl>
+  <dgm:styleLbl name="solidAlignAcc1">
+    <dgm:scene3d>
+      <a:camera prst="orthographicFront"/>
+      <a:lightRig rig="threePt" dir="t"/>
+    </dgm:scene3d>
+    <dgm:sp3d/>
+    <dgm:txPr/>
+    <dgm:style>
+      <a:lnRef idx="2">
+        <a:scrgbClr r="0" g="0" b="0"/>
+      </a:lnRef>
+      <a:fillRef idx="1">
+        <a:scrgbClr r="0" g="0" b="0"/>
+      </a:fillRef>
+      <a:effectRef idx="0">
+        <a:scrgbClr r="0" g="0" b="0"/>
+      </a:effectRef>
+      <a:fontRef idx="minor"/>
+    </dgm:style>
+  </dgm:styleLbl>
+  <dgm:styleLbl name="solidBgAcc1">
+    <dgm:scene3d>
+      <a:camera prst="orthographicFront"/>
+      <a:lightRig rig="threePt" dir="t"/>
+    </dgm:scene3d>
+    <dgm:sp3d/>
+    <dgm:txPr/>
+    <dgm:style>
+      <a:lnRef idx="2">
+        <a:scrgbClr r="0" g="0" b="0"/>
+      </a:lnRef>
+      <a:fillRef idx="1">
+        <a:scrgbClr r="0" g="0" b="0"/>
+      </a:fillRef>
+      <a:effectRef idx="0">
+        <a:scrgbClr r="0" g="0" b="0"/>
+      </a:effectRef>
+      <a:fontRef idx="minor"/>
+    </dgm:style>
+  </dgm:styleLbl>
+  <dgm:styleLbl name="fgAccFollowNode1">
+    <dgm:scene3d>
+      <a:camera prst="orthographicFront"/>
+      <a:lightRig rig="threePt" dir="t"/>
+    </dgm:scene3d>
+    <dgm:sp3d/>
+    <dgm:txPr/>
+    <dgm:style>
+      <a:lnRef idx="2">
+        <a:scrgbClr r="0" g="0" b="0"/>
+      </a:lnRef>
+      <a:fillRef idx="1">
+        <a:scrgbClr r="0" g="0" b="0"/>
+      </a:fillRef>
+      <a:effectRef idx="0">
+        <a:scrgbClr r="0" g="0" b="0"/>
+      </a:effectRef>
+      <a:fontRef idx="minor"/>
+    </dgm:style>
+  </dgm:styleLbl>
+  <dgm:styleLbl name="alignAccFollowNode1">
+    <dgm:scene3d>
+      <a:camera prst="orthographicFront"/>
+      <a:lightRig rig="threePt" dir="t"/>
+    </dgm:scene3d>
+    <dgm:sp3d/>
+    <dgm:txPr/>
+    <dgm:style>
+      <a:lnRef idx="2">
+        <a:scrgbClr r="0" g="0" b="0"/>
+      </a:lnRef>
+      <a:fillRef idx="1">
+        <a:scrgbClr r="0" g="0" b="0"/>
+      </a:fillRef>
+      <a:effectRef idx="0">
+        <a:scrgbClr r="0" g="0" b="0"/>
+      </a:effectRef>
+      <a:fontRef idx="minor"/>
+    </dgm:style>
+  </dgm:styleLbl>
+  <dgm:styleLbl name="bgAccFollowNode1">
+    <dgm:scene3d>
+      <a:camera prst="orthographicFront"/>
+      <a:lightRig rig="threePt" dir="t"/>
+    </dgm:scene3d>
+    <dgm:sp3d/>
+    <dgm:txPr/>
+    <dgm:style>
+      <a:lnRef idx="2">
+        <a:scrgbClr r="0" g="0" b="0"/>
+      </a:lnRef>
+      <a:fillRef idx="1">
+        <a:scrgbClr r="0" g="0" b="0"/>
+      </a:fillRef>
+      <a:effectRef idx="0">
+        <a:scrgbClr r="0" g="0" b="0"/>
+      </a:effectRef>
+      <a:fontRef idx="minor"/>
+    </dgm:style>
+  </dgm:styleLbl>
+  <dgm:styleLbl name="fgAcc0">
+    <dgm:scene3d>
+      <a:camera prst="orthographicFront"/>
+      <a:lightRig rig="threePt" dir="t"/>
+    </dgm:scene3d>
+    <dgm:sp3d/>
+    <dgm:txPr/>
+    <dgm:style>
+      <a:lnRef idx="2">
+        <a:scrgbClr r="0" g="0" b="0"/>
+      </a:lnRef>
+      <a:fillRef idx="1">
+        <a:scrgbClr r="0" g="0" b="0"/>
+      </a:fillRef>
+      <a:effectRef idx="0">
+        <a:scrgbClr r="0" g="0" b="0"/>
+      </a:effectRef>
+      <a:fontRef idx="minor"/>
+    </dgm:style>
+  </dgm:styleLbl>
+  <dgm:styleLbl name="fgAcc2">
+    <dgm:scene3d>
+      <a:camera prst="orthographicFront"/>
+      <a:lightRig rig="threePt" dir="t"/>
+    </dgm:scene3d>
+    <dgm:sp3d/>
+    <dgm:txPr/>
+    <dgm:style>
+      <a:lnRef idx="2">
+        <a:scrgbClr r="0" g="0" b="0"/>
+      </a:lnRef>
+      <a:fillRef idx="1">
+        <a:scrgbClr r="0" g="0" b="0"/>
+      </a:fillRef>
+      <a:effectRef idx="0">
+        <a:scrgbClr r="0" g="0" b="0"/>
+      </a:effectRef>
+      <a:fontRef idx="minor"/>
+    </dgm:style>
+  </dgm:styleLbl>
+  <dgm:styleLbl name="fgAcc3">
+    <dgm:scene3d>
+      <a:camera prst="orthographicFront"/>
+      <a:lightRig rig="threePt" dir="t"/>
+    </dgm:scene3d>
+    <dgm:sp3d/>
+    <dgm:txPr/>
+    <dgm:style>
+      <a:lnRef idx="2">
+        <a:scrgbClr r="0" g="0" b="0"/>
+      </a:lnRef>
+      <a:fillRef idx="1">
+        <a:scrgbClr r="0" g="0" b="0"/>
+      </a:fillRef>
+      <a:effectRef idx="0">
+        <a:scrgbClr r="0" g="0" b="0"/>
+      </a:effectRef>
+      <a:fontRef idx="minor"/>
+    </dgm:style>
+  </dgm:styleLbl>
+  <dgm:styleLbl name="fgAcc4">
+    <dgm:scene3d>
+      <a:camera prst="orthographicFront"/>
+      <a:lightRig rig="threePt" dir="t"/>
+    </dgm:scene3d>
+    <dgm:sp3d/>
+    <dgm:txPr/>
+    <dgm:style>
+      <a:lnRef idx="2">
+        <a:scrgbClr r="0" g="0" b="0"/>
+      </a:lnRef>
+      <a:fillRef idx="1">
+        <a:scrgbClr r="0" g="0" b="0"/>
+      </a:fillRef>
+      <a:effectRef idx="0">
+        <a:scrgbClr r="0" g="0" b="0"/>
+      </a:effectRef>
+      <a:fontRef idx="minor"/>
+    </dgm:style>
+  </dgm:styleLbl>
+  <dgm:styleLbl name="bgShp">
+    <dgm:scene3d>
+      <a:camera prst="orthographicFront"/>
+      <a:lightRig rig="threePt" dir="t"/>
+    </dgm:scene3d>
+    <dgm:sp3d/>
+    <dgm:txPr/>
+    <dgm:style>
+      <a:lnRef idx="0">
+        <a:scrgbClr r="0" g="0" b="0"/>
+      </a:lnRef>
+      <a:fillRef idx="1">
+        <a:scrgbClr r="0" g="0" b="0"/>
+      </a:fillRef>
+      <a:effectRef idx="0">
+        <a:scrgbClr r="0" g="0" b="0"/>
+      </a:effectRef>
+      <a:fontRef idx="minor"/>
+    </dgm:style>
+  </dgm:styleLbl>
+  <dgm:styleLbl name="dkBgShp">
+    <dgm:scene3d>
+      <a:camera prst="orthographicFront"/>
+      <a:lightRig rig="threePt" dir="t"/>
+    </dgm:scene3d>
+    <dgm:sp3d/>
+    <dgm:txPr/>
+    <dgm:style>
+      <a:lnRef idx="0">
+        <a:scrgbClr r="0" g="0" b="0"/>
+      </a:lnRef>
+      <a:fillRef idx="1">
+        <a:scrgbClr r="0" g="0" b="0"/>
+      </a:fillRef>
+      <a:effectRef idx="0">
+        <a:scrgbClr r="0" g="0" b="0"/>
+      </a:effectRef>
+      <a:fontRef idx="minor"/>
+    </dgm:style>
+  </dgm:styleLbl>
+  <dgm:styleLbl name="trBgShp">
+    <dgm:scene3d>
+      <a:camera prst="orthographicFront"/>
+      <a:lightRig rig="threePt" dir="t"/>
+    </dgm:scene3d>
+    <dgm:sp3d/>
+    <dgm:txPr/>
+    <dgm:style>
+      <a:lnRef idx="0">
+        <a:scrgbClr r="0" g="0" b="0"/>
+      </a:lnRef>
+      <a:fillRef idx="1">
+        <a:scrgbClr r="0" g="0" b="0"/>
+      </a:fillRef>
+      <a:effectRef idx="0">
+        <a:scrgbClr r="0" g="0" b="0"/>
+      </a:effectRef>
+      <a:fontRef idx="minor"/>
+    </dgm:style>
+  </dgm:styleLbl>
+  <dgm:styleLbl name="fgShp">
+    <dgm:scene3d>
+      <a:camera prst="orthographicFront"/>
+      <a:lightRig rig="threePt" dir="t"/>
+    </dgm:scene3d>
+    <dgm:sp3d/>
+    <dgm:txPr/>
+    <dgm:style>
+      <a:lnRef idx="2">
+        <a:scrgbClr r="0" g="0" b="0"/>
+      </a:lnRef>
+      <a:fillRef idx="1">
+        <a:scrgbClr r="0" g="0" b="0"/>
+      </a:fillRef>
+      <a:effectRef idx="0">
+        <a:scrgbClr r="0" g="0" b="0"/>
+      </a:effectRef>
+      <a:fontRef idx="minor"/>
+    </dgm:style>
+  </dgm:styleLbl>
+  <dgm:styleLbl name="revTx">
+    <dgm:scene3d>
+      <a:camera prst="orthographicFront"/>
+      <a:lightRig rig="threePt" dir="t"/>
+    </dgm:scene3d>
+    <dgm:sp3d/>
+    <dgm:txPr/>
+    <dgm:style>
+      <a:lnRef idx="0">
+        <a:scrgbClr r="0" g="0" b="0"/>
+      </a:lnRef>
+      <a:fillRef idx="0">
+        <a:scrgbClr r="0" g="0" b="0"/>
+      </a:fillRef>
+      <a:effectRef idx="0">
+        <a:scrgbClr r="0" g="0" b="0"/>
+      </a:effectRef>
+      <a:fontRef idx="minor"/>
+    </dgm:style>
+  </dgm:styleLbl>
+</dgm:styleDef>
+</file>
+
+<file path=ppt/diagrams/quickStyle2.xml><?xml version="1.0" encoding="utf-8"?>
 <dgm:styleDef xmlns:dgm="http://schemas.openxmlformats.org/drawingml/2006/diagram" xmlns:a="http://schemas.openxmlformats.org/drawingml/2006/main" uniqueId="urn:microsoft.com/office/officeart/2005/8/quickstyle/simple1">
   <dgm:title val=""/>
   <dgm:desc val=""/>
@@ -6196,7 +9294,7 @@
             </a:pPr>
             <a:fld id="{00000000-1234-1234-1234-123412341234}" type="slidenum">
               <a:rPr lang="de-DE"/>
-              <a:t>6</a:t>
+              <a:t>8</a:t>
             </a:fld>
             <a:endParaRPr/>
           </a:p>
@@ -6352,7 +9450,7 @@
             </a:pPr>
             <a:fld id="{00000000-1234-1234-1234-123412341234}" type="slidenum">
               <a:rPr lang="de-DE"/>
-              <a:t>7</a:t>
+              <a:t>12</a:t>
             </a:fld>
             <a:endParaRPr/>
           </a:p>
@@ -6508,7 +9606,7 @@
             </a:pPr>
             <a:fld id="{00000000-1234-1234-1234-123412341234}" type="slidenum">
               <a:rPr lang="de-DE"/>
-              <a:t>9</a:t>
+              <a:t>14</a:t>
             </a:fld>
             <a:endParaRPr/>
           </a:p>
@@ -6664,7 +9762,7 @@
             </a:pPr>
             <a:fld id="{00000000-1234-1234-1234-123412341234}" type="slidenum">
               <a:rPr lang="de-DE"/>
-              <a:t>10</a:t>
+              <a:t>15</a:t>
             </a:fld>
             <a:endParaRPr/>
           </a:p>
@@ -12112,6 +15210,540 @@
 </file>
 
 <file path=ppt/slides/slide10.xml><?xml version="1.0" encoding="utf-8"?>
+<p:sld xmlns:a="http://schemas.openxmlformats.org/drawingml/2006/main" xmlns:r="http://schemas.openxmlformats.org/officeDocument/2006/relationships" xmlns:p="http://schemas.openxmlformats.org/presentationml/2006/main">
+  <p:cSld>
+    <p:spTree>
+      <p:nvGrpSpPr>
+        <p:cNvPr id="1" name=""/>
+        <p:cNvGrpSpPr/>
+        <p:nvPr/>
+      </p:nvGrpSpPr>
+      <p:grpSpPr>
+        <a:xfrm>
+          <a:off x="0" y="0"/>
+          <a:ext cx="0" cy="0"/>
+          <a:chOff x="0" y="0"/>
+          <a:chExt cx="0" cy="0"/>
+        </a:xfrm>
+      </p:grpSpPr>
+      <p:sp>
+        <p:nvSpPr>
+          <p:cNvPr id="2" name="Textplatzhalter 1">
+            <a:extLst>
+              <a:ext uri="{FF2B5EF4-FFF2-40B4-BE49-F238E27FC236}">
+                <a16:creationId xmlns:a16="http://schemas.microsoft.com/office/drawing/2014/main" id="{B82797F9-4DAA-40CE-AAEF-A6A1108F7128}"/>
+              </a:ext>
+            </a:extLst>
+          </p:cNvPr>
+          <p:cNvSpPr>
+            <a:spLocks noGrp="1"/>
+          </p:cNvSpPr>
+          <p:nvPr>
+            <p:ph type="body" idx="1"/>
+          </p:nvPr>
+        </p:nvSpPr>
+        <p:spPr/>
+        <p:txBody>
+          <a:bodyPr/>
+          <a:lstStyle/>
+          <a:p>
+            <a:endParaRPr lang="de-DE"/>
+          </a:p>
+        </p:txBody>
+      </p:sp>
+      <p:sp>
+        <p:nvSpPr>
+          <p:cNvPr id="3" name="Titel 2">
+            <a:extLst>
+              <a:ext uri="{FF2B5EF4-FFF2-40B4-BE49-F238E27FC236}">
+                <a16:creationId xmlns:a16="http://schemas.microsoft.com/office/drawing/2014/main" id="{83558EED-21CE-4793-8228-ADF50C5381E2}"/>
+              </a:ext>
+            </a:extLst>
+          </p:cNvPr>
+          <p:cNvSpPr>
+            <a:spLocks noGrp="1"/>
+          </p:cNvSpPr>
+          <p:nvPr>
+            <p:ph type="title"/>
+          </p:nvPr>
+        </p:nvSpPr>
+        <p:spPr/>
+        <p:txBody>
+          <a:bodyPr/>
+          <a:lstStyle/>
+          <a:p>
+            <a:r>
+              <a:rPr lang="de-DE" dirty="0"/>
+              <a:t>8. </a:t>
+            </a:r>
+            <a:r>
+              <a:rPr lang="de-DE" dirty="0" err="1"/>
+              <a:t>Discussion</a:t>
+            </a:r>
+            <a:endParaRPr lang="de-DE" dirty="0"/>
+          </a:p>
+        </p:txBody>
+      </p:sp>
+      <p:sp>
+        <p:nvSpPr>
+          <p:cNvPr id="4" name="Textfeld 3">
+            <a:extLst>
+              <a:ext uri="{FF2B5EF4-FFF2-40B4-BE49-F238E27FC236}">
+                <a16:creationId xmlns:a16="http://schemas.microsoft.com/office/drawing/2014/main" id="{7545C2AB-0EAF-4036-BB73-961D4AB6D619}"/>
+              </a:ext>
+            </a:extLst>
+          </p:cNvPr>
+          <p:cNvSpPr txBox="1"/>
+          <p:nvPr/>
+        </p:nvSpPr>
+        <p:spPr>
+          <a:xfrm>
+            <a:off x="566058" y="6629048"/>
+            <a:ext cx="12115800" cy="261610"/>
+          </a:xfrm>
+          <a:prstGeom prst="rect">
+            <a:avLst/>
+          </a:prstGeom>
+          <a:noFill/>
+        </p:spPr>
+        <p:txBody>
+          <a:bodyPr wrap="square" rtlCol="0">
+            <a:spAutoFit/>
+          </a:bodyPr>
+          <a:lstStyle/>
+          <a:p>
+            <a:r>
+              <a:rPr lang="de-DE" sz="1100" dirty="0"/>
+              <a:t>Motivation</a:t>
+            </a:r>
+            <a:r>
+              <a:rPr lang="de-DE" sz="1100" b="1" dirty="0"/>
+              <a:t> |</a:t>
+            </a:r>
+            <a:r>
+              <a:rPr lang="de-DE" sz="1100" dirty="0"/>
+              <a:t> </a:t>
+            </a:r>
+            <a:r>
+              <a:rPr lang="de-DE" sz="1100" dirty="0" err="1"/>
+              <a:t>Preliminaries</a:t>
+            </a:r>
+            <a:r>
+              <a:rPr lang="de-DE" sz="1100" dirty="0"/>
+              <a:t> </a:t>
+            </a:r>
+            <a:r>
+              <a:rPr lang="de-DE" sz="1100" b="1" dirty="0"/>
+              <a:t>|</a:t>
+            </a:r>
+            <a:r>
+              <a:rPr lang="de-DE" sz="1100" dirty="0"/>
+              <a:t> </a:t>
+            </a:r>
+            <a:r>
+              <a:rPr lang="de-DE" sz="1100" dirty="0" err="1"/>
+              <a:t>Methodology</a:t>
+            </a:r>
+            <a:r>
+              <a:rPr lang="de-DE" sz="1100" dirty="0"/>
+              <a:t> </a:t>
+            </a:r>
+            <a:r>
+              <a:rPr lang="de-DE" sz="1100" b="1" dirty="0"/>
+              <a:t>|</a:t>
+            </a:r>
+            <a:r>
+              <a:rPr lang="de-DE" sz="1100" dirty="0"/>
+              <a:t> </a:t>
+            </a:r>
+            <a:r>
+              <a:rPr lang="de-DE" sz="1100" dirty="0" err="1"/>
+              <a:t>Literature</a:t>
+            </a:r>
+            <a:r>
+              <a:rPr lang="de-DE" sz="1100" dirty="0"/>
+              <a:t> review </a:t>
+            </a:r>
+            <a:r>
+              <a:rPr lang="de-DE" sz="1100" b="1" dirty="0"/>
+              <a:t>|</a:t>
+            </a:r>
+            <a:r>
+              <a:rPr lang="de-DE" sz="1100" dirty="0"/>
+              <a:t> Solution </a:t>
+            </a:r>
+            <a:r>
+              <a:rPr lang="de-DE" sz="1100" dirty="0" err="1"/>
+              <a:t>categorization</a:t>
+            </a:r>
+            <a:r>
+              <a:rPr lang="de-DE" sz="1100" dirty="0"/>
+              <a:t> </a:t>
+            </a:r>
+            <a:r>
+              <a:rPr lang="de-DE" sz="1100" b="1" dirty="0"/>
+              <a:t>|</a:t>
+            </a:r>
+            <a:r>
+              <a:rPr lang="de-DE" sz="1100" dirty="0"/>
+              <a:t> </a:t>
+            </a:r>
+            <a:r>
+              <a:rPr lang="de-DE" sz="1100" dirty="0" err="1"/>
+              <a:t>IoTs</a:t>
+            </a:r>
+            <a:r>
+              <a:rPr lang="de-DE" sz="1100" dirty="0"/>
+              <a:t> own </a:t>
+            </a:r>
+            <a:r>
+              <a:rPr lang="de-DE" sz="1100" dirty="0" err="1"/>
+              <a:t>footprint</a:t>
+            </a:r>
+            <a:r>
+              <a:rPr lang="de-DE" sz="1100" dirty="0"/>
+              <a:t> </a:t>
+            </a:r>
+            <a:r>
+              <a:rPr lang="de-DE" sz="1100" b="1" dirty="0"/>
+              <a:t>|</a:t>
+            </a:r>
+            <a:r>
+              <a:rPr lang="de-DE" sz="1100" dirty="0"/>
+              <a:t> IoT in </a:t>
+            </a:r>
+            <a:r>
+              <a:rPr lang="de-DE" sz="1100" dirty="0" err="1"/>
+              <a:t>food</a:t>
+            </a:r>
+            <a:r>
+              <a:rPr lang="de-DE" sz="1100" dirty="0"/>
+              <a:t> </a:t>
+            </a:r>
+            <a:r>
+              <a:rPr lang="de-DE" sz="1100" dirty="0" err="1"/>
+              <a:t>manufacturing</a:t>
+            </a:r>
+            <a:r>
+              <a:rPr lang="de-DE" sz="1100" dirty="0"/>
+              <a:t> </a:t>
+            </a:r>
+            <a:r>
+              <a:rPr lang="de-DE" sz="1100" b="1" dirty="0"/>
+              <a:t>|</a:t>
+            </a:r>
+            <a:r>
+              <a:rPr lang="de-DE" sz="1100" dirty="0"/>
+              <a:t> </a:t>
+            </a:r>
+            <a:r>
+              <a:rPr lang="de-DE" sz="1100" b="1" dirty="0" err="1"/>
+              <a:t>Discussion</a:t>
+            </a:r>
+            <a:r>
+              <a:rPr lang="de-DE" sz="1100" dirty="0"/>
+              <a:t> </a:t>
+            </a:r>
+            <a:r>
+              <a:rPr lang="de-DE" sz="1100" b="1" dirty="0"/>
+              <a:t>|</a:t>
+            </a:r>
+            <a:r>
+              <a:rPr lang="de-DE" sz="1100" dirty="0"/>
+              <a:t> </a:t>
+            </a:r>
+            <a:r>
+              <a:rPr lang="de-DE" sz="1100" dirty="0" err="1"/>
+              <a:t>Conclusion</a:t>
+            </a:r>
+            <a:endParaRPr lang="de-DE" sz="1100" dirty="0"/>
+          </a:p>
+        </p:txBody>
+      </p:sp>
+    </p:spTree>
+    <p:extLst>
+      <p:ext uri="{BB962C8B-B14F-4D97-AF65-F5344CB8AC3E}">
+        <p14:creationId xmlns:p14="http://schemas.microsoft.com/office/powerpoint/2010/main" val="1816193830"/>
+      </p:ext>
+    </p:extLst>
+  </p:cSld>
+  <p:clrMapOvr>
+    <a:masterClrMapping/>
+  </p:clrMapOvr>
+  <p:transition>
+    <p:fade/>
+  </p:transition>
+</p:sld>
+</file>
+
+<file path=ppt/slides/slide11.xml><?xml version="1.0" encoding="utf-8"?>
+<p:sld xmlns:a="http://schemas.openxmlformats.org/drawingml/2006/main" xmlns:r="http://schemas.openxmlformats.org/officeDocument/2006/relationships" xmlns:p="http://schemas.openxmlformats.org/presentationml/2006/main">
+  <p:cSld>
+    <p:spTree>
+      <p:nvGrpSpPr>
+        <p:cNvPr id="1" name=""/>
+        <p:cNvGrpSpPr/>
+        <p:nvPr/>
+      </p:nvGrpSpPr>
+      <p:grpSpPr>
+        <a:xfrm>
+          <a:off x="0" y="0"/>
+          <a:ext cx="0" cy="0"/>
+          <a:chOff x="0" y="0"/>
+          <a:chExt cx="0" cy="0"/>
+        </a:xfrm>
+      </p:grpSpPr>
+      <p:sp>
+        <p:nvSpPr>
+          <p:cNvPr id="2" name="Textplatzhalter 1">
+            <a:extLst>
+              <a:ext uri="{FF2B5EF4-FFF2-40B4-BE49-F238E27FC236}">
+                <a16:creationId xmlns:a16="http://schemas.microsoft.com/office/drawing/2014/main" id="{B82797F9-4DAA-40CE-AAEF-A6A1108F7128}"/>
+              </a:ext>
+            </a:extLst>
+          </p:cNvPr>
+          <p:cNvSpPr>
+            <a:spLocks noGrp="1"/>
+          </p:cNvSpPr>
+          <p:nvPr>
+            <p:ph type="body" idx="1"/>
+          </p:nvPr>
+        </p:nvSpPr>
+        <p:spPr/>
+        <p:txBody>
+          <a:bodyPr/>
+          <a:lstStyle/>
+          <a:p>
+            <a:endParaRPr lang="de-DE"/>
+          </a:p>
+        </p:txBody>
+      </p:sp>
+      <p:sp>
+        <p:nvSpPr>
+          <p:cNvPr id="3" name="Titel 2">
+            <a:extLst>
+              <a:ext uri="{FF2B5EF4-FFF2-40B4-BE49-F238E27FC236}">
+                <a16:creationId xmlns:a16="http://schemas.microsoft.com/office/drawing/2014/main" id="{83558EED-21CE-4793-8228-ADF50C5381E2}"/>
+              </a:ext>
+            </a:extLst>
+          </p:cNvPr>
+          <p:cNvSpPr>
+            <a:spLocks noGrp="1"/>
+          </p:cNvSpPr>
+          <p:nvPr>
+            <p:ph type="title"/>
+          </p:nvPr>
+        </p:nvSpPr>
+        <p:spPr/>
+        <p:txBody>
+          <a:bodyPr/>
+          <a:lstStyle/>
+          <a:p>
+            <a:r>
+              <a:rPr lang="de-DE" dirty="0"/>
+              <a:t>9. </a:t>
+            </a:r>
+            <a:r>
+              <a:rPr lang="de-DE" dirty="0" err="1"/>
+              <a:t>Conclusion</a:t>
+            </a:r>
+            <a:endParaRPr lang="de-DE" dirty="0"/>
+          </a:p>
+        </p:txBody>
+      </p:sp>
+      <p:sp>
+        <p:nvSpPr>
+          <p:cNvPr id="4" name="Textfeld 3">
+            <a:extLst>
+              <a:ext uri="{FF2B5EF4-FFF2-40B4-BE49-F238E27FC236}">
+                <a16:creationId xmlns:a16="http://schemas.microsoft.com/office/drawing/2014/main" id="{7545C2AB-0EAF-4036-BB73-961D4AB6D619}"/>
+              </a:ext>
+            </a:extLst>
+          </p:cNvPr>
+          <p:cNvSpPr txBox="1"/>
+          <p:nvPr/>
+        </p:nvSpPr>
+        <p:spPr>
+          <a:xfrm>
+            <a:off x="566058" y="6629048"/>
+            <a:ext cx="12115800" cy="261610"/>
+          </a:xfrm>
+          <a:prstGeom prst="rect">
+            <a:avLst/>
+          </a:prstGeom>
+          <a:noFill/>
+        </p:spPr>
+        <p:txBody>
+          <a:bodyPr wrap="square" rtlCol="0">
+            <a:spAutoFit/>
+          </a:bodyPr>
+          <a:lstStyle/>
+          <a:p>
+            <a:r>
+              <a:rPr lang="de-DE" sz="1100" dirty="0"/>
+              <a:t>Motivation</a:t>
+            </a:r>
+            <a:r>
+              <a:rPr lang="de-DE" sz="1100" b="1" dirty="0"/>
+              <a:t> |</a:t>
+            </a:r>
+            <a:r>
+              <a:rPr lang="de-DE" sz="1100" dirty="0"/>
+              <a:t> </a:t>
+            </a:r>
+            <a:r>
+              <a:rPr lang="de-DE" sz="1100" dirty="0" err="1"/>
+              <a:t>Preliminaries</a:t>
+            </a:r>
+            <a:r>
+              <a:rPr lang="de-DE" sz="1100" dirty="0"/>
+              <a:t> </a:t>
+            </a:r>
+            <a:r>
+              <a:rPr lang="de-DE" sz="1100" b="1" dirty="0"/>
+              <a:t>|</a:t>
+            </a:r>
+            <a:r>
+              <a:rPr lang="de-DE" sz="1100" dirty="0"/>
+              <a:t> </a:t>
+            </a:r>
+            <a:r>
+              <a:rPr lang="de-DE" sz="1100" dirty="0" err="1"/>
+              <a:t>Methodology</a:t>
+            </a:r>
+            <a:r>
+              <a:rPr lang="de-DE" sz="1100" dirty="0"/>
+              <a:t> </a:t>
+            </a:r>
+            <a:r>
+              <a:rPr lang="de-DE" sz="1100" b="1" dirty="0"/>
+              <a:t>|</a:t>
+            </a:r>
+            <a:r>
+              <a:rPr lang="de-DE" sz="1100" dirty="0"/>
+              <a:t> </a:t>
+            </a:r>
+            <a:r>
+              <a:rPr lang="de-DE" sz="1100" dirty="0" err="1"/>
+              <a:t>Literature</a:t>
+            </a:r>
+            <a:r>
+              <a:rPr lang="de-DE" sz="1100" dirty="0"/>
+              <a:t> review </a:t>
+            </a:r>
+            <a:r>
+              <a:rPr lang="de-DE" sz="1100" b="1" dirty="0"/>
+              <a:t>|</a:t>
+            </a:r>
+            <a:r>
+              <a:rPr lang="de-DE" sz="1100" dirty="0"/>
+              <a:t> Solution </a:t>
+            </a:r>
+            <a:r>
+              <a:rPr lang="de-DE" sz="1100" dirty="0" err="1"/>
+              <a:t>categorization</a:t>
+            </a:r>
+            <a:r>
+              <a:rPr lang="de-DE" sz="1100" dirty="0"/>
+              <a:t> </a:t>
+            </a:r>
+            <a:r>
+              <a:rPr lang="de-DE" sz="1100" b="1" dirty="0"/>
+              <a:t>|</a:t>
+            </a:r>
+            <a:r>
+              <a:rPr lang="de-DE" sz="1100" dirty="0"/>
+              <a:t> </a:t>
+            </a:r>
+            <a:r>
+              <a:rPr lang="de-DE" sz="1100" dirty="0" err="1"/>
+              <a:t>IoTs</a:t>
+            </a:r>
+            <a:r>
+              <a:rPr lang="de-DE" sz="1100" dirty="0"/>
+              <a:t> own </a:t>
+            </a:r>
+            <a:r>
+              <a:rPr lang="de-DE" sz="1100" dirty="0" err="1"/>
+              <a:t>footprint</a:t>
+            </a:r>
+            <a:r>
+              <a:rPr lang="de-DE" sz="1100" dirty="0"/>
+              <a:t> </a:t>
+            </a:r>
+            <a:r>
+              <a:rPr lang="de-DE" sz="1100" b="1" dirty="0"/>
+              <a:t>|</a:t>
+            </a:r>
+            <a:r>
+              <a:rPr lang="de-DE" sz="1100" dirty="0"/>
+              <a:t> IoT in </a:t>
+            </a:r>
+            <a:r>
+              <a:rPr lang="de-DE" sz="1100" dirty="0" err="1"/>
+              <a:t>food</a:t>
+            </a:r>
+            <a:r>
+              <a:rPr lang="de-DE" sz="1100" dirty="0"/>
+              <a:t> </a:t>
+            </a:r>
+            <a:r>
+              <a:rPr lang="de-DE" sz="1100" dirty="0" err="1"/>
+              <a:t>manufacturing</a:t>
+            </a:r>
+            <a:r>
+              <a:rPr lang="de-DE" sz="1100" dirty="0"/>
+              <a:t> </a:t>
+            </a:r>
+            <a:r>
+              <a:rPr lang="de-DE" sz="1100" b="1" dirty="0"/>
+              <a:t>|</a:t>
+            </a:r>
+            <a:r>
+              <a:rPr lang="de-DE" sz="1100" dirty="0"/>
+              <a:t> </a:t>
+            </a:r>
+            <a:r>
+              <a:rPr lang="de-DE" sz="1100" dirty="0" err="1"/>
+              <a:t>Discussion</a:t>
+            </a:r>
+            <a:r>
+              <a:rPr lang="de-DE" sz="1100" dirty="0"/>
+              <a:t> </a:t>
+            </a:r>
+            <a:r>
+              <a:rPr lang="de-DE" sz="1100" b="1" dirty="0"/>
+              <a:t>|</a:t>
+            </a:r>
+            <a:r>
+              <a:rPr lang="de-DE" sz="1100" dirty="0"/>
+              <a:t> </a:t>
+            </a:r>
+            <a:r>
+              <a:rPr lang="de-DE" sz="1100" b="1" dirty="0" err="1"/>
+              <a:t>Conclusion</a:t>
+            </a:r>
+            <a:endParaRPr lang="de-DE" sz="1100" b="1" dirty="0"/>
+          </a:p>
+        </p:txBody>
+      </p:sp>
+    </p:spTree>
+    <p:extLst>
+      <p:ext uri="{BB962C8B-B14F-4D97-AF65-F5344CB8AC3E}">
+        <p14:creationId xmlns:p14="http://schemas.microsoft.com/office/powerpoint/2010/main" val="602409347"/>
+      </p:ext>
+    </p:extLst>
+  </p:cSld>
+  <p:clrMapOvr>
+    <a:masterClrMapping/>
+  </p:clrMapOvr>
+  <p:transition>
+    <p:fade/>
+  </p:transition>
+</p:sld>
+</file>
+
+<file path=ppt/slides/slide12.xml><?xml version="1.0" encoding="utf-8"?>
 <p:sld xmlns:a="http://schemas.openxmlformats.org/drawingml/2006/main" xmlns:r="http://schemas.openxmlformats.org/officeDocument/2006/relationships" xmlns:p="http://schemas.openxmlformats.org/presentationml/2006/main" show="0">
   <p:cSld>
     <p:spTree>
@@ -12163,29 +15795,103 @@
               <a:buNone/>
             </a:pPr>
             <a:r>
+              <a:rPr lang="de-DE" dirty="0"/>
+              <a:t>Paris Agreement:</a:t>
+            </a:r>
+          </a:p>
+          <a:p>
+            <a:pPr marL="285750" lvl="0" indent="-285750" algn="l" rtl="0">
+              <a:spcBef>
+                <a:spcPts val="500"/>
+              </a:spcBef>
+              <a:spcAft>
+                <a:spcPts val="0"/>
+              </a:spcAft>
+              <a:buFont typeface="Arial" panose="020B0604020202020204" pitchFamily="34" charset="0"/>
+              <a:buChar char="•"/>
+            </a:pPr>
+            <a:r>
               <a:rPr lang="en-US" b="0" dirty="0"/>
-              <a:t>Jagtap, Sandeep &amp; Garcia-Garcia, Guillermo &amp; </a:t>
-            </a:r>
-            <a:r>
-              <a:rPr lang="en-US" b="0" dirty="0" err="1"/>
-              <a:t>Rahimifard</a:t>
-            </a:r>
+              <a:t>Preventing irreversible damage from man-made climate change</a:t>
+            </a:r>
+            <a:endParaRPr lang="de-DE" b="0" dirty="0"/>
+          </a:p>
+          <a:p>
+            <a:pPr marL="285750" lvl="0" indent="-285750" algn="l" rtl="0">
+              <a:spcBef>
+                <a:spcPts val="500"/>
+              </a:spcBef>
+              <a:spcAft>
+                <a:spcPts val="0"/>
+              </a:spcAft>
+              <a:buFont typeface="Arial" panose="020B0604020202020204" pitchFamily="34" charset="0"/>
+              <a:buChar char="•"/>
+            </a:pPr>
             <a:r>
               <a:rPr lang="en-US" b="0" dirty="0"/>
-              <a:t>, Shahin. (2021). </a:t>
-            </a:r>
-            <a:r>
-              <a:rPr lang="en-US" dirty="0" err="1"/>
-              <a:t>Optimisation</a:t>
-            </a:r>
-            <a:r>
-              <a:rPr lang="en-US" dirty="0"/>
-              <a:t> of the resource efficiency of food manufacturing via the Internet of Things</a:t>
-            </a:r>
+              <a:t>Upper limit of the CO2 budget that may still be emitted</a:t>
+            </a:r>
+          </a:p>
+          <a:p>
+            <a:pPr marL="285750" lvl="0" indent="-285750" algn="l" rtl="0">
+              <a:spcBef>
+                <a:spcPts val="500"/>
+              </a:spcBef>
+              <a:spcAft>
+                <a:spcPts val="0"/>
+              </a:spcAft>
+              <a:buFont typeface="Arial" panose="020B0604020202020204" pitchFamily="34" charset="0"/>
+              <a:buChar char="•"/>
+            </a:pPr>
             <a:r>
               <a:rPr lang="en-US" b="0" dirty="0"/>
-              <a:t>. Computers in Industry. 127. 10.1016/j.compind.2021.103397. </a:t>
-            </a:r>
+              <a:t>Massive reduction of carbon emissions</a:t>
+            </a:r>
+          </a:p>
+          <a:p>
+            <a:pPr marL="285750" lvl="0" indent="-285750" algn="l" rtl="0">
+              <a:spcBef>
+                <a:spcPts val="500"/>
+              </a:spcBef>
+              <a:spcAft>
+                <a:spcPts val="0"/>
+              </a:spcAft>
+              <a:buFont typeface="Arial" panose="020B0604020202020204" pitchFamily="34" charset="0"/>
+              <a:buChar char="•"/>
+            </a:pPr>
+            <a:r>
+              <a:rPr lang="de-DE" b="0" dirty="0"/>
+              <a:t>Limitation </a:t>
+            </a:r>
+            <a:r>
+              <a:rPr lang="de-DE" b="0" dirty="0" err="1"/>
+              <a:t>of</a:t>
+            </a:r>
+            <a:r>
+              <a:rPr lang="de-DE" b="0" dirty="0"/>
+              <a:t> global </a:t>
+            </a:r>
+            <a:r>
+              <a:rPr lang="de-DE" b="0" dirty="0" err="1"/>
+              <a:t>warming</a:t>
+            </a:r>
+            <a:r>
+              <a:rPr lang="de-DE" b="0" dirty="0"/>
+              <a:t> </a:t>
+            </a:r>
+            <a:r>
+              <a:rPr lang="de-DE" b="0" dirty="0" err="1"/>
+              <a:t>to</a:t>
+            </a:r>
+            <a:r>
+              <a:rPr lang="de-DE" b="0" dirty="0"/>
+              <a:t> 1.5 </a:t>
+            </a:r>
+            <a:r>
+              <a:rPr lang="de-DE" b="0" dirty="0" err="1"/>
+              <a:t>degree</a:t>
+            </a:r>
+            <a:endParaRPr lang="en-US" b="0" dirty="0"/>
           </a:p>
           <a:p>
             <a:pPr marL="0" lvl="0" indent="0" algn="l" rtl="0">
@@ -12195,11 +15901,24 @@
               <a:spcAft>
                 <a:spcPts val="0"/>
               </a:spcAft>
-              <a:buNone/>
             </a:pPr>
             <a:endParaRPr lang="en-US" b="0" dirty="0"/>
           </a:p>
           <a:p>
+            <a:pPr marL="0" lvl="0" indent="0" algn="l" rtl="0">
+              <a:spcBef>
+                <a:spcPts val="500"/>
+              </a:spcBef>
+              <a:spcAft>
+                <a:spcPts val="0"/>
+              </a:spcAft>
+            </a:pPr>
+            <a:r>
+              <a:rPr lang="en-US" dirty="0"/>
+              <a:t>Supply chain monitoring:</a:t>
+            </a:r>
+          </a:p>
+          <a:p>
             <a:pPr marL="285750" lvl="0" indent="-285750" algn="l" rtl="0">
               <a:spcBef>
                 <a:spcPts val="500"/>
@@ -12211,403 +15930,20 @@
               <a:buChar char="•"/>
             </a:pPr>
             <a:r>
-              <a:rPr lang="en-US" b="0" dirty="0"/>
-              <a:t>inefficient food supply chain, large amount of food waste, volumes of water and energy used</a:t>
-            </a:r>
-          </a:p>
-          <a:p>
-            <a:pPr marL="285750" lvl="0" indent="-285750" algn="l" rtl="0">
-              <a:spcBef>
-                <a:spcPts val="500"/>
-              </a:spcBef>
-              <a:spcAft>
-                <a:spcPts val="0"/>
-              </a:spcAft>
-              <a:buFont typeface="Arial" panose="020B0604020202020204" pitchFamily="34" charset="0"/>
-              <a:buChar char="•"/>
-            </a:pPr>
-            <a:r>
-              <a:rPr lang="en-US" b="0" dirty="0"/>
-              <a:t>stricter regulations on the disposal and treatment of food waste, carbon emissions and wastewater discharge</a:t>
-            </a:r>
-          </a:p>
-          <a:p>
-            <a:pPr marL="285750" lvl="0" indent="-285750" algn="l" rtl="0">
-              <a:spcBef>
-                <a:spcPts val="500"/>
-              </a:spcBef>
-              <a:spcAft>
-                <a:spcPts val="0"/>
-              </a:spcAft>
-              <a:buFont typeface="Arial" panose="020B0604020202020204" pitchFamily="34" charset="0"/>
-              <a:buChar char="•"/>
-            </a:pPr>
-            <a:r>
-              <a:rPr lang="en-US" b="0" dirty="0"/>
-              <a:t>accurate real-time monitoring </a:t>
-            </a:r>
-            <a:r>
-              <a:rPr lang="en-US" b="0" dirty="0">
-                <a:sym typeface="Wingdings" panose="05000000000000000000" pitchFamily="2" charset="2"/>
-              </a:rPr>
-              <a:t> help food manufacturers to redesign their processes</a:t>
-            </a:r>
-          </a:p>
-          <a:p>
-            <a:pPr marL="285750" lvl="0" indent="-285750" algn="l" rtl="0">
-              <a:spcBef>
-                <a:spcPts val="500"/>
-              </a:spcBef>
-              <a:spcAft>
-                <a:spcPts val="0"/>
-              </a:spcAft>
-              <a:buFont typeface="Arial" panose="020B0604020202020204" pitchFamily="34" charset="0"/>
-              <a:buChar char="•"/>
-            </a:pPr>
-            <a:r>
-              <a:rPr lang="en-US" b="0" dirty="0"/>
-              <a:t>Paper presents:</a:t>
-            </a:r>
-            <a:br>
-              <a:rPr lang="en-US" b="0" dirty="0"/>
-            </a:br>
-            <a:r>
-              <a:rPr lang="en-US" dirty="0"/>
-              <a:t>IoT-based framework for monitoring the generation of food waste and the use of energy and water in the food sector</a:t>
-            </a:r>
-          </a:p>
-        </p:txBody>
-      </p:sp>
-      <p:sp>
-        <p:nvSpPr>
-          <p:cNvPr id="71" name="Google Shape;71;gb9e2de6e95_0_1"/>
-          <p:cNvSpPr txBox="1">
-            <a:spLocks noGrp="1"/>
-          </p:cNvSpPr>
-          <p:nvPr>
-            <p:ph type="title"/>
-          </p:nvPr>
-        </p:nvSpPr>
-        <p:spPr>
-          <a:xfrm>
-            <a:off x="696000" y="637107"/>
-            <a:ext cx="9020100" cy="392400"/>
-          </a:xfrm>
-          <a:prstGeom prst="rect">
-            <a:avLst/>
-          </a:prstGeom>
-        </p:spPr>
-        <p:txBody>
-          <a:bodyPr spcFirstLastPara="1" wrap="square" lIns="0" tIns="0" rIns="0" bIns="0" anchor="b" anchorCtr="0">
-            <a:noAutofit/>
-          </a:bodyPr>
-          <a:lstStyle/>
-          <a:p>
-            <a:pPr marL="0" lvl="0" indent="0" algn="l" rtl="0">
-              <a:spcBef>
-                <a:spcPts val="0"/>
-              </a:spcBef>
-              <a:spcAft>
-                <a:spcPts val="0"/>
-              </a:spcAft>
-              <a:buNone/>
-            </a:pPr>
-            <a:r>
-              <a:rPr lang="de-DE" sz="2800" dirty="0"/>
-              <a:t>4. Focus on a </a:t>
-            </a:r>
-            <a:r>
-              <a:rPr lang="de-DE" sz="2800" dirty="0" err="1"/>
-              <a:t>particular</a:t>
-            </a:r>
-            <a:r>
-              <a:rPr lang="de-DE" sz="2800" dirty="0"/>
+              <a:rPr lang="de-DE" b="0" dirty="0"/>
+              <a:t>Many </a:t>
+            </a:r>
+            <a:r>
+              <a:rPr lang="de-DE" b="0" dirty="0" err="1"/>
+              <a:t>unknown</a:t>
+            </a:r>
+            <a:r>
+              <a:rPr lang="de-DE" b="0" dirty="0"/>
               <a:t> </a:t>
             </a:r>
             <a:r>
-              <a:rPr lang="de-DE" sz="2800" dirty="0" err="1"/>
-              <a:t>solution</a:t>
-            </a:r>
-            <a:r>
-              <a:rPr lang="de-DE" sz="2800" dirty="0"/>
-              <a:t> („</a:t>
-            </a:r>
-            <a:r>
-              <a:rPr lang="de-DE" sz="2800" dirty="0" err="1"/>
-              <a:t>depth</a:t>
-            </a:r>
-            <a:r>
-              <a:rPr lang="de-DE" sz="2800" dirty="0"/>
-              <a:t>“ </a:t>
-            </a:r>
-            <a:r>
-              <a:rPr lang="de-DE" sz="2800" dirty="0" err="1"/>
-              <a:t>coverage</a:t>
-            </a:r>
-            <a:r>
-              <a:rPr lang="de-DE" sz="2800" dirty="0"/>
-              <a:t>)</a:t>
-            </a:r>
-            <a:endParaRPr sz="2800" dirty="0"/>
-          </a:p>
-        </p:txBody>
-      </p:sp>
-    </p:spTree>
-    <p:extLst>
-      <p:ext uri="{BB962C8B-B14F-4D97-AF65-F5344CB8AC3E}">
-        <p14:creationId xmlns:p14="http://schemas.microsoft.com/office/powerpoint/2010/main" val="3819392064"/>
-      </p:ext>
-    </p:extLst>
-  </p:cSld>
-  <p:clrMapOvr>
-    <a:masterClrMapping/>
-  </p:clrMapOvr>
-</p:sld>
-</file>
-
-<file path=ppt/slides/slide2.xml><?xml version="1.0" encoding="utf-8"?>
-<p:sld xmlns:a="http://schemas.openxmlformats.org/drawingml/2006/main" xmlns:r="http://schemas.openxmlformats.org/officeDocument/2006/relationships" xmlns:p="http://schemas.openxmlformats.org/presentationml/2006/main">
-  <p:cSld>
-    <p:spTree>
-      <p:nvGrpSpPr>
-        <p:cNvPr id="1" name=""/>
-        <p:cNvGrpSpPr/>
-        <p:nvPr/>
-      </p:nvGrpSpPr>
-      <p:grpSpPr>
-        <a:xfrm>
-          <a:off x="0" y="0"/>
-          <a:ext cx="0" cy="0"/>
-          <a:chOff x="0" y="0"/>
-          <a:chExt cx="0" cy="0"/>
-        </a:xfrm>
-      </p:grpSpPr>
-      <p:sp>
-        <p:nvSpPr>
-          <p:cNvPr id="2" name="Textplatzhalter 1">
-            <a:extLst>
-              <a:ext uri="{FF2B5EF4-FFF2-40B4-BE49-F238E27FC236}">
-                <a16:creationId xmlns:a16="http://schemas.microsoft.com/office/drawing/2014/main" id="{537C7C4F-289E-401C-A3A5-3BC13C85440A}"/>
-              </a:ext>
-            </a:extLst>
-          </p:cNvPr>
-          <p:cNvSpPr>
-            <a:spLocks noGrp="1"/>
-          </p:cNvSpPr>
-          <p:nvPr>
-            <p:ph type="body" idx="1"/>
-          </p:nvPr>
-        </p:nvSpPr>
-        <p:spPr/>
-        <p:txBody>
-          <a:bodyPr/>
-          <a:lstStyle/>
-          <a:p>
-            <a:pPr marL="571500" indent="-342900">
-              <a:buFont typeface="+mj-lt"/>
-              <a:buAutoNum type="arabicPeriod"/>
-            </a:pPr>
-            <a:r>
-              <a:rPr lang="en-BZ" sz="2000" b="0" dirty="0"/>
-              <a:t>Motivation</a:t>
-            </a:r>
-          </a:p>
-          <a:p>
-            <a:pPr marL="571500" indent="-342900">
-              <a:buFont typeface="+mj-lt"/>
-              <a:buAutoNum type="arabicPeriod"/>
-            </a:pPr>
-            <a:r>
-              <a:rPr lang="en-BZ" sz="2000" b="0" dirty="0"/>
-              <a:t>Preliminaries</a:t>
-            </a:r>
-          </a:p>
-          <a:p>
-            <a:pPr marL="571500" indent="-342900">
-              <a:buFont typeface="+mj-lt"/>
-              <a:buAutoNum type="arabicPeriod"/>
-            </a:pPr>
-            <a:r>
-              <a:rPr lang="en-BZ" sz="2000" b="0" dirty="0"/>
-              <a:t>Methodology</a:t>
-            </a:r>
-          </a:p>
-          <a:p>
-            <a:pPr marL="571500" indent="-342900">
-              <a:buFont typeface="+mj-lt"/>
-              <a:buAutoNum type="arabicPeriod"/>
-            </a:pPr>
-            <a:r>
-              <a:rPr lang="en-BZ" sz="2000" b="0" dirty="0"/>
-              <a:t>Literature review</a:t>
-            </a:r>
-          </a:p>
-          <a:p>
-            <a:pPr marL="571500" indent="-342900">
-              <a:buFont typeface="+mj-lt"/>
-              <a:buAutoNum type="arabicPeriod"/>
-            </a:pPr>
-            <a:r>
-              <a:rPr lang="en-BZ" sz="2000" b="0" dirty="0"/>
-              <a:t>Solution categorization</a:t>
-            </a:r>
-          </a:p>
-          <a:p>
-            <a:pPr marL="571500" indent="-342900">
-              <a:buFont typeface="+mj-lt"/>
-              <a:buAutoNum type="arabicPeriod"/>
-            </a:pPr>
-            <a:r>
-              <a:rPr lang="en-BZ" sz="2000" b="0" dirty="0"/>
-              <a:t>IoTs own footprint</a:t>
-            </a:r>
-          </a:p>
-          <a:p>
-            <a:pPr marL="571500" indent="-342900">
-              <a:buFont typeface="+mj-lt"/>
-              <a:buAutoNum type="arabicPeriod"/>
-            </a:pPr>
-            <a:r>
-              <a:rPr lang="en-BZ" sz="2000" b="0" dirty="0"/>
-              <a:t>IoT in food manufacturing</a:t>
-            </a:r>
-          </a:p>
-          <a:p>
-            <a:pPr marL="571500" indent="-342900">
-              <a:buFont typeface="+mj-lt"/>
-              <a:buAutoNum type="arabicPeriod"/>
-            </a:pPr>
-            <a:r>
-              <a:rPr lang="en-BZ" sz="2000" b="0" dirty="0"/>
-              <a:t>Discussion</a:t>
-            </a:r>
-          </a:p>
-          <a:p>
-            <a:pPr marL="571500" indent="-342900">
-              <a:buFont typeface="+mj-lt"/>
-              <a:buAutoNum type="arabicPeriod"/>
-            </a:pPr>
-            <a:r>
-              <a:rPr lang="en-BZ" sz="2000" b="0" dirty="0"/>
-              <a:t>Conclusion</a:t>
-            </a:r>
-          </a:p>
-        </p:txBody>
-      </p:sp>
-      <p:sp>
-        <p:nvSpPr>
-          <p:cNvPr id="3" name="Titel 2">
-            <a:extLst>
-              <a:ext uri="{FF2B5EF4-FFF2-40B4-BE49-F238E27FC236}">
-                <a16:creationId xmlns:a16="http://schemas.microsoft.com/office/drawing/2014/main" id="{F880F976-CB33-49AC-90A8-33FA18BF14DD}"/>
-              </a:ext>
-            </a:extLst>
-          </p:cNvPr>
-          <p:cNvSpPr>
-            <a:spLocks noGrp="1"/>
-          </p:cNvSpPr>
-          <p:nvPr>
-            <p:ph type="title"/>
-          </p:nvPr>
-        </p:nvSpPr>
-        <p:spPr/>
-        <p:txBody>
-          <a:bodyPr/>
-          <a:lstStyle/>
-          <a:p>
-            <a:r>
-              <a:rPr lang="de-DE" dirty="0"/>
-              <a:t>Agenda</a:t>
-            </a:r>
-          </a:p>
-        </p:txBody>
-      </p:sp>
-    </p:spTree>
-    <p:extLst>
-      <p:ext uri="{BB962C8B-B14F-4D97-AF65-F5344CB8AC3E}">
-        <p14:creationId xmlns:p14="http://schemas.microsoft.com/office/powerpoint/2010/main" val="3757377087"/>
-      </p:ext>
-    </p:extLst>
-  </p:cSld>
-  <p:clrMapOvr>
-    <a:masterClrMapping/>
-  </p:clrMapOvr>
-  <p:transition>
-    <p:fade/>
-  </p:transition>
-</p:sld>
-</file>
-
-<file path=ppt/slides/slide3.xml><?xml version="1.0" encoding="utf-8"?>
-<p:sld xmlns:a="http://schemas.openxmlformats.org/drawingml/2006/main" xmlns:r="http://schemas.openxmlformats.org/officeDocument/2006/relationships" xmlns:p="http://schemas.openxmlformats.org/presentationml/2006/main">
-  <p:cSld>
-    <p:spTree>
-      <p:nvGrpSpPr>
-        <p:cNvPr id="1" name="Shape 69"/>
-        <p:cNvGrpSpPr/>
-        <p:nvPr/>
-      </p:nvGrpSpPr>
-      <p:grpSpPr>
-        <a:xfrm>
-          <a:off x="0" y="0"/>
-          <a:ext cx="0" cy="0"/>
-          <a:chOff x="0" y="0"/>
-          <a:chExt cx="0" cy="0"/>
-        </a:xfrm>
-      </p:grpSpPr>
-      <p:sp>
-        <p:nvSpPr>
-          <p:cNvPr id="70" name="Google Shape;70;gb9e2de6e95_0_1"/>
-          <p:cNvSpPr txBox="1">
-            <a:spLocks noGrp="1"/>
-          </p:cNvSpPr>
-          <p:nvPr>
-            <p:ph type="body" idx="1"/>
-          </p:nvPr>
-        </p:nvSpPr>
-        <p:spPr>
-          <a:xfrm>
-            <a:off x="696000" y="1274422"/>
-            <a:ext cx="6573480" cy="2154578"/>
-          </a:xfrm>
-          <a:prstGeom prst="rect">
-            <a:avLst/>
-          </a:prstGeom>
-        </p:spPr>
-        <p:txBody>
-          <a:bodyPr spcFirstLastPara="1" wrap="square" lIns="0" tIns="0" rIns="0" bIns="0" anchor="t" anchorCtr="0">
-            <a:noAutofit/>
-          </a:bodyPr>
-          <a:lstStyle/>
-          <a:p>
-            <a:pPr marL="0" lvl="0" indent="0" algn="l" rtl="0">
-              <a:spcBef>
-                <a:spcPts val="500"/>
-              </a:spcBef>
-              <a:spcAft>
-                <a:spcPts val="0"/>
-              </a:spcAft>
-              <a:buNone/>
-            </a:pPr>
-            <a:r>
-              <a:rPr lang="de-DE" dirty="0"/>
-              <a:t>Paris Agreement:</a:t>
-            </a:r>
-          </a:p>
-          <a:p>
-            <a:pPr marL="285750" lvl="0" indent="-285750" algn="l" rtl="0">
-              <a:spcBef>
-                <a:spcPts val="500"/>
-              </a:spcBef>
-              <a:spcAft>
-                <a:spcPts val="0"/>
-              </a:spcAft>
-              <a:buFont typeface="Arial" panose="020B0604020202020204" pitchFamily="34" charset="0"/>
-              <a:buChar char="•"/>
-            </a:pPr>
-            <a:r>
-              <a:rPr lang="en-US" b="0" dirty="0"/>
-              <a:t>Preventing irreversible damage from man-made climate change</a:t>
+              <a:rPr lang="de-DE" b="0" dirty="0" err="1"/>
+              <a:t>parameters</a:t>
             </a:r>
             <a:endParaRPr lang="de-DE" b="0" dirty="0"/>
           </a:p>
@@ -12623,9 +15959,42 @@
               <a:buChar char="•"/>
             </a:pPr>
             <a:r>
-              <a:rPr lang="en-US" b="0" dirty="0"/>
-              <a:t>Upper limit of the CO2 budget that may still be emitted</a:t>
-            </a:r>
+              <a:rPr lang="de-DE" b="0" dirty="0" err="1"/>
+              <a:t>Scope</a:t>
+            </a:r>
+            <a:r>
+              <a:rPr lang="de-DE" b="0" dirty="0"/>
+              <a:t> 3 </a:t>
+            </a:r>
+            <a:r>
+              <a:rPr lang="de-DE" b="0" dirty="0" err="1"/>
+              <a:t>emissions</a:t>
+            </a:r>
+            <a:r>
+              <a:rPr lang="de-DE" b="0" dirty="0"/>
+              <a:t> </a:t>
+            </a:r>
+            <a:r>
+              <a:rPr lang="de-DE" b="0" dirty="0" err="1"/>
+              <a:t>hard</a:t>
+            </a:r>
+            <a:r>
+              <a:rPr lang="de-DE" b="0" dirty="0"/>
+              <a:t> </a:t>
+            </a:r>
+            <a:r>
+              <a:rPr lang="de-DE" b="0" dirty="0" err="1"/>
+              <a:t>to</a:t>
+            </a:r>
+            <a:r>
+              <a:rPr lang="de-DE" b="0" dirty="0"/>
+              <a:t> </a:t>
+            </a:r>
+            <a:r>
+              <a:rPr lang="de-DE" b="0" dirty="0" err="1"/>
+              <a:t>measure</a:t>
+            </a:r>
+            <a:endParaRPr lang="de-DE" b="0" dirty="0"/>
           </a:p>
           <a:p>
             <a:pPr marL="285750" lvl="0" indent="-285750" algn="l" rtl="0">
@@ -12640,1468 +16009,9 @@
             </a:pPr>
             <a:r>
               <a:rPr lang="en-US" b="0" dirty="0"/>
-              <a:t>Massive reduction of carbon emissions</a:t>
-            </a:r>
-          </a:p>
-          <a:p>
-            <a:pPr marL="285750" lvl="0" indent="-285750" algn="l" rtl="0">
-              <a:spcBef>
-                <a:spcPts val="500"/>
-              </a:spcBef>
-              <a:spcAft>
-                <a:spcPts val="0"/>
-              </a:spcAft>
-              <a:buFont typeface="Arial" panose="020B0604020202020204" pitchFamily="34" charset="0"/>
-              <a:buChar char="•"/>
-            </a:pPr>
-            <a:r>
-              <a:rPr lang="de-DE" b="0" dirty="0"/>
-              <a:t>Limitation </a:t>
-            </a:r>
-            <a:r>
-              <a:rPr lang="de-DE" b="0" dirty="0" err="1"/>
-              <a:t>of</a:t>
-            </a:r>
-            <a:r>
-              <a:rPr lang="de-DE" b="0" dirty="0"/>
-              <a:t> global </a:t>
-            </a:r>
-            <a:r>
-              <a:rPr lang="de-DE" b="0" dirty="0" err="1"/>
-              <a:t>warming</a:t>
-            </a:r>
-            <a:r>
-              <a:rPr lang="de-DE" b="0" dirty="0"/>
-              <a:t> </a:t>
-            </a:r>
-            <a:r>
-              <a:rPr lang="de-DE" b="0" dirty="0" err="1"/>
-              <a:t>to</a:t>
-            </a:r>
-            <a:r>
-              <a:rPr lang="de-DE" b="0" dirty="0"/>
-              <a:t> 1.5 </a:t>
-            </a:r>
-            <a:r>
-              <a:rPr lang="de-DE" b="0" dirty="0" err="1"/>
-              <a:t>degree</a:t>
-            </a:r>
-            <a:endParaRPr lang="en-US" b="0" dirty="0"/>
-          </a:p>
-        </p:txBody>
-      </p:sp>
-      <p:sp>
-        <p:nvSpPr>
-          <p:cNvPr id="71" name="Google Shape;71;gb9e2de6e95_0_1"/>
-          <p:cNvSpPr txBox="1">
-            <a:spLocks noGrp="1"/>
-          </p:cNvSpPr>
-          <p:nvPr>
-            <p:ph type="title"/>
-          </p:nvPr>
-        </p:nvSpPr>
-        <p:spPr>
-          <a:xfrm>
-            <a:off x="696000" y="637107"/>
-            <a:ext cx="9020100" cy="392400"/>
-          </a:xfrm>
-          <a:prstGeom prst="rect">
-            <a:avLst/>
-          </a:prstGeom>
-        </p:spPr>
-        <p:txBody>
-          <a:bodyPr spcFirstLastPara="1" wrap="square" lIns="0" tIns="0" rIns="0" bIns="0" anchor="b" anchorCtr="0">
-            <a:noAutofit/>
-          </a:bodyPr>
-          <a:lstStyle/>
-          <a:p>
-            <a:pPr marL="0" lvl="0" indent="0" algn="l" rtl="0">
-              <a:spcBef>
-                <a:spcPts val="0"/>
-              </a:spcBef>
-              <a:spcAft>
-                <a:spcPts val="0"/>
-              </a:spcAft>
-              <a:buNone/>
-            </a:pPr>
-            <a:r>
-              <a:rPr lang="de-DE" dirty="0"/>
-              <a:t>1. Motivation</a:t>
-            </a:r>
-            <a:endParaRPr dirty="0"/>
-          </a:p>
-        </p:txBody>
-      </p:sp>
-      <p:sp>
-        <p:nvSpPr>
-          <p:cNvPr id="2" name="Textfeld 1">
-            <a:extLst>
-              <a:ext uri="{FF2B5EF4-FFF2-40B4-BE49-F238E27FC236}">
-                <a16:creationId xmlns:a16="http://schemas.microsoft.com/office/drawing/2014/main" id="{30A035FF-45D1-4988-A980-898865FFE32B}"/>
-              </a:ext>
-            </a:extLst>
-          </p:cNvPr>
-          <p:cNvSpPr txBox="1"/>
-          <p:nvPr/>
-        </p:nvSpPr>
-        <p:spPr>
-          <a:xfrm>
-            <a:off x="566058" y="6629048"/>
-            <a:ext cx="12115800" cy="261610"/>
-          </a:xfrm>
-          <a:prstGeom prst="rect">
-            <a:avLst/>
-          </a:prstGeom>
-          <a:noFill/>
-        </p:spPr>
-        <p:txBody>
-          <a:bodyPr wrap="square" rtlCol="0">
-            <a:spAutoFit/>
-          </a:bodyPr>
-          <a:lstStyle/>
-          <a:p>
-            <a:r>
-              <a:rPr lang="de-DE" sz="1100" b="1" dirty="0"/>
-              <a:t>Motivation |</a:t>
-            </a:r>
-            <a:r>
-              <a:rPr lang="de-DE" sz="1100" dirty="0"/>
-              <a:t> </a:t>
-            </a:r>
-            <a:r>
-              <a:rPr lang="de-DE" sz="1100" dirty="0" err="1"/>
-              <a:t>Preliminaries</a:t>
-            </a:r>
-            <a:r>
-              <a:rPr lang="de-DE" sz="1100" dirty="0"/>
-              <a:t> </a:t>
-            </a:r>
-            <a:r>
-              <a:rPr lang="de-DE" sz="1100" b="1" dirty="0"/>
-              <a:t>|</a:t>
-            </a:r>
-            <a:r>
-              <a:rPr lang="de-DE" sz="1100" dirty="0"/>
-              <a:t> </a:t>
-            </a:r>
-            <a:r>
-              <a:rPr lang="de-DE" sz="1100" dirty="0" err="1"/>
-              <a:t>Methodology</a:t>
-            </a:r>
-            <a:r>
-              <a:rPr lang="de-DE" sz="1100" dirty="0"/>
-              <a:t> </a:t>
-            </a:r>
-            <a:r>
-              <a:rPr lang="de-DE" sz="1100" b="1" dirty="0"/>
-              <a:t>|</a:t>
-            </a:r>
-            <a:r>
-              <a:rPr lang="de-DE" sz="1100" dirty="0"/>
-              <a:t> </a:t>
-            </a:r>
-            <a:r>
-              <a:rPr lang="de-DE" sz="1100" dirty="0" err="1"/>
-              <a:t>Literature</a:t>
-            </a:r>
-            <a:r>
-              <a:rPr lang="de-DE" sz="1100" dirty="0"/>
-              <a:t> review </a:t>
-            </a:r>
-            <a:r>
-              <a:rPr lang="de-DE" sz="1100" b="1" dirty="0"/>
-              <a:t>|</a:t>
-            </a:r>
-            <a:r>
-              <a:rPr lang="de-DE" sz="1100" dirty="0"/>
-              <a:t> Solution </a:t>
-            </a:r>
-            <a:r>
-              <a:rPr lang="de-DE" sz="1100" dirty="0" err="1"/>
-              <a:t>categorization</a:t>
-            </a:r>
-            <a:r>
-              <a:rPr lang="de-DE" sz="1100" dirty="0"/>
-              <a:t> </a:t>
-            </a:r>
-            <a:r>
-              <a:rPr lang="de-DE" sz="1100" b="1" dirty="0"/>
-              <a:t>|</a:t>
-            </a:r>
-            <a:r>
-              <a:rPr lang="de-DE" sz="1100" dirty="0"/>
-              <a:t> </a:t>
-            </a:r>
-            <a:r>
-              <a:rPr lang="de-DE" sz="1100" dirty="0" err="1"/>
-              <a:t>IoTs</a:t>
-            </a:r>
-            <a:r>
-              <a:rPr lang="de-DE" sz="1100" dirty="0"/>
-              <a:t> own </a:t>
-            </a:r>
-            <a:r>
-              <a:rPr lang="de-DE" sz="1100" dirty="0" err="1"/>
-              <a:t>footprint</a:t>
-            </a:r>
-            <a:r>
-              <a:rPr lang="de-DE" sz="1100" dirty="0"/>
-              <a:t> </a:t>
-            </a:r>
-            <a:r>
-              <a:rPr lang="de-DE" sz="1100" b="1" dirty="0"/>
-              <a:t>|</a:t>
-            </a:r>
-            <a:r>
-              <a:rPr lang="de-DE" sz="1100" dirty="0"/>
-              <a:t> IoT in </a:t>
-            </a:r>
-            <a:r>
-              <a:rPr lang="de-DE" sz="1100" dirty="0" err="1"/>
-              <a:t>food</a:t>
-            </a:r>
-            <a:r>
-              <a:rPr lang="de-DE" sz="1100" dirty="0"/>
-              <a:t> </a:t>
-            </a:r>
-            <a:r>
-              <a:rPr lang="de-DE" sz="1100" dirty="0" err="1"/>
-              <a:t>manufacturing</a:t>
-            </a:r>
-            <a:r>
-              <a:rPr lang="de-DE" sz="1100" dirty="0"/>
-              <a:t> </a:t>
-            </a:r>
-            <a:r>
-              <a:rPr lang="de-DE" sz="1100" b="1" dirty="0"/>
-              <a:t>|</a:t>
-            </a:r>
-            <a:r>
-              <a:rPr lang="de-DE" sz="1100" dirty="0"/>
-              <a:t> </a:t>
-            </a:r>
-            <a:r>
-              <a:rPr lang="de-DE" sz="1100" dirty="0" err="1"/>
-              <a:t>Discussion</a:t>
-            </a:r>
-            <a:r>
-              <a:rPr lang="de-DE" sz="1100" dirty="0"/>
-              <a:t> </a:t>
-            </a:r>
-            <a:r>
-              <a:rPr lang="de-DE" sz="1100" b="1" dirty="0"/>
-              <a:t>|</a:t>
-            </a:r>
-            <a:r>
-              <a:rPr lang="de-DE" sz="1100" dirty="0"/>
-              <a:t> </a:t>
-            </a:r>
-            <a:r>
-              <a:rPr lang="de-DE" sz="1100" dirty="0" err="1"/>
-              <a:t>Conclusion</a:t>
-            </a:r>
-            <a:endParaRPr lang="de-DE" sz="1100" dirty="0"/>
-          </a:p>
-        </p:txBody>
-      </p:sp>
-      <p:pic>
-        <p:nvPicPr>
-          <p:cNvPr id="4" name="Grafik 3" descr="Ein Bild, das Tisch enthält.&#10;&#10;Automatisch generierte Beschreibung">
-            <a:extLst>
-              <a:ext uri="{FF2B5EF4-FFF2-40B4-BE49-F238E27FC236}">
-                <a16:creationId xmlns:a16="http://schemas.microsoft.com/office/drawing/2014/main" id="{E1C9BD35-A4EB-469D-8C43-2F342EB8D6E7}"/>
-              </a:ext>
-            </a:extLst>
-          </p:cNvPr>
-          <p:cNvPicPr>
-            <a:picLocks noChangeAspect="1"/>
-          </p:cNvPicPr>
-          <p:nvPr/>
-        </p:nvPicPr>
-        <p:blipFill rotWithShape="1">
-          <a:blip r:embed="rId3"/>
-          <a:srcRect l="88484"/>
-          <a:stretch/>
-        </p:blipFill>
-        <p:spPr>
-          <a:xfrm>
-            <a:off x="11034771" y="1067232"/>
-            <a:ext cx="821494" cy="2888352"/>
-          </a:xfrm>
-          <a:prstGeom prst="rect">
-            <a:avLst/>
-          </a:prstGeom>
-        </p:spPr>
-      </p:pic>
-      <p:pic>
-        <p:nvPicPr>
-          <p:cNvPr id="7" name="Grafik 6" descr="Ein Bild, das Tisch enthält.&#10;&#10;Automatisch generierte Beschreibung">
-            <a:extLst>
-              <a:ext uri="{FF2B5EF4-FFF2-40B4-BE49-F238E27FC236}">
-                <a16:creationId xmlns:a16="http://schemas.microsoft.com/office/drawing/2014/main" id="{D14F919A-DFAD-4A06-8C67-7F7A51072133}"/>
-              </a:ext>
-            </a:extLst>
-          </p:cNvPr>
-          <p:cNvPicPr>
-            <a:picLocks noChangeAspect="1"/>
-          </p:cNvPicPr>
-          <p:nvPr/>
-        </p:nvPicPr>
-        <p:blipFill rotWithShape="1">
-          <a:blip r:embed="rId3"/>
-          <a:srcRect l="555" r="48091"/>
-          <a:stretch/>
-        </p:blipFill>
-        <p:spPr>
-          <a:xfrm>
-            <a:off x="7424928" y="1067133"/>
-            <a:ext cx="3663261" cy="2888353"/>
-          </a:xfrm>
-          <a:prstGeom prst="rect">
-            <a:avLst/>
-          </a:prstGeom>
-        </p:spPr>
-      </p:pic>
-      <p:sp>
-        <p:nvSpPr>
-          <p:cNvPr id="8" name="Google Shape;70;gb9e2de6e95_0_1">
-            <a:extLst>
-              <a:ext uri="{FF2B5EF4-FFF2-40B4-BE49-F238E27FC236}">
-                <a16:creationId xmlns:a16="http://schemas.microsoft.com/office/drawing/2014/main" id="{F112CD7F-B055-4849-A52D-78605FFAB8EB}"/>
-              </a:ext>
-            </a:extLst>
-          </p:cNvPr>
-          <p:cNvSpPr txBox="1">
-            <a:spLocks/>
-          </p:cNvSpPr>
-          <p:nvPr/>
-        </p:nvSpPr>
-        <p:spPr>
-          <a:xfrm>
-            <a:off x="566058" y="4369311"/>
-            <a:ext cx="6573480" cy="2154578"/>
-          </a:xfrm>
-          <a:prstGeom prst="rect">
-            <a:avLst/>
-          </a:prstGeom>
-          <a:noFill/>
-          <a:ln>
-            <a:noFill/>
-          </a:ln>
-        </p:spPr>
-        <p:txBody>
-          <a:bodyPr spcFirstLastPara="1" wrap="square" lIns="0" tIns="0" rIns="0" bIns="0" anchor="t" anchorCtr="0">
-            <a:noAutofit/>
-          </a:bodyPr>
-          <a:lstStyle>
-            <a:defPPr marR="0" lvl="0" algn="l" rtl="0">
-              <a:lnSpc>
-                <a:spcPct val="100000"/>
-              </a:lnSpc>
-              <a:spcBef>
-                <a:spcPts val="0"/>
-              </a:spcBef>
-              <a:spcAft>
-                <a:spcPts val="0"/>
-              </a:spcAft>
-            </a:defPPr>
-            <a:lvl1pPr marL="457200" marR="0" lvl="0" indent="-228600" algn="l" rtl="0">
-              <a:lnSpc>
-                <a:spcPct val="102000"/>
-              </a:lnSpc>
-              <a:spcBef>
-                <a:spcPts val="500"/>
-              </a:spcBef>
-              <a:spcAft>
-                <a:spcPts val="0"/>
-              </a:spcAft>
-              <a:buClr>
-                <a:srgbClr val="000000"/>
-              </a:buClr>
-              <a:buSzPts val="1400"/>
-              <a:buFont typeface="Arial"/>
-              <a:buNone/>
-              <a:defRPr sz="1800" b="1" i="0" u="none" strike="noStrike" cap="none">
-                <a:solidFill>
-                  <a:srgbClr val="000000"/>
-                </a:solidFill>
-                <a:latin typeface="Arial"/>
-                <a:ea typeface="Arial"/>
-                <a:cs typeface="Arial"/>
-                <a:sym typeface="Arial"/>
-              </a:defRPr>
-            </a:lvl1pPr>
-            <a:lvl2pPr marL="914400" marR="0" lvl="1" indent="-342900" algn="l" rtl="0">
-              <a:lnSpc>
-                <a:spcPct val="100000"/>
-              </a:lnSpc>
-              <a:spcBef>
-                <a:spcPts val="500"/>
-              </a:spcBef>
-              <a:spcAft>
-                <a:spcPts val="0"/>
-              </a:spcAft>
-              <a:buClr>
-                <a:schemeClr val="accent6"/>
-              </a:buClr>
-              <a:buSzPts val="1800"/>
-              <a:buFont typeface="Arial"/>
-              <a:buChar char="•"/>
-              <a:defRPr sz="1800" b="0" i="0" u="none" strike="noStrike" cap="none">
-                <a:solidFill>
-                  <a:srgbClr val="404040"/>
-                </a:solidFill>
-                <a:latin typeface="Arial"/>
-                <a:ea typeface="Arial"/>
-                <a:cs typeface="Arial"/>
-                <a:sym typeface="Arial"/>
-              </a:defRPr>
-            </a:lvl2pPr>
-            <a:lvl3pPr marL="1371600" marR="0" lvl="2" indent="-342900" algn="l" rtl="0">
-              <a:lnSpc>
-                <a:spcPct val="102000"/>
-              </a:lnSpc>
-              <a:spcBef>
-                <a:spcPts val="500"/>
-              </a:spcBef>
-              <a:spcAft>
-                <a:spcPts val="0"/>
-              </a:spcAft>
-              <a:buClr>
-                <a:schemeClr val="accent6"/>
-              </a:buClr>
-              <a:buSzPts val="1800"/>
-              <a:buFont typeface="Arial"/>
-              <a:buChar char="•"/>
-              <a:defRPr sz="1800" b="0" i="0" u="none" strike="noStrike" cap="none">
-                <a:solidFill>
-                  <a:srgbClr val="404040"/>
-                </a:solidFill>
-                <a:latin typeface="Arial"/>
-                <a:ea typeface="Arial"/>
-                <a:cs typeface="Arial"/>
-                <a:sym typeface="Arial"/>
-              </a:defRPr>
-            </a:lvl3pPr>
-            <a:lvl4pPr marL="1828800" marR="0" lvl="3" indent="-342900" algn="l" rtl="0">
-              <a:lnSpc>
-                <a:spcPct val="102000"/>
-              </a:lnSpc>
-              <a:spcBef>
-                <a:spcPts val="500"/>
-              </a:spcBef>
-              <a:spcAft>
-                <a:spcPts val="0"/>
-              </a:spcAft>
-              <a:buClr>
-                <a:schemeClr val="accent6"/>
-              </a:buClr>
-              <a:buSzPts val="1800"/>
-              <a:buFont typeface="Arial"/>
-              <a:buChar char="•"/>
-              <a:defRPr sz="1800" b="0" i="0" u="none" strike="noStrike" cap="none">
-                <a:solidFill>
-                  <a:srgbClr val="404040"/>
-                </a:solidFill>
-                <a:latin typeface="Arial"/>
-                <a:ea typeface="Arial"/>
-                <a:cs typeface="Arial"/>
-                <a:sym typeface="Arial"/>
-              </a:defRPr>
-            </a:lvl4pPr>
-            <a:lvl5pPr marL="2286000" marR="0" lvl="4" indent="-342900" algn="l" rtl="0">
-              <a:lnSpc>
-                <a:spcPct val="102000"/>
-              </a:lnSpc>
-              <a:spcBef>
-                <a:spcPts val="500"/>
-              </a:spcBef>
-              <a:spcAft>
-                <a:spcPts val="0"/>
-              </a:spcAft>
-              <a:buClr>
-                <a:schemeClr val="accent6"/>
-              </a:buClr>
-              <a:buSzPts val="1800"/>
-              <a:buFont typeface="Arial"/>
-              <a:buChar char="•"/>
-              <a:defRPr sz="1800" b="0" i="0" u="none" strike="noStrike" cap="none">
-                <a:solidFill>
-                  <a:srgbClr val="404040"/>
-                </a:solidFill>
-                <a:latin typeface="Arial"/>
-                <a:ea typeface="Arial"/>
-                <a:cs typeface="Arial"/>
-                <a:sym typeface="Arial"/>
-              </a:defRPr>
-            </a:lvl5pPr>
-            <a:lvl6pPr marL="2743200" marR="0" lvl="5" indent="-331470" algn="l" rtl="0">
-              <a:lnSpc>
-                <a:spcPct val="102000"/>
-              </a:lnSpc>
-              <a:spcBef>
-                <a:spcPts val="500"/>
-              </a:spcBef>
-              <a:spcAft>
-                <a:spcPts val="0"/>
-              </a:spcAft>
-              <a:buClr>
-                <a:schemeClr val="dk1"/>
-              </a:buClr>
-              <a:buSzPts val="1620"/>
-              <a:buFont typeface="Arial"/>
-              <a:buChar char="-"/>
-              <a:defRPr sz="1800" b="0" i="0" u="none" strike="noStrike" cap="none">
-                <a:solidFill>
-                  <a:schemeClr val="dk1"/>
-                </a:solidFill>
-                <a:latin typeface="Arial"/>
-                <a:ea typeface="Arial"/>
-                <a:cs typeface="Arial"/>
-                <a:sym typeface="Arial"/>
-              </a:defRPr>
-            </a:lvl6pPr>
-            <a:lvl7pPr marL="3200400" marR="0" lvl="6" indent="-331470" algn="l" rtl="0">
-              <a:lnSpc>
-                <a:spcPct val="102000"/>
-              </a:lnSpc>
-              <a:spcBef>
-                <a:spcPts val="500"/>
-              </a:spcBef>
-              <a:spcAft>
-                <a:spcPts val="0"/>
-              </a:spcAft>
-              <a:buClr>
-                <a:schemeClr val="dk1"/>
-              </a:buClr>
-              <a:buSzPts val="1620"/>
-              <a:buFont typeface="Arial"/>
-              <a:buChar char="-"/>
-              <a:defRPr sz="1800" b="0" i="0" u="none" strike="noStrike" cap="none">
-                <a:solidFill>
-                  <a:schemeClr val="dk1"/>
-                </a:solidFill>
-                <a:latin typeface="Arial"/>
-                <a:ea typeface="Arial"/>
-                <a:cs typeface="Arial"/>
-                <a:sym typeface="Arial"/>
-              </a:defRPr>
-            </a:lvl7pPr>
-            <a:lvl8pPr marL="3657600" marR="0" lvl="7" indent="-331470" algn="l" rtl="0">
-              <a:lnSpc>
-                <a:spcPct val="102000"/>
-              </a:lnSpc>
-              <a:spcBef>
-                <a:spcPts val="500"/>
-              </a:spcBef>
-              <a:spcAft>
-                <a:spcPts val="0"/>
-              </a:spcAft>
-              <a:buClr>
-                <a:schemeClr val="dk1"/>
-              </a:buClr>
-              <a:buSzPts val="1620"/>
-              <a:buFont typeface="Arial"/>
-              <a:buChar char="-"/>
-              <a:defRPr sz="1800" b="0" i="0" u="none" strike="noStrike" cap="none">
-                <a:solidFill>
-                  <a:schemeClr val="dk1"/>
-                </a:solidFill>
-                <a:latin typeface="Arial"/>
-                <a:ea typeface="Arial"/>
-                <a:cs typeface="Arial"/>
-                <a:sym typeface="Arial"/>
-              </a:defRPr>
-            </a:lvl8pPr>
-            <a:lvl9pPr marL="4114800" marR="0" lvl="8" indent="-331470" algn="l" rtl="0">
-              <a:lnSpc>
-                <a:spcPct val="102000"/>
-              </a:lnSpc>
-              <a:spcBef>
-                <a:spcPts val="500"/>
-              </a:spcBef>
-              <a:spcAft>
-                <a:spcPts val="0"/>
-              </a:spcAft>
-              <a:buClr>
-                <a:schemeClr val="dk1"/>
-              </a:buClr>
-              <a:buSzPts val="1620"/>
-              <a:buFont typeface="Arial"/>
-              <a:buChar char="-"/>
-              <a:defRPr sz="1800" b="0" i="0" u="none" strike="noStrike" cap="none">
-                <a:solidFill>
-                  <a:schemeClr val="dk1"/>
-                </a:solidFill>
-                <a:latin typeface="Arial"/>
-                <a:ea typeface="Arial"/>
-                <a:cs typeface="Arial"/>
-                <a:sym typeface="Arial"/>
-              </a:defRPr>
-            </a:lvl9pPr>
-          </a:lstStyle>
-          <a:p>
-            <a:pPr marL="0" indent="0"/>
-            <a:r>
-              <a:rPr lang="de-DE" dirty="0" err="1"/>
-              <a:t>text</a:t>
-            </a:r>
-            <a:endParaRPr lang="en-US" b="0" dirty="0"/>
-          </a:p>
-        </p:txBody>
-      </p:sp>
-    </p:spTree>
-  </p:cSld>
-  <p:clrMapOvr>
-    <a:masterClrMapping/>
-  </p:clrMapOvr>
-</p:sld>
-</file>
-
-<file path=ppt/slides/slide4.xml><?xml version="1.0" encoding="utf-8"?>
-<p:sld xmlns:a="http://schemas.openxmlformats.org/drawingml/2006/main" xmlns:r="http://schemas.openxmlformats.org/officeDocument/2006/relationships" xmlns:p="http://schemas.openxmlformats.org/presentationml/2006/main">
-  <p:cSld>
-    <p:spTree>
-      <p:nvGrpSpPr>
-        <p:cNvPr id="1" name="Shape 69"/>
-        <p:cNvGrpSpPr/>
-        <p:nvPr/>
-      </p:nvGrpSpPr>
-      <p:grpSpPr>
-        <a:xfrm>
-          <a:off x="0" y="0"/>
-          <a:ext cx="0" cy="0"/>
-          <a:chOff x="0" y="0"/>
-          <a:chExt cx="0" cy="0"/>
-        </a:xfrm>
-      </p:grpSpPr>
-      <p:sp>
-        <p:nvSpPr>
-          <p:cNvPr id="71" name="Google Shape;71;gb9e2de6e95_0_1"/>
-          <p:cNvSpPr txBox="1">
-            <a:spLocks noGrp="1"/>
-          </p:cNvSpPr>
-          <p:nvPr>
-            <p:ph type="title"/>
-          </p:nvPr>
-        </p:nvSpPr>
-        <p:spPr>
-          <a:xfrm>
-            <a:off x="696000" y="637107"/>
-            <a:ext cx="9020100" cy="392400"/>
-          </a:xfrm>
-          <a:prstGeom prst="rect">
-            <a:avLst/>
-          </a:prstGeom>
-        </p:spPr>
-        <p:txBody>
-          <a:bodyPr spcFirstLastPara="1" wrap="square" lIns="0" tIns="0" rIns="0" bIns="0" anchor="b" anchorCtr="0">
-            <a:noAutofit/>
-          </a:bodyPr>
-          <a:lstStyle/>
-          <a:p>
-            <a:pPr marL="0" lvl="0" indent="0" algn="l" rtl="0">
-              <a:spcBef>
-                <a:spcPts val="0"/>
-              </a:spcBef>
-              <a:spcAft>
-                <a:spcPts val="0"/>
-              </a:spcAft>
-              <a:buNone/>
-            </a:pPr>
-            <a:r>
-              <a:rPr lang="de-DE" dirty="0"/>
-              <a:t>2. </a:t>
-            </a:r>
-            <a:r>
-              <a:rPr lang="en-BZ" dirty="0"/>
-              <a:t>Preliminaries</a:t>
-            </a:r>
-          </a:p>
-        </p:txBody>
-      </p:sp>
-      <p:sp>
-        <p:nvSpPr>
-          <p:cNvPr id="2" name="Textfeld 1">
-            <a:extLst>
-              <a:ext uri="{FF2B5EF4-FFF2-40B4-BE49-F238E27FC236}">
-                <a16:creationId xmlns:a16="http://schemas.microsoft.com/office/drawing/2014/main" id="{30A035FF-45D1-4988-A980-898865FFE32B}"/>
-              </a:ext>
-            </a:extLst>
-          </p:cNvPr>
-          <p:cNvSpPr txBox="1"/>
-          <p:nvPr/>
-        </p:nvSpPr>
-        <p:spPr>
-          <a:xfrm>
-            <a:off x="566058" y="6629048"/>
-            <a:ext cx="12115800" cy="261610"/>
-          </a:xfrm>
-          <a:prstGeom prst="rect">
-            <a:avLst/>
-          </a:prstGeom>
-          <a:noFill/>
-        </p:spPr>
-        <p:txBody>
-          <a:bodyPr wrap="square" rtlCol="0">
-            <a:spAutoFit/>
-          </a:bodyPr>
-          <a:lstStyle/>
-          <a:p>
-            <a:r>
-              <a:rPr lang="en-BZ" sz="1100" dirty="0"/>
-              <a:t>Motivation</a:t>
-            </a:r>
-            <a:r>
-              <a:rPr lang="en-BZ" sz="1100" b="1" dirty="0"/>
-              <a:t> |</a:t>
-            </a:r>
-            <a:r>
-              <a:rPr lang="en-BZ" sz="1100" dirty="0"/>
-              <a:t> </a:t>
-            </a:r>
-            <a:r>
-              <a:rPr lang="en-BZ" sz="1100" b="1" dirty="0"/>
-              <a:t>Preliminaries</a:t>
-            </a:r>
-            <a:r>
-              <a:rPr lang="en-BZ" sz="1100" dirty="0"/>
-              <a:t> </a:t>
-            </a:r>
-            <a:r>
-              <a:rPr lang="en-BZ" sz="1100" b="1" dirty="0"/>
-              <a:t>|</a:t>
-            </a:r>
-            <a:r>
-              <a:rPr lang="en-BZ" sz="1100" dirty="0"/>
-              <a:t> Methodology </a:t>
-            </a:r>
-            <a:r>
-              <a:rPr lang="en-BZ" sz="1100" b="1" dirty="0"/>
-              <a:t>|</a:t>
-            </a:r>
-            <a:r>
-              <a:rPr lang="en-BZ" sz="1100" dirty="0"/>
-              <a:t> Literature review </a:t>
-            </a:r>
-            <a:r>
-              <a:rPr lang="en-BZ" sz="1100" b="1" dirty="0"/>
-              <a:t>|</a:t>
-            </a:r>
-            <a:r>
-              <a:rPr lang="en-BZ" sz="1100" dirty="0"/>
-              <a:t> Solution categorization </a:t>
-            </a:r>
-            <a:r>
-              <a:rPr lang="en-BZ" sz="1100" b="1" dirty="0"/>
-              <a:t>|</a:t>
-            </a:r>
-            <a:r>
-              <a:rPr lang="en-BZ" sz="1100" dirty="0"/>
-              <a:t> IoTs own footprint </a:t>
-            </a:r>
-            <a:r>
-              <a:rPr lang="en-BZ" sz="1100" b="1" dirty="0"/>
-              <a:t>|</a:t>
-            </a:r>
-            <a:r>
-              <a:rPr lang="en-BZ" sz="1100" dirty="0"/>
-              <a:t> IoT in food manufacturing </a:t>
-            </a:r>
-            <a:r>
-              <a:rPr lang="en-BZ" sz="1100" b="1" dirty="0"/>
-              <a:t>|</a:t>
-            </a:r>
-            <a:r>
-              <a:rPr lang="en-BZ" sz="1100" dirty="0"/>
-              <a:t> Discussion </a:t>
-            </a:r>
-            <a:r>
-              <a:rPr lang="en-BZ" sz="1100" b="1" dirty="0"/>
-              <a:t>|</a:t>
-            </a:r>
-            <a:r>
-              <a:rPr lang="en-BZ" sz="1100" dirty="0"/>
-              <a:t> Conclusion</a:t>
-            </a:r>
-          </a:p>
-        </p:txBody>
-      </p:sp>
-      <p:graphicFrame>
-        <p:nvGraphicFramePr>
-          <p:cNvPr id="3" name="Diagramm 2">
-            <a:extLst>
-              <a:ext uri="{FF2B5EF4-FFF2-40B4-BE49-F238E27FC236}">
-                <a16:creationId xmlns:a16="http://schemas.microsoft.com/office/drawing/2014/main" id="{6F07DC86-701E-4C65-989C-F4F28209221F}"/>
-              </a:ext>
-            </a:extLst>
-          </p:cNvPr>
-          <p:cNvGraphicFramePr/>
-          <p:nvPr>
-            <p:extLst>
-              <p:ext uri="{D42A27DB-BD31-4B8C-83A1-F6EECF244321}">
-                <p14:modId xmlns:p14="http://schemas.microsoft.com/office/powerpoint/2010/main" val="1808438685"/>
-              </p:ext>
-            </p:extLst>
-          </p:nvPr>
-        </p:nvGraphicFramePr>
-        <p:xfrm>
-          <a:off x="1054099" y="1317171"/>
-          <a:ext cx="9951358" cy="4814803"/>
-        </p:xfrm>
-        <a:graphic>
-          <a:graphicData uri="http://schemas.openxmlformats.org/drawingml/2006/diagram">
-            <dgm:relIds xmlns:dgm="http://schemas.openxmlformats.org/drawingml/2006/diagram" xmlns:r="http://schemas.openxmlformats.org/officeDocument/2006/relationships" r:dm="rId3" r:lo="rId4" r:qs="rId5" r:cs="rId6"/>
-          </a:graphicData>
-        </a:graphic>
-      </p:graphicFrame>
-    </p:spTree>
-    <p:extLst>
-      <p:ext uri="{BB962C8B-B14F-4D97-AF65-F5344CB8AC3E}">
-        <p14:creationId xmlns:p14="http://schemas.microsoft.com/office/powerpoint/2010/main" val="2137708799"/>
-      </p:ext>
-    </p:extLst>
-  </p:cSld>
-  <p:clrMapOvr>
-    <a:masterClrMapping/>
-  </p:clrMapOvr>
-</p:sld>
-</file>
-
-<file path=ppt/slides/slide5.xml><?xml version="1.0" encoding="utf-8"?>
-<p:sld xmlns:a="http://schemas.openxmlformats.org/drawingml/2006/main" xmlns:r="http://schemas.openxmlformats.org/officeDocument/2006/relationships" xmlns:p="http://schemas.openxmlformats.org/presentationml/2006/main">
-  <p:cSld>
-    <p:spTree>
-      <p:nvGrpSpPr>
-        <p:cNvPr id="1" name="Shape 69"/>
-        <p:cNvGrpSpPr/>
-        <p:nvPr/>
-      </p:nvGrpSpPr>
-      <p:grpSpPr>
-        <a:xfrm>
-          <a:off x="0" y="0"/>
-          <a:ext cx="0" cy="0"/>
-          <a:chOff x="0" y="0"/>
-          <a:chExt cx="0" cy="0"/>
-        </a:xfrm>
-      </p:grpSpPr>
-      <p:sp>
-        <p:nvSpPr>
-          <p:cNvPr id="70" name="Google Shape;70;gb9e2de6e95_0_1"/>
-          <p:cNvSpPr txBox="1">
-            <a:spLocks noGrp="1"/>
-          </p:cNvSpPr>
-          <p:nvPr>
-            <p:ph type="body" idx="1"/>
-          </p:nvPr>
-        </p:nvSpPr>
-        <p:spPr>
-          <a:xfrm>
-            <a:off x="559928" y="1447894"/>
-            <a:ext cx="10800000" cy="392400"/>
-          </a:xfrm>
-          <a:prstGeom prst="rect">
-            <a:avLst/>
-          </a:prstGeom>
-        </p:spPr>
-        <p:txBody>
-          <a:bodyPr spcFirstLastPara="1" wrap="square" lIns="0" tIns="0" rIns="0" bIns="0" anchor="t" anchorCtr="0">
-            <a:noAutofit/>
-          </a:bodyPr>
-          <a:lstStyle/>
-          <a:p>
-            <a:pPr marL="0" lvl="0" indent="0" algn="l" rtl="0">
-              <a:spcBef>
-                <a:spcPts val="500"/>
-              </a:spcBef>
-              <a:spcAft>
-                <a:spcPts val="0"/>
-              </a:spcAft>
-              <a:buNone/>
-            </a:pPr>
-            <a:r>
-              <a:rPr lang="de-DE" b="0" dirty="0" err="1"/>
-              <a:t>Systematic</a:t>
-            </a:r>
-            <a:r>
-              <a:rPr lang="de-DE" b="0" dirty="0"/>
-              <a:t> </a:t>
-            </a:r>
-            <a:r>
-              <a:rPr lang="de-DE" b="0" dirty="0" err="1"/>
-              <a:t>literature</a:t>
-            </a:r>
-            <a:r>
-              <a:rPr lang="de-DE" b="0" dirty="0"/>
-              <a:t> </a:t>
-            </a:r>
-            <a:r>
-              <a:rPr lang="de-DE" b="0" dirty="0" err="1"/>
-              <a:t>research</a:t>
-            </a:r>
-            <a:r>
-              <a:rPr lang="de-DE" b="0" dirty="0"/>
-              <a:t> </a:t>
-            </a:r>
-            <a:r>
-              <a:rPr lang="de-DE" b="0" dirty="0" err="1"/>
-              <a:t>based</a:t>
-            </a:r>
-            <a:r>
-              <a:rPr lang="de-DE" b="0" dirty="0"/>
-              <a:t> on vom Brocke et al. (2009)</a:t>
-            </a:r>
-            <a:endParaRPr b="0" dirty="0"/>
-          </a:p>
-        </p:txBody>
-      </p:sp>
-      <p:sp>
-        <p:nvSpPr>
-          <p:cNvPr id="71" name="Google Shape;71;gb9e2de6e95_0_1"/>
-          <p:cNvSpPr txBox="1">
-            <a:spLocks noGrp="1"/>
-          </p:cNvSpPr>
-          <p:nvPr>
-            <p:ph type="title"/>
-          </p:nvPr>
-        </p:nvSpPr>
-        <p:spPr>
-          <a:xfrm>
-            <a:off x="696000" y="637107"/>
-            <a:ext cx="9020100" cy="392400"/>
-          </a:xfrm>
-          <a:prstGeom prst="rect">
-            <a:avLst/>
-          </a:prstGeom>
-        </p:spPr>
-        <p:txBody>
-          <a:bodyPr spcFirstLastPara="1" wrap="square" lIns="0" tIns="0" rIns="0" bIns="0" anchor="b" anchorCtr="0">
-            <a:noAutofit/>
-          </a:bodyPr>
-          <a:lstStyle/>
-          <a:p>
-            <a:pPr marL="0" lvl="0" indent="0" algn="l" rtl="0">
-              <a:spcBef>
-                <a:spcPts val="0"/>
-              </a:spcBef>
-              <a:spcAft>
-                <a:spcPts val="0"/>
-              </a:spcAft>
-              <a:buNone/>
-            </a:pPr>
-            <a:r>
-              <a:rPr lang="de-DE" dirty="0"/>
-              <a:t>3. </a:t>
-            </a:r>
-            <a:r>
-              <a:rPr lang="de-DE" dirty="0" err="1"/>
-              <a:t>Methodology</a:t>
-            </a:r>
-            <a:endParaRPr dirty="0"/>
-          </a:p>
-        </p:txBody>
-      </p:sp>
-      <p:sp>
-        <p:nvSpPr>
-          <p:cNvPr id="2" name="Textfeld 1">
-            <a:extLst>
-              <a:ext uri="{FF2B5EF4-FFF2-40B4-BE49-F238E27FC236}">
-                <a16:creationId xmlns:a16="http://schemas.microsoft.com/office/drawing/2014/main" id="{30A035FF-45D1-4988-A980-898865FFE32B}"/>
-              </a:ext>
-            </a:extLst>
-          </p:cNvPr>
-          <p:cNvSpPr txBox="1"/>
-          <p:nvPr/>
-        </p:nvSpPr>
-        <p:spPr>
-          <a:xfrm>
-            <a:off x="566058" y="6629048"/>
-            <a:ext cx="12115800" cy="261610"/>
-          </a:xfrm>
-          <a:prstGeom prst="rect">
-            <a:avLst/>
-          </a:prstGeom>
-          <a:noFill/>
-        </p:spPr>
-        <p:txBody>
-          <a:bodyPr wrap="square" rtlCol="0">
-            <a:spAutoFit/>
-          </a:bodyPr>
-          <a:lstStyle/>
-          <a:p>
-            <a:r>
-              <a:rPr lang="de-DE" sz="1100" dirty="0"/>
-              <a:t>Motivation</a:t>
-            </a:r>
-            <a:r>
-              <a:rPr lang="de-DE" sz="1100" b="1" dirty="0"/>
-              <a:t> |</a:t>
-            </a:r>
-            <a:r>
-              <a:rPr lang="de-DE" sz="1100" dirty="0"/>
-              <a:t> </a:t>
-            </a:r>
-            <a:r>
-              <a:rPr lang="de-DE" sz="1100" dirty="0" err="1"/>
-              <a:t>Preliminaries</a:t>
-            </a:r>
-            <a:r>
-              <a:rPr lang="de-DE" sz="1100" dirty="0"/>
-              <a:t> </a:t>
-            </a:r>
-            <a:r>
-              <a:rPr lang="de-DE" sz="1100" b="1" dirty="0"/>
-              <a:t>|</a:t>
-            </a:r>
-            <a:r>
-              <a:rPr lang="de-DE" sz="1100" dirty="0"/>
-              <a:t> </a:t>
-            </a:r>
-            <a:r>
-              <a:rPr lang="de-DE" sz="1100" b="1" dirty="0" err="1"/>
-              <a:t>Methodology</a:t>
-            </a:r>
-            <a:r>
-              <a:rPr lang="de-DE" sz="1100" dirty="0"/>
-              <a:t> </a:t>
-            </a:r>
-            <a:r>
-              <a:rPr lang="de-DE" sz="1100" b="1" dirty="0"/>
-              <a:t>|</a:t>
-            </a:r>
-            <a:r>
-              <a:rPr lang="de-DE" sz="1100" dirty="0"/>
-              <a:t> </a:t>
-            </a:r>
-            <a:r>
-              <a:rPr lang="de-DE" sz="1100" dirty="0" err="1"/>
-              <a:t>Literature</a:t>
-            </a:r>
-            <a:r>
-              <a:rPr lang="de-DE" sz="1100" dirty="0"/>
-              <a:t> review </a:t>
-            </a:r>
-            <a:r>
-              <a:rPr lang="de-DE" sz="1100" b="1" dirty="0"/>
-              <a:t>|</a:t>
-            </a:r>
-            <a:r>
-              <a:rPr lang="de-DE" sz="1100" dirty="0"/>
-              <a:t> Solution </a:t>
-            </a:r>
-            <a:r>
-              <a:rPr lang="de-DE" sz="1100" dirty="0" err="1"/>
-              <a:t>categorization</a:t>
-            </a:r>
-            <a:r>
-              <a:rPr lang="de-DE" sz="1100" dirty="0"/>
-              <a:t> </a:t>
-            </a:r>
-            <a:r>
-              <a:rPr lang="de-DE" sz="1100" b="1" dirty="0"/>
-              <a:t>|</a:t>
-            </a:r>
-            <a:r>
-              <a:rPr lang="de-DE" sz="1100" dirty="0"/>
-              <a:t> </a:t>
-            </a:r>
-            <a:r>
-              <a:rPr lang="de-DE" sz="1100" dirty="0" err="1"/>
-              <a:t>IoTs</a:t>
-            </a:r>
-            <a:r>
-              <a:rPr lang="de-DE" sz="1100" dirty="0"/>
-              <a:t> own </a:t>
-            </a:r>
-            <a:r>
-              <a:rPr lang="de-DE" sz="1100" dirty="0" err="1"/>
-              <a:t>footprint</a:t>
-            </a:r>
-            <a:r>
-              <a:rPr lang="de-DE" sz="1100" dirty="0"/>
-              <a:t> </a:t>
-            </a:r>
-            <a:r>
-              <a:rPr lang="de-DE" sz="1100" b="1" dirty="0"/>
-              <a:t>|</a:t>
-            </a:r>
-            <a:r>
-              <a:rPr lang="de-DE" sz="1100" dirty="0"/>
-              <a:t> IoT in </a:t>
-            </a:r>
-            <a:r>
-              <a:rPr lang="de-DE" sz="1100" dirty="0" err="1"/>
-              <a:t>food</a:t>
-            </a:r>
-            <a:r>
-              <a:rPr lang="de-DE" sz="1100" dirty="0"/>
-              <a:t> </a:t>
-            </a:r>
-            <a:r>
-              <a:rPr lang="de-DE" sz="1100" dirty="0" err="1"/>
-              <a:t>manufacturing</a:t>
-            </a:r>
-            <a:r>
-              <a:rPr lang="de-DE" sz="1100" dirty="0"/>
-              <a:t> </a:t>
-            </a:r>
-            <a:r>
-              <a:rPr lang="de-DE" sz="1100" b="1" dirty="0"/>
-              <a:t>|</a:t>
-            </a:r>
-            <a:r>
-              <a:rPr lang="de-DE" sz="1100" dirty="0"/>
-              <a:t> </a:t>
-            </a:r>
-            <a:r>
-              <a:rPr lang="de-DE" sz="1100" dirty="0" err="1"/>
-              <a:t>Discussion</a:t>
-            </a:r>
-            <a:r>
-              <a:rPr lang="de-DE" sz="1100" dirty="0"/>
-              <a:t> </a:t>
-            </a:r>
-            <a:r>
-              <a:rPr lang="de-DE" sz="1100" b="1" dirty="0"/>
-              <a:t>|</a:t>
-            </a:r>
-            <a:r>
-              <a:rPr lang="de-DE" sz="1100" dirty="0"/>
-              <a:t> </a:t>
-            </a:r>
-            <a:r>
-              <a:rPr lang="de-DE" sz="1100" dirty="0" err="1"/>
-              <a:t>Conclusion</a:t>
-            </a:r>
-            <a:endParaRPr lang="de-DE" sz="1100" dirty="0"/>
-          </a:p>
-        </p:txBody>
-      </p:sp>
-      <p:pic>
-        <p:nvPicPr>
-          <p:cNvPr id="4" name="Grafik 3">
-            <a:extLst>
-              <a:ext uri="{FF2B5EF4-FFF2-40B4-BE49-F238E27FC236}">
-                <a16:creationId xmlns:a16="http://schemas.microsoft.com/office/drawing/2014/main" id="{00C2E069-81A2-4AE8-8C2B-0526C7E627D6}"/>
-              </a:ext>
-            </a:extLst>
-          </p:cNvPr>
-          <p:cNvPicPr>
-            <a:picLocks noChangeAspect="1"/>
-          </p:cNvPicPr>
-          <p:nvPr/>
-        </p:nvPicPr>
-        <p:blipFill rotWithShape="1">
-          <a:blip r:embed="rId3"/>
-          <a:srcRect t="1" b="2955"/>
-          <a:stretch/>
-        </p:blipFill>
-        <p:spPr>
-          <a:xfrm>
-            <a:off x="495356" y="1958354"/>
-            <a:ext cx="4748794" cy="2292397"/>
-          </a:xfrm>
-          <a:prstGeom prst="rect">
-            <a:avLst/>
-          </a:prstGeom>
-        </p:spPr>
-      </p:pic>
-      <p:sp>
-        <p:nvSpPr>
-          <p:cNvPr id="3" name="Textfeld 2">
-            <a:extLst>
-              <a:ext uri="{FF2B5EF4-FFF2-40B4-BE49-F238E27FC236}">
-                <a16:creationId xmlns:a16="http://schemas.microsoft.com/office/drawing/2014/main" id="{F57BC401-A6AB-4314-965D-704FCA7E28B5}"/>
-              </a:ext>
-            </a:extLst>
-          </p:cNvPr>
-          <p:cNvSpPr txBox="1"/>
-          <p:nvPr/>
-        </p:nvSpPr>
-        <p:spPr>
-          <a:xfrm>
-            <a:off x="5255636" y="2483057"/>
-            <a:ext cx="6509656" cy="1200329"/>
-          </a:xfrm>
-          <a:prstGeom prst="rect">
-            <a:avLst/>
-          </a:prstGeom>
-          <a:noFill/>
-        </p:spPr>
-        <p:txBody>
-          <a:bodyPr wrap="square" rtlCol="0">
-            <a:spAutoFit/>
-          </a:bodyPr>
-          <a:lstStyle/>
-          <a:p>
-            <a:r>
-              <a:rPr lang="en-US" sz="1800" b="1" dirty="0"/>
-              <a:t>Initial search terms:</a:t>
-            </a:r>
-          </a:p>
-          <a:p>
-            <a:pPr marL="285750" indent="-285750">
-              <a:buFont typeface="Arial" panose="020B0604020202020204" pitchFamily="34" charset="0"/>
-              <a:buChar char="•"/>
-            </a:pPr>
-            <a:r>
-              <a:rPr lang="en-US" sz="1800" dirty="0"/>
-              <a:t>supply chain AND sustainability AND internet of things</a:t>
-            </a:r>
-          </a:p>
-          <a:p>
-            <a:pPr marL="285750" indent="-285750">
-              <a:buFont typeface="Arial" panose="020B0604020202020204" pitchFamily="34" charset="0"/>
-              <a:buChar char="•"/>
-            </a:pPr>
-            <a:r>
-              <a:rPr lang="en-US" sz="1800" dirty="0"/>
-              <a:t>supply chain AND carbon emissions AND internet of things</a:t>
-            </a:r>
-          </a:p>
-          <a:p>
-            <a:pPr marL="285750" indent="-285750">
-              <a:buFont typeface="Arial" panose="020B0604020202020204" pitchFamily="34" charset="0"/>
-              <a:buChar char="•"/>
-            </a:pPr>
-            <a:r>
-              <a:rPr lang="en-US" sz="1800" dirty="0"/>
-              <a:t>supply chain AND green AND internet of things</a:t>
-            </a:r>
-            <a:endParaRPr lang="de-DE" sz="1800" dirty="0"/>
-          </a:p>
-        </p:txBody>
-      </p:sp>
-      <p:sp>
-        <p:nvSpPr>
-          <p:cNvPr id="5" name="Textfeld 4">
-            <a:extLst>
-              <a:ext uri="{FF2B5EF4-FFF2-40B4-BE49-F238E27FC236}">
-                <a16:creationId xmlns:a16="http://schemas.microsoft.com/office/drawing/2014/main" id="{34FD172A-D5B8-405D-8A93-4F35026BE38D}"/>
-              </a:ext>
-            </a:extLst>
-          </p:cNvPr>
-          <p:cNvSpPr txBox="1"/>
-          <p:nvPr/>
-        </p:nvSpPr>
-        <p:spPr>
-          <a:xfrm>
-            <a:off x="2373085" y="4930642"/>
-            <a:ext cx="6640286" cy="307777"/>
-          </a:xfrm>
-          <a:prstGeom prst="rect">
-            <a:avLst/>
-          </a:prstGeom>
-          <a:noFill/>
-        </p:spPr>
-        <p:txBody>
-          <a:bodyPr wrap="square" rtlCol="0">
-            <a:spAutoFit/>
-          </a:bodyPr>
-          <a:lstStyle/>
-          <a:p>
-            <a:pPr algn="ctr"/>
-            <a:r>
-              <a:rPr lang="en-US" dirty="0"/>
-              <a:t>Refine of search term based on concept map &amp; forward and backward search</a:t>
-            </a:r>
-            <a:endParaRPr lang="de-DE" dirty="0"/>
-          </a:p>
-        </p:txBody>
-      </p:sp>
-      <p:sp>
-        <p:nvSpPr>
-          <p:cNvPr id="9" name="Pfeil: nach unten 8">
-            <a:extLst>
-              <a:ext uri="{FF2B5EF4-FFF2-40B4-BE49-F238E27FC236}">
-                <a16:creationId xmlns:a16="http://schemas.microsoft.com/office/drawing/2014/main" id="{B19E29E7-E0AF-434A-B5D7-BE64DB424A70}"/>
-              </a:ext>
-            </a:extLst>
-          </p:cNvPr>
-          <p:cNvSpPr/>
-          <p:nvPr/>
-        </p:nvSpPr>
-        <p:spPr>
-          <a:xfrm>
-            <a:off x="5426528" y="5371390"/>
-            <a:ext cx="533400" cy="423992"/>
-          </a:xfrm>
-          <a:prstGeom prst="downArrow">
-            <a:avLst/>
-          </a:prstGeom>
-        </p:spPr>
-        <p:style>
-          <a:lnRef idx="2">
-            <a:schemeClr val="accent1">
-              <a:shade val="50000"/>
-            </a:schemeClr>
-          </a:lnRef>
-          <a:fillRef idx="1">
-            <a:schemeClr val="accent1"/>
-          </a:fillRef>
-          <a:effectRef idx="0">
-            <a:schemeClr val="accent1"/>
-          </a:effectRef>
-          <a:fontRef idx="minor">
-            <a:schemeClr val="lt1"/>
-          </a:fontRef>
-        </p:style>
-        <p:txBody>
-          <a:bodyPr rtlCol="0" anchor="ctr"/>
-          <a:lstStyle/>
-          <a:p>
-            <a:pPr algn="ctr"/>
-            <a:endParaRPr lang="de-DE"/>
-          </a:p>
-        </p:txBody>
-      </p:sp>
-      <p:sp>
-        <p:nvSpPr>
-          <p:cNvPr id="10" name="Textfeld 9">
-            <a:extLst>
-              <a:ext uri="{FF2B5EF4-FFF2-40B4-BE49-F238E27FC236}">
-                <a16:creationId xmlns:a16="http://schemas.microsoft.com/office/drawing/2014/main" id="{9FB56B7F-0CC5-4633-82CD-4FF8C5E5E04B}"/>
-              </a:ext>
-            </a:extLst>
-          </p:cNvPr>
-          <p:cNvSpPr txBox="1"/>
-          <p:nvPr/>
-        </p:nvSpPr>
-        <p:spPr>
-          <a:xfrm>
-            <a:off x="2373085" y="5797636"/>
-            <a:ext cx="6640286" cy="307777"/>
-          </a:xfrm>
-          <a:prstGeom prst="rect">
-            <a:avLst/>
-          </a:prstGeom>
-          <a:noFill/>
-        </p:spPr>
-        <p:txBody>
-          <a:bodyPr wrap="square" rtlCol="0">
-            <a:spAutoFit/>
-          </a:bodyPr>
-          <a:lstStyle/>
-          <a:p>
-            <a:pPr algn="ctr"/>
-            <a:r>
-              <a:rPr lang="en-US" dirty="0" err="1"/>
-              <a:t>Biblioemtric</a:t>
-            </a:r>
-            <a:r>
-              <a:rPr lang="en-US" dirty="0"/>
-              <a:t> analysis using the tool MAXQDA</a:t>
-            </a:r>
-            <a:endParaRPr lang="de-DE" dirty="0"/>
-          </a:p>
-        </p:txBody>
-      </p:sp>
-      <p:sp>
-        <p:nvSpPr>
-          <p:cNvPr id="11" name="Pfeil: nach unten 10">
-            <a:extLst>
-              <a:ext uri="{FF2B5EF4-FFF2-40B4-BE49-F238E27FC236}">
-                <a16:creationId xmlns:a16="http://schemas.microsoft.com/office/drawing/2014/main" id="{B67C317C-5866-40CC-898B-C021AA3725E4}"/>
-              </a:ext>
-            </a:extLst>
-          </p:cNvPr>
-          <p:cNvSpPr/>
-          <p:nvPr/>
-        </p:nvSpPr>
-        <p:spPr>
-          <a:xfrm>
-            <a:off x="5426528" y="4378701"/>
-            <a:ext cx="533400" cy="423992"/>
-          </a:xfrm>
-          <a:prstGeom prst="downArrow">
-            <a:avLst/>
-          </a:prstGeom>
-        </p:spPr>
-        <p:style>
-          <a:lnRef idx="2">
-            <a:schemeClr val="accent1">
-              <a:shade val="50000"/>
-            </a:schemeClr>
-          </a:lnRef>
-          <a:fillRef idx="1">
-            <a:schemeClr val="accent1"/>
-          </a:fillRef>
-          <a:effectRef idx="0">
-            <a:schemeClr val="accent1"/>
-          </a:effectRef>
-          <a:fontRef idx="minor">
-            <a:schemeClr val="lt1"/>
-          </a:fontRef>
-        </p:style>
-        <p:txBody>
-          <a:bodyPr rtlCol="0" anchor="ctr"/>
-          <a:lstStyle/>
-          <a:p>
-            <a:pPr algn="ctr"/>
-            <a:endParaRPr lang="de-DE"/>
-          </a:p>
-        </p:txBody>
-      </p:sp>
-    </p:spTree>
-    <p:extLst>
-      <p:ext uri="{BB962C8B-B14F-4D97-AF65-F5344CB8AC3E}">
-        <p14:creationId xmlns:p14="http://schemas.microsoft.com/office/powerpoint/2010/main" val="2243267153"/>
-      </p:ext>
-    </p:extLst>
-  </p:cSld>
-  <p:clrMapOvr>
-    <a:masterClrMapping/>
-  </p:clrMapOvr>
-</p:sld>
-</file>
-
-<file path=ppt/slides/slide6.xml><?xml version="1.0" encoding="utf-8"?>
-<p:sld xmlns:a="http://schemas.openxmlformats.org/drawingml/2006/main" xmlns:r="http://schemas.openxmlformats.org/officeDocument/2006/relationships" xmlns:p="http://schemas.openxmlformats.org/presentationml/2006/main">
-  <p:cSld>
-    <p:spTree>
-      <p:nvGrpSpPr>
-        <p:cNvPr id="1" name="Shape 69"/>
-        <p:cNvGrpSpPr/>
-        <p:nvPr/>
-      </p:nvGrpSpPr>
-      <p:grpSpPr>
-        <a:xfrm>
-          <a:off x="0" y="0"/>
-          <a:ext cx="0" cy="0"/>
-          <a:chOff x="0" y="0"/>
-          <a:chExt cx="0" cy="0"/>
-        </a:xfrm>
-      </p:grpSpPr>
-      <p:sp>
-        <p:nvSpPr>
-          <p:cNvPr id="70" name="Google Shape;70;gb9e2de6e95_0_1"/>
-          <p:cNvSpPr txBox="1">
-            <a:spLocks noGrp="1"/>
-          </p:cNvSpPr>
-          <p:nvPr>
-            <p:ph type="body" idx="1"/>
-          </p:nvPr>
-        </p:nvSpPr>
-        <p:spPr>
-          <a:xfrm>
-            <a:off x="696000" y="1274422"/>
-            <a:ext cx="10800000" cy="5040000"/>
-          </a:xfrm>
-          <a:prstGeom prst="rect">
-            <a:avLst/>
-          </a:prstGeom>
-        </p:spPr>
-        <p:txBody>
-          <a:bodyPr spcFirstLastPara="1" wrap="square" lIns="0" tIns="0" rIns="0" bIns="0" anchor="t" anchorCtr="0">
-            <a:noAutofit/>
-          </a:bodyPr>
-          <a:lstStyle/>
-          <a:p>
-            <a:pPr marL="0" indent="0"/>
-            <a:r>
-              <a:rPr lang="de-DE" dirty="0"/>
-              <a:t>Ilic et al. (2009)</a:t>
-            </a:r>
+              <a:t>Short-term profit maximization is often seen as more important than long-term emissions reduction</a:t>
+            </a:r>
+            <a:endParaRPr lang="de-DE" b="0" dirty="0"/>
           </a:p>
           <a:p>
             <a:pPr marL="0" lvl="0" indent="0" algn="l" rtl="0">
@@ -14111,7 +16021,25 @@
               <a:spcAft>
                 <a:spcPts val="0"/>
               </a:spcAft>
-              <a:buNone/>
+            </a:pPr>
+            <a:r>
+              <a:rPr lang="de-DE" b="0" dirty="0"/>
+              <a:t>BUT: </a:t>
+            </a:r>
+            <a:r>
+              <a:rPr lang="en-US" b="0" dirty="0"/>
+              <a:t>No climate protection is more expensive in the long term than introducing appropriate measures to reduce emissions</a:t>
+            </a:r>
+            <a:endParaRPr lang="de-DE" b="0" dirty="0"/>
+          </a:p>
+          <a:p>
+            <a:pPr marL="0" lvl="0" indent="0" algn="l" rtl="0">
+              <a:spcBef>
+                <a:spcPts val="500"/>
+              </a:spcBef>
+              <a:spcAft>
+                <a:spcPts val="0"/>
+              </a:spcAft>
             </a:pPr>
             <a:endParaRPr dirty="0"/>
           </a:p>
@@ -14153,581 +16081,6 @@
             </a:pPr>
             <a:r>
               <a:rPr lang="de-DE" dirty="0"/>
-              <a:t>6. </a:t>
-            </a:r>
-            <a:r>
-              <a:rPr lang="de-DE" dirty="0" err="1"/>
-              <a:t>IoTs</a:t>
-            </a:r>
-            <a:r>
-              <a:rPr lang="de-DE" dirty="0"/>
-              <a:t> own </a:t>
-            </a:r>
-            <a:r>
-              <a:rPr lang="de-DE" dirty="0" err="1"/>
-              <a:t>footprint</a:t>
-            </a:r>
-            <a:endParaRPr dirty="0"/>
-          </a:p>
-        </p:txBody>
-      </p:sp>
-      <p:sp>
-        <p:nvSpPr>
-          <p:cNvPr id="2" name="Textfeld 1">
-            <a:extLst>
-              <a:ext uri="{FF2B5EF4-FFF2-40B4-BE49-F238E27FC236}">
-                <a16:creationId xmlns:a16="http://schemas.microsoft.com/office/drawing/2014/main" id="{30A035FF-45D1-4988-A980-898865FFE32B}"/>
-              </a:ext>
-            </a:extLst>
-          </p:cNvPr>
-          <p:cNvSpPr txBox="1"/>
-          <p:nvPr/>
-        </p:nvSpPr>
-        <p:spPr>
-          <a:xfrm>
-            <a:off x="566058" y="6629048"/>
-            <a:ext cx="12115800" cy="261610"/>
-          </a:xfrm>
-          <a:prstGeom prst="rect">
-            <a:avLst/>
-          </a:prstGeom>
-          <a:noFill/>
-        </p:spPr>
-        <p:txBody>
-          <a:bodyPr wrap="square" rtlCol="0">
-            <a:spAutoFit/>
-          </a:bodyPr>
-          <a:lstStyle/>
-          <a:p>
-            <a:r>
-              <a:rPr lang="de-DE" sz="1100" dirty="0"/>
-              <a:t>Motivation</a:t>
-            </a:r>
-            <a:r>
-              <a:rPr lang="de-DE" sz="1100" b="1" dirty="0"/>
-              <a:t> |</a:t>
-            </a:r>
-            <a:r>
-              <a:rPr lang="de-DE" sz="1100" dirty="0"/>
-              <a:t> </a:t>
-            </a:r>
-            <a:r>
-              <a:rPr lang="de-DE" sz="1100" dirty="0" err="1"/>
-              <a:t>Preliminaries</a:t>
-            </a:r>
-            <a:r>
-              <a:rPr lang="de-DE" sz="1100" dirty="0"/>
-              <a:t> </a:t>
-            </a:r>
-            <a:r>
-              <a:rPr lang="de-DE" sz="1100" b="1" dirty="0"/>
-              <a:t>|</a:t>
-            </a:r>
-            <a:r>
-              <a:rPr lang="de-DE" sz="1100" dirty="0"/>
-              <a:t> </a:t>
-            </a:r>
-            <a:r>
-              <a:rPr lang="de-DE" sz="1100" dirty="0" err="1"/>
-              <a:t>Methodology</a:t>
-            </a:r>
-            <a:r>
-              <a:rPr lang="de-DE" sz="1100" dirty="0"/>
-              <a:t> </a:t>
-            </a:r>
-            <a:r>
-              <a:rPr lang="de-DE" sz="1100" b="1" dirty="0"/>
-              <a:t>|</a:t>
-            </a:r>
-            <a:r>
-              <a:rPr lang="de-DE" sz="1100" dirty="0"/>
-              <a:t> </a:t>
-            </a:r>
-            <a:r>
-              <a:rPr lang="de-DE" sz="1100" dirty="0" err="1"/>
-              <a:t>Literature</a:t>
-            </a:r>
-            <a:r>
-              <a:rPr lang="de-DE" sz="1100" dirty="0"/>
-              <a:t> review </a:t>
-            </a:r>
-            <a:r>
-              <a:rPr lang="de-DE" sz="1100" b="1" dirty="0"/>
-              <a:t>|</a:t>
-            </a:r>
-            <a:r>
-              <a:rPr lang="de-DE" sz="1100" dirty="0"/>
-              <a:t> Solution </a:t>
-            </a:r>
-            <a:r>
-              <a:rPr lang="de-DE" sz="1100" dirty="0" err="1"/>
-              <a:t>categorization</a:t>
-            </a:r>
-            <a:r>
-              <a:rPr lang="de-DE" sz="1100" dirty="0"/>
-              <a:t> </a:t>
-            </a:r>
-            <a:r>
-              <a:rPr lang="de-DE" sz="1100" b="1" dirty="0"/>
-              <a:t>|</a:t>
-            </a:r>
-            <a:r>
-              <a:rPr lang="de-DE" sz="1100" dirty="0"/>
-              <a:t> </a:t>
-            </a:r>
-            <a:r>
-              <a:rPr lang="de-DE" sz="1100" b="1" dirty="0" err="1"/>
-              <a:t>IoTs</a:t>
-            </a:r>
-            <a:r>
-              <a:rPr lang="de-DE" sz="1100" b="1" dirty="0"/>
-              <a:t> own </a:t>
-            </a:r>
-            <a:r>
-              <a:rPr lang="de-DE" sz="1100" b="1" dirty="0" err="1"/>
-              <a:t>footprint</a:t>
-            </a:r>
-            <a:r>
-              <a:rPr lang="de-DE" sz="1100" dirty="0"/>
-              <a:t> </a:t>
-            </a:r>
-            <a:r>
-              <a:rPr lang="de-DE" sz="1100" b="1" dirty="0"/>
-              <a:t>|</a:t>
-            </a:r>
-            <a:r>
-              <a:rPr lang="de-DE" sz="1100" dirty="0"/>
-              <a:t> IoT in </a:t>
-            </a:r>
-            <a:r>
-              <a:rPr lang="de-DE" sz="1100" dirty="0" err="1"/>
-              <a:t>food</a:t>
-            </a:r>
-            <a:r>
-              <a:rPr lang="de-DE" sz="1100" dirty="0"/>
-              <a:t> </a:t>
-            </a:r>
-            <a:r>
-              <a:rPr lang="de-DE" sz="1100" dirty="0" err="1"/>
-              <a:t>manufacturing</a:t>
-            </a:r>
-            <a:r>
-              <a:rPr lang="de-DE" sz="1100" dirty="0"/>
-              <a:t> </a:t>
-            </a:r>
-            <a:r>
-              <a:rPr lang="de-DE" sz="1100" b="1" dirty="0"/>
-              <a:t>|</a:t>
-            </a:r>
-            <a:r>
-              <a:rPr lang="de-DE" sz="1100" dirty="0"/>
-              <a:t> </a:t>
-            </a:r>
-            <a:r>
-              <a:rPr lang="de-DE" sz="1100" dirty="0" err="1"/>
-              <a:t>Discussion</a:t>
-            </a:r>
-            <a:r>
-              <a:rPr lang="de-DE" sz="1100" dirty="0"/>
-              <a:t> </a:t>
-            </a:r>
-            <a:r>
-              <a:rPr lang="de-DE" sz="1100" b="1" dirty="0"/>
-              <a:t>|</a:t>
-            </a:r>
-            <a:r>
-              <a:rPr lang="de-DE" sz="1100" dirty="0"/>
-              <a:t> </a:t>
-            </a:r>
-            <a:r>
-              <a:rPr lang="de-DE" sz="1100" dirty="0" err="1"/>
-              <a:t>Conclusion</a:t>
-            </a:r>
-            <a:endParaRPr lang="de-DE" sz="1100" dirty="0"/>
-          </a:p>
-        </p:txBody>
-      </p:sp>
-      <p:pic>
-        <p:nvPicPr>
-          <p:cNvPr id="5" name="Grafik 4">
-            <a:extLst>
-              <a:ext uri="{FF2B5EF4-FFF2-40B4-BE49-F238E27FC236}">
-                <a16:creationId xmlns:a16="http://schemas.microsoft.com/office/drawing/2014/main" id="{9DC9AA32-89BD-4D09-8AC9-AB44AF73FBAC}"/>
-              </a:ext>
-            </a:extLst>
-          </p:cNvPr>
-          <p:cNvPicPr>
-            <a:picLocks noChangeAspect="1"/>
-          </p:cNvPicPr>
-          <p:nvPr/>
-        </p:nvPicPr>
-        <p:blipFill>
-          <a:blip r:embed="rId3"/>
-          <a:stretch>
-            <a:fillRect/>
-          </a:stretch>
-        </p:blipFill>
-        <p:spPr>
-          <a:xfrm>
-            <a:off x="4981954" y="1560543"/>
-            <a:ext cx="3770160" cy="4467758"/>
-          </a:xfrm>
-          <a:prstGeom prst="rect">
-            <a:avLst/>
-          </a:prstGeom>
-        </p:spPr>
-      </p:pic>
-    </p:spTree>
-    <p:extLst>
-      <p:ext uri="{BB962C8B-B14F-4D97-AF65-F5344CB8AC3E}">
-        <p14:creationId xmlns:p14="http://schemas.microsoft.com/office/powerpoint/2010/main" val="1881193725"/>
-      </p:ext>
-    </p:extLst>
-  </p:cSld>
-  <p:clrMapOvr>
-    <a:masterClrMapping/>
-  </p:clrMapOvr>
-</p:sld>
-</file>
-
-<file path=ppt/slides/slide7.xml><?xml version="1.0" encoding="utf-8"?>
-<p:sld xmlns:a="http://schemas.openxmlformats.org/drawingml/2006/main" xmlns:r="http://schemas.openxmlformats.org/officeDocument/2006/relationships" xmlns:p="http://schemas.openxmlformats.org/presentationml/2006/main" show="0">
-  <p:cSld>
-    <p:spTree>
-      <p:nvGrpSpPr>
-        <p:cNvPr id="1" name="Shape 69"/>
-        <p:cNvGrpSpPr/>
-        <p:nvPr/>
-      </p:nvGrpSpPr>
-      <p:grpSpPr>
-        <a:xfrm>
-          <a:off x="0" y="0"/>
-          <a:ext cx="0" cy="0"/>
-          <a:chOff x="0" y="0"/>
-          <a:chExt cx="0" cy="0"/>
-        </a:xfrm>
-      </p:grpSpPr>
-      <p:sp>
-        <p:nvSpPr>
-          <p:cNvPr id="70" name="Google Shape;70;gb9e2de6e95_0_1"/>
-          <p:cNvSpPr txBox="1">
-            <a:spLocks noGrp="1"/>
-          </p:cNvSpPr>
-          <p:nvPr>
-            <p:ph type="body" idx="1"/>
-          </p:nvPr>
-        </p:nvSpPr>
-        <p:spPr>
-          <a:xfrm>
-            <a:off x="696000" y="1274422"/>
-            <a:ext cx="10800000" cy="5040000"/>
-          </a:xfrm>
-          <a:prstGeom prst="rect">
-            <a:avLst/>
-          </a:prstGeom>
-        </p:spPr>
-        <p:txBody>
-          <a:bodyPr spcFirstLastPara="1" wrap="square" lIns="0" tIns="0" rIns="0" bIns="0" anchor="t" anchorCtr="0">
-            <a:noAutofit/>
-          </a:bodyPr>
-          <a:lstStyle/>
-          <a:p>
-            <a:pPr marL="0" lvl="0" indent="0" algn="l" rtl="0">
-              <a:spcBef>
-                <a:spcPts val="500"/>
-              </a:spcBef>
-              <a:spcAft>
-                <a:spcPts val="0"/>
-              </a:spcAft>
-              <a:buNone/>
-            </a:pPr>
-            <a:r>
-              <a:rPr lang="de-DE" dirty="0"/>
-              <a:t>Paris Agreement:</a:t>
-            </a:r>
-          </a:p>
-          <a:p>
-            <a:pPr marL="285750" lvl="0" indent="-285750" algn="l" rtl="0">
-              <a:spcBef>
-                <a:spcPts val="500"/>
-              </a:spcBef>
-              <a:spcAft>
-                <a:spcPts val="0"/>
-              </a:spcAft>
-              <a:buFont typeface="Arial" panose="020B0604020202020204" pitchFamily="34" charset="0"/>
-              <a:buChar char="•"/>
-            </a:pPr>
-            <a:r>
-              <a:rPr lang="en-US" b="0" dirty="0"/>
-              <a:t>Preventing irreversible damage from man-made climate change</a:t>
-            </a:r>
-            <a:endParaRPr lang="de-DE" b="0" dirty="0"/>
-          </a:p>
-          <a:p>
-            <a:pPr marL="285750" lvl="0" indent="-285750" algn="l" rtl="0">
-              <a:spcBef>
-                <a:spcPts val="500"/>
-              </a:spcBef>
-              <a:spcAft>
-                <a:spcPts val="0"/>
-              </a:spcAft>
-              <a:buFont typeface="Arial" panose="020B0604020202020204" pitchFamily="34" charset="0"/>
-              <a:buChar char="•"/>
-            </a:pPr>
-            <a:r>
-              <a:rPr lang="en-US" b="0" dirty="0"/>
-              <a:t>Upper limit of the CO2 budget that may still be emitted</a:t>
-            </a:r>
-          </a:p>
-          <a:p>
-            <a:pPr marL="285750" lvl="0" indent="-285750" algn="l" rtl="0">
-              <a:spcBef>
-                <a:spcPts val="500"/>
-              </a:spcBef>
-              <a:spcAft>
-                <a:spcPts val="0"/>
-              </a:spcAft>
-              <a:buFont typeface="Arial" panose="020B0604020202020204" pitchFamily="34" charset="0"/>
-              <a:buChar char="•"/>
-            </a:pPr>
-            <a:r>
-              <a:rPr lang="en-US" b="0" dirty="0"/>
-              <a:t>Massive reduction of carbon emissions</a:t>
-            </a:r>
-          </a:p>
-          <a:p>
-            <a:pPr marL="285750" lvl="0" indent="-285750" algn="l" rtl="0">
-              <a:spcBef>
-                <a:spcPts val="500"/>
-              </a:spcBef>
-              <a:spcAft>
-                <a:spcPts val="0"/>
-              </a:spcAft>
-              <a:buFont typeface="Arial" panose="020B0604020202020204" pitchFamily="34" charset="0"/>
-              <a:buChar char="•"/>
-            </a:pPr>
-            <a:r>
-              <a:rPr lang="de-DE" b="0" dirty="0"/>
-              <a:t>Limitation </a:t>
-            </a:r>
-            <a:r>
-              <a:rPr lang="de-DE" b="0" dirty="0" err="1"/>
-              <a:t>of</a:t>
-            </a:r>
-            <a:r>
-              <a:rPr lang="de-DE" b="0" dirty="0"/>
-              <a:t> global </a:t>
-            </a:r>
-            <a:r>
-              <a:rPr lang="de-DE" b="0" dirty="0" err="1"/>
-              <a:t>warming</a:t>
-            </a:r>
-            <a:r>
-              <a:rPr lang="de-DE" b="0" dirty="0"/>
-              <a:t> </a:t>
-            </a:r>
-            <a:r>
-              <a:rPr lang="de-DE" b="0" dirty="0" err="1"/>
-              <a:t>to</a:t>
-            </a:r>
-            <a:r>
-              <a:rPr lang="de-DE" b="0" dirty="0"/>
-              <a:t> 1.5 </a:t>
-            </a:r>
-            <a:r>
-              <a:rPr lang="de-DE" b="0" dirty="0" err="1"/>
-              <a:t>degree</a:t>
-            </a:r>
-            <a:endParaRPr lang="en-US" b="0" dirty="0"/>
-          </a:p>
-          <a:p>
-            <a:pPr marL="0" lvl="0" indent="0" algn="l" rtl="0">
-              <a:spcBef>
-                <a:spcPts val="500"/>
-              </a:spcBef>
-              <a:spcAft>
-                <a:spcPts val="0"/>
-              </a:spcAft>
-            </a:pPr>
-            <a:endParaRPr lang="en-US" b="0" dirty="0"/>
-          </a:p>
-          <a:p>
-            <a:pPr marL="0" lvl="0" indent="0" algn="l" rtl="0">
-              <a:spcBef>
-                <a:spcPts val="500"/>
-              </a:spcBef>
-              <a:spcAft>
-                <a:spcPts val="0"/>
-              </a:spcAft>
-            </a:pPr>
-            <a:r>
-              <a:rPr lang="en-US" dirty="0"/>
-              <a:t>Supply chain monitoring:</a:t>
-            </a:r>
-          </a:p>
-          <a:p>
-            <a:pPr marL="285750" lvl="0" indent="-285750" algn="l" rtl="0">
-              <a:spcBef>
-                <a:spcPts val="500"/>
-              </a:spcBef>
-              <a:spcAft>
-                <a:spcPts val="0"/>
-              </a:spcAft>
-              <a:buFont typeface="Arial" panose="020B0604020202020204" pitchFamily="34" charset="0"/>
-              <a:buChar char="•"/>
-            </a:pPr>
-            <a:r>
-              <a:rPr lang="de-DE" b="0" dirty="0"/>
-              <a:t>Many </a:t>
-            </a:r>
-            <a:r>
-              <a:rPr lang="de-DE" b="0" dirty="0" err="1"/>
-              <a:t>unknown</a:t>
-            </a:r>
-            <a:r>
-              <a:rPr lang="de-DE" b="0" dirty="0"/>
-              <a:t> </a:t>
-            </a:r>
-            <a:r>
-              <a:rPr lang="de-DE" b="0" dirty="0" err="1"/>
-              <a:t>parameters</a:t>
-            </a:r>
-            <a:endParaRPr lang="de-DE" b="0" dirty="0"/>
-          </a:p>
-          <a:p>
-            <a:pPr marL="285750" lvl="0" indent="-285750" algn="l" rtl="0">
-              <a:spcBef>
-                <a:spcPts val="500"/>
-              </a:spcBef>
-              <a:spcAft>
-                <a:spcPts val="0"/>
-              </a:spcAft>
-              <a:buFont typeface="Arial" panose="020B0604020202020204" pitchFamily="34" charset="0"/>
-              <a:buChar char="•"/>
-            </a:pPr>
-            <a:r>
-              <a:rPr lang="de-DE" b="0" dirty="0" err="1"/>
-              <a:t>Scope</a:t>
-            </a:r>
-            <a:r>
-              <a:rPr lang="de-DE" b="0" dirty="0"/>
-              <a:t> 3 </a:t>
-            </a:r>
-            <a:r>
-              <a:rPr lang="de-DE" b="0" dirty="0" err="1"/>
-              <a:t>emissions</a:t>
-            </a:r>
-            <a:r>
-              <a:rPr lang="de-DE" b="0" dirty="0"/>
-              <a:t> </a:t>
-            </a:r>
-            <a:r>
-              <a:rPr lang="de-DE" b="0" dirty="0" err="1"/>
-              <a:t>hard</a:t>
-            </a:r>
-            <a:r>
-              <a:rPr lang="de-DE" b="0" dirty="0"/>
-              <a:t> </a:t>
-            </a:r>
-            <a:r>
-              <a:rPr lang="de-DE" b="0" dirty="0" err="1"/>
-              <a:t>to</a:t>
-            </a:r>
-            <a:r>
-              <a:rPr lang="de-DE" b="0" dirty="0"/>
-              <a:t> </a:t>
-            </a:r>
-            <a:r>
-              <a:rPr lang="de-DE" b="0" dirty="0" err="1"/>
-              <a:t>measure</a:t>
-            </a:r>
-            <a:endParaRPr lang="de-DE" b="0" dirty="0"/>
-          </a:p>
-          <a:p>
-            <a:pPr marL="285750" lvl="0" indent="-285750" algn="l" rtl="0">
-              <a:spcBef>
-                <a:spcPts val="500"/>
-              </a:spcBef>
-              <a:spcAft>
-                <a:spcPts val="0"/>
-              </a:spcAft>
-              <a:buFont typeface="Arial" panose="020B0604020202020204" pitchFamily="34" charset="0"/>
-              <a:buChar char="•"/>
-            </a:pPr>
-            <a:r>
-              <a:rPr lang="en-US" b="0" dirty="0"/>
-              <a:t>Short-term profit maximization is often seen as more important than long-term emissions reduction</a:t>
-            </a:r>
-            <a:endParaRPr lang="de-DE" b="0" dirty="0"/>
-          </a:p>
-          <a:p>
-            <a:pPr marL="0" lvl="0" indent="0" algn="l" rtl="0">
-              <a:spcBef>
-                <a:spcPts val="500"/>
-              </a:spcBef>
-              <a:spcAft>
-                <a:spcPts val="0"/>
-              </a:spcAft>
-            </a:pPr>
-            <a:r>
-              <a:rPr lang="de-DE" b="0" dirty="0"/>
-              <a:t>BUT: </a:t>
-            </a:r>
-            <a:r>
-              <a:rPr lang="en-US" b="0" dirty="0"/>
-              <a:t>No climate protection is more expensive in the long term than introducing appropriate measures to reduce emissions</a:t>
-            </a:r>
-            <a:endParaRPr lang="de-DE" b="0" dirty="0"/>
-          </a:p>
-          <a:p>
-            <a:pPr marL="0" lvl="0" indent="0" algn="l" rtl="0">
-              <a:spcBef>
-                <a:spcPts val="500"/>
-              </a:spcBef>
-              <a:spcAft>
-                <a:spcPts val="0"/>
-              </a:spcAft>
-            </a:pPr>
-            <a:endParaRPr dirty="0"/>
-          </a:p>
-        </p:txBody>
-      </p:sp>
-      <p:sp>
-        <p:nvSpPr>
-          <p:cNvPr id="71" name="Google Shape;71;gb9e2de6e95_0_1"/>
-          <p:cNvSpPr txBox="1">
-            <a:spLocks noGrp="1"/>
-          </p:cNvSpPr>
-          <p:nvPr>
-            <p:ph type="title"/>
-          </p:nvPr>
-        </p:nvSpPr>
-        <p:spPr>
-          <a:xfrm>
-            <a:off x="696000" y="637107"/>
-            <a:ext cx="9020100" cy="392400"/>
-          </a:xfrm>
-          <a:prstGeom prst="rect">
-            <a:avLst/>
-          </a:prstGeom>
-        </p:spPr>
-        <p:txBody>
-          <a:bodyPr spcFirstLastPara="1" wrap="square" lIns="0" tIns="0" rIns="0" bIns="0" anchor="b" anchorCtr="0">
-            <a:noAutofit/>
-          </a:bodyPr>
-          <a:lstStyle/>
-          <a:p>
-            <a:pPr marL="0" lvl="0" indent="0" algn="l" rtl="0">
-              <a:spcBef>
-                <a:spcPts val="0"/>
-              </a:spcBef>
-              <a:spcAft>
-                <a:spcPts val="0"/>
-              </a:spcAft>
-              <a:buNone/>
-            </a:pPr>
-            <a:r>
-              <a:rPr lang="de-DE" dirty="0"/>
               <a:t>1. Motivation</a:t>
             </a:r>
             <a:endParaRPr dirty="0"/>
@@ -14747,7 +16100,7 @@
 </p:sld>
 </file>
 
-<file path=ppt/slides/slide8.xml><?xml version="1.0" encoding="utf-8"?>
+<file path=ppt/slides/slide13.xml><?xml version="1.0" encoding="utf-8"?>
 <p:sld xmlns:a="http://schemas.openxmlformats.org/drawingml/2006/main" xmlns:r="http://schemas.openxmlformats.org/officeDocument/2006/relationships" xmlns:p="http://schemas.openxmlformats.org/presentationml/2006/main" show="0">
   <p:cSld>
     <p:spTree>
@@ -14860,7 +16213,7 @@
 </p:sld>
 </file>
 
-<file path=ppt/slides/slide9.xml><?xml version="1.0" encoding="utf-8"?>
+<file path=ppt/slides/slide14.xml><?xml version="1.0" encoding="utf-8"?>
 <p:sld xmlns:a="http://schemas.openxmlformats.org/drawingml/2006/main" xmlns:r="http://schemas.openxmlformats.org/officeDocument/2006/relationships" xmlns:p="http://schemas.openxmlformats.org/presentationml/2006/main" show="0">
   <p:cSld>
     <p:spTree>
@@ -15439,6 +16792,3336 @@
   <p:clrMapOvr>
     <a:masterClrMapping/>
   </p:clrMapOvr>
+</p:sld>
+</file>
+
+<file path=ppt/slides/slide15.xml><?xml version="1.0" encoding="utf-8"?>
+<p:sld xmlns:a="http://schemas.openxmlformats.org/drawingml/2006/main" xmlns:r="http://schemas.openxmlformats.org/officeDocument/2006/relationships" xmlns:p="http://schemas.openxmlformats.org/presentationml/2006/main" show="0">
+  <p:cSld>
+    <p:spTree>
+      <p:nvGrpSpPr>
+        <p:cNvPr id="1" name="Shape 69"/>
+        <p:cNvGrpSpPr/>
+        <p:nvPr/>
+      </p:nvGrpSpPr>
+      <p:grpSpPr>
+        <a:xfrm>
+          <a:off x="0" y="0"/>
+          <a:ext cx="0" cy="0"/>
+          <a:chOff x="0" y="0"/>
+          <a:chExt cx="0" cy="0"/>
+        </a:xfrm>
+      </p:grpSpPr>
+      <p:sp>
+        <p:nvSpPr>
+          <p:cNvPr id="70" name="Google Shape;70;gb9e2de6e95_0_1"/>
+          <p:cNvSpPr txBox="1">
+            <a:spLocks noGrp="1"/>
+          </p:cNvSpPr>
+          <p:nvPr>
+            <p:ph type="body" idx="1"/>
+          </p:nvPr>
+        </p:nvSpPr>
+        <p:spPr>
+          <a:xfrm>
+            <a:off x="696000" y="1274422"/>
+            <a:ext cx="10800000" cy="5040000"/>
+          </a:xfrm>
+          <a:prstGeom prst="rect">
+            <a:avLst/>
+          </a:prstGeom>
+        </p:spPr>
+        <p:txBody>
+          <a:bodyPr spcFirstLastPara="1" wrap="square" lIns="0" tIns="0" rIns="0" bIns="0" anchor="t" anchorCtr="0">
+            <a:noAutofit/>
+          </a:bodyPr>
+          <a:lstStyle/>
+          <a:p>
+            <a:pPr marL="0" lvl="0" indent="0" algn="l" rtl="0">
+              <a:spcBef>
+                <a:spcPts val="500"/>
+              </a:spcBef>
+              <a:spcAft>
+                <a:spcPts val="0"/>
+              </a:spcAft>
+              <a:buNone/>
+            </a:pPr>
+            <a:r>
+              <a:rPr lang="en-US" b="0" dirty="0"/>
+              <a:t>Jagtap, Sandeep &amp; Garcia-Garcia, Guillermo &amp; </a:t>
+            </a:r>
+            <a:r>
+              <a:rPr lang="en-US" b="0" dirty="0" err="1"/>
+              <a:t>Rahimifard</a:t>
+            </a:r>
+            <a:r>
+              <a:rPr lang="en-US" b="0" dirty="0"/>
+              <a:t>, Shahin. (2021). </a:t>
+            </a:r>
+            <a:r>
+              <a:rPr lang="en-US" dirty="0" err="1"/>
+              <a:t>Optimisation</a:t>
+            </a:r>
+            <a:r>
+              <a:rPr lang="en-US" dirty="0"/>
+              <a:t> of the resource efficiency of food manufacturing via the Internet of Things</a:t>
+            </a:r>
+            <a:r>
+              <a:rPr lang="en-US" b="0" dirty="0"/>
+              <a:t>. Computers in Industry. 127. 10.1016/j.compind.2021.103397. </a:t>
+            </a:r>
+          </a:p>
+          <a:p>
+            <a:pPr marL="0" lvl="0" indent="0" algn="l" rtl="0">
+              <a:spcBef>
+                <a:spcPts val="500"/>
+              </a:spcBef>
+              <a:spcAft>
+                <a:spcPts val="0"/>
+              </a:spcAft>
+              <a:buNone/>
+            </a:pPr>
+            <a:endParaRPr lang="en-US" b="0" dirty="0"/>
+          </a:p>
+          <a:p>
+            <a:pPr marL="285750" lvl="0" indent="-285750" algn="l" rtl="0">
+              <a:spcBef>
+                <a:spcPts val="500"/>
+              </a:spcBef>
+              <a:spcAft>
+                <a:spcPts val="0"/>
+              </a:spcAft>
+              <a:buFont typeface="Arial" panose="020B0604020202020204" pitchFamily="34" charset="0"/>
+              <a:buChar char="•"/>
+            </a:pPr>
+            <a:r>
+              <a:rPr lang="en-US" b="0" dirty="0"/>
+              <a:t>inefficient food supply chain, large amount of food waste, volumes of water and energy used</a:t>
+            </a:r>
+          </a:p>
+          <a:p>
+            <a:pPr marL="285750" lvl="0" indent="-285750" algn="l" rtl="0">
+              <a:spcBef>
+                <a:spcPts val="500"/>
+              </a:spcBef>
+              <a:spcAft>
+                <a:spcPts val="0"/>
+              </a:spcAft>
+              <a:buFont typeface="Arial" panose="020B0604020202020204" pitchFamily="34" charset="0"/>
+              <a:buChar char="•"/>
+            </a:pPr>
+            <a:r>
+              <a:rPr lang="en-US" b="0" dirty="0"/>
+              <a:t>stricter regulations on the disposal and treatment of food waste, carbon emissions and wastewater discharge</a:t>
+            </a:r>
+          </a:p>
+          <a:p>
+            <a:pPr marL="285750" lvl="0" indent="-285750" algn="l" rtl="0">
+              <a:spcBef>
+                <a:spcPts val="500"/>
+              </a:spcBef>
+              <a:spcAft>
+                <a:spcPts val="0"/>
+              </a:spcAft>
+              <a:buFont typeface="Arial" panose="020B0604020202020204" pitchFamily="34" charset="0"/>
+              <a:buChar char="•"/>
+            </a:pPr>
+            <a:r>
+              <a:rPr lang="en-US" b="0" dirty="0"/>
+              <a:t>accurate real-time monitoring </a:t>
+            </a:r>
+            <a:r>
+              <a:rPr lang="en-US" b="0" dirty="0">
+                <a:sym typeface="Wingdings" panose="05000000000000000000" pitchFamily="2" charset="2"/>
+              </a:rPr>
+              <a:t> help food manufacturers to redesign their processes</a:t>
+            </a:r>
+          </a:p>
+          <a:p>
+            <a:pPr marL="285750" lvl="0" indent="-285750" algn="l" rtl="0">
+              <a:spcBef>
+                <a:spcPts val="500"/>
+              </a:spcBef>
+              <a:spcAft>
+                <a:spcPts val="0"/>
+              </a:spcAft>
+              <a:buFont typeface="Arial" panose="020B0604020202020204" pitchFamily="34" charset="0"/>
+              <a:buChar char="•"/>
+            </a:pPr>
+            <a:r>
+              <a:rPr lang="en-US" b="0" dirty="0"/>
+              <a:t>Paper presents:</a:t>
+            </a:r>
+            <a:br>
+              <a:rPr lang="en-US" b="0" dirty="0"/>
+            </a:br>
+            <a:r>
+              <a:rPr lang="en-US" dirty="0"/>
+              <a:t>IoT-based framework for monitoring the generation of food waste and the use of energy and water in the food sector</a:t>
+            </a:r>
+          </a:p>
+        </p:txBody>
+      </p:sp>
+      <p:sp>
+        <p:nvSpPr>
+          <p:cNvPr id="71" name="Google Shape;71;gb9e2de6e95_0_1"/>
+          <p:cNvSpPr txBox="1">
+            <a:spLocks noGrp="1"/>
+          </p:cNvSpPr>
+          <p:nvPr>
+            <p:ph type="title"/>
+          </p:nvPr>
+        </p:nvSpPr>
+        <p:spPr>
+          <a:xfrm>
+            <a:off x="696000" y="637107"/>
+            <a:ext cx="9020100" cy="392400"/>
+          </a:xfrm>
+          <a:prstGeom prst="rect">
+            <a:avLst/>
+          </a:prstGeom>
+        </p:spPr>
+        <p:txBody>
+          <a:bodyPr spcFirstLastPara="1" wrap="square" lIns="0" tIns="0" rIns="0" bIns="0" anchor="b" anchorCtr="0">
+            <a:noAutofit/>
+          </a:bodyPr>
+          <a:lstStyle/>
+          <a:p>
+            <a:pPr marL="0" lvl="0" indent="0" algn="l" rtl="0">
+              <a:spcBef>
+                <a:spcPts val="0"/>
+              </a:spcBef>
+              <a:spcAft>
+                <a:spcPts val="0"/>
+              </a:spcAft>
+              <a:buNone/>
+            </a:pPr>
+            <a:r>
+              <a:rPr lang="de-DE" sz="2800" dirty="0"/>
+              <a:t>4. Focus on a </a:t>
+            </a:r>
+            <a:r>
+              <a:rPr lang="de-DE" sz="2800" dirty="0" err="1"/>
+              <a:t>particular</a:t>
+            </a:r>
+            <a:r>
+              <a:rPr lang="de-DE" sz="2800" dirty="0"/>
+              <a:t> </a:t>
+            </a:r>
+            <a:r>
+              <a:rPr lang="de-DE" sz="2800" dirty="0" err="1"/>
+              <a:t>solution</a:t>
+            </a:r>
+            <a:r>
+              <a:rPr lang="de-DE" sz="2800" dirty="0"/>
+              <a:t> („</a:t>
+            </a:r>
+            <a:r>
+              <a:rPr lang="de-DE" sz="2800" dirty="0" err="1"/>
+              <a:t>depth</a:t>
+            </a:r>
+            <a:r>
+              <a:rPr lang="de-DE" sz="2800" dirty="0"/>
+              <a:t>“ </a:t>
+            </a:r>
+            <a:r>
+              <a:rPr lang="de-DE" sz="2800" dirty="0" err="1"/>
+              <a:t>coverage</a:t>
+            </a:r>
+            <a:r>
+              <a:rPr lang="de-DE" sz="2800" dirty="0"/>
+              <a:t>)</a:t>
+            </a:r>
+            <a:endParaRPr sz="2800" dirty="0"/>
+          </a:p>
+        </p:txBody>
+      </p:sp>
+    </p:spTree>
+    <p:extLst>
+      <p:ext uri="{BB962C8B-B14F-4D97-AF65-F5344CB8AC3E}">
+        <p14:creationId xmlns:p14="http://schemas.microsoft.com/office/powerpoint/2010/main" val="3819392064"/>
+      </p:ext>
+    </p:extLst>
+  </p:cSld>
+  <p:clrMapOvr>
+    <a:masterClrMapping/>
+  </p:clrMapOvr>
+</p:sld>
+</file>
+
+<file path=ppt/slides/slide2.xml><?xml version="1.0" encoding="utf-8"?>
+<p:sld xmlns:a="http://schemas.openxmlformats.org/drawingml/2006/main" xmlns:r="http://schemas.openxmlformats.org/officeDocument/2006/relationships" xmlns:p="http://schemas.openxmlformats.org/presentationml/2006/main">
+  <p:cSld>
+    <p:spTree>
+      <p:nvGrpSpPr>
+        <p:cNvPr id="1" name=""/>
+        <p:cNvGrpSpPr/>
+        <p:nvPr/>
+      </p:nvGrpSpPr>
+      <p:grpSpPr>
+        <a:xfrm>
+          <a:off x="0" y="0"/>
+          <a:ext cx="0" cy="0"/>
+          <a:chOff x="0" y="0"/>
+          <a:chExt cx="0" cy="0"/>
+        </a:xfrm>
+      </p:grpSpPr>
+      <p:sp>
+        <p:nvSpPr>
+          <p:cNvPr id="2" name="Textplatzhalter 1">
+            <a:extLst>
+              <a:ext uri="{FF2B5EF4-FFF2-40B4-BE49-F238E27FC236}">
+                <a16:creationId xmlns:a16="http://schemas.microsoft.com/office/drawing/2014/main" id="{537C7C4F-289E-401C-A3A5-3BC13C85440A}"/>
+              </a:ext>
+            </a:extLst>
+          </p:cNvPr>
+          <p:cNvSpPr>
+            <a:spLocks noGrp="1"/>
+          </p:cNvSpPr>
+          <p:nvPr>
+            <p:ph type="body" idx="1"/>
+          </p:nvPr>
+        </p:nvSpPr>
+        <p:spPr/>
+        <p:txBody>
+          <a:bodyPr/>
+          <a:lstStyle/>
+          <a:p>
+            <a:pPr marL="571500" indent="-342900">
+              <a:buFont typeface="+mj-lt"/>
+              <a:buAutoNum type="arabicPeriod"/>
+            </a:pPr>
+            <a:r>
+              <a:rPr lang="en-BZ" sz="2000" b="0" dirty="0"/>
+              <a:t>Motivation</a:t>
+            </a:r>
+          </a:p>
+          <a:p>
+            <a:pPr marL="571500" indent="-342900">
+              <a:buFont typeface="+mj-lt"/>
+              <a:buAutoNum type="arabicPeriod"/>
+            </a:pPr>
+            <a:r>
+              <a:rPr lang="en-BZ" sz="2000" b="0" dirty="0"/>
+              <a:t>Preliminaries</a:t>
+            </a:r>
+          </a:p>
+          <a:p>
+            <a:pPr marL="571500" indent="-342900">
+              <a:buFont typeface="+mj-lt"/>
+              <a:buAutoNum type="arabicPeriod"/>
+            </a:pPr>
+            <a:r>
+              <a:rPr lang="en-BZ" sz="2000" b="0" dirty="0"/>
+              <a:t>Methodology</a:t>
+            </a:r>
+          </a:p>
+          <a:p>
+            <a:pPr marL="571500" indent="-342900">
+              <a:buFont typeface="+mj-lt"/>
+              <a:buAutoNum type="arabicPeriod"/>
+            </a:pPr>
+            <a:r>
+              <a:rPr lang="en-BZ" sz="2000" b="0" dirty="0"/>
+              <a:t>Literature review</a:t>
+            </a:r>
+          </a:p>
+          <a:p>
+            <a:pPr marL="571500" indent="-342900">
+              <a:buFont typeface="+mj-lt"/>
+              <a:buAutoNum type="arabicPeriod"/>
+            </a:pPr>
+            <a:r>
+              <a:rPr lang="en-BZ" sz="2000" b="0" dirty="0"/>
+              <a:t>Solution categorization</a:t>
+            </a:r>
+          </a:p>
+          <a:p>
+            <a:pPr marL="571500" indent="-342900">
+              <a:buFont typeface="+mj-lt"/>
+              <a:buAutoNum type="arabicPeriod"/>
+            </a:pPr>
+            <a:r>
+              <a:rPr lang="en-BZ" sz="2000" b="0" dirty="0"/>
+              <a:t>IoTs own footprint</a:t>
+            </a:r>
+          </a:p>
+          <a:p>
+            <a:pPr marL="571500" indent="-342900">
+              <a:buFont typeface="+mj-lt"/>
+              <a:buAutoNum type="arabicPeriod"/>
+            </a:pPr>
+            <a:r>
+              <a:rPr lang="en-BZ" sz="2000" b="0" dirty="0"/>
+              <a:t>IoT in food manufacturing</a:t>
+            </a:r>
+          </a:p>
+          <a:p>
+            <a:pPr marL="571500" indent="-342900">
+              <a:buFont typeface="+mj-lt"/>
+              <a:buAutoNum type="arabicPeriod"/>
+            </a:pPr>
+            <a:r>
+              <a:rPr lang="en-BZ" sz="2000" b="0" dirty="0"/>
+              <a:t>Discussion</a:t>
+            </a:r>
+          </a:p>
+          <a:p>
+            <a:pPr marL="571500" indent="-342900">
+              <a:buFont typeface="+mj-lt"/>
+              <a:buAutoNum type="arabicPeriod"/>
+            </a:pPr>
+            <a:r>
+              <a:rPr lang="en-BZ" sz="2000" b="0" dirty="0"/>
+              <a:t>Conclusion</a:t>
+            </a:r>
+          </a:p>
+        </p:txBody>
+      </p:sp>
+      <p:sp>
+        <p:nvSpPr>
+          <p:cNvPr id="3" name="Titel 2">
+            <a:extLst>
+              <a:ext uri="{FF2B5EF4-FFF2-40B4-BE49-F238E27FC236}">
+                <a16:creationId xmlns:a16="http://schemas.microsoft.com/office/drawing/2014/main" id="{F880F976-CB33-49AC-90A8-33FA18BF14DD}"/>
+              </a:ext>
+            </a:extLst>
+          </p:cNvPr>
+          <p:cNvSpPr>
+            <a:spLocks noGrp="1"/>
+          </p:cNvSpPr>
+          <p:nvPr>
+            <p:ph type="title"/>
+          </p:nvPr>
+        </p:nvSpPr>
+        <p:spPr/>
+        <p:txBody>
+          <a:bodyPr/>
+          <a:lstStyle/>
+          <a:p>
+            <a:r>
+              <a:rPr lang="de-DE" dirty="0"/>
+              <a:t>Agenda</a:t>
+            </a:r>
+          </a:p>
+        </p:txBody>
+      </p:sp>
+    </p:spTree>
+    <p:extLst>
+      <p:ext uri="{BB962C8B-B14F-4D97-AF65-F5344CB8AC3E}">
+        <p14:creationId xmlns:p14="http://schemas.microsoft.com/office/powerpoint/2010/main" val="3757377087"/>
+      </p:ext>
+    </p:extLst>
+  </p:cSld>
+  <p:clrMapOvr>
+    <a:masterClrMapping/>
+  </p:clrMapOvr>
+  <p:transition>
+    <p:fade/>
+  </p:transition>
+</p:sld>
+</file>
+
+<file path=ppt/slides/slide3.xml><?xml version="1.0" encoding="utf-8"?>
+<p:sld xmlns:a="http://schemas.openxmlformats.org/drawingml/2006/main" xmlns:r="http://schemas.openxmlformats.org/officeDocument/2006/relationships" xmlns:p="http://schemas.openxmlformats.org/presentationml/2006/main">
+  <p:cSld>
+    <p:spTree>
+      <p:nvGrpSpPr>
+        <p:cNvPr id="1" name="Shape 69"/>
+        <p:cNvGrpSpPr/>
+        <p:nvPr/>
+      </p:nvGrpSpPr>
+      <p:grpSpPr>
+        <a:xfrm>
+          <a:off x="0" y="0"/>
+          <a:ext cx="0" cy="0"/>
+          <a:chOff x="0" y="0"/>
+          <a:chExt cx="0" cy="0"/>
+        </a:xfrm>
+      </p:grpSpPr>
+      <p:sp>
+        <p:nvSpPr>
+          <p:cNvPr id="70" name="Google Shape;70;gb9e2de6e95_0_1"/>
+          <p:cNvSpPr txBox="1">
+            <a:spLocks noGrp="1"/>
+          </p:cNvSpPr>
+          <p:nvPr>
+            <p:ph type="body" idx="1"/>
+          </p:nvPr>
+        </p:nvSpPr>
+        <p:spPr>
+          <a:xfrm>
+            <a:off x="696000" y="1274422"/>
+            <a:ext cx="6573480" cy="2154578"/>
+          </a:xfrm>
+          <a:prstGeom prst="rect">
+            <a:avLst/>
+          </a:prstGeom>
+        </p:spPr>
+        <p:txBody>
+          <a:bodyPr spcFirstLastPara="1" wrap="square" lIns="0" tIns="0" rIns="0" bIns="0" anchor="t" anchorCtr="0">
+            <a:noAutofit/>
+          </a:bodyPr>
+          <a:lstStyle/>
+          <a:p>
+            <a:pPr marL="0" lvl="0" indent="0" algn="l" rtl="0">
+              <a:spcBef>
+                <a:spcPts val="500"/>
+              </a:spcBef>
+              <a:spcAft>
+                <a:spcPts val="0"/>
+              </a:spcAft>
+              <a:buNone/>
+            </a:pPr>
+            <a:r>
+              <a:rPr lang="de-DE" dirty="0"/>
+              <a:t>Paris Agreement:</a:t>
+            </a:r>
+          </a:p>
+          <a:p>
+            <a:pPr marL="285750" lvl="0" indent="-285750" algn="l" rtl="0">
+              <a:spcBef>
+                <a:spcPts val="500"/>
+              </a:spcBef>
+              <a:spcAft>
+                <a:spcPts val="0"/>
+              </a:spcAft>
+              <a:buFont typeface="Arial" panose="020B0604020202020204" pitchFamily="34" charset="0"/>
+              <a:buChar char="•"/>
+            </a:pPr>
+            <a:r>
+              <a:rPr lang="en-US" b="0" dirty="0"/>
+              <a:t>Preventing irreversible damage from man-made climate change</a:t>
+            </a:r>
+            <a:endParaRPr lang="de-DE" b="0" dirty="0"/>
+          </a:p>
+          <a:p>
+            <a:pPr marL="285750" lvl="0" indent="-285750" algn="l" rtl="0">
+              <a:spcBef>
+                <a:spcPts val="500"/>
+              </a:spcBef>
+              <a:spcAft>
+                <a:spcPts val="0"/>
+              </a:spcAft>
+              <a:buFont typeface="Arial" panose="020B0604020202020204" pitchFamily="34" charset="0"/>
+              <a:buChar char="•"/>
+            </a:pPr>
+            <a:r>
+              <a:rPr lang="en-US" b="0" dirty="0"/>
+              <a:t>Upper limit of the CO2 budget that may still be emitted</a:t>
+            </a:r>
+          </a:p>
+          <a:p>
+            <a:pPr marL="285750" lvl="0" indent="-285750" algn="l" rtl="0">
+              <a:spcBef>
+                <a:spcPts val="500"/>
+              </a:spcBef>
+              <a:spcAft>
+                <a:spcPts val="0"/>
+              </a:spcAft>
+              <a:buFont typeface="Arial" panose="020B0604020202020204" pitchFamily="34" charset="0"/>
+              <a:buChar char="•"/>
+            </a:pPr>
+            <a:r>
+              <a:rPr lang="en-US" b="0" dirty="0"/>
+              <a:t>Massive reduction of carbon emissions</a:t>
+            </a:r>
+          </a:p>
+          <a:p>
+            <a:pPr marL="285750" lvl="0" indent="-285750" algn="l" rtl="0">
+              <a:spcBef>
+                <a:spcPts val="500"/>
+              </a:spcBef>
+              <a:spcAft>
+                <a:spcPts val="0"/>
+              </a:spcAft>
+              <a:buFont typeface="Arial" panose="020B0604020202020204" pitchFamily="34" charset="0"/>
+              <a:buChar char="•"/>
+            </a:pPr>
+            <a:r>
+              <a:rPr lang="de-DE" b="0" dirty="0"/>
+              <a:t>Limitation </a:t>
+            </a:r>
+            <a:r>
+              <a:rPr lang="de-DE" b="0" dirty="0" err="1"/>
+              <a:t>of</a:t>
+            </a:r>
+            <a:r>
+              <a:rPr lang="de-DE" b="0" dirty="0"/>
+              <a:t> global </a:t>
+            </a:r>
+            <a:r>
+              <a:rPr lang="de-DE" b="0" dirty="0" err="1"/>
+              <a:t>warming</a:t>
+            </a:r>
+            <a:r>
+              <a:rPr lang="de-DE" b="0" dirty="0"/>
+              <a:t> </a:t>
+            </a:r>
+            <a:r>
+              <a:rPr lang="de-DE" b="0" dirty="0" err="1"/>
+              <a:t>to</a:t>
+            </a:r>
+            <a:r>
+              <a:rPr lang="de-DE" b="0" dirty="0"/>
+              <a:t> 1.5 </a:t>
+            </a:r>
+            <a:r>
+              <a:rPr lang="de-DE" b="0" dirty="0" err="1"/>
+              <a:t>degree</a:t>
+            </a:r>
+            <a:endParaRPr lang="en-US" b="0" dirty="0"/>
+          </a:p>
+        </p:txBody>
+      </p:sp>
+      <p:sp>
+        <p:nvSpPr>
+          <p:cNvPr id="71" name="Google Shape;71;gb9e2de6e95_0_1"/>
+          <p:cNvSpPr txBox="1">
+            <a:spLocks noGrp="1"/>
+          </p:cNvSpPr>
+          <p:nvPr>
+            <p:ph type="title"/>
+          </p:nvPr>
+        </p:nvSpPr>
+        <p:spPr>
+          <a:xfrm>
+            <a:off x="696000" y="637107"/>
+            <a:ext cx="9020100" cy="392400"/>
+          </a:xfrm>
+          <a:prstGeom prst="rect">
+            <a:avLst/>
+          </a:prstGeom>
+        </p:spPr>
+        <p:txBody>
+          <a:bodyPr spcFirstLastPara="1" wrap="square" lIns="0" tIns="0" rIns="0" bIns="0" anchor="b" anchorCtr="0">
+            <a:noAutofit/>
+          </a:bodyPr>
+          <a:lstStyle/>
+          <a:p>
+            <a:pPr marL="0" lvl="0" indent="0" algn="l" rtl="0">
+              <a:spcBef>
+                <a:spcPts val="0"/>
+              </a:spcBef>
+              <a:spcAft>
+                <a:spcPts val="0"/>
+              </a:spcAft>
+              <a:buNone/>
+            </a:pPr>
+            <a:r>
+              <a:rPr lang="de-DE" dirty="0"/>
+              <a:t>1. Motivation</a:t>
+            </a:r>
+            <a:endParaRPr dirty="0"/>
+          </a:p>
+        </p:txBody>
+      </p:sp>
+      <p:sp>
+        <p:nvSpPr>
+          <p:cNvPr id="2" name="Textfeld 1">
+            <a:extLst>
+              <a:ext uri="{FF2B5EF4-FFF2-40B4-BE49-F238E27FC236}">
+                <a16:creationId xmlns:a16="http://schemas.microsoft.com/office/drawing/2014/main" id="{30A035FF-45D1-4988-A980-898865FFE32B}"/>
+              </a:ext>
+            </a:extLst>
+          </p:cNvPr>
+          <p:cNvSpPr txBox="1"/>
+          <p:nvPr/>
+        </p:nvSpPr>
+        <p:spPr>
+          <a:xfrm>
+            <a:off x="566058" y="6629048"/>
+            <a:ext cx="12115800" cy="261610"/>
+          </a:xfrm>
+          <a:prstGeom prst="rect">
+            <a:avLst/>
+          </a:prstGeom>
+          <a:noFill/>
+        </p:spPr>
+        <p:txBody>
+          <a:bodyPr wrap="square" rtlCol="0">
+            <a:spAutoFit/>
+          </a:bodyPr>
+          <a:lstStyle/>
+          <a:p>
+            <a:r>
+              <a:rPr lang="de-DE" sz="1100" b="1" dirty="0"/>
+              <a:t>Motivation |</a:t>
+            </a:r>
+            <a:r>
+              <a:rPr lang="de-DE" sz="1100" dirty="0"/>
+              <a:t> </a:t>
+            </a:r>
+            <a:r>
+              <a:rPr lang="de-DE" sz="1100" dirty="0" err="1"/>
+              <a:t>Preliminaries</a:t>
+            </a:r>
+            <a:r>
+              <a:rPr lang="de-DE" sz="1100" dirty="0"/>
+              <a:t> </a:t>
+            </a:r>
+            <a:r>
+              <a:rPr lang="de-DE" sz="1100" b="1" dirty="0"/>
+              <a:t>|</a:t>
+            </a:r>
+            <a:r>
+              <a:rPr lang="de-DE" sz="1100" dirty="0"/>
+              <a:t> </a:t>
+            </a:r>
+            <a:r>
+              <a:rPr lang="de-DE" sz="1100" dirty="0" err="1"/>
+              <a:t>Methodology</a:t>
+            </a:r>
+            <a:r>
+              <a:rPr lang="de-DE" sz="1100" dirty="0"/>
+              <a:t> </a:t>
+            </a:r>
+            <a:r>
+              <a:rPr lang="de-DE" sz="1100" b="1" dirty="0"/>
+              <a:t>|</a:t>
+            </a:r>
+            <a:r>
+              <a:rPr lang="de-DE" sz="1100" dirty="0"/>
+              <a:t> </a:t>
+            </a:r>
+            <a:r>
+              <a:rPr lang="de-DE" sz="1100" dirty="0" err="1"/>
+              <a:t>Literature</a:t>
+            </a:r>
+            <a:r>
+              <a:rPr lang="de-DE" sz="1100" dirty="0"/>
+              <a:t> review </a:t>
+            </a:r>
+            <a:r>
+              <a:rPr lang="de-DE" sz="1100" b="1" dirty="0"/>
+              <a:t>|</a:t>
+            </a:r>
+            <a:r>
+              <a:rPr lang="de-DE" sz="1100" dirty="0"/>
+              <a:t> Solution </a:t>
+            </a:r>
+            <a:r>
+              <a:rPr lang="de-DE" sz="1100" dirty="0" err="1"/>
+              <a:t>categorization</a:t>
+            </a:r>
+            <a:r>
+              <a:rPr lang="de-DE" sz="1100" dirty="0"/>
+              <a:t> </a:t>
+            </a:r>
+            <a:r>
+              <a:rPr lang="de-DE" sz="1100" b="1" dirty="0"/>
+              <a:t>|</a:t>
+            </a:r>
+            <a:r>
+              <a:rPr lang="de-DE" sz="1100" dirty="0"/>
+              <a:t> </a:t>
+            </a:r>
+            <a:r>
+              <a:rPr lang="de-DE" sz="1100" dirty="0" err="1"/>
+              <a:t>IoTs</a:t>
+            </a:r>
+            <a:r>
+              <a:rPr lang="de-DE" sz="1100" dirty="0"/>
+              <a:t> own </a:t>
+            </a:r>
+            <a:r>
+              <a:rPr lang="de-DE" sz="1100" dirty="0" err="1"/>
+              <a:t>footprint</a:t>
+            </a:r>
+            <a:r>
+              <a:rPr lang="de-DE" sz="1100" dirty="0"/>
+              <a:t> </a:t>
+            </a:r>
+            <a:r>
+              <a:rPr lang="de-DE" sz="1100" b="1" dirty="0"/>
+              <a:t>|</a:t>
+            </a:r>
+            <a:r>
+              <a:rPr lang="de-DE" sz="1100" dirty="0"/>
+              <a:t> IoT in </a:t>
+            </a:r>
+            <a:r>
+              <a:rPr lang="de-DE" sz="1100" dirty="0" err="1"/>
+              <a:t>food</a:t>
+            </a:r>
+            <a:r>
+              <a:rPr lang="de-DE" sz="1100" dirty="0"/>
+              <a:t> </a:t>
+            </a:r>
+            <a:r>
+              <a:rPr lang="de-DE" sz="1100" dirty="0" err="1"/>
+              <a:t>manufacturing</a:t>
+            </a:r>
+            <a:r>
+              <a:rPr lang="de-DE" sz="1100" dirty="0"/>
+              <a:t> </a:t>
+            </a:r>
+            <a:r>
+              <a:rPr lang="de-DE" sz="1100" b="1" dirty="0"/>
+              <a:t>|</a:t>
+            </a:r>
+            <a:r>
+              <a:rPr lang="de-DE" sz="1100" dirty="0"/>
+              <a:t> </a:t>
+            </a:r>
+            <a:r>
+              <a:rPr lang="de-DE" sz="1100" dirty="0" err="1"/>
+              <a:t>Discussion</a:t>
+            </a:r>
+            <a:r>
+              <a:rPr lang="de-DE" sz="1100" dirty="0"/>
+              <a:t> </a:t>
+            </a:r>
+            <a:r>
+              <a:rPr lang="de-DE" sz="1100" b="1" dirty="0"/>
+              <a:t>|</a:t>
+            </a:r>
+            <a:r>
+              <a:rPr lang="de-DE" sz="1100" dirty="0"/>
+              <a:t> </a:t>
+            </a:r>
+            <a:r>
+              <a:rPr lang="de-DE" sz="1100" dirty="0" err="1"/>
+              <a:t>Conclusion</a:t>
+            </a:r>
+            <a:endParaRPr lang="de-DE" sz="1100" dirty="0"/>
+          </a:p>
+        </p:txBody>
+      </p:sp>
+      <p:pic>
+        <p:nvPicPr>
+          <p:cNvPr id="4" name="Grafik 3" descr="Ein Bild, das Tisch enthält.&#10;&#10;Automatisch generierte Beschreibung">
+            <a:extLst>
+              <a:ext uri="{FF2B5EF4-FFF2-40B4-BE49-F238E27FC236}">
+                <a16:creationId xmlns:a16="http://schemas.microsoft.com/office/drawing/2014/main" id="{E1C9BD35-A4EB-469D-8C43-2F342EB8D6E7}"/>
+              </a:ext>
+            </a:extLst>
+          </p:cNvPr>
+          <p:cNvPicPr>
+            <a:picLocks noChangeAspect="1"/>
+          </p:cNvPicPr>
+          <p:nvPr/>
+        </p:nvPicPr>
+        <p:blipFill rotWithShape="1">
+          <a:blip r:embed="rId3"/>
+          <a:srcRect l="88484"/>
+          <a:stretch/>
+        </p:blipFill>
+        <p:spPr>
+          <a:xfrm>
+            <a:off x="10910077" y="1067231"/>
+            <a:ext cx="946188" cy="3326773"/>
+          </a:xfrm>
+          <a:prstGeom prst="rect">
+            <a:avLst/>
+          </a:prstGeom>
+        </p:spPr>
+      </p:pic>
+      <p:pic>
+        <p:nvPicPr>
+          <p:cNvPr id="7" name="Grafik 6" descr="Ein Bild, das Tisch enthält.&#10;&#10;Automatisch generierte Beschreibung">
+            <a:extLst>
+              <a:ext uri="{FF2B5EF4-FFF2-40B4-BE49-F238E27FC236}">
+                <a16:creationId xmlns:a16="http://schemas.microsoft.com/office/drawing/2014/main" id="{D14F919A-DFAD-4A06-8C67-7F7A51072133}"/>
+              </a:ext>
+            </a:extLst>
+          </p:cNvPr>
+          <p:cNvPicPr>
+            <a:picLocks noChangeAspect="1"/>
+          </p:cNvPicPr>
+          <p:nvPr/>
+        </p:nvPicPr>
+        <p:blipFill rotWithShape="1">
+          <a:blip r:embed="rId3"/>
+          <a:srcRect l="555" r="48091"/>
+          <a:stretch/>
+        </p:blipFill>
+        <p:spPr>
+          <a:xfrm>
+            <a:off x="6868886" y="1067133"/>
+            <a:ext cx="4219303" cy="3326773"/>
+          </a:xfrm>
+          <a:prstGeom prst="rect">
+            <a:avLst/>
+          </a:prstGeom>
+        </p:spPr>
+      </p:pic>
+      <p:sp>
+        <p:nvSpPr>
+          <p:cNvPr id="8" name="Google Shape;70;gb9e2de6e95_0_1">
+            <a:extLst>
+              <a:ext uri="{FF2B5EF4-FFF2-40B4-BE49-F238E27FC236}">
+                <a16:creationId xmlns:a16="http://schemas.microsoft.com/office/drawing/2014/main" id="{F112CD7F-B055-4849-A52D-78605FFAB8EB}"/>
+              </a:ext>
+            </a:extLst>
+          </p:cNvPr>
+          <p:cNvSpPr txBox="1">
+            <a:spLocks/>
+          </p:cNvSpPr>
+          <p:nvPr/>
+        </p:nvSpPr>
+        <p:spPr>
+          <a:xfrm>
+            <a:off x="566057" y="4162483"/>
+            <a:ext cx="10134599" cy="2154578"/>
+          </a:xfrm>
+          <a:prstGeom prst="rect">
+            <a:avLst/>
+          </a:prstGeom>
+          <a:noFill/>
+          <a:ln>
+            <a:noFill/>
+          </a:ln>
+        </p:spPr>
+        <p:txBody>
+          <a:bodyPr spcFirstLastPara="1" wrap="square" lIns="0" tIns="0" rIns="0" bIns="0" anchor="t" anchorCtr="0">
+            <a:noAutofit/>
+          </a:bodyPr>
+          <a:lstStyle>
+            <a:defPPr marR="0" lvl="0" algn="l" rtl="0">
+              <a:lnSpc>
+                <a:spcPct val="100000"/>
+              </a:lnSpc>
+              <a:spcBef>
+                <a:spcPts val="0"/>
+              </a:spcBef>
+              <a:spcAft>
+                <a:spcPts val="0"/>
+              </a:spcAft>
+            </a:defPPr>
+            <a:lvl1pPr marL="457200" marR="0" lvl="0" indent="-228600" algn="l" rtl="0">
+              <a:lnSpc>
+                <a:spcPct val="102000"/>
+              </a:lnSpc>
+              <a:spcBef>
+                <a:spcPts val="500"/>
+              </a:spcBef>
+              <a:spcAft>
+                <a:spcPts val="0"/>
+              </a:spcAft>
+              <a:buClr>
+                <a:srgbClr val="000000"/>
+              </a:buClr>
+              <a:buSzPts val="1400"/>
+              <a:buFont typeface="Arial"/>
+              <a:buNone/>
+              <a:defRPr sz="1800" b="1" i="0" u="none" strike="noStrike" cap="none">
+                <a:solidFill>
+                  <a:srgbClr val="000000"/>
+                </a:solidFill>
+                <a:latin typeface="Arial"/>
+                <a:ea typeface="Arial"/>
+                <a:cs typeface="Arial"/>
+                <a:sym typeface="Arial"/>
+              </a:defRPr>
+            </a:lvl1pPr>
+            <a:lvl2pPr marL="914400" marR="0" lvl="1" indent="-342900" algn="l" rtl="0">
+              <a:lnSpc>
+                <a:spcPct val="100000"/>
+              </a:lnSpc>
+              <a:spcBef>
+                <a:spcPts val="500"/>
+              </a:spcBef>
+              <a:spcAft>
+                <a:spcPts val="0"/>
+              </a:spcAft>
+              <a:buClr>
+                <a:schemeClr val="accent6"/>
+              </a:buClr>
+              <a:buSzPts val="1800"/>
+              <a:buFont typeface="Arial"/>
+              <a:buChar char="•"/>
+              <a:defRPr sz="1800" b="0" i="0" u="none" strike="noStrike" cap="none">
+                <a:solidFill>
+                  <a:srgbClr val="404040"/>
+                </a:solidFill>
+                <a:latin typeface="Arial"/>
+                <a:ea typeface="Arial"/>
+                <a:cs typeface="Arial"/>
+                <a:sym typeface="Arial"/>
+              </a:defRPr>
+            </a:lvl2pPr>
+            <a:lvl3pPr marL="1371600" marR="0" lvl="2" indent="-342900" algn="l" rtl="0">
+              <a:lnSpc>
+                <a:spcPct val="102000"/>
+              </a:lnSpc>
+              <a:spcBef>
+                <a:spcPts val="500"/>
+              </a:spcBef>
+              <a:spcAft>
+                <a:spcPts val="0"/>
+              </a:spcAft>
+              <a:buClr>
+                <a:schemeClr val="accent6"/>
+              </a:buClr>
+              <a:buSzPts val="1800"/>
+              <a:buFont typeface="Arial"/>
+              <a:buChar char="•"/>
+              <a:defRPr sz="1800" b="0" i="0" u="none" strike="noStrike" cap="none">
+                <a:solidFill>
+                  <a:srgbClr val="404040"/>
+                </a:solidFill>
+                <a:latin typeface="Arial"/>
+                <a:ea typeface="Arial"/>
+                <a:cs typeface="Arial"/>
+                <a:sym typeface="Arial"/>
+              </a:defRPr>
+            </a:lvl3pPr>
+            <a:lvl4pPr marL="1828800" marR="0" lvl="3" indent="-342900" algn="l" rtl="0">
+              <a:lnSpc>
+                <a:spcPct val="102000"/>
+              </a:lnSpc>
+              <a:spcBef>
+                <a:spcPts val="500"/>
+              </a:spcBef>
+              <a:spcAft>
+                <a:spcPts val="0"/>
+              </a:spcAft>
+              <a:buClr>
+                <a:schemeClr val="accent6"/>
+              </a:buClr>
+              <a:buSzPts val="1800"/>
+              <a:buFont typeface="Arial"/>
+              <a:buChar char="•"/>
+              <a:defRPr sz="1800" b="0" i="0" u="none" strike="noStrike" cap="none">
+                <a:solidFill>
+                  <a:srgbClr val="404040"/>
+                </a:solidFill>
+                <a:latin typeface="Arial"/>
+                <a:ea typeface="Arial"/>
+                <a:cs typeface="Arial"/>
+                <a:sym typeface="Arial"/>
+              </a:defRPr>
+            </a:lvl4pPr>
+            <a:lvl5pPr marL="2286000" marR="0" lvl="4" indent="-342900" algn="l" rtl="0">
+              <a:lnSpc>
+                <a:spcPct val="102000"/>
+              </a:lnSpc>
+              <a:spcBef>
+                <a:spcPts val="500"/>
+              </a:spcBef>
+              <a:spcAft>
+                <a:spcPts val="0"/>
+              </a:spcAft>
+              <a:buClr>
+                <a:schemeClr val="accent6"/>
+              </a:buClr>
+              <a:buSzPts val="1800"/>
+              <a:buFont typeface="Arial"/>
+              <a:buChar char="•"/>
+              <a:defRPr sz="1800" b="0" i="0" u="none" strike="noStrike" cap="none">
+                <a:solidFill>
+                  <a:srgbClr val="404040"/>
+                </a:solidFill>
+                <a:latin typeface="Arial"/>
+                <a:ea typeface="Arial"/>
+                <a:cs typeface="Arial"/>
+                <a:sym typeface="Arial"/>
+              </a:defRPr>
+            </a:lvl5pPr>
+            <a:lvl6pPr marL="2743200" marR="0" lvl="5" indent="-331470" algn="l" rtl="0">
+              <a:lnSpc>
+                <a:spcPct val="102000"/>
+              </a:lnSpc>
+              <a:spcBef>
+                <a:spcPts val="500"/>
+              </a:spcBef>
+              <a:spcAft>
+                <a:spcPts val="0"/>
+              </a:spcAft>
+              <a:buClr>
+                <a:schemeClr val="dk1"/>
+              </a:buClr>
+              <a:buSzPts val="1620"/>
+              <a:buFont typeface="Arial"/>
+              <a:buChar char="-"/>
+              <a:defRPr sz="1800" b="0" i="0" u="none" strike="noStrike" cap="none">
+                <a:solidFill>
+                  <a:schemeClr val="dk1"/>
+                </a:solidFill>
+                <a:latin typeface="Arial"/>
+                <a:ea typeface="Arial"/>
+                <a:cs typeface="Arial"/>
+                <a:sym typeface="Arial"/>
+              </a:defRPr>
+            </a:lvl6pPr>
+            <a:lvl7pPr marL="3200400" marR="0" lvl="6" indent="-331470" algn="l" rtl="0">
+              <a:lnSpc>
+                <a:spcPct val="102000"/>
+              </a:lnSpc>
+              <a:spcBef>
+                <a:spcPts val="500"/>
+              </a:spcBef>
+              <a:spcAft>
+                <a:spcPts val="0"/>
+              </a:spcAft>
+              <a:buClr>
+                <a:schemeClr val="dk1"/>
+              </a:buClr>
+              <a:buSzPts val="1620"/>
+              <a:buFont typeface="Arial"/>
+              <a:buChar char="-"/>
+              <a:defRPr sz="1800" b="0" i="0" u="none" strike="noStrike" cap="none">
+                <a:solidFill>
+                  <a:schemeClr val="dk1"/>
+                </a:solidFill>
+                <a:latin typeface="Arial"/>
+                <a:ea typeface="Arial"/>
+                <a:cs typeface="Arial"/>
+                <a:sym typeface="Arial"/>
+              </a:defRPr>
+            </a:lvl7pPr>
+            <a:lvl8pPr marL="3657600" marR="0" lvl="7" indent="-331470" algn="l" rtl="0">
+              <a:lnSpc>
+                <a:spcPct val="102000"/>
+              </a:lnSpc>
+              <a:spcBef>
+                <a:spcPts val="500"/>
+              </a:spcBef>
+              <a:spcAft>
+                <a:spcPts val="0"/>
+              </a:spcAft>
+              <a:buClr>
+                <a:schemeClr val="dk1"/>
+              </a:buClr>
+              <a:buSzPts val="1620"/>
+              <a:buFont typeface="Arial"/>
+              <a:buChar char="-"/>
+              <a:defRPr sz="1800" b="0" i="0" u="none" strike="noStrike" cap="none">
+                <a:solidFill>
+                  <a:schemeClr val="dk1"/>
+                </a:solidFill>
+                <a:latin typeface="Arial"/>
+                <a:ea typeface="Arial"/>
+                <a:cs typeface="Arial"/>
+                <a:sym typeface="Arial"/>
+              </a:defRPr>
+            </a:lvl8pPr>
+            <a:lvl9pPr marL="4114800" marR="0" lvl="8" indent="-331470" algn="l" rtl="0">
+              <a:lnSpc>
+                <a:spcPct val="102000"/>
+              </a:lnSpc>
+              <a:spcBef>
+                <a:spcPts val="500"/>
+              </a:spcBef>
+              <a:spcAft>
+                <a:spcPts val="0"/>
+              </a:spcAft>
+              <a:buClr>
+                <a:schemeClr val="dk1"/>
+              </a:buClr>
+              <a:buSzPts val="1620"/>
+              <a:buFont typeface="Arial"/>
+              <a:buChar char="-"/>
+              <a:defRPr sz="1800" b="0" i="0" u="none" strike="noStrike" cap="none">
+                <a:solidFill>
+                  <a:schemeClr val="dk1"/>
+                </a:solidFill>
+                <a:latin typeface="Arial"/>
+                <a:ea typeface="Arial"/>
+                <a:cs typeface="Arial"/>
+                <a:sym typeface="Arial"/>
+              </a:defRPr>
+            </a:lvl9pPr>
+          </a:lstStyle>
+          <a:p>
+            <a:pPr marL="0" indent="0"/>
+            <a:r>
+              <a:rPr lang="en-US" dirty="0"/>
+              <a:t>Supply chain challenges:</a:t>
+            </a:r>
+          </a:p>
+          <a:p>
+            <a:pPr marL="285750" indent="-285750">
+              <a:buFont typeface="Arial" panose="020B0604020202020204" pitchFamily="34" charset="0"/>
+              <a:buChar char="•"/>
+            </a:pPr>
+            <a:r>
+              <a:rPr lang="en-US" b="0" dirty="0"/>
+              <a:t>60% of global CO2 emissions generated by supply chains</a:t>
+            </a:r>
+          </a:p>
+          <a:p>
+            <a:pPr marL="285750" indent="-285750">
+              <a:buFont typeface="Arial" panose="020B0604020202020204" pitchFamily="34" charset="0"/>
+              <a:buChar char="•"/>
+            </a:pPr>
+            <a:r>
+              <a:rPr lang="en-US" b="0" dirty="0"/>
+              <a:t>companies are struggling to decarbonize their supply chains and achieve net-zero emission</a:t>
+            </a:r>
+          </a:p>
+          <a:p>
+            <a:pPr marL="285750" indent="-285750">
+              <a:buFont typeface="Arial" panose="020B0604020202020204" pitchFamily="34" charset="0"/>
+              <a:buChar char="•"/>
+            </a:pPr>
+            <a:endParaRPr lang="en-US" b="0" dirty="0"/>
+          </a:p>
+          <a:p>
+            <a:pPr marL="285750" indent="-285750">
+              <a:buFont typeface="Arial" panose="020B0604020202020204" pitchFamily="34" charset="0"/>
+              <a:buChar char="•"/>
+            </a:pPr>
+            <a:endParaRPr lang="en-US" b="0" dirty="0"/>
+          </a:p>
+          <a:p>
+            <a:pPr marL="0" indent="0" algn="ctr"/>
+            <a:r>
+              <a:rPr lang="en-US" dirty="0"/>
+              <a:t>Identification and evaluation of current IoT research solutions</a:t>
+            </a:r>
+          </a:p>
+        </p:txBody>
+      </p:sp>
+      <p:sp>
+        <p:nvSpPr>
+          <p:cNvPr id="9" name="Pfeil: nach unten 8">
+            <a:extLst>
+              <a:ext uri="{FF2B5EF4-FFF2-40B4-BE49-F238E27FC236}">
+                <a16:creationId xmlns:a16="http://schemas.microsoft.com/office/drawing/2014/main" id="{61D59BD0-BFDB-4FA2-97CD-EC39A6BA1FAB}"/>
+              </a:ext>
+            </a:extLst>
+          </p:cNvPr>
+          <p:cNvSpPr/>
+          <p:nvPr/>
+        </p:nvSpPr>
+        <p:spPr>
+          <a:xfrm>
+            <a:off x="5426528" y="5371390"/>
+            <a:ext cx="533400" cy="423992"/>
+          </a:xfrm>
+          <a:prstGeom prst="downArrow">
+            <a:avLst/>
+          </a:prstGeom>
+        </p:spPr>
+        <p:style>
+          <a:lnRef idx="2">
+            <a:schemeClr val="accent1">
+              <a:shade val="50000"/>
+            </a:schemeClr>
+          </a:lnRef>
+          <a:fillRef idx="1">
+            <a:schemeClr val="accent1"/>
+          </a:fillRef>
+          <a:effectRef idx="0">
+            <a:schemeClr val="accent1"/>
+          </a:effectRef>
+          <a:fontRef idx="minor">
+            <a:schemeClr val="lt1"/>
+          </a:fontRef>
+        </p:style>
+        <p:txBody>
+          <a:bodyPr rtlCol="0" anchor="ctr"/>
+          <a:lstStyle/>
+          <a:p>
+            <a:pPr algn="ctr"/>
+            <a:endParaRPr lang="de-DE"/>
+          </a:p>
+        </p:txBody>
+      </p:sp>
+    </p:spTree>
+  </p:cSld>
+  <p:clrMapOvr>
+    <a:masterClrMapping/>
+  </p:clrMapOvr>
+</p:sld>
+</file>
+
+<file path=ppt/slides/slide4.xml><?xml version="1.0" encoding="utf-8"?>
+<p:sld xmlns:a="http://schemas.openxmlformats.org/drawingml/2006/main" xmlns:r="http://schemas.openxmlformats.org/officeDocument/2006/relationships" xmlns:p="http://schemas.openxmlformats.org/presentationml/2006/main">
+  <p:cSld>
+    <p:spTree>
+      <p:nvGrpSpPr>
+        <p:cNvPr id="1" name="Shape 69"/>
+        <p:cNvGrpSpPr/>
+        <p:nvPr/>
+      </p:nvGrpSpPr>
+      <p:grpSpPr>
+        <a:xfrm>
+          <a:off x="0" y="0"/>
+          <a:ext cx="0" cy="0"/>
+          <a:chOff x="0" y="0"/>
+          <a:chExt cx="0" cy="0"/>
+        </a:xfrm>
+      </p:grpSpPr>
+      <p:sp>
+        <p:nvSpPr>
+          <p:cNvPr id="71" name="Google Shape;71;gb9e2de6e95_0_1"/>
+          <p:cNvSpPr txBox="1">
+            <a:spLocks noGrp="1"/>
+          </p:cNvSpPr>
+          <p:nvPr>
+            <p:ph type="title"/>
+          </p:nvPr>
+        </p:nvSpPr>
+        <p:spPr>
+          <a:xfrm>
+            <a:off x="696000" y="637107"/>
+            <a:ext cx="9020100" cy="392400"/>
+          </a:xfrm>
+          <a:prstGeom prst="rect">
+            <a:avLst/>
+          </a:prstGeom>
+        </p:spPr>
+        <p:txBody>
+          <a:bodyPr spcFirstLastPara="1" wrap="square" lIns="0" tIns="0" rIns="0" bIns="0" anchor="b" anchorCtr="0">
+            <a:noAutofit/>
+          </a:bodyPr>
+          <a:lstStyle/>
+          <a:p>
+            <a:pPr marL="0" lvl="0" indent="0" algn="l" rtl="0">
+              <a:spcBef>
+                <a:spcPts val="0"/>
+              </a:spcBef>
+              <a:spcAft>
+                <a:spcPts val="0"/>
+              </a:spcAft>
+              <a:buNone/>
+            </a:pPr>
+            <a:r>
+              <a:rPr lang="de-DE" dirty="0"/>
+              <a:t>2. </a:t>
+            </a:r>
+            <a:r>
+              <a:rPr lang="en-BZ" dirty="0"/>
+              <a:t>Preliminaries</a:t>
+            </a:r>
+          </a:p>
+        </p:txBody>
+      </p:sp>
+      <p:sp>
+        <p:nvSpPr>
+          <p:cNvPr id="2" name="Textfeld 1">
+            <a:extLst>
+              <a:ext uri="{FF2B5EF4-FFF2-40B4-BE49-F238E27FC236}">
+                <a16:creationId xmlns:a16="http://schemas.microsoft.com/office/drawing/2014/main" id="{30A035FF-45D1-4988-A980-898865FFE32B}"/>
+              </a:ext>
+            </a:extLst>
+          </p:cNvPr>
+          <p:cNvSpPr txBox="1"/>
+          <p:nvPr/>
+        </p:nvSpPr>
+        <p:spPr>
+          <a:xfrm>
+            <a:off x="566058" y="6629048"/>
+            <a:ext cx="12115800" cy="261610"/>
+          </a:xfrm>
+          <a:prstGeom prst="rect">
+            <a:avLst/>
+          </a:prstGeom>
+          <a:noFill/>
+        </p:spPr>
+        <p:txBody>
+          <a:bodyPr wrap="square" rtlCol="0">
+            <a:spAutoFit/>
+          </a:bodyPr>
+          <a:lstStyle/>
+          <a:p>
+            <a:r>
+              <a:rPr lang="en-BZ" sz="1100" dirty="0"/>
+              <a:t>Motivation</a:t>
+            </a:r>
+            <a:r>
+              <a:rPr lang="en-BZ" sz="1100" b="1" dirty="0"/>
+              <a:t> |</a:t>
+            </a:r>
+            <a:r>
+              <a:rPr lang="en-BZ" sz="1100" dirty="0"/>
+              <a:t> </a:t>
+            </a:r>
+            <a:r>
+              <a:rPr lang="en-BZ" sz="1100" b="1" dirty="0"/>
+              <a:t>Preliminaries</a:t>
+            </a:r>
+            <a:r>
+              <a:rPr lang="en-BZ" sz="1100" dirty="0"/>
+              <a:t> </a:t>
+            </a:r>
+            <a:r>
+              <a:rPr lang="en-BZ" sz="1100" b="1" dirty="0"/>
+              <a:t>|</a:t>
+            </a:r>
+            <a:r>
+              <a:rPr lang="en-BZ" sz="1100" dirty="0"/>
+              <a:t> Methodology </a:t>
+            </a:r>
+            <a:r>
+              <a:rPr lang="en-BZ" sz="1100" b="1" dirty="0"/>
+              <a:t>|</a:t>
+            </a:r>
+            <a:r>
+              <a:rPr lang="en-BZ" sz="1100" dirty="0"/>
+              <a:t> Literature review </a:t>
+            </a:r>
+            <a:r>
+              <a:rPr lang="en-BZ" sz="1100" b="1" dirty="0"/>
+              <a:t>|</a:t>
+            </a:r>
+            <a:r>
+              <a:rPr lang="en-BZ" sz="1100" dirty="0"/>
+              <a:t> Solution categorization </a:t>
+            </a:r>
+            <a:r>
+              <a:rPr lang="en-BZ" sz="1100" b="1" dirty="0"/>
+              <a:t>|</a:t>
+            </a:r>
+            <a:r>
+              <a:rPr lang="en-BZ" sz="1100" dirty="0"/>
+              <a:t> IoTs own footprint </a:t>
+            </a:r>
+            <a:r>
+              <a:rPr lang="en-BZ" sz="1100" b="1" dirty="0"/>
+              <a:t>|</a:t>
+            </a:r>
+            <a:r>
+              <a:rPr lang="en-BZ" sz="1100" dirty="0"/>
+              <a:t> IoT in food manufacturing </a:t>
+            </a:r>
+            <a:r>
+              <a:rPr lang="en-BZ" sz="1100" b="1" dirty="0"/>
+              <a:t>|</a:t>
+            </a:r>
+            <a:r>
+              <a:rPr lang="en-BZ" sz="1100" dirty="0"/>
+              <a:t> Discussion </a:t>
+            </a:r>
+            <a:r>
+              <a:rPr lang="en-BZ" sz="1100" b="1" dirty="0"/>
+              <a:t>|</a:t>
+            </a:r>
+            <a:r>
+              <a:rPr lang="en-BZ" sz="1100" dirty="0"/>
+              <a:t> Conclusion</a:t>
+            </a:r>
+          </a:p>
+        </p:txBody>
+      </p:sp>
+      <p:graphicFrame>
+        <p:nvGraphicFramePr>
+          <p:cNvPr id="3" name="Diagramm 2">
+            <a:extLst>
+              <a:ext uri="{FF2B5EF4-FFF2-40B4-BE49-F238E27FC236}">
+                <a16:creationId xmlns:a16="http://schemas.microsoft.com/office/drawing/2014/main" id="{6F07DC86-701E-4C65-989C-F4F28209221F}"/>
+              </a:ext>
+            </a:extLst>
+          </p:cNvPr>
+          <p:cNvGraphicFramePr/>
+          <p:nvPr>
+            <p:extLst>
+              <p:ext uri="{D42A27DB-BD31-4B8C-83A1-F6EECF244321}">
+                <p14:modId xmlns:p14="http://schemas.microsoft.com/office/powerpoint/2010/main" val="1808438685"/>
+              </p:ext>
+            </p:extLst>
+          </p:nvPr>
+        </p:nvGraphicFramePr>
+        <p:xfrm>
+          <a:off x="1054099" y="1317171"/>
+          <a:ext cx="9951358" cy="4814803"/>
+        </p:xfrm>
+        <a:graphic>
+          <a:graphicData uri="http://schemas.openxmlformats.org/drawingml/2006/diagram">
+            <dgm:relIds xmlns:dgm="http://schemas.openxmlformats.org/drawingml/2006/diagram" xmlns:r="http://schemas.openxmlformats.org/officeDocument/2006/relationships" r:dm="rId3" r:lo="rId4" r:qs="rId5" r:cs="rId6"/>
+          </a:graphicData>
+        </a:graphic>
+      </p:graphicFrame>
+    </p:spTree>
+    <p:extLst>
+      <p:ext uri="{BB962C8B-B14F-4D97-AF65-F5344CB8AC3E}">
+        <p14:creationId xmlns:p14="http://schemas.microsoft.com/office/powerpoint/2010/main" val="2137708799"/>
+      </p:ext>
+    </p:extLst>
+  </p:cSld>
+  <p:clrMapOvr>
+    <a:masterClrMapping/>
+  </p:clrMapOvr>
+</p:sld>
+</file>
+
+<file path=ppt/slides/slide5.xml><?xml version="1.0" encoding="utf-8"?>
+<p:sld xmlns:a="http://schemas.openxmlformats.org/drawingml/2006/main" xmlns:r="http://schemas.openxmlformats.org/officeDocument/2006/relationships" xmlns:p="http://schemas.openxmlformats.org/presentationml/2006/main">
+  <p:cSld>
+    <p:spTree>
+      <p:nvGrpSpPr>
+        <p:cNvPr id="1" name="Shape 69"/>
+        <p:cNvGrpSpPr/>
+        <p:nvPr/>
+      </p:nvGrpSpPr>
+      <p:grpSpPr>
+        <a:xfrm>
+          <a:off x="0" y="0"/>
+          <a:ext cx="0" cy="0"/>
+          <a:chOff x="0" y="0"/>
+          <a:chExt cx="0" cy="0"/>
+        </a:xfrm>
+      </p:grpSpPr>
+      <p:sp>
+        <p:nvSpPr>
+          <p:cNvPr id="70" name="Google Shape;70;gb9e2de6e95_0_1"/>
+          <p:cNvSpPr txBox="1">
+            <a:spLocks noGrp="1"/>
+          </p:cNvSpPr>
+          <p:nvPr>
+            <p:ph type="body" idx="1"/>
+          </p:nvPr>
+        </p:nvSpPr>
+        <p:spPr>
+          <a:xfrm>
+            <a:off x="559928" y="1447894"/>
+            <a:ext cx="10800000" cy="392400"/>
+          </a:xfrm>
+          <a:prstGeom prst="rect">
+            <a:avLst/>
+          </a:prstGeom>
+        </p:spPr>
+        <p:txBody>
+          <a:bodyPr spcFirstLastPara="1" wrap="square" lIns="0" tIns="0" rIns="0" bIns="0" anchor="t" anchorCtr="0">
+            <a:noAutofit/>
+          </a:bodyPr>
+          <a:lstStyle/>
+          <a:p>
+            <a:pPr marL="0" lvl="0" indent="0" algn="l" rtl="0">
+              <a:spcBef>
+                <a:spcPts val="500"/>
+              </a:spcBef>
+              <a:spcAft>
+                <a:spcPts val="0"/>
+              </a:spcAft>
+              <a:buNone/>
+            </a:pPr>
+            <a:r>
+              <a:rPr lang="en-IN" b="0" dirty="0"/>
+              <a:t>Systematic literature research based on </a:t>
+            </a:r>
+            <a:r>
+              <a:rPr lang="en-IN" b="0" dirty="0" err="1"/>
+              <a:t>vom</a:t>
+            </a:r>
+            <a:r>
+              <a:rPr lang="en-IN" b="0" dirty="0"/>
+              <a:t> </a:t>
+            </a:r>
+            <a:r>
+              <a:rPr lang="en-IN" b="0" dirty="0" err="1"/>
+              <a:t>Brocke</a:t>
+            </a:r>
+            <a:r>
+              <a:rPr lang="en-IN" b="0" dirty="0"/>
+              <a:t> et al. (2009)</a:t>
+            </a:r>
+          </a:p>
+        </p:txBody>
+      </p:sp>
+      <p:sp>
+        <p:nvSpPr>
+          <p:cNvPr id="71" name="Google Shape;71;gb9e2de6e95_0_1"/>
+          <p:cNvSpPr txBox="1">
+            <a:spLocks noGrp="1"/>
+          </p:cNvSpPr>
+          <p:nvPr>
+            <p:ph type="title"/>
+          </p:nvPr>
+        </p:nvSpPr>
+        <p:spPr>
+          <a:xfrm>
+            <a:off x="696000" y="637107"/>
+            <a:ext cx="9020100" cy="392400"/>
+          </a:xfrm>
+          <a:prstGeom prst="rect">
+            <a:avLst/>
+          </a:prstGeom>
+        </p:spPr>
+        <p:txBody>
+          <a:bodyPr spcFirstLastPara="1" wrap="square" lIns="0" tIns="0" rIns="0" bIns="0" anchor="b" anchorCtr="0">
+            <a:noAutofit/>
+          </a:bodyPr>
+          <a:lstStyle/>
+          <a:p>
+            <a:pPr marL="0" lvl="0" indent="0" algn="l" rtl="0">
+              <a:spcBef>
+                <a:spcPts val="0"/>
+              </a:spcBef>
+              <a:spcAft>
+                <a:spcPts val="0"/>
+              </a:spcAft>
+              <a:buNone/>
+            </a:pPr>
+            <a:r>
+              <a:rPr lang="en-CA" dirty="0"/>
+              <a:t>3. Methodology</a:t>
+            </a:r>
+          </a:p>
+        </p:txBody>
+      </p:sp>
+      <p:sp>
+        <p:nvSpPr>
+          <p:cNvPr id="2" name="Textfeld 1">
+            <a:extLst>
+              <a:ext uri="{FF2B5EF4-FFF2-40B4-BE49-F238E27FC236}">
+                <a16:creationId xmlns:a16="http://schemas.microsoft.com/office/drawing/2014/main" id="{30A035FF-45D1-4988-A980-898865FFE32B}"/>
+              </a:ext>
+            </a:extLst>
+          </p:cNvPr>
+          <p:cNvSpPr txBox="1"/>
+          <p:nvPr/>
+        </p:nvSpPr>
+        <p:spPr>
+          <a:xfrm>
+            <a:off x="566058" y="6629048"/>
+            <a:ext cx="12115800" cy="261610"/>
+          </a:xfrm>
+          <a:prstGeom prst="rect">
+            <a:avLst/>
+          </a:prstGeom>
+          <a:noFill/>
+        </p:spPr>
+        <p:txBody>
+          <a:bodyPr wrap="square" rtlCol="0">
+            <a:spAutoFit/>
+          </a:bodyPr>
+          <a:lstStyle/>
+          <a:p>
+            <a:r>
+              <a:rPr lang="de-DE" sz="1100" dirty="0"/>
+              <a:t>Motivation</a:t>
+            </a:r>
+            <a:r>
+              <a:rPr lang="de-DE" sz="1100" b="1" dirty="0"/>
+              <a:t> |</a:t>
+            </a:r>
+            <a:r>
+              <a:rPr lang="de-DE" sz="1100" dirty="0"/>
+              <a:t> </a:t>
+            </a:r>
+            <a:r>
+              <a:rPr lang="de-DE" sz="1100" dirty="0" err="1"/>
+              <a:t>Preliminaries</a:t>
+            </a:r>
+            <a:r>
+              <a:rPr lang="de-DE" sz="1100" dirty="0"/>
+              <a:t> </a:t>
+            </a:r>
+            <a:r>
+              <a:rPr lang="de-DE" sz="1100" b="1" dirty="0"/>
+              <a:t>|</a:t>
+            </a:r>
+            <a:r>
+              <a:rPr lang="de-DE" sz="1100" dirty="0"/>
+              <a:t> </a:t>
+            </a:r>
+            <a:r>
+              <a:rPr lang="de-DE" sz="1100" b="1" dirty="0" err="1"/>
+              <a:t>Methodology</a:t>
+            </a:r>
+            <a:r>
+              <a:rPr lang="de-DE" sz="1100" dirty="0"/>
+              <a:t> </a:t>
+            </a:r>
+            <a:r>
+              <a:rPr lang="de-DE" sz="1100" b="1" dirty="0"/>
+              <a:t>|</a:t>
+            </a:r>
+            <a:r>
+              <a:rPr lang="de-DE" sz="1100" dirty="0"/>
+              <a:t> </a:t>
+            </a:r>
+            <a:r>
+              <a:rPr lang="de-DE" sz="1100" dirty="0" err="1"/>
+              <a:t>Literature</a:t>
+            </a:r>
+            <a:r>
+              <a:rPr lang="de-DE" sz="1100" dirty="0"/>
+              <a:t> review </a:t>
+            </a:r>
+            <a:r>
+              <a:rPr lang="de-DE" sz="1100" b="1" dirty="0"/>
+              <a:t>|</a:t>
+            </a:r>
+            <a:r>
+              <a:rPr lang="de-DE" sz="1100" dirty="0"/>
+              <a:t> Solution </a:t>
+            </a:r>
+            <a:r>
+              <a:rPr lang="de-DE" sz="1100" dirty="0" err="1"/>
+              <a:t>categorization</a:t>
+            </a:r>
+            <a:r>
+              <a:rPr lang="de-DE" sz="1100" dirty="0"/>
+              <a:t> </a:t>
+            </a:r>
+            <a:r>
+              <a:rPr lang="de-DE" sz="1100" b="1" dirty="0"/>
+              <a:t>|</a:t>
+            </a:r>
+            <a:r>
+              <a:rPr lang="de-DE" sz="1100" dirty="0"/>
+              <a:t> </a:t>
+            </a:r>
+            <a:r>
+              <a:rPr lang="de-DE" sz="1100" dirty="0" err="1"/>
+              <a:t>IoTs</a:t>
+            </a:r>
+            <a:r>
+              <a:rPr lang="de-DE" sz="1100" dirty="0"/>
+              <a:t> own </a:t>
+            </a:r>
+            <a:r>
+              <a:rPr lang="de-DE" sz="1100" dirty="0" err="1"/>
+              <a:t>footprint</a:t>
+            </a:r>
+            <a:r>
+              <a:rPr lang="de-DE" sz="1100" dirty="0"/>
+              <a:t> </a:t>
+            </a:r>
+            <a:r>
+              <a:rPr lang="de-DE" sz="1100" b="1" dirty="0"/>
+              <a:t>|</a:t>
+            </a:r>
+            <a:r>
+              <a:rPr lang="de-DE" sz="1100" dirty="0"/>
+              <a:t> IoT in </a:t>
+            </a:r>
+            <a:r>
+              <a:rPr lang="de-DE" sz="1100" dirty="0" err="1"/>
+              <a:t>food</a:t>
+            </a:r>
+            <a:r>
+              <a:rPr lang="de-DE" sz="1100" dirty="0"/>
+              <a:t> </a:t>
+            </a:r>
+            <a:r>
+              <a:rPr lang="de-DE" sz="1100" dirty="0" err="1"/>
+              <a:t>manufacturing</a:t>
+            </a:r>
+            <a:r>
+              <a:rPr lang="de-DE" sz="1100" dirty="0"/>
+              <a:t> </a:t>
+            </a:r>
+            <a:r>
+              <a:rPr lang="de-DE" sz="1100" b="1" dirty="0"/>
+              <a:t>|</a:t>
+            </a:r>
+            <a:r>
+              <a:rPr lang="de-DE" sz="1100" dirty="0"/>
+              <a:t> </a:t>
+            </a:r>
+            <a:r>
+              <a:rPr lang="de-DE" sz="1100" dirty="0" err="1"/>
+              <a:t>Discussion</a:t>
+            </a:r>
+            <a:r>
+              <a:rPr lang="de-DE" sz="1100" dirty="0"/>
+              <a:t> </a:t>
+            </a:r>
+            <a:r>
+              <a:rPr lang="de-DE" sz="1100" b="1" dirty="0"/>
+              <a:t>|</a:t>
+            </a:r>
+            <a:r>
+              <a:rPr lang="de-DE" sz="1100" dirty="0"/>
+              <a:t> </a:t>
+            </a:r>
+            <a:r>
+              <a:rPr lang="de-DE" sz="1100" dirty="0" err="1"/>
+              <a:t>Conclusion</a:t>
+            </a:r>
+            <a:endParaRPr lang="de-DE" sz="1100" dirty="0"/>
+          </a:p>
+        </p:txBody>
+      </p:sp>
+      <p:pic>
+        <p:nvPicPr>
+          <p:cNvPr id="4" name="Grafik 3">
+            <a:extLst>
+              <a:ext uri="{FF2B5EF4-FFF2-40B4-BE49-F238E27FC236}">
+                <a16:creationId xmlns:a16="http://schemas.microsoft.com/office/drawing/2014/main" id="{00C2E069-81A2-4AE8-8C2B-0526C7E627D6}"/>
+              </a:ext>
+            </a:extLst>
+          </p:cNvPr>
+          <p:cNvPicPr>
+            <a:picLocks noChangeAspect="1"/>
+          </p:cNvPicPr>
+          <p:nvPr/>
+        </p:nvPicPr>
+        <p:blipFill rotWithShape="1">
+          <a:blip r:embed="rId3"/>
+          <a:srcRect t="1" b="2955"/>
+          <a:stretch/>
+        </p:blipFill>
+        <p:spPr>
+          <a:xfrm>
+            <a:off x="495356" y="1958354"/>
+            <a:ext cx="4748794" cy="2292397"/>
+          </a:xfrm>
+          <a:prstGeom prst="rect">
+            <a:avLst/>
+          </a:prstGeom>
+        </p:spPr>
+      </p:pic>
+      <p:sp>
+        <p:nvSpPr>
+          <p:cNvPr id="3" name="Textfeld 2">
+            <a:extLst>
+              <a:ext uri="{FF2B5EF4-FFF2-40B4-BE49-F238E27FC236}">
+                <a16:creationId xmlns:a16="http://schemas.microsoft.com/office/drawing/2014/main" id="{F57BC401-A6AB-4314-965D-704FCA7E28B5}"/>
+              </a:ext>
+            </a:extLst>
+          </p:cNvPr>
+          <p:cNvSpPr txBox="1"/>
+          <p:nvPr/>
+        </p:nvSpPr>
+        <p:spPr>
+          <a:xfrm>
+            <a:off x="5255636" y="2483057"/>
+            <a:ext cx="6509656" cy="1200329"/>
+          </a:xfrm>
+          <a:prstGeom prst="rect">
+            <a:avLst/>
+          </a:prstGeom>
+          <a:noFill/>
+        </p:spPr>
+        <p:txBody>
+          <a:bodyPr wrap="square" rtlCol="0">
+            <a:spAutoFit/>
+          </a:bodyPr>
+          <a:lstStyle/>
+          <a:p>
+            <a:r>
+              <a:rPr lang="en-US" sz="1800" b="1" dirty="0"/>
+              <a:t>Initial search terms:</a:t>
+            </a:r>
+          </a:p>
+          <a:p>
+            <a:pPr marL="285750" indent="-285750">
+              <a:buFont typeface="Arial" panose="020B0604020202020204" pitchFamily="34" charset="0"/>
+              <a:buChar char="•"/>
+            </a:pPr>
+            <a:r>
+              <a:rPr lang="en-US" sz="1800" dirty="0"/>
+              <a:t>supply chain AND sustainability AND internet of things</a:t>
+            </a:r>
+          </a:p>
+          <a:p>
+            <a:pPr marL="285750" indent="-285750">
+              <a:buFont typeface="Arial" panose="020B0604020202020204" pitchFamily="34" charset="0"/>
+              <a:buChar char="•"/>
+            </a:pPr>
+            <a:r>
+              <a:rPr lang="en-US" sz="1800" dirty="0"/>
+              <a:t>supply chain AND carbon emissions AND internet of things</a:t>
+            </a:r>
+          </a:p>
+          <a:p>
+            <a:pPr marL="285750" indent="-285750">
+              <a:buFont typeface="Arial" panose="020B0604020202020204" pitchFamily="34" charset="0"/>
+              <a:buChar char="•"/>
+            </a:pPr>
+            <a:r>
+              <a:rPr lang="en-US" sz="1800" dirty="0"/>
+              <a:t>supply chain AND green AND internet of things</a:t>
+            </a:r>
+            <a:endParaRPr lang="de-DE" sz="1800" dirty="0"/>
+          </a:p>
+        </p:txBody>
+      </p:sp>
+      <p:sp>
+        <p:nvSpPr>
+          <p:cNvPr id="5" name="Textfeld 4">
+            <a:extLst>
+              <a:ext uri="{FF2B5EF4-FFF2-40B4-BE49-F238E27FC236}">
+                <a16:creationId xmlns:a16="http://schemas.microsoft.com/office/drawing/2014/main" id="{34FD172A-D5B8-405D-8A93-4F35026BE38D}"/>
+              </a:ext>
+            </a:extLst>
+          </p:cNvPr>
+          <p:cNvSpPr txBox="1"/>
+          <p:nvPr/>
+        </p:nvSpPr>
+        <p:spPr>
+          <a:xfrm>
+            <a:off x="2373085" y="4930642"/>
+            <a:ext cx="6640286" cy="307777"/>
+          </a:xfrm>
+          <a:prstGeom prst="rect">
+            <a:avLst/>
+          </a:prstGeom>
+          <a:noFill/>
+        </p:spPr>
+        <p:txBody>
+          <a:bodyPr wrap="square" rtlCol="0">
+            <a:spAutoFit/>
+          </a:bodyPr>
+          <a:lstStyle/>
+          <a:p>
+            <a:pPr algn="ctr"/>
+            <a:r>
+              <a:rPr lang="en-US" dirty="0"/>
+              <a:t>Refine of search term based on concept map &amp; forward and backward search</a:t>
+            </a:r>
+            <a:endParaRPr lang="de-DE" dirty="0"/>
+          </a:p>
+        </p:txBody>
+      </p:sp>
+      <p:sp>
+        <p:nvSpPr>
+          <p:cNvPr id="9" name="Pfeil: nach unten 8">
+            <a:extLst>
+              <a:ext uri="{FF2B5EF4-FFF2-40B4-BE49-F238E27FC236}">
+                <a16:creationId xmlns:a16="http://schemas.microsoft.com/office/drawing/2014/main" id="{B19E29E7-E0AF-434A-B5D7-BE64DB424A70}"/>
+              </a:ext>
+            </a:extLst>
+          </p:cNvPr>
+          <p:cNvSpPr/>
+          <p:nvPr/>
+        </p:nvSpPr>
+        <p:spPr>
+          <a:xfrm>
+            <a:off x="5426528" y="5371390"/>
+            <a:ext cx="533400" cy="423992"/>
+          </a:xfrm>
+          <a:prstGeom prst="downArrow">
+            <a:avLst/>
+          </a:prstGeom>
+        </p:spPr>
+        <p:style>
+          <a:lnRef idx="2">
+            <a:schemeClr val="accent1">
+              <a:shade val="50000"/>
+            </a:schemeClr>
+          </a:lnRef>
+          <a:fillRef idx="1">
+            <a:schemeClr val="accent1"/>
+          </a:fillRef>
+          <a:effectRef idx="0">
+            <a:schemeClr val="accent1"/>
+          </a:effectRef>
+          <a:fontRef idx="minor">
+            <a:schemeClr val="lt1"/>
+          </a:fontRef>
+        </p:style>
+        <p:txBody>
+          <a:bodyPr rtlCol="0" anchor="ctr"/>
+          <a:lstStyle/>
+          <a:p>
+            <a:pPr algn="ctr"/>
+            <a:endParaRPr lang="de-DE"/>
+          </a:p>
+        </p:txBody>
+      </p:sp>
+      <p:sp>
+        <p:nvSpPr>
+          <p:cNvPr id="10" name="Textfeld 9">
+            <a:extLst>
+              <a:ext uri="{FF2B5EF4-FFF2-40B4-BE49-F238E27FC236}">
+                <a16:creationId xmlns:a16="http://schemas.microsoft.com/office/drawing/2014/main" id="{9FB56B7F-0CC5-4633-82CD-4FF8C5E5E04B}"/>
+              </a:ext>
+            </a:extLst>
+          </p:cNvPr>
+          <p:cNvSpPr txBox="1"/>
+          <p:nvPr/>
+        </p:nvSpPr>
+        <p:spPr>
+          <a:xfrm>
+            <a:off x="2373085" y="5797636"/>
+            <a:ext cx="6640286" cy="307777"/>
+          </a:xfrm>
+          <a:prstGeom prst="rect">
+            <a:avLst/>
+          </a:prstGeom>
+          <a:noFill/>
+        </p:spPr>
+        <p:txBody>
+          <a:bodyPr wrap="square" rtlCol="0">
+            <a:spAutoFit/>
+          </a:bodyPr>
+          <a:lstStyle/>
+          <a:p>
+            <a:pPr algn="ctr"/>
+            <a:r>
+              <a:rPr lang="en-US" dirty="0"/>
+              <a:t>Bibliometric analysis using the tool MAXQDA</a:t>
+            </a:r>
+          </a:p>
+        </p:txBody>
+      </p:sp>
+      <p:sp>
+        <p:nvSpPr>
+          <p:cNvPr id="11" name="Pfeil: nach unten 10">
+            <a:extLst>
+              <a:ext uri="{FF2B5EF4-FFF2-40B4-BE49-F238E27FC236}">
+                <a16:creationId xmlns:a16="http://schemas.microsoft.com/office/drawing/2014/main" id="{B67C317C-5866-40CC-898B-C021AA3725E4}"/>
+              </a:ext>
+            </a:extLst>
+          </p:cNvPr>
+          <p:cNvSpPr/>
+          <p:nvPr/>
+        </p:nvSpPr>
+        <p:spPr>
+          <a:xfrm>
+            <a:off x="5426528" y="4378701"/>
+            <a:ext cx="533400" cy="423992"/>
+          </a:xfrm>
+          <a:prstGeom prst="downArrow">
+            <a:avLst/>
+          </a:prstGeom>
+        </p:spPr>
+        <p:style>
+          <a:lnRef idx="2">
+            <a:schemeClr val="accent1">
+              <a:shade val="50000"/>
+            </a:schemeClr>
+          </a:lnRef>
+          <a:fillRef idx="1">
+            <a:schemeClr val="accent1"/>
+          </a:fillRef>
+          <a:effectRef idx="0">
+            <a:schemeClr val="accent1"/>
+          </a:effectRef>
+          <a:fontRef idx="minor">
+            <a:schemeClr val="lt1"/>
+          </a:fontRef>
+        </p:style>
+        <p:txBody>
+          <a:bodyPr rtlCol="0" anchor="ctr"/>
+          <a:lstStyle/>
+          <a:p>
+            <a:pPr algn="ctr"/>
+            <a:endParaRPr lang="de-DE"/>
+          </a:p>
+        </p:txBody>
+      </p:sp>
+    </p:spTree>
+    <p:extLst>
+      <p:ext uri="{BB962C8B-B14F-4D97-AF65-F5344CB8AC3E}">
+        <p14:creationId xmlns:p14="http://schemas.microsoft.com/office/powerpoint/2010/main" val="2243267153"/>
+      </p:ext>
+    </p:extLst>
+  </p:cSld>
+  <p:clrMapOvr>
+    <a:masterClrMapping/>
+  </p:clrMapOvr>
+</p:sld>
+</file>
+
+<file path=ppt/slides/slide6.xml><?xml version="1.0" encoding="utf-8"?>
+<p:sld xmlns:a="http://schemas.openxmlformats.org/drawingml/2006/main" xmlns:r="http://schemas.openxmlformats.org/officeDocument/2006/relationships" xmlns:p="http://schemas.openxmlformats.org/presentationml/2006/main">
+  <p:cSld>
+    <p:spTree>
+      <p:nvGrpSpPr>
+        <p:cNvPr id="1" name=""/>
+        <p:cNvGrpSpPr/>
+        <p:nvPr/>
+      </p:nvGrpSpPr>
+      <p:grpSpPr>
+        <a:xfrm>
+          <a:off x="0" y="0"/>
+          <a:ext cx="0" cy="0"/>
+          <a:chOff x="0" y="0"/>
+          <a:chExt cx="0" cy="0"/>
+        </a:xfrm>
+      </p:grpSpPr>
+      <p:sp>
+        <p:nvSpPr>
+          <p:cNvPr id="3" name="Titel 2">
+            <a:extLst>
+              <a:ext uri="{FF2B5EF4-FFF2-40B4-BE49-F238E27FC236}">
+                <a16:creationId xmlns:a16="http://schemas.microsoft.com/office/drawing/2014/main" id="{606852A8-B393-4555-9411-93DCD518ABCB}"/>
+              </a:ext>
+            </a:extLst>
+          </p:cNvPr>
+          <p:cNvSpPr>
+            <a:spLocks noGrp="1"/>
+          </p:cNvSpPr>
+          <p:nvPr>
+            <p:ph type="title"/>
+          </p:nvPr>
+        </p:nvSpPr>
+        <p:spPr/>
+        <p:txBody>
+          <a:bodyPr/>
+          <a:lstStyle/>
+          <a:p>
+            <a:r>
+              <a:rPr lang="de-DE" dirty="0"/>
+              <a:t>4. </a:t>
+            </a:r>
+            <a:r>
+              <a:rPr lang="de-DE" dirty="0" err="1"/>
+              <a:t>Results</a:t>
+            </a:r>
+            <a:r>
+              <a:rPr lang="de-DE" dirty="0"/>
+              <a:t> </a:t>
+            </a:r>
+            <a:r>
+              <a:rPr lang="de-DE" dirty="0" err="1"/>
+              <a:t>of</a:t>
+            </a:r>
+            <a:r>
+              <a:rPr lang="de-DE" dirty="0"/>
+              <a:t> </a:t>
+            </a:r>
+            <a:r>
+              <a:rPr lang="de-DE" dirty="0" err="1"/>
+              <a:t>literature</a:t>
+            </a:r>
+            <a:r>
+              <a:rPr lang="de-DE" dirty="0"/>
+              <a:t> review</a:t>
+            </a:r>
+          </a:p>
+        </p:txBody>
+      </p:sp>
+      <p:sp>
+        <p:nvSpPr>
+          <p:cNvPr id="4" name="Textfeld 3">
+            <a:extLst>
+              <a:ext uri="{FF2B5EF4-FFF2-40B4-BE49-F238E27FC236}">
+                <a16:creationId xmlns:a16="http://schemas.microsoft.com/office/drawing/2014/main" id="{5AE2414F-9CA9-4CEE-AC58-F34A287FB2BA}"/>
+              </a:ext>
+            </a:extLst>
+          </p:cNvPr>
+          <p:cNvSpPr txBox="1"/>
+          <p:nvPr/>
+        </p:nvSpPr>
+        <p:spPr>
+          <a:xfrm>
+            <a:off x="566058" y="6629048"/>
+            <a:ext cx="12115800" cy="261610"/>
+          </a:xfrm>
+          <a:prstGeom prst="rect">
+            <a:avLst/>
+          </a:prstGeom>
+          <a:noFill/>
+        </p:spPr>
+        <p:txBody>
+          <a:bodyPr wrap="square" rtlCol="0">
+            <a:spAutoFit/>
+          </a:bodyPr>
+          <a:lstStyle/>
+          <a:p>
+            <a:r>
+              <a:rPr lang="de-DE" sz="1100" dirty="0"/>
+              <a:t>Motivation</a:t>
+            </a:r>
+            <a:r>
+              <a:rPr lang="de-DE" sz="1100" b="1" dirty="0"/>
+              <a:t> |</a:t>
+            </a:r>
+            <a:r>
+              <a:rPr lang="de-DE" sz="1100" dirty="0"/>
+              <a:t> </a:t>
+            </a:r>
+            <a:r>
+              <a:rPr lang="de-DE" sz="1100" dirty="0" err="1"/>
+              <a:t>Preliminaries</a:t>
+            </a:r>
+            <a:r>
+              <a:rPr lang="de-DE" sz="1100" dirty="0"/>
+              <a:t> </a:t>
+            </a:r>
+            <a:r>
+              <a:rPr lang="de-DE" sz="1100" b="1" dirty="0"/>
+              <a:t>|</a:t>
+            </a:r>
+            <a:r>
+              <a:rPr lang="de-DE" sz="1100" dirty="0"/>
+              <a:t> </a:t>
+            </a:r>
+            <a:r>
+              <a:rPr lang="de-DE" sz="1100" dirty="0" err="1"/>
+              <a:t>Methodology</a:t>
+            </a:r>
+            <a:r>
+              <a:rPr lang="de-DE" sz="1100" dirty="0"/>
+              <a:t> </a:t>
+            </a:r>
+            <a:r>
+              <a:rPr lang="de-DE" sz="1100" b="1" dirty="0"/>
+              <a:t>|</a:t>
+            </a:r>
+            <a:r>
+              <a:rPr lang="de-DE" sz="1100" dirty="0"/>
+              <a:t> </a:t>
+            </a:r>
+            <a:r>
+              <a:rPr lang="de-DE" sz="1100" b="1" dirty="0" err="1"/>
+              <a:t>Literature</a:t>
+            </a:r>
+            <a:r>
+              <a:rPr lang="de-DE" sz="1100" b="1" dirty="0"/>
+              <a:t> review</a:t>
+            </a:r>
+            <a:r>
+              <a:rPr lang="de-DE" sz="1100" dirty="0"/>
+              <a:t> </a:t>
+            </a:r>
+            <a:r>
+              <a:rPr lang="de-DE" sz="1100" b="1" dirty="0"/>
+              <a:t>|</a:t>
+            </a:r>
+            <a:r>
+              <a:rPr lang="de-DE" sz="1100" dirty="0"/>
+              <a:t> Solution </a:t>
+            </a:r>
+            <a:r>
+              <a:rPr lang="de-DE" sz="1100" dirty="0" err="1"/>
+              <a:t>categorization</a:t>
+            </a:r>
+            <a:r>
+              <a:rPr lang="de-DE" sz="1100" dirty="0"/>
+              <a:t> </a:t>
+            </a:r>
+            <a:r>
+              <a:rPr lang="de-DE" sz="1100" b="1" dirty="0"/>
+              <a:t>|</a:t>
+            </a:r>
+            <a:r>
+              <a:rPr lang="de-DE" sz="1100" dirty="0"/>
+              <a:t> </a:t>
+            </a:r>
+            <a:r>
+              <a:rPr lang="de-DE" sz="1100" dirty="0" err="1"/>
+              <a:t>IoTs</a:t>
+            </a:r>
+            <a:r>
+              <a:rPr lang="de-DE" sz="1100" dirty="0"/>
+              <a:t> own </a:t>
+            </a:r>
+            <a:r>
+              <a:rPr lang="de-DE" sz="1100" dirty="0" err="1"/>
+              <a:t>footprint</a:t>
+            </a:r>
+            <a:r>
+              <a:rPr lang="de-DE" sz="1100" dirty="0"/>
+              <a:t> </a:t>
+            </a:r>
+            <a:r>
+              <a:rPr lang="de-DE" sz="1100" b="1" dirty="0"/>
+              <a:t>|</a:t>
+            </a:r>
+            <a:r>
+              <a:rPr lang="de-DE" sz="1100" dirty="0"/>
+              <a:t> IoT in </a:t>
+            </a:r>
+            <a:r>
+              <a:rPr lang="de-DE" sz="1100" dirty="0" err="1"/>
+              <a:t>food</a:t>
+            </a:r>
+            <a:r>
+              <a:rPr lang="de-DE" sz="1100" dirty="0"/>
+              <a:t> </a:t>
+            </a:r>
+            <a:r>
+              <a:rPr lang="de-DE" sz="1100" dirty="0" err="1"/>
+              <a:t>manufacturing</a:t>
+            </a:r>
+            <a:r>
+              <a:rPr lang="de-DE" sz="1100" dirty="0"/>
+              <a:t> </a:t>
+            </a:r>
+            <a:r>
+              <a:rPr lang="de-DE" sz="1100" b="1" dirty="0"/>
+              <a:t>|</a:t>
+            </a:r>
+            <a:r>
+              <a:rPr lang="de-DE" sz="1100" dirty="0"/>
+              <a:t> </a:t>
+            </a:r>
+            <a:r>
+              <a:rPr lang="de-DE" sz="1100" dirty="0" err="1"/>
+              <a:t>Discussion</a:t>
+            </a:r>
+            <a:r>
+              <a:rPr lang="de-DE" sz="1100" dirty="0"/>
+              <a:t> </a:t>
+            </a:r>
+            <a:r>
+              <a:rPr lang="de-DE" sz="1100" b="1" dirty="0"/>
+              <a:t>|</a:t>
+            </a:r>
+            <a:r>
+              <a:rPr lang="de-DE" sz="1100" dirty="0"/>
+              <a:t> </a:t>
+            </a:r>
+            <a:r>
+              <a:rPr lang="de-DE" sz="1100" dirty="0" err="1"/>
+              <a:t>Conclusion</a:t>
+            </a:r>
+            <a:endParaRPr lang="de-DE" sz="1100" dirty="0"/>
+          </a:p>
+        </p:txBody>
+      </p:sp>
+    </p:spTree>
+    <p:extLst>
+      <p:ext uri="{BB962C8B-B14F-4D97-AF65-F5344CB8AC3E}">
+        <p14:creationId xmlns:p14="http://schemas.microsoft.com/office/powerpoint/2010/main" val="1373379362"/>
+      </p:ext>
+    </p:extLst>
+  </p:cSld>
+  <p:clrMapOvr>
+    <a:masterClrMapping/>
+  </p:clrMapOvr>
+  <p:transition>
+    <p:fade/>
+  </p:transition>
+</p:sld>
+</file>
+
+<file path=ppt/slides/slide7.xml><?xml version="1.0" encoding="utf-8"?>
+<p:sld xmlns:a="http://schemas.openxmlformats.org/drawingml/2006/main" xmlns:r="http://schemas.openxmlformats.org/officeDocument/2006/relationships" xmlns:p="http://schemas.openxmlformats.org/presentationml/2006/main">
+  <p:cSld>
+    <p:spTree>
+      <p:nvGrpSpPr>
+        <p:cNvPr id="1" name=""/>
+        <p:cNvGrpSpPr/>
+        <p:nvPr/>
+      </p:nvGrpSpPr>
+      <p:grpSpPr>
+        <a:xfrm>
+          <a:off x="0" y="0"/>
+          <a:ext cx="0" cy="0"/>
+          <a:chOff x="0" y="0"/>
+          <a:chExt cx="0" cy="0"/>
+        </a:xfrm>
+      </p:grpSpPr>
+      <p:sp>
+        <p:nvSpPr>
+          <p:cNvPr id="3" name="Titel 2">
+            <a:extLst>
+              <a:ext uri="{FF2B5EF4-FFF2-40B4-BE49-F238E27FC236}">
+                <a16:creationId xmlns:a16="http://schemas.microsoft.com/office/drawing/2014/main" id="{1E542F2D-53C1-4985-ACD7-14D1476538BD}"/>
+              </a:ext>
+            </a:extLst>
+          </p:cNvPr>
+          <p:cNvSpPr>
+            <a:spLocks noGrp="1"/>
+          </p:cNvSpPr>
+          <p:nvPr>
+            <p:ph type="title"/>
+          </p:nvPr>
+        </p:nvSpPr>
+        <p:spPr/>
+        <p:txBody>
+          <a:bodyPr/>
+          <a:lstStyle/>
+          <a:p>
+            <a:r>
+              <a:rPr lang="en-029" dirty="0"/>
+              <a:t>5. Solution categorization</a:t>
+            </a:r>
+          </a:p>
+        </p:txBody>
+      </p:sp>
+      <p:sp>
+        <p:nvSpPr>
+          <p:cNvPr id="4" name="Textfeld 3">
+            <a:extLst>
+              <a:ext uri="{FF2B5EF4-FFF2-40B4-BE49-F238E27FC236}">
+                <a16:creationId xmlns:a16="http://schemas.microsoft.com/office/drawing/2014/main" id="{553DA918-743C-45C9-A4B8-883B1D4F64CC}"/>
+              </a:ext>
+            </a:extLst>
+          </p:cNvPr>
+          <p:cNvSpPr txBox="1"/>
+          <p:nvPr/>
+        </p:nvSpPr>
+        <p:spPr>
+          <a:xfrm>
+            <a:off x="566058" y="6629048"/>
+            <a:ext cx="12115800" cy="261610"/>
+          </a:xfrm>
+          <a:prstGeom prst="rect">
+            <a:avLst/>
+          </a:prstGeom>
+          <a:noFill/>
+        </p:spPr>
+        <p:txBody>
+          <a:bodyPr wrap="square" rtlCol="0">
+            <a:spAutoFit/>
+          </a:bodyPr>
+          <a:lstStyle/>
+          <a:p>
+            <a:r>
+              <a:rPr lang="en-NZ" sz="1100" dirty="0"/>
+              <a:t>Motivation</a:t>
+            </a:r>
+            <a:r>
+              <a:rPr lang="en-NZ" sz="1100" b="1" dirty="0"/>
+              <a:t> |</a:t>
+            </a:r>
+            <a:r>
+              <a:rPr lang="en-NZ" sz="1100" dirty="0"/>
+              <a:t> Preliminaries </a:t>
+            </a:r>
+            <a:r>
+              <a:rPr lang="en-NZ" sz="1100" b="1" dirty="0"/>
+              <a:t>|</a:t>
+            </a:r>
+            <a:r>
+              <a:rPr lang="en-NZ" sz="1100" dirty="0"/>
+              <a:t> Methodology </a:t>
+            </a:r>
+            <a:r>
+              <a:rPr lang="en-NZ" sz="1100" b="1" dirty="0"/>
+              <a:t>|</a:t>
+            </a:r>
+            <a:r>
+              <a:rPr lang="en-NZ" sz="1100" dirty="0"/>
+              <a:t> Literature review </a:t>
+            </a:r>
+            <a:r>
+              <a:rPr lang="en-NZ" sz="1100" b="1" dirty="0"/>
+              <a:t>|</a:t>
+            </a:r>
+            <a:r>
+              <a:rPr lang="en-NZ" sz="1100" dirty="0"/>
+              <a:t> </a:t>
+            </a:r>
+            <a:r>
+              <a:rPr lang="en-NZ" sz="1100" b="1" dirty="0"/>
+              <a:t>Solution categorization</a:t>
+            </a:r>
+            <a:r>
+              <a:rPr lang="en-NZ" sz="1100" dirty="0"/>
+              <a:t> </a:t>
+            </a:r>
+            <a:r>
+              <a:rPr lang="en-NZ" sz="1100" b="1" dirty="0"/>
+              <a:t>|</a:t>
+            </a:r>
+            <a:r>
+              <a:rPr lang="en-NZ" sz="1100" dirty="0"/>
+              <a:t> IoTs own footprint </a:t>
+            </a:r>
+            <a:r>
+              <a:rPr lang="en-NZ" sz="1100" b="1" dirty="0"/>
+              <a:t>|</a:t>
+            </a:r>
+            <a:r>
+              <a:rPr lang="en-NZ" sz="1100" dirty="0"/>
+              <a:t> IoT in food manufacturing </a:t>
+            </a:r>
+            <a:r>
+              <a:rPr lang="en-NZ" sz="1100" b="1" dirty="0"/>
+              <a:t>|</a:t>
+            </a:r>
+            <a:r>
+              <a:rPr lang="en-NZ" sz="1100" dirty="0"/>
+              <a:t> Discussion </a:t>
+            </a:r>
+            <a:r>
+              <a:rPr lang="en-NZ" sz="1100" b="1" dirty="0"/>
+              <a:t>|</a:t>
+            </a:r>
+            <a:r>
+              <a:rPr lang="en-NZ" sz="1100" dirty="0"/>
+              <a:t> Conclusion</a:t>
+            </a:r>
+          </a:p>
+        </p:txBody>
+      </p:sp>
+      <p:graphicFrame>
+        <p:nvGraphicFramePr>
+          <p:cNvPr id="5" name="Diagramm 4">
+            <a:extLst>
+              <a:ext uri="{FF2B5EF4-FFF2-40B4-BE49-F238E27FC236}">
+                <a16:creationId xmlns:a16="http://schemas.microsoft.com/office/drawing/2014/main" id="{80CFB2CD-B3B8-4386-9A27-9D6FFC0B64DB}"/>
+              </a:ext>
+            </a:extLst>
+          </p:cNvPr>
+          <p:cNvGraphicFramePr/>
+          <p:nvPr>
+            <p:extLst>
+              <p:ext uri="{D42A27DB-BD31-4B8C-83A1-F6EECF244321}">
+                <p14:modId xmlns:p14="http://schemas.microsoft.com/office/powerpoint/2010/main" val="3923535370"/>
+              </p:ext>
+            </p:extLst>
+          </p:nvPr>
+        </p:nvGraphicFramePr>
+        <p:xfrm>
+          <a:off x="1191984" y="1260000"/>
+          <a:ext cx="9573987" cy="5870448"/>
+        </p:xfrm>
+        <a:graphic>
+          <a:graphicData uri="http://schemas.openxmlformats.org/drawingml/2006/diagram">
+            <dgm:relIds xmlns:dgm="http://schemas.openxmlformats.org/drawingml/2006/diagram" xmlns:r="http://schemas.openxmlformats.org/officeDocument/2006/relationships" r:dm="rId2" r:lo="rId3" r:qs="rId4" r:cs="rId5"/>
+          </a:graphicData>
+        </a:graphic>
+      </p:graphicFrame>
+      <p:pic>
+        <p:nvPicPr>
+          <p:cNvPr id="11" name="Grafik 10" descr="Aus der Cloud herunterladen mit einfarbiger Füllung">
+            <a:extLst>
+              <a:ext uri="{FF2B5EF4-FFF2-40B4-BE49-F238E27FC236}">
+                <a16:creationId xmlns:a16="http://schemas.microsoft.com/office/drawing/2014/main" id="{0C45B789-9B97-451F-840F-81DFEC86A40F}"/>
+              </a:ext>
+            </a:extLst>
+          </p:cNvPr>
+          <p:cNvPicPr>
+            <a:picLocks noChangeAspect="1"/>
+          </p:cNvPicPr>
+          <p:nvPr/>
+        </p:nvPicPr>
+        <p:blipFill>
+          <a:blip r:embed="rId7">
+            <a:extLst>
+              <a:ext uri="{96DAC541-7B7A-43D3-8B79-37D633B846F1}">
+                <asvg:svgBlip xmlns:asvg="http://schemas.microsoft.com/office/drawing/2016/SVG/main" r:embed="rId8"/>
+              </a:ext>
+            </a:extLst>
+          </a:blip>
+          <a:stretch>
+            <a:fillRect/>
+          </a:stretch>
+        </p:blipFill>
+        <p:spPr>
+          <a:xfrm>
+            <a:off x="10702510" y="1741828"/>
+            <a:ext cx="595011" cy="595011"/>
+          </a:xfrm>
+          <a:prstGeom prst="rect">
+            <a:avLst/>
+          </a:prstGeom>
+        </p:spPr>
+      </p:pic>
+      <p:pic>
+        <p:nvPicPr>
+          <p:cNvPr id="13" name="Grafik 12" descr="Server mit einfarbiger Füllung">
+            <a:extLst>
+              <a:ext uri="{FF2B5EF4-FFF2-40B4-BE49-F238E27FC236}">
+                <a16:creationId xmlns:a16="http://schemas.microsoft.com/office/drawing/2014/main" id="{53A6558D-9D5C-4E63-BB3E-BBEB2330C26B}"/>
+              </a:ext>
+            </a:extLst>
+          </p:cNvPr>
+          <p:cNvPicPr>
+            <a:picLocks noChangeAspect="1"/>
+          </p:cNvPicPr>
+          <p:nvPr/>
+        </p:nvPicPr>
+        <p:blipFill>
+          <a:blip r:embed="rId9">
+            <a:extLst>
+              <a:ext uri="{96DAC541-7B7A-43D3-8B79-37D633B846F1}">
+                <asvg:svgBlip xmlns:asvg="http://schemas.microsoft.com/office/drawing/2016/SVG/main" r:embed="rId10"/>
+              </a:ext>
+            </a:extLst>
+          </a:blip>
+          <a:stretch>
+            <a:fillRect/>
+          </a:stretch>
+        </p:blipFill>
+        <p:spPr>
+          <a:xfrm>
+            <a:off x="8536361" y="867732"/>
+            <a:ext cx="522515" cy="522515"/>
+          </a:xfrm>
+          <a:prstGeom prst="rect">
+            <a:avLst/>
+          </a:prstGeom>
+        </p:spPr>
+      </p:pic>
+      <p:pic>
+        <p:nvPicPr>
+          <p:cNvPr id="15" name="Grafik 14" descr="Netzwerk mit einfarbiger Füllung">
+            <a:extLst>
+              <a:ext uri="{FF2B5EF4-FFF2-40B4-BE49-F238E27FC236}">
+                <a16:creationId xmlns:a16="http://schemas.microsoft.com/office/drawing/2014/main" id="{7B1266F8-DC1E-485B-8200-4DB0AF6C877D}"/>
+              </a:ext>
+            </a:extLst>
+          </p:cNvPr>
+          <p:cNvPicPr>
+            <a:picLocks noChangeAspect="1"/>
+          </p:cNvPicPr>
+          <p:nvPr/>
+        </p:nvPicPr>
+        <p:blipFill>
+          <a:blip r:embed="rId11">
+            <a:extLst>
+              <a:ext uri="{96DAC541-7B7A-43D3-8B79-37D633B846F1}">
+                <asvg:svgBlip xmlns:asvg="http://schemas.microsoft.com/office/drawing/2016/SVG/main" r:embed="rId12"/>
+              </a:ext>
+            </a:extLst>
+          </a:blip>
+          <a:stretch>
+            <a:fillRect/>
+          </a:stretch>
+        </p:blipFill>
+        <p:spPr>
+          <a:xfrm>
+            <a:off x="1587357" y="2003837"/>
+            <a:ext cx="598714" cy="598714"/>
+          </a:xfrm>
+          <a:prstGeom prst="rect">
+            <a:avLst/>
+          </a:prstGeom>
+        </p:spPr>
+      </p:pic>
+      <p:pic>
+        <p:nvPicPr>
+          <p:cNvPr id="17" name="Grafik 16" descr="Schild Häkchen mit einfarbiger Füllung">
+            <a:extLst>
+              <a:ext uri="{FF2B5EF4-FFF2-40B4-BE49-F238E27FC236}">
+                <a16:creationId xmlns:a16="http://schemas.microsoft.com/office/drawing/2014/main" id="{CA1B73B0-C6B7-41B8-8775-8B26EE00171C}"/>
+              </a:ext>
+            </a:extLst>
+          </p:cNvPr>
+          <p:cNvPicPr>
+            <a:picLocks noChangeAspect="1"/>
+          </p:cNvPicPr>
+          <p:nvPr/>
+        </p:nvPicPr>
+        <p:blipFill>
+          <a:blip r:embed="rId13">
+            <a:extLst>
+              <a:ext uri="{96DAC541-7B7A-43D3-8B79-37D633B846F1}">
+                <asvg:svgBlip xmlns:asvg="http://schemas.microsoft.com/office/drawing/2016/SVG/main" r:embed="rId14"/>
+              </a:ext>
+            </a:extLst>
+          </a:blip>
+          <a:stretch>
+            <a:fillRect/>
+          </a:stretch>
+        </p:blipFill>
+        <p:spPr>
+          <a:xfrm>
+            <a:off x="2993571" y="5625885"/>
+            <a:ext cx="522515" cy="522515"/>
+          </a:xfrm>
+          <a:prstGeom prst="rect">
+            <a:avLst/>
+          </a:prstGeom>
+        </p:spPr>
+      </p:pic>
+      <p:pic>
+        <p:nvPicPr>
+          <p:cNvPr id="21" name="Grafik 20" descr="Computer mit einfarbiger Füllung">
+            <a:extLst>
+              <a:ext uri="{FF2B5EF4-FFF2-40B4-BE49-F238E27FC236}">
+                <a16:creationId xmlns:a16="http://schemas.microsoft.com/office/drawing/2014/main" id="{2E4556DA-4045-422F-973C-144E44C7FCEA}"/>
+              </a:ext>
+            </a:extLst>
+          </p:cNvPr>
+          <p:cNvPicPr>
+            <a:picLocks noChangeAspect="1"/>
+          </p:cNvPicPr>
+          <p:nvPr/>
+        </p:nvPicPr>
+        <p:blipFill>
+          <a:blip r:embed="rId15">
+            <a:extLst>
+              <a:ext uri="{96DAC541-7B7A-43D3-8B79-37D633B846F1}">
+                <asvg:svgBlip xmlns:asvg="http://schemas.microsoft.com/office/drawing/2016/SVG/main" r:embed="rId16"/>
+              </a:ext>
+            </a:extLst>
+          </a:blip>
+          <a:stretch>
+            <a:fillRect/>
+          </a:stretch>
+        </p:blipFill>
+        <p:spPr>
+          <a:xfrm>
+            <a:off x="5521777" y="5474858"/>
+            <a:ext cx="914400" cy="914400"/>
+          </a:xfrm>
+          <a:prstGeom prst="rect">
+            <a:avLst/>
+          </a:prstGeom>
+        </p:spPr>
+      </p:pic>
+    </p:spTree>
+    <p:extLst>
+      <p:ext uri="{BB962C8B-B14F-4D97-AF65-F5344CB8AC3E}">
+        <p14:creationId xmlns:p14="http://schemas.microsoft.com/office/powerpoint/2010/main" val="2869306259"/>
+      </p:ext>
+    </p:extLst>
+  </p:cSld>
+  <p:clrMapOvr>
+    <a:masterClrMapping/>
+  </p:clrMapOvr>
+  <p:transition>
+    <p:fade/>
+  </p:transition>
+</p:sld>
+</file>
+
+<file path=ppt/slides/slide8.xml><?xml version="1.0" encoding="utf-8"?>
+<p:sld xmlns:a="http://schemas.openxmlformats.org/drawingml/2006/main" xmlns:r="http://schemas.openxmlformats.org/officeDocument/2006/relationships" xmlns:p="http://schemas.openxmlformats.org/presentationml/2006/main">
+  <p:cSld>
+    <p:spTree>
+      <p:nvGrpSpPr>
+        <p:cNvPr id="1" name="Shape 69"/>
+        <p:cNvGrpSpPr/>
+        <p:nvPr/>
+      </p:nvGrpSpPr>
+      <p:grpSpPr>
+        <a:xfrm>
+          <a:off x="0" y="0"/>
+          <a:ext cx="0" cy="0"/>
+          <a:chOff x="0" y="0"/>
+          <a:chExt cx="0" cy="0"/>
+        </a:xfrm>
+      </p:grpSpPr>
+      <p:sp>
+        <p:nvSpPr>
+          <p:cNvPr id="70" name="Google Shape;70;gb9e2de6e95_0_1"/>
+          <p:cNvSpPr txBox="1">
+            <a:spLocks noGrp="1"/>
+          </p:cNvSpPr>
+          <p:nvPr>
+            <p:ph type="body" idx="1"/>
+          </p:nvPr>
+        </p:nvSpPr>
+        <p:spPr>
+          <a:xfrm>
+            <a:off x="696000" y="1274422"/>
+            <a:ext cx="5829928" cy="5040000"/>
+          </a:xfrm>
+          <a:prstGeom prst="rect">
+            <a:avLst/>
+          </a:prstGeom>
+        </p:spPr>
+        <p:txBody>
+          <a:bodyPr spcFirstLastPara="1" wrap="square" lIns="0" tIns="0" rIns="0" bIns="0" anchor="t" anchorCtr="0">
+            <a:noAutofit/>
+          </a:bodyPr>
+          <a:lstStyle/>
+          <a:p>
+            <a:pPr marL="0" indent="0"/>
+            <a:endParaRPr lang="en-NZ" dirty="0"/>
+          </a:p>
+          <a:p>
+            <a:pPr marL="0" indent="0"/>
+            <a:r>
+              <a:rPr lang="en-NZ" dirty="0"/>
+              <a:t>According to Ilic et al. (2009):</a:t>
+            </a:r>
+            <a:endParaRPr lang="en-NZ" b="0" dirty="0"/>
+          </a:p>
+          <a:p>
+            <a:pPr marL="0" indent="0"/>
+            <a:r>
+              <a:rPr lang="en-NZ" b="0" dirty="0"/>
+              <a:t>Investigation of interaction and comparison of</a:t>
+            </a:r>
+          </a:p>
+          <a:p>
+            <a:pPr marL="285750" indent="-285750">
+              <a:buFont typeface="Arial" panose="020B0604020202020204" pitchFamily="34" charset="0"/>
+              <a:buChar char="•"/>
+            </a:pPr>
+            <a:r>
+              <a:rPr lang="en-NZ" b="0" dirty="0"/>
+              <a:t>Sensor cost </a:t>
+            </a:r>
+            <a:r>
+              <a:rPr lang="en-NZ" b="0" dirty="0">
+                <a:sym typeface="Wingdings" panose="05000000000000000000" pitchFamily="2" charset="2"/>
+              </a:rPr>
+              <a:t> Profit increase</a:t>
+            </a:r>
+          </a:p>
+          <a:p>
+            <a:pPr marL="285750" indent="-285750">
+              <a:buFont typeface="Arial" panose="020B0604020202020204" pitchFamily="34" charset="0"/>
+              <a:buChar char="•"/>
+            </a:pPr>
+            <a:r>
+              <a:rPr lang="en-NZ" b="0" dirty="0"/>
+              <a:t>Sensor footprint </a:t>
+            </a:r>
+            <a:r>
+              <a:rPr lang="en-NZ" b="0" dirty="0">
+                <a:sym typeface="Wingdings" panose="05000000000000000000" pitchFamily="2" charset="2"/>
+              </a:rPr>
+              <a:t> Carbon reduction</a:t>
+            </a:r>
+          </a:p>
+          <a:p>
+            <a:pPr marL="0" indent="0"/>
+            <a:endParaRPr lang="en-NZ" b="0" dirty="0">
+              <a:sym typeface="Wingdings" panose="05000000000000000000" pitchFamily="2" charset="2"/>
+            </a:endParaRPr>
+          </a:p>
+          <a:p>
+            <a:pPr marL="0" indent="0"/>
+            <a:r>
+              <a:rPr lang="en-NZ" dirty="0"/>
+              <a:t>Four scenarios:</a:t>
+            </a:r>
+          </a:p>
+          <a:p>
+            <a:pPr marL="0" indent="0"/>
+            <a:r>
+              <a:rPr lang="en-NZ" b="0" dirty="0"/>
+              <a:t>(1) Switzerland,	national,		100km</a:t>
+            </a:r>
+          </a:p>
+          <a:p>
+            <a:pPr marL="0" indent="0"/>
+            <a:r>
+              <a:rPr lang="en-NZ" b="0" dirty="0"/>
+              <a:t>(2) EU,		short distance,	500km</a:t>
+            </a:r>
+          </a:p>
+          <a:p>
+            <a:pPr marL="0" indent="0"/>
+            <a:r>
+              <a:rPr lang="en-NZ" b="0" dirty="0"/>
+              <a:t>(3) EU,		long distance,	1.500km</a:t>
+            </a:r>
+          </a:p>
+          <a:p>
+            <a:pPr marL="0" indent="0"/>
+            <a:r>
+              <a:rPr lang="en-NZ" b="0" dirty="0"/>
+              <a:t>(4) International, 	med. distance,	3.000km</a:t>
+            </a:r>
+          </a:p>
+          <a:p>
+            <a:pPr marL="0" indent="0"/>
+            <a:endParaRPr lang="en-NZ" b="0" dirty="0"/>
+          </a:p>
+          <a:p>
+            <a:pPr marL="0" indent="0"/>
+            <a:endParaRPr lang="en-NZ" dirty="0"/>
+          </a:p>
+        </p:txBody>
+      </p:sp>
+      <p:sp>
+        <p:nvSpPr>
+          <p:cNvPr id="71" name="Google Shape;71;gb9e2de6e95_0_1"/>
+          <p:cNvSpPr txBox="1">
+            <a:spLocks noGrp="1"/>
+          </p:cNvSpPr>
+          <p:nvPr>
+            <p:ph type="title"/>
+          </p:nvPr>
+        </p:nvSpPr>
+        <p:spPr>
+          <a:xfrm>
+            <a:off x="696000" y="637107"/>
+            <a:ext cx="9020100" cy="392400"/>
+          </a:xfrm>
+          <a:prstGeom prst="rect">
+            <a:avLst/>
+          </a:prstGeom>
+        </p:spPr>
+        <p:txBody>
+          <a:bodyPr spcFirstLastPara="1" wrap="square" lIns="0" tIns="0" rIns="0" bIns="0" anchor="b" anchorCtr="0">
+            <a:noAutofit/>
+          </a:bodyPr>
+          <a:lstStyle/>
+          <a:p>
+            <a:pPr marL="0" lvl="0" indent="0" algn="l" rtl="0">
+              <a:spcBef>
+                <a:spcPts val="0"/>
+              </a:spcBef>
+              <a:spcAft>
+                <a:spcPts val="0"/>
+              </a:spcAft>
+              <a:buNone/>
+            </a:pPr>
+            <a:r>
+              <a:rPr lang="en-029" dirty="0"/>
+              <a:t>6. IoTs own footprint</a:t>
+            </a:r>
+          </a:p>
+        </p:txBody>
+      </p:sp>
+      <p:sp>
+        <p:nvSpPr>
+          <p:cNvPr id="2" name="Textfeld 1">
+            <a:extLst>
+              <a:ext uri="{FF2B5EF4-FFF2-40B4-BE49-F238E27FC236}">
+                <a16:creationId xmlns:a16="http://schemas.microsoft.com/office/drawing/2014/main" id="{30A035FF-45D1-4988-A980-898865FFE32B}"/>
+              </a:ext>
+            </a:extLst>
+          </p:cNvPr>
+          <p:cNvSpPr txBox="1"/>
+          <p:nvPr/>
+        </p:nvSpPr>
+        <p:spPr>
+          <a:xfrm>
+            <a:off x="566058" y="6629048"/>
+            <a:ext cx="12115800" cy="261610"/>
+          </a:xfrm>
+          <a:prstGeom prst="rect">
+            <a:avLst/>
+          </a:prstGeom>
+          <a:noFill/>
+        </p:spPr>
+        <p:txBody>
+          <a:bodyPr wrap="square" rtlCol="0">
+            <a:spAutoFit/>
+          </a:bodyPr>
+          <a:lstStyle/>
+          <a:p>
+            <a:r>
+              <a:rPr lang="de-DE" sz="1100" dirty="0"/>
+              <a:t>Motivation</a:t>
+            </a:r>
+            <a:r>
+              <a:rPr lang="de-DE" sz="1100" b="1" dirty="0"/>
+              <a:t> |</a:t>
+            </a:r>
+            <a:r>
+              <a:rPr lang="de-DE" sz="1100" dirty="0"/>
+              <a:t> </a:t>
+            </a:r>
+            <a:r>
+              <a:rPr lang="de-DE" sz="1100" dirty="0" err="1"/>
+              <a:t>Preliminaries</a:t>
+            </a:r>
+            <a:r>
+              <a:rPr lang="de-DE" sz="1100" dirty="0"/>
+              <a:t> </a:t>
+            </a:r>
+            <a:r>
+              <a:rPr lang="de-DE" sz="1100" b="1" dirty="0"/>
+              <a:t>|</a:t>
+            </a:r>
+            <a:r>
+              <a:rPr lang="de-DE" sz="1100" dirty="0"/>
+              <a:t> </a:t>
+            </a:r>
+            <a:r>
+              <a:rPr lang="de-DE" sz="1100" dirty="0" err="1"/>
+              <a:t>Methodology</a:t>
+            </a:r>
+            <a:r>
+              <a:rPr lang="de-DE" sz="1100" dirty="0"/>
+              <a:t> </a:t>
+            </a:r>
+            <a:r>
+              <a:rPr lang="de-DE" sz="1100" b="1" dirty="0"/>
+              <a:t>|</a:t>
+            </a:r>
+            <a:r>
+              <a:rPr lang="de-DE" sz="1100" dirty="0"/>
+              <a:t> </a:t>
+            </a:r>
+            <a:r>
+              <a:rPr lang="de-DE" sz="1100" dirty="0" err="1"/>
+              <a:t>Literature</a:t>
+            </a:r>
+            <a:r>
+              <a:rPr lang="de-DE" sz="1100" dirty="0"/>
+              <a:t> review </a:t>
+            </a:r>
+            <a:r>
+              <a:rPr lang="de-DE" sz="1100" b="1" dirty="0"/>
+              <a:t>|</a:t>
+            </a:r>
+            <a:r>
+              <a:rPr lang="de-DE" sz="1100" dirty="0"/>
+              <a:t> Solution </a:t>
+            </a:r>
+            <a:r>
+              <a:rPr lang="de-DE" sz="1100" dirty="0" err="1"/>
+              <a:t>categorization</a:t>
+            </a:r>
+            <a:r>
+              <a:rPr lang="de-DE" sz="1100" dirty="0"/>
+              <a:t> </a:t>
+            </a:r>
+            <a:r>
+              <a:rPr lang="de-DE" sz="1100" b="1" dirty="0"/>
+              <a:t>|</a:t>
+            </a:r>
+            <a:r>
+              <a:rPr lang="de-DE" sz="1100" dirty="0"/>
+              <a:t> </a:t>
+            </a:r>
+            <a:r>
+              <a:rPr lang="de-DE" sz="1100" b="1" dirty="0" err="1"/>
+              <a:t>IoTs</a:t>
+            </a:r>
+            <a:r>
+              <a:rPr lang="de-DE" sz="1100" b="1" dirty="0"/>
+              <a:t> own </a:t>
+            </a:r>
+            <a:r>
+              <a:rPr lang="de-DE" sz="1100" b="1" dirty="0" err="1"/>
+              <a:t>footprint</a:t>
+            </a:r>
+            <a:r>
+              <a:rPr lang="de-DE" sz="1100" dirty="0"/>
+              <a:t> </a:t>
+            </a:r>
+            <a:r>
+              <a:rPr lang="de-DE" sz="1100" b="1" dirty="0"/>
+              <a:t>|</a:t>
+            </a:r>
+            <a:r>
+              <a:rPr lang="de-DE" sz="1100" dirty="0"/>
+              <a:t> IoT in </a:t>
+            </a:r>
+            <a:r>
+              <a:rPr lang="de-DE" sz="1100" dirty="0" err="1"/>
+              <a:t>food</a:t>
+            </a:r>
+            <a:r>
+              <a:rPr lang="de-DE" sz="1100" dirty="0"/>
+              <a:t> </a:t>
+            </a:r>
+            <a:r>
+              <a:rPr lang="de-DE" sz="1100" dirty="0" err="1"/>
+              <a:t>manufacturing</a:t>
+            </a:r>
+            <a:r>
+              <a:rPr lang="de-DE" sz="1100" dirty="0"/>
+              <a:t> </a:t>
+            </a:r>
+            <a:r>
+              <a:rPr lang="de-DE" sz="1100" b="1" dirty="0"/>
+              <a:t>|</a:t>
+            </a:r>
+            <a:r>
+              <a:rPr lang="de-DE" sz="1100" dirty="0"/>
+              <a:t> </a:t>
+            </a:r>
+            <a:r>
+              <a:rPr lang="de-DE" sz="1100" dirty="0" err="1"/>
+              <a:t>Discussion</a:t>
+            </a:r>
+            <a:r>
+              <a:rPr lang="de-DE" sz="1100" dirty="0"/>
+              <a:t> </a:t>
+            </a:r>
+            <a:r>
+              <a:rPr lang="de-DE" sz="1100" b="1" dirty="0"/>
+              <a:t>|</a:t>
+            </a:r>
+            <a:r>
+              <a:rPr lang="de-DE" sz="1100" dirty="0"/>
+              <a:t> </a:t>
+            </a:r>
+            <a:r>
+              <a:rPr lang="de-DE" sz="1100" dirty="0" err="1"/>
+              <a:t>Conclusion</a:t>
+            </a:r>
+            <a:endParaRPr lang="de-DE" sz="1100" dirty="0"/>
+          </a:p>
+        </p:txBody>
+      </p:sp>
+      <p:pic>
+        <p:nvPicPr>
+          <p:cNvPr id="5" name="Grafik 4">
+            <a:extLst>
+              <a:ext uri="{FF2B5EF4-FFF2-40B4-BE49-F238E27FC236}">
+                <a16:creationId xmlns:a16="http://schemas.microsoft.com/office/drawing/2014/main" id="{9DC9AA32-89BD-4D09-8AC9-AB44AF73FBAC}"/>
+              </a:ext>
+            </a:extLst>
+          </p:cNvPr>
+          <p:cNvPicPr>
+            <a:picLocks noChangeAspect="1"/>
+          </p:cNvPicPr>
+          <p:nvPr/>
+        </p:nvPicPr>
+        <p:blipFill>
+          <a:blip r:embed="rId3"/>
+          <a:stretch>
+            <a:fillRect/>
+          </a:stretch>
+        </p:blipFill>
+        <p:spPr>
+          <a:xfrm>
+            <a:off x="7073900" y="1025231"/>
+            <a:ext cx="4613237" cy="5466831"/>
+          </a:xfrm>
+          <a:prstGeom prst="rect">
+            <a:avLst/>
+          </a:prstGeom>
+        </p:spPr>
+      </p:pic>
+    </p:spTree>
+    <p:extLst>
+      <p:ext uri="{BB962C8B-B14F-4D97-AF65-F5344CB8AC3E}">
+        <p14:creationId xmlns:p14="http://schemas.microsoft.com/office/powerpoint/2010/main" val="1881193725"/>
+      </p:ext>
+    </p:extLst>
+  </p:cSld>
+  <p:clrMapOvr>
+    <a:masterClrMapping/>
+  </p:clrMapOvr>
+</p:sld>
+</file>
+
+<file path=ppt/slides/slide9.xml><?xml version="1.0" encoding="utf-8"?>
+<p:sld xmlns:a="http://schemas.openxmlformats.org/drawingml/2006/main" xmlns:r="http://schemas.openxmlformats.org/officeDocument/2006/relationships" xmlns:p="http://schemas.openxmlformats.org/presentationml/2006/main">
+  <p:cSld>
+    <p:spTree>
+      <p:nvGrpSpPr>
+        <p:cNvPr id="1" name=""/>
+        <p:cNvGrpSpPr/>
+        <p:nvPr/>
+      </p:nvGrpSpPr>
+      <p:grpSpPr>
+        <a:xfrm>
+          <a:off x="0" y="0"/>
+          <a:ext cx="0" cy="0"/>
+          <a:chOff x="0" y="0"/>
+          <a:chExt cx="0" cy="0"/>
+        </a:xfrm>
+      </p:grpSpPr>
+      <p:sp>
+        <p:nvSpPr>
+          <p:cNvPr id="2" name="Textplatzhalter 1">
+            <a:extLst>
+              <a:ext uri="{FF2B5EF4-FFF2-40B4-BE49-F238E27FC236}">
+                <a16:creationId xmlns:a16="http://schemas.microsoft.com/office/drawing/2014/main" id="{B82797F9-4DAA-40CE-AAEF-A6A1108F7128}"/>
+              </a:ext>
+            </a:extLst>
+          </p:cNvPr>
+          <p:cNvSpPr>
+            <a:spLocks noGrp="1"/>
+          </p:cNvSpPr>
+          <p:nvPr>
+            <p:ph type="body" idx="1"/>
+          </p:nvPr>
+        </p:nvSpPr>
+        <p:spPr/>
+        <p:txBody>
+          <a:bodyPr/>
+          <a:lstStyle/>
+          <a:p>
+            <a:endParaRPr lang="de-DE"/>
+          </a:p>
+        </p:txBody>
+      </p:sp>
+      <p:sp>
+        <p:nvSpPr>
+          <p:cNvPr id="3" name="Titel 2">
+            <a:extLst>
+              <a:ext uri="{FF2B5EF4-FFF2-40B4-BE49-F238E27FC236}">
+                <a16:creationId xmlns:a16="http://schemas.microsoft.com/office/drawing/2014/main" id="{83558EED-21CE-4793-8228-ADF50C5381E2}"/>
+              </a:ext>
+            </a:extLst>
+          </p:cNvPr>
+          <p:cNvSpPr>
+            <a:spLocks noGrp="1"/>
+          </p:cNvSpPr>
+          <p:nvPr>
+            <p:ph type="title"/>
+          </p:nvPr>
+        </p:nvSpPr>
+        <p:spPr/>
+        <p:txBody>
+          <a:bodyPr/>
+          <a:lstStyle/>
+          <a:p>
+            <a:r>
+              <a:rPr lang="de-DE" dirty="0"/>
+              <a:t>7. IoT in </a:t>
+            </a:r>
+            <a:r>
+              <a:rPr lang="de-DE" dirty="0" err="1"/>
+              <a:t>food</a:t>
+            </a:r>
+            <a:r>
+              <a:rPr lang="de-DE" dirty="0"/>
+              <a:t> </a:t>
+            </a:r>
+            <a:r>
+              <a:rPr lang="de-DE" dirty="0" err="1"/>
+              <a:t>manufacturing</a:t>
+            </a:r>
+            <a:endParaRPr lang="de-DE" dirty="0"/>
+          </a:p>
+        </p:txBody>
+      </p:sp>
+      <p:sp>
+        <p:nvSpPr>
+          <p:cNvPr id="4" name="Textfeld 3">
+            <a:extLst>
+              <a:ext uri="{FF2B5EF4-FFF2-40B4-BE49-F238E27FC236}">
+                <a16:creationId xmlns:a16="http://schemas.microsoft.com/office/drawing/2014/main" id="{7545C2AB-0EAF-4036-BB73-961D4AB6D619}"/>
+              </a:ext>
+            </a:extLst>
+          </p:cNvPr>
+          <p:cNvSpPr txBox="1"/>
+          <p:nvPr/>
+        </p:nvSpPr>
+        <p:spPr>
+          <a:xfrm>
+            <a:off x="566058" y="6629048"/>
+            <a:ext cx="12115800" cy="261610"/>
+          </a:xfrm>
+          <a:prstGeom prst="rect">
+            <a:avLst/>
+          </a:prstGeom>
+          <a:noFill/>
+        </p:spPr>
+        <p:txBody>
+          <a:bodyPr wrap="square" rtlCol="0">
+            <a:spAutoFit/>
+          </a:bodyPr>
+          <a:lstStyle/>
+          <a:p>
+            <a:r>
+              <a:rPr lang="de-DE" sz="1100" dirty="0"/>
+              <a:t>Motivation</a:t>
+            </a:r>
+            <a:r>
+              <a:rPr lang="de-DE" sz="1100" b="1" dirty="0"/>
+              <a:t> |</a:t>
+            </a:r>
+            <a:r>
+              <a:rPr lang="de-DE" sz="1100" dirty="0"/>
+              <a:t> </a:t>
+            </a:r>
+            <a:r>
+              <a:rPr lang="de-DE" sz="1100" dirty="0" err="1"/>
+              <a:t>Preliminaries</a:t>
+            </a:r>
+            <a:r>
+              <a:rPr lang="de-DE" sz="1100" dirty="0"/>
+              <a:t> </a:t>
+            </a:r>
+            <a:r>
+              <a:rPr lang="de-DE" sz="1100" b="1" dirty="0"/>
+              <a:t>|</a:t>
+            </a:r>
+            <a:r>
+              <a:rPr lang="de-DE" sz="1100" dirty="0"/>
+              <a:t> </a:t>
+            </a:r>
+            <a:r>
+              <a:rPr lang="de-DE" sz="1100" dirty="0" err="1"/>
+              <a:t>Methodology</a:t>
+            </a:r>
+            <a:r>
+              <a:rPr lang="de-DE" sz="1100" dirty="0"/>
+              <a:t> </a:t>
+            </a:r>
+            <a:r>
+              <a:rPr lang="de-DE" sz="1100" b="1" dirty="0"/>
+              <a:t>|</a:t>
+            </a:r>
+            <a:r>
+              <a:rPr lang="de-DE" sz="1100" dirty="0"/>
+              <a:t> </a:t>
+            </a:r>
+            <a:r>
+              <a:rPr lang="de-DE" sz="1100" dirty="0" err="1"/>
+              <a:t>Literature</a:t>
+            </a:r>
+            <a:r>
+              <a:rPr lang="de-DE" sz="1100" dirty="0"/>
+              <a:t> review </a:t>
+            </a:r>
+            <a:r>
+              <a:rPr lang="de-DE" sz="1100" b="1" dirty="0"/>
+              <a:t>|</a:t>
+            </a:r>
+            <a:r>
+              <a:rPr lang="de-DE" sz="1100" dirty="0"/>
+              <a:t> Solution </a:t>
+            </a:r>
+            <a:r>
+              <a:rPr lang="de-DE" sz="1100" dirty="0" err="1"/>
+              <a:t>categorization</a:t>
+            </a:r>
+            <a:r>
+              <a:rPr lang="de-DE" sz="1100" dirty="0"/>
+              <a:t> </a:t>
+            </a:r>
+            <a:r>
+              <a:rPr lang="de-DE" sz="1100" b="1" dirty="0"/>
+              <a:t>|</a:t>
+            </a:r>
+            <a:r>
+              <a:rPr lang="de-DE" sz="1100" dirty="0"/>
+              <a:t> </a:t>
+            </a:r>
+            <a:r>
+              <a:rPr lang="de-DE" sz="1100" dirty="0" err="1"/>
+              <a:t>IoTs</a:t>
+            </a:r>
+            <a:r>
+              <a:rPr lang="de-DE" sz="1100" dirty="0"/>
+              <a:t> own </a:t>
+            </a:r>
+            <a:r>
+              <a:rPr lang="de-DE" sz="1100" dirty="0" err="1"/>
+              <a:t>footprint</a:t>
+            </a:r>
+            <a:r>
+              <a:rPr lang="de-DE" sz="1100" dirty="0"/>
+              <a:t> </a:t>
+            </a:r>
+            <a:r>
+              <a:rPr lang="de-DE" sz="1100" b="1" dirty="0"/>
+              <a:t>|</a:t>
+            </a:r>
+            <a:r>
+              <a:rPr lang="de-DE" sz="1100" dirty="0"/>
+              <a:t> </a:t>
+            </a:r>
+            <a:r>
+              <a:rPr lang="de-DE" sz="1100" b="1" dirty="0"/>
+              <a:t>IoT in </a:t>
+            </a:r>
+            <a:r>
+              <a:rPr lang="de-DE" sz="1100" b="1" dirty="0" err="1"/>
+              <a:t>food</a:t>
+            </a:r>
+            <a:r>
+              <a:rPr lang="de-DE" sz="1100" b="1" dirty="0"/>
+              <a:t> </a:t>
+            </a:r>
+            <a:r>
+              <a:rPr lang="de-DE" sz="1100" b="1" dirty="0" err="1"/>
+              <a:t>manufacturing</a:t>
+            </a:r>
+            <a:r>
+              <a:rPr lang="de-DE" sz="1100" dirty="0"/>
+              <a:t> </a:t>
+            </a:r>
+            <a:r>
+              <a:rPr lang="de-DE" sz="1100" b="1" dirty="0"/>
+              <a:t>|</a:t>
+            </a:r>
+            <a:r>
+              <a:rPr lang="de-DE" sz="1100" dirty="0"/>
+              <a:t> </a:t>
+            </a:r>
+            <a:r>
+              <a:rPr lang="de-DE" sz="1100" dirty="0" err="1"/>
+              <a:t>Discussion</a:t>
+            </a:r>
+            <a:r>
+              <a:rPr lang="de-DE" sz="1100" dirty="0"/>
+              <a:t> </a:t>
+            </a:r>
+            <a:r>
+              <a:rPr lang="de-DE" sz="1100" b="1" dirty="0"/>
+              <a:t>|</a:t>
+            </a:r>
+            <a:r>
+              <a:rPr lang="de-DE" sz="1100" dirty="0"/>
+              <a:t> </a:t>
+            </a:r>
+            <a:r>
+              <a:rPr lang="de-DE" sz="1100" dirty="0" err="1"/>
+              <a:t>Conclusion</a:t>
+            </a:r>
+            <a:endParaRPr lang="de-DE" sz="1100" dirty="0"/>
+          </a:p>
+        </p:txBody>
+      </p:sp>
+    </p:spTree>
+    <p:extLst>
+      <p:ext uri="{BB962C8B-B14F-4D97-AF65-F5344CB8AC3E}">
+        <p14:creationId xmlns:p14="http://schemas.microsoft.com/office/powerpoint/2010/main" val="3033161059"/>
+      </p:ext>
+    </p:extLst>
+  </p:cSld>
+  <p:clrMapOvr>
+    <a:masterClrMapping/>
+  </p:clrMapOvr>
+  <p:transition>
+    <p:fade/>
+  </p:transition>
 </p:sld>
 </file>
 

--- a/IoT final presentation.pptx
+++ b/IoT final presentation.pptx
@@ -5,7 +5,7 @@
     <p:sldMasterId id="2147483648" r:id="rId1"/>
   </p:sldMasterIdLst>
   <p:notesMasterIdLst>
-    <p:notesMasterId r:id="rId17"/>
+    <p:notesMasterId r:id="rId18"/>
   </p:notesMasterIdLst>
   <p:sldIdLst>
     <p:sldId id="256" r:id="rId2"/>
@@ -19,10 +19,11 @@
     <p:sldId id="272" r:id="rId10"/>
     <p:sldId id="273" r:id="rId11"/>
     <p:sldId id="274" r:id="rId12"/>
-    <p:sldId id="265" r:id="rId13"/>
-    <p:sldId id="263" r:id="rId14"/>
-    <p:sldId id="260" r:id="rId15"/>
-    <p:sldId id="261" r:id="rId16"/>
+    <p:sldId id="276" r:id="rId13"/>
+    <p:sldId id="265" r:id="rId14"/>
+    <p:sldId id="263" r:id="rId15"/>
+    <p:sldId id="260" r:id="rId16"/>
+    <p:sldId id="261" r:id="rId17"/>
   </p:sldIdLst>
   <p:sldSz cx="12192000" cy="6858000"/>
   <p:notesSz cx="6797675" cy="9874250"/>
@@ -285,7 +286,7 @@
       </p15:notesGuideLst>
     </p:ext>
     <p:ext uri="http://customooxmlschemas.google.com/">
-      <go:slidesCustomData xmlns="" xmlns:mc="http://schemas.openxmlformats.org/markup-compatibility/2006" xmlns:mv="urn:schemas-microsoft-com:mac:vml" xmlns:c="http://schemas.openxmlformats.org/drawingml/2006/chart" xmlns:dgm="http://schemas.openxmlformats.org/drawingml/2006/diagram" xmlns:o="urn:schemas-microsoft-com:office:office" xmlns:v="urn:schemas-microsoft-com:vml" xmlns:pvml="urn:schemas-microsoft-com:office:powerpoint" xmlns:com="http://schemas.openxmlformats.org/drawingml/2006/compatibility" xmlns:p14="http://schemas.microsoft.com/office/powerpoint/2010/main" xmlns:p15="http://schemas.microsoft.com/office/powerpoint/2012/main" xmlns:ahyp="http://schemas.microsoft.com/office/drawing/2018/hyperlinkcolor" xmlns:go="http://customooxmlschemas.google.com/" r:id="rId18" roundtripDataSignature="AMtx7mhIVCKhCGkd0QHfOARwTtCSWg78Gg=="/>
+      <go:slidesCustomData xmlns:go="http://customooxmlschemas.google.com/" xmlns:ahyp="http://schemas.microsoft.com/office/drawing/2018/hyperlinkcolor" xmlns:p15="http://schemas.microsoft.com/office/powerpoint/2012/main" xmlns:p14="http://schemas.microsoft.com/office/powerpoint/2010/main" xmlns:com="http://schemas.openxmlformats.org/drawingml/2006/compatibility" xmlns:pvml="urn:schemas-microsoft-com:office:powerpoint" xmlns:v="urn:schemas-microsoft-com:vml" xmlns:o="urn:schemas-microsoft-com:office:office" xmlns:dgm="http://schemas.openxmlformats.org/drawingml/2006/diagram" xmlns:c="http://schemas.openxmlformats.org/drawingml/2006/chart" xmlns:mv="urn:schemas-microsoft-com:mac:vml" xmlns:mc="http://schemas.openxmlformats.org/markup-compatibility/2006" xmlns="" r:id="rId19" roundtripDataSignature="AMtx7mhIVCKhCGkd0QHfOARwTtCSWg78Gg=="/>
     </p:ext>
   </p:extLst>
 </p:presentation>
@@ -2784,9 +2785,10 @@
         <a:lstStyle/>
         <a:p>
           <a:r>
-            <a:rPr lang="de-DE" sz="1900" dirty="0"/>
+            <a:rPr lang="de-DE" sz="2400" dirty="0"/>
             <a:t>Routing</a:t>
           </a:r>
+          <a:endParaRPr lang="de-DE" sz="1900" dirty="0"/>
         </a:p>
       </dgm:t>
     </dgm:pt>
@@ -2809,9 +2811,10 @@
         <a:lstStyle/>
         <a:p>
           <a:r>
-            <a:rPr lang="de-DE" sz="1900" dirty="0"/>
+            <a:rPr lang="de-DE" sz="2400" dirty="0"/>
             <a:t>Networking</a:t>
           </a:r>
+          <a:endParaRPr lang="de-DE" sz="1900" dirty="0"/>
         </a:p>
       </dgm:t>
     </dgm:pt>
@@ -2823,10 +2826,10 @@
         <a:lstStyle/>
         <a:p>
           <a:r>
-            <a:rPr lang="de-DE" sz="1900" dirty="0" err="1"/>
+            <a:rPr lang="de-DE" sz="1800" dirty="0" err="1"/>
             <a:t>Virtualisation</a:t>
           </a:r>
-          <a:endParaRPr lang="de-DE" sz="1900" dirty="0"/>
+          <a:endParaRPr lang="de-DE" sz="1800" dirty="0"/>
         </a:p>
       </dgm:t>
     </dgm:pt>
@@ -2878,14 +2881,22 @@
         <a:lstStyle/>
         <a:p>
           <a:r>
-            <a:rPr lang="de-DE" sz="1900" dirty="0"/>
-            <a:t>Security and </a:t>
+            <a:rPr lang="de-DE" sz="2400" dirty="0">
+              <a:solidFill>
+                <a:srgbClr val="003366"/>
+              </a:solidFill>
+            </a:rPr>
+            <a:t>Security</a:t>
           </a:r>
           <a:r>
-            <a:rPr lang="de-DE" sz="1900" dirty="0" err="1"/>
+            <a:rPr lang="de-DE" sz="2400" dirty="0"/>
+            <a:t> and </a:t>
+          </a:r>
+          <a:r>
+            <a:rPr lang="de-DE" sz="2400" dirty="0" err="1"/>
             <a:t>privacy</a:t>
           </a:r>
-          <a:endParaRPr lang="de-DE" sz="1900" dirty="0"/>
+          <a:endParaRPr lang="de-DE" sz="2400" dirty="0"/>
         </a:p>
       </dgm:t>
     </dgm:pt>
@@ -3905,8 +3916,8 @@
       </dsp:nvSpPr>
       <dsp:spPr>
         <a:xfrm rot="5400000">
-          <a:off x="4183986" y="144523"/>
-          <a:ext cx="2173781" cy="1891189"/>
+          <a:off x="4629880" y="167087"/>
+          <a:ext cx="2557903" cy="2225376"/>
         </a:xfrm>
         <a:prstGeom prst="hexagon">
           <a:avLst>
@@ -3951,12 +3962,12 @@
         </a:fontRef>
       </dsp:style>
       <dsp:txBody>
-        <a:bodyPr spcFirstLastPara="0" vert="horz" wrap="square" lIns="72390" tIns="72390" rIns="72390" bIns="72390" numCol="1" spcCol="1270" anchor="ctr" anchorCtr="0">
+        <a:bodyPr spcFirstLastPara="0" vert="horz" wrap="square" lIns="91440" tIns="91440" rIns="91440" bIns="91440" numCol="1" spcCol="1270" anchor="ctr" anchorCtr="0">
           <a:noAutofit/>
         </a:bodyPr>
         <a:lstStyle/>
         <a:p>
-          <a:pPr marL="0" lvl="0" indent="0" algn="ctr" defTabSz="844550">
+          <a:pPr marL="0" lvl="0" indent="0" algn="ctr" defTabSz="1066800">
             <a:lnSpc>
               <a:spcPct val="90000"/>
             </a:lnSpc>
@@ -3969,14 +3980,15 @@
             <a:buNone/>
           </a:pPr>
           <a:r>
-            <a:rPr lang="de-DE" sz="1900" kern="1200" dirty="0"/>
+            <a:rPr lang="de-DE" sz="2400" kern="1200" dirty="0"/>
             <a:t>Routing</a:t>
           </a:r>
+          <a:endParaRPr lang="de-DE" sz="1900" kern="1200" dirty="0"/>
         </a:p>
       </dsp:txBody>
       <dsp:txXfrm rot="-5400000">
-        <a:off x="4619992" y="341976"/>
-        <a:ext cx="1301769" cy="1496286"/>
+        <a:off x="5142931" y="399431"/>
+        <a:ext cx="1531800" cy="1760689"/>
       </dsp:txXfrm>
     </dsp:sp>
     <dsp:sp modelId="{8B88CF6A-27D9-4B17-B1D9-A622EEE539DA}">
@@ -3986,8 +3998,8 @@
       </dsp:nvSpPr>
       <dsp:spPr>
         <a:xfrm>
-          <a:off x="6273859" y="437984"/>
-          <a:ext cx="2425939" cy="1304268"/>
+          <a:off x="7089049" y="512404"/>
+          <a:ext cx="2854620" cy="1534742"/>
         </a:xfrm>
         <a:prstGeom prst="rect">
           <a:avLst/>
@@ -4018,8 +4030,8 @@
       </dsp:nvSpPr>
       <dsp:spPr>
         <a:xfrm rot="5400000">
-          <a:off x="2141501" y="144523"/>
-          <a:ext cx="2173781" cy="1891189"/>
+          <a:off x="2226474" y="167087"/>
+          <a:ext cx="2557903" cy="2225376"/>
         </a:xfrm>
         <a:prstGeom prst="hexagon">
           <a:avLst>
@@ -4069,7 +4081,7 @@
         </a:bodyPr>
         <a:lstStyle/>
         <a:p>
-          <a:pPr marL="0" lvl="0" indent="0" algn="ctr" defTabSz="844550">
+          <a:pPr marL="0" lvl="0" indent="0" algn="ctr" defTabSz="1066800">
             <a:lnSpc>
               <a:spcPct val="90000"/>
             </a:lnSpc>
@@ -4082,14 +4094,15 @@
             <a:buNone/>
           </a:pPr>
           <a:r>
-            <a:rPr lang="de-DE" sz="1900" kern="1200" dirty="0"/>
+            <a:rPr lang="de-DE" sz="2400" kern="1200" dirty="0"/>
             <a:t>Networking</a:t>
           </a:r>
+          <a:endParaRPr lang="de-DE" sz="1900" kern="1200" dirty="0"/>
         </a:p>
       </dsp:txBody>
       <dsp:txXfrm rot="-5400000">
-        <a:off x="2577507" y="341976"/>
-        <a:ext cx="1301769" cy="1496286"/>
+        <a:off x="2739525" y="399431"/>
+        <a:ext cx="1531800" cy="1760689"/>
       </dsp:txXfrm>
     </dsp:sp>
     <dsp:sp modelId="{49DD37E3-14EB-4D66-B0D7-65162F97DAE1}">
@@ -4099,8 +4112,8 @@
       </dsp:nvSpPr>
       <dsp:spPr>
         <a:xfrm rot="5400000">
-          <a:off x="3158831" y="1989629"/>
-          <a:ext cx="2173781" cy="1891189"/>
+          <a:off x="3423573" y="2338235"/>
+          <a:ext cx="2557903" cy="2225376"/>
         </a:xfrm>
         <a:prstGeom prst="hexagon">
           <a:avLst>
@@ -4145,12 +4158,12 @@
         </a:fontRef>
       </dsp:style>
       <dsp:txBody>
-        <a:bodyPr spcFirstLastPara="0" vert="horz" wrap="square" lIns="72390" tIns="72390" rIns="72390" bIns="72390" numCol="1" spcCol="1270" anchor="ctr" anchorCtr="0">
+        <a:bodyPr spcFirstLastPara="0" vert="horz" wrap="square" lIns="68580" tIns="68580" rIns="68580" bIns="68580" numCol="1" spcCol="1270" anchor="ctr" anchorCtr="0">
           <a:noAutofit/>
         </a:bodyPr>
         <a:lstStyle/>
         <a:p>
-          <a:pPr marL="0" lvl="0" indent="0" algn="ctr" defTabSz="844550">
+          <a:pPr marL="0" lvl="0" indent="0" algn="ctr" defTabSz="800100">
             <a:lnSpc>
               <a:spcPct val="90000"/>
             </a:lnSpc>
@@ -4163,15 +4176,15 @@
             <a:buNone/>
           </a:pPr>
           <a:r>
-            <a:rPr lang="de-DE" sz="1900" kern="1200" dirty="0" err="1"/>
+            <a:rPr lang="de-DE" sz="1800" kern="1200" dirty="0" err="1"/>
             <a:t>Virtualisation</a:t>
           </a:r>
-          <a:endParaRPr lang="de-DE" sz="1900" kern="1200" dirty="0"/>
+          <a:endParaRPr lang="de-DE" sz="1800" kern="1200" dirty="0"/>
         </a:p>
       </dsp:txBody>
       <dsp:txXfrm rot="-5400000">
-        <a:off x="3594837" y="2187082"/>
-        <a:ext cx="1301769" cy="1496286"/>
+        <a:off x="3936624" y="2570579"/>
+        <a:ext cx="1531800" cy="1760689"/>
       </dsp:txXfrm>
     </dsp:sp>
     <dsp:sp modelId="{9379EBBB-28CD-4C7C-8817-62F1E9EDE563}">
@@ -4181,8 +4194,8 @@
       </dsp:nvSpPr>
       <dsp:spPr>
         <a:xfrm>
-          <a:off x="874187" y="2283089"/>
-          <a:ext cx="2347683" cy="1304268"/>
+          <a:off x="735216" y="2683552"/>
+          <a:ext cx="2762536" cy="1534742"/>
         </a:xfrm>
         <a:prstGeom prst="rect">
           <a:avLst/>
@@ -4213,8 +4226,8 @@
       </dsp:nvSpPr>
       <dsp:spPr>
         <a:xfrm rot="5400000">
-          <a:off x="5201316" y="1989629"/>
-          <a:ext cx="2173781" cy="1891189"/>
+          <a:off x="5826979" y="2338235"/>
+          <a:ext cx="2557903" cy="2225376"/>
         </a:xfrm>
         <a:prstGeom prst="hexagon">
           <a:avLst>
@@ -4264,7 +4277,7 @@
         </a:bodyPr>
         <a:lstStyle/>
         <a:p>
-          <a:pPr marL="0" lvl="0" indent="0" algn="ctr" defTabSz="933450">
+          <a:pPr marL="0" lvl="0" indent="0" algn="ctr" defTabSz="1066800">
             <a:lnSpc>
               <a:spcPct val="90000"/>
             </a:lnSpc>
@@ -4277,14 +4290,14 @@
             <a:buNone/>
           </a:pPr>
           <a:r>
-            <a:rPr lang="de-DE" sz="2100" kern="1200" dirty="0"/>
+            <a:rPr lang="de-DE" sz="2400" kern="1200" dirty="0"/>
             <a:t>Cloud Computing</a:t>
           </a:r>
         </a:p>
       </dsp:txBody>
       <dsp:txXfrm rot="-5400000">
-        <a:off x="5637322" y="2187082"/>
-        <a:ext cx="1301769" cy="1496286"/>
+        <a:off x="6340030" y="2570579"/>
+        <a:ext cx="1531800" cy="1760689"/>
       </dsp:txXfrm>
     </dsp:sp>
     <dsp:sp modelId="{346DE243-9146-4264-A524-EE1CB02EBE6F}">
@@ -4294,8 +4307,8 @@
       </dsp:nvSpPr>
       <dsp:spPr>
         <a:xfrm rot="5400000">
-          <a:off x="1184654" y="2150054"/>
-          <a:ext cx="2173781" cy="1891189"/>
+          <a:off x="1100545" y="2527009"/>
+          <a:ext cx="2557903" cy="2225376"/>
         </a:xfrm>
         <a:prstGeom prst="hexagon">
           <a:avLst>
@@ -4353,8 +4366,8 @@
         </a:p>
       </dsp:txBody>
       <dsp:txXfrm rot="-5400000">
-        <a:off x="1620660" y="2347507"/>
-        <a:ext cx="1301769" cy="1496286"/>
+        <a:off x="1613596" y="2759353"/>
+        <a:ext cx="1531800" cy="1760689"/>
       </dsp:txXfrm>
     </dsp:sp>
     <dsp:sp modelId="{CAE63B9F-1F5A-419C-9DCA-8F193F64B03E}">
@@ -4364,8 +4377,8 @@
       </dsp:nvSpPr>
       <dsp:spPr>
         <a:xfrm>
-          <a:off x="6273859" y="4128195"/>
-          <a:ext cx="2425939" cy="1304268"/>
+          <a:off x="7089049" y="4854701"/>
+          <a:ext cx="2854620" cy="1534742"/>
         </a:xfrm>
         <a:prstGeom prst="rect">
           <a:avLst/>
@@ -4396,8 +4409,8 @@
       </dsp:nvSpPr>
       <dsp:spPr>
         <a:xfrm rot="5400000">
-          <a:off x="1175482" y="1989629"/>
-          <a:ext cx="2173781" cy="1891189"/>
+          <a:off x="1089751" y="2338235"/>
+          <a:ext cx="2557903" cy="2225376"/>
         </a:xfrm>
         <a:prstGeom prst="hexagon">
           <a:avLst>
@@ -4447,7 +4460,7 @@
         </a:bodyPr>
         <a:lstStyle/>
         <a:p>
-          <a:pPr marL="0" lvl="0" indent="0" algn="ctr" defTabSz="844550">
+          <a:pPr marL="0" lvl="0" indent="0" algn="ctr" defTabSz="1066800">
             <a:lnSpc>
               <a:spcPct val="90000"/>
             </a:lnSpc>
@@ -4460,19 +4473,27 @@
             <a:buNone/>
           </a:pPr>
           <a:r>
-            <a:rPr lang="de-DE" sz="1900" kern="1200" dirty="0"/>
-            <a:t>Security and </a:t>
+            <a:rPr lang="de-DE" sz="2400" kern="1200" dirty="0">
+              <a:solidFill>
+                <a:srgbClr val="003366"/>
+              </a:solidFill>
+            </a:rPr>
+            <a:t>Security</a:t>
           </a:r>
           <a:r>
-            <a:rPr lang="de-DE" sz="1900" kern="1200" dirty="0" err="1"/>
+            <a:rPr lang="de-DE" sz="2400" kern="1200" dirty="0"/>
+            <a:t> and </a:t>
+          </a:r>
+          <a:r>
+            <a:rPr lang="de-DE" sz="2400" kern="1200" dirty="0" err="1"/>
             <a:t>privacy</a:t>
           </a:r>
-          <a:endParaRPr lang="de-DE" sz="1900" kern="1200" dirty="0"/>
+          <a:endParaRPr lang="de-DE" sz="2400" kern="1200" dirty="0"/>
         </a:p>
       </dsp:txBody>
       <dsp:txXfrm rot="-5400000">
-        <a:off x="1611488" y="2187082"/>
-        <a:ext cx="1301769" cy="1496286"/>
+        <a:off x="1602802" y="2570579"/>
+        <a:ext cx="1531800" cy="1760689"/>
       </dsp:txXfrm>
     </dsp:sp>
   </dsp:spTree>
@@ -9318,7 +9339,7 @@
   <p:cSld>
     <p:spTree>
       <p:nvGrpSpPr>
-        <p:cNvPr id="1" name="Shape 65"/>
+        <p:cNvPr id="1" name="Shape 48"/>
         <p:cNvGrpSpPr/>
         <p:nvPr/>
       </p:nvGrpSpPr>
@@ -9332,7 +9353,53 @@
       </p:grpSpPr>
       <p:sp>
         <p:nvSpPr>
-          <p:cNvPr id="66" name="Google Shape;66;gb9e2de6e95_0_1:notes"/>
+          <p:cNvPr id="49" name="Google Shape;49;p1:notes"/>
+          <p:cNvSpPr txBox="1">
+            <a:spLocks noGrp="1"/>
+          </p:cNvSpPr>
+          <p:nvPr>
+            <p:ph type="body" idx="1"/>
+          </p:nvPr>
+        </p:nvSpPr>
+        <p:spPr>
+          <a:xfrm>
+            <a:off x="905952" y="4689775"/>
+            <a:ext cx="4985772" cy="4443183"/>
+          </a:xfrm>
+          <a:prstGeom prst="rect">
+            <a:avLst/>
+          </a:prstGeom>
+          <a:noFill/>
+          <a:ln>
+            <a:noFill/>
+          </a:ln>
+        </p:spPr>
+        <p:txBody>
+          <a:bodyPr spcFirstLastPara="1" wrap="square" lIns="91125" tIns="45550" rIns="91125" bIns="45550" anchor="t" anchorCtr="0">
+            <a:noAutofit/>
+          </a:bodyPr>
+          <a:lstStyle/>
+          <a:p>
+            <a:pPr marL="0" lvl="0" indent="0" algn="l" rtl="0">
+              <a:lnSpc>
+                <a:spcPct val="100000"/>
+              </a:lnSpc>
+              <a:spcBef>
+                <a:spcPts val="360"/>
+              </a:spcBef>
+              <a:spcAft>
+                <a:spcPts val="0"/>
+              </a:spcAft>
+              <a:buSzPts val="1400"/>
+              <a:buNone/>
+            </a:pPr>
+            <a:endParaRPr/>
+          </a:p>
+        </p:txBody>
+      </p:sp>
+      <p:sp>
+        <p:nvSpPr>
+          <p:cNvPr id="50" name="Google Shape;50;p1:notes"/>
           <p:cNvSpPr>
             <a:spLocks noGrp="1" noRot="1" noChangeAspect="1"/>
           </p:cNvSpPr>
@@ -9369,97 +9436,22 @@
               </a:path>
             </a:pathLst>
           </a:custGeom>
+          <a:noFill/>
+          <a:ln w="9525" cap="flat" cmpd="sng">
+            <a:solidFill>
+              <a:srgbClr val="000000"/>
+            </a:solidFill>
+            <a:prstDash val="solid"/>
+            <a:miter lim="800000"/>
+            <a:headEnd type="none" w="sm" len="sm"/>
+            <a:tailEnd type="none" w="sm" len="sm"/>
+          </a:ln>
         </p:spPr>
-      </p:sp>
-      <p:sp>
-        <p:nvSpPr>
-          <p:cNvPr id="67" name="Google Shape;67;gb9e2de6e95_0_1:notes"/>
-          <p:cNvSpPr txBox="1">
-            <a:spLocks noGrp="1"/>
-          </p:cNvSpPr>
-          <p:nvPr>
-            <p:ph type="body" idx="1"/>
-          </p:nvPr>
-        </p:nvSpPr>
-        <p:spPr>
-          <a:xfrm>
-            <a:off x="905952" y="4689775"/>
-            <a:ext cx="4985700" cy="4443300"/>
-          </a:xfrm>
-          <a:prstGeom prst="rect">
-            <a:avLst/>
-          </a:prstGeom>
-        </p:spPr>
-        <p:txBody>
-          <a:bodyPr spcFirstLastPara="1" wrap="square" lIns="91125" tIns="45550" rIns="91125" bIns="45550" anchor="t" anchorCtr="0">
-            <a:noAutofit/>
-          </a:bodyPr>
-          <a:lstStyle/>
-          <a:p>
-            <a:pPr marL="0" lvl="0" indent="0" algn="l" rtl="0">
-              <a:spcBef>
-                <a:spcPts val="360"/>
-              </a:spcBef>
-              <a:spcAft>
-                <a:spcPts val="0"/>
-              </a:spcAft>
-              <a:buNone/>
-            </a:pPr>
-            <a:endParaRPr/>
-          </a:p>
-        </p:txBody>
-      </p:sp>
-      <p:sp>
-        <p:nvSpPr>
-          <p:cNvPr id="68" name="Google Shape;68;gb9e2de6e95_0_1:notes"/>
-          <p:cNvSpPr txBox="1">
-            <a:spLocks noGrp="1"/>
-          </p:cNvSpPr>
-          <p:nvPr>
-            <p:ph type="sldNum" idx="12"/>
-          </p:nvPr>
-        </p:nvSpPr>
-        <p:spPr>
-          <a:xfrm>
-            <a:off x="3851815" y="9381081"/>
-            <a:ext cx="2946000" cy="493200"/>
-          </a:xfrm>
-          <a:prstGeom prst="rect">
-            <a:avLst/>
-          </a:prstGeom>
-        </p:spPr>
-        <p:txBody>
-          <a:bodyPr spcFirstLastPara="1" wrap="square" lIns="91125" tIns="45550" rIns="91125" bIns="45550" anchor="b" anchorCtr="0">
-            <a:noAutofit/>
-          </a:bodyPr>
-          <a:lstStyle/>
-          <a:p>
-            <a:pPr marL="0" lvl="0" indent="0" algn="r" rtl="0">
-              <a:spcBef>
-                <a:spcPts val="0"/>
-              </a:spcBef>
-              <a:spcAft>
-                <a:spcPts val="0"/>
-              </a:spcAft>
-              <a:buClr>
-                <a:srgbClr val="000000"/>
-              </a:buClr>
-              <a:buSzPts val="1200"/>
-              <a:buFont typeface="Arial"/>
-              <a:buNone/>
-            </a:pPr>
-            <a:fld id="{00000000-1234-1234-1234-123412341234}" type="slidenum">
-              <a:rPr lang="de-DE"/>
-              <a:t>12</a:t>
-            </a:fld>
-            <a:endParaRPr/>
-          </a:p>
-        </p:txBody>
       </p:sp>
     </p:spTree>
     <p:extLst>
       <p:ext uri="{BB962C8B-B14F-4D97-AF65-F5344CB8AC3E}">
-        <p14:creationId xmlns:p14="http://schemas.microsoft.com/office/powerpoint/2010/main" val="3468180757"/>
+        <p14:creationId xmlns:p14="http://schemas.microsoft.com/office/powerpoint/2010/main" val="2506856700"/>
       </p:ext>
     </p:extLst>
   </p:cSld>
@@ -9606,7 +9598,7 @@
             </a:pPr>
             <a:fld id="{00000000-1234-1234-1234-123412341234}" type="slidenum">
               <a:rPr lang="de-DE"/>
-              <a:t>14</a:t>
+              <a:t>13</a:t>
             </a:fld>
             <a:endParaRPr/>
           </a:p>
@@ -9615,7 +9607,7 @@
     </p:spTree>
     <p:extLst>
       <p:ext uri="{BB962C8B-B14F-4D97-AF65-F5344CB8AC3E}">
-        <p14:creationId xmlns:p14="http://schemas.microsoft.com/office/powerpoint/2010/main" val="1097994239"/>
+        <p14:creationId xmlns:p14="http://schemas.microsoft.com/office/powerpoint/2010/main" val="3468180757"/>
       </p:ext>
     </p:extLst>
   </p:cSld>
@@ -9771,6 +9763,162 @@
     </p:spTree>
     <p:extLst>
       <p:ext uri="{BB962C8B-B14F-4D97-AF65-F5344CB8AC3E}">
+        <p14:creationId xmlns:p14="http://schemas.microsoft.com/office/powerpoint/2010/main" val="1097994239"/>
+      </p:ext>
+    </p:extLst>
+  </p:cSld>
+  <p:clrMapOvr>
+    <a:masterClrMapping/>
+  </p:clrMapOvr>
+</p:notes>
+</file>
+
+<file path=ppt/notesSlides/notesSlide9.xml><?xml version="1.0" encoding="utf-8"?>
+<p:notes xmlns:a="http://schemas.openxmlformats.org/drawingml/2006/main" xmlns:r="http://schemas.openxmlformats.org/officeDocument/2006/relationships" xmlns:p="http://schemas.openxmlformats.org/presentationml/2006/main" showMasterSp="0" showMasterPhAnim="0">
+  <p:cSld>
+    <p:spTree>
+      <p:nvGrpSpPr>
+        <p:cNvPr id="1" name="Shape 65"/>
+        <p:cNvGrpSpPr/>
+        <p:nvPr/>
+      </p:nvGrpSpPr>
+      <p:grpSpPr>
+        <a:xfrm>
+          <a:off x="0" y="0"/>
+          <a:ext cx="0" cy="0"/>
+          <a:chOff x="0" y="0"/>
+          <a:chExt cx="0" cy="0"/>
+        </a:xfrm>
+      </p:grpSpPr>
+      <p:sp>
+        <p:nvSpPr>
+          <p:cNvPr id="66" name="Google Shape;66;gb9e2de6e95_0_1:notes"/>
+          <p:cNvSpPr>
+            <a:spLocks noGrp="1" noRot="1" noChangeAspect="1"/>
+          </p:cNvSpPr>
+          <p:nvPr>
+            <p:ph type="sldImg" idx="2"/>
+          </p:nvPr>
+        </p:nvSpPr>
+        <p:spPr>
+          <a:xfrm>
+            <a:off x="111125" y="742950"/>
+            <a:ext cx="6577013" cy="3700463"/>
+          </a:xfrm>
+          <a:custGeom>
+            <a:avLst/>
+            <a:gdLst/>
+            <a:ahLst/>
+            <a:cxnLst/>
+            <a:rect l="l" t="t" r="r" b="b"/>
+            <a:pathLst>
+              <a:path w="120000" h="120000" extrusionOk="0">
+                <a:moveTo>
+                  <a:pt x="0" y="0"/>
+                </a:moveTo>
+                <a:lnTo>
+                  <a:pt x="120000" y="0"/>
+                </a:lnTo>
+                <a:lnTo>
+                  <a:pt x="120000" y="120000"/>
+                </a:lnTo>
+                <a:lnTo>
+                  <a:pt x="0" y="120000"/>
+                </a:lnTo>
+                <a:close/>
+              </a:path>
+            </a:pathLst>
+          </a:custGeom>
+        </p:spPr>
+      </p:sp>
+      <p:sp>
+        <p:nvSpPr>
+          <p:cNvPr id="67" name="Google Shape;67;gb9e2de6e95_0_1:notes"/>
+          <p:cNvSpPr txBox="1">
+            <a:spLocks noGrp="1"/>
+          </p:cNvSpPr>
+          <p:nvPr>
+            <p:ph type="body" idx="1"/>
+          </p:nvPr>
+        </p:nvSpPr>
+        <p:spPr>
+          <a:xfrm>
+            <a:off x="905952" y="4689775"/>
+            <a:ext cx="4985700" cy="4443300"/>
+          </a:xfrm>
+          <a:prstGeom prst="rect">
+            <a:avLst/>
+          </a:prstGeom>
+        </p:spPr>
+        <p:txBody>
+          <a:bodyPr spcFirstLastPara="1" wrap="square" lIns="91125" tIns="45550" rIns="91125" bIns="45550" anchor="t" anchorCtr="0">
+            <a:noAutofit/>
+          </a:bodyPr>
+          <a:lstStyle/>
+          <a:p>
+            <a:pPr marL="0" lvl="0" indent="0" algn="l" rtl="0">
+              <a:spcBef>
+                <a:spcPts val="360"/>
+              </a:spcBef>
+              <a:spcAft>
+                <a:spcPts val="0"/>
+              </a:spcAft>
+              <a:buNone/>
+            </a:pPr>
+            <a:endParaRPr/>
+          </a:p>
+        </p:txBody>
+      </p:sp>
+      <p:sp>
+        <p:nvSpPr>
+          <p:cNvPr id="68" name="Google Shape;68;gb9e2de6e95_0_1:notes"/>
+          <p:cNvSpPr txBox="1">
+            <a:spLocks noGrp="1"/>
+          </p:cNvSpPr>
+          <p:nvPr>
+            <p:ph type="sldNum" idx="12"/>
+          </p:nvPr>
+        </p:nvSpPr>
+        <p:spPr>
+          <a:xfrm>
+            <a:off x="3851815" y="9381081"/>
+            <a:ext cx="2946000" cy="493200"/>
+          </a:xfrm>
+          <a:prstGeom prst="rect">
+            <a:avLst/>
+          </a:prstGeom>
+        </p:spPr>
+        <p:txBody>
+          <a:bodyPr spcFirstLastPara="1" wrap="square" lIns="91125" tIns="45550" rIns="91125" bIns="45550" anchor="b" anchorCtr="0">
+            <a:noAutofit/>
+          </a:bodyPr>
+          <a:lstStyle/>
+          <a:p>
+            <a:pPr marL="0" lvl="0" indent="0" algn="r" rtl="0">
+              <a:spcBef>
+                <a:spcPts val="0"/>
+              </a:spcBef>
+              <a:spcAft>
+                <a:spcPts val="0"/>
+              </a:spcAft>
+              <a:buClr>
+                <a:srgbClr val="000000"/>
+              </a:buClr>
+              <a:buSzPts val="1200"/>
+              <a:buFont typeface="Arial"/>
+              <a:buNone/>
+            </a:pPr>
+            <a:fld id="{00000000-1234-1234-1234-123412341234}" type="slidenum">
+              <a:rPr lang="de-DE"/>
+              <a:t>16</a:t>
+            </a:fld>
+            <a:endParaRPr/>
+          </a:p>
+        </p:txBody>
+      </p:sp>
+    </p:spTree>
+    <p:extLst>
+      <p:ext uri="{BB962C8B-B14F-4D97-AF65-F5344CB8AC3E}">
         <p14:creationId xmlns:p14="http://schemas.microsoft.com/office/powerpoint/2010/main" val="843034827"/>
       </p:ext>
     </p:extLst>
@@ -10209,34 +10357,6 @@
           </a:ln>
         </p:spPr>
       </p:pic>
-    </p:spTree>
-  </p:cSld>
-  <p:clrMapOvr>
-    <a:masterClrMapping/>
-  </p:clrMapOvr>
-  <p:transition>
-    <p:fade/>
-  </p:transition>
-</p:sldLayout>
-</file>
-
-<file path=ppt/slideLayouts/slideLayout10.xml><?xml version="1.0" encoding="utf-8"?>
-<p:sldLayout xmlns:a="http://schemas.openxmlformats.org/drawingml/2006/main" xmlns:r="http://schemas.openxmlformats.org/officeDocument/2006/relationships" xmlns:p="http://schemas.openxmlformats.org/presentationml/2006/main" matchingName="Leer" type="blank">
-  <p:cSld name="BLANK">
-    <p:spTree>
-      <p:nvGrpSpPr>
-        <p:cNvPr id="1" name="Shape 47"/>
-        <p:cNvGrpSpPr/>
-        <p:nvPr/>
-      </p:nvGrpSpPr>
-      <p:grpSpPr>
-        <a:xfrm>
-          <a:off x="0" y="0"/>
-          <a:ext cx="0" cy="0"/>
-          <a:chOff x="0" y="0"/>
-          <a:chExt cx="0" cy="0"/>
-        </a:xfrm>
-      </p:grpSpPr>
     </p:spTree>
   </p:cSld>
   <p:clrMapOvr>
@@ -14312,7 +14432,7 @@
           <p:nvPr/>
         </p:nvPicPr>
         <p:blipFill rotWithShape="1">
-          <a:blip r:embed="rId12">
+          <a:blip r:embed="rId11">
             <a:alphaModFix/>
           </a:blip>
           <a:srcRect/>
@@ -14345,7 +14465,6 @@
     <p:sldLayoutId id="2147483655" r:id="rId7"/>
     <p:sldLayoutId id="2147483656" r:id="rId8"/>
     <p:sldLayoutId id="2147483657" r:id="rId9"/>
-    <p:sldLayoutId id="2147483658" r:id="rId10"/>
   </p:sldLayoutIdLst>
   <p:transition>
     <p:fade/>
@@ -15273,14 +15392,9 @@
           <a:lstStyle/>
           <a:p>
             <a:r>
-              <a:rPr lang="de-DE" dirty="0"/>
-              <a:t>8. </a:t>
-            </a:r>
-            <a:r>
-              <a:rPr lang="de-DE" dirty="0" err="1"/>
-              <a:t>Discussion</a:t>
-            </a:r>
-            <a:endParaRPr lang="de-DE" dirty="0"/>
+              <a:rPr lang="en-IE" dirty="0"/>
+              <a:t>8. Discussion</a:t>
+            </a:r>
           </a:p>
         </p:txBody>
       </p:sp>
@@ -15544,10 +15658,9 @@
               <a:t>9. </a:t>
             </a:r>
             <a:r>
-              <a:rPr lang="de-DE" dirty="0" err="1"/>
+              <a:rPr lang="en-IE" dirty="0"/>
               <a:t>Conclusion</a:t>
             </a:r>
-            <a:endParaRPr lang="de-DE" dirty="0"/>
           </a:p>
         </p:txBody>
       </p:sp>
@@ -15744,6 +15857,213 @@
 </file>
 
 <file path=ppt/slides/slide12.xml><?xml version="1.0" encoding="utf-8"?>
+<p:sld xmlns:a="http://schemas.openxmlformats.org/drawingml/2006/main" xmlns:r="http://schemas.openxmlformats.org/officeDocument/2006/relationships" xmlns:p="http://schemas.openxmlformats.org/presentationml/2006/main">
+  <p:cSld>
+    <p:spTree>
+      <p:nvGrpSpPr>
+        <p:cNvPr id="1" name="Shape 51"/>
+        <p:cNvGrpSpPr/>
+        <p:nvPr/>
+      </p:nvGrpSpPr>
+      <p:grpSpPr>
+        <a:xfrm>
+          <a:off x="0" y="0"/>
+          <a:ext cx="0" cy="0"/>
+          <a:chOff x="0" y="0"/>
+          <a:chExt cx="0" cy="0"/>
+        </a:xfrm>
+      </p:grpSpPr>
+      <p:sp>
+        <p:nvSpPr>
+          <p:cNvPr id="52" name="Google Shape;52;p1"/>
+          <p:cNvSpPr txBox="1">
+            <a:spLocks noGrp="1"/>
+          </p:cNvSpPr>
+          <p:nvPr>
+            <p:ph type="subTitle" idx="1"/>
+          </p:nvPr>
+        </p:nvSpPr>
+        <p:spPr>
+          <a:xfrm>
+            <a:off x="1778000" y="3650893"/>
+            <a:ext cx="8623300" cy="1487164"/>
+          </a:xfrm>
+          <a:prstGeom prst="rect">
+            <a:avLst/>
+          </a:prstGeom>
+          <a:noFill/>
+          <a:ln>
+            <a:noFill/>
+          </a:ln>
+        </p:spPr>
+        <p:txBody>
+          <a:bodyPr spcFirstLastPara="1" wrap="square" lIns="360000" tIns="0" rIns="360000" bIns="0" anchor="t" anchorCtr="0">
+            <a:noAutofit/>
+          </a:bodyPr>
+          <a:lstStyle/>
+          <a:p>
+            <a:pPr marL="0" lvl="0" indent="0" algn="ctr" rtl="0">
+              <a:lnSpc>
+                <a:spcPct val="102000"/>
+              </a:lnSpc>
+              <a:spcBef>
+                <a:spcPts val="0"/>
+              </a:spcBef>
+              <a:spcAft>
+                <a:spcPts val="0"/>
+              </a:spcAft>
+              <a:buSzPts val="1400"/>
+              <a:buNone/>
+            </a:pPr>
+            <a:r>
+              <a:rPr lang="de-DE" b="0" dirty="0"/>
+              <a:t>Seminar Internet </a:t>
+            </a:r>
+            <a:r>
+              <a:rPr lang="de-DE" b="0" dirty="0" err="1"/>
+              <a:t>of</a:t>
+            </a:r>
+            <a:r>
+              <a:rPr lang="de-DE" b="0" dirty="0"/>
+              <a:t> Things &amp; Security</a:t>
+            </a:r>
+            <a:br>
+              <a:rPr lang="de-DE" b="0" dirty="0"/>
+            </a:br>
+            <a:endParaRPr b="0" dirty="0"/>
+          </a:p>
+          <a:p>
+            <a:pPr marL="0" lvl="0" indent="0" algn="ctr" rtl="0">
+              <a:lnSpc>
+                <a:spcPct val="102000"/>
+              </a:lnSpc>
+              <a:spcBef>
+                <a:spcPts val="500"/>
+              </a:spcBef>
+              <a:spcAft>
+                <a:spcPts val="0"/>
+              </a:spcAft>
+              <a:buSzPts val="1400"/>
+              <a:buNone/>
+            </a:pPr>
+            <a:r>
+              <a:rPr lang="de-DE" b="0" dirty="0"/>
+              <a:t>Marc-Andre Juritz</a:t>
+            </a:r>
+            <a:br>
+              <a:rPr lang="de-DE" b="0" dirty="0"/>
+            </a:br>
+            <a:r>
+              <a:rPr lang="de-DE" b="0" dirty="0"/>
+              <a:t>06.07.2022</a:t>
+            </a:r>
+            <a:endParaRPr b="0" dirty="0"/>
+          </a:p>
+        </p:txBody>
+      </p:sp>
+      <p:sp>
+        <p:nvSpPr>
+          <p:cNvPr id="53" name="Google Shape;53;p1"/>
+          <p:cNvSpPr txBox="1">
+            <a:spLocks noGrp="1"/>
+          </p:cNvSpPr>
+          <p:nvPr>
+            <p:ph type="ctrTitle"/>
+          </p:nvPr>
+        </p:nvSpPr>
+        <p:spPr>
+          <a:xfrm>
+            <a:off x="1618202" y="1895982"/>
+            <a:ext cx="8636000" cy="1406516"/>
+          </a:xfrm>
+          <a:prstGeom prst="rect">
+            <a:avLst/>
+          </a:prstGeom>
+          <a:noFill/>
+          <a:ln>
+            <a:noFill/>
+          </a:ln>
+        </p:spPr>
+        <p:txBody>
+          <a:bodyPr spcFirstLastPara="1" wrap="square" lIns="360000" tIns="0" rIns="360000" bIns="0" anchor="t" anchorCtr="0">
+            <a:noAutofit/>
+          </a:bodyPr>
+          <a:lstStyle/>
+          <a:p>
+            <a:pPr marL="0" lvl="0" indent="0" algn="ctr" rtl="0">
+              <a:lnSpc>
+                <a:spcPct val="100000"/>
+              </a:lnSpc>
+              <a:spcBef>
+                <a:spcPts val="0"/>
+              </a:spcBef>
+              <a:spcAft>
+                <a:spcPts val="0"/>
+              </a:spcAft>
+              <a:buSzPts val="1400"/>
+              <a:buNone/>
+            </a:pPr>
+            <a:r>
+              <a:rPr lang="en-US" sz="3200" dirty="0"/>
+              <a:t>A Survey on Internet of Things as Enabler for Sustainable Supply Chains</a:t>
+            </a:r>
+            <a:endParaRPr sz="3200" dirty="0"/>
+          </a:p>
+        </p:txBody>
+      </p:sp>
+      <p:sp>
+        <p:nvSpPr>
+          <p:cNvPr id="2" name="Textfeld 1">
+            <a:extLst>
+              <a:ext uri="{FF2B5EF4-FFF2-40B4-BE49-F238E27FC236}">
+                <a16:creationId xmlns:a16="http://schemas.microsoft.com/office/drawing/2014/main" id="{D643ECED-11C6-43D0-897F-A30E9875CCC4}"/>
+              </a:ext>
+            </a:extLst>
+          </p:cNvPr>
+          <p:cNvSpPr txBox="1"/>
+          <p:nvPr/>
+        </p:nvSpPr>
+        <p:spPr>
+          <a:xfrm>
+            <a:off x="1618202" y="5497286"/>
+            <a:ext cx="9409027" cy="461665"/>
+          </a:xfrm>
+          <a:prstGeom prst="rect">
+            <a:avLst/>
+          </a:prstGeom>
+          <a:noFill/>
+        </p:spPr>
+        <p:txBody>
+          <a:bodyPr wrap="square" rtlCol="0">
+            <a:spAutoFit/>
+          </a:bodyPr>
+          <a:lstStyle/>
+          <a:p>
+            <a:pPr algn="ctr"/>
+            <a:r>
+              <a:rPr lang="en-CA" sz="2400" dirty="0"/>
+              <a:t>Thank you for your attention. Questions? Feedback?</a:t>
+            </a:r>
+          </a:p>
+        </p:txBody>
+      </p:sp>
+    </p:spTree>
+    <p:extLst>
+      <p:ext uri="{BB962C8B-B14F-4D97-AF65-F5344CB8AC3E}">
+        <p14:creationId xmlns:p14="http://schemas.microsoft.com/office/powerpoint/2010/main" val="3939784707"/>
+      </p:ext>
+    </p:extLst>
+  </p:cSld>
+  <p:clrMapOvr>
+    <a:masterClrMapping/>
+  </p:clrMapOvr>
+  <p:transition>
+    <p:fade/>
+  </p:transition>
+</p:sld>
+</file>
+
+<file path=ppt/slides/slide13.xml><?xml version="1.0" encoding="utf-8"?>
 <p:sld xmlns:a="http://schemas.openxmlformats.org/drawingml/2006/main" xmlns:r="http://schemas.openxmlformats.org/officeDocument/2006/relationships" xmlns:p="http://schemas.openxmlformats.org/presentationml/2006/main" show="0">
   <p:cSld>
     <p:spTree>
@@ -15930,22 +16250,9 @@
               <a:buChar char="•"/>
             </a:pPr>
             <a:r>
-              <a:rPr lang="de-DE" b="0" dirty="0"/>
-              <a:t>Many </a:t>
-            </a:r>
-            <a:r>
-              <a:rPr lang="de-DE" b="0" dirty="0" err="1"/>
-              <a:t>unknown</a:t>
-            </a:r>
-            <a:r>
-              <a:rPr lang="de-DE" b="0" dirty="0"/>
-              <a:t> </a:t>
-            </a:r>
-            <a:r>
-              <a:rPr lang="de-DE" b="0" dirty="0" err="1"/>
-              <a:t>parameters</a:t>
-            </a:r>
-            <a:endParaRPr lang="de-DE" b="0" dirty="0"/>
+              <a:rPr lang="en-HK" b="0" dirty="0"/>
+              <a:t>Many unknown parameters</a:t>
+            </a:r>
           </a:p>
           <a:p>
             <a:pPr marL="285750" lvl="0" indent="-285750" algn="l" rtl="0">
@@ -15959,42 +16266,9 @@
               <a:buChar char="•"/>
             </a:pPr>
             <a:r>
-              <a:rPr lang="de-DE" b="0" dirty="0" err="1"/>
-              <a:t>Scope</a:t>
-            </a:r>
-            <a:r>
-              <a:rPr lang="de-DE" b="0" dirty="0"/>
-              <a:t> 3 </a:t>
-            </a:r>
-            <a:r>
-              <a:rPr lang="de-DE" b="0" dirty="0" err="1"/>
-              <a:t>emissions</a:t>
-            </a:r>
-            <a:r>
-              <a:rPr lang="de-DE" b="0" dirty="0"/>
-              <a:t> </a:t>
-            </a:r>
-            <a:r>
-              <a:rPr lang="de-DE" b="0" dirty="0" err="1"/>
-              <a:t>hard</a:t>
-            </a:r>
-            <a:r>
-              <a:rPr lang="de-DE" b="0" dirty="0"/>
-              <a:t> </a:t>
-            </a:r>
-            <a:r>
-              <a:rPr lang="de-DE" b="0" dirty="0" err="1"/>
-              <a:t>to</a:t>
-            </a:r>
-            <a:r>
-              <a:rPr lang="de-DE" b="0" dirty="0"/>
-              <a:t> </a:t>
-            </a:r>
-            <a:r>
-              <a:rPr lang="de-DE" b="0" dirty="0" err="1"/>
-              <a:t>measure</a:t>
-            </a:r>
-            <a:endParaRPr lang="de-DE" b="0" dirty="0"/>
+              <a:rPr lang="en-HK" b="0" dirty="0"/>
+              <a:t>Scope 3 emissions hard to measure</a:t>
+            </a:r>
           </a:p>
           <a:p>
             <a:pPr marL="285750" lvl="0" indent="-285750" algn="l" rtl="0">
@@ -16100,7 +16374,7 @@
 </p:sld>
 </file>
 
-<file path=ppt/slides/slide13.xml><?xml version="1.0" encoding="utf-8"?>
+<file path=ppt/slides/slide14.xml><?xml version="1.0" encoding="utf-8"?>
 <p:sld xmlns:a="http://schemas.openxmlformats.org/drawingml/2006/main" xmlns:r="http://schemas.openxmlformats.org/officeDocument/2006/relationships" xmlns:p="http://schemas.openxmlformats.org/presentationml/2006/main" show="0">
   <p:cSld>
     <p:spTree>
@@ -16213,7 +16487,7 @@
 </p:sld>
 </file>
 
-<file path=ppt/slides/slide14.xml><?xml version="1.0" encoding="utf-8"?>
+<file path=ppt/slides/slide15.xml><?xml version="1.0" encoding="utf-8"?>
 <p:sld xmlns:a="http://schemas.openxmlformats.org/drawingml/2006/main" xmlns:r="http://schemas.openxmlformats.org/officeDocument/2006/relationships" xmlns:p="http://schemas.openxmlformats.org/presentationml/2006/main" show="0">
   <p:cSld>
     <p:spTree>
@@ -16795,7 +17069,7 @@
 </p:sld>
 </file>
 
-<file path=ppt/slides/slide15.xml><?xml version="1.0" encoding="utf-8"?>
+<file path=ppt/slides/slide16.xml><?xml version="1.0" encoding="utf-8"?>
 <p:sld xmlns:a="http://schemas.openxmlformats.org/drawingml/2006/main" xmlns:r="http://schemas.openxmlformats.org/officeDocument/2006/relationships" xmlns:p="http://schemas.openxmlformats.org/presentationml/2006/main" show="0">
   <p:cSld>
     <p:spTree>
@@ -18841,32 +19115,8 @@
           <a:lstStyle/>
           <a:p>
             <a:r>
-              <a:rPr lang="de-DE" dirty="0"/>
-              <a:t>4. </a:t>
-            </a:r>
-            <a:r>
-              <a:rPr lang="de-DE" dirty="0" err="1"/>
-              <a:t>Results</a:t>
-            </a:r>
-            <a:r>
-              <a:rPr lang="de-DE" dirty="0"/>
-              <a:t> </a:t>
-            </a:r>
-            <a:r>
-              <a:rPr lang="de-DE" dirty="0" err="1"/>
-              <a:t>of</a:t>
-            </a:r>
-            <a:r>
-              <a:rPr lang="de-DE" dirty="0"/>
-              <a:t> </a:t>
-            </a:r>
-            <a:r>
-              <a:rPr lang="de-DE" dirty="0" err="1"/>
-              <a:t>literature</a:t>
-            </a:r>
-            <a:r>
-              <a:rPr lang="de-DE" dirty="0"/>
-              <a:t> review</a:t>
+              <a:rPr lang="en-IE" dirty="0"/>
+              <a:t>4. Results of literature review</a:t>
             </a:r>
           </a:p>
         </p:txBody>
@@ -19232,14 +19482,14 @@
           <p:nvPr>
             <p:extLst>
               <p:ext uri="{D42A27DB-BD31-4B8C-83A1-F6EECF244321}">
-                <p14:modId xmlns:p14="http://schemas.microsoft.com/office/powerpoint/2010/main" val="3923535370"/>
+                <p14:modId xmlns:p14="http://schemas.microsoft.com/office/powerpoint/2010/main" val="350948972"/>
               </p:ext>
             </p:extLst>
           </p:nvPr>
         </p:nvGraphicFramePr>
         <p:xfrm>
-          <a:off x="1191984" y="1260000"/>
-          <a:ext cx="9573987" cy="5870448"/>
+          <a:off x="1284515" y="1469572"/>
+          <a:ext cx="10678886" cy="6901848"/>
         </p:xfrm>
         <a:graphic>
           <a:graphicData uri="http://schemas.openxmlformats.org/drawingml/2006/diagram">
@@ -19275,7 +19525,7 @@
         </p:blipFill>
         <p:spPr>
           <a:xfrm>
-            <a:off x="10702510" y="1741828"/>
+            <a:off x="8130220" y="5328379"/>
             <a:ext cx="595011" cy="595011"/>
           </a:xfrm>
           <a:prstGeom prst="rect">
@@ -19311,7 +19561,7 @@
         </p:blipFill>
         <p:spPr>
           <a:xfrm>
-            <a:off x="8536361" y="867732"/>
+            <a:off x="6925273" y="3205842"/>
             <a:ext cx="522515" cy="522515"/>
           </a:xfrm>
           <a:prstGeom prst="rect">
@@ -19347,7 +19597,7 @@
         </p:blipFill>
         <p:spPr>
           <a:xfrm>
-            <a:off x="1587357" y="2003837"/>
+            <a:off x="4504728" y="3129643"/>
             <a:ext cx="598714" cy="598714"/>
           </a:xfrm>
           <a:prstGeom prst="rect">
@@ -19383,8 +19633,8 @@
         </p:blipFill>
         <p:spPr>
           <a:xfrm>
-            <a:off x="2993571" y="5625885"/>
-            <a:ext cx="522515" cy="522515"/>
+            <a:off x="3337125" y="5434858"/>
+            <a:ext cx="620486" cy="620486"/>
           </a:xfrm>
           <a:prstGeom prst="rect">
             <a:avLst/>
@@ -19419,14 +19669,55 @@
         </p:blipFill>
         <p:spPr>
           <a:xfrm>
-            <a:off x="5521777" y="5474858"/>
-            <a:ext cx="914400" cy="914400"/>
+            <a:off x="5642503" y="5235079"/>
+            <a:ext cx="704851" cy="704851"/>
           </a:xfrm>
           <a:prstGeom prst="rect">
             <a:avLst/>
           </a:prstGeom>
         </p:spPr>
       </p:pic>
+      <p:sp>
+        <p:nvSpPr>
+          <p:cNvPr id="2" name="Textfeld 1">
+            <a:extLst>
+              <a:ext uri="{FF2B5EF4-FFF2-40B4-BE49-F238E27FC236}">
+                <a16:creationId xmlns:a16="http://schemas.microsoft.com/office/drawing/2014/main" id="{81420AB3-2D99-4065-B81F-146BA4AAE9FD}"/>
+              </a:ext>
+            </a:extLst>
+          </p:cNvPr>
+          <p:cNvSpPr txBox="1"/>
+          <p:nvPr/>
+        </p:nvSpPr>
+        <p:spPr>
+          <a:xfrm>
+            <a:off x="4985657" y="4644997"/>
+            <a:ext cx="1939616" cy="461665"/>
+          </a:xfrm>
+          <a:prstGeom prst="rect">
+            <a:avLst/>
+          </a:prstGeom>
+          <a:solidFill>
+            <a:schemeClr val="bg1"/>
+          </a:solidFill>
+        </p:spPr>
+        <p:txBody>
+          <a:bodyPr wrap="square" rtlCol="0">
+            <a:spAutoFit/>
+          </a:bodyPr>
+          <a:lstStyle/>
+          <a:p>
+            <a:r>
+              <a:rPr lang="en-JM" sz="2400" dirty="0">
+                <a:solidFill>
+                  <a:srgbClr val="003366"/>
+                </a:solidFill>
+              </a:rPr>
+              <a:t>Virtualisation</a:t>
+            </a:r>
+          </a:p>
+        </p:txBody>
+      </p:sp>
     </p:spTree>
     <p:extLst>
       <p:ext uri="{BB962C8B-B14F-4D97-AF65-F5344CB8AC3E}">
@@ -19910,22 +20201,9 @@
           <a:lstStyle/>
           <a:p>
             <a:r>
-              <a:rPr lang="de-DE" dirty="0"/>
-              <a:t>7. IoT in </a:t>
-            </a:r>
-            <a:r>
-              <a:rPr lang="de-DE" dirty="0" err="1"/>
-              <a:t>food</a:t>
-            </a:r>
-            <a:r>
-              <a:rPr lang="de-DE" dirty="0"/>
-              <a:t> </a:t>
-            </a:r>
-            <a:r>
-              <a:rPr lang="de-DE" dirty="0" err="1"/>
-              <a:t>manufacturing</a:t>
-            </a:r>
-            <a:endParaRPr lang="de-DE" dirty="0"/>
+              <a:rPr lang="en-JM" dirty="0"/>
+              <a:t>7. IoT in food manufacturing</a:t>
+            </a:r>
           </a:p>
         </p:txBody>
       </p:sp>

--- a/IoT final presentation.pptx
+++ b/IoT final presentation.pptx
@@ -286,7 +286,7 @@
       </p15:notesGuideLst>
     </p:ext>
     <p:ext uri="http://customooxmlschemas.google.com/">
-      <go:slidesCustomData xmlns:go="http://customooxmlschemas.google.com/" xmlns:ahyp="http://schemas.microsoft.com/office/drawing/2018/hyperlinkcolor" xmlns:p15="http://schemas.microsoft.com/office/powerpoint/2012/main" xmlns:p14="http://schemas.microsoft.com/office/powerpoint/2010/main" xmlns:com="http://schemas.openxmlformats.org/drawingml/2006/compatibility" xmlns:pvml="urn:schemas-microsoft-com:office:powerpoint" xmlns:v="urn:schemas-microsoft-com:vml" xmlns:o="urn:schemas-microsoft-com:office:office" xmlns:dgm="http://schemas.openxmlformats.org/drawingml/2006/diagram" xmlns:c="http://schemas.openxmlformats.org/drawingml/2006/chart" xmlns:mv="urn:schemas-microsoft-com:mac:vml" xmlns:mc="http://schemas.openxmlformats.org/markup-compatibility/2006" xmlns="" r:id="rId19" roundtripDataSignature="AMtx7mhIVCKhCGkd0QHfOARwTtCSWg78Gg=="/>
+      <go:slidesCustomData xmlns="" xmlns:mc="http://schemas.openxmlformats.org/markup-compatibility/2006" xmlns:mv="urn:schemas-microsoft-com:mac:vml" xmlns:c="http://schemas.openxmlformats.org/drawingml/2006/chart" xmlns:dgm="http://schemas.openxmlformats.org/drawingml/2006/diagram" xmlns:o="urn:schemas-microsoft-com:office:office" xmlns:v="urn:schemas-microsoft-com:vml" xmlns:pvml="urn:schemas-microsoft-com:office:powerpoint" xmlns:com="http://schemas.openxmlformats.org/drawingml/2006/compatibility" xmlns:p14="http://schemas.microsoft.com/office/powerpoint/2010/main" xmlns:p15="http://schemas.microsoft.com/office/powerpoint/2012/main" xmlns:ahyp="http://schemas.microsoft.com/office/drawing/2018/hyperlinkcolor" xmlns:go="http://customooxmlschemas.google.com/" r:id="rId19" roundtripDataSignature="AMtx7mhIVCKhCGkd0QHfOARwTtCSWg78Gg=="/>
     </p:ext>
   </p:extLst>
 </p:presentation>
@@ -15347,31 +15347,6 @@
       </p:grpSpPr>
       <p:sp>
         <p:nvSpPr>
-          <p:cNvPr id="2" name="Textplatzhalter 1">
-            <a:extLst>
-              <a:ext uri="{FF2B5EF4-FFF2-40B4-BE49-F238E27FC236}">
-                <a16:creationId xmlns:a16="http://schemas.microsoft.com/office/drawing/2014/main" id="{B82797F9-4DAA-40CE-AAEF-A6A1108F7128}"/>
-              </a:ext>
-            </a:extLst>
-          </p:cNvPr>
-          <p:cNvSpPr>
-            <a:spLocks noGrp="1"/>
-          </p:cNvSpPr>
-          <p:nvPr>
-            <p:ph type="body" idx="1"/>
-          </p:nvPr>
-        </p:nvSpPr>
-        <p:spPr/>
-        <p:txBody>
-          <a:bodyPr/>
-          <a:lstStyle/>
-          <a:p>
-            <a:endParaRPr lang="de-DE"/>
-          </a:p>
-        </p:txBody>
-      </p:sp>
-      <p:sp>
-        <p:nvSpPr>
           <p:cNvPr id="3" name="Titel 2">
             <a:extLst>
               <a:ext uri="{FF2B5EF4-FFF2-40B4-BE49-F238E27FC236}">
@@ -15427,153 +15402,740 @@
           <a:lstStyle/>
           <a:p>
             <a:r>
-              <a:rPr lang="de-DE" sz="1100" dirty="0"/>
+              <a:rPr lang="en-ID" sz="1100" dirty="0"/>
               <a:t>Motivation</a:t>
             </a:r>
             <a:r>
-              <a:rPr lang="de-DE" sz="1100" b="1" dirty="0"/>
+              <a:rPr lang="en-ID" sz="1100" b="1" dirty="0"/>
               <a:t> |</a:t>
             </a:r>
             <a:r>
-              <a:rPr lang="de-DE" sz="1100" dirty="0"/>
+              <a:rPr lang="en-ID" sz="1100" dirty="0"/>
+              <a:t> Preliminaries </a:t>
+            </a:r>
+            <a:r>
+              <a:rPr lang="en-ID" sz="1100" b="1" dirty="0"/>
+              <a:t>|</a:t>
+            </a:r>
+            <a:r>
+              <a:rPr lang="en-ID" sz="1100" dirty="0"/>
+              <a:t> Methodology </a:t>
+            </a:r>
+            <a:r>
+              <a:rPr lang="en-ID" sz="1100" b="1" dirty="0"/>
+              <a:t>|</a:t>
+            </a:r>
+            <a:r>
+              <a:rPr lang="en-ID" sz="1100" dirty="0"/>
+              <a:t> Literature review </a:t>
+            </a:r>
+            <a:r>
+              <a:rPr lang="en-ID" sz="1100" b="1" dirty="0"/>
+              <a:t>|</a:t>
+            </a:r>
+            <a:r>
+              <a:rPr lang="en-ID" sz="1100" dirty="0"/>
+              <a:t> Solution categorization </a:t>
+            </a:r>
+            <a:r>
+              <a:rPr lang="en-ID" sz="1100" b="1" dirty="0"/>
+              <a:t>|</a:t>
+            </a:r>
+            <a:r>
+              <a:rPr lang="en-ID" sz="1100" dirty="0"/>
+              <a:t> IoTs own footprint </a:t>
+            </a:r>
+            <a:r>
+              <a:rPr lang="en-ID" sz="1100" b="1" dirty="0"/>
+              <a:t>|</a:t>
+            </a:r>
+            <a:r>
+              <a:rPr lang="en-ID" sz="1100" dirty="0"/>
+              <a:t> IoT in food manufacturing </a:t>
+            </a:r>
+            <a:r>
+              <a:rPr lang="en-ID" sz="1100" b="1" dirty="0"/>
+              <a:t>|</a:t>
+            </a:r>
+            <a:r>
+              <a:rPr lang="en-ID" sz="1100" dirty="0"/>
               <a:t> </a:t>
             </a:r>
             <a:r>
-              <a:rPr lang="de-DE" sz="1100" dirty="0" err="1"/>
-              <a:t>Preliminaries</a:t>
-            </a:r>
-            <a:r>
-              <a:rPr lang="de-DE" sz="1100" dirty="0"/>
+              <a:rPr lang="en-ID" sz="1100" b="1" dirty="0"/>
+              <a:t>Discussion</a:t>
+            </a:r>
+            <a:r>
+              <a:rPr lang="en-ID" sz="1100" dirty="0"/>
               <a:t> </a:t>
             </a:r>
             <a:r>
-              <a:rPr lang="de-DE" sz="1100" b="1" dirty="0"/>
+              <a:rPr lang="en-ID" sz="1100" b="1" dirty="0"/>
               <a:t>|</a:t>
             </a:r>
             <a:r>
-              <a:rPr lang="de-DE" sz="1100" dirty="0"/>
-              <a:t> </a:t>
-            </a:r>
-            <a:r>
-              <a:rPr lang="de-DE" sz="1100" dirty="0" err="1"/>
-              <a:t>Methodology</a:t>
-            </a:r>
-            <a:r>
-              <a:rPr lang="de-DE" sz="1100" dirty="0"/>
-              <a:t> </a:t>
-            </a:r>
-            <a:r>
-              <a:rPr lang="de-DE" sz="1100" b="1" dirty="0"/>
-              <a:t>|</a:t>
-            </a:r>
-            <a:r>
-              <a:rPr lang="de-DE" sz="1100" dirty="0"/>
-              <a:t> </a:t>
-            </a:r>
-            <a:r>
-              <a:rPr lang="de-DE" sz="1100" dirty="0" err="1"/>
-              <a:t>Literature</a:t>
-            </a:r>
-            <a:r>
-              <a:rPr lang="de-DE" sz="1100" dirty="0"/>
-              <a:t> review </a:t>
-            </a:r>
-            <a:r>
-              <a:rPr lang="de-DE" sz="1100" b="1" dirty="0"/>
-              <a:t>|</a:t>
-            </a:r>
-            <a:r>
-              <a:rPr lang="de-DE" sz="1100" dirty="0"/>
-              <a:t> Solution </a:t>
-            </a:r>
-            <a:r>
-              <a:rPr lang="de-DE" sz="1100" dirty="0" err="1"/>
-              <a:t>categorization</a:t>
-            </a:r>
-            <a:r>
-              <a:rPr lang="de-DE" sz="1100" dirty="0"/>
-              <a:t> </a:t>
-            </a:r>
-            <a:r>
-              <a:rPr lang="de-DE" sz="1100" b="1" dirty="0"/>
-              <a:t>|</a:t>
-            </a:r>
-            <a:r>
-              <a:rPr lang="de-DE" sz="1100" dirty="0"/>
-              <a:t> </a:t>
-            </a:r>
-            <a:r>
-              <a:rPr lang="de-DE" sz="1100" dirty="0" err="1"/>
-              <a:t>IoTs</a:t>
-            </a:r>
-            <a:r>
-              <a:rPr lang="de-DE" sz="1100" dirty="0"/>
-              <a:t> own </a:t>
-            </a:r>
-            <a:r>
-              <a:rPr lang="de-DE" sz="1100" dirty="0" err="1"/>
-              <a:t>footprint</a:t>
-            </a:r>
-            <a:r>
-              <a:rPr lang="de-DE" sz="1100" dirty="0"/>
-              <a:t> </a:t>
-            </a:r>
-            <a:r>
-              <a:rPr lang="de-DE" sz="1100" b="1" dirty="0"/>
-              <a:t>|</a:t>
-            </a:r>
-            <a:r>
-              <a:rPr lang="de-DE" sz="1100" dirty="0"/>
-              <a:t> IoT in </a:t>
-            </a:r>
-            <a:r>
-              <a:rPr lang="de-DE" sz="1100" dirty="0" err="1"/>
-              <a:t>food</a:t>
-            </a:r>
-            <a:r>
-              <a:rPr lang="de-DE" sz="1100" dirty="0"/>
-              <a:t> </a:t>
-            </a:r>
-            <a:r>
-              <a:rPr lang="de-DE" sz="1100" dirty="0" err="1"/>
-              <a:t>manufacturing</a:t>
-            </a:r>
-            <a:r>
-              <a:rPr lang="de-DE" sz="1100" dirty="0"/>
-              <a:t> </a:t>
-            </a:r>
-            <a:r>
-              <a:rPr lang="de-DE" sz="1100" b="1" dirty="0"/>
-              <a:t>|</a:t>
-            </a:r>
-            <a:r>
-              <a:rPr lang="de-DE" sz="1100" dirty="0"/>
-              <a:t> </a:t>
-            </a:r>
-            <a:r>
-              <a:rPr lang="de-DE" sz="1100" b="1" dirty="0" err="1"/>
-              <a:t>Discussion</a:t>
-            </a:r>
-            <a:r>
-              <a:rPr lang="de-DE" sz="1100" dirty="0"/>
-              <a:t> </a:t>
-            </a:r>
-            <a:r>
-              <a:rPr lang="de-DE" sz="1100" b="1" dirty="0"/>
-              <a:t>|</a:t>
-            </a:r>
-            <a:r>
-              <a:rPr lang="de-DE" sz="1100" dirty="0"/>
-              <a:t> </a:t>
-            </a:r>
-            <a:r>
-              <a:rPr lang="de-DE" sz="1100" dirty="0" err="1"/>
-              <a:t>Conclusion</a:t>
-            </a:r>
-            <a:endParaRPr lang="de-DE" sz="1100" dirty="0"/>
+              <a:rPr lang="en-ID" sz="1100" dirty="0"/>
+              <a:t> Conclusion</a:t>
+            </a:r>
           </a:p>
         </p:txBody>
       </p:sp>
+      <p:sp>
+        <p:nvSpPr>
+          <p:cNvPr id="7" name="Rechteck: abgerundete Ecken 6">
+            <a:extLst>
+              <a:ext uri="{FF2B5EF4-FFF2-40B4-BE49-F238E27FC236}">
+                <a16:creationId xmlns:a16="http://schemas.microsoft.com/office/drawing/2014/main" id="{2ECE934B-1DFF-4DB6-8487-E60B27F4FDF7}"/>
+              </a:ext>
+            </a:extLst>
+          </p:cNvPr>
+          <p:cNvSpPr/>
+          <p:nvPr/>
+        </p:nvSpPr>
+        <p:spPr>
+          <a:xfrm>
+            <a:off x="1513799" y="1392574"/>
+            <a:ext cx="8202272" cy="859972"/>
+          </a:xfrm>
+          <a:prstGeom prst="roundRect">
+            <a:avLst/>
+          </a:prstGeom>
+          <a:solidFill>
+            <a:srgbClr val="003366"/>
+          </a:solidFill>
+        </p:spPr>
+        <p:style>
+          <a:lnRef idx="2">
+            <a:schemeClr val="accent1">
+              <a:shade val="50000"/>
+            </a:schemeClr>
+          </a:lnRef>
+          <a:fillRef idx="1">
+            <a:schemeClr val="accent1"/>
+          </a:fillRef>
+          <a:effectRef idx="0">
+            <a:schemeClr val="accent1"/>
+          </a:effectRef>
+          <a:fontRef idx="minor">
+            <a:schemeClr val="lt1"/>
+          </a:fontRef>
+        </p:style>
+        <p:txBody>
+          <a:bodyPr lIns="684000" rtlCol="0" anchor="ctr"/>
+          <a:lstStyle/>
+          <a:p>
+            <a:r>
+              <a:rPr lang="en-ID" sz="1600" b="0" dirty="0">
+                <a:solidFill>
+                  <a:schemeClr val="bg1"/>
+                </a:solidFill>
+              </a:rPr>
+              <a:t>Early stage of IoT diffusion in supply chains</a:t>
+            </a:r>
+          </a:p>
+          <a:p>
+            <a:r>
+              <a:rPr lang="en-ID" sz="1600" dirty="0">
+                <a:solidFill>
+                  <a:schemeClr val="bg1"/>
+                </a:solidFill>
+                <a:sym typeface="Wingdings" panose="05000000000000000000" pitchFamily="2" charset="2"/>
+              </a:rPr>
+              <a:t> </a:t>
+            </a:r>
+            <a:r>
+              <a:rPr lang="en-ID" sz="1600" b="0" dirty="0">
+                <a:solidFill>
+                  <a:schemeClr val="bg1"/>
+                </a:solidFill>
+                <a:sym typeface="Wingdings" panose="05000000000000000000" pitchFamily="2" charset="2"/>
+              </a:rPr>
+              <a:t>Untapped potential</a:t>
+            </a:r>
+          </a:p>
+        </p:txBody>
+      </p:sp>
+      <p:sp>
+        <p:nvSpPr>
+          <p:cNvPr id="6" name="Ellipse 5">
+            <a:extLst>
+              <a:ext uri="{FF2B5EF4-FFF2-40B4-BE49-F238E27FC236}">
+                <a16:creationId xmlns:a16="http://schemas.microsoft.com/office/drawing/2014/main" id="{AE30940B-D836-4452-8293-9B346EF234B8}"/>
+              </a:ext>
+            </a:extLst>
+          </p:cNvPr>
+          <p:cNvSpPr/>
+          <p:nvPr/>
+        </p:nvSpPr>
+        <p:spPr>
+          <a:xfrm>
+            <a:off x="696000" y="1272831"/>
+            <a:ext cx="1251858" cy="1099458"/>
+          </a:xfrm>
+          <a:prstGeom prst="ellipse">
+            <a:avLst/>
+          </a:prstGeom>
+          <a:ln>
+            <a:solidFill>
+              <a:srgbClr val="003366"/>
+            </a:solidFill>
+          </a:ln>
+        </p:spPr>
+        <p:style>
+          <a:lnRef idx="2">
+            <a:schemeClr val="accent1">
+              <a:shade val="50000"/>
+            </a:schemeClr>
+          </a:lnRef>
+          <a:fillRef idx="1">
+            <a:schemeClr val="accent1"/>
+          </a:fillRef>
+          <a:effectRef idx="0">
+            <a:schemeClr val="accent1"/>
+          </a:effectRef>
+          <a:fontRef idx="minor">
+            <a:schemeClr val="lt1"/>
+          </a:fontRef>
+        </p:style>
+        <p:txBody>
+          <a:bodyPr rtlCol="0" anchor="ctr"/>
+          <a:lstStyle/>
+          <a:p>
+            <a:pPr algn="ctr"/>
+            <a:endParaRPr lang="de-DE">
+              <a:solidFill>
+                <a:srgbClr val="003366"/>
+              </a:solidFill>
+            </a:endParaRPr>
+          </a:p>
+        </p:txBody>
+      </p:sp>
+      <p:sp>
+        <p:nvSpPr>
+          <p:cNvPr id="8" name="Rechteck: abgerundete Ecken 7">
+            <a:extLst>
+              <a:ext uri="{FF2B5EF4-FFF2-40B4-BE49-F238E27FC236}">
+                <a16:creationId xmlns:a16="http://schemas.microsoft.com/office/drawing/2014/main" id="{9B91B149-0D16-4F88-8E5E-A8695F7C2BA2}"/>
+              </a:ext>
+            </a:extLst>
+          </p:cNvPr>
+          <p:cNvSpPr/>
+          <p:nvPr/>
+        </p:nvSpPr>
+        <p:spPr>
+          <a:xfrm>
+            <a:off x="1513800" y="2711562"/>
+            <a:ext cx="8202272" cy="859972"/>
+          </a:xfrm>
+          <a:prstGeom prst="roundRect">
+            <a:avLst/>
+          </a:prstGeom>
+          <a:solidFill>
+            <a:srgbClr val="003366"/>
+          </a:solidFill>
+        </p:spPr>
+        <p:style>
+          <a:lnRef idx="2">
+            <a:schemeClr val="accent1">
+              <a:shade val="50000"/>
+            </a:schemeClr>
+          </a:lnRef>
+          <a:fillRef idx="1">
+            <a:schemeClr val="accent1"/>
+          </a:fillRef>
+          <a:effectRef idx="0">
+            <a:schemeClr val="accent1"/>
+          </a:effectRef>
+          <a:fontRef idx="minor">
+            <a:schemeClr val="lt1"/>
+          </a:fontRef>
+        </p:style>
+        <p:txBody>
+          <a:bodyPr lIns="684000" rtlCol="0" anchor="ctr"/>
+          <a:lstStyle/>
+          <a:p>
+            <a:r>
+              <a:rPr lang="en-US" sz="1600" b="0" dirty="0">
+                <a:solidFill>
+                  <a:schemeClr val="bg1"/>
+                </a:solidFill>
+              </a:rPr>
+              <a:t>Balance between prevented and generated carbon emissions through deployment of IoT</a:t>
+            </a:r>
+            <a:endParaRPr lang="en-ID" sz="1600" b="0" dirty="0">
+              <a:solidFill>
+                <a:schemeClr val="bg1"/>
+              </a:solidFill>
+              <a:sym typeface="Wingdings" panose="05000000000000000000" pitchFamily="2" charset="2"/>
+            </a:endParaRPr>
+          </a:p>
+        </p:txBody>
+      </p:sp>
+      <p:sp>
+        <p:nvSpPr>
+          <p:cNvPr id="9" name="Ellipse 8">
+            <a:extLst>
+              <a:ext uri="{FF2B5EF4-FFF2-40B4-BE49-F238E27FC236}">
+                <a16:creationId xmlns:a16="http://schemas.microsoft.com/office/drawing/2014/main" id="{C00180FD-75AD-480D-81FF-596446442AD2}"/>
+              </a:ext>
+            </a:extLst>
+          </p:cNvPr>
+          <p:cNvSpPr/>
+          <p:nvPr/>
+        </p:nvSpPr>
+        <p:spPr>
+          <a:xfrm>
+            <a:off x="696000" y="2591819"/>
+            <a:ext cx="1251858" cy="1099458"/>
+          </a:xfrm>
+          <a:prstGeom prst="ellipse">
+            <a:avLst/>
+          </a:prstGeom>
+          <a:ln>
+            <a:solidFill>
+              <a:srgbClr val="003366"/>
+            </a:solidFill>
+          </a:ln>
+        </p:spPr>
+        <p:style>
+          <a:lnRef idx="2">
+            <a:schemeClr val="accent1">
+              <a:shade val="50000"/>
+            </a:schemeClr>
+          </a:lnRef>
+          <a:fillRef idx="1">
+            <a:schemeClr val="accent1"/>
+          </a:fillRef>
+          <a:effectRef idx="0">
+            <a:schemeClr val="accent1"/>
+          </a:effectRef>
+          <a:fontRef idx="minor">
+            <a:schemeClr val="lt1"/>
+          </a:fontRef>
+        </p:style>
+        <p:txBody>
+          <a:bodyPr rtlCol="0" anchor="ctr"/>
+          <a:lstStyle/>
+          <a:p>
+            <a:pPr algn="ctr"/>
+            <a:endParaRPr lang="de-DE">
+              <a:solidFill>
+                <a:srgbClr val="003366"/>
+              </a:solidFill>
+            </a:endParaRPr>
+          </a:p>
+        </p:txBody>
+      </p:sp>
+      <p:sp>
+        <p:nvSpPr>
+          <p:cNvPr id="10" name="Rechteck: abgerundete Ecken 9">
+            <a:extLst>
+              <a:ext uri="{FF2B5EF4-FFF2-40B4-BE49-F238E27FC236}">
+                <a16:creationId xmlns:a16="http://schemas.microsoft.com/office/drawing/2014/main" id="{E0AE7BF0-A3CC-454D-A325-BC3D2E6CCA3A}"/>
+              </a:ext>
+            </a:extLst>
+          </p:cNvPr>
+          <p:cNvSpPr/>
+          <p:nvPr/>
+        </p:nvSpPr>
+        <p:spPr>
+          <a:xfrm>
+            <a:off x="1513800" y="4027252"/>
+            <a:ext cx="8202272" cy="859972"/>
+          </a:xfrm>
+          <a:prstGeom prst="roundRect">
+            <a:avLst/>
+          </a:prstGeom>
+          <a:solidFill>
+            <a:srgbClr val="003366"/>
+          </a:solidFill>
+        </p:spPr>
+        <p:style>
+          <a:lnRef idx="2">
+            <a:schemeClr val="accent1">
+              <a:shade val="50000"/>
+            </a:schemeClr>
+          </a:lnRef>
+          <a:fillRef idx="1">
+            <a:schemeClr val="accent1"/>
+          </a:fillRef>
+          <a:effectRef idx="0">
+            <a:schemeClr val="accent1"/>
+          </a:effectRef>
+          <a:fontRef idx="minor">
+            <a:schemeClr val="lt1"/>
+          </a:fontRef>
+        </p:style>
+        <p:txBody>
+          <a:bodyPr lIns="684000" rtlCol="0" anchor="ctr"/>
+          <a:lstStyle/>
+          <a:p>
+            <a:r>
+              <a:rPr lang="en-US" sz="1600" dirty="0">
+                <a:solidFill>
+                  <a:schemeClr val="bg1"/>
+                </a:solidFill>
+              </a:rPr>
+              <a:t>I</a:t>
+            </a:r>
+            <a:r>
+              <a:rPr lang="en-US" sz="1600" b="0" dirty="0">
+                <a:solidFill>
+                  <a:schemeClr val="bg1"/>
+                </a:solidFill>
+              </a:rPr>
+              <a:t>ntegration of all stakeholders in the process and no silo thinking</a:t>
+            </a:r>
+          </a:p>
+          <a:p>
+            <a:r>
+              <a:rPr lang="en-US" sz="1600" dirty="0">
+                <a:solidFill>
+                  <a:schemeClr val="bg1"/>
+                </a:solidFill>
+                <a:sym typeface="Wingdings" panose="05000000000000000000" pitchFamily="2" charset="2"/>
+              </a:rPr>
+              <a:t> </a:t>
+            </a:r>
+            <a:r>
+              <a:rPr lang="en-US" sz="1600" b="0" dirty="0">
+                <a:solidFill>
+                  <a:schemeClr val="bg1"/>
+                </a:solidFill>
+              </a:rPr>
+              <a:t>Gaining maximum advantage of IoT technology in supply chains</a:t>
+            </a:r>
+          </a:p>
+        </p:txBody>
+      </p:sp>
+      <p:sp>
+        <p:nvSpPr>
+          <p:cNvPr id="11" name="Ellipse 10">
+            <a:extLst>
+              <a:ext uri="{FF2B5EF4-FFF2-40B4-BE49-F238E27FC236}">
+                <a16:creationId xmlns:a16="http://schemas.microsoft.com/office/drawing/2014/main" id="{B9738DAC-EC65-4367-BDAF-04AEABD73673}"/>
+              </a:ext>
+            </a:extLst>
+          </p:cNvPr>
+          <p:cNvSpPr/>
+          <p:nvPr/>
+        </p:nvSpPr>
+        <p:spPr>
+          <a:xfrm>
+            <a:off x="696000" y="3907509"/>
+            <a:ext cx="1251858" cy="1099458"/>
+          </a:xfrm>
+          <a:prstGeom prst="ellipse">
+            <a:avLst/>
+          </a:prstGeom>
+          <a:ln>
+            <a:solidFill>
+              <a:srgbClr val="003366"/>
+            </a:solidFill>
+          </a:ln>
+        </p:spPr>
+        <p:style>
+          <a:lnRef idx="2">
+            <a:schemeClr val="accent1">
+              <a:shade val="50000"/>
+            </a:schemeClr>
+          </a:lnRef>
+          <a:fillRef idx="1">
+            <a:schemeClr val="accent1"/>
+          </a:fillRef>
+          <a:effectRef idx="0">
+            <a:schemeClr val="accent1"/>
+          </a:effectRef>
+          <a:fontRef idx="minor">
+            <a:schemeClr val="lt1"/>
+          </a:fontRef>
+        </p:style>
+        <p:txBody>
+          <a:bodyPr rtlCol="0" anchor="ctr"/>
+          <a:lstStyle/>
+          <a:p>
+            <a:pPr algn="ctr"/>
+            <a:endParaRPr lang="de-DE">
+              <a:solidFill>
+                <a:srgbClr val="003366"/>
+              </a:solidFill>
+            </a:endParaRPr>
+          </a:p>
+        </p:txBody>
+      </p:sp>
+      <p:sp>
+        <p:nvSpPr>
+          <p:cNvPr id="12" name="Rechteck: abgerundete Ecken 11">
+            <a:extLst>
+              <a:ext uri="{FF2B5EF4-FFF2-40B4-BE49-F238E27FC236}">
+                <a16:creationId xmlns:a16="http://schemas.microsoft.com/office/drawing/2014/main" id="{4D7A5812-5CD4-4A7F-8965-68578C6A1564}"/>
+              </a:ext>
+            </a:extLst>
+          </p:cNvPr>
+          <p:cNvSpPr/>
+          <p:nvPr/>
+        </p:nvSpPr>
+        <p:spPr>
+          <a:xfrm>
+            <a:off x="1513800" y="5344532"/>
+            <a:ext cx="8202272" cy="859972"/>
+          </a:xfrm>
+          <a:prstGeom prst="roundRect">
+            <a:avLst/>
+          </a:prstGeom>
+          <a:solidFill>
+            <a:srgbClr val="003366"/>
+          </a:solidFill>
+        </p:spPr>
+        <p:style>
+          <a:lnRef idx="2">
+            <a:schemeClr val="accent1">
+              <a:shade val="50000"/>
+            </a:schemeClr>
+          </a:lnRef>
+          <a:fillRef idx="1">
+            <a:schemeClr val="accent1"/>
+          </a:fillRef>
+          <a:effectRef idx="0">
+            <a:schemeClr val="accent1"/>
+          </a:effectRef>
+          <a:fontRef idx="minor">
+            <a:schemeClr val="lt1"/>
+          </a:fontRef>
+        </p:style>
+        <p:txBody>
+          <a:bodyPr lIns="684000" rtlCol="0" anchor="ctr"/>
+          <a:lstStyle/>
+          <a:p>
+            <a:r>
+              <a:rPr lang="en-US" sz="1600" b="0" dirty="0">
+                <a:solidFill>
+                  <a:schemeClr val="bg1"/>
+                </a:solidFill>
+              </a:rPr>
+              <a:t>Overcome „never change a running system“ approach, promote digital transformation, acquisition of specialist knowledge</a:t>
+            </a:r>
+          </a:p>
+          <a:p>
+            <a:r>
+              <a:rPr lang="en-US" sz="1600" dirty="0">
+                <a:solidFill>
+                  <a:schemeClr val="bg1"/>
+                </a:solidFill>
+                <a:sym typeface="Wingdings" panose="05000000000000000000" pitchFamily="2" charset="2"/>
+              </a:rPr>
+              <a:t></a:t>
+            </a:r>
+            <a:r>
+              <a:rPr lang="en-US" sz="1600" b="0" dirty="0">
+                <a:solidFill>
+                  <a:schemeClr val="bg1"/>
+                </a:solidFill>
+              </a:rPr>
+              <a:t> Support diffusion of IoT in supply chains</a:t>
+            </a:r>
+          </a:p>
+        </p:txBody>
+      </p:sp>
+      <p:sp>
+        <p:nvSpPr>
+          <p:cNvPr id="13" name="Ellipse 12">
+            <a:extLst>
+              <a:ext uri="{FF2B5EF4-FFF2-40B4-BE49-F238E27FC236}">
+                <a16:creationId xmlns:a16="http://schemas.microsoft.com/office/drawing/2014/main" id="{31B11064-DC9E-40CF-85A5-896DAB97DDB7}"/>
+              </a:ext>
+            </a:extLst>
+          </p:cNvPr>
+          <p:cNvSpPr/>
+          <p:nvPr/>
+        </p:nvSpPr>
+        <p:spPr>
+          <a:xfrm>
+            <a:off x="696000" y="5224789"/>
+            <a:ext cx="1251858" cy="1099458"/>
+          </a:xfrm>
+          <a:prstGeom prst="ellipse">
+            <a:avLst/>
+          </a:prstGeom>
+          <a:ln>
+            <a:solidFill>
+              <a:srgbClr val="003366"/>
+            </a:solidFill>
+          </a:ln>
+        </p:spPr>
+        <p:style>
+          <a:lnRef idx="2">
+            <a:schemeClr val="accent1">
+              <a:shade val="50000"/>
+            </a:schemeClr>
+          </a:lnRef>
+          <a:fillRef idx="1">
+            <a:schemeClr val="accent1"/>
+          </a:fillRef>
+          <a:effectRef idx="0">
+            <a:schemeClr val="accent1"/>
+          </a:effectRef>
+          <a:fontRef idx="minor">
+            <a:schemeClr val="lt1"/>
+          </a:fontRef>
+        </p:style>
+        <p:txBody>
+          <a:bodyPr rtlCol="0" anchor="ctr"/>
+          <a:lstStyle/>
+          <a:p>
+            <a:pPr algn="ctr"/>
+            <a:endParaRPr lang="de-DE">
+              <a:solidFill>
+                <a:srgbClr val="003366"/>
+              </a:solidFill>
+            </a:endParaRPr>
+          </a:p>
+        </p:txBody>
+      </p:sp>
+      <p:pic>
+        <p:nvPicPr>
+          <p:cNvPr id="17" name="Grafik 16" descr="Gruppe von Männern mit einfarbiger Füllung">
+            <a:extLst>
+              <a:ext uri="{FF2B5EF4-FFF2-40B4-BE49-F238E27FC236}">
+                <a16:creationId xmlns:a16="http://schemas.microsoft.com/office/drawing/2014/main" id="{8BB2BFD9-52C9-497D-B1AC-D4C8232BB572}"/>
+              </a:ext>
+            </a:extLst>
+          </p:cNvPr>
+          <p:cNvPicPr>
+            <a:picLocks noChangeAspect="1"/>
+          </p:cNvPicPr>
+          <p:nvPr/>
+        </p:nvPicPr>
+        <p:blipFill>
+          <a:blip r:embed="rId2">
+            <a:extLst>
+              <a:ext uri="{96DAC541-7B7A-43D3-8B79-37D633B846F1}">
+                <asvg:svgBlip xmlns:asvg="http://schemas.microsoft.com/office/drawing/2016/SVG/main" r:embed="rId3"/>
+              </a:ext>
+            </a:extLst>
+          </a:blip>
+          <a:stretch>
+            <a:fillRect/>
+          </a:stretch>
+        </p:blipFill>
+        <p:spPr>
+          <a:xfrm>
+            <a:off x="989914" y="4125223"/>
+            <a:ext cx="670212" cy="670212"/>
+          </a:xfrm>
+          <a:prstGeom prst="rect">
+            <a:avLst/>
+          </a:prstGeom>
+        </p:spPr>
+      </p:pic>
+      <p:pic>
+        <p:nvPicPr>
+          <p:cNvPr id="19" name="Grafik 18" descr="Glühbirne und Zahnrad mit einfarbiger Füllung">
+            <a:extLst>
+              <a:ext uri="{FF2B5EF4-FFF2-40B4-BE49-F238E27FC236}">
+                <a16:creationId xmlns:a16="http://schemas.microsoft.com/office/drawing/2014/main" id="{52020291-A7BF-4D64-B35B-15F47984D71A}"/>
+              </a:ext>
+            </a:extLst>
+          </p:cNvPr>
+          <p:cNvPicPr>
+            <a:picLocks noChangeAspect="1"/>
+          </p:cNvPicPr>
+          <p:nvPr/>
+        </p:nvPicPr>
+        <p:blipFill>
+          <a:blip r:embed="rId4">
+            <a:extLst>
+              <a:ext uri="{96DAC541-7B7A-43D3-8B79-37D633B846F1}">
+                <asvg:svgBlip xmlns:asvg="http://schemas.microsoft.com/office/drawing/2016/SVG/main" r:embed="rId5"/>
+              </a:ext>
+            </a:extLst>
+          </a:blip>
+          <a:stretch>
+            <a:fillRect/>
+          </a:stretch>
+        </p:blipFill>
+        <p:spPr>
+          <a:xfrm>
+            <a:off x="945683" y="5429803"/>
+            <a:ext cx="718711" cy="718711"/>
+          </a:xfrm>
+          <a:prstGeom prst="rect">
+            <a:avLst/>
+          </a:prstGeom>
+        </p:spPr>
+      </p:pic>
+      <p:pic>
+        <p:nvPicPr>
+          <p:cNvPr id="23" name="Grafik 22" descr="Tanzschritte mit einfarbiger Füllung">
+            <a:extLst>
+              <a:ext uri="{FF2B5EF4-FFF2-40B4-BE49-F238E27FC236}">
+                <a16:creationId xmlns:a16="http://schemas.microsoft.com/office/drawing/2014/main" id="{301ABACD-1FE9-4F66-B371-3676F8921749}"/>
+              </a:ext>
+            </a:extLst>
+          </p:cNvPr>
+          <p:cNvPicPr>
+            <a:picLocks noChangeAspect="1"/>
+          </p:cNvPicPr>
+          <p:nvPr/>
+        </p:nvPicPr>
+        <p:blipFill>
+          <a:blip r:embed="rId6">
+            <a:extLst>
+              <a:ext uri="{96DAC541-7B7A-43D3-8B79-37D633B846F1}">
+                <asvg:svgBlip xmlns:asvg="http://schemas.microsoft.com/office/drawing/2016/SVG/main" r:embed="rId7"/>
+              </a:ext>
+            </a:extLst>
+          </a:blip>
+          <a:stretch>
+            <a:fillRect/>
+          </a:stretch>
+        </p:blipFill>
+        <p:spPr>
+          <a:xfrm>
+            <a:off x="989914" y="1503044"/>
+            <a:ext cx="670212" cy="670212"/>
+          </a:xfrm>
+          <a:prstGeom prst="rect">
+            <a:avLst/>
+          </a:prstGeom>
+        </p:spPr>
+      </p:pic>
+      <p:pic>
+        <p:nvPicPr>
+          <p:cNvPr id="25" name="Grafik 24" descr="Gewichte ungleich mit einfarbiger Füllung">
+            <a:extLst>
+              <a:ext uri="{FF2B5EF4-FFF2-40B4-BE49-F238E27FC236}">
+                <a16:creationId xmlns:a16="http://schemas.microsoft.com/office/drawing/2014/main" id="{D70C00D3-DB43-427E-B52A-2258663FACD8}"/>
+              </a:ext>
+            </a:extLst>
+          </p:cNvPr>
+          <p:cNvPicPr>
+            <a:picLocks noChangeAspect="1"/>
+          </p:cNvPicPr>
+          <p:nvPr/>
+        </p:nvPicPr>
+        <p:blipFill>
+          <a:blip r:embed="rId8">
+            <a:extLst>
+              <a:ext uri="{96DAC541-7B7A-43D3-8B79-37D633B846F1}">
+                <asvg:svgBlip xmlns:asvg="http://schemas.microsoft.com/office/drawing/2016/SVG/main" r:embed="rId9"/>
+              </a:ext>
+            </a:extLst>
+          </a:blip>
+          <a:stretch>
+            <a:fillRect/>
+          </a:stretch>
+        </p:blipFill>
+        <p:spPr>
+          <a:xfrm>
+            <a:off x="941668" y="2806236"/>
+            <a:ext cx="720736" cy="720736"/>
+          </a:xfrm>
+          <a:prstGeom prst="rect">
+            <a:avLst/>
+          </a:prstGeom>
+        </p:spPr>
+      </p:pic>
     </p:spTree>
     <p:extLst>
       <p:ext uri="{BB962C8B-B14F-4D97-AF65-F5344CB8AC3E}">
@@ -15628,7 +16190,85 @@
           <a:bodyPr/>
           <a:lstStyle/>
           <a:p>
-            <a:endParaRPr lang="de-DE"/>
+            <a:r>
+              <a:rPr lang="en-US" dirty="0"/>
+              <a:t>Paper provides an answer to the research question</a:t>
+            </a:r>
+            <a:endParaRPr lang="en-US" b="0" dirty="0"/>
+          </a:p>
+          <a:p>
+            <a:r>
+              <a:rPr lang="en-US" b="0" i="1" dirty="0"/>
+              <a:t>What existing solutions in research are using the Internet of Things </a:t>
+            </a:r>
+            <a:r>
+              <a:rPr lang="en-US" b="0" i="1" dirty="0" err="1"/>
+              <a:t>technologie</a:t>
+            </a:r>
+            <a:r>
+              <a:rPr lang="en-US" b="0" i="1" dirty="0"/>
+              <a:t> in supply chains to</a:t>
+            </a:r>
+          </a:p>
+          <a:p>
+            <a:r>
+              <a:rPr lang="en-US" b="0" i="1" dirty="0"/>
+              <a:t>make them more sustainable and environmentally friendly? </a:t>
+            </a:r>
+          </a:p>
+          <a:p>
+            <a:endParaRPr lang="en-US" b="0" i="1" dirty="0"/>
+          </a:p>
+          <a:p>
+            <a:pPr marL="514350" indent="-285750">
+              <a:buFont typeface="Arial" panose="020B0604020202020204" pitchFamily="34" charset="0"/>
+              <a:buChar char="•"/>
+            </a:pPr>
+            <a:r>
+              <a:rPr lang="en-US" b="0" dirty="0"/>
+              <a:t>Reflection of survey on current state of research on how existing solutions aim to make supply chains more sustainable with the help of IoT</a:t>
+            </a:r>
+          </a:p>
+          <a:p>
+            <a:pPr marL="514350" indent="-285750">
+              <a:buFont typeface="Arial" panose="020B0604020202020204" pitchFamily="34" charset="0"/>
+              <a:buChar char="•"/>
+            </a:pPr>
+            <a:r>
+              <a:rPr lang="en-US" b="0" dirty="0"/>
+              <a:t>Focus of sustainability question not only on the environment, but also on other aspects, such as social and economic components</a:t>
+            </a:r>
+          </a:p>
+          <a:p>
+            <a:pPr marL="514350" indent="-285750">
+              <a:buFont typeface="Arial" panose="020B0604020202020204" pitchFamily="34" charset="0"/>
+              <a:buChar char="•"/>
+            </a:pPr>
+            <a:r>
+              <a:rPr lang="en-US" b="0" dirty="0"/>
+              <a:t>Supply chains of companies in every industry are facing major changes due to the digital transformation and Industry 4.0</a:t>
+            </a:r>
+          </a:p>
+          <a:p>
+            <a:pPr marL="514350" indent="-285750">
+              <a:buFont typeface="Arial" panose="020B0604020202020204" pitchFamily="34" charset="0"/>
+              <a:buChar char="•"/>
+            </a:pPr>
+            <a:r>
+              <a:rPr lang="en-US" b="0" dirty="0"/>
+              <a:t>Use of IoT provides opportunities but also challenges for companies</a:t>
+            </a:r>
+          </a:p>
+          <a:p>
+            <a:pPr marL="514350" indent="-285750">
+              <a:buFont typeface="Arial" panose="020B0604020202020204" pitchFamily="34" charset="0"/>
+              <a:buChar char="•"/>
+            </a:pPr>
+            <a:r>
+              <a:rPr lang="en-US" b="0" dirty="0"/>
+              <a:t>Implementation of IoT in a structured and organized way, as described in the existing solutions, through frameworks or simulation studies.</a:t>
+            </a:r>
+            <a:endParaRPr lang="de-DE" b="0" i="1" dirty="0"/>
           </a:p>
         </p:txBody>
       </p:sp>
@@ -19116,7 +19756,7 @@
           <a:p>
             <a:r>
               <a:rPr lang="en-IE" dirty="0"/>
-              <a:t>4. Results of literature review</a:t>
+              <a:t>4. Literature review</a:t>
             </a:r>
           </a:p>
         </p:txBody>
@@ -19150,154 +19790,382 @@
           <a:lstStyle/>
           <a:p>
             <a:r>
-              <a:rPr lang="de-DE" sz="1100" dirty="0"/>
+              <a:rPr lang="en-BZ" sz="1100" dirty="0"/>
               <a:t>Motivation</a:t>
             </a:r>
             <a:r>
-              <a:rPr lang="de-DE" sz="1100" b="1" dirty="0"/>
+              <a:rPr lang="en-BZ" sz="1100" b="1" dirty="0"/>
               <a:t> |</a:t>
             </a:r>
             <a:r>
-              <a:rPr lang="de-DE" sz="1100" dirty="0"/>
+              <a:rPr lang="en-BZ" sz="1100" dirty="0"/>
+              <a:t> Preliminaries </a:t>
+            </a:r>
+            <a:r>
+              <a:rPr lang="en-BZ" sz="1100" b="1" dirty="0"/>
+              <a:t>|</a:t>
+            </a:r>
+            <a:r>
+              <a:rPr lang="en-BZ" sz="1100" dirty="0"/>
+              <a:t> Methodology </a:t>
+            </a:r>
+            <a:r>
+              <a:rPr lang="en-BZ" sz="1100" b="1" dirty="0"/>
+              <a:t>|</a:t>
+            </a:r>
+            <a:r>
+              <a:rPr lang="en-BZ" sz="1100" dirty="0"/>
               <a:t> </a:t>
             </a:r>
             <a:r>
-              <a:rPr lang="de-DE" sz="1100" dirty="0" err="1"/>
-              <a:t>Preliminaries</a:t>
-            </a:r>
-            <a:r>
-              <a:rPr lang="de-DE" sz="1100" dirty="0"/>
+              <a:rPr lang="en-BZ" sz="1100" b="1" dirty="0"/>
+              <a:t>Literature review</a:t>
+            </a:r>
+            <a:r>
+              <a:rPr lang="en-BZ" sz="1100" dirty="0"/>
               <a:t> </a:t>
             </a:r>
             <a:r>
-              <a:rPr lang="de-DE" sz="1100" b="1" dirty="0"/>
+              <a:rPr lang="en-BZ" sz="1100" b="1" dirty="0"/>
               <a:t>|</a:t>
             </a:r>
             <a:r>
-              <a:rPr lang="de-DE" sz="1100" dirty="0"/>
-              <a:t> </a:t>
-            </a:r>
-            <a:r>
-              <a:rPr lang="de-DE" sz="1100" dirty="0" err="1"/>
-              <a:t>Methodology</a:t>
-            </a:r>
-            <a:r>
-              <a:rPr lang="de-DE" sz="1100" dirty="0"/>
-              <a:t> </a:t>
-            </a:r>
-            <a:r>
-              <a:rPr lang="de-DE" sz="1100" b="1" dirty="0"/>
+              <a:rPr lang="en-BZ" sz="1100" dirty="0"/>
+              <a:t> Solution categorization </a:t>
+            </a:r>
+            <a:r>
+              <a:rPr lang="en-BZ" sz="1100" b="1" dirty="0"/>
               <a:t>|</a:t>
             </a:r>
             <a:r>
-              <a:rPr lang="de-DE" sz="1100" dirty="0"/>
-              <a:t> </a:t>
-            </a:r>
-            <a:r>
-              <a:rPr lang="de-DE" sz="1100" b="1" dirty="0" err="1"/>
-              <a:t>Literature</a:t>
-            </a:r>
-            <a:r>
-              <a:rPr lang="de-DE" sz="1100" b="1" dirty="0"/>
-              <a:t> review</a:t>
-            </a:r>
-            <a:r>
-              <a:rPr lang="de-DE" sz="1100" dirty="0"/>
-              <a:t> </a:t>
-            </a:r>
-            <a:r>
-              <a:rPr lang="de-DE" sz="1100" b="1" dirty="0"/>
+              <a:rPr lang="en-BZ" sz="1100" dirty="0"/>
+              <a:t> IoTs own footprint </a:t>
+            </a:r>
+            <a:r>
+              <a:rPr lang="en-BZ" sz="1100" b="1" dirty="0"/>
               <a:t>|</a:t>
             </a:r>
             <a:r>
-              <a:rPr lang="de-DE" sz="1100" dirty="0"/>
-              <a:t> Solution </a:t>
-            </a:r>
-            <a:r>
-              <a:rPr lang="de-DE" sz="1100" dirty="0" err="1"/>
-              <a:t>categorization</a:t>
-            </a:r>
-            <a:r>
-              <a:rPr lang="de-DE" sz="1100" dirty="0"/>
-              <a:t> </a:t>
-            </a:r>
-            <a:r>
-              <a:rPr lang="de-DE" sz="1100" b="1" dirty="0"/>
+              <a:rPr lang="en-BZ" sz="1100" dirty="0"/>
+              <a:t> IoT in food manufacturing </a:t>
+            </a:r>
+            <a:r>
+              <a:rPr lang="en-BZ" sz="1100" b="1" dirty="0"/>
               <a:t>|</a:t>
             </a:r>
             <a:r>
-              <a:rPr lang="de-DE" sz="1100" dirty="0"/>
-              <a:t> </a:t>
-            </a:r>
-            <a:r>
-              <a:rPr lang="de-DE" sz="1100" dirty="0" err="1"/>
-              <a:t>IoTs</a:t>
-            </a:r>
-            <a:r>
-              <a:rPr lang="de-DE" sz="1100" dirty="0"/>
-              <a:t> own </a:t>
-            </a:r>
-            <a:r>
-              <a:rPr lang="de-DE" sz="1100" dirty="0" err="1"/>
-              <a:t>footprint</a:t>
-            </a:r>
-            <a:r>
-              <a:rPr lang="de-DE" sz="1100" dirty="0"/>
-              <a:t> </a:t>
-            </a:r>
-            <a:r>
-              <a:rPr lang="de-DE" sz="1100" b="1" dirty="0"/>
+              <a:rPr lang="en-BZ" sz="1100" dirty="0"/>
+              <a:t> Discussion </a:t>
+            </a:r>
+            <a:r>
+              <a:rPr lang="en-BZ" sz="1100" b="1" dirty="0"/>
               <a:t>|</a:t>
             </a:r>
             <a:r>
-              <a:rPr lang="de-DE" sz="1100" dirty="0"/>
-              <a:t> IoT in </a:t>
-            </a:r>
-            <a:r>
-              <a:rPr lang="de-DE" sz="1100" dirty="0" err="1"/>
-              <a:t>food</a:t>
-            </a:r>
-            <a:r>
-              <a:rPr lang="de-DE" sz="1100" dirty="0"/>
-              <a:t> </a:t>
-            </a:r>
-            <a:r>
-              <a:rPr lang="de-DE" sz="1100" dirty="0" err="1"/>
-              <a:t>manufacturing</a:t>
-            </a:r>
-            <a:r>
-              <a:rPr lang="de-DE" sz="1100" dirty="0"/>
-              <a:t> </a:t>
-            </a:r>
-            <a:r>
-              <a:rPr lang="de-DE" sz="1100" b="1" dirty="0"/>
-              <a:t>|</a:t>
-            </a:r>
-            <a:r>
-              <a:rPr lang="de-DE" sz="1100" dirty="0"/>
-              <a:t> </a:t>
-            </a:r>
-            <a:r>
-              <a:rPr lang="de-DE" sz="1100" dirty="0" err="1"/>
-              <a:t>Discussion</a:t>
-            </a:r>
-            <a:r>
-              <a:rPr lang="de-DE" sz="1100" dirty="0"/>
-              <a:t> </a:t>
-            </a:r>
-            <a:r>
-              <a:rPr lang="de-DE" sz="1100" b="1" dirty="0"/>
-              <a:t>|</a:t>
-            </a:r>
-            <a:r>
-              <a:rPr lang="de-DE" sz="1100" dirty="0"/>
-              <a:t> </a:t>
-            </a:r>
-            <a:r>
-              <a:rPr lang="de-DE" sz="1100" dirty="0" err="1"/>
-              <a:t>Conclusion</a:t>
-            </a:r>
-            <a:endParaRPr lang="de-DE" sz="1100" dirty="0"/>
+              <a:rPr lang="en-BZ" sz="1100" dirty="0"/>
+              <a:t> Conclusion</a:t>
+            </a:r>
+          </a:p>
+        </p:txBody>
+      </p:sp>
+      <p:sp>
+        <p:nvSpPr>
+          <p:cNvPr id="2" name="Textfeld 1">
+            <a:extLst>
+              <a:ext uri="{FF2B5EF4-FFF2-40B4-BE49-F238E27FC236}">
+                <a16:creationId xmlns:a16="http://schemas.microsoft.com/office/drawing/2014/main" id="{436F0059-D7E4-4EF8-9508-B9CD7FBBE037}"/>
+              </a:ext>
+            </a:extLst>
+          </p:cNvPr>
+          <p:cNvSpPr txBox="1"/>
+          <p:nvPr/>
+        </p:nvSpPr>
+        <p:spPr>
+          <a:xfrm>
+            <a:off x="639477" y="1502229"/>
+            <a:ext cx="10913046" cy="338554"/>
+          </a:xfrm>
+          <a:prstGeom prst="rect">
+            <a:avLst/>
+          </a:prstGeom>
+          <a:noFill/>
+        </p:spPr>
+        <p:txBody>
+          <a:bodyPr wrap="square" rtlCol="0">
+            <a:spAutoFit/>
+          </a:bodyPr>
+          <a:lstStyle/>
+          <a:p>
+            <a:r>
+              <a:rPr lang="en-HK" sz="1600" b="1" dirty="0"/>
+              <a:t>Comparison of papers regarding application field, research method, IoT technology, IoT impact, outcomes</a:t>
+            </a:r>
+          </a:p>
+        </p:txBody>
+      </p:sp>
+      <p:sp>
+        <p:nvSpPr>
+          <p:cNvPr id="5" name="Textfeld 4">
+            <a:extLst>
+              <a:ext uri="{FF2B5EF4-FFF2-40B4-BE49-F238E27FC236}">
+                <a16:creationId xmlns:a16="http://schemas.microsoft.com/office/drawing/2014/main" id="{5BF4385E-D33A-4BE9-9AEA-0EA38C212C77}"/>
+              </a:ext>
+            </a:extLst>
+          </p:cNvPr>
+          <p:cNvSpPr txBox="1"/>
+          <p:nvPr/>
+        </p:nvSpPr>
+        <p:spPr>
+          <a:xfrm>
+            <a:off x="639477" y="1828976"/>
+            <a:ext cx="5651500" cy="584775"/>
+          </a:xfrm>
+          <a:prstGeom prst="rect">
+            <a:avLst/>
+          </a:prstGeom>
+          <a:noFill/>
+        </p:spPr>
+        <p:txBody>
+          <a:bodyPr wrap="square" rtlCol="0">
+            <a:spAutoFit/>
+          </a:bodyPr>
+          <a:lstStyle/>
+          <a:p>
+            <a:pPr marL="285750" indent="-285750">
+              <a:buFont typeface="Arial" panose="020B0604020202020204" pitchFamily="34" charset="0"/>
+              <a:buChar char="•"/>
+            </a:pPr>
+            <a:r>
+              <a:rPr lang="en-029" sz="1600" dirty="0"/>
+              <a:t>Usage of case studies with industry partners</a:t>
+            </a:r>
+          </a:p>
+          <a:p>
+            <a:pPr marL="285750" indent="-285750">
+              <a:buFont typeface="Arial" panose="020B0604020202020204" pitchFamily="34" charset="0"/>
+              <a:buChar char="•"/>
+            </a:pPr>
+            <a:r>
+              <a:rPr lang="en-029" sz="1600" dirty="0"/>
+              <a:t>Data collection through exploratory and empirical surveys</a:t>
+            </a:r>
+          </a:p>
+        </p:txBody>
+      </p:sp>
+      <p:sp>
+        <p:nvSpPr>
+          <p:cNvPr id="6" name="Rechteck 5">
+            <a:extLst>
+              <a:ext uri="{FF2B5EF4-FFF2-40B4-BE49-F238E27FC236}">
+                <a16:creationId xmlns:a16="http://schemas.microsoft.com/office/drawing/2014/main" id="{FF5D3B13-338F-4EBE-9FC5-112DF64A7887}"/>
+              </a:ext>
+            </a:extLst>
+          </p:cNvPr>
+          <p:cNvSpPr/>
+          <p:nvPr/>
+        </p:nvSpPr>
+        <p:spPr>
+          <a:xfrm>
+            <a:off x="722086" y="2829184"/>
+            <a:ext cx="10649856" cy="45719"/>
+          </a:xfrm>
+          <a:prstGeom prst="rect">
+            <a:avLst/>
+          </a:prstGeom>
+        </p:spPr>
+        <p:style>
+          <a:lnRef idx="2">
+            <a:schemeClr val="accent1">
+              <a:shade val="50000"/>
+            </a:schemeClr>
+          </a:lnRef>
+          <a:fillRef idx="1">
+            <a:schemeClr val="accent1"/>
+          </a:fillRef>
+          <a:effectRef idx="0">
+            <a:schemeClr val="accent1"/>
+          </a:effectRef>
+          <a:fontRef idx="minor">
+            <a:schemeClr val="lt1"/>
+          </a:fontRef>
+        </p:style>
+        <p:txBody>
+          <a:bodyPr rtlCol="0" anchor="ctr"/>
+          <a:lstStyle/>
+          <a:p>
+            <a:pPr algn="ctr"/>
+            <a:endParaRPr lang="de-DE"/>
+          </a:p>
+        </p:txBody>
+      </p:sp>
+      <p:sp>
+        <p:nvSpPr>
+          <p:cNvPr id="7" name="Textfeld 6">
+            <a:extLst>
+              <a:ext uri="{FF2B5EF4-FFF2-40B4-BE49-F238E27FC236}">
+                <a16:creationId xmlns:a16="http://schemas.microsoft.com/office/drawing/2014/main" id="{E04296DA-BF38-4B3A-83DE-9586FB0663C2}"/>
+              </a:ext>
+            </a:extLst>
+          </p:cNvPr>
+          <p:cNvSpPr txBox="1"/>
+          <p:nvPr/>
+        </p:nvSpPr>
+        <p:spPr>
+          <a:xfrm>
+            <a:off x="612685" y="2866301"/>
+            <a:ext cx="10126494" cy="307777"/>
+          </a:xfrm>
+          <a:prstGeom prst="rect">
+            <a:avLst/>
+          </a:prstGeom>
+          <a:noFill/>
+        </p:spPr>
+        <p:txBody>
+          <a:bodyPr wrap="square" rtlCol="0">
+            <a:spAutoFit/>
+          </a:bodyPr>
+          <a:lstStyle/>
+          <a:p>
+            <a:r>
+              <a:rPr lang="en-JM" b="1" dirty="0"/>
+              <a:t>Bibliometric analysis</a:t>
+            </a:r>
+          </a:p>
+        </p:txBody>
+      </p:sp>
+      <p:pic>
+        <p:nvPicPr>
+          <p:cNvPr id="9" name="Grafik 8">
+            <a:extLst>
+              <a:ext uri="{FF2B5EF4-FFF2-40B4-BE49-F238E27FC236}">
+                <a16:creationId xmlns:a16="http://schemas.microsoft.com/office/drawing/2014/main" id="{364ADE12-63FE-4616-83DE-B0EB3285B211}"/>
+              </a:ext>
+            </a:extLst>
+          </p:cNvPr>
+          <p:cNvPicPr>
+            <a:picLocks noChangeAspect="1"/>
+          </p:cNvPicPr>
+          <p:nvPr/>
+        </p:nvPicPr>
+        <p:blipFill rotWithShape="1">
+          <a:blip r:embed="rId2"/>
+          <a:srcRect r="11303" b="14673"/>
+          <a:stretch/>
+        </p:blipFill>
+        <p:spPr>
+          <a:xfrm>
+            <a:off x="686932" y="3311071"/>
+            <a:ext cx="4491042" cy="3113763"/>
+          </a:xfrm>
+          <a:prstGeom prst="rect">
+            <a:avLst/>
+          </a:prstGeom>
+        </p:spPr>
+      </p:pic>
+      <p:pic>
+        <p:nvPicPr>
+          <p:cNvPr id="13" name="Grafik 12">
+            <a:extLst>
+              <a:ext uri="{FF2B5EF4-FFF2-40B4-BE49-F238E27FC236}">
+                <a16:creationId xmlns:a16="http://schemas.microsoft.com/office/drawing/2014/main" id="{13859D61-DD2D-4B1D-8E1B-2D02684FDBA6}"/>
+              </a:ext>
+            </a:extLst>
+          </p:cNvPr>
+          <p:cNvPicPr>
+            <a:picLocks noChangeAspect="1"/>
+          </p:cNvPicPr>
+          <p:nvPr/>
+        </p:nvPicPr>
+        <p:blipFill rotWithShape="1">
+          <a:blip r:embed="rId3"/>
+          <a:srcRect t="5877" b="4207"/>
+          <a:stretch/>
+        </p:blipFill>
+        <p:spPr>
+          <a:xfrm>
+            <a:off x="8701951" y="3225795"/>
+            <a:ext cx="2669991" cy="3416280"/>
+          </a:xfrm>
+          <a:prstGeom prst="rect">
+            <a:avLst/>
+          </a:prstGeom>
+        </p:spPr>
+      </p:pic>
+      <p:pic>
+        <p:nvPicPr>
+          <p:cNvPr id="15" name="Grafik 14">
+            <a:extLst>
+              <a:ext uri="{FF2B5EF4-FFF2-40B4-BE49-F238E27FC236}">
+                <a16:creationId xmlns:a16="http://schemas.microsoft.com/office/drawing/2014/main" id="{4ADF4071-A4CB-4354-8B78-276C27CD5662}"/>
+              </a:ext>
+            </a:extLst>
+          </p:cNvPr>
+          <p:cNvPicPr>
+            <a:picLocks noChangeAspect="1"/>
+          </p:cNvPicPr>
+          <p:nvPr/>
+        </p:nvPicPr>
+        <p:blipFill rotWithShape="1">
+          <a:blip r:embed="rId4"/>
+          <a:srcRect l="2766" t="3840" r="11729" b="2223"/>
+          <a:stretch/>
+        </p:blipFill>
+        <p:spPr>
+          <a:xfrm>
+            <a:off x="5702724" y="3303336"/>
+            <a:ext cx="2339267" cy="3261198"/>
+          </a:xfrm>
+          <a:prstGeom prst="rect">
+            <a:avLst/>
+          </a:prstGeom>
+        </p:spPr>
+      </p:pic>
+      <p:sp>
+        <p:nvSpPr>
+          <p:cNvPr id="16" name="Textfeld 15">
+            <a:extLst>
+              <a:ext uri="{FF2B5EF4-FFF2-40B4-BE49-F238E27FC236}">
+                <a16:creationId xmlns:a16="http://schemas.microsoft.com/office/drawing/2014/main" id="{27F4CB8C-9E31-4514-85D9-71CAE4B132A5}"/>
+              </a:ext>
+            </a:extLst>
+          </p:cNvPr>
+          <p:cNvSpPr txBox="1"/>
+          <p:nvPr/>
+        </p:nvSpPr>
+        <p:spPr>
+          <a:xfrm>
+            <a:off x="6659277" y="1837644"/>
+            <a:ext cx="5063247" cy="584775"/>
+          </a:xfrm>
+          <a:prstGeom prst="rect">
+            <a:avLst/>
+          </a:prstGeom>
+          <a:noFill/>
+        </p:spPr>
+        <p:txBody>
+          <a:bodyPr wrap="square" rtlCol="0">
+            <a:spAutoFit/>
+          </a:bodyPr>
+          <a:lstStyle/>
+          <a:p>
+            <a:pPr marL="285750" indent="-285750">
+              <a:buFont typeface="Arial" panose="020B0604020202020204" pitchFamily="34" charset="0"/>
+              <a:buChar char="•"/>
+            </a:pPr>
+            <a:r>
+              <a:rPr lang="en-029" sz="1600" dirty="0"/>
+              <a:t>Frameworks and architecture solutions</a:t>
+            </a:r>
+          </a:p>
+          <a:p>
+            <a:pPr marL="285750" indent="-285750">
+              <a:buFont typeface="Arial" panose="020B0604020202020204" pitchFamily="34" charset="0"/>
+              <a:buChar char="•"/>
+            </a:pPr>
+            <a:r>
+              <a:rPr lang="en-029" sz="1600" dirty="0"/>
+              <a:t>Main focus: optimize usage of resources</a:t>
+            </a:r>
           </a:p>
         </p:txBody>
       </p:sp>
@@ -20156,31 +21024,6 @@
       </p:grpSpPr>
       <p:sp>
         <p:nvSpPr>
-          <p:cNvPr id="2" name="Textplatzhalter 1">
-            <a:extLst>
-              <a:ext uri="{FF2B5EF4-FFF2-40B4-BE49-F238E27FC236}">
-                <a16:creationId xmlns:a16="http://schemas.microsoft.com/office/drawing/2014/main" id="{B82797F9-4DAA-40CE-AAEF-A6A1108F7128}"/>
-              </a:ext>
-            </a:extLst>
-          </p:cNvPr>
-          <p:cNvSpPr>
-            <a:spLocks noGrp="1"/>
-          </p:cNvSpPr>
-          <p:nvPr>
-            <p:ph type="body" idx="1"/>
-          </p:nvPr>
-        </p:nvSpPr>
-        <p:spPr/>
-        <p:txBody>
-          <a:bodyPr/>
-          <a:lstStyle/>
-          <a:p>
-            <a:endParaRPr lang="de-DE"/>
-          </a:p>
-        </p:txBody>
-      </p:sp>
-      <p:sp>
-        <p:nvSpPr>
           <p:cNvPr id="3" name="Titel 2">
             <a:extLst>
               <a:ext uri="{FF2B5EF4-FFF2-40B4-BE49-F238E27FC236}">
@@ -20236,154 +21079,269 @@
           <a:lstStyle/>
           <a:p>
             <a:r>
-              <a:rPr lang="de-DE" sz="1100" dirty="0"/>
+              <a:rPr lang="en-ID" sz="1100" dirty="0"/>
               <a:t>Motivation</a:t>
             </a:r>
             <a:r>
-              <a:rPr lang="de-DE" sz="1100" b="1" dirty="0"/>
+              <a:rPr lang="en-ID" sz="1100" b="1" dirty="0"/>
               <a:t> |</a:t>
             </a:r>
             <a:r>
-              <a:rPr lang="de-DE" sz="1100" dirty="0"/>
+              <a:rPr lang="en-ID" sz="1100" dirty="0"/>
+              <a:t> Preliminaries </a:t>
+            </a:r>
+            <a:r>
+              <a:rPr lang="en-ID" sz="1100" b="1" dirty="0"/>
+              <a:t>|</a:t>
+            </a:r>
+            <a:r>
+              <a:rPr lang="en-ID" sz="1100" dirty="0"/>
+              <a:t> Methodology </a:t>
+            </a:r>
+            <a:r>
+              <a:rPr lang="en-ID" sz="1100" b="1" dirty="0"/>
+              <a:t>|</a:t>
+            </a:r>
+            <a:r>
+              <a:rPr lang="en-ID" sz="1100" dirty="0"/>
+              <a:t> Literature review </a:t>
+            </a:r>
+            <a:r>
+              <a:rPr lang="en-ID" sz="1100" b="1" dirty="0"/>
+              <a:t>|</a:t>
+            </a:r>
+            <a:r>
+              <a:rPr lang="en-ID" sz="1100" dirty="0"/>
+              <a:t> Solution categorization </a:t>
+            </a:r>
+            <a:r>
+              <a:rPr lang="en-ID" sz="1100" b="1" dirty="0"/>
+              <a:t>|</a:t>
+            </a:r>
+            <a:r>
+              <a:rPr lang="en-ID" sz="1100" dirty="0"/>
+              <a:t> IoTs own footprint </a:t>
+            </a:r>
+            <a:r>
+              <a:rPr lang="en-ID" sz="1100" b="1" dirty="0"/>
+              <a:t>|</a:t>
+            </a:r>
+            <a:r>
+              <a:rPr lang="en-ID" sz="1100" dirty="0"/>
               <a:t> </a:t>
             </a:r>
             <a:r>
-              <a:rPr lang="de-DE" sz="1100" dirty="0" err="1"/>
-              <a:t>Preliminaries</a:t>
-            </a:r>
-            <a:r>
-              <a:rPr lang="de-DE" sz="1100" dirty="0"/>
+              <a:rPr lang="en-ID" sz="1100" b="1" dirty="0"/>
+              <a:t>IoT in food manufacturing</a:t>
+            </a:r>
+            <a:r>
+              <a:rPr lang="en-ID" sz="1100" dirty="0"/>
               <a:t> </a:t>
             </a:r>
             <a:r>
-              <a:rPr lang="de-DE" sz="1100" b="1" dirty="0"/>
+              <a:rPr lang="en-ID" sz="1100" b="1" dirty="0"/>
               <a:t>|</a:t>
             </a:r>
             <a:r>
-              <a:rPr lang="de-DE" sz="1100" dirty="0"/>
-              <a:t> </a:t>
-            </a:r>
-            <a:r>
-              <a:rPr lang="de-DE" sz="1100" dirty="0" err="1"/>
-              <a:t>Methodology</a:t>
-            </a:r>
-            <a:r>
-              <a:rPr lang="de-DE" sz="1100" dirty="0"/>
-              <a:t> </a:t>
-            </a:r>
-            <a:r>
-              <a:rPr lang="de-DE" sz="1100" b="1" dirty="0"/>
+              <a:rPr lang="en-ID" sz="1100" dirty="0"/>
+              <a:t> Discussion </a:t>
+            </a:r>
+            <a:r>
+              <a:rPr lang="en-ID" sz="1100" b="1" dirty="0"/>
               <a:t>|</a:t>
             </a:r>
             <a:r>
-              <a:rPr lang="de-DE" sz="1100" dirty="0"/>
-              <a:t> </a:t>
-            </a:r>
-            <a:r>
-              <a:rPr lang="de-DE" sz="1100" dirty="0" err="1"/>
-              <a:t>Literature</a:t>
-            </a:r>
-            <a:r>
-              <a:rPr lang="de-DE" sz="1100" dirty="0"/>
-              <a:t> review </a:t>
-            </a:r>
-            <a:r>
-              <a:rPr lang="de-DE" sz="1100" b="1" dirty="0"/>
-              <a:t>|</a:t>
-            </a:r>
-            <a:r>
-              <a:rPr lang="de-DE" sz="1100" dirty="0"/>
-              <a:t> Solution </a:t>
-            </a:r>
-            <a:r>
-              <a:rPr lang="de-DE" sz="1100" dirty="0" err="1"/>
-              <a:t>categorization</a:t>
-            </a:r>
-            <a:r>
-              <a:rPr lang="de-DE" sz="1100" dirty="0"/>
-              <a:t> </a:t>
-            </a:r>
-            <a:r>
-              <a:rPr lang="de-DE" sz="1100" b="1" dirty="0"/>
-              <a:t>|</a:t>
-            </a:r>
-            <a:r>
-              <a:rPr lang="de-DE" sz="1100" dirty="0"/>
-              <a:t> </a:t>
-            </a:r>
-            <a:r>
-              <a:rPr lang="de-DE" sz="1100" dirty="0" err="1"/>
-              <a:t>IoTs</a:t>
-            </a:r>
-            <a:r>
-              <a:rPr lang="de-DE" sz="1100" dirty="0"/>
-              <a:t> own </a:t>
-            </a:r>
-            <a:r>
-              <a:rPr lang="de-DE" sz="1100" dirty="0" err="1"/>
-              <a:t>footprint</a:t>
-            </a:r>
-            <a:r>
-              <a:rPr lang="de-DE" sz="1100" dirty="0"/>
-              <a:t> </a:t>
-            </a:r>
-            <a:r>
-              <a:rPr lang="de-DE" sz="1100" b="1" dirty="0"/>
-              <a:t>|</a:t>
-            </a:r>
-            <a:r>
-              <a:rPr lang="de-DE" sz="1100" dirty="0"/>
-              <a:t> </a:t>
-            </a:r>
-            <a:r>
-              <a:rPr lang="de-DE" sz="1100" b="1" dirty="0"/>
-              <a:t>IoT in </a:t>
-            </a:r>
-            <a:r>
-              <a:rPr lang="de-DE" sz="1100" b="1" dirty="0" err="1"/>
-              <a:t>food</a:t>
-            </a:r>
-            <a:r>
-              <a:rPr lang="de-DE" sz="1100" b="1" dirty="0"/>
-              <a:t> </a:t>
-            </a:r>
-            <a:r>
-              <a:rPr lang="de-DE" sz="1100" b="1" dirty="0" err="1"/>
-              <a:t>manufacturing</a:t>
-            </a:r>
-            <a:r>
-              <a:rPr lang="de-DE" sz="1100" dirty="0"/>
-              <a:t> </a:t>
-            </a:r>
-            <a:r>
-              <a:rPr lang="de-DE" sz="1100" b="1" dirty="0"/>
-              <a:t>|</a:t>
-            </a:r>
-            <a:r>
-              <a:rPr lang="de-DE" sz="1100" dirty="0"/>
-              <a:t> </a:t>
-            </a:r>
-            <a:r>
-              <a:rPr lang="de-DE" sz="1100" dirty="0" err="1"/>
-              <a:t>Discussion</a:t>
-            </a:r>
-            <a:r>
-              <a:rPr lang="de-DE" sz="1100" dirty="0"/>
-              <a:t> </a:t>
-            </a:r>
-            <a:r>
-              <a:rPr lang="de-DE" sz="1100" b="1" dirty="0"/>
-              <a:t>|</a:t>
-            </a:r>
-            <a:r>
-              <a:rPr lang="de-DE" sz="1100" dirty="0"/>
-              <a:t> </a:t>
-            </a:r>
-            <a:r>
-              <a:rPr lang="de-DE" sz="1100" dirty="0" err="1"/>
-              <a:t>Conclusion</a:t>
-            </a:r>
-            <a:endParaRPr lang="de-DE" sz="1100" dirty="0"/>
+              <a:rPr lang="en-ID" sz="1100" dirty="0"/>
+              <a:t> Conclusion</a:t>
+            </a:r>
+          </a:p>
+        </p:txBody>
+      </p:sp>
+      <p:sp>
+        <p:nvSpPr>
+          <p:cNvPr id="10" name="Textfeld 9">
+            <a:extLst>
+              <a:ext uri="{FF2B5EF4-FFF2-40B4-BE49-F238E27FC236}">
+                <a16:creationId xmlns:a16="http://schemas.microsoft.com/office/drawing/2014/main" id="{734AA964-E9DA-4823-B86B-5E01363D3CB1}"/>
+              </a:ext>
+            </a:extLst>
+          </p:cNvPr>
+          <p:cNvSpPr txBox="1"/>
+          <p:nvPr/>
+        </p:nvSpPr>
+        <p:spPr>
+          <a:xfrm>
+            <a:off x="504592" y="1831628"/>
+            <a:ext cx="6152242" cy="1477328"/>
+          </a:xfrm>
+          <a:prstGeom prst="rect">
+            <a:avLst/>
+          </a:prstGeom>
+          <a:noFill/>
+        </p:spPr>
+        <p:txBody>
+          <a:bodyPr wrap="square">
+            <a:spAutoFit/>
+          </a:bodyPr>
+          <a:lstStyle/>
+          <a:p>
+            <a:r>
+              <a:rPr lang="en-ID" sz="1600" dirty="0"/>
+              <a:t>Jagtap, Sandeep &amp; Garcia-Garcia, Guillermo &amp; </a:t>
+            </a:r>
+            <a:r>
+              <a:rPr lang="en-ID" sz="1600" dirty="0" err="1"/>
+              <a:t>Rahimifard</a:t>
+            </a:r>
+            <a:r>
+              <a:rPr lang="en-ID" sz="1600" dirty="0"/>
+              <a:t>, Shahin. (2021).</a:t>
+            </a:r>
+          </a:p>
+          <a:p>
+            <a:endParaRPr lang="en-ID" sz="500" dirty="0"/>
+          </a:p>
+          <a:p>
+            <a:r>
+              <a:rPr lang="en-ID" sz="1600" b="1" dirty="0"/>
+              <a:t>Optimisation of the resource efficiency of food manufacturing via the Internet of Things</a:t>
+            </a:r>
+            <a:r>
+              <a:rPr lang="en-ID" sz="1600" dirty="0"/>
+              <a:t>.</a:t>
+            </a:r>
+          </a:p>
+          <a:p>
+            <a:endParaRPr lang="en-ID" sz="500" dirty="0"/>
+          </a:p>
+          <a:p>
+            <a:r>
+              <a:rPr lang="en-ID" sz="1600" dirty="0"/>
+              <a:t>Computers in Industry. 127. 10.1016/j.compind.2021.103397.</a:t>
+            </a:r>
+          </a:p>
+        </p:txBody>
+      </p:sp>
+      <p:pic>
+        <p:nvPicPr>
+          <p:cNvPr id="14" name="Grafik 13">
+            <a:extLst>
+              <a:ext uri="{FF2B5EF4-FFF2-40B4-BE49-F238E27FC236}">
+                <a16:creationId xmlns:a16="http://schemas.microsoft.com/office/drawing/2014/main" id="{77F961A7-D2D0-4BF1-8554-7D8FAE1095B2}"/>
+              </a:ext>
+            </a:extLst>
+          </p:cNvPr>
+          <p:cNvPicPr>
+            <a:picLocks noChangeAspect="1"/>
+          </p:cNvPicPr>
+          <p:nvPr/>
+        </p:nvPicPr>
+        <p:blipFill>
+          <a:blip r:embed="rId2"/>
+          <a:stretch>
+            <a:fillRect/>
+          </a:stretch>
+        </p:blipFill>
+        <p:spPr>
+          <a:xfrm>
+            <a:off x="7015343" y="1285528"/>
+            <a:ext cx="4620985" cy="5096967"/>
+          </a:xfrm>
+          <a:prstGeom prst="rect">
+            <a:avLst/>
+          </a:prstGeom>
+        </p:spPr>
+      </p:pic>
+      <p:sp>
+        <p:nvSpPr>
+          <p:cNvPr id="16" name="Textfeld 15">
+            <a:extLst>
+              <a:ext uri="{FF2B5EF4-FFF2-40B4-BE49-F238E27FC236}">
+                <a16:creationId xmlns:a16="http://schemas.microsoft.com/office/drawing/2014/main" id="{C66A6791-CC59-4207-B1EA-608B34D1FD77}"/>
+              </a:ext>
+            </a:extLst>
+          </p:cNvPr>
+          <p:cNvSpPr txBox="1"/>
+          <p:nvPr/>
+        </p:nvSpPr>
+        <p:spPr>
+          <a:xfrm>
+            <a:off x="504592" y="3960379"/>
+            <a:ext cx="6343650" cy="1762021"/>
+          </a:xfrm>
+          <a:prstGeom prst="rect">
+            <a:avLst/>
+          </a:prstGeom>
+          <a:noFill/>
+        </p:spPr>
+        <p:txBody>
+          <a:bodyPr wrap="square">
+            <a:spAutoFit/>
+          </a:bodyPr>
+          <a:lstStyle/>
+          <a:p>
+            <a:pPr marL="285750" lvl="0" indent="-285750" algn="l" rtl="0">
+              <a:spcBef>
+                <a:spcPts val="500"/>
+              </a:spcBef>
+              <a:spcAft>
+                <a:spcPts val="0"/>
+              </a:spcAft>
+              <a:buFont typeface="Arial" panose="020B0604020202020204" pitchFamily="34" charset="0"/>
+              <a:buChar char="•"/>
+            </a:pPr>
+            <a:r>
+              <a:rPr lang="en-US" sz="1600" b="0" dirty="0"/>
+              <a:t>inefficient food supply chain, large amount of food waste, volumes of water and energy used</a:t>
+            </a:r>
+          </a:p>
+          <a:p>
+            <a:pPr marL="285750" lvl="0" indent="-285750" algn="l" rtl="0">
+              <a:spcBef>
+                <a:spcPts val="500"/>
+              </a:spcBef>
+              <a:spcAft>
+                <a:spcPts val="0"/>
+              </a:spcAft>
+              <a:buFont typeface="Arial" panose="020B0604020202020204" pitchFamily="34" charset="0"/>
+              <a:buChar char="•"/>
+            </a:pPr>
+            <a:r>
+              <a:rPr lang="en-US" sz="1600" b="0" dirty="0"/>
+              <a:t>stricter regulations on the disposal and treatment of food waste, carbon emissions and wastewater discharge</a:t>
+            </a:r>
+          </a:p>
+          <a:p>
+            <a:pPr marL="285750" lvl="0" indent="-285750" algn="l" rtl="0">
+              <a:spcBef>
+                <a:spcPts val="500"/>
+              </a:spcBef>
+              <a:spcAft>
+                <a:spcPts val="0"/>
+              </a:spcAft>
+              <a:buFont typeface="Arial" panose="020B0604020202020204" pitchFamily="34" charset="0"/>
+              <a:buChar char="•"/>
+            </a:pPr>
+            <a:r>
+              <a:rPr lang="en-US" sz="1600" b="0" dirty="0"/>
+              <a:t>accurate real-time monitoring </a:t>
+            </a:r>
+          </a:p>
+          <a:p>
+            <a:pPr lvl="0" algn="l" rtl="0">
+              <a:spcBef>
+                <a:spcPts val="500"/>
+              </a:spcBef>
+              <a:spcAft>
+                <a:spcPts val="0"/>
+              </a:spcAft>
+            </a:pPr>
+            <a:r>
+              <a:rPr lang="en-US" sz="1600" b="0" dirty="0">
+                <a:sym typeface="Wingdings" panose="05000000000000000000" pitchFamily="2" charset="2"/>
+              </a:rPr>
+              <a:t>      help food manufacturers to redesign their processes</a:t>
+            </a:r>
           </a:p>
         </p:txBody>
       </p:sp>

--- a/IoT final presentation.pptx
+++ b/IoT final presentation.pptx
@@ -1916,7 +1916,7 @@
           </a:br>
           <a:r>
             <a:rPr lang="en-US" dirty="0"/>
-            <a:t>Interne</a:t>
+            <a:t>Internet</a:t>
           </a:r>
           <a:endParaRPr lang="de-DE" dirty="0"/>
         </a:p>
@@ -3265,7 +3265,7 @@
           </a:br>
           <a:r>
             <a:rPr lang="en-US" sz="1800" kern="1200" dirty="0"/>
-            <a:t>Interne</a:t>
+            <a:t>Internet</a:t>
           </a:r>
           <a:endParaRPr lang="de-DE" sz="1800" kern="1200" dirty="0"/>
         </a:p>
@@ -16199,15 +16199,7 @@
           <a:p>
             <a:r>
               <a:rPr lang="en-US" b="0" i="1" dirty="0"/>
-              <a:t>What existing solutions in research are using the Internet of Things </a:t>
-            </a:r>
-            <a:r>
-              <a:rPr lang="en-US" b="0" i="1" dirty="0" err="1"/>
-              <a:t>technologie</a:t>
-            </a:r>
-            <a:r>
-              <a:rPr lang="en-US" b="0" i="1" dirty="0"/>
-              <a:t> in supply chains to</a:t>
+              <a:t>What existing solutions in research are using the Internet of Things technology in supply chains to</a:t>
             </a:r>
           </a:p>
           <a:p>
@@ -18862,7 +18854,7 @@
             </a:pPr>
             <a:r>
               <a:rPr lang="en-US" b="0" dirty="0"/>
-              <a:t>companies are struggling to decarbonize their supply chains and achieve net-zero emission</a:t>
+              <a:t>companies are struggling to decarbonize their supply chains and achieve net-zero emissions</a:t>
             </a:r>
           </a:p>
           <a:p>
@@ -19124,7 +19116,7 @@
           <p:nvPr>
             <p:extLst>
               <p:ext uri="{D42A27DB-BD31-4B8C-83A1-F6EECF244321}">
-                <p14:modId xmlns:p14="http://schemas.microsoft.com/office/powerpoint/2010/main" val="1808438685"/>
+                <p14:modId xmlns:p14="http://schemas.microsoft.com/office/powerpoint/2010/main" val="2472689602"/>
               </p:ext>
             </p:extLst>
           </p:nvPr>
